--- a/docs/COMPONENT-DIAGRAM.pptx
+++ b/docs/COMPONENT-DIAGRAM.pptx
@@ -6,7 +6,8 @@
   </p:sldMasterIdLst>
   <p:sldIdLst>
     <p:sldId id="256" r:id="rId2"/>
-    <p:sldId id="258" r:id="rId3"/>
+    <p:sldId id="259" r:id="rId3"/>
+    <p:sldId id="260" r:id="rId4"/>
   </p:sldIdLst>
   <p:sldSz cx="12192000" cy="6858000"/>
   <p:notesSz cx="6858000" cy="9144000"/>
@@ -105,6 +106,11 @@
       </a:defRPr>
     </a:lvl9pPr>
   </p:defaultTextStyle>
+  <p:extLst>
+    <p:ext uri="{EFAFB233-063F-42B5-8137-9DF3F51BA10A}">
+      <p15:sldGuideLst xmlns:p15="http://schemas.microsoft.com/office/powerpoint/2012/main"/>
+    </p:ext>
+  </p:extLst>
 </p:presentation>
 </file>
 
@@ -150,10 +156,9 @@
           </a:lstStyle>
           <a:p>
             <a:r>
-              <a:rPr lang="en-US" smtClean="0"/>
+              <a:rPr lang="en-US"/>
               <a:t>Click to edit Master title style</a:t>
             </a:r>
-            <a:endParaRPr lang="en-US"/>
           </a:p>
         </p:txBody>
       </p:sp>
@@ -215,10 +220,9 @@
           </a:lstStyle>
           <a:p>
             <a:r>
-              <a:rPr lang="en-US" smtClean="0"/>
+              <a:rPr lang="en-US"/>
               <a:t>Click to edit Master subtitle style</a:t>
             </a:r>
-            <a:endParaRPr lang="en-US"/>
           </a:p>
         </p:txBody>
       </p:sp>
@@ -239,7 +243,7 @@
           <a:p>
             <a:fld id="{28BE630F-C39C-4DB9-8258-0B48CA067079}" type="datetimeFigureOut">
               <a:rPr lang="en-US" smtClean="0"/>
-              <a:t>11/25/2021</a:t>
+              <a:t>11/27/2021</a:t>
             </a:fld>
             <a:endParaRPr lang="en-US"/>
           </a:p>
@@ -333,10 +337,9 @@
           <a:lstStyle/>
           <a:p>
             <a:r>
-              <a:rPr lang="en-US" smtClean="0"/>
+              <a:rPr lang="en-US"/>
               <a:t>Click to edit Master title style</a:t>
             </a:r>
-            <a:endParaRPr lang="en-US"/>
           </a:p>
         </p:txBody>
       </p:sp>
@@ -357,38 +360,37 @@
           <a:p>
             <a:pPr lvl="0"/>
             <a:r>
-              <a:rPr lang="en-US" smtClean="0"/>
+              <a:rPr lang="en-US"/>
               <a:t>Click to edit Master text styles</a:t>
             </a:r>
           </a:p>
           <a:p>
             <a:pPr lvl="1"/>
             <a:r>
-              <a:rPr lang="en-US" smtClean="0"/>
+              <a:rPr lang="en-US"/>
               <a:t>Second level</a:t>
             </a:r>
           </a:p>
           <a:p>
             <a:pPr lvl="2"/>
             <a:r>
-              <a:rPr lang="en-US" smtClean="0"/>
+              <a:rPr lang="en-US"/>
               <a:t>Third level</a:t>
             </a:r>
           </a:p>
           <a:p>
             <a:pPr lvl="3"/>
             <a:r>
-              <a:rPr lang="en-US" smtClean="0"/>
+              <a:rPr lang="en-US"/>
               <a:t>Fourth level</a:t>
             </a:r>
           </a:p>
           <a:p>
             <a:pPr lvl="4"/>
             <a:r>
-              <a:rPr lang="en-US" smtClean="0"/>
+              <a:rPr lang="en-US"/>
               <a:t>Fifth level</a:t>
             </a:r>
-            <a:endParaRPr lang="en-US"/>
           </a:p>
         </p:txBody>
       </p:sp>
@@ -409,7 +411,7 @@
           <a:p>
             <a:fld id="{28BE630F-C39C-4DB9-8258-0B48CA067079}" type="datetimeFigureOut">
               <a:rPr lang="en-US" smtClean="0"/>
-              <a:t>11/25/2021</a:t>
+              <a:t>11/27/2021</a:t>
             </a:fld>
             <a:endParaRPr lang="en-US"/>
           </a:p>
@@ -508,10 +510,9 @@
           <a:lstStyle/>
           <a:p>
             <a:r>
-              <a:rPr lang="en-US" smtClean="0"/>
+              <a:rPr lang="en-US"/>
               <a:t>Click to edit Master title style</a:t>
             </a:r>
-            <a:endParaRPr lang="en-US"/>
           </a:p>
         </p:txBody>
       </p:sp>
@@ -537,38 +538,37 @@
           <a:p>
             <a:pPr lvl="0"/>
             <a:r>
-              <a:rPr lang="en-US" smtClean="0"/>
+              <a:rPr lang="en-US"/>
               <a:t>Click to edit Master text styles</a:t>
             </a:r>
           </a:p>
           <a:p>
             <a:pPr lvl="1"/>
             <a:r>
-              <a:rPr lang="en-US" smtClean="0"/>
+              <a:rPr lang="en-US"/>
               <a:t>Second level</a:t>
             </a:r>
           </a:p>
           <a:p>
             <a:pPr lvl="2"/>
             <a:r>
-              <a:rPr lang="en-US" smtClean="0"/>
+              <a:rPr lang="en-US"/>
               <a:t>Third level</a:t>
             </a:r>
           </a:p>
           <a:p>
             <a:pPr lvl="3"/>
             <a:r>
-              <a:rPr lang="en-US" smtClean="0"/>
+              <a:rPr lang="en-US"/>
               <a:t>Fourth level</a:t>
             </a:r>
           </a:p>
           <a:p>
             <a:pPr lvl="4"/>
             <a:r>
-              <a:rPr lang="en-US" smtClean="0"/>
+              <a:rPr lang="en-US"/>
               <a:t>Fifth level</a:t>
             </a:r>
-            <a:endParaRPr lang="en-US"/>
           </a:p>
         </p:txBody>
       </p:sp>
@@ -589,7 +589,7 @@
           <a:p>
             <a:fld id="{28BE630F-C39C-4DB9-8258-0B48CA067079}" type="datetimeFigureOut">
               <a:rPr lang="en-US" smtClean="0"/>
-              <a:t>11/25/2021</a:t>
+              <a:t>11/27/2021</a:t>
             </a:fld>
             <a:endParaRPr lang="en-US"/>
           </a:p>
@@ -683,10 +683,9 @@
           <a:lstStyle/>
           <a:p>
             <a:r>
-              <a:rPr lang="en-US" smtClean="0"/>
+              <a:rPr lang="en-US"/>
               <a:t>Click to edit Master title style</a:t>
             </a:r>
-            <a:endParaRPr lang="en-US"/>
           </a:p>
         </p:txBody>
       </p:sp>
@@ -707,38 +706,37 @@
           <a:p>
             <a:pPr lvl="0"/>
             <a:r>
-              <a:rPr lang="en-US" smtClean="0"/>
+              <a:rPr lang="en-US"/>
               <a:t>Click to edit Master text styles</a:t>
             </a:r>
           </a:p>
           <a:p>
             <a:pPr lvl="1"/>
             <a:r>
-              <a:rPr lang="en-US" smtClean="0"/>
+              <a:rPr lang="en-US"/>
               <a:t>Second level</a:t>
             </a:r>
           </a:p>
           <a:p>
             <a:pPr lvl="2"/>
             <a:r>
-              <a:rPr lang="en-US" smtClean="0"/>
+              <a:rPr lang="en-US"/>
               <a:t>Third level</a:t>
             </a:r>
           </a:p>
           <a:p>
             <a:pPr lvl="3"/>
             <a:r>
-              <a:rPr lang="en-US" smtClean="0"/>
+              <a:rPr lang="en-US"/>
               <a:t>Fourth level</a:t>
             </a:r>
           </a:p>
           <a:p>
             <a:pPr lvl="4"/>
             <a:r>
-              <a:rPr lang="en-US" smtClean="0"/>
+              <a:rPr lang="en-US"/>
               <a:t>Fifth level</a:t>
             </a:r>
-            <a:endParaRPr lang="en-US"/>
           </a:p>
         </p:txBody>
       </p:sp>
@@ -759,7 +757,7 @@
           <a:p>
             <a:fld id="{28BE630F-C39C-4DB9-8258-0B48CA067079}" type="datetimeFigureOut">
               <a:rPr lang="en-US" smtClean="0"/>
-              <a:t>11/25/2021</a:t>
+              <a:t>11/27/2021</a:t>
             </a:fld>
             <a:endParaRPr lang="en-US"/>
           </a:p>
@@ -862,10 +860,9 @@
           </a:lstStyle>
           <a:p>
             <a:r>
-              <a:rPr lang="en-US" smtClean="0"/>
+              <a:rPr lang="en-US"/>
               <a:t>Click to edit Master title style</a:t>
             </a:r>
-            <a:endParaRPr lang="en-US"/>
           </a:p>
         </p:txBody>
       </p:sp>
@@ -982,7 +979,7 @@
           <a:p>
             <a:pPr lvl="0"/>
             <a:r>
-              <a:rPr lang="en-US" smtClean="0"/>
+              <a:rPr lang="en-US"/>
               <a:t>Click to edit Master text styles</a:t>
             </a:r>
           </a:p>
@@ -1005,7 +1002,7 @@
           <a:p>
             <a:fld id="{28BE630F-C39C-4DB9-8258-0B48CA067079}" type="datetimeFigureOut">
               <a:rPr lang="en-US" smtClean="0"/>
-              <a:t>11/25/2021</a:t>
+              <a:t>11/27/2021</a:t>
             </a:fld>
             <a:endParaRPr lang="en-US"/>
           </a:p>
@@ -1099,10 +1096,9 @@
           <a:lstStyle/>
           <a:p>
             <a:r>
-              <a:rPr lang="en-US" smtClean="0"/>
+              <a:rPr lang="en-US"/>
               <a:t>Click to edit Master title style</a:t>
             </a:r>
-            <a:endParaRPr lang="en-US"/>
           </a:p>
         </p:txBody>
       </p:sp>
@@ -1128,38 +1124,37 @@
           <a:p>
             <a:pPr lvl="0"/>
             <a:r>
-              <a:rPr lang="en-US" smtClean="0"/>
+              <a:rPr lang="en-US"/>
               <a:t>Click to edit Master text styles</a:t>
             </a:r>
           </a:p>
           <a:p>
             <a:pPr lvl="1"/>
             <a:r>
-              <a:rPr lang="en-US" smtClean="0"/>
+              <a:rPr lang="en-US"/>
               <a:t>Second level</a:t>
             </a:r>
           </a:p>
           <a:p>
             <a:pPr lvl="2"/>
             <a:r>
-              <a:rPr lang="en-US" smtClean="0"/>
+              <a:rPr lang="en-US"/>
               <a:t>Third level</a:t>
             </a:r>
           </a:p>
           <a:p>
             <a:pPr lvl="3"/>
             <a:r>
-              <a:rPr lang="en-US" smtClean="0"/>
+              <a:rPr lang="en-US"/>
               <a:t>Fourth level</a:t>
             </a:r>
           </a:p>
           <a:p>
             <a:pPr lvl="4"/>
             <a:r>
-              <a:rPr lang="en-US" smtClean="0"/>
+              <a:rPr lang="en-US"/>
               <a:t>Fifth level</a:t>
             </a:r>
-            <a:endParaRPr lang="en-US"/>
           </a:p>
         </p:txBody>
       </p:sp>
@@ -1185,38 +1180,37 @@
           <a:p>
             <a:pPr lvl="0"/>
             <a:r>
-              <a:rPr lang="en-US" smtClean="0"/>
+              <a:rPr lang="en-US"/>
               <a:t>Click to edit Master text styles</a:t>
             </a:r>
           </a:p>
           <a:p>
             <a:pPr lvl="1"/>
             <a:r>
-              <a:rPr lang="en-US" smtClean="0"/>
+              <a:rPr lang="en-US"/>
               <a:t>Second level</a:t>
             </a:r>
           </a:p>
           <a:p>
             <a:pPr lvl="2"/>
             <a:r>
-              <a:rPr lang="en-US" smtClean="0"/>
+              <a:rPr lang="en-US"/>
               <a:t>Third level</a:t>
             </a:r>
           </a:p>
           <a:p>
             <a:pPr lvl="3"/>
             <a:r>
-              <a:rPr lang="en-US" smtClean="0"/>
+              <a:rPr lang="en-US"/>
               <a:t>Fourth level</a:t>
             </a:r>
           </a:p>
           <a:p>
             <a:pPr lvl="4"/>
             <a:r>
-              <a:rPr lang="en-US" smtClean="0"/>
+              <a:rPr lang="en-US"/>
               <a:t>Fifth level</a:t>
             </a:r>
-            <a:endParaRPr lang="en-US"/>
           </a:p>
         </p:txBody>
       </p:sp>
@@ -1237,7 +1231,7 @@
           <a:p>
             <a:fld id="{28BE630F-C39C-4DB9-8258-0B48CA067079}" type="datetimeFigureOut">
               <a:rPr lang="en-US" smtClean="0"/>
-              <a:t>11/25/2021</a:t>
+              <a:t>11/27/2021</a:t>
             </a:fld>
             <a:endParaRPr lang="en-US"/>
           </a:p>
@@ -1336,10 +1330,9 @@
           <a:lstStyle/>
           <a:p>
             <a:r>
-              <a:rPr lang="en-US" smtClean="0"/>
+              <a:rPr lang="en-US"/>
               <a:t>Click to edit Master title style</a:t>
             </a:r>
-            <a:endParaRPr lang="en-US"/>
           </a:p>
         </p:txBody>
       </p:sp>
@@ -1402,7 +1395,7 @@
           <a:p>
             <a:pPr lvl="0"/>
             <a:r>
-              <a:rPr lang="en-US" smtClean="0"/>
+              <a:rPr lang="en-US"/>
               <a:t>Click to edit Master text styles</a:t>
             </a:r>
           </a:p>
@@ -1430,38 +1423,37 @@
           <a:p>
             <a:pPr lvl="0"/>
             <a:r>
-              <a:rPr lang="en-US" smtClean="0"/>
+              <a:rPr lang="en-US"/>
               <a:t>Click to edit Master text styles</a:t>
             </a:r>
           </a:p>
           <a:p>
             <a:pPr lvl="1"/>
             <a:r>
-              <a:rPr lang="en-US" smtClean="0"/>
+              <a:rPr lang="en-US"/>
               <a:t>Second level</a:t>
             </a:r>
           </a:p>
           <a:p>
             <a:pPr lvl="2"/>
             <a:r>
-              <a:rPr lang="en-US" smtClean="0"/>
+              <a:rPr lang="en-US"/>
               <a:t>Third level</a:t>
             </a:r>
           </a:p>
           <a:p>
             <a:pPr lvl="3"/>
             <a:r>
-              <a:rPr lang="en-US" smtClean="0"/>
+              <a:rPr lang="en-US"/>
               <a:t>Fourth level</a:t>
             </a:r>
           </a:p>
           <a:p>
             <a:pPr lvl="4"/>
             <a:r>
-              <a:rPr lang="en-US" smtClean="0"/>
+              <a:rPr lang="en-US"/>
               <a:t>Fifth level</a:t>
             </a:r>
-            <a:endParaRPr lang="en-US"/>
           </a:p>
         </p:txBody>
       </p:sp>
@@ -1524,7 +1516,7 @@
           <a:p>
             <a:pPr lvl="0"/>
             <a:r>
-              <a:rPr lang="en-US" smtClean="0"/>
+              <a:rPr lang="en-US"/>
               <a:t>Click to edit Master text styles</a:t>
             </a:r>
           </a:p>
@@ -1552,38 +1544,37 @@
           <a:p>
             <a:pPr lvl="0"/>
             <a:r>
-              <a:rPr lang="en-US" smtClean="0"/>
+              <a:rPr lang="en-US"/>
               <a:t>Click to edit Master text styles</a:t>
             </a:r>
           </a:p>
           <a:p>
             <a:pPr lvl="1"/>
             <a:r>
-              <a:rPr lang="en-US" smtClean="0"/>
+              <a:rPr lang="en-US"/>
               <a:t>Second level</a:t>
             </a:r>
           </a:p>
           <a:p>
             <a:pPr lvl="2"/>
             <a:r>
-              <a:rPr lang="en-US" smtClean="0"/>
+              <a:rPr lang="en-US"/>
               <a:t>Third level</a:t>
             </a:r>
           </a:p>
           <a:p>
             <a:pPr lvl="3"/>
             <a:r>
-              <a:rPr lang="en-US" smtClean="0"/>
+              <a:rPr lang="en-US"/>
               <a:t>Fourth level</a:t>
             </a:r>
           </a:p>
           <a:p>
             <a:pPr lvl="4"/>
             <a:r>
-              <a:rPr lang="en-US" smtClean="0"/>
+              <a:rPr lang="en-US"/>
               <a:t>Fifth level</a:t>
             </a:r>
-            <a:endParaRPr lang="en-US"/>
           </a:p>
         </p:txBody>
       </p:sp>
@@ -1604,7 +1595,7 @@
           <a:p>
             <a:fld id="{28BE630F-C39C-4DB9-8258-0B48CA067079}" type="datetimeFigureOut">
               <a:rPr lang="en-US" smtClean="0"/>
-              <a:t>11/25/2021</a:t>
+              <a:t>11/27/2021</a:t>
             </a:fld>
             <a:endParaRPr lang="en-US"/>
           </a:p>
@@ -1698,10 +1689,9 @@
           <a:lstStyle/>
           <a:p>
             <a:r>
-              <a:rPr lang="en-US" smtClean="0"/>
+              <a:rPr lang="en-US"/>
               <a:t>Click to edit Master title style</a:t>
             </a:r>
-            <a:endParaRPr lang="en-US"/>
           </a:p>
         </p:txBody>
       </p:sp>
@@ -1722,7 +1712,7 @@
           <a:p>
             <a:fld id="{28BE630F-C39C-4DB9-8258-0B48CA067079}" type="datetimeFigureOut">
               <a:rPr lang="en-US" smtClean="0"/>
-              <a:t>11/25/2021</a:t>
+              <a:t>11/27/2021</a:t>
             </a:fld>
             <a:endParaRPr lang="en-US"/>
           </a:p>
@@ -1817,7 +1807,7 @@
           <a:p>
             <a:fld id="{28BE630F-C39C-4DB9-8258-0B48CA067079}" type="datetimeFigureOut">
               <a:rPr lang="en-US" smtClean="0"/>
-              <a:t>11/25/2021</a:t>
+              <a:t>11/27/2021</a:t>
             </a:fld>
             <a:endParaRPr lang="en-US"/>
           </a:p>
@@ -1920,10 +1910,9 @@
           </a:lstStyle>
           <a:p>
             <a:r>
-              <a:rPr lang="en-US" smtClean="0"/>
+              <a:rPr lang="en-US"/>
               <a:t>Click to edit Master title style</a:t>
             </a:r>
-            <a:endParaRPr lang="en-US"/>
           </a:p>
         </p:txBody>
       </p:sp>
@@ -1977,38 +1966,37 @@
           <a:p>
             <a:pPr lvl="0"/>
             <a:r>
-              <a:rPr lang="en-US" smtClean="0"/>
+              <a:rPr lang="en-US"/>
               <a:t>Click to edit Master text styles</a:t>
             </a:r>
           </a:p>
           <a:p>
             <a:pPr lvl="1"/>
             <a:r>
-              <a:rPr lang="en-US" smtClean="0"/>
+              <a:rPr lang="en-US"/>
               <a:t>Second level</a:t>
             </a:r>
           </a:p>
           <a:p>
             <a:pPr lvl="2"/>
             <a:r>
-              <a:rPr lang="en-US" smtClean="0"/>
+              <a:rPr lang="en-US"/>
               <a:t>Third level</a:t>
             </a:r>
           </a:p>
           <a:p>
             <a:pPr lvl="3"/>
             <a:r>
-              <a:rPr lang="en-US" smtClean="0"/>
+              <a:rPr lang="en-US"/>
               <a:t>Fourth level</a:t>
             </a:r>
           </a:p>
           <a:p>
             <a:pPr lvl="4"/>
             <a:r>
-              <a:rPr lang="en-US" smtClean="0"/>
+              <a:rPr lang="en-US"/>
               <a:t>Fifth level</a:t>
             </a:r>
-            <a:endParaRPr lang="en-US"/>
           </a:p>
         </p:txBody>
       </p:sp>
@@ -2071,7 +2059,7 @@
           <a:p>
             <a:pPr lvl="0"/>
             <a:r>
-              <a:rPr lang="en-US" smtClean="0"/>
+              <a:rPr lang="en-US"/>
               <a:t>Click to edit Master text styles</a:t>
             </a:r>
           </a:p>
@@ -2094,7 +2082,7 @@
           <a:p>
             <a:fld id="{28BE630F-C39C-4DB9-8258-0B48CA067079}" type="datetimeFigureOut">
               <a:rPr lang="en-US" smtClean="0"/>
-              <a:t>11/25/2021</a:t>
+              <a:t>11/27/2021</a:t>
             </a:fld>
             <a:endParaRPr lang="en-US"/>
           </a:p>
@@ -2197,10 +2185,9 @@
           </a:lstStyle>
           <a:p>
             <a:r>
-              <a:rPr lang="en-US" smtClean="0"/>
+              <a:rPr lang="en-US"/>
               <a:t>Click to edit Master title style</a:t>
             </a:r>
-            <a:endParaRPr lang="en-US"/>
           </a:p>
         </p:txBody>
       </p:sp>
@@ -2324,7 +2311,7 @@
           <a:p>
             <a:pPr lvl="0"/>
             <a:r>
-              <a:rPr lang="en-US" smtClean="0"/>
+              <a:rPr lang="en-US"/>
               <a:t>Click to edit Master text styles</a:t>
             </a:r>
           </a:p>
@@ -2347,7 +2334,7 @@
           <a:p>
             <a:fld id="{28BE630F-C39C-4DB9-8258-0B48CA067079}" type="datetimeFigureOut">
               <a:rPr lang="en-US" smtClean="0"/>
-              <a:t>11/25/2021</a:t>
+              <a:t>11/27/2021</a:t>
             </a:fld>
             <a:endParaRPr lang="en-US"/>
           </a:p>
@@ -2456,10 +2443,9 @@
           <a:lstStyle/>
           <a:p>
             <a:r>
-              <a:rPr lang="en-US" smtClean="0"/>
+              <a:rPr lang="en-US"/>
               <a:t>Click to edit Master title style</a:t>
             </a:r>
-            <a:endParaRPr lang="en-US"/>
           </a:p>
         </p:txBody>
       </p:sp>
@@ -2490,38 +2476,37 @@
           <a:p>
             <a:pPr lvl="0"/>
             <a:r>
-              <a:rPr lang="en-US" smtClean="0"/>
+              <a:rPr lang="en-US"/>
               <a:t>Click to edit Master text styles</a:t>
             </a:r>
           </a:p>
           <a:p>
             <a:pPr lvl="1"/>
             <a:r>
-              <a:rPr lang="en-US" smtClean="0"/>
+              <a:rPr lang="en-US"/>
               <a:t>Second level</a:t>
             </a:r>
           </a:p>
           <a:p>
             <a:pPr lvl="2"/>
             <a:r>
-              <a:rPr lang="en-US" smtClean="0"/>
+              <a:rPr lang="en-US"/>
               <a:t>Third level</a:t>
             </a:r>
           </a:p>
           <a:p>
             <a:pPr lvl="3"/>
             <a:r>
-              <a:rPr lang="en-US" smtClean="0"/>
+              <a:rPr lang="en-US"/>
               <a:t>Fourth level</a:t>
             </a:r>
           </a:p>
           <a:p>
             <a:pPr lvl="4"/>
             <a:r>
-              <a:rPr lang="en-US" smtClean="0"/>
+              <a:rPr lang="en-US"/>
               <a:t>Fifth level</a:t>
             </a:r>
-            <a:endParaRPr lang="en-US"/>
           </a:p>
         </p:txBody>
       </p:sp>
@@ -2560,7 +2545,7 @@
           <a:p>
             <a:fld id="{28BE630F-C39C-4DB9-8258-0B48CA067079}" type="datetimeFigureOut">
               <a:rPr lang="en-US" smtClean="0"/>
-              <a:t>11/25/2021</a:t>
+              <a:t>11/27/2021</a:t>
             </a:fld>
             <a:endParaRPr lang="en-US"/>
           </a:p>
@@ -3222,14 +3207,20 @@
       </p:grpSpPr>
       <p:sp>
         <p:nvSpPr>
-          <p:cNvPr id="4" name="TextBox 3"/>
+          <p:cNvPr id="4" name="TextBox 3">
+            <a:extLst>
+              <a:ext uri="{FF2B5EF4-FFF2-40B4-BE49-F238E27FC236}">
+                <a16:creationId xmlns:a16="http://schemas.microsoft.com/office/drawing/2014/main" id="{59670088-AA69-4C6B-B219-F0337C4F14C7}"/>
+              </a:ext>
+            </a:extLst>
+          </p:cNvPr>
           <p:cNvSpPr txBox="1"/>
           <p:nvPr/>
         </p:nvSpPr>
         <p:spPr>
           <a:xfrm>
-            <a:off x="1009380" y="479624"/>
-            <a:ext cx="639919" cy="303481"/>
+            <a:off x="3302591" y="203994"/>
+            <a:ext cx="4608957" cy="400110"/>
           </a:xfrm>
           <a:prstGeom prst="rect">
             <a:avLst/>
@@ -3237,13 +3228,267 @@
           <a:noFill/>
         </p:spPr>
         <p:txBody>
-          <a:bodyPr wrap="none" rtlCol="0">
+          <a:bodyPr wrap="square" rtlCol="0">
             <a:spAutoFit/>
           </a:bodyPr>
           <a:lstStyle/>
           <a:p>
             <a:r>
-              <a:rPr lang="en-US" sz="1372" b="1" i="1" dirty="0">
+              <a:rPr lang="en-US" sz="2000" b="1" dirty="0">
+                <a:solidFill>
+                  <a:srgbClr val="00B050"/>
+                </a:solidFill>
+              </a:rPr>
+              <a:t>Update Component Diagram login/signup </a:t>
+            </a:r>
+          </a:p>
+        </p:txBody>
+      </p:sp>
+      <p:sp>
+        <p:nvSpPr>
+          <p:cNvPr id="5" name="Rectangle: Rounded Corners 4">
+            <a:extLst>
+              <a:ext uri="{FF2B5EF4-FFF2-40B4-BE49-F238E27FC236}">
+                <a16:creationId xmlns:a16="http://schemas.microsoft.com/office/drawing/2014/main" id="{25FB43B2-06C6-4D03-A646-45C04D7E9684}"/>
+              </a:ext>
+            </a:extLst>
+          </p:cNvPr>
+          <p:cNvSpPr/>
+          <p:nvPr/>
+        </p:nvSpPr>
+        <p:spPr>
+          <a:xfrm>
+            <a:off x="1089993" y="1306258"/>
+            <a:ext cx="1731626" cy="1049466"/>
+          </a:xfrm>
+          <a:prstGeom prst="roundRect">
+            <a:avLst/>
+          </a:prstGeom>
+          <a:noFill/>
+          <a:ln w="19050">
+            <a:solidFill>
+              <a:schemeClr val="accent6">
+                <a:lumMod val="75000"/>
+              </a:schemeClr>
+            </a:solidFill>
+            <a:prstDash val="dash"/>
+          </a:ln>
+        </p:spPr>
+        <p:style>
+          <a:lnRef idx="2">
+            <a:schemeClr val="dk1"/>
+          </a:lnRef>
+          <a:fillRef idx="1">
+            <a:schemeClr val="lt1"/>
+          </a:fillRef>
+          <a:effectRef idx="0">
+            <a:schemeClr val="dk1"/>
+          </a:effectRef>
+          <a:fontRef idx="minor">
+            <a:schemeClr val="dk1"/>
+          </a:fontRef>
+        </p:style>
+        <p:txBody>
+          <a:bodyPr rtlCol="0" anchor="ctr"/>
+          <a:lstStyle/>
+          <a:p>
+            <a:pPr algn="ctr"/>
+            <a:endParaRPr lang="en-US" dirty="0">
+              <a:solidFill>
+                <a:srgbClr val="00B050"/>
+              </a:solidFill>
+            </a:endParaRPr>
+          </a:p>
+        </p:txBody>
+      </p:sp>
+      <p:sp>
+        <p:nvSpPr>
+          <p:cNvPr id="6" name="Rectangle: Rounded Corners 5">
+            <a:extLst>
+              <a:ext uri="{FF2B5EF4-FFF2-40B4-BE49-F238E27FC236}">
+                <a16:creationId xmlns:a16="http://schemas.microsoft.com/office/drawing/2014/main" id="{2704A3B4-1254-4082-A0EF-C1BB890068C2}"/>
+              </a:ext>
+            </a:extLst>
+          </p:cNvPr>
+          <p:cNvSpPr/>
+          <p:nvPr/>
+        </p:nvSpPr>
+        <p:spPr>
+          <a:xfrm>
+            <a:off x="2650434" y="4485187"/>
+            <a:ext cx="1991139" cy="1049466"/>
+          </a:xfrm>
+          <a:prstGeom prst="roundRect">
+            <a:avLst/>
+          </a:prstGeom>
+          <a:noFill/>
+          <a:ln w="19050">
+            <a:solidFill>
+              <a:schemeClr val="accent6">
+                <a:lumMod val="75000"/>
+              </a:schemeClr>
+            </a:solidFill>
+            <a:prstDash val="dash"/>
+          </a:ln>
+        </p:spPr>
+        <p:style>
+          <a:lnRef idx="2">
+            <a:schemeClr val="dk1"/>
+          </a:lnRef>
+          <a:fillRef idx="1">
+            <a:schemeClr val="lt1"/>
+          </a:fillRef>
+          <a:effectRef idx="0">
+            <a:schemeClr val="dk1"/>
+          </a:effectRef>
+          <a:fontRef idx="minor">
+            <a:schemeClr val="dk1"/>
+          </a:fontRef>
+        </p:style>
+        <p:txBody>
+          <a:bodyPr rtlCol="0" anchor="ctr"/>
+          <a:lstStyle/>
+          <a:p>
+            <a:pPr algn="ctr"/>
+            <a:endParaRPr lang="en-US" dirty="0">
+              <a:ln>
+                <a:solidFill>
+                  <a:srgbClr val="FF0000"/>
+                </a:solidFill>
+              </a:ln>
+              <a:solidFill>
+                <a:srgbClr val="00B050"/>
+              </a:solidFill>
+            </a:endParaRPr>
+          </a:p>
+        </p:txBody>
+      </p:sp>
+      <p:sp>
+        <p:nvSpPr>
+          <p:cNvPr id="7" name="Rectangle: Rounded Corners 6">
+            <a:extLst>
+              <a:ext uri="{FF2B5EF4-FFF2-40B4-BE49-F238E27FC236}">
+                <a16:creationId xmlns:a16="http://schemas.microsoft.com/office/drawing/2014/main" id="{6E8B3691-AF77-4F36-B6DC-9DD73318640E}"/>
+              </a:ext>
+            </a:extLst>
+          </p:cNvPr>
+          <p:cNvSpPr/>
+          <p:nvPr/>
+        </p:nvSpPr>
+        <p:spPr>
+          <a:xfrm>
+            <a:off x="2650434" y="2416018"/>
+            <a:ext cx="6453809" cy="1049466"/>
+          </a:xfrm>
+          <a:prstGeom prst="roundRect">
+            <a:avLst/>
+          </a:prstGeom>
+          <a:noFill/>
+          <a:ln w="19050">
+            <a:solidFill>
+              <a:schemeClr val="accent5">
+                <a:lumMod val="75000"/>
+              </a:schemeClr>
+            </a:solidFill>
+            <a:prstDash val="dash"/>
+          </a:ln>
+        </p:spPr>
+        <p:style>
+          <a:lnRef idx="2">
+            <a:schemeClr val="dk1"/>
+          </a:lnRef>
+          <a:fillRef idx="1">
+            <a:schemeClr val="lt1"/>
+          </a:fillRef>
+          <a:effectRef idx="0">
+            <a:schemeClr val="dk1"/>
+          </a:effectRef>
+          <a:fontRef idx="minor">
+            <a:schemeClr val="dk1"/>
+          </a:fontRef>
+        </p:style>
+        <p:txBody>
+          <a:bodyPr rtlCol="0" anchor="ctr"/>
+          <a:lstStyle/>
+          <a:p>
+            <a:pPr algn="ctr"/>
+            <a:endParaRPr lang="en-US" dirty="0">
+              <a:solidFill>
+                <a:srgbClr val="00B050"/>
+              </a:solidFill>
+            </a:endParaRPr>
+          </a:p>
+        </p:txBody>
+      </p:sp>
+      <p:sp>
+        <p:nvSpPr>
+          <p:cNvPr id="8" name="TextBox 7">
+            <a:extLst>
+              <a:ext uri="{FF2B5EF4-FFF2-40B4-BE49-F238E27FC236}">
+                <a16:creationId xmlns:a16="http://schemas.microsoft.com/office/drawing/2014/main" id="{1FD1872A-CF1D-4BAD-82A2-A94DB4A30A78}"/>
+              </a:ext>
+            </a:extLst>
+          </p:cNvPr>
+          <p:cNvSpPr txBox="1"/>
+          <p:nvPr/>
+        </p:nvSpPr>
+        <p:spPr>
+          <a:xfrm>
+            <a:off x="2967194" y="4572995"/>
+            <a:ext cx="1551797" cy="338554"/>
+          </a:xfrm>
+          <a:prstGeom prst="rect">
+            <a:avLst/>
+          </a:prstGeom>
+          <a:noFill/>
+        </p:spPr>
+        <p:txBody>
+          <a:bodyPr wrap="square" rtlCol="0">
+            <a:spAutoFit/>
+          </a:bodyPr>
+          <a:lstStyle/>
+          <a:p>
+            <a:r>
+              <a:rPr lang="en-US" sz="1600" b="1" dirty="0">
+                <a:solidFill>
+                  <a:srgbClr val="FF0000"/>
+                </a:solidFill>
+              </a:rPr>
+              <a:t>&lt;signup-view&gt;</a:t>
+            </a:r>
+          </a:p>
+        </p:txBody>
+      </p:sp>
+      <p:sp>
+        <p:nvSpPr>
+          <p:cNvPr id="9" name="TextBox 8">
+            <a:extLst>
+              <a:ext uri="{FF2B5EF4-FFF2-40B4-BE49-F238E27FC236}">
+                <a16:creationId xmlns:a16="http://schemas.microsoft.com/office/drawing/2014/main" id="{AC920754-A489-40EB-A0F1-4E418DAC7667}"/>
+              </a:ext>
+            </a:extLst>
+          </p:cNvPr>
+          <p:cNvSpPr txBox="1"/>
+          <p:nvPr/>
+        </p:nvSpPr>
+        <p:spPr>
+          <a:xfrm>
+            <a:off x="1618669" y="1492437"/>
+            <a:ext cx="959552" cy="338554"/>
+          </a:xfrm>
+          <a:prstGeom prst="rect">
+            <a:avLst/>
+          </a:prstGeom>
+          <a:noFill/>
+        </p:spPr>
+        <p:txBody>
+          <a:bodyPr wrap="square" rtlCol="0">
+            <a:spAutoFit/>
+          </a:bodyPr>
+          <a:lstStyle/>
+          <a:p>
+            <a:r>
+              <a:rPr lang="en-US" sz="1600" b="1" dirty="0">
                 <a:solidFill>
                   <a:srgbClr val="FF0000"/>
                 </a:solidFill>
@@ -3255,25 +3500,478 @@
       </p:sp>
       <p:sp>
         <p:nvSpPr>
-          <p:cNvPr id="5" name="Rounded Rectangle 4"/>
+          <p:cNvPr id="10" name="TextBox 9">
+            <a:extLst>
+              <a:ext uri="{FF2B5EF4-FFF2-40B4-BE49-F238E27FC236}">
+                <a16:creationId xmlns:a16="http://schemas.microsoft.com/office/drawing/2014/main" id="{4CA9B6E5-3BD0-4498-8C3A-AAAF28F0CA44}"/>
+              </a:ext>
+            </a:extLst>
+          </p:cNvPr>
+          <p:cNvSpPr txBox="1"/>
+          <p:nvPr/>
+        </p:nvSpPr>
+        <p:spPr>
+          <a:xfrm>
+            <a:off x="4995240" y="2771474"/>
+            <a:ext cx="1551334" cy="338554"/>
+          </a:xfrm>
+          <a:prstGeom prst="rect">
+            <a:avLst/>
+          </a:prstGeom>
+          <a:noFill/>
+        </p:spPr>
+        <p:txBody>
+          <a:bodyPr wrap="square" rtlCol="0">
+            <a:spAutoFit/>
+          </a:bodyPr>
+          <a:lstStyle/>
+          <a:p>
+            <a:r>
+              <a:rPr lang="en-US" sz="1600" b="1" dirty="0">
+                <a:solidFill>
+                  <a:srgbClr val="7030A0"/>
+                </a:solidFill>
+              </a:rPr>
+              <a:t>&lt;router-view&gt;</a:t>
+            </a:r>
+          </a:p>
+        </p:txBody>
+      </p:sp>
+      <p:sp>
+        <p:nvSpPr>
+          <p:cNvPr id="11" name="Rectangle: Rounded Corners 10">
+            <a:extLst>
+              <a:ext uri="{FF2B5EF4-FFF2-40B4-BE49-F238E27FC236}">
+                <a16:creationId xmlns:a16="http://schemas.microsoft.com/office/drawing/2014/main" id="{73A6E935-8787-4709-9BE8-0F38B7127CA6}"/>
+              </a:ext>
+            </a:extLst>
+          </p:cNvPr>
           <p:cNvSpPr/>
           <p:nvPr/>
         </p:nvSpPr>
         <p:spPr>
           <a:xfrm>
-            <a:off x="523323" y="309043"/>
-            <a:ext cx="1650319" cy="1166483"/>
+            <a:off x="7326435" y="4485187"/>
+            <a:ext cx="1991139" cy="1049466"/>
           </a:xfrm>
           <a:prstGeom prst="roundRect">
             <a:avLst/>
           </a:prstGeom>
           <a:noFill/>
-          <a:ln>
+          <a:ln w="19050">
             <a:solidFill>
-              <a:srgbClr val="FF0000"/>
+              <a:schemeClr val="accent6">
+                <a:lumMod val="75000"/>
+              </a:schemeClr>
             </a:solidFill>
-            <a:prstDash val="lgDash"/>
+            <a:prstDash val="dash"/>
           </a:ln>
+        </p:spPr>
+        <p:style>
+          <a:lnRef idx="2">
+            <a:schemeClr val="dk1"/>
+          </a:lnRef>
+          <a:fillRef idx="1">
+            <a:schemeClr val="lt1"/>
+          </a:fillRef>
+          <a:effectRef idx="0">
+            <a:schemeClr val="dk1"/>
+          </a:effectRef>
+          <a:fontRef idx="minor">
+            <a:schemeClr val="dk1"/>
+          </a:fontRef>
+        </p:style>
+        <p:txBody>
+          <a:bodyPr rtlCol="0" anchor="ctr"/>
+          <a:lstStyle/>
+          <a:p>
+            <a:pPr algn="ctr"/>
+            <a:endParaRPr lang="en-US" dirty="0">
+              <a:ln>
+                <a:solidFill>
+                  <a:srgbClr val="FF0000"/>
+                </a:solidFill>
+              </a:ln>
+              <a:solidFill>
+                <a:srgbClr val="00B050"/>
+              </a:solidFill>
+            </a:endParaRPr>
+          </a:p>
+        </p:txBody>
+      </p:sp>
+      <p:sp>
+        <p:nvSpPr>
+          <p:cNvPr id="12" name="TextBox 11">
+            <a:extLst>
+              <a:ext uri="{FF2B5EF4-FFF2-40B4-BE49-F238E27FC236}">
+                <a16:creationId xmlns:a16="http://schemas.microsoft.com/office/drawing/2014/main" id="{7E6A3BB9-EB29-4161-9D8B-10530CA1C392}"/>
+              </a:ext>
+            </a:extLst>
+          </p:cNvPr>
+          <p:cNvSpPr txBox="1"/>
+          <p:nvPr/>
+        </p:nvSpPr>
+        <p:spPr>
+          <a:xfrm>
+            <a:off x="7643195" y="4572995"/>
+            <a:ext cx="1674379" cy="338554"/>
+          </a:xfrm>
+          <a:prstGeom prst="rect">
+            <a:avLst/>
+          </a:prstGeom>
+          <a:noFill/>
+        </p:spPr>
+        <p:txBody>
+          <a:bodyPr wrap="square" rtlCol="0">
+            <a:spAutoFit/>
+          </a:bodyPr>
+          <a:lstStyle/>
+          <a:p>
+            <a:r>
+              <a:rPr lang="en-US" sz="1600" b="1" dirty="0">
+                <a:solidFill>
+                  <a:srgbClr val="FF0000"/>
+                </a:solidFill>
+              </a:rPr>
+              <a:t>&lt;</a:t>
+            </a:r>
+            <a:r>
+              <a:rPr lang="en-US" sz="1600" b="1" dirty="0" err="1">
+                <a:solidFill>
+                  <a:srgbClr val="FF0000"/>
+                </a:solidFill>
+              </a:rPr>
+              <a:t>signin</a:t>
+            </a:r>
+            <a:r>
+              <a:rPr lang="en-US" sz="1600" b="1" dirty="0">
+                <a:solidFill>
+                  <a:srgbClr val="FF0000"/>
+                </a:solidFill>
+              </a:rPr>
+              <a:t>-view&gt;</a:t>
+            </a:r>
+          </a:p>
+        </p:txBody>
+      </p:sp>
+      <p:sp>
+        <p:nvSpPr>
+          <p:cNvPr id="13" name="Rectangle: Rounded Corners 12">
+            <a:extLst>
+              <a:ext uri="{FF2B5EF4-FFF2-40B4-BE49-F238E27FC236}">
+                <a16:creationId xmlns:a16="http://schemas.microsoft.com/office/drawing/2014/main" id="{DA1C804E-A4A6-4252-940C-1F0013669D0D}"/>
+              </a:ext>
+            </a:extLst>
+          </p:cNvPr>
+          <p:cNvSpPr/>
+          <p:nvPr/>
+        </p:nvSpPr>
+        <p:spPr>
+          <a:xfrm>
+            <a:off x="4641573" y="1306258"/>
+            <a:ext cx="1991139" cy="676910"/>
+          </a:xfrm>
+          <a:prstGeom prst="roundRect">
+            <a:avLst/>
+          </a:prstGeom>
+          <a:noFill/>
+          <a:ln w="19050">
+            <a:solidFill>
+              <a:schemeClr val="accent6">
+                <a:lumMod val="75000"/>
+              </a:schemeClr>
+            </a:solidFill>
+            <a:prstDash val="dash"/>
+          </a:ln>
+        </p:spPr>
+        <p:style>
+          <a:lnRef idx="2">
+            <a:schemeClr val="dk1"/>
+          </a:lnRef>
+          <a:fillRef idx="1">
+            <a:schemeClr val="lt1"/>
+          </a:fillRef>
+          <a:effectRef idx="0">
+            <a:schemeClr val="dk1"/>
+          </a:effectRef>
+          <a:fontRef idx="minor">
+            <a:schemeClr val="dk1"/>
+          </a:fontRef>
+        </p:style>
+        <p:txBody>
+          <a:bodyPr rtlCol="0" anchor="ctr"/>
+          <a:lstStyle/>
+          <a:p>
+            <a:pPr algn="ctr"/>
+            <a:endParaRPr lang="en-US" dirty="0">
+              <a:ln>
+                <a:solidFill>
+                  <a:srgbClr val="FF0000"/>
+                </a:solidFill>
+              </a:ln>
+              <a:solidFill>
+                <a:srgbClr val="00B050"/>
+              </a:solidFill>
+            </a:endParaRPr>
+          </a:p>
+        </p:txBody>
+      </p:sp>
+      <p:sp>
+        <p:nvSpPr>
+          <p:cNvPr id="14" name="TextBox 13">
+            <a:extLst>
+              <a:ext uri="{FF2B5EF4-FFF2-40B4-BE49-F238E27FC236}">
+                <a16:creationId xmlns:a16="http://schemas.microsoft.com/office/drawing/2014/main" id="{919498AC-EEC8-426B-BEAF-2E2CAF35874F}"/>
+              </a:ext>
+            </a:extLst>
+          </p:cNvPr>
+          <p:cNvSpPr txBox="1"/>
+          <p:nvPr/>
+        </p:nvSpPr>
+        <p:spPr>
+          <a:xfrm>
+            <a:off x="4793891" y="1338896"/>
+            <a:ext cx="1756075" cy="338554"/>
+          </a:xfrm>
+          <a:prstGeom prst="rect">
+            <a:avLst/>
+          </a:prstGeom>
+          <a:noFill/>
+        </p:spPr>
+        <p:txBody>
+          <a:bodyPr wrap="square" rtlCol="0">
+            <a:spAutoFit/>
+          </a:bodyPr>
+          <a:lstStyle/>
+          <a:p>
+            <a:r>
+              <a:rPr lang="en-US" sz="1600" b="1" dirty="0">
+                <a:solidFill>
+                  <a:srgbClr val="FF0000"/>
+                </a:solidFill>
+              </a:rPr>
+              <a:t>&lt;sign-Up/sign-In&gt;</a:t>
+            </a:r>
+          </a:p>
+        </p:txBody>
+      </p:sp>
+      <p:cxnSp>
+        <p:nvCxnSpPr>
+          <p:cNvPr id="15" name="Straight Arrow Connector 14">
+            <a:extLst>
+              <a:ext uri="{FF2B5EF4-FFF2-40B4-BE49-F238E27FC236}">
+                <a16:creationId xmlns:a16="http://schemas.microsoft.com/office/drawing/2014/main" id="{5731BB0F-B2A6-4F8B-ABE8-BCBF5C00F043}"/>
+              </a:ext>
+            </a:extLst>
+          </p:cNvPr>
+          <p:cNvCxnSpPr>
+            <a:cxnSpLocks/>
+            <a:stCxn id="13" idx="2"/>
+          </p:cNvCxnSpPr>
+          <p:nvPr/>
+        </p:nvCxnSpPr>
+        <p:spPr>
+          <a:xfrm>
+            <a:off x="5637143" y="1983168"/>
+            <a:ext cx="0" cy="432850"/>
+          </a:xfrm>
+          <a:prstGeom prst="straightConnector1">
+            <a:avLst/>
+          </a:prstGeom>
+          <a:ln w="12700">
+            <a:tailEnd type="triangle"/>
+          </a:ln>
+        </p:spPr>
+        <p:style>
+          <a:lnRef idx="1">
+            <a:schemeClr val="accent1"/>
+          </a:lnRef>
+          <a:fillRef idx="0">
+            <a:schemeClr val="accent1"/>
+          </a:fillRef>
+          <a:effectRef idx="0">
+            <a:schemeClr val="accent1"/>
+          </a:effectRef>
+          <a:fontRef idx="minor">
+            <a:schemeClr val="tx1"/>
+          </a:fontRef>
+        </p:style>
+      </p:cxnSp>
+      <p:cxnSp>
+        <p:nvCxnSpPr>
+          <p:cNvPr id="16" name="Straight Arrow Connector 15">
+            <a:extLst>
+              <a:ext uri="{FF2B5EF4-FFF2-40B4-BE49-F238E27FC236}">
+                <a16:creationId xmlns:a16="http://schemas.microsoft.com/office/drawing/2014/main" id="{45BBDB04-7501-489B-9836-692BBFC8358E}"/>
+              </a:ext>
+            </a:extLst>
+          </p:cNvPr>
+          <p:cNvCxnSpPr>
+            <a:cxnSpLocks/>
+          </p:cNvCxnSpPr>
+          <p:nvPr/>
+        </p:nvCxnSpPr>
+        <p:spPr>
+          <a:xfrm>
+            <a:off x="3646003" y="3465484"/>
+            <a:ext cx="0" cy="1049466"/>
+          </a:xfrm>
+          <a:prstGeom prst="straightConnector1">
+            <a:avLst/>
+          </a:prstGeom>
+          <a:ln w="12700">
+            <a:tailEnd type="triangle"/>
+          </a:ln>
+        </p:spPr>
+        <p:style>
+          <a:lnRef idx="1">
+            <a:schemeClr val="accent1"/>
+          </a:lnRef>
+          <a:fillRef idx="0">
+            <a:schemeClr val="accent1"/>
+          </a:fillRef>
+          <a:effectRef idx="0">
+            <a:schemeClr val="accent1"/>
+          </a:effectRef>
+          <a:fontRef idx="minor">
+            <a:schemeClr val="tx1"/>
+          </a:fontRef>
+        </p:style>
+      </p:cxnSp>
+      <p:cxnSp>
+        <p:nvCxnSpPr>
+          <p:cNvPr id="17" name="Straight Arrow Connector 16">
+            <a:extLst>
+              <a:ext uri="{FF2B5EF4-FFF2-40B4-BE49-F238E27FC236}">
+                <a16:creationId xmlns:a16="http://schemas.microsoft.com/office/drawing/2014/main" id="{98D491A5-244C-41C0-958B-019FF4757264}"/>
+              </a:ext>
+            </a:extLst>
+          </p:cNvPr>
+          <p:cNvCxnSpPr>
+            <a:cxnSpLocks/>
+          </p:cNvCxnSpPr>
+          <p:nvPr/>
+        </p:nvCxnSpPr>
+        <p:spPr>
+          <a:xfrm>
+            <a:off x="8322002" y="3452232"/>
+            <a:ext cx="0" cy="1049466"/>
+          </a:xfrm>
+          <a:prstGeom prst="straightConnector1">
+            <a:avLst/>
+          </a:prstGeom>
+          <a:ln w="12700">
+            <a:tailEnd type="triangle"/>
+          </a:ln>
+        </p:spPr>
+        <p:style>
+          <a:lnRef idx="1">
+            <a:schemeClr val="accent1"/>
+          </a:lnRef>
+          <a:fillRef idx="0">
+            <a:schemeClr val="accent1"/>
+          </a:fillRef>
+          <a:effectRef idx="0">
+            <a:schemeClr val="accent1"/>
+          </a:effectRef>
+          <a:fontRef idx="minor">
+            <a:schemeClr val="tx1"/>
+          </a:fontRef>
+        </p:style>
+      </p:cxnSp>
+      <p:sp>
+        <p:nvSpPr>
+          <p:cNvPr id="18" name="TextBox 17">
+            <a:extLst>
+              <a:ext uri="{FF2B5EF4-FFF2-40B4-BE49-F238E27FC236}">
+                <a16:creationId xmlns:a16="http://schemas.microsoft.com/office/drawing/2014/main" id="{8AE4DBC0-EB10-4379-A415-1A7821FA6315}"/>
+              </a:ext>
+            </a:extLst>
+          </p:cNvPr>
+          <p:cNvSpPr txBox="1"/>
+          <p:nvPr/>
+        </p:nvSpPr>
+        <p:spPr>
+          <a:xfrm>
+            <a:off x="3743092" y="4008275"/>
+            <a:ext cx="995568" cy="338554"/>
+          </a:xfrm>
+          <a:prstGeom prst="rect">
+            <a:avLst/>
+          </a:prstGeom>
+          <a:noFill/>
+        </p:spPr>
+        <p:txBody>
+          <a:bodyPr wrap="square" rtlCol="0">
+            <a:spAutoFit/>
+          </a:bodyPr>
+          <a:lstStyle/>
+          <a:p>
+            <a:r>
+              <a:rPr lang="en-US" sz="1600" dirty="0"/>
+              <a:t>/register</a:t>
+            </a:r>
+          </a:p>
+        </p:txBody>
+      </p:sp>
+      <p:sp>
+        <p:nvSpPr>
+          <p:cNvPr id="19" name="TextBox 18">
+            <a:extLst>
+              <a:ext uri="{FF2B5EF4-FFF2-40B4-BE49-F238E27FC236}">
+                <a16:creationId xmlns:a16="http://schemas.microsoft.com/office/drawing/2014/main" id="{041FE835-F0B2-4C60-BB19-50B0C88E6EBA}"/>
+              </a:ext>
+            </a:extLst>
+          </p:cNvPr>
+          <p:cNvSpPr txBox="1"/>
+          <p:nvPr/>
+        </p:nvSpPr>
+        <p:spPr>
+          <a:xfrm>
+            <a:off x="8375010" y="4008275"/>
+            <a:ext cx="995568" cy="338554"/>
+          </a:xfrm>
+          <a:prstGeom prst="rect">
+            <a:avLst/>
+          </a:prstGeom>
+          <a:noFill/>
+        </p:spPr>
+        <p:txBody>
+          <a:bodyPr wrap="square" rtlCol="0">
+            <a:spAutoFit/>
+          </a:bodyPr>
+          <a:lstStyle/>
+          <a:p>
+            <a:r>
+              <a:rPr lang="en-US" sz="1600" dirty="0"/>
+              <a:t>/login</a:t>
+            </a:r>
+          </a:p>
+        </p:txBody>
+      </p:sp>
+      <p:sp>
+        <p:nvSpPr>
+          <p:cNvPr id="20" name="Arrow: Right 19">
+            <a:extLst>
+              <a:ext uri="{FF2B5EF4-FFF2-40B4-BE49-F238E27FC236}">
+                <a16:creationId xmlns:a16="http://schemas.microsoft.com/office/drawing/2014/main" id="{084908DC-9E1D-4996-86F6-60DBC81E2F33}"/>
+              </a:ext>
+            </a:extLst>
+          </p:cNvPr>
+          <p:cNvSpPr/>
+          <p:nvPr/>
+        </p:nvSpPr>
+        <p:spPr>
+          <a:xfrm>
+            <a:off x="2623929" y="1645013"/>
+            <a:ext cx="630475" cy="324613"/>
+          </a:xfrm>
+          <a:prstGeom prst="rightArrow">
+            <a:avLst/>
+          </a:prstGeom>
+          <a:solidFill>
+            <a:srgbClr val="FFFF00"/>
+          </a:solidFill>
         </p:spPr>
         <p:style>
           <a:lnRef idx="2">
@@ -3296,20 +3994,26 @@
           <a:lstStyle/>
           <a:p>
             <a:pPr algn="ctr"/>
-            <a:endParaRPr lang="en-US" sz="1372"/>
-          </a:p>
-        </p:txBody>
-      </p:sp>
-      <p:sp>
-        <p:nvSpPr>
-          <p:cNvPr id="6" name="TextBox 5"/>
+            <a:endParaRPr lang="en-US"/>
+          </a:p>
+        </p:txBody>
+      </p:sp>
+      <p:sp>
+        <p:nvSpPr>
+          <p:cNvPr id="21" name="TextBox 20">
+            <a:extLst>
+              <a:ext uri="{FF2B5EF4-FFF2-40B4-BE49-F238E27FC236}">
+                <a16:creationId xmlns:a16="http://schemas.microsoft.com/office/drawing/2014/main" id="{DF32F0D7-CC34-4F76-AD73-904DC24568D6}"/>
+              </a:ext>
+            </a:extLst>
+          </p:cNvPr>
           <p:cNvSpPr txBox="1"/>
           <p:nvPr/>
         </p:nvSpPr>
         <p:spPr>
           <a:xfrm>
-            <a:off x="885053" y="892284"/>
-            <a:ext cx="926857" cy="303481"/>
+            <a:off x="2527428" y="1347864"/>
+            <a:ext cx="995568" cy="338554"/>
           </a:xfrm>
           <a:prstGeom prst="rect">
             <a:avLst/>
@@ -3317,29 +4021,40 @@
           <a:noFill/>
         </p:spPr>
         <p:txBody>
-          <a:bodyPr wrap="none" rtlCol="0">
+          <a:bodyPr wrap="square" rtlCol="0">
             <a:spAutoFit/>
           </a:bodyPr>
           <a:lstStyle/>
           <a:p>
             <a:r>
-              <a:rPr lang="en-US" sz="1372" dirty="0" smtClean="0"/>
-              <a:t>Students[]</a:t>
-            </a:r>
-            <a:endParaRPr lang="en-US" sz="1372" dirty="0"/>
-          </a:p>
-        </p:txBody>
-      </p:sp>
-      <p:sp>
-        <p:nvSpPr>
-          <p:cNvPr id="7" name="TextBox 6"/>
+              <a:rPr lang="en-US" sz="1600" b="1" dirty="0">
+                <a:solidFill>
+                  <a:schemeClr val="accent4">
+                    <a:lumMod val="75000"/>
+                  </a:schemeClr>
+                </a:solidFill>
+              </a:rPr>
+              <a:t>PROVIDE</a:t>
+            </a:r>
+          </a:p>
+        </p:txBody>
+      </p:sp>
+      <p:sp>
+        <p:nvSpPr>
+          <p:cNvPr id="22" name="TextBox 21">
+            <a:extLst>
+              <a:ext uri="{FF2B5EF4-FFF2-40B4-BE49-F238E27FC236}">
+                <a16:creationId xmlns:a16="http://schemas.microsoft.com/office/drawing/2014/main" id="{767B954E-22BD-4FB6-988D-40F7F7E8DC53}"/>
+              </a:ext>
+            </a:extLst>
+          </p:cNvPr>
           <p:cNvSpPr txBox="1"/>
           <p:nvPr/>
         </p:nvSpPr>
         <p:spPr>
           <a:xfrm>
-            <a:off x="119555" y="1627265"/>
-            <a:ext cx="3384709" cy="303481"/>
+            <a:off x="2527428" y="1928221"/>
+            <a:ext cx="903791" cy="338554"/>
           </a:xfrm>
           <a:prstGeom prst="rect">
             <a:avLst/>
@@ -3347,73 +4062,42 @@
           <a:noFill/>
         </p:spPr>
         <p:txBody>
-          <a:bodyPr wrap="none" rtlCol="0">
+          <a:bodyPr wrap="square" rtlCol="0">
             <a:spAutoFit/>
           </a:bodyPr>
           <a:lstStyle/>
           <a:p>
             <a:r>
-              <a:rPr lang="en-US" sz="1372" dirty="0" smtClean="0"/>
-              <a:t>// A component with a list of student as data</a:t>
-            </a:r>
-            <a:endParaRPr lang="en-US" sz="1372" dirty="0"/>
-          </a:p>
-        </p:txBody>
-      </p:sp>
-      <p:sp>
-        <p:nvSpPr>
-          <p:cNvPr id="8" name="TextBox 7"/>
-          <p:cNvSpPr txBox="1"/>
+              <a:rPr lang="en-US" sz="1600" dirty="0" err="1"/>
+              <a:t>userIfo</a:t>
+            </a:r>
+            <a:endParaRPr lang="en-US" sz="1600" dirty="0"/>
+          </a:p>
+        </p:txBody>
+      </p:sp>
+      <p:sp>
+        <p:nvSpPr>
+          <p:cNvPr id="23" name="Arrow: Right 22">
+            <a:extLst>
+              <a:ext uri="{FF2B5EF4-FFF2-40B4-BE49-F238E27FC236}">
+                <a16:creationId xmlns:a16="http://schemas.microsoft.com/office/drawing/2014/main" id="{2AE59A2F-14A7-44D5-BD45-78EF5D320B05}"/>
+              </a:ext>
+            </a:extLst>
+          </p:cNvPr>
+          <p:cNvSpPr/>
           <p:nvPr/>
         </p:nvSpPr>
         <p:spPr>
           <a:xfrm>
-            <a:off x="1009380" y="2556074"/>
-            <a:ext cx="639919" cy="303481"/>
-          </a:xfrm>
-          <a:prstGeom prst="rect">
+            <a:off x="6919954" y="4847613"/>
+            <a:ext cx="630475" cy="324613"/>
+          </a:xfrm>
+          <a:prstGeom prst="rightArrow">
             <a:avLst/>
           </a:prstGeom>
-          <a:noFill/>
-        </p:spPr>
-        <p:txBody>
-          <a:bodyPr wrap="none" rtlCol="0">
-            <a:spAutoFit/>
-          </a:bodyPr>
-          <a:lstStyle/>
-          <a:p>
-            <a:r>
-              <a:rPr lang="en-US" sz="1372" b="1" i="1" dirty="0">
-                <a:solidFill>
-                  <a:srgbClr val="FF0000"/>
-                </a:solidFill>
-              </a:rPr>
-              <a:t>&lt;app&gt;</a:t>
-            </a:r>
-          </a:p>
-        </p:txBody>
-      </p:sp>
-      <p:sp>
-        <p:nvSpPr>
-          <p:cNvPr id="9" name="Rounded Rectangle 8"/>
-          <p:cNvSpPr/>
-          <p:nvPr/>
-        </p:nvSpPr>
-        <p:spPr>
-          <a:xfrm>
-            <a:off x="523323" y="2385493"/>
-            <a:ext cx="1650319" cy="1166483"/>
-          </a:xfrm>
-          <a:prstGeom prst="roundRect">
-            <a:avLst/>
-          </a:prstGeom>
-          <a:noFill/>
-          <a:ln>
-            <a:solidFill>
-              <a:srgbClr val="FF0000"/>
-            </a:solidFill>
-            <a:prstDash val="lgDash"/>
-          </a:ln>
+          <a:solidFill>
+            <a:srgbClr val="FFFF00"/>
+          </a:solidFill>
         </p:spPr>
         <p:style>
           <a:lnRef idx="2">
@@ -3436,20 +4120,26 @@
           <a:lstStyle/>
           <a:p>
             <a:pPr algn="ctr"/>
-            <a:endParaRPr lang="en-US" sz="1372"/>
-          </a:p>
-        </p:txBody>
-      </p:sp>
-      <p:sp>
-        <p:nvSpPr>
-          <p:cNvPr id="10" name="TextBox 9"/>
+            <a:endParaRPr lang="en-US"/>
+          </a:p>
+        </p:txBody>
+      </p:sp>
+      <p:sp>
+        <p:nvSpPr>
+          <p:cNvPr id="24" name="TextBox 23">
+            <a:extLst>
+              <a:ext uri="{FF2B5EF4-FFF2-40B4-BE49-F238E27FC236}">
+                <a16:creationId xmlns:a16="http://schemas.microsoft.com/office/drawing/2014/main" id="{287AC68C-F274-440B-A716-5CE9FC125A1F}"/>
+              </a:ext>
+            </a:extLst>
+          </p:cNvPr>
           <p:cNvSpPr txBox="1"/>
           <p:nvPr/>
         </p:nvSpPr>
         <p:spPr>
           <a:xfrm>
-            <a:off x="885053" y="2968734"/>
-            <a:ext cx="926857" cy="303481"/>
+            <a:off x="6794079" y="4572995"/>
+            <a:ext cx="802733" cy="338554"/>
           </a:xfrm>
           <a:prstGeom prst="rect">
             <a:avLst/>
@@ -3457,29 +4147,40 @@
           <a:noFill/>
         </p:spPr>
         <p:txBody>
-          <a:bodyPr wrap="none" rtlCol="0">
+          <a:bodyPr wrap="square" rtlCol="0">
             <a:spAutoFit/>
           </a:bodyPr>
           <a:lstStyle/>
           <a:p>
             <a:r>
-              <a:rPr lang="en-US" sz="1372" dirty="0" smtClean="0"/>
-              <a:t>Students[]</a:t>
-            </a:r>
-            <a:endParaRPr lang="en-US" sz="1372" dirty="0"/>
-          </a:p>
-        </p:txBody>
-      </p:sp>
-      <p:sp>
-        <p:nvSpPr>
-          <p:cNvPr id="11" name="TextBox 10"/>
+              <a:rPr lang="en-US" sz="1600" b="1" dirty="0">
+                <a:solidFill>
+                  <a:schemeClr val="accent4">
+                    <a:lumMod val="75000"/>
+                  </a:schemeClr>
+                </a:solidFill>
+              </a:rPr>
+              <a:t>INJECT</a:t>
+            </a:r>
+          </a:p>
+        </p:txBody>
+      </p:sp>
+      <p:sp>
+        <p:nvSpPr>
+          <p:cNvPr id="25" name="TextBox 24">
+            <a:extLst>
+              <a:ext uri="{FF2B5EF4-FFF2-40B4-BE49-F238E27FC236}">
+                <a16:creationId xmlns:a16="http://schemas.microsoft.com/office/drawing/2014/main" id="{AF0534E2-4944-4924-AC1D-BEBB45CA3F1F}"/>
+              </a:ext>
+            </a:extLst>
+          </p:cNvPr>
           <p:cNvSpPr txBox="1"/>
           <p:nvPr/>
         </p:nvSpPr>
         <p:spPr>
           <a:xfrm>
-            <a:off x="464251" y="3703715"/>
-            <a:ext cx="2183996" cy="303481"/>
+            <a:off x="6880101" y="5108121"/>
+            <a:ext cx="892668" cy="338554"/>
           </a:xfrm>
           <a:prstGeom prst="rect">
             <a:avLst/>
@@ -3487,102 +4188,168 @@
           <a:noFill/>
         </p:spPr>
         <p:txBody>
-          <a:bodyPr wrap="none" rtlCol="0">
+          <a:bodyPr wrap="square" rtlCol="0">
             <a:spAutoFit/>
           </a:bodyPr>
           <a:lstStyle/>
           <a:p>
             <a:r>
-              <a:rPr lang="en-US" sz="1372" dirty="0" smtClean="0"/>
-              <a:t>// </a:t>
-            </a:r>
-            <a:r>
-              <a:rPr lang="en-US" sz="1372" dirty="0" smtClean="0">
+              <a:rPr lang="en-US" sz="1600" dirty="0" err="1"/>
+              <a:t>userIfo</a:t>
+            </a:r>
+            <a:endParaRPr lang="en-US" sz="1600" dirty="0"/>
+          </a:p>
+        </p:txBody>
+      </p:sp>
+    </p:spTree>
+    <p:extLst>
+      <p:ext uri="{BB962C8B-B14F-4D97-AF65-F5344CB8AC3E}">
+        <p14:creationId xmlns:p14="http://schemas.microsoft.com/office/powerpoint/2010/main" val="2813974213"/>
+      </p:ext>
+    </p:extLst>
+  </p:cSld>
+  <p:clrMapOvr>
+    <a:masterClrMapping/>
+  </p:clrMapOvr>
+</p:sld>
+</file>
+
+<file path=ppt/slides/slide3.xml><?xml version="1.0" encoding="utf-8"?>
+<p:sld xmlns:a="http://schemas.openxmlformats.org/drawingml/2006/main" xmlns:r="http://schemas.openxmlformats.org/officeDocument/2006/relationships" xmlns:p="http://schemas.openxmlformats.org/presentationml/2006/main">
+  <p:cSld>
+    <p:spTree>
+      <p:nvGrpSpPr>
+        <p:cNvPr id="1" name=""/>
+        <p:cNvGrpSpPr/>
+        <p:nvPr/>
+      </p:nvGrpSpPr>
+      <p:grpSpPr>
+        <a:xfrm>
+          <a:off x="0" y="0"/>
+          <a:ext cx="0" cy="0"/>
+          <a:chOff x="0" y="0"/>
+          <a:chExt cx="0" cy="0"/>
+        </a:xfrm>
+      </p:grpSpPr>
+      <p:sp>
+        <p:nvSpPr>
+          <p:cNvPr id="4" name="Rectangle: Rounded Corners 3">
+            <a:extLst>
+              <a:ext uri="{FF2B5EF4-FFF2-40B4-BE49-F238E27FC236}">
+                <a16:creationId xmlns:a16="http://schemas.microsoft.com/office/drawing/2014/main" id="{F935ACBB-D1B1-4181-ACC6-524C469439A0}"/>
+              </a:ext>
+            </a:extLst>
+          </p:cNvPr>
+          <p:cNvSpPr/>
+          <p:nvPr/>
+        </p:nvSpPr>
+        <p:spPr>
+          <a:xfrm>
+            <a:off x="6267451" y="398137"/>
+            <a:ext cx="1964366" cy="853846"/>
+          </a:xfrm>
+          <a:prstGeom prst="roundRect">
+            <a:avLst/>
+          </a:prstGeom>
+          <a:noFill/>
+          <a:ln w="19050">
+            <a:solidFill>
+              <a:schemeClr val="accent6">
+                <a:lumMod val="75000"/>
+              </a:schemeClr>
+            </a:solidFill>
+            <a:prstDash val="dash"/>
+          </a:ln>
+        </p:spPr>
+        <p:style>
+          <a:lnRef idx="2">
+            <a:schemeClr val="dk1"/>
+          </a:lnRef>
+          <a:fillRef idx="1">
+            <a:schemeClr val="lt1"/>
+          </a:fillRef>
+          <a:effectRef idx="0">
+            <a:schemeClr val="dk1"/>
+          </a:effectRef>
+          <a:fontRef idx="minor">
+            <a:schemeClr val="dk1"/>
+          </a:fontRef>
+        </p:style>
+        <p:txBody>
+          <a:bodyPr rtlCol="0" anchor="ctr"/>
+          <a:lstStyle/>
+          <a:p>
+            <a:pPr algn="ctr"/>
+            <a:endParaRPr lang="en-US" dirty="0">
+              <a:solidFill>
+                <a:srgbClr val="00B050"/>
+              </a:solidFill>
+            </a:endParaRPr>
+          </a:p>
+        </p:txBody>
+      </p:sp>
+      <p:sp>
+        <p:nvSpPr>
+          <p:cNvPr id="5" name="TextBox 4">
+            <a:extLst>
+              <a:ext uri="{FF2B5EF4-FFF2-40B4-BE49-F238E27FC236}">
+                <a16:creationId xmlns:a16="http://schemas.microsoft.com/office/drawing/2014/main" id="{C4E1D9FF-D502-4B0A-80D5-C06C9F0292E2}"/>
+              </a:ext>
+            </a:extLst>
+          </p:cNvPr>
+          <p:cNvSpPr txBox="1"/>
+          <p:nvPr/>
+        </p:nvSpPr>
+        <p:spPr>
+          <a:xfrm>
+            <a:off x="6756385" y="481724"/>
+            <a:ext cx="760218" cy="338554"/>
+          </a:xfrm>
+          <a:prstGeom prst="rect">
+            <a:avLst/>
+          </a:prstGeom>
+          <a:noFill/>
+        </p:spPr>
+        <p:txBody>
+          <a:bodyPr wrap="square" rtlCol="0">
+            <a:spAutoFit/>
+          </a:bodyPr>
+          <a:lstStyle/>
+          <a:p>
+            <a:r>
+              <a:rPr lang="en-US" sz="1600" b="1" dirty="0">
                 <a:solidFill>
                   <a:srgbClr val="FF0000"/>
                 </a:solidFill>
               </a:rPr>
-              <a:t>app</a:t>
-            </a:r>
-            <a:r>
-              <a:rPr lang="en-US" sz="1372" dirty="0" smtClean="0"/>
-              <a:t> send student to </a:t>
-            </a:r>
-            <a:r>
-              <a:rPr lang="en-US" sz="1372" dirty="0" smtClean="0">
-                <a:solidFill>
-                  <a:srgbClr val="FF0000"/>
-                </a:solidFill>
-              </a:rPr>
-              <a:t>card </a:t>
-            </a:r>
-            <a:endParaRPr lang="en-US" sz="1372" dirty="0">
-              <a:solidFill>
-                <a:srgbClr val="FF0000"/>
-              </a:solidFill>
-            </a:endParaRPr>
-          </a:p>
-        </p:txBody>
-      </p:sp>
-      <p:sp>
-        <p:nvSpPr>
-          <p:cNvPr id="12" name="TextBox 11"/>
-          <p:cNvSpPr txBox="1"/>
+              <a:t>&lt;app&gt;</a:t>
+            </a:r>
+          </a:p>
+        </p:txBody>
+      </p:sp>
+      <p:sp>
+        <p:nvSpPr>
+          <p:cNvPr id="6" name="Arrow: Right 5">
+            <a:extLst>
+              <a:ext uri="{FF2B5EF4-FFF2-40B4-BE49-F238E27FC236}">
+                <a16:creationId xmlns:a16="http://schemas.microsoft.com/office/drawing/2014/main" id="{6224299E-2D28-4F89-B255-EFF93B22DAE6}"/>
+              </a:ext>
+            </a:extLst>
+          </p:cNvPr>
+          <p:cNvSpPr/>
           <p:nvPr/>
         </p:nvSpPr>
         <p:spPr>
           <a:xfrm>
-            <a:off x="1009380" y="4803105"/>
-            <a:ext cx="848309" cy="303481"/>
-          </a:xfrm>
-          <a:prstGeom prst="rect">
+            <a:off x="8239202" y="709656"/>
+            <a:ext cx="715215" cy="264105"/>
+          </a:xfrm>
+          <a:prstGeom prst="rightArrow">
             <a:avLst/>
           </a:prstGeom>
-          <a:noFill/>
-        </p:spPr>
-        <p:txBody>
-          <a:bodyPr wrap="none" rtlCol="0">
-            <a:spAutoFit/>
-          </a:bodyPr>
-          <a:lstStyle/>
-          <a:p>
-            <a:r>
-              <a:rPr lang="en-US" sz="1372" b="1" i="1" dirty="0" smtClean="0">
-                <a:solidFill>
-                  <a:srgbClr val="FF0000"/>
-                </a:solidFill>
-              </a:rPr>
-              <a:t>&lt;parent&gt;</a:t>
-            </a:r>
-            <a:endParaRPr lang="en-US" sz="1372" b="1" i="1" dirty="0">
-              <a:solidFill>
-                <a:srgbClr val="FF0000"/>
-              </a:solidFill>
-            </a:endParaRPr>
-          </a:p>
-        </p:txBody>
-      </p:sp>
-      <p:sp>
-        <p:nvSpPr>
-          <p:cNvPr id="13" name="Rounded Rectangle 12"/>
-          <p:cNvSpPr/>
-          <p:nvPr/>
-        </p:nvSpPr>
-        <p:spPr>
-          <a:xfrm>
-            <a:off x="523323" y="4632524"/>
-            <a:ext cx="1650319" cy="1166483"/>
-          </a:xfrm>
-          <a:prstGeom prst="roundRect">
-            <a:avLst/>
-          </a:prstGeom>
-          <a:noFill/>
-          <a:ln>
-            <a:solidFill>
-              <a:srgbClr val="FF0000"/>
-            </a:solidFill>
-            <a:prstDash val="lgDash"/>
-          </a:ln>
+          <a:solidFill>
+            <a:srgbClr val="FFFF00"/>
+          </a:solidFill>
         </p:spPr>
         <p:style>
           <a:lnRef idx="2">
@@ -3605,20 +4372,26 @@
           <a:lstStyle/>
           <a:p>
             <a:pPr algn="ctr"/>
-            <a:endParaRPr lang="en-US" sz="1372"/>
-          </a:p>
-        </p:txBody>
-      </p:sp>
-      <p:sp>
-        <p:nvSpPr>
-          <p:cNvPr id="14" name="TextBox 13"/>
+            <a:endParaRPr lang="en-US"/>
+          </a:p>
+        </p:txBody>
+      </p:sp>
+      <p:sp>
+        <p:nvSpPr>
+          <p:cNvPr id="7" name="TextBox 6">
+            <a:extLst>
+              <a:ext uri="{FF2B5EF4-FFF2-40B4-BE49-F238E27FC236}">
+                <a16:creationId xmlns:a16="http://schemas.microsoft.com/office/drawing/2014/main" id="{D53A29C6-1EFD-471E-A601-DA0390C59235}"/>
+              </a:ext>
+            </a:extLst>
+          </p:cNvPr>
           <p:cNvSpPr txBox="1"/>
           <p:nvPr/>
         </p:nvSpPr>
         <p:spPr>
           <a:xfrm>
-            <a:off x="885053" y="5215765"/>
-            <a:ext cx="926857" cy="303481"/>
+            <a:off x="8156061" y="391086"/>
+            <a:ext cx="1129379" cy="338554"/>
           </a:xfrm>
           <a:prstGeom prst="rect">
             <a:avLst/>
@@ -3626,29 +4399,40 @@
           <a:noFill/>
         </p:spPr>
         <p:txBody>
-          <a:bodyPr wrap="none" rtlCol="0">
+          <a:bodyPr wrap="square" rtlCol="0">
             <a:spAutoFit/>
           </a:bodyPr>
           <a:lstStyle/>
           <a:p>
             <a:r>
-              <a:rPr lang="en-US" sz="1372" dirty="0" smtClean="0"/>
-              <a:t>Students[]</a:t>
-            </a:r>
-            <a:endParaRPr lang="en-US" sz="1372" dirty="0"/>
-          </a:p>
-        </p:txBody>
-      </p:sp>
-      <p:sp>
-        <p:nvSpPr>
-          <p:cNvPr id="15" name="TextBox 14"/>
+              <a:rPr lang="en-US" sz="1600" b="1" dirty="0">
+                <a:solidFill>
+                  <a:schemeClr val="accent4">
+                    <a:lumMod val="75000"/>
+                  </a:schemeClr>
+                </a:solidFill>
+              </a:rPr>
+              <a:t>PROVIDE</a:t>
+            </a:r>
+          </a:p>
+        </p:txBody>
+      </p:sp>
+      <p:sp>
+        <p:nvSpPr>
+          <p:cNvPr id="8" name="TextBox 7">
+            <a:extLst>
+              <a:ext uri="{FF2B5EF4-FFF2-40B4-BE49-F238E27FC236}">
+                <a16:creationId xmlns:a16="http://schemas.microsoft.com/office/drawing/2014/main" id="{501962D6-56E3-4446-A15C-816A113AFAB3}"/>
+              </a:ext>
+            </a:extLst>
+          </p:cNvPr>
           <p:cNvSpPr txBox="1"/>
           <p:nvPr/>
         </p:nvSpPr>
         <p:spPr>
           <a:xfrm>
-            <a:off x="394083" y="6064417"/>
-            <a:ext cx="3216522" cy="303481"/>
+            <a:off x="8172770" y="890514"/>
+            <a:ext cx="1025266" cy="338554"/>
           </a:xfrm>
           <a:prstGeom prst="rect">
             <a:avLst/>
@@ -3656,64 +4440,291 @@
           <a:noFill/>
         </p:spPr>
         <p:txBody>
-          <a:bodyPr wrap="none" rtlCol="0">
+          <a:bodyPr wrap="square" rtlCol="0">
             <a:spAutoFit/>
           </a:bodyPr>
           <a:lstStyle/>
           <a:p>
             <a:r>
-              <a:rPr lang="en-US" sz="1372" dirty="0" smtClean="0"/>
-              <a:t>// </a:t>
-            </a:r>
-            <a:r>
-              <a:rPr lang="en-US" sz="1372" dirty="0" smtClean="0">
+              <a:rPr lang="en-US" sz="1600" dirty="0" err="1"/>
+              <a:t>userInfo</a:t>
+            </a:r>
+            <a:endParaRPr lang="en-US" sz="1600" dirty="0"/>
+          </a:p>
+        </p:txBody>
+      </p:sp>
+      <p:cxnSp>
+        <p:nvCxnSpPr>
+          <p:cNvPr id="9" name="Straight Connector 8">
+            <a:extLst>
+              <a:ext uri="{FF2B5EF4-FFF2-40B4-BE49-F238E27FC236}">
+                <a16:creationId xmlns:a16="http://schemas.microsoft.com/office/drawing/2014/main" id="{E5F1067E-6432-494C-A9F6-A0356A32135E}"/>
+              </a:ext>
+            </a:extLst>
+          </p:cNvPr>
+          <p:cNvCxnSpPr/>
+          <p:nvPr/>
+        </p:nvCxnSpPr>
+        <p:spPr>
+          <a:xfrm>
+            <a:off x="5924550" y="0"/>
+            <a:ext cx="0" cy="6858000"/>
+          </a:xfrm>
+          <a:prstGeom prst="line">
+            <a:avLst/>
+          </a:prstGeom>
+        </p:spPr>
+        <p:style>
+          <a:lnRef idx="1">
+            <a:schemeClr val="accent1"/>
+          </a:lnRef>
+          <a:fillRef idx="0">
+            <a:schemeClr val="accent1"/>
+          </a:fillRef>
+          <a:effectRef idx="0">
+            <a:schemeClr val="accent1"/>
+          </a:effectRef>
+          <a:fontRef idx="minor">
+            <a:schemeClr val="tx1"/>
+          </a:fontRef>
+        </p:style>
+      </p:cxnSp>
+      <p:sp>
+        <p:nvSpPr>
+          <p:cNvPr id="10" name="TextBox 9">
+            <a:extLst>
+              <a:ext uri="{FF2B5EF4-FFF2-40B4-BE49-F238E27FC236}">
+                <a16:creationId xmlns:a16="http://schemas.microsoft.com/office/drawing/2014/main" id="{1FD9AC3D-0A3B-43FF-AA27-C1EF417F960A}"/>
+              </a:ext>
+            </a:extLst>
+          </p:cNvPr>
+          <p:cNvSpPr txBox="1"/>
+          <p:nvPr/>
+        </p:nvSpPr>
+        <p:spPr>
+          <a:xfrm>
+            <a:off x="6632444" y="734588"/>
+            <a:ext cx="1025265" cy="338554"/>
+          </a:xfrm>
+          <a:prstGeom prst="rect">
+            <a:avLst/>
+          </a:prstGeom>
+          <a:noFill/>
+        </p:spPr>
+        <p:txBody>
+          <a:bodyPr wrap="square" rtlCol="0">
+            <a:spAutoFit/>
+          </a:bodyPr>
+          <a:lstStyle/>
+          <a:p>
+            <a:r>
+              <a:rPr lang="en-US" sz="1600" dirty="0" err="1"/>
+              <a:t>userInfo</a:t>
+            </a:r>
+            <a:r>
+              <a:rPr lang="en-US" sz="1600" dirty="0"/>
+              <a:t>{}</a:t>
+            </a:r>
+          </a:p>
+        </p:txBody>
+      </p:sp>
+      <p:sp>
+        <p:nvSpPr>
+          <p:cNvPr id="11" name="Rectangle: Rounded Corners 10">
+            <a:extLst>
+              <a:ext uri="{FF2B5EF4-FFF2-40B4-BE49-F238E27FC236}">
+                <a16:creationId xmlns:a16="http://schemas.microsoft.com/office/drawing/2014/main" id="{0B356C56-401C-4550-809F-81C9647AFAD7}"/>
+              </a:ext>
+            </a:extLst>
+          </p:cNvPr>
+          <p:cNvSpPr/>
+          <p:nvPr/>
+        </p:nvSpPr>
+        <p:spPr>
+          <a:xfrm>
+            <a:off x="9667586" y="2335327"/>
+            <a:ext cx="1964366" cy="853846"/>
+          </a:xfrm>
+          <a:prstGeom prst="roundRect">
+            <a:avLst/>
+          </a:prstGeom>
+          <a:noFill/>
+          <a:ln w="19050">
+            <a:solidFill>
+              <a:schemeClr val="accent6">
+                <a:lumMod val="75000"/>
+              </a:schemeClr>
+            </a:solidFill>
+            <a:prstDash val="dash"/>
+          </a:ln>
+        </p:spPr>
+        <p:style>
+          <a:lnRef idx="2">
+            <a:schemeClr val="dk1"/>
+          </a:lnRef>
+          <a:fillRef idx="1">
+            <a:schemeClr val="lt1"/>
+          </a:fillRef>
+          <a:effectRef idx="0">
+            <a:schemeClr val="dk1"/>
+          </a:effectRef>
+          <a:fontRef idx="minor">
+            <a:schemeClr val="dk1"/>
+          </a:fontRef>
+        </p:style>
+        <p:txBody>
+          <a:bodyPr rtlCol="0" anchor="ctr"/>
+          <a:lstStyle/>
+          <a:p>
+            <a:pPr algn="ctr"/>
+            <a:endParaRPr lang="en-US" dirty="0">
+              <a:solidFill>
+                <a:srgbClr val="00B050"/>
+              </a:solidFill>
+            </a:endParaRPr>
+          </a:p>
+        </p:txBody>
+      </p:sp>
+      <p:sp>
+        <p:nvSpPr>
+          <p:cNvPr id="12" name="TextBox 11">
+            <a:extLst>
+              <a:ext uri="{FF2B5EF4-FFF2-40B4-BE49-F238E27FC236}">
+                <a16:creationId xmlns:a16="http://schemas.microsoft.com/office/drawing/2014/main" id="{E9DE379E-D876-4DBB-A7D9-848AF669CA2E}"/>
+              </a:ext>
+            </a:extLst>
+          </p:cNvPr>
+          <p:cNvSpPr txBox="1"/>
+          <p:nvPr/>
+        </p:nvSpPr>
+        <p:spPr>
+          <a:xfrm>
+            <a:off x="10204201" y="2335327"/>
+            <a:ext cx="1025265" cy="338554"/>
+          </a:xfrm>
+          <a:prstGeom prst="rect">
+            <a:avLst/>
+          </a:prstGeom>
+          <a:noFill/>
+        </p:spPr>
+        <p:txBody>
+          <a:bodyPr wrap="square" rtlCol="0">
+            <a:spAutoFit/>
+          </a:bodyPr>
+          <a:lstStyle/>
+          <a:p>
+            <a:r>
+              <a:rPr lang="en-US" sz="1600" b="1" dirty="0">
                 <a:solidFill>
                   <a:srgbClr val="FF0000"/>
                 </a:solidFill>
               </a:rPr>
-              <a:t>from</a:t>
-            </a:r>
-            <a:r>
-              <a:rPr lang="en-US" sz="1372" dirty="0" smtClean="0"/>
-              <a:t> send the event validated to </a:t>
-            </a:r>
-            <a:r>
-              <a:rPr lang="en-US" sz="1372" dirty="0" smtClean="0">
-                <a:solidFill>
-                  <a:srgbClr val="FF0000"/>
-                </a:solidFill>
-              </a:rPr>
-              <a:t>parent</a:t>
-            </a:r>
-            <a:endParaRPr lang="en-US" sz="1372" dirty="0">
-              <a:solidFill>
-                <a:srgbClr val="FF0000"/>
-              </a:solidFill>
-            </a:endParaRPr>
-          </a:p>
-        </p:txBody>
-      </p:sp>
-      <p:sp>
-        <p:nvSpPr>
-          <p:cNvPr id="17" name="Rounded Rectangle 16"/>
-          <p:cNvSpPr/>
+              <a:t>&lt;login&gt;</a:t>
+            </a:r>
+          </a:p>
+        </p:txBody>
+      </p:sp>
+      <p:sp>
+        <p:nvSpPr>
+          <p:cNvPr id="13" name="TextBox 12">
+            <a:extLst>
+              <a:ext uri="{FF2B5EF4-FFF2-40B4-BE49-F238E27FC236}">
+                <a16:creationId xmlns:a16="http://schemas.microsoft.com/office/drawing/2014/main" id="{756E6B75-A66D-4365-B8F4-8B6AD9537DBF}"/>
+              </a:ext>
+            </a:extLst>
+          </p:cNvPr>
+          <p:cNvSpPr txBox="1"/>
           <p:nvPr/>
         </p:nvSpPr>
         <p:spPr>
           <a:xfrm>
-            <a:off x="3056973" y="2408786"/>
-            <a:ext cx="1650319" cy="1166483"/>
-          </a:xfrm>
-          <a:prstGeom prst="roundRect">
+            <a:off x="10204201" y="2690758"/>
+            <a:ext cx="1025265" cy="338554"/>
+          </a:xfrm>
+          <a:prstGeom prst="rect">
             <a:avLst/>
           </a:prstGeom>
           <a:noFill/>
-          <a:ln>
-            <a:solidFill>
-              <a:srgbClr val="FF0000"/>
-            </a:solidFill>
-            <a:prstDash val="lgDash"/>
-          </a:ln>
+        </p:spPr>
+        <p:txBody>
+          <a:bodyPr wrap="square" rtlCol="0">
+            <a:spAutoFit/>
+          </a:bodyPr>
+          <a:lstStyle/>
+          <a:p>
+            <a:r>
+              <a:rPr lang="en-US" sz="1600" dirty="0" err="1"/>
+              <a:t>userInfo</a:t>
+            </a:r>
+            <a:r>
+              <a:rPr lang="en-US" sz="1600" dirty="0"/>
+              <a:t>{}</a:t>
+            </a:r>
+          </a:p>
+        </p:txBody>
+      </p:sp>
+      <p:sp>
+        <p:nvSpPr>
+          <p:cNvPr id="14" name="TextBox 13">
+            <a:extLst>
+              <a:ext uri="{FF2B5EF4-FFF2-40B4-BE49-F238E27FC236}">
+                <a16:creationId xmlns:a16="http://schemas.microsoft.com/office/drawing/2014/main" id="{DF67D2F5-AD27-44C4-A747-5A26CCED5343}"/>
+              </a:ext>
+            </a:extLst>
+          </p:cNvPr>
+          <p:cNvSpPr txBox="1"/>
+          <p:nvPr/>
+        </p:nvSpPr>
+        <p:spPr>
+          <a:xfrm>
+            <a:off x="8826176" y="2809681"/>
+            <a:ext cx="1025265" cy="338554"/>
+          </a:xfrm>
+          <a:prstGeom prst="rect">
+            <a:avLst/>
+          </a:prstGeom>
+          <a:noFill/>
+        </p:spPr>
+        <p:txBody>
+          <a:bodyPr wrap="square" rtlCol="0">
+            <a:spAutoFit/>
+          </a:bodyPr>
+          <a:lstStyle/>
+          <a:p>
+            <a:r>
+              <a:rPr lang="en-US" sz="1600" dirty="0" err="1"/>
+              <a:t>userInfo</a:t>
+            </a:r>
+            <a:r>
+              <a:rPr lang="en-US" sz="1600" dirty="0"/>
+              <a:t>{}</a:t>
+            </a:r>
+          </a:p>
+        </p:txBody>
+      </p:sp>
+      <p:sp>
+        <p:nvSpPr>
+          <p:cNvPr id="15" name="Arrow: Right 14">
+            <a:extLst>
+              <a:ext uri="{FF2B5EF4-FFF2-40B4-BE49-F238E27FC236}">
+                <a16:creationId xmlns:a16="http://schemas.microsoft.com/office/drawing/2014/main" id="{B0D302FF-C607-4915-AAA6-6CE85FD59BA9}"/>
+              </a:ext>
+            </a:extLst>
+          </p:cNvPr>
+          <p:cNvSpPr/>
+          <p:nvPr/>
+        </p:nvSpPr>
+        <p:spPr>
+          <a:xfrm>
+            <a:off x="8943182" y="2595930"/>
+            <a:ext cx="715215" cy="264105"/>
+          </a:xfrm>
+          <a:prstGeom prst="rightArrow">
+            <a:avLst/>
+          </a:prstGeom>
+          <a:solidFill>
+            <a:srgbClr val="FFFF00"/>
+          </a:solidFill>
         </p:spPr>
         <p:style>
           <a:lnRef idx="2">
@@ -3736,20 +4747,26 @@
           <a:lstStyle/>
           <a:p>
             <a:pPr algn="ctr"/>
-            <a:endParaRPr lang="en-US" sz="1372"/>
-          </a:p>
-        </p:txBody>
-      </p:sp>
-      <p:sp>
-        <p:nvSpPr>
-          <p:cNvPr id="18" name="TextBox 17"/>
+            <a:endParaRPr lang="en-US"/>
+          </a:p>
+        </p:txBody>
+      </p:sp>
+      <p:sp>
+        <p:nvSpPr>
+          <p:cNvPr id="16" name="TextBox 15">
+            <a:extLst>
+              <a:ext uri="{FF2B5EF4-FFF2-40B4-BE49-F238E27FC236}">
+                <a16:creationId xmlns:a16="http://schemas.microsoft.com/office/drawing/2014/main" id="{15842F55-9100-47E6-99B1-F76342230B42}"/>
+              </a:ext>
+            </a:extLst>
+          </p:cNvPr>
           <p:cNvSpPr txBox="1"/>
           <p:nvPr/>
         </p:nvSpPr>
         <p:spPr>
           <a:xfrm>
-            <a:off x="3418703" y="2992027"/>
-            <a:ext cx="926857" cy="303481"/>
+            <a:off x="8933993" y="2279940"/>
+            <a:ext cx="917448" cy="338554"/>
           </a:xfrm>
           <a:prstGeom prst="rect">
             <a:avLst/>
@@ -3757,29 +4774,40 @@
           <a:noFill/>
         </p:spPr>
         <p:txBody>
-          <a:bodyPr wrap="none" rtlCol="0">
+          <a:bodyPr wrap="square" rtlCol="0">
             <a:spAutoFit/>
           </a:bodyPr>
           <a:lstStyle/>
           <a:p>
             <a:r>
-              <a:rPr lang="en-US" sz="1372" dirty="0" smtClean="0"/>
-              <a:t>Students[]</a:t>
-            </a:r>
-            <a:endParaRPr lang="en-US" sz="1372" dirty="0"/>
-          </a:p>
-        </p:txBody>
-      </p:sp>
-      <p:sp>
-        <p:nvSpPr>
-          <p:cNvPr id="19" name="TextBox 18"/>
+              <a:rPr lang="en-US" sz="1600" b="1" dirty="0">
+                <a:solidFill>
+                  <a:schemeClr val="accent4">
+                    <a:lumMod val="75000"/>
+                  </a:schemeClr>
+                </a:solidFill>
+              </a:rPr>
+              <a:t>INJECT</a:t>
+            </a:r>
+          </a:p>
+        </p:txBody>
+      </p:sp>
+      <p:sp>
+        <p:nvSpPr>
+          <p:cNvPr id="17" name="TextBox 16">
+            <a:extLst>
+              <a:ext uri="{FF2B5EF4-FFF2-40B4-BE49-F238E27FC236}">
+                <a16:creationId xmlns:a16="http://schemas.microsoft.com/office/drawing/2014/main" id="{10238D02-109C-40B7-85AC-43EFB2661CAA}"/>
+              </a:ext>
+            </a:extLst>
+          </p:cNvPr>
           <p:cNvSpPr txBox="1"/>
           <p:nvPr/>
         </p:nvSpPr>
         <p:spPr>
           <a:xfrm>
-            <a:off x="3666083" y="4779442"/>
-            <a:ext cx="713657" cy="303481"/>
+            <a:off x="6360868" y="1522911"/>
+            <a:ext cx="4383329" cy="338554"/>
           </a:xfrm>
           <a:prstGeom prst="rect">
             <a:avLst/>
@@ -3787,63 +4815,72 @@
           <a:noFill/>
         </p:spPr>
         <p:txBody>
-          <a:bodyPr wrap="none" rtlCol="0">
+          <a:bodyPr wrap="square" rtlCol="0">
             <a:spAutoFit/>
           </a:bodyPr>
           <a:lstStyle/>
           <a:p>
             <a:r>
-              <a:rPr lang="en-US" sz="1372" b="1" i="1" dirty="0" smtClean="0">
+              <a:rPr lang="en-US" sz="1600" dirty="0"/>
+              <a:t>// </a:t>
+            </a:r>
+            <a:r>
+              <a:rPr lang="en-US" sz="1600" dirty="0">
                 <a:solidFill>
                   <a:srgbClr val="FF0000"/>
                 </a:solidFill>
               </a:rPr>
-              <a:t>&lt;from&gt;</a:t>
-            </a:r>
-            <a:endParaRPr lang="en-US" sz="1372" b="1" i="1" dirty="0">
-              <a:solidFill>
-                <a:srgbClr val="FF0000"/>
-              </a:solidFill>
-            </a:endParaRPr>
-          </a:p>
-        </p:txBody>
-      </p:sp>
-      <p:sp>
-        <p:nvSpPr>
-          <p:cNvPr id="20" name="Rounded Rectangle 19"/>
+              <a:t>app  </a:t>
+            </a:r>
+            <a:r>
+              <a:rPr lang="en-US" sz="1600" dirty="0"/>
+              <a:t>provides user information to anymore</a:t>
+            </a:r>
+          </a:p>
+        </p:txBody>
+      </p:sp>
+      <p:sp>
+        <p:nvSpPr>
+          <p:cNvPr id="18" name="Rectangle: Rounded Corners 17">
+            <a:extLst>
+              <a:ext uri="{FF2B5EF4-FFF2-40B4-BE49-F238E27FC236}">
+                <a16:creationId xmlns:a16="http://schemas.microsoft.com/office/drawing/2014/main" id="{D7BA7CA2-B310-42DF-A1B1-E4F1470A1424}"/>
+              </a:ext>
+            </a:extLst>
+          </p:cNvPr>
           <p:cNvSpPr/>
           <p:nvPr/>
         </p:nvSpPr>
         <p:spPr>
           <a:xfrm>
-            <a:off x="3180026" y="4608861"/>
-            <a:ext cx="1650319" cy="1166483"/>
+            <a:off x="6267451" y="4533637"/>
+            <a:ext cx="2645466" cy="684786"/>
           </a:xfrm>
           <a:prstGeom prst="roundRect">
             <a:avLst/>
           </a:prstGeom>
           <a:noFill/>
-          <a:ln>
+          <a:ln w="19050">
             <a:solidFill>
-              <a:srgbClr val="FF0000"/>
+              <a:schemeClr val="accent5">
+                <a:lumMod val="75000"/>
+              </a:schemeClr>
             </a:solidFill>
-            <a:prstDash val="lgDash"/>
+            <a:prstDash val="dash"/>
           </a:ln>
         </p:spPr>
         <p:style>
           <a:lnRef idx="2">
-            <a:schemeClr val="accent1">
-              <a:shade val="50000"/>
-            </a:schemeClr>
+            <a:schemeClr val="dk1"/>
           </a:lnRef>
           <a:fillRef idx="1">
-            <a:schemeClr val="accent1"/>
+            <a:schemeClr val="lt1"/>
           </a:fillRef>
           <a:effectRef idx="0">
-            <a:schemeClr val="accent1"/>
+            <a:schemeClr val="dk1"/>
           </a:effectRef>
           <a:fontRef idx="minor">
-            <a:schemeClr val="lt1"/>
+            <a:schemeClr val="dk1"/>
           </a:fontRef>
         </p:style>
         <p:txBody>
@@ -3851,20 +4888,30 @@
           <a:lstStyle/>
           <a:p>
             <a:pPr algn="ctr"/>
-            <a:endParaRPr lang="en-US" sz="1372"/>
-          </a:p>
-        </p:txBody>
-      </p:sp>
-      <p:sp>
-        <p:nvSpPr>
-          <p:cNvPr id="21" name="TextBox 20"/>
+            <a:endParaRPr lang="en-US" dirty="0">
+              <a:solidFill>
+                <a:srgbClr val="00B050"/>
+              </a:solidFill>
+            </a:endParaRPr>
+          </a:p>
+        </p:txBody>
+      </p:sp>
+      <p:sp>
+        <p:nvSpPr>
+          <p:cNvPr id="19" name="TextBox 18">
+            <a:extLst>
+              <a:ext uri="{FF2B5EF4-FFF2-40B4-BE49-F238E27FC236}">
+                <a16:creationId xmlns:a16="http://schemas.microsoft.com/office/drawing/2014/main" id="{F2E6B44E-2FCA-438C-82F7-D8FF7B4B246B}"/>
+              </a:ext>
+            </a:extLst>
+          </p:cNvPr>
           <p:cNvSpPr txBox="1"/>
           <p:nvPr/>
         </p:nvSpPr>
         <p:spPr>
           <a:xfrm>
-            <a:off x="3541756" y="5192102"/>
-            <a:ext cx="926857" cy="303481"/>
+            <a:off x="6972534" y="4714890"/>
+            <a:ext cx="1427751" cy="338554"/>
           </a:xfrm>
           <a:prstGeom prst="rect">
             <a:avLst/>
@@ -3872,77 +4919,38 @@
           <a:noFill/>
         </p:spPr>
         <p:txBody>
-          <a:bodyPr wrap="none" rtlCol="0">
+          <a:bodyPr wrap="square" rtlCol="0">
             <a:spAutoFit/>
           </a:bodyPr>
           <a:lstStyle/>
           <a:p>
             <a:r>
-              <a:rPr lang="en-US" sz="1372" dirty="0" smtClean="0"/>
-              <a:t>Students[]</a:t>
-            </a:r>
-            <a:endParaRPr lang="en-US" sz="1372" dirty="0"/>
-          </a:p>
-        </p:txBody>
-      </p:sp>
-      <p:sp>
-        <p:nvSpPr>
-          <p:cNvPr id="22" name="Right Arrow 21"/>
-          <p:cNvSpPr/>
-          <p:nvPr/>
-        </p:nvSpPr>
-        <p:spPr>
-          <a:xfrm>
-            <a:off x="2197551" y="2768367"/>
-            <a:ext cx="696809" cy="333683"/>
-          </a:xfrm>
-          <a:prstGeom prst="rightArrow">
-            <a:avLst/>
-          </a:prstGeom>
-          <a:solidFill>
-            <a:schemeClr val="accent6"/>
-          </a:solidFill>
-        </p:spPr>
-        <p:style>
-          <a:lnRef idx="2">
-            <a:schemeClr val="accent1">
-              <a:shade val="50000"/>
-            </a:schemeClr>
-          </a:lnRef>
-          <a:fillRef idx="1">
-            <a:schemeClr val="accent1"/>
-          </a:fillRef>
-          <a:effectRef idx="0">
-            <a:schemeClr val="accent1"/>
-          </a:effectRef>
-          <a:fontRef idx="minor">
-            <a:schemeClr val="lt1"/>
-          </a:fontRef>
-        </p:style>
-        <p:txBody>
-          <a:bodyPr rot="0" spcFirstLastPara="0" vertOverflow="overflow" horzOverflow="overflow" vert="horz" wrap="square" lIns="69681" tIns="34840" rIns="69681" bIns="34840" numCol="1" spcCol="0" rtlCol="0" fromWordArt="0" anchor="ctr" anchorCtr="0" forceAA="0" compatLnSpc="1">
-            <a:prstTxWarp prst="textNoShape">
-              <a:avLst/>
-            </a:prstTxWarp>
-            <a:noAutofit/>
-          </a:bodyPr>
-          <a:lstStyle/>
-          <a:p>
-            <a:pPr algn="ctr"/>
-            <a:endParaRPr lang="en-US" sz="1372"/>
-          </a:p>
-        </p:txBody>
-      </p:sp>
-      <p:sp>
-        <p:nvSpPr>
-          <p:cNvPr id="23" name="TextBox 22"/>
+              <a:rPr lang="en-US" sz="1600" b="1" dirty="0">
+                <a:solidFill>
+                  <a:srgbClr val="7030A0"/>
+                </a:solidFill>
+              </a:rPr>
+              <a:t>&lt;router-view&gt;</a:t>
+            </a:r>
+          </a:p>
+        </p:txBody>
+      </p:sp>
+      <p:sp>
+        <p:nvSpPr>
+          <p:cNvPr id="20" name="TextBox 19">
+            <a:extLst>
+              <a:ext uri="{FF2B5EF4-FFF2-40B4-BE49-F238E27FC236}">
+                <a16:creationId xmlns:a16="http://schemas.microsoft.com/office/drawing/2014/main" id="{B643F800-F34D-4076-8E7F-C68C8AA6F0EF}"/>
+              </a:ext>
+            </a:extLst>
+          </p:cNvPr>
           <p:cNvSpPr txBox="1"/>
           <p:nvPr/>
         </p:nvSpPr>
         <p:spPr>
           <a:xfrm>
-            <a:off x="2156606" y="3120474"/>
-            <a:ext cx="735714" cy="303481"/>
+            <a:off x="6385049" y="5509867"/>
+            <a:ext cx="2911350" cy="338554"/>
           </a:xfrm>
           <a:prstGeom prst="rect">
             <a:avLst/>
@@ -3950,29 +4958,91 @@
           <a:noFill/>
         </p:spPr>
         <p:txBody>
-          <a:bodyPr wrap="none" rtlCol="0">
+          <a:bodyPr wrap="square" rtlCol="0">
             <a:spAutoFit/>
           </a:bodyPr>
           <a:lstStyle/>
           <a:p>
             <a:r>
-              <a:rPr lang="en-US" sz="1372" dirty="0" smtClean="0"/>
-              <a:t>student</a:t>
-            </a:r>
-            <a:endParaRPr lang="en-US" sz="1372" dirty="0"/>
-          </a:p>
-        </p:txBody>
-      </p:sp>
-      <p:sp>
-        <p:nvSpPr>
-          <p:cNvPr id="24" name="TextBox 23"/>
+              <a:rPr lang="en-US" sz="1600" dirty="0"/>
+              <a:t>// Vue JS built-in component</a:t>
+            </a:r>
+          </a:p>
+        </p:txBody>
+      </p:sp>
+      <p:sp>
+        <p:nvSpPr>
+          <p:cNvPr id="21" name="Rectangle: Rounded Corners 20">
+            <a:extLst>
+              <a:ext uri="{FF2B5EF4-FFF2-40B4-BE49-F238E27FC236}">
+                <a16:creationId xmlns:a16="http://schemas.microsoft.com/office/drawing/2014/main" id="{471218D4-50C0-4F67-B38C-5D5949AFC1CB}"/>
+              </a:ext>
+            </a:extLst>
+          </p:cNvPr>
+          <p:cNvSpPr/>
+          <p:nvPr/>
+        </p:nvSpPr>
+        <p:spPr>
+          <a:xfrm>
+            <a:off x="1199332" y="481724"/>
+            <a:ext cx="1964366" cy="853846"/>
+          </a:xfrm>
+          <a:prstGeom prst="roundRect">
+            <a:avLst/>
+          </a:prstGeom>
+          <a:noFill/>
+          <a:ln w="19050">
+            <a:solidFill>
+              <a:schemeClr val="accent6">
+                <a:lumMod val="75000"/>
+              </a:schemeClr>
+            </a:solidFill>
+            <a:prstDash val="dash"/>
+          </a:ln>
+        </p:spPr>
+        <p:style>
+          <a:lnRef idx="2">
+            <a:schemeClr val="dk1"/>
+          </a:lnRef>
+          <a:fillRef idx="1">
+            <a:schemeClr val="lt1"/>
+          </a:fillRef>
+          <a:effectRef idx="0">
+            <a:schemeClr val="dk1"/>
+          </a:effectRef>
+          <a:fontRef idx="minor">
+            <a:schemeClr val="dk1"/>
+          </a:fontRef>
+        </p:style>
+        <p:txBody>
+          <a:bodyPr rtlCol="0" anchor="ctr"/>
+          <a:lstStyle/>
+          <a:p>
+            <a:pPr algn="ctr"/>
+            <a:endParaRPr lang="en-US" dirty="0">
+              <a:solidFill>
+                <a:srgbClr val="00B050"/>
+              </a:solidFill>
+            </a:endParaRPr>
+          </a:p>
+        </p:txBody>
+      </p:sp>
+      <p:sp>
+        <p:nvSpPr>
+          <p:cNvPr id="22" name="TextBox 21">
+            <a:extLst>
+              <a:ext uri="{FF2B5EF4-FFF2-40B4-BE49-F238E27FC236}">
+                <a16:creationId xmlns:a16="http://schemas.microsoft.com/office/drawing/2014/main" id="{001AFAB7-3BED-4AB6-9756-303D0A55C42D}"/>
+              </a:ext>
+            </a:extLst>
+          </p:cNvPr>
           <p:cNvSpPr txBox="1"/>
           <p:nvPr/>
         </p:nvSpPr>
         <p:spPr>
           <a:xfrm>
-            <a:off x="2188492" y="2550268"/>
-            <a:ext cx="670248" cy="303481"/>
+            <a:off x="1688266" y="565311"/>
+            <a:ext cx="760218" cy="338554"/>
           </a:xfrm>
           <a:prstGeom prst="rect">
             <a:avLst/>
@@ -3980,235 +5050,13 @@
           <a:noFill/>
         </p:spPr>
         <p:txBody>
-          <a:bodyPr wrap="none" rtlCol="0">
+          <a:bodyPr wrap="square" rtlCol="0">
             <a:spAutoFit/>
           </a:bodyPr>
           <a:lstStyle/>
           <a:p>
             <a:r>
-              <a:rPr lang="en-US" sz="1372" b="1" dirty="0" smtClean="0">
-                <a:solidFill>
-                  <a:schemeClr val="accent6"/>
-                </a:solidFill>
-              </a:rPr>
-              <a:t>PROPS</a:t>
-            </a:r>
-            <a:endParaRPr lang="en-US" sz="1372" b="1" dirty="0">
-              <a:solidFill>
-                <a:schemeClr val="accent6"/>
-              </a:solidFill>
-            </a:endParaRPr>
-          </a:p>
-        </p:txBody>
-      </p:sp>
-      <p:sp>
-        <p:nvSpPr>
-          <p:cNvPr id="25" name="TextBox 24"/>
-          <p:cNvSpPr txBox="1"/>
-          <p:nvPr/>
-        </p:nvSpPr>
-        <p:spPr>
-          <a:xfrm>
-            <a:off x="3562171" y="2587817"/>
-            <a:ext cx="680251" cy="303481"/>
-          </a:xfrm>
-          <a:prstGeom prst="rect">
-            <a:avLst/>
-          </a:prstGeom>
-          <a:noFill/>
-        </p:spPr>
-        <p:txBody>
-          <a:bodyPr wrap="none" rtlCol="0">
-            <a:spAutoFit/>
-          </a:bodyPr>
-          <a:lstStyle/>
-          <a:p>
-            <a:r>
-              <a:rPr lang="en-US" sz="1372" b="1" i="1" dirty="0" smtClean="0">
-                <a:solidFill>
-                  <a:srgbClr val="FF0000"/>
-                </a:solidFill>
-              </a:rPr>
-              <a:t>&lt;card&gt;</a:t>
-            </a:r>
-            <a:endParaRPr lang="en-US" sz="1372" b="1" i="1" dirty="0">
-              <a:solidFill>
-                <a:srgbClr val="FF0000"/>
-              </a:solidFill>
-            </a:endParaRPr>
-          </a:p>
-        </p:txBody>
-      </p:sp>
-      <p:sp>
-        <p:nvSpPr>
-          <p:cNvPr id="26" name="Right Arrow 25"/>
-          <p:cNvSpPr/>
-          <p:nvPr/>
-        </p:nvSpPr>
-        <p:spPr>
-          <a:xfrm flipH="1">
-            <a:off x="2387600" y="5000637"/>
-            <a:ext cx="792424" cy="400041"/>
-          </a:xfrm>
-          <a:prstGeom prst="rightArrow">
-            <a:avLst/>
-          </a:prstGeom>
-          <a:solidFill>
-            <a:srgbClr val="FF0000"/>
-          </a:solidFill>
-        </p:spPr>
-        <p:style>
-          <a:lnRef idx="2">
-            <a:schemeClr val="accent1">
-              <a:shade val="50000"/>
-            </a:schemeClr>
-          </a:lnRef>
-          <a:fillRef idx="1">
-            <a:schemeClr val="accent1"/>
-          </a:fillRef>
-          <a:effectRef idx="0">
-            <a:schemeClr val="accent1"/>
-          </a:effectRef>
-          <a:fontRef idx="minor">
-            <a:schemeClr val="lt1"/>
-          </a:fontRef>
-        </p:style>
-        <p:txBody>
-          <a:bodyPr rot="0" spcFirstLastPara="0" vertOverflow="overflow" horzOverflow="overflow" vert="horz" wrap="square" lIns="69681" tIns="34840" rIns="69681" bIns="34840" numCol="1" spcCol="0" rtlCol="0" fromWordArt="0" anchor="ctr" anchorCtr="0" forceAA="0" compatLnSpc="1">
-            <a:prstTxWarp prst="textNoShape">
-              <a:avLst/>
-            </a:prstTxWarp>
-            <a:noAutofit/>
-          </a:bodyPr>
-          <a:lstStyle/>
-          <a:p>
-            <a:pPr algn="ctr"/>
-            <a:endParaRPr lang="en-US" sz="1372"/>
-          </a:p>
-        </p:txBody>
-      </p:sp>
-      <p:sp>
-        <p:nvSpPr>
-          <p:cNvPr id="27" name="TextBox 26"/>
-          <p:cNvSpPr txBox="1"/>
-          <p:nvPr/>
-        </p:nvSpPr>
-        <p:spPr>
-          <a:xfrm>
-            <a:off x="2523616" y="5336639"/>
-            <a:ext cx="701474" cy="303481"/>
-          </a:xfrm>
-          <a:prstGeom prst="rect">
-            <a:avLst/>
-          </a:prstGeom>
-          <a:noFill/>
-        </p:spPr>
-        <p:txBody>
-          <a:bodyPr wrap="none" rtlCol="0">
-            <a:spAutoFit/>
-          </a:bodyPr>
-          <a:lstStyle/>
-          <a:p>
-            <a:r>
-              <a:rPr lang="en-US" sz="1372" dirty="0" err="1" smtClean="0"/>
-              <a:t>valided</a:t>
-            </a:r>
-            <a:endParaRPr lang="en-US" sz="1372" dirty="0"/>
-          </a:p>
-        </p:txBody>
-      </p:sp>
-      <p:sp>
-        <p:nvSpPr>
-          <p:cNvPr id="28" name="TextBox 27"/>
-          <p:cNvSpPr txBox="1"/>
-          <p:nvPr/>
-        </p:nvSpPr>
-        <p:spPr>
-          <a:xfrm>
-            <a:off x="2574806" y="4621286"/>
-            <a:ext cx="558166" cy="303481"/>
-          </a:xfrm>
-          <a:prstGeom prst="rect">
-            <a:avLst/>
-          </a:prstGeom>
-          <a:noFill/>
-        </p:spPr>
-        <p:txBody>
-          <a:bodyPr wrap="none" rtlCol="0">
-            <a:spAutoFit/>
-          </a:bodyPr>
-          <a:lstStyle/>
-          <a:p>
-            <a:r>
-              <a:rPr lang="en-US" sz="1372" b="1" dirty="0" smtClean="0">
-                <a:solidFill>
-                  <a:srgbClr val="FF0000"/>
-                </a:solidFill>
-              </a:rPr>
-              <a:t>EMIT</a:t>
-            </a:r>
-            <a:endParaRPr lang="en-US" sz="1372" b="1" dirty="0">
-              <a:solidFill>
-                <a:srgbClr val="FF0000"/>
-              </a:solidFill>
-            </a:endParaRPr>
-          </a:p>
-        </p:txBody>
-      </p:sp>
-      <p:cxnSp>
-        <p:nvCxnSpPr>
-          <p:cNvPr id="30" name="Straight Connector 29"/>
-          <p:cNvCxnSpPr/>
-          <p:nvPr/>
-        </p:nvCxnSpPr>
-        <p:spPr>
-          <a:xfrm>
-            <a:off x="5733143" y="0"/>
-            <a:ext cx="29028" cy="6858000"/>
-          </a:xfrm>
-          <a:prstGeom prst="line">
-            <a:avLst/>
-          </a:prstGeom>
-        </p:spPr>
-        <p:style>
-          <a:lnRef idx="1">
-            <a:schemeClr val="accent1"/>
-          </a:lnRef>
-          <a:fillRef idx="0">
-            <a:schemeClr val="accent1"/>
-          </a:fillRef>
-          <a:effectRef idx="0">
-            <a:schemeClr val="accent1"/>
-          </a:effectRef>
-          <a:fontRef idx="minor">
-            <a:schemeClr val="tx1"/>
-          </a:fontRef>
-        </p:style>
-      </p:cxnSp>
-      <p:sp>
-        <p:nvSpPr>
-          <p:cNvPr id="31" name="TextBox 30"/>
-          <p:cNvSpPr txBox="1"/>
-          <p:nvPr/>
-        </p:nvSpPr>
-        <p:spPr>
-          <a:xfrm>
-            <a:off x="6720447" y="481416"/>
-            <a:ext cx="639919" cy="303481"/>
-          </a:xfrm>
-          <a:prstGeom prst="rect">
-            <a:avLst/>
-          </a:prstGeom>
-          <a:noFill/>
-        </p:spPr>
-        <p:txBody>
-          <a:bodyPr wrap="none" rtlCol="0">
-            <a:spAutoFit/>
-          </a:bodyPr>
-          <a:lstStyle/>
-          <a:p>
-            <a:r>
-              <a:rPr lang="en-US" sz="1372" b="1" i="1" dirty="0">
+              <a:rPr lang="en-US" sz="1600" b="1" dirty="0">
                 <a:solidFill>
                   <a:srgbClr val="FF0000"/>
                 </a:solidFill>
@@ -4220,61 +5068,20 @@
       </p:sp>
       <p:sp>
         <p:nvSpPr>
-          <p:cNvPr id="32" name="Rounded Rectangle 31"/>
-          <p:cNvSpPr/>
-          <p:nvPr/>
-        </p:nvSpPr>
-        <p:spPr>
-          <a:xfrm>
-            <a:off x="6234390" y="310835"/>
-            <a:ext cx="1650319" cy="1166483"/>
-          </a:xfrm>
-          <a:prstGeom prst="roundRect">
-            <a:avLst/>
-          </a:prstGeom>
-          <a:noFill/>
-          <a:ln>
-            <a:solidFill>
-              <a:srgbClr val="FF0000"/>
-            </a:solidFill>
-            <a:prstDash val="lgDash"/>
-          </a:ln>
-        </p:spPr>
-        <p:style>
-          <a:lnRef idx="2">
-            <a:schemeClr val="accent1">
-              <a:shade val="50000"/>
-            </a:schemeClr>
-          </a:lnRef>
-          <a:fillRef idx="1">
-            <a:schemeClr val="accent1"/>
-          </a:fillRef>
-          <a:effectRef idx="0">
-            <a:schemeClr val="accent1"/>
-          </a:effectRef>
-          <a:fontRef idx="minor">
-            <a:schemeClr val="lt1"/>
-          </a:fontRef>
-        </p:style>
-        <p:txBody>
-          <a:bodyPr rtlCol="0" anchor="ctr"/>
-          <a:lstStyle/>
-          <a:p>
-            <a:pPr algn="ctr"/>
-            <a:endParaRPr lang="en-US" sz="1372"/>
-          </a:p>
-        </p:txBody>
-      </p:sp>
-      <p:sp>
-        <p:nvSpPr>
-          <p:cNvPr id="33" name="TextBox 32"/>
+          <p:cNvPr id="23" name="TextBox 22">
+            <a:extLst>
+              <a:ext uri="{FF2B5EF4-FFF2-40B4-BE49-F238E27FC236}">
+                <a16:creationId xmlns:a16="http://schemas.microsoft.com/office/drawing/2014/main" id="{C98AADE0-BBC0-48B2-BF05-58BDFFC3B0FC}"/>
+              </a:ext>
+            </a:extLst>
+          </p:cNvPr>
           <p:cNvSpPr txBox="1"/>
           <p:nvPr/>
         </p:nvSpPr>
         <p:spPr>
           <a:xfrm>
-            <a:off x="6596120" y="894076"/>
-            <a:ext cx="926857" cy="303481"/>
+            <a:off x="1688266" y="834007"/>
+            <a:ext cx="1025265" cy="338554"/>
           </a:xfrm>
           <a:prstGeom prst="rect">
             <a:avLst/>
@@ -4282,29 +5089,38 @@
           <a:noFill/>
         </p:spPr>
         <p:txBody>
-          <a:bodyPr wrap="none" rtlCol="0">
+          <a:bodyPr wrap="square" rtlCol="0">
             <a:spAutoFit/>
           </a:bodyPr>
           <a:lstStyle/>
           <a:p>
             <a:r>
-              <a:rPr lang="en-US" sz="1372" dirty="0" smtClean="0"/>
-              <a:t>Students[]</a:t>
-            </a:r>
-            <a:endParaRPr lang="en-US" sz="1372" dirty="0"/>
-          </a:p>
-        </p:txBody>
-      </p:sp>
-      <p:sp>
-        <p:nvSpPr>
-          <p:cNvPr id="34" name="TextBox 33"/>
+              <a:rPr lang="en-US" sz="1600" dirty="0" err="1"/>
+              <a:t>userInfo</a:t>
+            </a:r>
+            <a:r>
+              <a:rPr lang="en-US" sz="1600" dirty="0"/>
+              <a:t>{}</a:t>
+            </a:r>
+          </a:p>
+        </p:txBody>
+      </p:sp>
+      <p:sp>
+        <p:nvSpPr>
+          <p:cNvPr id="24" name="TextBox 23">
+            <a:extLst>
+              <a:ext uri="{FF2B5EF4-FFF2-40B4-BE49-F238E27FC236}">
+                <a16:creationId xmlns:a16="http://schemas.microsoft.com/office/drawing/2014/main" id="{C44F45A5-B171-482E-ACD5-8FD936F9F55D}"/>
+              </a:ext>
+            </a:extLst>
+          </p:cNvPr>
           <p:cNvSpPr txBox="1"/>
           <p:nvPr/>
         </p:nvSpPr>
         <p:spPr>
           <a:xfrm>
-            <a:off x="6234390" y="1613780"/>
-            <a:ext cx="2858411" cy="303481"/>
+            <a:off x="521866" y="1527709"/>
+            <a:ext cx="4383329" cy="338554"/>
           </a:xfrm>
           <a:prstGeom prst="rect">
             <a:avLst/>
@@ -4312,549 +5128,69 @@
           <a:noFill/>
         </p:spPr>
         <p:txBody>
-          <a:bodyPr wrap="none" rtlCol="0">
+          <a:bodyPr wrap="square" rtlCol="0">
             <a:spAutoFit/>
           </a:bodyPr>
           <a:lstStyle/>
           <a:p>
             <a:r>
-              <a:rPr lang="en-US" sz="1372" dirty="0" smtClean="0"/>
+              <a:rPr lang="en-US" sz="1600" dirty="0"/>
+              <a:t>// A component with a list of user sing-up as data</a:t>
+            </a:r>
+          </a:p>
+        </p:txBody>
+      </p:sp>
+      <p:sp>
+        <p:nvSpPr>
+          <p:cNvPr id="25" name="TextBox 24">
+            <a:extLst>
+              <a:ext uri="{FF2B5EF4-FFF2-40B4-BE49-F238E27FC236}">
+                <a16:creationId xmlns:a16="http://schemas.microsoft.com/office/drawing/2014/main" id="{BC8013E9-4EFA-46A6-8A66-13FF8B9AC62C}"/>
+              </a:ext>
+            </a:extLst>
+          </p:cNvPr>
+          <p:cNvSpPr txBox="1"/>
+          <p:nvPr/>
+        </p:nvSpPr>
+        <p:spPr>
+          <a:xfrm>
+            <a:off x="7659776" y="3339422"/>
+            <a:ext cx="4383329" cy="338554"/>
+          </a:xfrm>
+          <a:prstGeom prst="rect">
+            <a:avLst/>
+          </a:prstGeom>
+          <a:noFill/>
+        </p:spPr>
+        <p:txBody>
+          <a:bodyPr wrap="square" rtlCol="0">
+            <a:spAutoFit/>
+          </a:bodyPr>
+          <a:lstStyle/>
+          <a:p>
+            <a:r>
+              <a:rPr lang="en-US" sz="1600" dirty="0"/>
               <a:t>// </a:t>
             </a:r>
             <a:r>
-              <a:rPr lang="en-US" sz="1372" dirty="0" smtClean="0">
+              <a:rPr lang="en-US" sz="1600" dirty="0">
                 <a:solidFill>
                   <a:srgbClr val="FF0000"/>
                 </a:solidFill>
               </a:rPr>
-              <a:t>app</a:t>
-            </a:r>
-            <a:r>
-              <a:rPr lang="en-US" sz="1372" dirty="0" smtClean="0"/>
-              <a:t>  provides students to anymore</a:t>
-            </a:r>
-            <a:endParaRPr lang="en-US" sz="1372" dirty="0">
-              <a:solidFill>
-                <a:srgbClr val="FF0000"/>
-              </a:solidFill>
-            </a:endParaRPr>
-          </a:p>
-        </p:txBody>
-      </p:sp>
-      <p:sp>
-        <p:nvSpPr>
-          <p:cNvPr id="35" name="Rounded Rectangle 34"/>
-          <p:cNvSpPr/>
-          <p:nvPr/>
-        </p:nvSpPr>
-        <p:spPr>
-          <a:xfrm>
-            <a:off x="9792269" y="2129025"/>
-            <a:ext cx="1650319" cy="1166483"/>
-          </a:xfrm>
-          <a:prstGeom prst="roundRect">
-            <a:avLst/>
-          </a:prstGeom>
-          <a:noFill/>
-          <a:ln>
-            <a:solidFill>
-              <a:srgbClr val="FF0000"/>
-            </a:solidFill>
-            <a:prstDash val="lgDash"/>
-          </a:ln>
-        </p:spPr>
-        <p:style>
-          <a:lnRef idx="2">
-            <a:schemeClr val="accent1">
-              <a:shade val="50000"/>
-            </a:schemeClr>
-          </a:lnRef>
-          <a:fillRef idx="1">
-            <a:schemeClr val="accent1"/>
-          </a:fillRef>
-          <a:effectRef idx="0">
-            <a:schemeClr val="accent1"/>
-          </a:effectRef>
-          <a:fontRef idx="minor">
-            <a:schemeClr val="lt1"/>
-          </a:fontRef>
-        </p:style>
-        <p:txBody>
-          <a:bodyPr rtlCol="0" anchor="ctr"/>
-          <a:lstStyle/>
-          <a:p>
-            <a:pPr algn="ctr"/>
-            <a:endParaRPr lang="en-US" sz="1372"/>
-          </a:p>
-        </p:txBody>
-      </p:sp>
-      <p:sp>
-        <p:nvSpPr>
-          <p:cNvPr id="36" name="TextBox 35"/>
-          <p:cNvSpPr txBox="1"/>
-          <p:nvPr/>
-        </p:nvSpPr>
-        <p:spPr>
-          <a:xfrm>
-            <a:off x="10153999" y="2712266"/>
-            <a:ext cx="926857" cy="303481"/>
-          </a:xfrm>
-          <a:prstGeom prst="rect">
-            <a:avLst/>
-          </a:prstGeom>
-          <a:noFill/>
-        </p:spPr>
-        <p:txBody>
-          <a:bodyPr wrap="none" rtlCol="0">
-            <a:spAutoFit/>
-          </a:bodyPr>
-          <a:lstStyle/>
-          <a:p>
-            <a:r>
-              <a:rPr lang="en-US" sz="1372" dirty="0" smtClean="0"/>
-              <a:t>Students[]</a:t>
-            </a:r>
-            <a:endParaRPr lang="en-US" sz="1372" dirty="0"/>
-          </a:p>
-        </p:txBody>
-      </p:sp>
-      <p:sp>
-        <p:nvSpPr>
-          <p:cNvPr id="40" name="TextBox 39"/>
-          <p:cNvSpPr txBox="1"/>
-          <p:nvPr/>
-        </p:nvSpPr>
-        <p:spPr>
-          <a:xfrm>
-            <a:off x="10297467" y="2308056"/>
-            <a:ext cx="819455" cy="303481"/>
-          </a:xfrm>
-          <a:prstGeom prst="rect">
-            <a:avLst/>
-          </a:prstGeom>
-          <a:noFill/>
-        </p:spPr>
-        <p:txBody>
-          <a:bodyPr wrap="none" rtlCol="0">
-            <a:spAutoFit/>
-          </a:bodyPr>
-          <a:lstStyle/>
-          <a:p>
-            <a:r>
-              <a:rPr lang="en-US" sz="1372" b="1" i="1" dirty="0" smtClean="0">
-                <a:solidFill>
-                  <a:srgbClr val="FF0000"/>
-                </a:solidFill>
-              </a:rPr>
-              <a:t>&lt;dialog&gt;</a:t>
-            </a:r>
-            <a:endParaRPr lang="en-US" sz="1372" b="1" i="1" dirty="0">
-              <a:solidFill>
-                <a:srgbClr val="FF0000"/>
-              </a:solidFill>
-            </a:endParaRPr>
-          </a:p>
-        </p:txBody>
-      </p:sp>
-      <p:sp>
-        <p:nvSpPr>
-          <p:cNvPr id="41" name="Right Arrow 40"/>
-          <p:cNvSpPr/>
-          <p:nvPr/>
-        </p:nvSpPr>
-        <p:spPr>
-          <a:xfrm>
-            <a:off x="7846423" y="727951"/>
-            <a:ext cx="696809" cy="333683"/>
-          </a:xfrm>
-          <a:prstGeom prst="rightArrow">
-            <a:avLst/>
-          </a:prstGeom>
-          <a:solidFill>
-            <a:srgbClr val="FFFF00"/>
-          </a:solidFill>
-        </p:spPr>
-        <p:style>
-          <a:lnRef idx="2">
-            <a:schemeClr val="accent1">
-              <a:shade val="50000"/>
-            </a:schemeClr>
-          </a:lnRef>
-          <a:fillRef idx="1">
-            <a:schemeClr val="accent1"/>
-          </a:fillRef>
-          <a:effectRef idx="0">
-            <a:schemeClr val="accent1"/>
-          </a:effectRef>
-          <a:fontRef idx="minor">
-            <a:schemeClr val="lt1"/>
-          </a:fontRef>
-        </p:style>
-        <p:txBody>
-          <a:bodyPr rot="0" spcFirstLastPara="0" vertOverflow="overflow" horzOverflow="overflow" vert="horz" wrap="square" lIns="69681" tIns="34840" rIns="69681" bIns="34840" numCol="1" spcCol="0" rtlCol="0" fromWordArt="0" anchor="ctr" anchorCtr="0" forceAA="0" compatLnSpc="1">
-            <a:prstTxWarp prst="textNoShape">
-              <a:avLst/>
-            </a:prstTxWarp>
-            <a:noAutofit/>
-          </a:bodyPr>
-          <a:lstStyle/>
-          <a:p>
-            <a:pPr algn="ctr"/>
-            <a:endParaRPr lang="en-US" sz="1372"/>
-          </a:p>
-        </p:txBody>
-      </p:sp>
-      <p:sp>
-        <p:nvSpPr>
-          <p:cNvPr id="42" name="TextBox 41"/>
-          <p:cNvSpPr txBox="1"/>
-          <p:nvPr/>
-        </p:nvSpPr>
-        <p:spPr>
-          <a:xfrm>
-            <a:off x="7837364" y="509852"/>
-            <a:ext cx="838756" cy="303481"/>
-          </a:xfrm>
-          <a:prstGeom prst="rect">
-            <a:avLst/>
-          </a:prstGeom>
-          <a:noFill/>
-        </p:spPr>
-        <p:txBody>
-          <a:bodyPr wrap="none" rtlCol="0">
-            <a:spAutoFit/>
-          </a:bodyPr>
-          <a:lstStyle/>
-          <a:p>
-            <a:r>
-              <a:rPr lang="en-US" sz="1372" b="1" dirty="0">
-                <a:solidFill>
-                  <a:schemeClr val="accent4"/>
-                </a:solidFill>
-              </a:rPr>
-              <a:t>PROVIDE</a:t>
-            </a:r>
-          </a:p>
-        </p:txBody>
-      </p:sp>
-      <p:sp>
-        <p:nvSpPr>
-          <p:cNvPr id="43" name="TextBox 42"/>
-          <p:cNvSpPr txBox="1"/>
-          <p:nvPr/>
-        </p:nvSpPr>
-        <p:spPr>
-          <a:xfrm>
-            <a:off x="7991050" y="1073307"/>
-            <a:ext cx="926857" cy="303481"/>
-          </a:xfrm>
-          <a:prstGeom prst="rect">
-            <a:avLst/>
-          </a:prstGeom>
-          <a:noFill/>
-        </p:spPr>
-        <p:txBody>
-          <a:bodyPr wrap="none" rtlCol="0">
-            <a:spAutoFit/>
-          </a:bodyPr>
-          <a:lstStyle/>
-          <a:p>
-            <a:r>
-              <a:rPr lang="en-US" sz="1372" dirty="0" smtClean="0"/>
-              <a:t>Students[]</a:t>
-            </a:r>
-            <a:endParaRPr lang="en-US" sz="1372" dirty="0"/>
-          </a:p>
-        </p:txBody>
-      </p:sp>
-      <p:sp>
-        <p:nvSpPr>
-          <p:cNvPr id="44" name="Right Arrow 43"/>
-          <p:cNvSpPr/>
-          <p:nvPr/>
-        </p:nvSpPr>
-        <p:spPr>
-          <a:xfrm>
-            <a:off x="9135788" y="2542676"/>
-            <a:ext cx="696809" cy="333683"/>
-          </a:xfrm>
-          <a:prstGeom prst="rightArrow">
-            <a:avLst/>
-          </a:prstGeom>
-          <a:solidFill>
-            <a:srgbClr val="FFFF00"/>
-          </a:solidFill>
-        </p:spPr>
-        <p:style>
-          <a:lnRef idx="2">
-            <a:schemeClr val="accent1">
-              <a:shade val="50000"/>
-            </a:schemeClr>
-          </a:lnRef>
-          <a:fillRef idx="1">
-            <a:schemeClr val="accent1"/>
-          </a:fillRef>
-          <a:effectRef idx="0">
-            <a:schemeClr val="accent1"/>
-          </a:effectRef>
-          <a:fontRef idx="minor">
-            <a:schemeClr val="lt1"/>
-          </a:fontRef>
-        </p:style>
-        <p:txBody>
-          <a:bodyPr rot="0" spcFirstLastPara="0" vertOverflow="overflow" horzOverflow="overflow" vert="horz" wrap="square" lIns="69681" tIns="34840" rIns="69681" bIns="34840" numCol="1" spcCol="0" rtlCol="0" fromWordArt="0" anchor="ctr" anchorCtr="0" forceAA="0" compatLnSpc="1">
-            <a:prstTxWarp prst="textNoShape">
-              <a:avLst/>
-            </a:prstTxWarp>
-            <a:noAutofit/>
-          </a:bodyPr>
-          <a:lstStyle/>
-          <a:p>
-            <a:pPr algn="ctr"/>
-            <a:endParaRPr lang="en-US" sz="1372"/>
-          </a:p>
-        </p:txBody>
-      </p:sp>
-      <p:sp>
-        <p:nvSpPr>
-          <p:cNvPr id="45" name="TextBox 44"/>
-          <p:cNvSpPr txBox="1"/>
-          <p:nvPr/>
-        </p:nvSpPr>
-        <p:spPr>
-          <a:xfrm>
-            <a:off x="9126729" y="2324577"/>
-            <a:ext cx="668645" cy="303481"/>
-          </a:xfrm>
-          <a:prstGeom prst="rect">
-            <a:avLst/>
-          </a:prstGeom>
-          <a:noFill/>
-        </p:spPr>
-        <p:txBody>
-          <a:bodyPr wrap="none" rtlCol="0">
-            <a:spAutoFit/>
-          </a:bodyPr>
-          <a:lstStyle/>
-          <a:p>
-            <a:r>
-              <a:rPr lang="en-US" sz="1372" b="1" dirty="0" smtClean="0">
-                <a:solidFill>
-                  <a:schemeClr val="accent4"/>
-                </a:solidFill>
-              </a:rPr>
-              <a:t>INJECT</a:t>
-            </a:r>
-            <a:endParaRPr lang="en-US" sz="1372" b="1" dirty="0">
-              <a:solidFill>
-                <a:schemeClr val="accent4"/>
-              </a:solidFill>
-            </a:endParaRPr>
-          </a:p>
-        </p:txBody>
-      </p:sp>
-      <p:sp>
-        <p:nvSpPr>
-          <p:cNvPr id="46" name="TextBox 45"/>
-          <p:cNvSpPr txBox="1"/>
-          <p:nvPr/>
-        </p:nvSpPr>
-        <p:spPr>
-          <a:xfrm>
-            <a:off x="9280415" y="2888032"/>
-            <a:ext cx="926857" cy="303481"/>
-          </a:xfrm>
-          <a:prstGeom prst="rect">
-            <a:avLst/>
-          </a:prstGeom>
-          <a:noFill/>
-        </p:spPr>
-        <p:txBody>
-          <a:bodyPr wrap="none" rtlCol="0">
-            <a:spAutoFit/>
-          </a:bodyPr>
-          <a:lstStyle/>
-          <a:p>
-            <a:r>
-              <a:rPr lang="en-US" sz="1372" dirty="0" smtClean="0"/>
-              <a:t>Students[]</a:t>
-            </a:r>
-            <a:endParaRPr lang="en-US" sz="1372" dirty="0"/>
-          </a:p>
-        </p:txBody>
-      </p:sp>
-      <p:sp>
-        <p:nvSpPr>
-          <p:cNvPr id="47" name="TextBox 46"/>
-          <p:cNvSpPr txBox="1"/>
-          <p:nvPr/>
-        </p:nvSpPr>
-        <p:spPr>
-          <a:xfrm>
-            <a:off x="8917907" y="3423528"/>
-            <a:ext cx="2987100" cy="303481"/>
-          </a:xfrm>
-          <a:prstGeom prst="rect">
-            <a:avLst/>
-          </a:prstGeom>
-          <a:noFill/>
-        </p:spPr>
-        <p:txBody>
-          <a:bodyPr wrap="none" rtlCol="0">
-            <a:spAutoFit/>
-          </a:bodyPr>
-          <a:lstStyle/>
-          <a:p>
-            <a:r>
-              <a:rPr lang="en-US" sz="1372" dirty="0" smtClean="0"/>
-              <a:t>// </a:t>
-            </a:r>
-            <a:r>
-              <a:rPr lang="en-US" sz="1372" dirty="0" smtClean="0">
-                <a:solidFill>
-                  <a:srgbClr val="FF0000"/>
-                </a:solidFill>
-              </a:rPr>
-              <a:t>dialog </a:t>
-            </a:r>
-            <a:r>
-              <a:rPr lang="en-US" sz="1372" dirty="0" smtClean="0"/>
-              <a:t> gets students from a provider</a:t>
-            </a:r>
-            <a:endParaRPr lang="en-US" sz="1372" dirty="0">
-              <a:solidFill>
-                <a:srgbClr val="FF0000"/>
-              </a:solidFill>
-            </a:endParaRPr>
-          </a:p>
-        </p:txBody>
-      </p:sp>
-      <p:sp>
-        <p:nvSpPr>
-          <p:cNvPr id="48" name="TextBox 47"/>
-          <p:cNvSpPr txBox="1"/>
-          <p:nvPr/>
-        </p:nvSpPr>
-        <p:spPr>
-          <a:xfrm>
-            <a:off x="6561502" y="4305380"/>
-            <a:ext cx="1215717" cy="303481"/>
-          </a:xfrm>
-          <a:prstGeom prst="rect">
-            <a:avLst/>
-          </a:prstGeom>
-          <a:noFill/>
-        </p:spPr>
-        <p:txBody>
-          <a:bodyPr wrap="none" rtlCol="0">
-            <a:spAutoFit/>
-          </a:bodyPr>
-          <a:lstStyle/>
-          <a:p>
-            <a:r>
-              <a:rPr lang="en-US" sz="1372" b="1" i="1" dirty="0">
-                <a:solidFill>
-                  <a:srgbClr val="7030A0"/>
-                </a:solidFill>
-              </a:rPr>
-              <a:t>&lt;router-view&gt;</a:t>
-            </a:r>
-          </a:p>
-        </p:txBody>
-      </p:sp>
-      <p:sp>
-        <p:nvSpPr>
-          <p:cNvPr id="49" name="Rounded Rectangle 48"/>
-          <p:cNvSpPr/>
-          <p:nvPr/>
-        </p:nvSpPr>
-        <p:spPr>
-          <a:xfrm>
-            <a:off x="6217868" y="4170157"/>
-            <a:ext cx="1866945" cy="584334"/>
-          </a:xfrm>
-          <a:prstGeom prst="roundRect">
-            <a:avLst/>
-          </a:prstGeom>
-          <a:noFill/>
-          <a:ln>
-            <a:solidFill>
-              <a:srgbClr val="7030A0"/>
-            </a:solidFill>
-            <a:prstDash val="lgDash"/>
-          </a:ln>
-        </p:spPr>
-        <p:style>
-          <a:lnRef idx="2">
-            <a:schemeClr val="accent1">
-              <a:shade val="50000"/>
-            </a:schemeClr>
-          </a:lnRef>
-          <a:fillRef idx="1">
-            <a:schemeClr val="accent1"/>
-          </a:fillRef>
-          <a:effectRef idx="0">
-            <a:schemeClr val="accent1"/>
-          </a:effectRef>
-          <a:fontRef idx="minor">
-            <a:schemeClr val="lt1"/>
-          </a:fontRef>
-        </p:style>
-        <p:txBody>
-          <a:bodyPr rtlCol="0" anchor="ctr"/>
-          <a:lstStyle/>
-          <a:p>
-            <a:pPr algn="ctr"/>
-            <a:endParaRPr lang="en-US" sz="1372"/>
-          </a:p>
-        </p:txBody>
-      </p:sp>
-      <p:sp>
-        <p:nvSpPr>
-          <p:cNvPr id="50" name="TextBox 49"/>
-          <p:cNvSpPr txBox="1"/>
-          <p:nvPr/>
-        </p:nvSpPr>
-        <p:spPr>
-          <a:xfrm>
-            <a:off x="8256742" y="4317805"/>
-            <a:ext cx="2229136" cy="303481"/>
-          </a:xfrm>
-          <a:prstGeom prst="rect">
-            <a:avLst/>
-          </a:prstGeom>
-          <a:noFill/>
-        </p:spPr>
-        <p:txBody>
-          <a:bodyPr wrap="none" rtlCol="0">
-            <a:spAutoFit/>
-          </a:bodyPr>
-          <a:lstStyle/>
-          <a:p>
-            <a:r>
-              <a:rPr lang="en-US" sz="1372" dirty="0" smtClean="0"/>
-              <a:t>// </a:t>
-            </a:r>
-            <a:r>
-              <a:rPr lang="en-US" sz="1372" dirty="0" err="1" smtClean="0"/>
-              <a:t>Vue</a:t>
-            </a:r>
-            <a:r>
-              <a:rPr lang="en-US" sz="1372" dirty="0" smtClean="0"/>
-              <a:t> JS built-in component</a:t>
-            </a:r>
-            <a:endParaRPr lang="en-US" sz="1372" dirty="0">
-              <a:solidFill>
-                <a:srgbClr val="FF0000"/>
-              </a:solidFill>
-            </a:endParaRPr>
+              <a:t>login </a:t>
+            </a:r>
+            <a:r>
+              <a:rPr lang="en-US" sz="1600" dirty="0"/>
+              <a:t>gets user information from a provider</a:t>
+            </a:r>
           </a:p>
         </p:txBody>
       </p:sp>
     </p:spTree>
     <p:extLst>
       <p:ext uri="{BB962C8B-B14F-4D97-AF65-F5344CB8AC3E}">
-        <p14:creationId xmlns:p14="http://schemas.microsoft.com/office/powerpoint/2010/main" val="3109588190"/>
+        <p14:creationId xmlns:p14="http://schemas.microsoft.com/office/powerpoint/2010/main" val="742505614"/>
       </p:ext>
     </p:extLst>
   </p:cSld>

--- a/docs/COMPONENT-DIAGRAM.pptx
+++ b/docs/COMPONENT-DIAGRAM.pptx
@@ -4467,7 +4467,7 @@
         </p:nvCxnSpPr>
         <p:spPr>
           <a:xfrm>
-            <a:off x="5924550" y="0"/>
+            <a:off x="5434219" y="0"/>
             <a:ext cx="0" cy="6858000"/>
           </a:xfrm>
           <a:prstGeom prst="line">
@@ -4542,7 +4542,7 @@
         </p:nvSpPr>
         <p:spPr>
           <a:xfrm>
-            <a:off x="9667586" y="2335327"/>
+            <a:off x="9787773" y="2063866"/>
             <a:ext cx="1964366" cy="853846"/>
           </a:xfrm>
           <a:prstGeom prst="roundRect">
@@ -4599,7 +4599,7 @@
         </p:nvSpPr>
         <p:spPr>
           <a:xfrm>
-            <a:off x="10204201" y="2335327"/>
+            <a:off x="10324388" y="2063866"/>
             <a:ext cx="1025265" cy="338554"/>
           </a:xfrm>
           <a:prstGeom prst="rect">
@@ -4638,7 +4638,7 @@
         </p:nvSpPr>
         <p:spPr>
           <a:xfrm>
-            <a:off x="10204201" y="2690758"/>
+            <a:off x="10324388" y="2419297"/>
             <a:ext cx="1025265" cy="338554"/>
           </a:xfrm>
           <a:prstGeom prst="rect">
@@ -4677,7 +4677,7 @@
         </p:nvSpPr>
         <p:spPr>
           <a:xfrm>
-            <a:off x="8826176" y="2809681"/>
+            <a:off x="8946363" y="2538220"/>
             <a:ext cx="1025265" cy="338554"/>
           </a:xfrm>
           <a:prstGeom prst="rect">
@@ -4716,7 +4716,7 @@
         </p:nvSpPr>
         <p:spPr>
           <a:xfrm>
-            <a:off x="8943182" y="2595930"/>
+            <a:off x="9063369" y="2324469"/>
             <a:ext cx="715215" cy="264105"/>
           </a:xfrm>
           <a:prstGeom prst="rightArrow">
@@ -4765,7 +4765,7 @@
         </p:nvSpPr>
         <p:spPr>
           <a:xfrm>
-            <a:off x="8933993" y="2279940"/>
+            <a:off x="9054180" y="2008479"/>
             <a:ext cx="917448" cy="338554"/>
           </a:xfrm>
           <a:prstGeom prst="rect">
@@ -4806,7 +4806,7 @@
         </p:nvSpPr>
         <p:spPr>
           <a:xfrm>
-            <a:off x="6360868" y="1522911"/>
+            <a:off x="6352509" y="1335570"/>
             <a:ext cx="4383329" cy="338554"/>
           </a:xfrm>
           <a:prstGeom prst="rect">
@@ -4853,7 +4853,7 @@
         </p:nvSpPr>
         <p:spPr>
           <a:xfrm>
-            <a:off x="6267451" y="4533637"/>
+            <a:off x="8603004" y="5152130"/>
             <a:ext cx="2645466" cy="684786"/>
           </a:xfrm>
           <a:prstGeom prst="roundRect">
@@ -4910,7 +4910,7 @@
         </p:nvSpPr>
         <p:spPr>
           <a:xfrm>
-            <a:off x="6972534" y="4714890"/>
+            <a:off x="9308087" y="5333383"/>
             <a:ext cx="1427751" cy="338554"/>
           </a:xfrm>
           <a:prstGeom prst="rect">
@@ -4949,7 +4949,7 @@
         </p:nvSpPr>
         <p:spPr>
           <a:xfrm>
-            <a:off x="6385049" y="5509867"/>
+            <a:off x="8720602" y="6128360"/>
             <a:ext cx="2911350" cy="338554"/>
           </a:xfrm>
           <a:prstGeom prst="rect">
@@ -5120,7 +5120,7 @@
         <p:spPr>
           <a:xfrm>
             <a:off x="521866" y="1527709"/>
-            <a:ext cx="4383329" cy="338554"/>
+            <a:ext cx="4606724" cy="584775"/>
           </a:xfrm>
           <a:prstGeom prst="rect">
             <a:avLst/>
@@ -5135,7 +5135,7 @@
           <a:p>
             <a:r>
               <a:rPr lang="en-US" sz="1600" dirty="0"/>
-              <a:t>// A component with a list of user sing-up as data</a:t>
+              <a:t>// A component with a list of user information sing-up as data</a:t>
             </a:r>
           </a:p>
         </p:txBody>
@@ -5154,8 +5154,8 @@
         </p:nvSpPr>
         <p:spPr>
           <a:xfrm>
-            <a:off x="7659776" y="3339422"/>
-            <a:ext cx="4383329" cy="338554"/>
+            <a:off x="8156061" y="3039879"/>
+            <a:ext cx="3972176" cy="338554"/>
           </a:xfrm>
           <a:prstGeom prst="rect">
             <a:avLst/>
@@ -5183,6 +5183,196 @@
             <a:r>
               <a:rPr lang="en-US" sz="1600" dirty="0"/>
               <a:t>gets user information from a provider</a:t>
+            </a:r>
+          </a:p>
+        </p:txBody>
+      </p:sp>
+      <p:sp>
+        <p:nvSpPr>
+          <p:cNvPr id="26" name="Rectangle: Rounded Corners 25">
+            <a:extLst>
+              <a:ext uri="{FF2B5EF4-FFF2-40B4-BE49-F238E27FC236}">
+                <a16:creationId xmlns:a16="http://schemas.microsoft.com/office/drawing/2014/main" id="{94DEF1A5-D4D3-4C67-B644-B330ABBBCBA8}"/>
+              </a:ext>
+            </a:extLst>
+          </p:cNvPr>
+          <p:cNvSpPr/>
+          <p:nvPr/>
+        </p:nvSpPr>
+        <p:spPr>
+          <a:xfrm>
+            <a:off x="6396101" y="3648844"/>
+            <a:ext cx="1964366" cy="853846"/>
+          </a:xfrm>
+          <a:prstGeom prst="roundRect">
+            <a:avLst/>
+          </a:prstGeom>
+          <a:noFill/>
+          <a:ln w="19050">
+            <a:solidFill>
+              <a:schemeClr val="accent6">
+                <a:lumMod val="75000"/>
+              </a:schemeClr>
+            </a:solidFill>
+            <a:prstDash val="dash"/>
+          </a:ln>
+        </p:spPr>
+        <p:style>
+          <a:lnRef idx="2">
+            <a:schemeClr val="dk1"/>
+          </a:lnRef>
+          <a:fillRef idx="1">
+            <a:schemeClr val="lt1"/>
+          </a:fillRef>
+          <a:effectRef idx="0">
+            <a:schemeClr val="dk1"/>
+          </a:effectRef>
+          <a:fontRef idx="minor">
+            <a:schemeClr val="dk1"/>
+          </a:fontRef>
+        </p:style>
+        <p:txBody>
+          <a:bodyPr rtlCol="0" anchor="ctr"/>
+          <a:lstStyle/>
+          <a:p>
+            <a:pPr algn="ctr"/>
+            <a:endParaRPr lang="en-US" dirty="0">
+              <a:solidFill>
+                <a:srgbClr val="00B050"/>
+              </a:solidFill>
+            </a:endParaRPr>
+          </a:p>
+        </p:txBody>
+      </p:sp>
+      <p:sp>
+        <p:nvSpPr>
+          <p:cNvPr id="27" name="TextBox 26">
+            <a:extLst>
+              <a:ext uri="{FF2B5EF4-FFF2-40B4-BE49-F238E27FC236}">
+                <a16:creationId xmlns:a16="http://schemas.microsoft.com/office/drawing/2014/main" id="{50E20C3C-11FD-41CC-8B69-2D163CEC0D9A}"/>
+              </a:ext>
+            </a:extLst>
+          </p:cNvPr>
+          <p:cNvSpPr txBox="1"/>
+          <p:nvPr/>
+        </p:nvSpPr>
+        <p:spPr>
+          <a:xfrm>
+            <a:off x="6932716" y="3648844"/>
+            <a:ext cx="1025265" cy="338554"/>
+          </a:xfrm>
+          <a:prstGeom prst="rect">
+            <a:avLst/>
+          </a:prstGeom>
+          <a:noFill/>
+        </p:spPr>
+        <p:txBody>
+          <a:bodyPr wrap="square" rtlCol="0">
+            <a:spAutoFit/>
+          </a:bodyPr>
+          <a:lstStyle/>
+          <a:p>
+            <a:r>
+              <a:rPr lang="en-US" sz="1600" b="1" dirty="0">
+                <a:solidFill>
+                  <a:srgbClr val="FF0000"/>
+                </a:solidFill>
+              </a:rPr>
+              <a:t>&lt;signup&gt;</a:t>
+            </a:r>
+          </a:p>
+        </p:txBody>
+      </p:sp>
+      <p:sp>
+        <p:nvSpPr>
+          <p:cNvPr id="28" name="TextBox 27">
+            <a:extLst>
+              <a:ext uri="{FF2B5EF4-FFF2-40B4-BE49-F238E27FC236}">
+                <a16:creationId xmlns:a16="http://schemas.microsoft.com/office/drawing/2014/main" id="{B474F790-B5CC-4275-A6DC-EF78B0B3E604}"/>
+              </a:ext>
+            </a:extLst>
+          </p:cNvPr>
+          <p:cNvSpPr txBox="1"/>
+          <p:nvPr/>
+        </p:nvSpPr>
+        <p:spPr>
+          <a:xfrm>
+            <a:off x="6932716" y="4004275"/>
+            <a:ext cx="1025265" cy="338554"/>
+          </a:xfrm>
+          <a:prstGeom prst="rect">
+            <a:avLst/>
+          </a:prstGeom>
+          <a:noFill/>
+        </p:spPr>
+        <p:txBody>
+          <a:bodyPr wrap="square" rtlCol="0">
+            <a:spAutoFit/>
+          </a:bodyPr>
+          <a:lstStyle/>
+          <a:p>
+            <a:r>
+              <a:rPr lang="en-US" sz="1600" dirty="0" err="1"/>
+              <a:t>userInfo</a:t>
+            </a:r>
+            <a:r>
+              <a:rPr lang="en-US" sz="1600" dirty="0"/>
+              <a:t>{}</a:t>
+            </a:r>
+          </a:p>
+        </p:txBody>
+      </p:sp>
+      <p:sp>
+        <p:nvSpPr>
+          <p:cNvPr id="32" name="TextBox 31">
+            <a:extLst>
+              <a:ext uri="{FF2B5EF4-FFF2-40B4-BE49-F238E27FC236}">
+                <a16:creationId xmlns:a16="http://schemas.microsoft.com/office/drawing/2014/main" id="{4F75D77B-00EE-41F2-A95D-631C4213D817}"/>
+              </a:ext>
+            </a:extLst>
+          </p:cNvPr>
+          <p:cNvSpPr txBox="1"/>
+          <p:nvPr/>
+        </p:nvSpPr>
+        <p:spPr>
+          <a:xfrm>
+            <a:off x="5480714" y="4573934"/>
+            <a:ext cx="4087356" cy="338554"/>
+          </a:xfrm>
+          <a:prstGeom prst="rect">
+            <a:avLst/>
+          </a:prstGeom>
+          <a:noFill/>
+        </p:spPr>
+        <p:txBody>
+          <a:bodyPr wrap="square" rtlCol="0">
+            <a:spAutoFit/>
+          </a:bodyPr>
+          <a:lstStyle/>
+          <a:p>
+            <a:r>
+              <a:rPr lang="en-US" sz="1600" dirty="0"/>
+              <a:t>// </a:t>
+            </a:r>
+            <a:r>
+              <a:rPr lang="en-US" sz="1600" dirty="0">
+                <a:solidFill>
+                  <a:srgbClr val="FF0000"/>
+                </a:solidFill>
+              </a:rPr>
+              <a:t>lo</a:t>
+            </a:r>
+            <a:r>
+              <a:rPr lang="en-US" sz="1600" b="1" dirty="0">
+                <a:solidFill>
+                  <a:srgbClr val="FF0000"/>
+                </a:solidFill>
+              </a:rPr>
+              <a:t> signup </a:t>
+            </a:r>
+            <a:r>
+              <a:rPr lang="en-US" sz="1600" dirty="0"/>
+              <a:t>transfer user information to app</a:t>
             </a:r>
           </a:p>
         </p:txBody>

--- a/docs/COMPONENT-DIAGRAM.pptx
+++ b/docs/COMPONENT-DIAGRAM.pptx
@@ -6,7 +6,10 @@
   </p:sldMasterIdLst>
   <p:sldIdLst>
     <p:sldId id="256" r:id="rId2"/>
-    <p:sldId id="258" r:id="rId3"/>
+    <p:sldId id="261" r:id="rId3"/>
+    <p:sldId id="262" r:id="rId4"/>
+    <p:sldId id="263" r:id="rId5"/>
+    <p:sldId id="264" r:id="rId6"/>
   </p:sldIdLst>
   <p:sldSz cx="12192000" cy="6858000"/>
   <p:notesSz cx="6858000" cy="9144000"/>
@@ -105,6 +108,11 @@
       </a:defRPr>
     </a:lvl9pPr>
   </p:defaultTextStyle>
+  <p:extLst>
+    <p:ext uri="{EFAFB233-063F-42B5-8137-9DF3F51BA10A}">
+      <p15:sldGuideLst xmlns:p15="http://schemas.microsoft.com/office/powerpoint/2012/main"/>
+    </p:ext>
+  </p:extLst>
 </p:presentation>
 </file>
 
@@ -150,10 +158,9 @@
           </a:lstStyle>
           <a:p>
             <a:r>
-              <a:rPr lang="en-US" smtClean="0"/>
+              <a:rPr lang="en-US"/>
               <a:t>Click to edit Master title style</a:t>
             </a:r>
-            <a:endParaRPr lang="en-US"/>
           </a:p>
         </p:txBody>
       </p:sp>
@@ -215,10 +222,9 @@
           </a:lstStyle>
           <a:p>
             <a:r>
-              <a:rPr lang="en-US" smtClean="0"/>
+              <a:rPr lang="en-US"/>
               <a:t>Click to edit Master subtitle style</a:t>
             </a:r>
-            <a:endParaRPr lang="en-US"/>
           </a:p>
         </p:txBody>
       </p:sp>
@@ -239,7 +245,7 @@
           <a:p>
             <a:fld id="{28BE630F-C39C-4DB9-8258-0B48CA067079}" type="datetimeFigureOut">
               <a:rPr lang="en-US" smtClean="0"/>
-              <a:t>11/25/2021</a:t>
+              <a:t>11/28/2021</a:t>
             </a:fld>
             <a:endParaRPr lang="en-US"/>
           </a:p>
@@ -333,10 +339,9 @@
           <a:lstStyle/>
           <a:p>
             <a:r>
-              <a:rPr lang="en-US" smtClean="0"/>
+              <a:rPr lang="en-US"/>
               <a:t>Click to edit Master title style</a:t>
             </a:r>
-            <a:endParaRPr lang="en-US"/>
           </a:p>
         </p:txBody>
       </p:sp>
@@ -357,38 +362,37 @@
           <a:p>
             <a:pPr lvl="0"/>
             <a:r>
-              <a:rPr lang="en-US" smtClean="0"/>
+              <a:rPr lang="en-US"/>
               <a:t>Click to edit Master text styles</a:t>
             </a:r>
           </a:p>
           <a:p>
             <a:pPr lvl="1"/>
             <a:r>
-              <a:rPr lang="en-US" smtClean="0"/>
+              <a:rPr lang="en-US"/>
               <a:t>Second level</a:t>
             </a:r>
           </a:p>
           <a:p>
             <a:pPr lvl="2"/>
             <a:r>
-              <a:rPr lang="en-US" smtClean="0"/>
+              <a:rPr lang="en-US"/>
               <a:t>Third level</a:t>
             </a:r>
           </a:p>
           <a:p>
             <a:pPr lvl="3"/>
             <a:r>
-              <a:rPr lang="en-US" smtClean="0"/>
+              <a:rPr lang="en-US"/>
               <a:t>Fourth level</a:t>
             </a:r>
           </a:p>
           <a:p>
             <a:pPr lvl="4"/>
             <a:r>
-              <a:rPr lang="en-US" smtClean="0"/>
+              <a:rPr lang="en-US"/>
               <a:t>Fifth level</a:t>
             </a:r>
-            <a:endParaRPr lang="en-US"/>
           </a:p>
         </p:txBody>
       </p:sp>
@@ -409,7 +413,7 @@
           <a:p>
             <a:fld id="{28BE630F-C39C-4DB9-8258-0B48CA067079}" type="datetimeFigureOut">
               <a:rPr lang="en-US" smtClean="0"/>
-              <a:t>11/25/2021</a:t>
+              <a:t>11/28/2021</a:t>
             </a:fld>
             <a:endParaRPr lang="en-US"/>
           </a:p>
@@ -508,10 +512,9 @@
           <a:lstStyle/>
           <a:p>
             <a:r>
-              <a:rPr lang="en-US" smtClean="0"/>
+              <a:rPr lang="en-US"/>
               <a:t>Click to edit Master title style</a:t>
             </a:r>
-            <a:endParaRPr lang="en-US"/>
           </a:p>
         </p:txBody>
       </p:sp>
@@ -537,38 +540,37 @@
           <a:p>
             <a:pPr lvl="0"/>
             <a:r>
-              <a:rPr lang="en-US" smtClean="0"/>
+              <a:rPr lang="en-US"/>
               <a:t>Click to edit Master text styles</a:t>
             </a:r>
           </a:p>
           <a:p>
             <a:pPr lvl="1"/>
             <a:r>
-              <a:rPr lang="en-US" smtClean="0"/>
+              <a:rPr lang="en-US"/>
               <a:t>Second level</a:t>
             </a:r>
           </a:p>
           <a:p>
             <a:pPr lvl="2"/>
             <a:r>
-              <a:rPr lang="en-US" smtClean="0"/>
+              <a:rPr lang="en-US"/>
               <a:t>Third level</a:t>
             </a:r>
           </a:p>
           <a:p>
             <a:pPr lvl="3"/>
             <a:r>
-              <a:rPr lang="en-US" smtClean="0"/>
+              <a:rPr lang="en-US"/>
               <a:t>Fourth level</a:t>
             </a:r>
           </a:p>
           <a:p>
             <a:pPr lvl="4"/>
             <a:r>
-              <a:rPr lang="en-US" smtClean="0"/>
+              <a:rPr lang="en-US"/>
               <a:t>Fifth level</a:t>
             </a:r>
-            <a:endParaRPr lang="en-US"/>
           </a:p>
         </p:txBody>
       </p:sp>
@@ -589,7 +591,7 @@
           <a:p>
             <a:fld id="{28BE630F-C39C-4DB9-8258-0B48CA067079}" type="datetimeFigureOut">
               <a:rPr lang="en-US" smtClean="0"/>
-              <a:t>11/25/2021</a:t>
+              <a:t>11/28/2021</a:t>
             </a:fld>
             <a:endParaRPr lang="en-US"/>
           </a:p>
@@ -683,10 +685,9 @@
           <a:lstStyle/>
           <a:p>
             <a:r>
-              <a:rPr lang="en-US" smtClean="0"/>
+              <a:rPr lang="en-US"/>
               <a:t>Click to edit Master title style</a:t>
             </a:r>
-            <a:endParaRPr lang="en-US"/>
           </a:p>
         </p:txBody>
       </p:sp>
@@ -707,38 +708,37 @@
           <a:p>
             <a:pPr lvl="0"/>
             <a:r>
-              <a:rPr lang="en-US" smtClean="0"/>
+              <a:rPr lang="en-US"/>
               <a:t>Click to edit Master text styles</a:t>
             </a:r>
           </a:p>
           <a:p>
             <a:pPr lvl="1"/>
             <a:r>
-              <a:rPr lang="en-US" smtClean="0"/>
+              <a:rPr lang="en-US"/>
               <a:t>Second level</a:t>
             </a:r>
           </a:p>
           <a:p>
             <a:pPr lvl="2"/>
             <a:r>
-              <a:rPr lang="en-US" smtClean="0"/>
+              <a:rPr lang="en-US"/>
               <a:t>Third level</a:t>
             </a:r>
           </a:p>
           <a:p>
             <a:pPr lvl="3"/>
             <a:r>
-              <a:rPr lang="en-US" smtClean="0"/>
+              <a:rPr lang="en-US"/>
               <a:t>Fourth level</a:t>
             </a:r>
           </a:p>
           <a:p>
             <a:pPr lvl="4"/>
             <a:r>
-              <a:rPr lang="en-US" smtClean="0"/>
+              <a:rPr lang="en-US"/>
               <a:t>Fifth level</a:t>
             </a:r>
-            <a:endParaRPr lang="en-US"/>
           </a:p>
         </p:txBody>
       </p:sp>
@@ -759,7 +759,7 @@
           <a:p>
             <a:fld id="{28BE630F-C39C-4DB9-8258-0B48CA067079}" type="datetimeFigureOut">
               <a:rPr lang="en-US" smtClean="0"/>
-              <a:t>11/25/2021</a:t>
+              <a:t>11/28/2021</a:t>
             </a:fld>
             <a:endParaRPr lang="en-US"/>
           </a:p>
@@ -862,10 +862,9 @@
           </a:lstStyle>
           <a:p>
             <a:r>
-              <a:rPr lang="en-US" smtClean="0"/>
+              <a:rPr lang="en-US"/>
               <a:t>Click to edit Master title style</a:t>
             </a:r>
-            <a:endParaRPr lang="en-US"/>
           </a:p>
         </p:txBody>
       </p:sp>
@@ -982,7 +981,7 @@
           <a:p>
             <a:pPr lvl="0"/>
             <a:r>
-              <a:rPr lang="en-US" smtClean="0"/>
+              <a:rPr lang="en-US"/>
               <a:t>Click to edit Master text styles</a:t>
             </a:r>
           </a:p>
@@ -1005,7 +1004,7 @@
           <a:p>
             <a:fld id="{28BE630F-C39C-4DB9-8258-0B48CA067079}" type="datetimeFigureOut">
               <a:rPr lang="en-US" smtClean="0"/>
-              <a:t>11/25/2021</a:t>
+              <a:t>11/28/2021</a:t>
             </a:fld>
             <a:endParaRPr lang="en-US"/>
           </a:p>
@@ -1099,10 +1098,9 @@
           <a:lstStyle/>
           <a:p>
             <a:r>
-              <a:rPr lang="en-US" smtClean="0"/>
+              <a:rPr lang="en-US"/>
               <a:t>Click to edit Master title style</a:t>
             </a:r>
-            <a:endParaRPr lang="en-US"/>
           </a:p>
         </p:txBody>
       </p:sp>
@@ -1128,38 +1126,37 @@
           <a:p>
             <a:pPr lvl="0"/>
             <a:r>
-              <a:rPr lang="en-US" smtClean="0"/>
+              <a:rPr lang="en-US"/>
               <a:t>Click to edit Master text styles</a:t>
             </a:r>
           </a:p>
           <a:p>
             <a:pPr lvl="1"/>
             <a:r>
-              <a:rPr lang="en-US" smtClean="0"/>
+              <a:rPr lang="en-US"/>
               <a:t>Second level</a:t>
             </a:r>
           </a:p>
           <a:p>
             <a:pPr lvl="2"/>
             <a:r>
-              <a:rPr lang="en-US" smtClean="0"/>
+              <a:rPr lang="en-US"/>
               <a:t>Third level</a:t>
             </a:r>
           </a:p>
           <a:p>
             <a:pPr lvl="3"/>
             <a:r>
-              <a:rPr lang="en-US" smtClean="0"/>
+              <a:rPr lang="en-US"/>
               <a:t>Fourth level</a:t>
             </a:r>
           </a:p>
           <a:p>
             <a:pPr lvl="4"/>
             <a:r>
-              <a:rPr lang="en-US" smtClean="0"/>
+              <a:rPr lang="en-US"/>
               <a:t>Fifth level</a:t>
             </a:r>
-            <a:endParaRPr lang="en-US"/>
           </a:p>
         </p:txBody>
       </p:sp>
@@ -1185,38 +1182,37 @@
           <a:p>
             <a:pPr lvl="0"/>
             <a:r>
-              <a:rPr lang="en-US" smtClean="0"/>
+              <a:rPr lang="en-US"/>
               <a:t>Click to edit Master text styles</a:t>
             </a:r>
           </a:p>
           <a:p>
             <a:pPr lvl="1"/>
             <a:r>
-              <a:rPr lang="en-US" smtClean="0"/>
+              <a:rPr lang="en-US"/>
               <a:t>Second level</a:t>
             </a:r>
           </a:p>
           <a:p>
             <a:pPr lvl="2"/>
             <a:r>
-              <a:rPr lang="en-US" smtClean="0"/>
+              <a:rPr lang="en-US"/>
               <a:t>Third level</a:t>
             </a:r>
           </a:p>
           <a:p>
             <a:pPr lvl="3"/>
             <a:r>
-              <a:rPr lang="en-US" smtClean="0"/>
+              <a:rPr lang="en-US"/>
               <a:t>Fourth level</a:t>
             </a:r>
           </a:p>
           <a:p>
             <a:pPr lvl="4"/>
             <a:r>
-              <a:rPr lang="en-US" smtClean="0"/>
+              <a:rPr lang="en-US"/>
               <a:t>Fifth level</a:t>
             </a:r>
-            <a:endParaRPr lang="en-US"/>
           </a:p>
         </p:txBody>
       </p:sp>
@@ -1237,7 +1233,7 @@
           <a:p>
             <a:fld id="{28BE630F-C39C-4DB9-8258-0B48CA067079}" type="datetimeFigureOut">
               <a:rPr lang="en-US" smtClean="0"/>
-              <a:t>11/25/2021</a:t>
+              <a:t>11/28/2021</a:t>
             </a:fld>
             <a:endParaRPr lang="en-US"/>
           </a:p>
@@ -1336,10 +1332,9 @@
           <a:lstStyle/>
           <a:p>
             <a:r>
-              <a:rPr lang="en-US" smtClean="0"/>
+              <a:rPr lang="en-US"/>
               <a:t>Click to edit Master title style</a:t>
             </a:r>
-            <a:endParaRPr lang="en-US"/>
           </a:p>
         </p:txBody>
       </p:sp>
@@ -1402,7 +1397,7 @@
           <a:p>
             <a:pPr lvl="0"/>
             <a:r>
-              <a:rPr lang="en-US" smtClean="0"/>
+              <a:rPr lang="en-US"/>
               <a:t>Click to edit Master text styles</a:t>
             </a:r>
           </a:p>
@@ -1430,38 +1425,37 @@
           <a:p>
             <a:pPr lvl="0"/>
             <a:r>
-              <a:rPr lang="en-US" smtClean="0"/>
+              <a:rPr lang="en-US"/>
               <a:t>Click to edit Master text styles</a:t>
             </a:r>
           </a:p>
           <a:p>
             <a:pPr lvl="1"/>
             <a:r>
-              <a:rPr lang="en-US" smtClean="0"/>
+              <a:rPr lang="en-US"/>
               <a:t>Second level</a:t>
             </a:r>
           </a:p>
           <a:p>
             <a:pPr lvl="2"/>
             <a:r>
-              <a:rPr lang="en-US" smtClean="0"/>
+              <a:rPr lang="en-US"/>
               <a:t>Third level</a:t>
             </a:r>
           </a:p>
           <a:p>
             <a:pPr lvl="3"/>
             <a:r>
-              <a:rPr lang="en-US" smtClean="0"/>
+              <a:rPr lang="en-US"/>
               <a:t>Fourth level</a:t>
             </a:r>
           </a:p>
           <a:p>
             <a:pPr lvl="4"/>
             <a:r>
-              <a:rPr lang="en-US" smtClean="0"/>
+              <a:rPr lang="en-US"/>
               <a:t>Fifth level</a:t>
             </a:r>
-            <a:endParaRPr lang="en-US"/>
           </a:p>
         </p:txBody>
       </p:sp>
@@ -1524,7 +1518,7 @@
           <a:p>
             <a:pPr lvl="0"/>
             <a:r>
-              <a:rPr lang="en-US" smtClean="0"/>
+              <a:rPr lang="en-US"/>
               <a:t>Click to edit Master text styles</a:t>
             </a:r>
           </a:p>
@@ -1552,38 +1546,37 @@
           <a:p>
             <a:pPr lvl="0"/>
             <a:r>
-              <a:rPr lang="en-US" smtClean="0"/>
+              <a:rPr lang="en-US"/>
               <a:t>Click to edit Master text styles</a:t>
             </a:r>
           </a:p>
           <a:p>
             <a:pPr lvl="1"/>
             <a:r>
-              <a:rPr lang="en-US" smtClean="0"/>
+              <a:rPr lang="en-US"/>
               <a:t>Second level</a:t>
             </a:r>
           </a:p>
           <a:p>
             <a:pPr lvl="2"/>
             <a:r>
-              <a:rPr lang="en-US" smtClean="0"/>
+              <a:rPr lang="en-US"/>
               <a:t>Third level</a:t>
             </a:r>
           </a:p>
           <a:p>
             <a:pPr lvl="3"/>
             <a:r>
-              <a:rPr lang="en-US" smtClean="0"/>
+              <a:rPr lang="en-US"/>
               <a:t>Fourth level</a:t>
             </a:r>
           </a:p>
           <a:p>
             <a:pPr lvl="4"/>
             <a:r>
-              <a:rPr lang="en-US" smtClean="0"/>
+              <a:rPr lang="en-US"/>
               <a:t>Fifth level</a:t>
             </a:r>
-            <a:endParaRPr lang="en-US"/>
           </a:p>
         </p:txBody>
       </p:sp>
@@ -1604,7 +1597,7 @@
           <a:p>
             <a:fld id="{28BE630F-C39C-4DB9-8258-0B48CA067079}" type="datetimeFigureOut">
               <a:rPr lang="en-US" smtClean="0"/>
-              <a:t>11/25/2021</a:t>
+              <a:t>11/28/2021</a:t>
             </a:fld>
             <a:endParaRPr lang="en-US"/>
           </a:p>
@@ -1698,10 +1691,9 @@
           <a:lstStyle/>
           <a:p>
             <a:r>
-              <a:rPr lang="en-US" smtClean="0"/>
+              <a:rPr lang="en-US"/>
               <a:t>Click to edit Master title style</a:t>
             </a:r>
-            <a:endParaRPr lang="en-US"/>
           </a:p>
         </p:txBody>
       </p:sp>
@@ -1722,7 +1714,7 @@
           <a:p>
             <a:fld id="{28BE630F-C39C-4DB9-8258-0B48CA067079}" type="datetimeFigureOut">
               <a:rPr lang="en-US" smtClean="0"/>
-              <a:t>11/25/2021</a:t>
+              <a:t>11/28/2021</a:t>
             </a:fld>
             <a:endParaRPr lang="en-US"/>
           </a:p>
@@ -1817,7 +1809,7 @@
           <a:p>
             <a:fld id="{28BE630F-C39C-4DB9-8258-0B48CA067079}" type="datetimeFigureOut">
               <a:rPr lang="en-US" smtClean="0"/>
-              <a:t>11/25/2021</a:t>
+              <a:t>11/28/2021</a:t>
             </a:fld>
             <a:endParaRPr lang="en-US"/>
           </a:p>
@@ -1920,10 +1912,9 @@
           </a:lstStyle>
           <a:p>
             <a:r>
-              <a:rPr lang="en-US" smtClean="0"/>
+              <a:rPr lang="en-US"/>
               <a:t>Click to edit Master title style</a:t>
             </a:r>
-            <a:endParaRPr lang="en-US"/>
           </a:p>
         </p:txBody>
       </p:sp>
@@ -1977,38 +1968,37 @@
           <a:p>
             <a:pPr lvl="0"/>
             <a:r>
-              <a:rPr lang="en-US" smtClean="0"/>
+              <a:rPr lang="en-US"/>
               <a:t>Click to edit Master text styles</a:t>
             </a:r>
           </a:p>
           <a:p>
             <a:pPr lvl="1"/>
             <a:r>
-              <a:rPr lang="en-US" smtClean="0"/>
+              <a:rPr lang="en-US"/>
               <a:t>Second level</a:t>
             </a:r>
           </a:p>
           <a:p>
             <a:pPr lvl="2"/>
             <a:r>
-              <a:rPr lang="en-US" smtClean="0"/>
+              <a:rPr lang="en-US"/>
               <a:t>Third level</a:t>
             </a:r>
           </a:p>
           <a:p>
             <a:pPr lvl="3"/>
             <a:r>
-              <a:rPr lang="en-US" smtClean="0"/>
+              <a:rPr lang="en-US"/>
               <a:t>Fourth level</a:t>
             </a:r>
           </a:p>
           <a:p>
             <a:pPr lvl="4"/>
             <a:r>
-              <a:rPr lang="en-US" smtClean="0"/>
+              <a:rPr lang="en-US"/>
               <a:t>Fifth level</a:t>
             </a:r>
-            <a:endParaRPr lang="en-US"/>
           </a:p>
         </p:txBody>
       </p:sp>
@@ -2071,7 +2061,7 @@
           <a:p>
             <a:pPr lvl="0"/>
             <a:r>
-              <a:rPr lang="en-US" smtClean="0"/>
+              <a:rPr lang="en-US"/>
               <a:t>Click to edit Master text styles</a:t>
             </a:r>
           </a:p>
@@ -2094,7 +2084,7 @@
           <a:p>
             <a:fld id="{28BE630F-C39C-4DB9-8258-0B48CA067079}" type="datetimeFigureOut">
               <a:rPr lang="en-US" smtClean="0"/>
-              <a:t>11/25/2021</a:t>
+              <a:t>11/28/2021</a:t>
             </a:fld>
             <a:endParaRPr lang="en-US"/>
           </a:p>
@@ -2197,10 +2187,9 @@
           </a:lstStyle>
           <a:p>
             <a:r>
-              <a:rPr lang="en-US" smtClean="0"/>
+              <a:rPr lang="en-US"/>
               <a:t>Click to edit Master title style</a:t>
             </a:r>
-            <a:endParaRPr lang="en-US"/>
           </a:p>
         </p:txBody>
       </p:sp>
@@ -2324,7 +2313,7 @@
           <a:p>
             <a:pPr lvl="0"/>
             <a:r>
-              <a:rPr lang="en-US" smtClean="0"/>
+              <a:rPr lang="en-US"/>
               <a:t>Click to edit Master text styles</a:t>
             </a:r>
           </a:p>
@@ -2347,7 +2336,7 @@
           <a:p>
             <a:fld id="{28BE630F-C39C-4DB9-8258-0B48CA067079}" type="datetimeFigureOut">
               <a:rPr lang="en-US" smtClean="0"/>
-              <a:t>11/25/2021</a:t>
+              <a:t>11/28/2021</a:t>
             </a:fld>
             <a:endParaRPr lang="en-US"/>
           </a:p>
@@ -2456,10 +2445,9 @@
           <a:lstStyle/>
           <a:p>
             <a:r>
-              <a:rPr lang="en-US" smtClean="0"/>
+              <a:rPr lang="en-US"/>
               <a:t>Click to edit Master title style</a:t>
             </a:r>
-            <a:endParaRPr lang="en-US"/>
           </a:p>
         </p:txBody>
       </p:sp>
@@ -2490,38 +2478,37 @@
           <a:p>
             <a:pPr lvl="0"/>
             <a:r>
-              <a:rPr lang="en-US" smtClean="0"/>
+              <a:rPr lang="en-US"/>
               <a:t>Click to edit Master text styles</a:t>
             </a:r>
           </a:p>
           <a:p>
             <a:pPr lvl="1"/>
             <a:r>
-              <a:rPr lang="en-US" smtClean="0"/>
+              <a:rPr lang="en-US"/>
               <a:t>Second level</a:t>
             </a:r>
           </a:p>
           <a:p>
             <a:pPr lvl="2"/>
             <a:r>
-              <a:rPr lang="en-US" smtClean="0"/>
+              <a:rPr lang="en-US"/>
               <a:t>Third level</a:t>
             </a:r>
           </a:p>
           <a:p>
             <a:pPr lvl="3"/>
             <a:r>
-              <a:rPr lang="en-US" smtClean="0"/>
+              <a:rPr lang="en-US"/>
               <a:t>Fourth level</a:t>
             </a:r>
           </a:p>
           <a:p>
             <a:pPr lvl="4"/>
             <a:r>
-              <a:rPr lang="en-US" smtClean="0"/>
+              <a:rPr lang="en-US"/>
               <a:t>Fifth level</a:t>
             </a:r>
-            <a:endParaRPr lang="en-US"/>
           </a:p>
         </p:txBody>
       </p:sp>
@@ -2560,7 +2547,7 @@
           <a:p>
             <a:fld id="{28BE630F-C39C-4DB9-8258-0B48CA067079}" type="datetimeFigureOut">
               <a:rPr lang="en-US" smtClean="0"/>
-              <a:t>11/25/2021</a:t>
+              <a:t>11/28/2021</a:t>
             </a:fld>
             <a:endParaRPr lang="en-US"/>
           </a:p>
@@ -3222,28 +3209,288 @@
       </p:grpSpPr>
       <p:sp>
         <p:nvSpPr>
-          <p:cNvPr id="4" name="TextBox 3"/>
+          <p:cNvPr id="4" name="TextBox 3">
+            <a:extLst>
+              <a:ext uri="{FF2B5EF4-FFF2-40B4-BE49-F238E27FC236}">
+                <a16:creationId xmlns:a16="http://schemas.microsoft.com/office/drawing/2014/main" id="{59670088-AA69-4C6B-B219-F0337C4F14C7}"/>
+              </a:ext>
+            </a:extLst>
+          </p:cNvPr>
           <p:cNvSpPr txBox="1"/>
           <p:nvPr/>
         </p:nvSpPr>
         <p:spPr>
           <a:xfrm>
-            <a:off x="1009380" y="479624"/>
-            <a:ext cx="639919" cy="303481"/>
-          </a:xfrm>
-          <a:prstGeom prst="rect">
-            <a:avLst/>
-          </a:prstGeom>
-          <a:noFill/>
-        </p:spPr>
-        <p:txBody>
-          <a:bodyPr wrap="none" rtlCol="0">
+            <a:off x="3302591" y="203994"/>
+            <a:ext cx="4608957" cy="400110"/>
+          </a:xfrm>
+          <a:prstGeom prst="rect">
+            <a:avLst/>
+          </a:prstGeom>
+          <a:noFill/>
+        </p:spPr>
+        <p:txBody>
+          <a:bodyPr wrap="square" rtlCol="0">
             <a:spAutoFit/>
           </a:bodyPr>
           <a:lstStyle/>
           <a:p>
             <a:r>
-              <a:rPr lang="en-US" sz="1372" b="1" i="1" dirty="0">
+              <a:rPr lang="en-US" sz="2000" b="1" dirty="0">
+                <a:solidFill>
+                  <a:srgbClr val="00B050"/>
+                </a:solidFill>
+              </a:rPr>
+              <a:t>Update Component Diagram Menu</a:t>
+            </a:r>
+          </a:p>
+        </p:txBody>
+      </p:sp>
+      <p:sp>
+        <p:nvSpPr>
+          <p:cNvPr id="5" name="Rectangle: Rounded Corners 4">
+            <a:extLst>
+              <a:ext uri="{FF2B5EF4-FFF2-40B4-BE49-F238E27FC236}">
+                <a16:creationId xmlns:a16="http://schemas.microsoft.com/office/drawing/2014/main" id="{25FB43B2-06C6-4D03-A646-45C04D7E9684}"/>
+              </a:ext>
+            </a:extLst>
+          </p:cNvPr>
+          <p:cNvSpPr/>
+          <p:nvPr/>
+        </p:nvSpPr>
+        <p:spPr>
+          <a:xfrm>
+            <a:off x="1089993" y="1001460"/>
+            <a:ext cx="1731626" cy="1049466"/>
+          </a:xfrm>
+          <a:prstGeom prst="roundRect">
+            <a:avLst/>
+          </a:prstGeom>
+          <a:noFill/>
+          <a:ln w="19050">
+            <a:solidFill>
+              <a:schemeClr val="accent6">
+                <a:lumMod val="75000"/>
+              </a:schemeClr>
+            </a:solidFill>
+            <a:prstDash val="dash"/>
+          </a:ln>
+        </p:spPr>
+        <p:style>
+          <a:lnRef idx="2">
+            <a:schemeClr val="dk1"/>
+          </a:lnRef>
+          <a:fillRef idx="1">
+            <a:schemeClr val="lt1"/>
+          </a:fillRef>
+          <a:effectRef idx="0">
+            <a:schemeClr val="dk1"/>
+          </a:effectRef>
+          <a:fontRef idx="minor">
+            <a:schemeClr val="dk1"/>
+          </a:fontRef>
+        </p:style>
+        <p:txBody>
+          <a:bodyPr rtlCol="0" anchor="ctr"/>
+          <a:lstStyle/>
+          <a:p>
+            <a:pPr algn="ctr"/>
+            <a:endParaRPr lang="en-US" dirty="0">
+              <a:solidFill>
+                <a:srgbClr val="00B050"/>
+              </a:solidFill>
+            </a:endParaRPr>
+          </a:p>
+        </p:txBody>
+      </p:sp>
+      <p:sp>
+        <p:nvSpPr>
+          <p:cNvPr id="6" name="Rectangle: Rounded Corners 5">
+            <a:extLst>
+              <a:ext uri="{FF2B5EF4-FFF2-40B4-BE49-F238E27FC236}">
+                <a16:creationId xmlns:a16="http://schemas.microsoft.com/office/drawing/2014/main" id="{2704A3B4-1254-4082-A0EF-C1BB890068C2}"/>
+              </a:ext>
+            </a:extLst>
+          </p:cNvPr>
+          <p:cNvSpPr/>
+          <p:nvPr/>
+        </p:nvSpPr>
+        <p:spPr>
+          <a:xfrm>
+            <a:off x="1603512" y="4087622"/>
+            <a:ext cx="1991139" cy="764916"/>
+          </a:xfrm>
+          <a:prstGeom prst="roundRect">
+            <a:avLst/>
+          </a:prstGeom>
+          <a:noFill/>
+          <a:ln w="19050">
+            <a:solidFill>
+              <a:schemeClr val="accent6">
+                <a:lumMod val="75000"/>
+              </a:schemeClr>
+            </a:solidFill>
+            <a:prstDash val="dash"/>
+          </a:ln>
+        </p:spPr>
+        <p:style>
+          <a:lnRef idx="2">
+            <a:schemeClr val="dk1"/>
+          </a:lnRef>
+          <a:fillRef idx="1">
+            <a:schemeClr val="lt1"/>
+          </a:fillRef>
+          <a:effectRef idx="0">
+            <a:schemeClr val="dk1"/>
+          </a:effectRef>
+          <a:fontRef idx="minor">
+            <a:schemeClr val="dk1"/>
+          </a:fontRef>
+        </p:style>
+        <p:txBody>
+          <a:bodyPr rtlCol="0" anchor="ctr"/>
+          <a:lstStyle/>
+          <a:p>
+            <a:pPr algn="ctr"/>
+            <a:endParaRPr lang="en-US" dirty="0">
+              <a:ln>
+                <a:solidFill>
+                  <a:srgbClr val="FF0000"/>
+                </a:solidFill>
+              </a:ln>
+              <a:solidFill>
+                <a:srgbClr val="00B050"/>
+              </a:solidFill>
+            </a:endParaRPr>
+          </a:p>
+        </p:txBody>
+      </p:sp>
+      <p:sp>
+        <p:nvSpPr>
+          <p:cNvPr id="7" name="Rectangle: Rounded Corners 6">
+            <a:extLst>
+              <a:ext uri="{FF2B5EF4-FFF2-40B4-BE49-F238E27FC236}">
+                <a16:creationId xmlns:a16="http://schemas.microsoft.com/office/drawing/2014/main" id="{6E8B3691-AF77-4F36-B6DC-9DD73318640E}"/>
+              </a:ext>
+            </a:extLst>
+          </p:cNvPr>
+          <p:cNvSpPr/>
+          <p:nvPr/>
+        </p:nvSpPr>
+        <p:spPr>
+          <a:xfrm>
+            <a:off x="2650434" y="2429271"/>
+            <a:ext cx="6453809" cy="1049466"/>
+          </a:xfrm>
+          <a:prstGeom prst="roundRect">
+            <a:avLst/>
+          </a:prstGeom>
+          <a:noFill/>
+          <a:ln w="19050">
+            <a:solidFill>
+              <a:schemeClr val="accent5">
+                <a:lumMod val="75000"/>
+              </a:schemeClr>
+            </a:solidFill>
+            <a:prstDash val="dash"/>
+          </a:ln>
+        </p:spPr>
+        <p:style>
+          <a:lnRef idx="2">
+            <a:schemeClr val="dk1"/>
+          </a:lnRef>
+          <a:fillRef idx="1">
+            <a:schemeClr val="lt1"/>
+          </a:fillRef>
+          <a:effectRef idx="0">
+            <a:schemeClr val="dk1"/>
+          </a:effectRef>
+          <a:fontRef idx="minor">
+            <a:schemeClr val="dk1"/>
+          </a:fontRef>
+        </p:style>
+        <p:txBody>
+          <a:bodyPr rtlCol="0" anchor="ctr"/>
+          <a:lstStyle/>
+          <a:p>
+            <a:pPr algn="ctr"/>
+            <a:endParaRPr lang="en-US" dirty="0">
+              <a:solidFill>
+                <a:srgbClr val="00B050"/>
+              </a:solidFill>
+            </a:endParaRPr>
+          </a:p>
+        </p:txBody>
+      </p:sp>
+      <p:sp>
+        <p:nvSpPr>
+          <p:cNvPr id="8" name="TextBox 7">
+            <a:extLst>
+              <a:ext uri="{FF2B5EF4-FFF2-40B4-BE49-F238E27FC236}">
+                <a16:creationId xmlns:a16="http://schemas.microsoft.com/office/drawing/2014/main" id="{1FD1872A-CF1D-4BAD-82A2-A94DB4A30A78}"/>
+              </a:ext>
+            </a:extLst>
+          </p:cNvPr>
+          <p:cNvSpPr txBox="1"/>
+          <p:nvPr/>
+        </p:nvSpPr>
+        <p:spPr>
+          <a:xfrm>
+            <a:off x="1603512" y="4175430"/>
+            <a:ext cx="1868557" cy="338554"/>
+          </a:xfrm>
+          <a:prstGeom prst="rect">
+            <a:avLst/>
+          </a:prstGeom>
+          <a:noFill/>
+        </p:spPr>
+        <p:txBody>
+          <a:bodyPr wrap="square" rtlCol="0">
+            <a:spAutoFit/>
+          </a:bodyPr>
+          <a:lstStyle/>
+          <a:p>
+            <a:r>
+              <a:rPr lang="en-US" sz="1600" b="1" dirty="0">
+                <a:solidFill>
+                  <a:srgbClr val="FF0000"/>
+                </a:solidFill>
+              </a:rPr>
+              <a:t>&lt;my-event-view&gt;</a:t>
+            </a:r>
+          </a:p>
+        </p:txBody>
+      </p:sp>
+      <p:sp>
+        <p:nvSpPr>
+          <p:cNvPr id="9" name="TextBox 8">
+            <a:extLst>
+              <a:ext uri="{FF2B5EF4-FFF2-40B4-BE49-F238E27FC236}">
+                <a16:creationId xmlns:a16="http://schemas.microsoft.com/office/drawing/2014/main" id="{AC920754-A489-40EB-A0F1-4E418DAC7667}"/>
+              </a:ext>
+            </a:extLst>
+          </p:cNvPr>
+          <p:cNvSpPr txBox="1"/>
+          <p:nvPr/>
+        </p:nvSpPr>
+        <p:spPr>
+          <a:xfrm>
+            <a:off x="1618669" y="1187639"/>
+            <a:ext cx="959552" cy="338554"/>
+          </a:xfrm>
+          <a:prstGeom prst="rect">
+            <a:avLst/>
+          </a:prstGeom>
+          <a:noFill/>
+        </p:spPr>
+        <p:txBody>
+          <a:bodyPr wrap="square" rtlCol="0">
+            <a:spAutoFit/>
+          </a:bodyPr>
+          <a:lstStyle/>
+          <a:p>
+            <a:r>
+              <a:rPr lang="en-US" sz="1600" b="1" dirty="0">
                 <a:solidFill>
                   <a:srgbClr val="FF0000"/>
                 </a:solidFill>
@@ -3255,25 +3502,463 @@
       </p:sp>
       <p:sp>
         <p:nvSpPr>
-          <p:cNvPr id="5" name="Rounded Rectangle 4"/>
+          <p:cNvPr id="10" name="TextBox 9">
+            <a:extLst>
+              <a:ext uri="{FF2B5EF4-FFF2-40B4-BE49-F238E27FC236}">
+                <a16:creationId xmlns:a16="http://schemas.microsoft.com/office/drawing/2014/main" id="{4CA9B6E5-3BD0-4498-8C3A-AAAF28F0CA44}"/>
+              </a:ext>
+            </a:extLst>
+          </p:cNvPr>
+          <p:cNvSpPr txBox="1"/>
+          <p:nvPr/>
+        </p:nvSpPr>
+        <p:spPr>
+          <a:xfrm>
+            <a:off x="4995240" y="2784727"/>
+            <a:ext cx="1551334" cy="338554"/>
+          </a:xfrm>
+          <a:prstGeom prst="rect">
+            <a:avLst/>
+          </a:prstGeom>
+          <a:noFill/>
+        </p:spPr>
+        <p:txBody>
+          <a:bodyPr wrap="square" rtlCol="0">
+            <a:spAutoFit/>
+          </a:bodyPr>
+          <a:lstStyle/>
+          <a:p>
+            <a:r>
+              <a:rPr lang="en-US" sz="1600" b="1" dirty="0">
+                <a:solidFill>
+                  <a:srgbClr val="7030A0"/>
+                </a:solidFill>
+              </a:rPr>
+              <a:t>&lt;router-view&gt;</a:t>
+            </a:r>
+          </a:p>
+        </p:txBody>
+      </p:sp>
+      <p:sp>
+        <p:nvSpPr>
+          <p:cNvPr id="11" name="Rectangle: Rounded Corners 10">
+            <a:extLst>
+              <a:ext uri="{FF2B5EF4-FFF2-40B4-BE49-F238E27FC236}">
+                <a16:creationId xmlns:a16="http://schemas.microsoft.com/office/drawing/2014/main" id="{73A6E935-8787-4709-9BE8-0F38B7127CA6}"/>
+              </a:ext>
+            </a:extLst>
+          </p:cNvPr>
           <p:cNvSpPr/>
           <p:nvPr/>
         </p:nvSpPr>
         <p:spPr>
           <a:xfrm>
-            <a:off x="523323" y="309043"/>
-            <a:ext cx="1650319" cy="1166483"/>
+            <a:off x="8042052" y="4034617"/>
+            <a:ext cx="1991139" cy="732666"/>
           </a:xfrm>
           <a:prstGeom prst="roundRect">
             <a:avLst/>
           </a:prstGeom>
           <a:noFill/>
-          <a:ln>
+          <a:ln w="19050">
             <a:solidFill>
-              <a:srgbClr val="FF0000"/>
+              <a:schemeClr val="accent6">
+                <a:lumMod val="75000"/>
+              </a:schemeClr>
             </a:solidFill>
-            <a:prstDash val="lgDash"/>
+            <a:prstDash val="dash"/>
           </a:ln>
+        </p:spPr>
+        <p:style>
+          <a:lnRef idx="2">
+            <a:schemeClr val="dk1"/>
+          </a:lnRef>
+          <a:fillRef idx="1">
+            <a:schemeClr val="lt1"/>
+          </a:fillRef>
+          <a:effectRef idx="0">
+            <a:schemeClr val="dk1"/>
+          </a:effectRef>
+          <a:fontRef idx="minor">
+            <a:schemeClr val="dk1"/>
+          </a:fontRef>
+        </p:style>
+        <p:txBody>
+          <a:bodyPr rtlCol="0" anchor="ctr"/>
+          <a:lstStyle/>
+          <a:p>
+            <a:pPr algn="ctr"/>
+            <a:endParaRPr lang="en-US" dirty="0">
+              <a:ln>
+                <a:solidFill>
+                  <a:srgbClr val="FF0000"/>
+                </a:solidFill>
+              </a:ln>
+              <a:solidFill>
+                <a:srgbClr val="00B050"/>
+              </a:solidFill>
+            </a:endParaRPr>
+          </a:p>
+        </p:txBody>
+      </p:sp>
+      <p:sp>
+        <p:nvSpPr>
+          <p:cNvPr id="12" name="TextBox 11">
+            <a:extLst>
+              <a:ext uri="{FF2B5EF4-FFF2-40B4-BE49-F238E27FC236}">
+                <a16:creationId xmlns:a16="http://schemas.microsoft.com/office/drawing/2014/main" id="{7E6A3BB9-EB29-4161-9D8B-10530CA1C392}"/>
+              </a:ext>
+            </a:extLst>
+          </p:cNvPr>
+          <p:cNvSpPr txBox="1"/>
+          <p:nvPr/>
+        </p:nvSpPr>
+        <p:spPr>
+          <a:xfrm>
+            <a:off x="8358812" y="4122425"/>
+            <a:ext cx="1674379" cy="338554"/>
+          </a:xfrm>
+          <a:prstGeom prst="rect">
+            <a:avLst/>
+          </a:prstGeom>
+          <a:noFill/>
+        </p:spPr>
+        <p:txBody>
+          <a:bodyPr wrap="square" rtlCol="0">
+            <a:spAutoFit/>
+          </a:bodyPr>
+          <a:lstStyle/>
+          <a:p>
+            <a:r>
+              <a:rPr lang="en-US" sz="1600" b="1" dirty="0">
+                <a:solidFill>
+                  <a:srgbClr val="FF0000"/>
+                </a:solidFill>
+              </a:rPr>
+              <a:t>&lt;category-view&gt;</a:t>
+            </a:r>
+          </a:p>
+        </p:txBody>
+      </p:sp>
+      <p:sp>
+        <p:nvSpPr>
+          <p:cNvPr id="13" name="Rectangle: Rounded Corners 12">
+            <a:extLst>
+              <a:ext uri="{FF2B5EF4-FFF2-40B4-BE49-F238E27FC236}">
+                <a16:creationId xmlns:a16="http://schemas.microsoft.com/office/drawing/2014/main" id="{DA1C804E-A4A6-4252-940C-1F0013669D0D}"/>
+              </a:ext>
+            </a:extLst>
+          </p:cNvPr>
+          <p:cNvSpPr/>
+          <p:nvPr/>
+        </p:nvSpPr>
+        <p:spPr>
+          <a:xfrm>
+            <a:off x="4641573" y="1001460"/>
+            <a:ext cx="1991139" cy="676910"/>
+          </a:xfrm>
+          <a:prstGeom prst="roundRect">
+            <a:avLst/>
+          </a:prstGeom>
+          <a:noFill/>
+          <a:ln w="19050">
+            <a:solidFill>
+              <a:schemeClr val="accent6">
+                <a:lumMod val="75000"/>
+              </a:schemeClr>
+            </a:solidFill>
+            <a:prstDash val="dash"/>
+          </a:ln>
+        </p:spPr>
+        <p:style>
+          <a:lnRef idx="2">
+            <a:schemeClr val="dk1"/>
+          </a:lnRef>
+          <a:fillRef idx="1">
+            <a:schemeClr val="lt1"/>
+          </a:fillRef>
+          <a:effectRef idx="0">
+            <a:schemeClr val="dk1"/>
+          </a:effectRef>
+          <a:fontRef idx="minor">
+            <a:schemeClr val="dk1"/>
+          </a:fontRef>
+        </p:style>
+        <p:txBody>
+          <a:bodyPr rtlCol="0" anchor="ctr"/>
+          <a:lstStyle/>
+          <a:p>
+            <a:pPr algn="ctr"/>
+            <a:endParaRPr lang="en-US" dirty="0">
+              <a:ln>
+                <a:solidFill>
+                  <a:srgbClr val="FF0000"/>
+                </a:solidFill>
+              </a:ln>
+              <a:solidFill>
+                <a:srgbClr val="00B050"/>
+              </a:solidFill>
+            </a:endParaRPr>
+          </a:p>
+        </p:txBody>
+      </p:sp>
+      <p:sp>
+        <p:nvSpPr>
+          <p:cNvPr id="14" name="TextBox 13">
+            <a:extLst>
+              <a:ext uri="{FF2B5EF4-FFF2-40B4-BE49-F238E27FC236}">
+                <a16:creationId xmlns:a16="http://schemas.microsoft.com/office/drawing/2014/main" id="{919498AC-EEC8-426B-BEAF-2E2CAF35874F}"/>
+              </a:ext>
+            </a:extLst>
+          </p:cNvPr>
+          <p:cNvSpPr txBox="1"/>
+          <p:nvPr/>
+        </p:nvSpPr>
+        <p:spPr>
+          <a:xfrm>
+            <a:off x="4793891" y="1034098"/>
+            <a:ext cx="1756075" cy="338554"/>
+          </a:xfrm>
+          <a:prstGeom prst="rect">
+            <a:avLst/>
+          </a:prstGeom>
+          <a:noFill/>
+        </p:spPr>
+        <p:txBody>
+          <a:bodyPr wrap="square" rtlCol="0">
+            <a:spAutoFit/>
+          </a:bodyPr>
+          <a:lstStyle/>
+          <a:p>
+            <a:pPr algn="ctr"/>
+            <a:r>
+              <a:rPr lang="en-US" sz="1600" b="1" dirty="0">
+                <a:solidFill>
+                  <a:srgbClr val="FF0000"/>
+                </a:solidFill>
+              </a:rPr>
+              <a:t>&lt;Navigation&gt;</a:t>
+            </a:r>
+          </a:p>
+        </p:txBody>
+      </p:sp>
+      <p:cxnSp>
+        <p:nvCxnSpPr>
+          <p:cNvPr id="15" name="Straight Arrow Connector 14">
+            <a:extLst>
+              <a:ext uri="{FF2B5EF4-FFF2-40B4-BE49-F238E27FC236}">
+                <a16:creationId xmlns:a16="http://schemas.microsoft.com/office/drawing/2014/main" id="{5731BB0F-B2A6-4F8B-ABE8-BCBF5C00F043}"/>
+              </a:ext>
+            </a:extLst>
+          </p:cNvPr>
+          <p:cNvCxnSpPr>
+            <a:cxnSpLocks/>
+            <a:stCxn id="13" idx="2"/>
+          </p:cNvCxnSpPr>
+          <p:nvPr/>
+        </p:nvCxnSpPr>
+        <p:spPr>
+          <a:xfrm>
+            <a:off x="5637143" y="1678370"/>
+            <a:ext cx="0" cy="750901"/>
+          </a:xfrm>
+          <a:prstGeom prst="straightConnector1">
+            <a:avLst/>
+          </a:prstGeom>
+          <a:ln w="12700">
+            <a:tailEnd type="triangle"/>
+          </a:ln>
+        </p:spPr>
+        <p:style>
+          <a:lnRef idx="1">
+            <a:schemeClr val="accent1"/>
+          </a:lnRef>
+          <a:fillRef idx="0">
+            <a:schemeClr val="accent1"/>
+          </a:fillRef>
+          <a:effectRef idx="0">
+            <a:schemeClr val="accent1"/>
+          </a:effectRef>
+          <a:fontRef idx="minor">
+            <a:schemeClr val="tx1"/>
+          </a:fontRef>
+        </p:style>
+      </p:cxnSp>
+      <p:cxnSp>
+        <p:nvCxnSpPr>
+          <p:cNvPr id="16" name="Straight Arrow Connector 15">
+            <a:extLst>
+              <a:ext uri="{FF2B5EF4-FFF2-40B4-BE49-F238E27FC236}">
+                <a16:creationId xmlns:a16="http://schemas.microsoft.com/office/drawing/2014/main" id="{45BBDB04-7501-489B-9836-692BBFC8358E}"/>
+              </a:ext>
+            </a:extLst>
+          </p:cNvPr>
+          <p:cNvCxnSpPr>
+            <a:cxnSpLocks/>
+          </p:cNvCxnSpPr>
+          <p:nvPr/>
+        </p:nvCxnSpPr>
+        <p:spPr>
+          <a:xfrm>
+            <a:off x="2671320" y="3429000"/>
+            <a:ext cx="0" cy="662278"/>
+          </a:xfrm>
+          <a:prstGeom prst="straightConnector1">
+            <a:avLst/>
+          </a:prstGeom>
+          <a:ln w="12700">
+            <a:tailEnd type="triangle"/>
+          </a:ln>
+        </p:spPr>
+        <p:style>
+          <a:lnRef idx="1">
+            <a:schemeClr val="accent1"/>
+          </a:lnRef>
+          <a:fillRef idx="0">
+            <a:schemeClr val="accent1"/>
+          </a:fillRef>
+          <a:effectRef idx="0">
+            <a:schemeClr val="accent1"/>
+          </a:effectRef>
+          <a:fontRef idx="minor">
+            <a:schemeClr val="tx1"/>
+          </a:fontRef>
+        </p:style>
+      </p:cxnSp>
+      <p:cxnSp>
+        <p:nvCxnSpPr>
+          <p:cNvPr id="17" name="Straight Arrow Connector 16">
+            <a:extLst>
+              <a:ext uri="{FF2B5EF4-FFF2-40B4-BE49-F238E27FC236}">
+                <a16:creationId xmlns:a16="http://schemas.microsoft.com/office/drawing/2014/main" id="{98D491A5-244C-41C0-958B-019FF4757264}"/>
+              </a:ext>
+            </a:extLst>
+          </p:cNvPr>
+          <p:cNvCxnSpPr>
+            <a:cxnSpLocks/>
+          </p:cNvCxnSpPr>
+          <p:nvPr/>
+        </p:nvCxnSpPr>
+        <p:spPr>
+          <a:xfrm>
+            <a:off x="9090628" y="3429000"/>
+            <a:ext cx="0" cy="559904"/>
+          </a:xfrm>
+          <a:prstGeom prst="straightConnector1">
+            <a:avLst/>
+          </a:prstGeom>
+          <a:ln w="12700">
+            <a:tailEnd type="triangle"/>
+          </a:ln>
+        </p:spPr>
+        <p:style>
+          <a:lnRef idx="1">
+            <a:schemeClr val="accent1"/>
+          </a:lnRef>
+          <a:fillRef idx="0">
+            <a:schemeClr val="accent1"/>
+          </a:fillRef>
+          <a:effectRef idx="0">
+            <a:schemeClr val="accent1"/>
+          </a:effectRef>
+          <a:fontRef idx="minor">
+            <a:schemeClr val="tx1"/>
+          </a:fontRef>
+        </p:style>
+      </p:cxnSp>
+      <p:sp>
+        <p:nvSpPr>
+          <p:cNvPr id="18" name="TextBox 17">
+            <a:extLst>
+              <a:ext uri="{FF2B5EF4-FFF2-40B4-BE49-F238E27FC236}">
+                <a16:creationId xmlns:a16="http://schemas.microsoft.com/office/drawing/2014/main" id="{8AE4DBC0-EB10-4379-A415-1A7821FA6315}"/>
+              </a:ext>
+            </a:extLst>
+          </p:cNvPr>
+          <p:cNvSpPr txBox="1"/>
+          <p:nvPr/>
+        </p:nvSpPr>
+        <p:spPr>
+          <a:xfrm>
+            <a:off x="2623929" y="3490580"/>
+            <a:ext cx="1344815" cy="338554"/>
+          </a:xfrm>
+          <a:prstGeom prst="rect">
+            <a:avLst/>
+          </a:prstGeom>
+          <a:noFill/>
+        </p:spPr>
+        <p:txBody>
+          <a:bodyPr wrap="square" rtlCol="0">
+            <a:spAutoFit/>
+          </a:bodyPr>
+          <a:lstStyle/>
+          <a:p>
+            <a:r>
+              <a:rPr lang="en-US" sz="1600" dirty="0"/>
+              <a:t>/my-event</a:t>
+            </a:r>
+          </a:p>
+        </p:txBody>
+      </p:sp>
+      <p:sp>
+        <p:nvSpPr>
+          <p:cNvPr id="19" name="TextBox 18">
+            <a:extLst>
+              <a:ext uri="{FF2B5EF4-FFF2-40B4-BE49-F238E27FC236}">
+                <a16:creationId xmlns:a16="http://schemas.microsoft.com/office/drawing/2014/main" id="{041FE835-F0B2-4C60-BB19-50B0C88E6EBA}"/>
+              </a:ext>
+            </a:extLst>
+          </p:cNvPr>
+          <p:cNvSpPr txBox="1"/>
+          <p:nvPr/>
+        </p:nvSpPr>
+        <p:spPr>
+          <a:xfrm>
+            <a:off x="9022896" y="3429000"/>
+            <a:ext cx="995568" cy="338554"/>
+          </a:xfrm>
+          <a:prstGeom prst="rect">
+            <a:avLst/>
+          </a:prstGeom>
+          <a:noFill/>
+        </p:spPr>
+        <p:txBody>
+          <a:bodyPr wrap="square" rtlCol="0">
+            <a:spAutoFit/>
+          </a:bodyPr>
+          <a:lstStyle/>
+          <a:p>
+            <a:r>
+              <a:rPr lang="en-US" sz="1600" dirty="0"/>
+              <a:t>/category</a:t>
+            </a:r>
+          </a:p>
+        </p:txBody>
+      </p:sp>
+      <p:sp>
+        <p:nvSpPr>
+          <p:cNvPr id="20" name="Arrow: Right 19">
+            <a:extLst>
+              <a:ext uri="{FF2B5EF4-FFF2-40B4-BE49-F238E27FC236}">
+                <a16:creationId xmlns:a16="http://schemas.microsoft.com/office/drawing/2014/main" id="{084908DC-9E1D-4996-86F6-60DBC81E2F33}"/>
+              </a:ext>
+            </a:extLst>
+          </p:cNvPr>
+          <p:cNvSpPr/>
+          <p:nvPr/>
+        </p:nvSpPr>
+        <p:spPr>
+          <a:xfrm>
+            <a:off x="2623929" y="1340215"/>
+            <a:ext cx="630475" cy="324613"/>
+          </a:xfrm>
+          <a:prstGeom prst="rightArrow">
+            <a:avLst/>
+          </a:prstGeom>
+          <a:solidFill>
+            <a:srgbClr val="FFFF00"/>
+          </a:solidFill>
         </p:spPr>
         <p:style>
           <a:lnRef idx="2">
@@ -3296,124 +3981,115 @@
           <a:lstStyle/>
           <a:p>
             <a:pPr algn="ctr"/>
-            <a:endParaRPr lang="en-US" sz="1372"/>
-          </a:p>
-        </p:txBody>
-      </p:sp>
-      <p:sp>
-        <p:nvSpPr>
-          <p:cNvPr id="6" name="TextBox 5"/>
+            <a:endParaRPr lang="en-US"/>
+          </a:p>
+        </p:txBody>
+      </p:sp>
+      <p:sp>
+        <p:nvSpPr>
+          <p:cNvPr id="21" name="TextBox 20">
+            <a:extLst>
+              <a:ext uri="{FF2B5EF4-FFF2-40B4-BE49-F238E27FC236}">
+                <a16:creationId xmlns:a16="http://schemas.microsoft.com/office/drawing/2014/main" id="{DF32F0D7-CC34-4F76-AD73-904DC24568D6}"/>
+              </a:ext>
+            </a:extLst>
+          </p:cNvPr>
           <p:cNvSpPr txBox="1"/>
           <p:nvPr/>
         </p:nvSpPr>
         <p:spPr>
           <a:xfrm>
-            <a:off x="885053" y="892284"/>
-            <a:ext cx="926857" cy="303481"/>
-          </a:xfrm>
-          <a:prstGeom prst="rect">
-            <a:avLst/>
-          </a:prstGeom>
-          <a:noFill/>
-        </p:spPr>
-        <p:txBody>
-          <a:bodyPr wrap="none" rtlCol="0">
+            <a:off x="2527428" y="1043066"/>
+            <a:ext cx="995568" cy="338554"/>
+          </a:xfrm>
+          <a:prstGeom prst="rect">
+            <a:avLst/>
+          </a:prstGeom>
+          <a:noFill/>
+        </p:spPr>
+        <p:txBody>
+          <a:bodyPr wrap="square" rtlCol="0">
             <a:spAutoFit/>
           </a:bodyPr>
           <a:lstStyle/>
           <a:p>
             <a:r>
-              <a:rPr lang="en-US" sz="1372" dirty="0" smtClean="0"/>
-              <a:t>Students[]</a:t>
-            </a:r>
-            <a:endParaRPr lang="en-US" sz="1372" dirty="0"/>
-          </a:p>
-        </p:txBody>
-      </p:sp>
-      <p:sp>
-        <p:nvSpPr>
-          <p:cNvPr id="7" name="TextBox 6"/>
-          <p:cNvSpPr txBox="1"/>
-          <p:nvPr/>
-        </p:nvSpPr>
-        <p:spPr>
-          <a:xfrm>
-            <a:off x="119555" y="1627265"/>
-            <a:ext cx="3384709" cy="303481"/>
-          </a:xfrm>
-          <a:prstGeom prst="rect">
-            <a:avLst/>
-          </a:prstGeom>
-          <a:noFill/>
-        </p:spPr>
-        <p:txBody>
-          <a:bodyPr wrap="none" rtlCol="0">
-            <a:spAutoFit/>
-          </a:bodyPr>
-          <a:lstStyle/>
-          <a:p>
-            <a:r>
-              <a:rPr lang="en-US" sz="1372" dirty="0" smtClean="0"/>
-              <a:t>// A component with a list of student as data</a:t>
-            </a:r>
-            <a:endParaRPr lang="en-US" sz="1372" dirty="0"/>
-          </a:p>
-        </p:txBody>
-      </p:sp>
-      <p:sp>
-        <p:nvSpPr>
-          <p:cNvPr id="8" name="TextBox 7"/>
-          <p:cNvSpPr txBox="1"/>
-          <p:nvPr/>
-        </p:nvSpPr>
-        <p:spPr>
-          <a:xfrm>
-            <a:off x="1009380" y="2556074"/>
-            <a:ext cx="639919" cy="303481"/>
-          </a:xfrm>
-          <a:prstGeom prst="rect">
-            <a:avLst/>
-          </a:prstGeom>
-          <a:noFill/>
-        </p:spPr>
-        <p:txBody>
-          <a:bodyPr wrap="none" rtlCol="0">
-            <a:spAutoFit/>
-          </a:bodyPr>
-          <a:lstStyle/>
-          <a:p>
-            <a:r>
-              <a:rPr lang="en-US" sz="1372" b="1" i="1" dirty="0">
+              <a:rPr lang="en-US" sz="1600" b="1" dirty="0">
                 <a:solidFill>
-                  <a:srgbClr val="FF0000"/>
+                  <a:schemeClr val="accent4">
+                    <a:lumMod val="75000"/>
+                  </a:schemeClr>
                 </a:solidFill>
               </a:rPr>
-              <a:t>&lt;app&gt;</a:t>
-            </a:r>
-          </a:p>
-        </p:txBody>
-      </p:sp>
-      <p:sp>
-        <p:nvSpPr>
-          <p:cNvPr id="9" name="Rounded Rectangle 8"/>
+              <a:t>PROVIDE</a:t>
+            </a:r>
+          </a:p>
+        </p:txBody>
+      </p:sp>
+      <p:sp>
+        <p:nvSpPr>
+          <p:cNvPr id="22" name="TextBox 21">
+            <a:extLst>
+              <a:ext uri="{FF2B5EF4-FFF2-40B4-BE49-F238E27FC236}">
+                <a16:creationId xmlns:a16="http://schemas.microsoft.com/office/drawing/2014/main" id="{767B954E-22BD-4FB6-988D-40F7F7E8DC53}"/>
+              </a:ext>
+            </a:extLst>
+          </p:cNvPr>
+          <p:cNvSpPr txBox="1"/>
+          <p:nvPr/>
+        </p:nvSpPr>
+        <p:spPr>
+          <a:xfrm>
+            <a:off x="2527428" y="1623423"/>
+            <a:ext cx="2114144" cy="584775"/>
+          </a:xfrm>
+          <a:prstGeom prst="rect">
+            <a:avLst/>
+          </a:prstGeom>
+          <a:noFill/>
+        </p:spPr>
+        <p:txBody>
+          <a:bodyPr wrap="square" rtlCol="0">
+            <a:spAutoFit/>
+          </a:bodyPr>
+          <a:lstStyle/>
+          <a:p>
+            <a:r>
+              <a:rPr lang="en-US" sz="1600" dirty="0"/>
+              <a:t>my-event-info</a:t>
+            </a:r>
+          </a:p>
+          <a:p>
+            <a:r>
+              <a:rPr lang="en-US" sz="1600" dirty="0"/>
+              <a:t>category-info</a:t>
+            </a:r>
+          </a:p>
+        </p:txBody>
+      </p:sp>
+      <p:sp>
+        <p:nvSpPr>
+          <p:cNvPr id="23" name="Arrow: Right 22">
+            <a:extLst>
+              <a:ext uri="{FF2B5EF4-FFF2-40B4-BE49-F238E27FC236}">
+                <a16:creationId xmlns:a16="http://schemas.microsoft.com/office/drawing/2014/main" id="{2AE59A2F-14A7-44D5-BD45-78EF5D320B05}"/>
+              </a:ext>
+            </a:extLst>
+          </p:cNvPr>
           <p:cNvSpPr/>
           <p:nvPr/>
         </p:nvSpPr>
         <p:spPr>
           <a:xfrm>
-            <a:off x="523323" y="2385493"/>
-            <a:ext cx="1650319" cy="1166483"/>
-          </a:xfrm>
-          <a:prstGeom prst="roundRect">
-            <a:avLst/>
-          </a:prstGeom>
-          <a:noFill/>
-          <a:ln>
-            <a:solidFill>
-              <a:srgbClr val="FF0000"/>
-            </a:solidFill>
-            <a:prstDash val="lgDash"/>
-          </a:ln>
+            <a:off x="7450043" y="4238015"/>
+            <a:ext cx="630475" cy="324613"/>
+          </a:xfrm>
+          <a:prstGeom prst="rightArrow">
+            <a:avLst/>
+          </a:prstGeom>
+          <a:solidFill>
+            <a:srgbClr val="FFFF00"/>
+          </a:solidFill>
         </p:spPr>
         <p:style>
           <a:lnRef idx="2">
@@ -3436,153 +4112,286 @@
           <a:lstStyle/>
           <a:p>
             <a:pPr algn="ctr"/>
-            <a:endParaRPr lang="en-US" sz="1372"/>
-          </a:p>
-        </p:txBody>
-      </p:sp>
-      <p:sp>
-        <p:nvSpPr>
-          <p:cNvPr id="10" name="TextBox 9"/>
+            <a:endParaRPr lang="en-US"/>
+          </a:p>
+        </p:txBody>
+      </p:sp>
+      <p:sp>
+        <p:nvSpPr>
+          <p:cNvPr id="24" name="TextBox 23">
+            <a:extLst>
+              <a:ext uri="{FF2B5EF4-FFF2-40B4-BE49-F238E27FC236}">
+                <a16:creationId xmlns:a16="http://schemas.microsoft.com/office/drawing/2014/main" id="{287AC68C-F274-440B-A716-5CE9FC125A1F}"/>
+              </a:ext>
+            </a:extLst>
+          </p:cNvPr>
           <p:cNvSpPr txBox="1"/>
           <p:nvPr/>
         </p:nvSpPr>
         <p:spPr>
           <a:xfrm>
-            <a:off x="885053" y="2968734"/>
-            <a:ext cx="926857" cy="303481"/>
-          </a:xfrm>
-          <a:prstGeom prst="rect">
-            <a:avLst/>
-          </a:prstGeom>
-          <a:noFill/>
-        </p:spPr>
-        <p:txBody>
-          <a:bodyPr wrap="none" rtlCol="0">
+            <a:off x="7416932" y="3989899"/>
+            <a:ext cx="802733" cy="338554"/>
+          </a:xfrm>
+          <a:prstGeom prst="rect">
+            <a:avLst/>
+          </a:prstGeom>
+          <a:noFill/>
+        </p:spPr>
+        <p:txBody>
+          <a:bodyPr wrap="square" rtlCol="0">
             <a:spAutoFit/>
           </a:bodyPr>
           <a:lstStyle/>
           <a:p>
             <a:r>
-              <a:rPr lang="en-US" sz="1372" dirty="0" smtClean="0"/>
-              <a:t>Students[]</a:t>
-            </a:r>
-            <a:endParaRPr lang="en-US" sz="1372" dirty="0"/>
-          </a:p>
-        </p:txBody>
-      </p:sp>
-      <p:sp>
-        <p:nvSpPr>
-          <p:cNvPr id="11" name="TextBox 10"/>
+              <a:rPr lang="en-US" sz="1600" b="1" dirty="0">
+                <a:solidFill>
+                  <a:schemeClr val="accent4">
+                    <a:lumMod val="75000"/>
+                  </a:schemeClr>
+                </a:solidFill>
+              </a:rPr>
+              <a:t>INJECT</a:t>
+            </a:r>
+          </a:p>
+        </p:txBody>
+      </p:sp>
+      <p:sp>
+        <p:nvSpPr>
+          <p:cNvPr id="25" name="TextBox 24">
+            <a:extLst>
+              <a:ext uri="{FF2B5EF4-FFF2-40B4-BE49-F238E27FC236}">
+                <a16:creationId xmlns:a16="http://schemas.microsoft.com/office/drawing/2014/main" id="{AF0534E2-4944-4924-AC1D-BEBB45CA3F1F}"/>
+              </a:ext>
+            </a:extLst>
+          </p:cNvPr>
           <p:cNvSpPr txBox="1"/>
           <p:nvPr/>
         </p:nvSpPr>
         <p:spPr>
           <a:xfrm>
-            <a:off x="464251" y="3703715"/>
-            <a:ext cx="2183996" cy="303481"/>
-          </a:xfrm>
-          <a:prstGeom prst="rect">
-            <a:avLst/>
-          </a:prstGeom>
-          <a:noFill/>
-        </p:spPr>
-        <p:txBody>
-          <a:bodyPr wrap="none" rtlCol="0">
+            <a:off x="7057269" y="4498523"/>
+            <a:ext cx="1301543" cy="338554"/>
+          </a:xfrm>
+          <a:prstGeom prst="rect">
+            <a:avLst/>
+          </a:prstGeom>
+          <a:noFill/>
+        </p:spPr>
+        <p:txBody>
+          <a:bodyPr wrap="square" rtlCol="0">
             <a:spAutoFit/>
           </a:bodyPr>
           <a:lstStyle/>
           <a:p>
             <a:r>
-              <a:rPr lang="en-US" sz="1372" dirty="0" smtClean="0"/>
-              <a:t>// </a:t>
-            </a:r>
-            <a:r>
-              <a:rPr lang="en-US" sz="1372" dirty="0" smtClean="0">
+              <a:rPr lang="en-US" sz="1600" dirty="0"/>
+              <a:t>category-info</a:t>
+            </a:r>
+          </a:p>
+        </p:txBody>
+      </p:sp>
+      <p:cxnSp>
+        <p:nvCxnSpPr>
+          <p:cNvPr id="26" name="Straight Arrow Connector 25">
+            <a:extLst>
+              <a:ext uri="{FF2B5EF4-FFF2-40B4-BE49-F238E27FC236}">
+                <a16:creationId xmlns:a16="http://schemas.microsoft.com/office/drawing/2014/main" id="{FB84FA29-FF96-4EE1-AF8F-222208D5DDF5}"/>
+              </a:ext>
+            </a:extLst>
+          </p:cNvPr>
+          <p:cNvCxnSpPr>
+            <a:cxnSpLocks/>
+          </p:cNvCxnSpPr>
+          <p:nvPr/>
+        </p:nvCxnSpPr>
+        <p:spPr>
+          <a:xfrm>
+            <a:off x="5829298" y="3490580"/>
+            <a:ext cx="0" cy="498324"/>
+          </a:xfrm>
+          <a:prstGeom prst="straightConnector1">
+            <a:avLst/>
+          </a:prstGeom>
+          <a:ln w="12700">
+            <a:tailEnd type="triangle"/>
+          </a:ln>
+        </p:spPr>
+        <p:style>
+          <a:lnRef idx="1">
+            <a:schemeClr val="accent1"/>
+          </a:lnRef>
+          <a:fillRef idx="0">
+            <a:schemeClr val="accent1"/>
+          </a:fillRef>
+          <a:effectRef idx="0">
+            <a:schemeClr val="accent1"/>
+          </a:effectRef>
+          <a:fontRef idx="minor">
+            <a:schemeClr val="tx1"/>
+          </a:fontRef>
+        </p:style>
+      </p:cxnSp>
+      <p:sp>
+        <p:nvSpPr>
+          <p:cNvPr id="27" name="TextBox 26">
+            <a:extLst>
+              <a:ext uri="{FF2B5EF4-FFF2-40B4-BE49-F238E27FC236}">
+                <a16:creationId xmlns:a16="http://schemas.microsoft.com/office/drawing/2014/main" id="{57B0DC2B-D23A-4361-B38E-14631AE6EB1D}"/>
+              </a:ext>
+            </a:extLst>
+          </p:cNvPr>
+          <p:cNvSpPr txBox="1"/>
+          <p:nvPr/>
+        </p:nvSpPr>
+        <p:spPr>
+          <a:xfrm>
+            <a:off x="5833582" y="3478737"/>
+            <a:ext cx="1344815" cy="338554"/>
+          </a:xfrm>
+          <a:prstGeom prst="rect">
+            <a:avLst/>
+          </a:prstGeom>
+          <a:noFill/>
+        </p:spPr>
+        <p:txBody>
+          <a:bodyPr wrap="square" rtlCol="0">
+            <a:spAutoFit/>
+          </a:bodyPr>
+          <a:lstStyle/>
+          <a:p>
+            <a:r>
+              <a:rPr lang="en-US" sz="1600" dirty="0"/>
+              <a:t>/find-event</a:t>
+            </a:r>
+          </a:p>
+        </p:txBody>
+      </p:sp>
+      <p:sp>
+        <p:nvSpPr>
+          <p:cNvPr id="28" name="Rectangle: Rounded Corners 27">
+            <a:extLst>
+              <a:ext uri="{FF2B5EF4-FFF2-40B4-BE49-F238E27FC236}">
+                <a16:creationId xmlns:a16="http://schemas.microsoft.com/office/drawing/2014/main" id="{65B54263-18CB-435D-8E80-4BFF073ADA8A}"/>
+              </a:ext>
+            </a:extLst>
+          </p:cNvPr>
+          <p:cNvSpPr/>
+          <p:nvPr/>
+        </p:nvSpPr>
+        <p:spPr>
+          <a:xfrm>
+            <a:off x="5008511" y="4003470"/>
+            <a:ext cx="1991139" cy="833607"/>
+          </a:xfrm>
+          <a:prstGeom prst="roundRect">
+            <a:avLst/>
+          </a:prstGeom>
+          <a:noFill/>
+          <a:ln w="19050">
+            <a:solidFill>
+              <a:schemeClr val="accent6">
+                <a:lumMod val="75000"/>
+              </a:schemeClr>
+            </a:solidFill>
+            <a:prstDash val="dash"/>
+          </a:ln>
+        </p:spPr>
+        <p:style>
+          <a:lnRef idx="2">
+            <a:schemeClr val="dk1"/>
+          </a:lnRef>
+          <a:fillRef idx="1">
+            <a:schemeClr val="lt1"/>
+          </a:fillRef>
+          <a:effectRef idx="0">
+            <a:schemeClr val="dk1"/>
+          </a:effectRef>
+          <a:fontRef idx="minor">
+            <a:schemeClr val="dk1"/>
+          </a:fontRef>
+        </p:style>
+        <p:txBody>
+          <a:bodyPr rtlCol="0" anchor="ctr"/>
+          <a:lstStyle/>
+          <a:p>
+            <a:pPr algn="ctr"/>
+            <a:endParaRPr lang="en-US" dirty="0">
+              <a:ln>
+                <a:solidFill>
+                  <a:srgbClr val="FF0000"/>
+                </a:solidFill>
+              </a:ln>
+              <a:solidFill>
+                <a:srgbClr val="00B050"/>
+              </a:solidFill>
+            </a:endParaRPr>
+          </a:p>
+        </p:txBody>
+      </p:sp>
+      <p:sp>
+        <p:nvSpPr>
+          <p:cNvPr id="29" name="TextBox 28">
+            <a:extLst>
+              <a:ext uri="{FF2B5EF4-FFF2-40B4-BE49-F238E27FC236}">
+                <a16:creationId xmlns:a16="http://schemas.microsoft.com/office/drawing/2014/main" id="{F1646F8B-73F6-498E-A82B-B6356B5812B9}"/>
+              </a:ext>
+            </a:extLst>
+          </p:cNvPr>
+          <p:cNvSpPr txBox="1"/>
+          <p:nvPr/>
+        </p:nvSpPr>
+        <p:spPr>
+          <a:xfrm>
+            <a:off x="5059703" y="4091278"/>
+            <a:ext cx="1817366" cy="338554"/>
+          </a:xfrm>
+          <a:prstGeom prst="rect">
+            <a:avLst/>
+          </a:prstGeom>
+          <a:noFill/>
+        </p:spPr>
+        <p:txBody>
+          <a:bodyPr wrap="square" rtlCol="0">
+            <a:spAutoFit/>
+          </a:bodyPr>
+          <a:lstStyle/>
+          <a:p>
+            <a:r>
+              <a:rPr lang="en-US" sz="1600" b="1" dirty="0">
                 <a:solidFill>
                   <a:srgbClr val="FF0000"/>
                 </a:solidFill>
               </a:rPr>
-              <a:t>app</a:t>
-            </a:r>
-            <a:r>
-              <a:rPr lang="en-US" sz="1372" dirty="0" smtClean="0"/>
-              <a:t> send student to </a:t>
-            </a:r>
-            <a:r>
-              <a:rPr lang="en-US" sz="1372" dirty="0" smtClean="0">
-                <a:solidFill>
-                  <a:srgbClr val="FF0000"/>
-                </a:solidFill>
-              </a:rPr>
-              <a:t>card </a:t>
-            </a:r>
-            <a:endParaRPr lang="en-US" sz="1372" dirty="0">
-              <a:solidFill>
-                <a:srgbClr val="FF0000"/>
-              </a:solidFill>
-            </a:endParaRPr>
-          </a:p>
-        </p:txBody>
-      </p:sp>
-      <p:sp>
-        <p:nvSpPr>
-          <p:cNvPr id="12" name="TextBox 11"/>
-          <p:cNvSpPr txBox="1"/>
-          <p:nvPr/>
-        </p:nvSpPr>
-        <p:spPr>
-          <a:xfrm>
-            <a:off x="1009380" y="4803105"/>
-            <a:ext cx="848309" cy="303481"/>
-          </a:xfrm>
-          <a:prstGeom prst="rect">
-            <a:avLst/>
-          </a:prstGeom>
-          <a:noFill/>
-        </p:spPr>
-        <p:txBody>
-          <a:bodyPr wrap="none" rtlCol="0">
-            <a:spAutoFit/>
-          </a:bodyPr>
-          <a:lstStyle/>
-          <a:p>
-            <a:r>
-              <a:rPr lang="en-US" sz="1372" b="1" i="1" dirty="0" smtClean="0">
-                <a:solidFill>
-                  <a:srgbClr val="FF0000"/>
-                </a:solidFill>
-              </a:rPr>
-              <a:t>&lt;parent&gt;</a:t>
-            </a:r>
-            <a:endParaRPr lang="en-US" sz="1372" b="1" i="1" dirty="0">
-              <a:solidFill>
-                <a:srgbClr val="FF0000"/>
-              </a:solidFill>
-            </a:endParaRPr>
-          </a:p>
-        </p:txBody>
-      </p:sp>
-      <p:sp>
-        <p:nvSpPr>
-          <p:cNvPr id="13" name="Rounded Rectangle 12"/>
+              <a:t>&lt;find-event-view&gt;</a:t>
+            </a:r>
+          </a:p>
+        </p:txBody>
+      </p:sp>
+      <p:sp>
+        <p:nvSpPr>
+          <p:cNvPr id="32" name="Arrow: Right 31">
+            <a:extLst>
+              <a:ext uri="{FF2B5EF4-FFF2-40B4-BE49-F238E27FC236}">
+                <a16:creationId xmlns:a16="http://schemas.microsoft.com/office/drawing/2014/main" id="{9D5FEAD1-EB9B-434D-B245-B28B90BA3AE9}"/>
+              </a:ext>
+            </a:extLst>
+          </p:cNvPr>
           <p:cNvSpPr/>
           <p:nvPr/>
         </p:nvSpPr>
         <p:spPr>
           <a:xfrm>
-            <a:off x="523323" y="4632524"/>
-            <a:ext cx="1650319" cy="1166483"/>
-          </a:xfrm>
-          <a:prstGeom prst="roundRect">
-            <a:avLst/>
-          </a:prstGeom>
-          <a:noFill/>
-          <a:ln>
-            <a:solidFill>
-              <a:srgbClr val="FF0000"/>
-            </a:solidFill>
-            <a:prstDash val="lgDash"/>
-          </a:ln>
+            <a:off x="749670" y="4382756"/>
+            <a:ext cx="630475" cy="324613"/>
+          </a:xfrm>
+          <a:prstGeom prst="rightArrow">
+            <a:avLst/>
+          </a:prstGeom>
+          <a:solidFill>
+            <a:srgbClr val="FFFF00"/>
+          </a:solidFill>
         </p:spPr>
         <p:style>
           <a:lnRef idx="2">
@@ -3605,115 +4414,144 @@
           <a:lstStyle/>
           <a:p>
             <a:pPr algn="ctr"/>
-            <a:endParaRPr lang="en-US" sz="1372"/>
-          </a:p>
-        </p:txBody>
-      </p:sp>
-      <p:sp>
-        <p:nvSpPr>
-          <p:cNvPr id="14" name="TextBox 13"/>
+            <a:endParaRPr lang="en-US"/>
+          </a:p>
+        </p:txBody>
+      </p:sp>
+      <p:sp>
+        <p:nvSpPr>
+          <p:cNvPr id="33" name="TextBox 32">
+            <a:extLst>
+              <a:ext uri="{FF2B5EF4-FFF2-40B4-BE49-F238E27FC236}">
+                <a16:creationId xmlns:a16="http://schemas.microsoft.com/office/drawing/2014/main" id="{C8C888E8-1657-448E-8120-94A9AB1D5C77}"/>
+              </a:ext>
+            </a:extLst>
+          </p:cNvPr>
           <p:cNvSpPr txBox="1"/>
           <p:nvPr/>
         </p:nvSpPr>
         <p:spPr>
           <a:xfrm>
-            <a:off x="885053" y="5215765"/>
-            <a:ext cx="926857" cy="303481"/>
-          </a:xfrm>
-          <a:prstGeom prst="rect">
-            <a:avLst/>
-          </a:prstGeom>
-          <a:noFill/>
-        </p:spPr>
-        <p:txBody>
-          <a:bodyPr wrap="none" rtlCol="0">
+            <a:off x="716559" y="4134640"/>
+            <a:ext cx="802733" cy="338554"/>
+          </a:xfrm>
+          <a:prstGeom prst="rect">
+            <a:avLst/>
+          </a:prstGeom>
+          <a:noFill/>
+        </p:spPr>
+        <p:txBody>
+          <a:bodyPr wrap="square" rtlCol="0">
             <a:spAutoFit/>
           </a:bodyPr>
           <a:lstStyle/>
           <a:p>
             <a:r>
-              <a:rPr lang="en-US" sz="1372" dirty="0" smtClean="0"/>
-              <a:t>Students[]</a:t>
-            </a:r>
-            <a:endParaRPr lang="en-US" sz="1372" dirty="0"/>
-          </a:p>
-        </p:txBody>
-      </p:sp>
-      <p:sp>
-        <p:nvSpPr>
-          <p:cNvPr id="15" name="TextBox 14"/>
-          <p:cNvSpPr txBox="1"/>
-          <p:nvPr/>
-        </p:nvSpPr>
-        <p:spPr>
-          <a:xfrm>
-            <a:off x="394083" y="6064417"/>
-            <a:ext cx="3216522" cy="303481"/>
-          </a:xfrm>
-          <a:prstGeom prst="rect">
-            <a:avLst/>
-          </a:prstGeom>
-          <a:noFill/>
-        </p:spPr>
-        <p:txBody>
-          <a:bodyPr wrap="none" rtlCol="0">
-            <a:spAutoFit/>
-          </a:bodyPr>
-          <a:lstStyle/>
-          <a:p>
-            <a:r>
-              <a:rPr lang="en-US" sz="1372" dirty="0" smtClean="0"/>
-              <a:t>// </a:t>
-            </a:r>
-            <a:r>
-              <a:rPr lang="en-US" sz="1372" dirty="0" smtClean="0">
+              <a:rPr lang="en-US" sz="1600" b="1" dirty="0">
                 <a:solidFill>
-                  <a:srgbClr val="FF0000"/>
+                  <a:schemeClr val="accent4">
+                    <a:lumMod val="75000"/>
+                  </a:schemeClr>
                 </a:solidFill>
               </a:rPr>
-              <a:t>from</a:t>
-            </a:r>
-            <a:r>
-              <a:rPr lang="en-US" sz="1372" dirty="0" smtClean="0"/>
-              <a:t> send the event validated to </a:t>
-            </a:r>
-            <a:r>
-              <a:rPr lang="en-US" sz="1372" dirty="0" smtClean="0">
-                <a:solidFill>
-                  <a:srgbClr val="FF0000"/>
-                </a:solidFill>
-              </a:rPr>
-              <a:t>parent</a:t>
-            </a:r>
-            <a:endParaRPr lang="en-US" sz="1372" dirty="0">
-              <a:solidFill>
-                <a:srgbClr val="FF0000"/>
-              </a:solidFill>
-            </a:endParaRPr>
-          </a:p>
-        </p:txBody>
-      </p:sp>
-      <p:sp>
-        <p:nvSpPr>
-          <p:cNvPr id="17" name="Rounded Rectangle 16"/>
+              <a:t>INJECT</a:t>
+            </a:r>
+          </a:p>
+        </p:txBody>
+      </p:sp>
+      <p:sp>
+        <p:nvSpPr>
+          <p:cNvPr id="34" name="TextBox 33">
+            <a:extLst>
+              <a:ext uri="{FF2B5EF4-FFF2-40B4-BE49-F238E27FC236}">
+                <a16:creationId xmlns:a16="http://schemas.microsoft.com/office/drawing/2014/main" id="{A41BE46A-106D-4160-B4A1-807E94F0E178}"/>
+              </a:ext>
+            </a:extLst>
+          </p:cNvPr>
+          <p:cNvSpPr txBox="1"/>
+          <p:nvPr/>
+        </p:nvSpPr>
+        <p:spPr>
+          <a:xfrm>
+            <a:off x="189652" y="4643264"/>
+            <a:ext cx="1412833" cy="338554"/>
+          </a:xfrm>
+          <a:prstGeom prst="rect">
+            <a:avLst/>
+          </a:prstGeom>
+          <a:noFill/>
+        </p:spPr>
+        <p:txBody>
+          <a:bodyPr wrap="square" rtlCol="0">
+            <a:spAutoFit/>
+          </a:bodyPr>
+          <a:lstStyle/>
+          <a:p>
+            <a:r>
+              <a:rPr lang="en-US" sz="1600" dirty="0"/>
+              <a:t>my-event-info</a:t>
+            </a:r>
+          </a:p>
+        </p:txBody>
+      </p:sp>
+      <p:sp>
+        <p:nvSpPr>
+          <p:cNvPr id="35" name="TextBox 34">
+            <a:extLst>
+              <a:ext uri="{FF2B5EF4-FFF2-40B4-BE49-F238E27FC236}">
+                <a16:creationId xmlns:a16="http://schemas.microsoft.com/office/drawing/2014/main" id="{65227526-713C-42C9-9A6D-A3F0FB1F3380}"/>
+              </a:ext>
+            </a:extLst>
+          </p:cNvPr>
+          <p:cNvSpPr txBox="1"/>
+          <p:nvPr/>
+        </p:nvSpPr>
+        <p:spPr>
+          <a:xfrm>
+            <a:off x="3753401" y="4513984"/>
+            <a:ext cx="1412833" cy="338554"/>
+          </a:xfrm>
+          <a:prstGeom prst="rect">
+            <a:avLst/>
+          </a:prstGeom>
+          <a:noFill/>
+        </p:spPr>
+        <p:txBody>
+          <a:bodyPr wrap="square" rtlCol="0">
+            <a:spAutoFit/>
+          </a:bodyPr>
+          <a:lstStyle/>
+          <a:p>
+            <a:r>
+              <a:rPr lang="en-US" sz="1600" dirty="0"/>
+              <a:t>my-event-info</a:t>
+            </a:r>
+          </a:p>
+        </p:txBody>
+      </p:sp>
+      <p:sp>
+        <p:nvSpPr>
+          <p:cNvPr id="36" name="Arrow: Right 35">
+            <a:extLst>
+              <a:ext uri="{FF2B5EF4-FFF2-40B4-BE49-F238E27FC236}">
+                <a16:creationId xmlns:a16="http://schemas.microsoft.com/office/drawing/2014/main" id="{C00585FD-A34E-4276-AD00-808E991F8C40}"/>
+              </a:ext>
+            </a:extLst>
+          </p:cNvPr>
           <p:cNvSpPr/>
           <p:nvPr/>
         </p:nvSpPr>
         <p:spPr>
           <a:xfrm>
-            <a:off x="3056973" y="2408786"/>
-            <a:ext cx="1650319" cy="1166483"/>
-          </a:xfrm>
-          <a:prstGeom prst="roundRect">
-            <a:avLst/>
-          </a:prstGeom>
-          <a:noFill/>
-          <a:ln>
-            <a:solidFill>
-              <a:srgbClr val="FF0000"/>
-            </a:solidFill>
-            <a:prstDash val="lgDash"/>
-          </a:ln>
+            <a:off x="4181270" y="4251586"/>
+            <a:ext cx="630475" cy="324613"/>
+          </a:xfrm>
+          <a:prstGeom prst="rightArrow">
+            <a:avLst/>
+          </a:prstGeom>
+          <a:solidFill>
+            <a:srgbClr val="FFFF00"/>
+          </a:solidFill>
         </p:spPr>
         <p:style>
           <a:lnRef idx="2">
@@ -3736,73 +4574,244 @@
           <a:lstStyle/>
           <a:p>
             <a:pPr algn="ctr"/>
-            <a:endParaRPr lang="en-US" sz="1372"/>
-          </a:p>
-        </p:txBody>
-      </p:sp>
-      <p:sp>
-        <p:nvSpPr>
-          <p:cNvPr id="18" name="TextBox 17"/>
+            <a:endParaRPr lang="en-US"/>
+          </a:p>
+        </p:txBody>
+      </p:sp>
+      <p:sp>
+        <p:nvSpPr>
+          <p:cNvPr id="37" name="TextBox 36">
+            <a:extLst>
+              <a:ext uri="{FF2B5EF4-FFF2-40B4-BE49-F238E27FC236}">
+                <a16:creationId xmlns:a16="http://schemas.microsoft.com/office/drawing/2014/main" id="{E54EB37A-7B1B-4B3E-97B7-97CFC8715533}"/>
+              </a:ext>
+            </a:extLst>
+          </p:cNvPr>
           <p:cNvSpPr txBox="1"/>
           <p:nvPr/>
         </p:nvSpPr>
         <p:spPr>
           <a:xfrm>
-            <a:off x="3418703" y="2992027"/>
-            <a:ext cx="926857" cy="303481"/>
-          </a:xfrm>
-          <a:prstGeom prst="rect">
-            <a:avLst/>
-          </a:prstGeom>
-          <a:noFill/>
-        </p:spPr>
-        <p:txBody>
-          <a:bodyPr wrap="none" rtlCol="0">
+            <a:off x="4148159" y="4003470"/>
+            <a:ext cx="802733" cy="338554"/>
+          </a:xfrm>
+          <a:prstGeom prst="rect">
+            <a:avLst/>
+          </a:prstGeom>
+          <a:noFill/>
+        </p:spPr>
+        <p:txBody>
+          <a:bodyPr wrap="square" rtlCol="0">
             <a:spAutoFit/>
           </a:bodyPr>
           <a:lstStyle/>
           <a:p>
             <a:r>
-              <a:rPr lang="en-US" sz="1372" dirty="0" smtClean="0"/>
-              <a:t>Students[]</a:t>
-            </a:r>
-            <a:endParaRPr lang="en-US" sz="1372" dirty="0"/>
-          </a:p>
-        </p:txBody>
-      </p:sp>
-      <p:sp>
-        <p:nvSpPr>
-          <p:cNvPr id="19" name="TextBox 18"/>
+              <a:rPr lang="en-US" sz="1600" b="1" dirty="0">
+                <a:solidFill>
+                  <a:schemeClr val="accent4">
+                    <a:lumMod val="75000"/>
+                  </a:schemeClr>
+                </a:solidFill>
+              </a:rPr>
+              <a:t>INJECT</a:t>
+            </a:r>
+          </a:p>
+        </p:txBody>
+      </p:sp>
+      <p:sp>
+        <p:nvSpPr>
+          <p:cNvPr id="39" name="TextBox 38">
+            <a:extLst>
+              <a:ext uri="{FF2B5EF4-FFF2-40B4-BE49-F238E27FC236}">
+                <a16:creationId xmlns:a16="http://schemas.microsoft.com/office/drawing/2014/main" id="{51F53F84-8A41-4D3E-B433-6C24CC812143}"/>
+              </a:ext>
+            </a:extLst>
+          </p:cNvPr>
           <p:cNvSpPr txBox="1"/>
           <p:nvPr/>
         </p:nvSpPr>
         <p:spPr>
           <a:xfrm>
-            <a:off x="3666083" y="4779442"/>
-            <a:ext cx="713657" cy="303481"/>
-          </a:xfrm>
-          <a:prstGeom prst="rect">
-            <a:avLst/>
-          </a:prstGeom>
-          <a:noFill/>
-        </p:spPr>
-        <p:txBody>
-          <a:bodyPr wrap="none" rtlCol="0">
+            <a:off x="5607069" y="1678370"/>
+            <a:ext cx="1412833" cy="338554"/>
+          </a:xfrm>
+          <a:prstGeom prst="rect">
+            <a:avLst/>
+          </a:prstGeom>
+          <a:noFill/>
+        </p:spPr>
+        <p:txBody>
+          <a:bodyPr wrap="square" rtlCol="0">
             <a:spAutoFit/>
           </a:bodyPr>
           <a:lstStyle/>
           <a:p>
             <a:r>
-              <a:rPr lang="en-US" sz="1372" b="1" i="1" dirty="0" smtClean="0">
+              <a:rPr lang="en-US" sz="1600" dirty="0"/>
+              <a:t>Change path</a:t>
+            </a:r>
+          </a:p>
+        </p:txBody>
+      </p:sp>
+      <p:sp>
+        <p:nvSpPr>
+          <p:cNvPr id="41" name="Rectangle: Rounded Corners 40">
+            <a:extLst>
+              <a:ext uri="{FF2B5EF4-FFF2-40B4-BE49-F238E27FC236}">
+                <a16:creationId xmlns:a16="http://schemas.microsoft.com/office/drawing/2014/main" id="{5405FE61-F9F4-41CE-80AE-0AE48558D059}"/>
+              </a:ext>
+            </a:extLst>
+          </p:cNvPr>
+          <p:cNvSpPr/>
+          <p:nvPr/>
+        </p:nvSpPr>
+        <p:spPr>
+          <a:xfrm>
+            <a:off x="1603512" y="5557849"/>
+            <a:ext cx="1991139" cy="764916"/>
+          </a:xfrm>
+          <a:prstGeom prst="roundRect">
+            <a:avLst/>
+          </a:prstGeom>
+          <a:noFill/>
+          <a:ln w="19050">
+            <a:solidFill>
+              <a:schemeClr val="accent6">
+                <a:lumMod val="75000"/>
+              </a:schemeClr>
+            </a:solidFill>
+            <a:prstDash val="dash"/>
+          </a:ln>
+        </p:spPr>
+        <p:style>
+          <a:lnRef idx="2">
+            <a:schemeClr val="dk1"/>
+          </a:lnRef>
+          <a:fillRef idx="1">
+            <a:schemeClr val="lt1"/>
+          </a:fillRef>
+          <a:effectRef idx="0">
+            <a:schemeClr val="dk1"/>
+          </a:effectRef>
+          <a:fontRef idx="minor">
+            <a:schemeClr val="dk1"/>
+          </a:fontRef>
+        </p:style>
+        <p:txBody>
+          <a:bodyPr rtlCol="0" anchor="ctr"/>
+          <a:lstStyle/>
+          <a:p>
+            <a:pPr algn="ctr"/>
+            <a:endParaRPr lang="en-US" dirty="0">
+              <a:ln>
+                <a:solidFill>
+                  <a:srgbClr val="FF0000"/>
+                </a:solidFill>
+              </a:ln>
+              <a:solidFill>
+                <a:srgbClr val="00B050"/>
+              </a:solidFill>
+            </a:endParaRPr>
+          </a:p>
+        </p:txBody>
+      </p:sp>
+      <p:sp>
+        <p:nvSpPr>
+          <p:cNvPr id="42" name="TextBox 41">
+            <a:extLst>
+              <a:ext uri="{FF2B5EF4-FFF2-40B4-BE49-F238E27FC236}">
+                <a16:creationId xmlns:a16="http://schemas.microsoft.com/office/drawing/2014/main" id="{6CF152C4-9500-4747-AA56-F853D3E5528F}"/>
+              </a:ext>
+            </a:extLst>
+          </p:cNvPr>
+          <p:cNvSpPr txBox="1"/>
+          <p:nvPr/>
+        </p:nvSpPr>
+        <p:spPr>
+          <a:xfrm>
+            <a:off x="1603512" y="5645657"/>
+            <a:ext cx="1868557" cy="338554"/>
+          </a:xfrm>
+          <a:prstGeom prst="rect">
+            <a:avLst/>
+          </a:prstGeom>
+          <a:noFill/>
+        </p:spPr>
+        <p:txBody>
+          <a:bodyPr wrap="square" rtlCol="0">
+            <a:spAutoFit/>
+          </a:bodyPr>
+          <a:lstStyle/>
+          <a:p>
+            <a:r>
+              <a:rPr lang="en-US" sz="1600" b="1" dirty="0">
                 <a:solidFill>
                   <a:srgbClr val="FF0000"/>
                 </a:solidFill>
               </a:rPr>
-              <a:t>&lt;from&gt;</a:t>
-            </a:r>
-            <a:endParaRPr lang="en-US" sz="1372" b="1" i="1" dirty="0">
+              <a:t>&lt;my-event-card&gt;</a:t>
+            </a:r>
+          </a:p>
+        </p:txBody>
+      </p:sp>
+      <p:sp>
+        <p:nvSpPr>
+          <p:cNvPr id="43" name="Rectangle: Rounded Corners 42">
+            <a:extLst>
+              <a:ext uri="{FF2B5EF4-FFF2-40B4-BE49-F238E27FC236}">
+                <a16:creationId xmlns:a16="http://schemas.microsoft.com/office/drawing/2014/main" id="{9E127CB0-3B05-4677-B389-B76C609C43D8}"/>
+              </a:ext>
+            </a:extLst>
+          </p:cNvPr>
+          <p:cNvSpPr/>
+          <p:nvPr/>
+        </p:nvSpPr>
+        <p:spPr>
+          <a:xfrm>
+            <a:off x="4970135" y="5531360"/>
+            <a:ext cx="1991139" cy="764916"/>
+          </a:xfrm>
+          <a:prstGeom prst="roundRect">
+            <a:avLst/>
+          </a:prstGeom>
+          <a:noFill/>
+          <a:ln w="19050">
+            <a:solidFill>
+              <a:schemeClr val="accent6">
+                <a:lumMod val="75000"/>
+              </a:schemeClr>
+            </a:solidFill>
+            <a:prstDash val="dash"/>
+          </a:ln>
+        </p:spPr>
+        <p:style>
+          <a:lnRef idx="2">
+            <a:schemeClr val="dk1"/>
+          </a:lnRef>
+          <a:fillRef idx="1">
+            <a:schemeClr val="lt1"/>
+          </a:fillRef>
+          <a:effectRef idx="0">
+            <a:schemeClr val="dk1"/>
+          </a:effectRef>
+          <a:fontRef idx="minor">
+            <a:schemeClr val="dk1"/>
+          </a:fontRef>
+        </p:style>
+        <p:txBody>
+          <a:bodyPr rtlCol="0" anchor="ctr"/>
+          <a:lstStyle/>
+          <a:p>
+            <a:pPr algn="ctr"/>
+            <a:endParaRPr lang="en-US" dirty="0">
+              <a:ln>
+                <a:solidFill>
+                  <a:srgbClr val="FF0000"/>
+                </a:solidFill>
+              </a:ln>
               <a:solidFill>
-                <a:srgbClr val="FF0000"/>
+                <a:srgbClr val="00B050"/>
               </a:solidFill>
             </a:endParaRPr>
           </a:p>
@@ -3810,25 +4819,644 @@
       </p:sp>
       <p:sp>
         <p:nvSpPr>
-          <p:cNvPr id="20" name="Rounded Rectangle 19"/>
+          <p:cNvPr id="44" name="TextBox 43">
+            <a:extLst>
+              <a:ext uri="{FF2B5EF4-FFF2-40B4-BE49-F238E27FC236}">
+                <a16:creationId xmlns:a16="http://schemas.microsoft.com/office/drawing/2014/main" id="{8949838B-26B9-4B27-8D63-3ED59EBA683B}"/>
+              </a:ext>
+            </a:extLst>
+          </p:cNvPr>
+          <p:cNvSpPr txBox="1"/>
+          <p:nvPr/>
+        </p:nvSpPr>
+        <p:spPr>
+          <a:xfrm>
+            <a:off x="4970135" y="5619168"/>
+            <a:ext cx="1868557" cy="338554"/>
+          </a:xfrm>
+          <a:prstGeom prst="rect">
+            <a:avLst/>
+          </a:prstGeom>
+          <a:noFill/>
+        </p:spPr>
+        <p:txBody>
+          <a:bodyPr wrap="square" rtlCol="0">
+            <a:spAutoFit/>
+          </a:bodyPr>
+          <a:lstStyle/>
+          <a:p>
+            <a:r>
+              <a:rPr lang="en-US" sz="1600" b="1" dirty="0">
+                <a:solidFill>
+                  <a:srgbClr val="FF0000"/>
+                </a:solidFill>
+              </a:rPr>
+              <a:t>&lt;find-event-card&gt;</a:t>
+            </a:r>
+          </a:p>
+        </p:txBody>
+      </p:sp>
+      <p:sp>
+        <p:nvSpPr>
+          <p:cNvPr id="45" name="Rectangle: Rounded Corners 44">
+            <a:extLst>
+              <a:ext uri="{FF2B5EF4-FFF2-40B4-BE49-F238E27FC236}">
+                <a16:creationId xmlns:a16="http://schemas.microsoft.com/office/drawing/2014/main" id="{CB464FEA-DDEE-4C33-86CB-BB000426AC41}"/>
+              </a:ext>
+            </a:extLst>
+          </p:cNvPr>
           <p:cNvSpPr/>
           <p:nvPr/>
         </p:nvSpPr>
         <p:spPr>
           <a:xfrm>
-            <a:off x="3180026" y="4608861"/>
-            <a:ext cx="1650319" cy="1166483"/>
+            <a:off x="8055304" y="5494606"/>
+            <a:ext cx="1991139" cy="764916"/>
           </a:xfrm>
           <a:prstGeom prst="roundRect">
             <a:avLst/>
           </a:prstGeom>
           <a:noFill/>
-          <a:ln>
+          <a:ln w="19050">
             <a:solidFill>
-              <a:srgbClr val="FF0000"/>
+              <a:schemeClr val="accent6">
+                <a:lumMod val="75000"/>
+              </a:schemeClr>
             </a:solidFill>
-            <a:prstDash val="lgDash"/>
+            <a:prstDash val="dash"/>
           </a:ln>
+        </p:spPr>
+        <p:style>
+          <a:lnRef idx="2">
+            <a:schemeClr val="dk1"/>
+          </a:lnRef>
+          <a:fillRef idx="1">
+            <a:schemeClr val="lt1"/>
+          </a:fillRef>
+          <a:effectRef idx="0">
+            <a:schemeClr val="dk1"/>
+          </a:effectRef>
+          <a:fontRef idx="minor">
+            <a:schemeClr val="dk1"/>
+          </a:fontRef>
+        </p:style>
+        <p:txBody>
+          <a:bodyPr rtlCol="0" anchor="ctr"/>
+          <a:lstStyle/>
+          <a:p>
+            <a:pPr algn="ctr"/>
+            <a:endParaRPr lang="en-US" dirty="0">
+              <a:ln>
+                <a:solidFill>
+                  <a:srgbClr val="FF0000"/>
+                </a:solidFill>
+              </a:ln>
+              <a:solidFill>
+                <a:srgbClr val="00B050"/>
+              </a:solidFill>
+            </a:endParaRPr>
+          </a:p>
+        </p:txBody>
+      </p:sp>
+      <p:sp>
+        <p:nvSpPr>
+          <p:cNvPr id="46" name="TextBox 45">
+            <a:extLst>
+              <a:ext uri="{FF2B5EF4-FFF2-40B4-BE49-F238E27FC236}">
+                <a16:creationId xmlns:a16="http://schemas.microsoft.com/office/drawing/2014/main" id="{25918E8E-D16F-440E-BCB3-8CE1846D7482}"/>
+              </a:ext>
+            </a:extLst>
+          </p:cNvPr>
+          <p:cNvSpPr txBox="1"/>
+          <p:nvPr/>
+        </p:nvSpPr>
+        <p:spPr>
+          <a:xfrm>
+            <a:off x="8055304" y="5582414"/>
+            <a:ext cx="1868557" cy="338554"/>
+          </a:xfrm>
+          <a:prstGeom prst="rect">
+            <a:avLst/>
+          </a:prstGeom>
+          <a:noFill/>
+        </p:spPr>
+        <p:txBody>
+          <a:bodyPr wrap="square" rtlCol="0">
+            <a:spAutoFit/>
+          </a:bodyPr>
+          <a:lstStyle/>
+          <a:p>
+            <a:r>
+              <a:rPr lang="en-US" sz="1600" b="1" dirty="0">
+                <a:solidFill>
+                  <a:srgbClr val="FF0000"/>
+                </a:solidFill>
+              </a:rPr>
+              <a:t>&lt;category-card&gt;</a:t>
+            </a:r>
+          </a:p>
+        </p:txBody>
+      </p:sp>
+      <p:cxnSp>
+        <p:nvCxnSpPr>
+          <p:cNvPr id="47" name="Straight Arrow Connector 46">
+            <a:extLst>
+              <a:ext uri="{FF2B5EF4-FFF2-40B4-BE49-F238E27FC236}">
+                <a16:creationId xmlns:a16="http://schemas.microsoft.com/office/drawing/2014/main" id="{8E8E6CA9-5F59-4D43-BC56-4F2D66DF8405}"/>
+              </a:ext>
+            </a:extLst>
+          </p:cNvPr>
+          <p:cNvCxnSpPr>
+            <a:cxnSpLocks/>
+          </p:cNvCxnSpPr>
+          <p:nvPr/>
+        </p:nvCxnSpPr>
+        <p:spPr>
+          <a:xfrm>
+            <a:off x="2521809" y="4832328"/>
+            <a:ext cx="0" cy="662278"/>
+          </a:xfrm>
+          <a:prstGeom prst="straightConnector1">
+            <a:avLst/>
+          </a:prstGeom>
+          <a:ln w="12700">
+            <a:tailEnd type="triangle"/>
+          </a:ln>
+        </p:spPr>
+        <p:style>
+          <a:lnRef idx="1">
+            <a:schemeClr val="accent1"/>
+          </a:lnRef>
+          <a:fillRef idx="0">
+            <a:schemeClr val="accent1"/>
+          </a:fillRef>
+          <a:effectRef idx="0">
+            <a:schemeClr val="accent1"/>
+          </a:effectRef>
+          <a:fontRef idx="minor">
+            <a:schemeClr val="tx1"/>
+          </a:fontRef>
+        </p:style>
+      </p:cxnSp>
+      <p:cxnSp>
+        <p:nvCxnSpPr>
+          <p:cNvPr id="48" name="Straight Arrow Connector 47">
+            <a:extLst>
+              <a:ext uri="{FF2B5EF4-FFF2-40B4-BE49-F238E27FC236}">
+                <a16:creationId xmlns:a16="http://schemas.microsoft.com/office/drawing/2014/main" id="{52244796-3946-4FE9-9782-6E13CCB1526B}"/>
+              </a:ext>
+            </a:extLst>
+          </p:cNvPr>
+          <p:cNvCxnSpPr>
+            <a:cxnSpLocks/>
+          </p:cNvCxnSpPr>
+          <p:nvPr/>
+        </p:nvCxnSpPr>
+        <p:spPr>
+          <a:xfrm>
+            <a:off x="6086644" y="4852538"/>
+            <a:ext cx="0" cy="662278"/>
+          </a:xfrm>
+          <a:prstGeom prst="straightConnector1">
+            <a:avLst/>
+          </a:prstGeom>
+          <a:ln w="12700">
+            <a:tailEnd type="triangle"/>
+          </a:ln>
+        </p:spPr>
+        <p:style>
+          <a:lnRef idx="1">
+            <a:schemeClr val="accent1"/>
+          </a:lnRef>
+          <a:fillRef idx="0">
+            <a:schemeClr val="accent1"/>
+          </a:fillRef>
+          <a:effectRef idx="0">
+            <a:schemeClr val="accent1"/>
+          </a:effectRef>
+          <a:fontRef idx="minor">
+            <a:schemeClr val="tx1"/>
+          </a:fontRef>
+        </p:style>
+      </p:cxnSp>
+      <p:cxnSp>
+        <p:nvCxnSpPr>
+          <p:cNvPr id="49" name="Straight Arrow Connector 48">
+            <a:extLst>
+              <a:ext uri="{FF2B5EF4-FFF2-40B4-BE49-F238E27FC236}">
+                <a16:creationId xmlns:a16="http://schemas.microsoft.com/office/drawing/2014/main" id="{C7F378FA-4EC0-4AFE-A7DB-787C4D6D90D2}"/>
+              </a:ext>
+            </a:extLst>
+          </p:cNvPr>
+          <p:cNvCxnSpPr>
+            <a:cxnSpLocks/>
+          </p:cNvCxnSpPr>
+          <p:nvPr/>
+        </p:nvCxnSpPr>
+        <p:spPr>
+          <a:xfrm>
+            <a:off x="9161148" y="4832328"/>
+            <a:ext cx="0" cy="662278"/>
+          </a:xfrm>
+          <a:prstGeom prst="straightConnector1">
+            <a:avLst/>
+          </a:prstGeom>
+          <a:ln w="12700">
+            <a:tailEnd type="triangle"/>
+          </a:ln>
+        </p:spPr>
+        <p:style>
+          <a:lnRef idx="1">
+            <a:schemeClr val="accent1"/>
+          </a:lnRef>
+          <a:fillRef idx="0">
+            <a:schemeClr val="accent1"/>
+          </a:fillRef>
+          <a:effectRef idx="0">
+            <a:schemeClr val="accent1"/>
+          </a:effectRef>
+          <a:fontRef idx="minor">
+            <a:schemeClr val="tx1"/>
+          </a:fontRef>
+        </p:style>
+      </p:cxnSp>
+      <p:sp>
+        <p:nvSpPr>
+          <p:cNvPr id="50" name="TextBox 49">
+            <a:extLst>
+              <a:ext uri="{FF2B5EF4-FFF2-40B4-BE49-F238E27FC236}">
+                <a16:creationId xmlns:a16="http://schemas.microsoft.com/office/drawing/2014/main" id="{3C32E8F7-2FB3-421C-9D2D-D3674C1FCCA5}"/>
+              </a:ext>
+            </a:extLst>
+          </p:cNvPr>
+          <p:cNvSpPr txBox="1"/>
+          <p:nvPr/>
+        </p:nvSpPr>
+        <p:spPr>
+          <a:xfrm>
+            <a:off x="1660238" y="5111026"/>
+            <a:ext cx="802733" cy="338554"/>
+          </a:xfrm>
+          <a:prstGeom prst="rect">
+            <a:avLst/>
+          </a:prstGeom>
+          <a:noFill/>
+        </p:spPr>
+        <p:txBody>
+          <a:bodyPr wrap="square" rtlCol="0">
+            <a:spAutoFit/>
+          </a:bodyPr>
+          <a:lstStyle/>
+          <a:p>
+            <a:r>
+              <a:rPr lang="en-US" sz="1600" b="1" dirty="0">
+                <a:solidFill>
+                  <a:schemeClr val="accent6">
+                    <a:lumMod val="75000"/>
+                  </a:schemeClr>
+                </a:solidFill>
+              </a:rPr>
+              <a:t>PROPS</a:t>
+            </a:r>
+          </a:p>
+        </p:txBody>
+      </p:sp>
+      <p:sp>
+        <p:nvSpPr>
+          <p:cNvPr id="51" name="TextBox 50">
+            <a:extLst>
+              <a:ext uri="{FF2B5EF4-FFF2-40B4-BE49-F238E27FC236}">
+                <a16:creationId xmlns:a16="http://schemas.microsoft.com/office/drawing/2014/main" id="{75B3A40B-A802-4729-AE12-9BAC9C9F15B9}"/>
+              </a:ext>
+            </a:extLst>
+          </p:cNvPr>
+          <p:cNvSpPr txBox="1"/>
+          <p:nvPr/>
+        </p:nvSpPr>
+        <p:spPr>
+          <a:xfrm>
+            <a:off x="2578221" y="5095637"/>
+            <a:ext cx="1582188" cy="369332"/>
+          </a:xfrm>
+          <a:prstGeom prst="rect">
+            <a:avLst/>
+          </a:prstGeom>
+          <a:noFill/>
+        </p:spPr>
+        <p:txBody>
+          <a:bodyPr wrap="square" rtlCol="0">
+            <a:spAutoFit/>
+          </a:bodyPr>
+          <a:lstStyle/>
+          <a:p>
+            <a:r>
+              <a:rPr lang="en-US" sz="1800" dirty="0"/>
+              <a:t>my-event-info</a:t>
+            </a:r>
+          </a:p>
+        </p:txBody>
+      </p:sp>
+      <p:sp>
+        <p:nvSpPr>
+          <p:cNvPr id="52" name="TextBox 51">
+            <a:extLst>
+              <a:ext uri="{FF2B5EF4-FFF2-40B4-BE49-F238E27FC236}">
+                <a16:creationId xmlns:a16="http://schemas.microsoft.com/office/drawing/2014/main" id="{8731E349-472A-4EEC-B51E-A6C06870D772}"/>
+              </a:ext>
+            </a:extLst>
+          </p:cNvPr>
+          <p:cNvSpPr txBox="1"/>
+          <p:nvPr/>
+        </p:nvSpPr>
+        <p:spPr>
+          <a:xfrm>
+            <a:off x="5302624" y="5072173"/>
+            <a:ext cx="802733" cy="338554"/>
+          </a:xfrm>
+          <a:prstGeom prst="rect">
+            <a:avLst/>
+          </a:prstGeom>
+          <a:noFill/>
+        </p:spPr>
+        <p:txBody>
+          <a:bodyPr wrap="square" rtlCol="0">
+            <a:spAutoFit/>
+          </a:bodyPr>
+          <a:lstStyle/>
+          <a:p>
+            <a:r>
+              <a:rPr lang="en-US" sz="1600" b="1" dirty="0">
+                <a:solidFill>
+                  <a:schemeClr val="accent6">
+                    <a:lumMod val="75000"/>
+                  </a:schemeClr>
+                </a:solidFill>
+              </a:rPr>
+              <a:t>PROPS</a:t>
+            </a:r>
+          </a:p>
+        </p:txBody>
+      </p:sp>
+      <p:sp>
+        <p:nvSpPr>
+          <p:cNvPr id="53" name="TextBox 52">
+            <a:extLst>
+              <a:ext uri="{FF2B5EF4-FFF2-40B4-BE49-F238E27FC236}">
+                <a16:creationId xmlns:a16="http://schemas.microsoft.com/office/drawing/2014/main" id="{951750F7-6AEB-4C7A-90FD-DAD94E51CD54}"/>
+              </a:ext>
+            </a:extLst>
+          </p:cNvPr>
+          <p:cNvSpPr txBox="1"/>
+          <p:nvPr/>
+        </p:nvSpPr>
+        <p:spPr>
+          <a:xfrm>
+            <a:off x="6060420" y="5056784"/>
+            <a:ext cx="1582188" cy="369332"/>
+          </a:xfrm>
+          <a:prstGeom prst="rect">
+            <a:avLst/>
+          </a:prstGeom>
+          <a:noFill/>
+        </p:spPr>
+        <p:txBody>
+          <a:bodyPr wrap="square" rtlCol="0">
+            <a:spAutoFit/>
+          </a:bodyPr>
+          <a:lstStyle/>
+          <a:p>
+            <a:r>
+              <a:rPr lang="en-US" sz="1800" dirty="0"/>
+              <a:t>my-event-info</a:t>
+            </a:r>
+          </a:p>
+        </p:txBody>
+      </p:sp>
+      <p:sp>
+        <p:nvSpPr>
+          <p:cNvPr id="58" name="TextBox 57">
+            <a:extLst>
+              <a:ext uri="{FF2B5EF4-FFF2-40B4-BE49-F238E27FC236}">
+                <a16:creationId xmlns:a16="http://schemas.microsoft.com/office/drawing/2014/main" id="{AB648C89-02F1-495E-9603-4CEBF3F9E1D8}"/>
+              </a:ext>
+            </a:extLst>
+          </p:cNvPr>
+          <p:cNvSpPr txBox="1"/>
+          <p:nvPr/>
+        </p:nvSpPr>
+        <p:spPr>
+          <a:xfrm>
+            <a:off x="8403352" y="5056695"/>
+            <a:ext cx="802733" cy="338554"/>
+          </a:xfrm>
+          <a:prstGeom prst="rect">
+            <a:avLst/>
+          </a:prstGeom>
+          <a:noFill/>
+        </p:spPr>
+        <p:txBody>
+          <a:bodyPr wrap="square" rtlCol="0">
+            <a:spAutoFit/>
+          </a:bodyPr>
+          <a:lstStyle/>
+          <a:p>
+            <a:r>
+              <a:rPr lang="en-US" sz="1600" b="1" dirty="0">
+                <a:solidFill>
+                  <a:schemeClr val="accent6">
+                    <a:lumMod val="75000"/>
+                  </a:schemeClr>
+                </a:solidFill>
+              </a:rPr>
+              <a:t>PROPS</a:t>
+            </a:r>
+          </a:p>
+        </p:txBody>
+      </p:sp>
+      <p:sp>
+        <p:nvSpPr>
+          <p:cNvPr id="59" name="TextBox 58">
+            <a:extLst>
+              <a:ext uri="{FF2B5EF4-FFF2-40B4-BE49-F238E27FC236}">
+                <a16:creationId xmlns:a16="http://schemas.microsoft.com/office/drawing/2014/main" id="{7E116CA8-B8E2-407E-B37F-4CEFF51D4CDC}"/>
+              </a:ext>
+            </a:extLst>
+          </p:cNvPr>
+          <p:cNvSpPr txBox="1"/>
+          <p:nvPr/>
+        </p:nvSpPr>
+        <p:spPr>
+          <a:xfrm>
+            <a:off x="9161148" y="5041306"/>
+            <a:ext cx="1582188" cy="369332"/>
+          </a:xfrm>
+          <a:prstGeom prst="rect">
+            <a:avLst/>
+          </a:prstGeom>
+          <a:noFill/>
+        </p:spPr>
+        <p:txBody>
+          <a:bodyPr wrap="square" rtlCol="0">
+            <a:spAutoFit/>
+          </a:bodyPr>
+          <a:lstStyle/>
+          <a:p>
+            <a:r>
+              <a:rPr lang="en-US" sz="1800" dirty="0"/>
+              <a:t>category-info</a:t>
+            </a:r>
+          </a:p>
+        </p:txBody>
+      </p:sp>
+    </p:spTree>
+    <p:extLst>
+      <p:ext uri="{BB962C8B-B14F-4D97-AF65-F5344CB8AC3E}">
+        <p14:creationId xmlns:p14="http://schemas.microsoft.com/office/powerpoint/2010/main" val="3554060989"/>
+      </p:ext>
+    </p:extLst>
+  </p:cSld>
+  <p:clrMapOvr>
+    <a:masterClrMapping/>
+  </p:clrMapOvr>
+</p:sld>
+</file>
+
+<file path=ppt/slides/slide3.xml><?xml version="1.0" encoding="utf-8"?>
+<p:sld xmlns:a="http://schemas.openxmlformats.org/drawingml/2006/main" xmlns:r="http://schemas.openxmlformats.org/officeDocument/2006/relationships" xmlns:p="http://schemas.openxmlformats.org/presentationml/2006/main">
+  <p:cSld>
+    <p:spTree>
+      <p:nvGrpSpPr>
+        <p:cNvPr id="1" name=""/>
+        <p:cNvGrpSpPr/>
+        <p:nvPr/>
+      </p:nvGrpSpPr>
+      <p:grpSpPr>
+        <a:xfrm>
+          <a:off x="0" y="0"/>
+          <a:ext cx="0" cy="0"/>
+          <a:chOff x="0" y="0"/>
+          <a:chExt cx="0" cy="0"/>
+        </a:xfrm>
+      </p:grpSpPr>
+      <p:sp>
+        <p:nvSpPr>
+          <p:cNvPr id="4" name="Rectangle: Rounded Corners 3">
+            <a:extLst>
+              <a:ext uri="{FF2B5EF4-FFF2-40B4-BE49-F238E27FC236}">
+                <a16:creationId xmlns:a16="http://schemas.microsoft.com/office/drawing/2014/main" id="{F935ACBB-D1B1-4181-ACC6-524C469439A0}"/>
+              </a:ext>
+            </a:extLst>
+          </p:cNvPr>
+          <p:cNvSpPr/>
+          <p:nvPr/>
+        </p:nvSpPr>
+        <p:spPr>
+          <a:xfrm>
+            <a:off x="6267451" y="398137"/>
+            <a:ext cx="1964366" cy="853846"/>
+          </a:xfrm>
+          <a:prstGeom prst="roundRect">
+            <a:avLst/>
+          </a:prstGeom>
+          <a:noFill/>
+          <a:ln w="19050">
+            <a:solidFill>
+              <a:schemeClr val="accent6">
+                <a:lumMod val="75000"/>
+              </a:schemeClr>
+            </a:solidFill>
+            <a:prstDash val="dash"/>
+          </a:ln>
+        </p:spPr>
+        <p:style>
+          <a:lnRef idx="2">
+            <a:schemeClr val="dk1"/>
+          </a:lnRef>
+          <a:fillRef idx="1">
+            <a:schemeClr val="lt1"/>
+          </a:fillRef>
+          <a:effectRef idx="0">
+            <a:schemeClr val="dk1"/>
+          </a:effectRef>
+          <a:fontRef idx="minor">
+            <a:schemeClr val="dk1"/>
+          </a:fontRef>
+        </p:style>
+        <p:txBody>
+          <a:bodyPr rtlCol="0" anchor="ctr"/>
+          <a:lstStyle/>
+          <a:p>
+            <a:pPr algn="ctr"/>
+            <a:endParaRPr lang="en-US" dirty="0">
+              <a:solidFill>
+                <a:srgbClr val="00B050"/>
+              </a:solidFill>
+            </a:endParaRPr>
+          </a:p>
+        </p:txBody>
+      </p:sp>
+      <p:sp>
+        <p:nvSpPr>
+          <p:cNvPr id="5" name="TextBox 4">
+            <a:extLst>
+              <a:ext uri="{FF2B5EF4-FFF2-40B4-BE49-F238E27FC236}">
+                <a16:creationId xmlns:a16="http://schemas.microsoft.com/office/drawing/2014/main" id="{C4E1D9FF-D502-4B0A-80D5-C06C9F0292E2}"/>
+              </a:ext>
+            </a:extLst>
+          </p:cNvPr>
+          <p:cNvSpPr txBox="1"/>
+          <p:nvPr/>
+        </p:nvSpPr>
+        <p:spPr>
+          <a:xfrm>
+            <a:off x="6756385" y="481724"/>
+            <a:ext cx="760218" cy="338554"/>
+          </a:xfrm>
+          <a:prstGeom prst="rect">
+            <a:avLst/>
+          </a:prstGeom>
+          <a:noFill/>
+        </p:spPr>
+        <p:txBody>
+          <a:bodyPr wrap="square" rtlCol="0">
+            <a:spAutoFit/>
+          </a:bodyPr>
+          <a:lstStyle/>
+          <a:p>
+            <a:r>
+              <a:rPr lang="en-US" sz="1600" b="1" dirty="0">
+                <a:solidFill>
+                  <a:srgbClr val="FF0000"/>
+                </a:solidFill>
+              </a:rPr>
+              <a:t>&lt;app&gt;</a:t>
+            </a:r>
+          </a:p>
+        </p:txBody>
+      </p:sp>
+      <p:sp>
+        <p:nvSpPr>
+          <p:cNvPr id="6" name="Arrow: Right 5">
+            <a:extLst>
+              <a:ext uri="{FF2B5EF4-FFF2-40B4-BE49-F238E27FC236}">
+                <a16:creationId xmlns:a16="http://schemas.microsoft.com/office/drawing/2014/main" id="{6224299E-2D28-4F89-B255-EFF93B22DAE6}"/>
+              </a:ext>
+            </a:extLst>
+          </p:cNvPr>
+          <p:cNvSpPr/>
+          <p:nvPr/>
+        </p:nvSpPr>
+        <p:spPr>
+          <a:xfrm>
+            <a:off x="8239202" y="709656"/>
+            <a:ext cx="715215" cy="264105"/>
+          </a:xfrm>
+          <a:prstGeom prst="rightArrow">
+            <a:avLst/>
+          </a:prstGeom>
+          <a:solidFill>
+            <a:srgbClr val="FFFF00"/>
+          </a:solidFill>
         </p:spPr>
         <p:style>
           <a:lnRef idx="2">
@@ -3851,56 +5479,205 @@
           <a:lstStyle/>
           <a:p>
             <a:pPr algn="ctr"/>
-            <a:endParaRPr lang="en-US" sz="1372"/>
-          </a:p>
-        </p:txBody>
-      </p:sp>
-      <p:sp>
-        <p:nvSpPr>
-          <p:cNvPr id="21" name="TextBox 20"/>
+            <a:endParaRPr lang="en-US"/>
+          </a:p>
+        </p:txBody>
+      </p:sp>
+      <p:sp>
+        <p:nvSpPr>
+          <p:cNvPr id="7" name="TextBox 6">
+            <a:extLst>
+              <a:ext uri="{FF2B5EF4-FFF2-40B4-BE49-F238E27FC236}">
+                <a16:creationId xmlns:a16="http://schemas.microsoft.com/office/drawing/2014/main" id="{D53A29C6-1EFD-471E-A601-DA0390C59235}"/>
+              </a:ext>
+            </a:extLst>
+          </p:cNvPr>
           <p:cNvSpPr txBox="1"/>
           <p:nvPr/>
         </p:nvSpPr>
         <p:spPr>
           <a:xfrm>
-            <a:off x="3541756" y="5192102"/>
-            <a:ext cx="926857" cy="303481"/>
-          </a:xfrm>
-          <a:prstGeom prst="rect">
-            <a:avLst/>
-          </a:prstGeom>
-          <a:noFill/>
-        </p:spPr>
-        <p:txBody>
-          <a:bodyPr wrap="none" rtlCol="0">
+            <a:off x="8156061" y="391086"/>
+            <a:ext cx="1129379" cy="338554"/>
+          </a:xfrm>
+          <a:prstGeom prst="rect">
+            <a:avLst/>
+          </a:prstGeom>
+          <a:noFill/>
+        </p:spPr>
+        <p:txBody>
+          <a:bodyPr wrap="square" rtlCol="0">
             <a:spAutoFit/>
           </a:bodyPr>
           <a:lstStyle/>
           <a:p>
             <a:r>
-              <a:rPr lang="en-US" sz="1372" dirty="0" smtClean="0"/>
-              <a:t>Students[]</a:t>
-            </a:r>
-            <a:endParaRPr lang="en-US" sz="1372" dirty="0"/>
-          </a:p>
-        </p:txBody>
-      </p:sp>
-      <p:sp>
-        <p:nvSpPr>
-          <p:cNvPr id="22" name="Right Arrow 21"/>
+              <a:rPr lang="en-US" sz="1600" b="1" dirty="0">
+                <a:solidFill>
+                  <a:schemeClr val="accent4">
+                    <a:lumMod val="75000"/>
+                  </a:schemeClr>
+                </a:solidFill>
+              </a:rPr>
+              <a:t>PROVIDE</a:t>
+            </a:r>
+          </a:p>
+        </p:txBody>
+      </p:sp>
+      <p:cxnSp>
+        <p:nvCxnSpPr>
+          <p:cNvPr id="9" name="Straight Connector 8">
+            <a:extLst>
+              <a:ext uri="{FF2B5EF4-FFF2-40B4-BE49-F238E27FC236}">
+                <a16:creationId xmlns:a16="http://schemas.microsoft.com/office/drawing/2014/main" id="{E5F1067E-6432-494C-A9F6-A0356A32135E}"/>
+              </a:ext>
+            </a:extLst>
+          </p:cNvPr>
+          <p:cNvCxnSpPr/>
+          <p:nvPr/>
+        </p:nvCxnSpPr>
+        <p:spPr>
+          <a:xfrm>
+            <a:off x="5434219" y="0"/>
+            <a:ext cx="0" cy="6858000"/>
+          </a:xfrm>
+          <a:prstGeom prst="line">
+            <a:avLst/>
+          </a:prstGeom>
+        </p:spPr>
+        <p:style>
+          <a:lnRef idx="1">
+            <a:schemeClr val="accent1"/>
+          </a:lnRef>
+          <a:fillRef idx="0">
+            <a:schemeClr val="accent1"/>
+          </a:fillRef>
+          <a:effectRef idx="0">
+            <a:schemeClr val="accent1"/>
+          </a:effectRef>
+          <a:fontRef idx="minor">
+            <a:schemeClr val="tx1"/>
+          </a:fontRef>
+        </p:style>
+      </p:cxnSp>
+      <p:sp>
+        <p:nvSpPr>
+          <p:cNvPr id="11" name="Rectangle: Rounded Corners 10">
+            <a:extLst>
+              <a:ext uri="{FF2B5EF4-FFF2-40B4-BE49-F238E27FC236}">
+                <a16:creationId xmlns:a16="http://schemas.microsoft.com/office/drawing/2014/main" id="{0B356C56-401C-4550-809F-81C9647AFAD7}"/>
+              </a:ext>
+            </a:extLst>
+          </p:cNvPr>
           <p:cNvSpPr/>
           <p:nvPr/>
         </p:nvSpPr>
         <p:spPr>
           <a:xfrm>
-            <a:off x="2197551" y="2768367"/>
-            <a:ext cx="696809" cy="333683"/>
+            <a:off x="9787773" y="2063866"/>
+            <a:ext cx="1964366" cy="853846"/>
+          </a:xfrm>
+          <a:prstGeom prst="roundRect">
+            <a:avLst/>
+          </a:prstGeom>
+          <a:noFill/>
+          <a:ln w="19050">
+            <a:solidFill>
+              <a:schemeClr val="accent6">
+                <a:lumMod val="75000"/>
+              </a:schemeClr>
+            </a:solidFill>
+            <a:prstDash val="dash"/>
+          </a:ln>
+        </p:spPr>
+        <p:style>
+          <a:lnRef idx="2">
+            <a:schemeClr val="dk1"/>
+          </a:lnRef>
+          <a:fillRef idx="1">
+            <a:schemeClr val="lt1"/>
+          </a:fillRef>
+          <a:effectRef idx="0">
+            <a:schemeClr val="dk1"/>
+          </a:effectRef>
+          <a:fontRef idx="minor">
+            <a:schemeClr val="dk1"/>
+          </a:fontRef>
+        </p:style>
+        <p:txBody>
+          <a:bodyPr rtlCol="0" anchor="ctr"/>
+          <a:lstStyle/>
+          <a:p>
+            <a:pPr algn="ctr"/>
+            <a:endParaRPr lang="en-US" dirty="0">
+              <a:solidFill>
+                <a:srgbClr val="00B050"/>
+              </a:solidFill>
+            </a:endParaRPr>
+          </a:p>
+        </p:txBody>
+      </p:sp>
+      <p:sp>
+        <p:nvSpPr>
+          <p:cNvPr id="12" name="TextBox 11">
+            <a:extLst>
+              <a:ext uri="{FF2B5EF4-FFF2-40B4-BE49-F238E27FC236}">
+                <a16:creationId xmlns:a16="http://schemas.microsoft.com/office/drawing/2014/main" id="{E9DE379E-D876-4DBB-A7D9-848AF669CA2E}"/>
+              </a:ext>
+            </a:extLst>
+          </p:cNvPr>
+          <p:cNvSpPr txBox="1"/>
+          <p:nvPr/>
+        </p:nvSpPr>
+        <p:spPr>
+          <a:xfrm>
+            <a:off x="9895590" y="2063866"/>
+            <a:ext cx="1774544" cy="338554"/>
+          </a:xfrm>
+          <a:prstGeom prst="rect">
+            <a:avLst/>
+          </a:prstGeom>
+          <a:noFill/>
+        </p:spPr>
+        <p:txBody>
+          <a:bodyPr wrap="square" rtlCol="0">
+            <a:spAutoFit/>
+          </a:bodyPr>
+          <a:lstStyle/>
+          <a:p>
+            <a:r>
+              <a:rPr lang="en-US" sz="1600" b="1" dirty="0">
+                <a:solidFill>
+                  <a:srgbClr val="FF0000"/>
+                </a:solidFill>
+              </a:rPr>
+              <a:t>&lt;my-event-view&gt;</a:t>
+            </a:r>
+          </a:p>
+        </p:txBody>
+      </p:sp>
+      <p:sp>
+        <p:nvSpPr>
+          <p:cNvPr id="15" name="Arrow: Right 14">
+            <a:extLst>
+              <a:ext uri="{FF2B5EF4-FFF2-40B4-BE49-F238E27FC236}">
+                <a16:creationId xmlns:a16="http://schemas.microsoft.com/office/drawing/2014/main" id="{B0D302FF-C607-4915-AAA6-6CE85FD59BA9}"/>
+              </a:ext>
+            </a:extLst>
+          </p:cNvPr>
+          <p:cNvSpPr/>
+          <p:nvPr/>
+        </p:nvSpPr>
+        <p:spPr>
+          <a:xfrm>
+            <a:off x="9063369" y="2324469"/>
+            <a:ext cx="715215" cy="264105"/>
           </a:xfrm>
           <a:prstGeom prst="rightArrow">
             <a:avLst/>
           </a:prstGeom>
           <a:solidFill>
-            <a:schemeClr val="accent6"/>
+            <a:srgbClr val="FFFF00"/>
           </a:solidFill>
         </p:spPr>
         <p:style>
@@ -3920,120 +5697,154 @@
           </a:fontRef>
         </p:style>
         <p:txBody>
-          <a:bodyPr rot="0" spcFirstLastPara="0" vertOverflow="overflow" horzOverflow="overflow" vert="horz" wrap="square" lIns="69681" tIns="34840" rIns="69681" bIns="34840" numCol="1" spcCol="0" rtlCol="0" fromWordArt="0" anchor="ctr" anchorCtr="0" forceAA="0" compatLnSpc="1">
-            <a:prstTxWarp prst="textNoShape">
-              <a:avLst/>
-            </a:prstTxWarp>
-            <a:noAutofit/>
-          </a:bodyPr>
+          <a:bodyPr rtlCol="0" anchor="ctr"/>
           <a:lstStyle/>
           <a:p>
             <a:pPr algn="ctr"/>
-            <a:endParaRPr lang="en-US" sz="1372"/>
-          </a:p>
-        </p:txBody>
-      </p:sp>
-      <p:sp>
-        <p:nvSpPr>
-          <p:cNvPr id="23" name="TextBox 22"/>
+            <a:endParaRPr lang="en-US"/>
+          </a:p>
+        </p:txBody>
+      </p:sp>
+      <p:sp>
+        <p:nvSpPr>
+          <p:cNvPr id="16" name="TextBox 15">
+            <a:extLst>
+              <a:ext uri="{FF2B5EF4-FFF2-40B4-BE49-F238E27FC236}">
+                <a16:creationId xmlns:a16="http://schemas.microsoft.com/office/drawing/2014/main" id="{15842F55-9100-47E6-99B1-F76342230B42}"/>
+              </a:ext>
+            </a:extLst>
+          </p:cNvPr>
           <p:cNvSpPr txBox="1"/>
           <p:nvPr/>
         </p:nvSpPr>
         <p:spPr>
           <a:xfrm>
-            <a:off x="2156606" y="3120474"/>
-            <a:ext cx="735714" cy="303481"/>
-          </a:xfrm>
-          <a:prstGeom prst="rect">
-            <a:avLst/>
-          </a:prstGeom>
-          <a:noFill/>
-        </p:spPr>
-        <p:txBody>
-          <a:bodyPr wrap="none" rtlCol="0">
+            <a:off x="9054180" y="2008479"/>
+            <a:ext cx="917448" cy="338554"/>
+          </a:xfrm>
+          <a:prstGeom prst="rect">
+            <a:avLst/>
+          </a:prstGeom>
+          <a:noFill/>
+        </p:spPr>
+        <p:txBody>
+          <a:bodyPr wrap="square" rtlCol="0">
             <a:spAutoFit/>
           </a:bodyPr>
           <a:lstStyle/>
           <a:p>
             <a:r>
-              <a:rPr lang="en-US" sz="1372" dirty="0" smtClean="0"/>
-              <a:t>student</a:t>
-            </a:r>
-            <a:endParaRPr lang="en-US" sz="1372" dirty="0"/>
-          </a:p>
-        </p:txBody>
-      </p:sp>
-      <p:sp>
-        <p:nvSpPr>
-          <p:cNvPr id="24" name="TextBox 23"/>
-          <p:cNvSpPr txBox="1"/>
-          <p:nvPr/>
-        </p:nvSpPr>
-        <p:spPr>
-          <a:xfrm>
-            <a:off x="2188492" y="2550268"/>
-            <a:ext cx="670248" cy="303481"/>
-          </a:xfrm>
-          <a:prstGeom prst="rect">
-            <a:avLst/>
-          </a:prstGeom>
-          <a:noFill/>
-        </p:spPr>
-        <p:txBody>
-          <a:bodyPr wrap="none" rtlCol="0">
-            <a:spAutoFit/>
-          </a:bodyPr>
-          <a:lstStyle/>
-          <a:p>
-            <a:r>
-              <a:rPr lang="en-US" sz="1372" b="1" dirty="0" smtClean="0">
+              <a:rPr lang="en-US" sz="1600" b="1" dirty="0">
                 <a:solidFill>
-                  <a:schemeClr val="accent6"/>
+                  <a:schemeClr val="accent4">
+                    <a:lumMod val="75000"/>
+                  </a:schemeClr>
                 </a:solidFill>
               </a:rPr>
-              <a:t>PROPS</a:t>
-            </a:r>
-            <a:endParaRPr lang="en-US" sz="1372" b="1" dirty="0">
-              <a:solidFill>
-                <a:schemeClr val="accent6"/>
-              </a:solidFill>
-            </a:endParaRPr>
-          </a:p>
-        </p:txBody>
-      </p:sp>
-      <p:sp>
-        <p:nvSpPr>
-          <p:cNvPr id="25" name="TextBox 24"/>
+              <a:t>INJECT</a:t>
+            </a:r>
+          </a:p>
+        </p:txBody>
+      </p:sp>
+      <p:sp>
+        <p:nvSpPr>
+          <p:cNvPr id="17" name="TextBox 16">
+            <a:extLst>
+              <a:ext uri="{FF2B5EF4-FFF2-40B4-BE49-F238E27FC236}">
+                <a16:creationId xmlns:a16="http://schemas.microsoft.com/office/drawing/2014/main" id="{10238D02-109C-40B7-85AC-43EFB2661CAA}"/>
+              </a:ext>
+            </a:extLst>
+          </p:cNvPr>
           <p:cNvSpPr txBox="1"/>
           <p:nvPr/>
         </p:nvSpPr>
         <p:spPr>
           <a:xfrm>
-            <a:off x="3562171" y="2587817"/>
-            <a:ext cx="680251" cy="303481"/>
-          </a:xfrm>
-          <a:prstGeom prst="rect">
-            <a:avLst/>
-          </a:prstGeom>
-          <a:noFill/>
-        </p:spPr>
-        <p:txBody>
-          <a:bodyPr wrap="none" rtlCol="0">
+            <a:off x="6352509" y="1335570"/>
+            <a:ext cx="4383329" cy="338554"/>
+          </a:xfrm>
+          <a:prstGeom prst="rect">
+            <a:avLst/>
+          </a:prstGeom>
+          <a:noFill/>
+        </p:spPr>
+        <p:txBody>
+          <a:bodyPr wrap="square" rtlCol="0">
             <a:spAutoFit/>
           </a:bodyPr>
           <a:lstStyle/>
           <a:p>
             <a:r>
-              <a:rPr lang="en-US" sz="1372" b="1" i="1" dirty="0" smtClean="0">
+              <a:rPr lang="en-US" sz="1600" dirty="0"/>
+              <a:t>// </a:t>
+            </a:r>
+            <a:r>
+              <a:rPr lang="en-US" sz="1600" dirty="0">
                 <a:solidFill>
                   <a:srgbClr val="FF0000"/>
                 </a:solidFill>
               </a:rPr>
-              <a:t>&lt;card&gt;</a:t>
-            </a:r>
-            <a:endParaRPr lang="en-US" sz="1372" b="1" i="1" dirty="0">
+              <a:t>app  </a:t>
+            </a:r>
+            <a:r>
+              <a:rPr lang="en-US" sz="1600" dirty="0"/>
+              <a:t>provides my-event information to anymore</a:t>
+            </a:r>
+          </a:p>
+        </p:txBody>
+      </p:sp>
+      <p:sp>
+        <p:nvSpPr>
+          <p:cNvPr id="18" name="Rectangle: Rounded Corners 17">
+            <a:extLst>
+              <a:ext uri="{FF2B5EF4-FFF2-40B4-BE49-F238E27FC236}">
+                <a16:creationId xmlns:a16="http://schemas.microsoft.com/office/drawing/2014/main" id="{D7BA7CA2-B310-42DF-A1B1-E4F1470A1424}"/>
+              </a:ext>
+            </a:extLst>
+          </p:cNvPr>
+          <p:cNvSpPr/>
+          <p:nvPr/>
+        </p:nvSpPr>
+        <p:spPr>
+          <a:xfrm>
+            <a:off x="5917415" y="4111137"/>
+            <a:ext cx="2645466" cy="684786"/>
+          </a:xfrm>
+          <a:prstGeom prst="roundRect">
+            <a:avLst/>
+          </a:prstGeom>
+          <a:noFill/>
+          <a:ln w="19050">
+            <a:solidFill>
+              <a:schemeClr val="accent5">
+                <a:lumMod val="75000"/>
+              </a:schemeClr>
+            </a:solidFill>
+            <a:prstDash val="dash"/>
+          </a:ln>
+        </p:spPr>
+        <p:style>
+          <a:lnRef idx="2">
+            <a:schemeClr val="dk1"/>
+          </a:lnRef>
+          <a:fillRef idx="1">
+            <a:schemeClr val="lt1"/>
+          </a:fillRef>
+          <a:effectRef idx="0">
+            <a:schemeClr val="dk1"/>
+          </a:effectRef>
+          <a:fontRef idx="minor">
+            <a:schemeClr val="dk1"/>
+          </a:fontRef>
+        </p:style>
+        <p:txBody>
+          <a:bodyPr rtlCol="0" anchor="ctr"/>
+          <a:lstStyle/>
+          <a:p>
+            <a:pPr algn="ctr"/>
+            <a:endParaRPr lang="en-US" dirty="0">
               <a:solidFill>
-                <a:srgbClr val="FF0000"/>
+                <a:srgbClr val="00B050"/>
               </a:solidFill>
             </a:endParaRPr>
           </a:p>
@@ -4041,21 +5852,845 @@
       </p:sp>
       <p:sp>
         <p:nvSpPr>
-          <p:cNvPr id="26" name="Right Arrow 25"/>
+          <p:cNvPr id="19" name="TextBox 18">
+            <a:extLst>
+              <a:ext uri="{FF2B5EF4-FFF2-40B4-BE49-F238E27FC236}">
+                <a16:creationId xmlns:a16="http://schemas.microsoft.com/office/drawing/2014/main" id="{F2E6B44E-2FCA-438C-82F7-D8FF7B4B246B}"/>
+              </a:ext>
+            </a:extLst>
+          </p:cNvPr>
+          <p:cNvSpPr txBox="1"/>
+          <p:nvPr/>
+        </p:nvSpPr>
+        <p:spPr>
+          <a:xfrm>
+            <a:off x="6622498" y="4292390"/>
+            <a:ext cx="1427751" cy="338554"/>
+          </a:xfrm>
+          <a:prstGeom prst="rect">
+            <a:avLst/>
+          </a:prstGeom>
+          <a:noFill/>
+        </p:spPr>
+        <p:txBody>
+          <a:bodyPr wrap="square" rtlCol="0">
+            <a:spAutoFit/>
+          </a:bodyPr>
+          <a:lstStyle/>
+          <a:p>
+            <a:r>
+              <a:rPr lang="en-US" sz="1600" b="1" dirty="0">
+                <a:solidFill>
+                  <a:srgbClr val="7030A0"/>
+                </a:solidFill>
+              </a:rPr>
+              <a:t>&lt;router-view&gt;</a:t>
+            </a:r>
+          </a:p>
+        </p:txBody>
+      </p:sp>
+      <p:sp>
+        <p:nvSpPr>
+          <p:cNvPr id="20" name="TextBox 19">
+            <a:extLst>
+              <a:ext uri="{FF2B5EF4-FFF2-40B4-BE49-F238E27FC236}">
+                <a16:creationId xmlns:a16="http://schemas.microsoft.com/office/drawing/2014/main" id="{B643F800-F34D-4076-8E7F-C68C8AA6F0EF}"/>
+              </a:ext>
+            </a:extLst>
+          </p:cNvPr>
+          <p:cNvSpPr txBox="1"/>
+          <p:nvPr/>
+        </p:nvSpPr>
+        <p:spPr>
+          <a:xfrm>
+            <a:off x="6035013" y="5087367"/>
+            <a:ext cx="2911350" cy="338554"/>
+          </a:xfrm>
+          <a:prstGeom prst="rect">
+            <a:avLst/>
+          </a:prstGeom>
+          <a:noFill/>
+        </p:spPr>
+        <p:txBody>
+          <a:bodyPr wrap="square" rtlCol="0">
+            <a:spAutoFit/>
+          </a:bodyPr>
+          <a:lstStyle/>
+          <a:p>
+            <a:r>
+              <a:rPr lang="en-US" sz="1600" dirty="0"/>
+              <a:t>// Vue JS built-in component</a:t>
+            </a:r>
+          </a:p>
+        </p:txBody>
+      </p:sp>
+      <p:sp>
+        <p:nvSpPr>
+          <p:cNvPr id="21" name="Rectangle: Rounded Corners 20">
+            <a:extLst>
+              <a:ext uri="{FF2B5EF4-FFF2-40B4-BE49-F238E27FC236}">
+                <a16:creationId xmlns:a16="http://schemas.microsoft.com/office/drawing/2014/main" id="{471218D4-50C0-4F67-B38C-5D5949AFC1CB}"/>
+              </a:ext>
+            </a:extLst>
+          </p:cNvPr>
           <p:cNvSpPr/>
           <p:nvPr/>
         </p:nvSpPr>
         <p:spPr>
-          <a:xfrm flipH="1">
-            <a:off x="2387600" y="5000637"/>
-            <a:ext cx="792424" cy="400041"/>
+          <a:xfrm>
+            <a:off x="1199332" y="481724"/>
+            <a:ext cx="1964366" cy="853846"/>
+          </a:xfrm>
+          <a:prstGeom prst="roundRect">
+            <a:avLst/>
+          </a:prstGeom>
+          <a:noFill/>
+          <a:ln w="19050">
+            <a:solidFill>
+              <a:schemeClr val="accent6">
+                <a:lumMod val="75000"/>
+              </a:schemeClr>
+            </a:solidFill>
+            <a:prstDash val="dash"/>
+          </a:ln>
+        </p:spPr>
+        <p:style>
+          <a:lnRef idx="2">
+            <a:schemeClr val="dk1"/>
+          </a:lnRef>
+          <a:fillRef idx="1">
+            <a:schemeClr val="lt1"/>
+          </a:fillRef>
+          <a:effectRef idx="0">
+            <a:schemeClr val="dk1"/>
+          </a:effectRef>
+          <a:fontRef idx="minor">
+            <a:schemeClr val="dk1"/>
+          </a:fontRef>
+        </p:style>
+        <p:txBody>
+          <a:bodyPr rtlCol="0" anchor="ctr"/>
+          <a:lstStyle/>
+          <a:p>
+            <a:pPr algn="ctr"/>
+            <a:endParaRPr lang="en-US" dirty="0">
+              <a:solidFill>
+                <a:srgbClr val="00B050"/>
+              </a:solidFill>
+            </a:endParaRPr>
+          </a:p>
+        </p:txBody>
+      </p:sp>
+      <p:sp>
+        <p:nvSpPr>
+          <p:cNvPr id="22" name="TextBox 21">
+            <a:extLst>
+              <a:ext uri="{FF2B5EF4-FFF2-40B4-BE49-F238E27FC236}">
+                <a16:creationId xmlns:a16="http://schemas.microsoft.com/office/drawing/2014/main" id="{001AFAB7-3BED-4AB6-9756-303D0A55C42D}"/>
+              </a:ext>
+            </a:extLst>
+          </p:cNvPr>
+          <p:cNvSpPr txBox="1"/>
+          <p:nvPr/>
+        </p:nvSpPr>
+        <p:spPr>
+          <a:xfrm>
+            <a:off x="1688266" y="565311"/>
+            <a:ext cx="760218" cy="338554"/>
+          </a:xfrm>
+          <a:prstGeom prst="rect">
+            <a:avLst/>
+          </a:prstGeom>
+          <a:noFill/>
+        </p:spPr>
+        <p:txBody>
+          <a:bodyPr wrap="square" rtlCol="0">
+            <a:spAutoFit/>
+          </a:bodyPr>
+          <a:lstStyle/>
+          <a:p>
+            <a:r>
+              <a:rPr lang="en-US" sz="1600" b="1" dirty="0">
+                <a:solidFill>
+                  <a:srgbClr val="FF0000"/>
+                </a:solidFill>
+              </a:rPr>
+              <a:t>&lt;app&gt;</a:t>
+            </a:r>
+          </a:p>
+        </p:txBody>
+      </p:sp>
+      <p:sp>
+        <p:nvSpPr>
+          <p:cNvPr id="23" name="TextBox 22">
+            <a:extLst>
+              <a:ext uri="{FF2B5EF4-FFF2-40B4-BE49-F238E27FC236}">
+                <a16:creationId xmlns:a16="http://schemas.microsoft.com/office/drawing/2014/main" id="{C98AADE0-BBC0-48B2-BF05-58BDFFC3B0FC}"/>
+              </a:ext>
+            </a:extLst>
+          </p:cNvPr>
+          <p:cNvSpPr txBox="1"/>
+          <p:nvPr/>
+        </p:nvSpPr>
+        <p:spPr>
+          <a:xfrm>
+            <a:off x="1199332" y="834007"/>
+            <a:ext cx="1903725" cy="338554"/>
+          </a:xfrm>
+          <a:prstGeom prst="rect">
+            <a:avLst/>
+          </a:prstGeom>
+          <a:noFill/>
+        </p:spPr>
+        <p:txBody>
+          <a:bodyPr wrap="square" rtlCol="0">
+            <a:spAutoFit/>
+          </a:bodyPr>
+          <a:lstStyle/>
+          <a:p>
+            <a:r>
+              <a:rPr lang="en-US" sz="1600" dirty="0"/>
+              <a:t>my-event-info[]</a:t>
+            </a:r>
+          </a:p>
+        </p:txBody>
+      </p:sp>
+      <p:sp>
+        <p:nvSpPr>
+          <p:cNvPr id="24" name="TextBox 23">
+            <a:extLst>
+              <a:ext uri="{FF2B5EF4-FFF2-40B4-BE49-F238E27FC236}">
+                <a16:creationId xmlns:a16="http://schemas.microsoft.com/office/drawing/2014/main" id="{C44F45A5-B171-482E-ACD5-8FD936F9F55D}"/>
+              </a:ext>
+            </a:extLst>
+          </p:cNvPr>
+          <p:cNvSpPr txBox="1"/>
+          <p:nvPr/>
+        </p:nvSpPr>
+        <p:spPr>
+          <a:xfrm>
+            <a:off x="521866" y="1527709"/>
+            <a:ext cx="4606724" cy="584775"/>
+          </a:xfrm>
+          <a:prstGeom prst="rect">
+            <a:avLst/>
+          </a:prstGeom>
+          <a:noFill/>
+        </p:spPr>
+        <p:txBody>
+          <a:bodyPr wrap="square" rtlCol="0">
+            <a:spAutoFit/>
+          </a:bodyPr>
+          <a:lstStyle/>
+          <a:p>
+            <a:r>
+              <a:rPr lang="en-US" sz="1600" dirty="0"/>
+              <a:t>// A component with a list of my-event information as data</a:t>
+            </a:r>
+          </a:p>
+        </p:txBody>
+      </p:sp>
+      <p:sp>
+        <p:nvSpPr>
+          <p:cNvPr id="25" name="TextBox 24">
+            <a:extLst>
+              <a:ext uri="{FF2B5EF4-FFF2-40B4-BE49-F238E27FC236}">
+                <a16:creationId xmlns:a16="http://schemas.microsoft.com/office/drawing/2014/main" id="{BC8013E9-4EFA-46A6-8A66-13FF8B9AC62C}"/>
+              </a:ext>
+            </a:extLst>
+          </p:cNvPr>
+          <p:cNvSpPr txBox="1"/>
+          <p:nvPr/>
+        </p:nvSpPr>
+        <p:spPr>
+          <a:xfrm>
+            <a:off x="6756385" y="3039879"/>
+            <a:ext cx="5371852" cy="338554"/>
+          </a:xfrm>
+          <a:prstGeom prst="rect">
+            <a:avLst/>
+          </a:prstGeom>
+          <a:noFill/>
+        </p:spPr>
+        <p:txBody>
+          <a:bodyPr wrap="square" rtlCol="0">
+            <a:spAutoFit/>
+          </a:bodyPr>
+          <a:lstStyle/>
+          <a:p>
+            <a:r>
+              <a:rPr lang="en-US" sz="1600" dirty="0"/>
+              <a:t>// </a:t>
+            </a:r>
+            <a:r>
+              <a:rPr lang="en-US" sz="1600" dirty="0">
+                <a:solidFill>
+                  <a:srgbClr val="FF0000"/>
+                </a:solidFill>
+              </a:rPr>
+              <a:t>my-event view </a:t>
+            </a:r>
+            <a:r>
+              <a:rPr lang="en-US" sz="1600" dirty="0"/>
+              <a:t>gets my-event information from a provider</a:t>
+            </a:r>
+          </a:p>
+        </p:txBody>
+      </p:sp>
+      <p:sp>
+        <p:nvSpPr>
+          <p:cNvPr id="29" name="Rectangle: Rounded Corners 28">
+            <a:extLst>
+              <a:ext uri="{FF2B5EF4-FFF2-40B4-BE49-F238E27FC236}">
+                <a16:creationId xmlns:a16="http://schemas.microsoft.com/office/drawing/2014/main" id="{25276C31-8E86-4F25-BF01-19D0240494FE}"/>
+              </a:ext>
+            </a:extLst>
+          </p:cNvPr>
+          <p:cNvSpPr/>
+          <p:nvPr/>
+        </p:nvSpPr>
+        <p:spPr>
+          <a:xfrm>
+            <a:off x="98483" y="2588574"/>
+            <a:ext cx="1964366" cy="853846"/>
+          </a:xfrm>
+          <a:prstGeom prst="roundRect">
+            <a:avLst/>
+          </a:prstGeom>
+          <a:noFill/>
+          <a:ln w="19050">
+            <a:solidFill>
+              <a:schemeClr val="accent6">
+                <a:lumMod val="75000"/>
+              </a:schemeClr>
+            </a:solidFill>
+            <a:prstDash val="dash"/>
+          </a:ln>
+        </p:spPr>
+        <p:style>
+          <a:lnRef idx="2">
+            <a:schemeClr val="dk1"/>
+          </a:lnRef>
+          <a:fillRef idx="1">
+            <a:schemeClr val="lt1"/>
+          </a:fillRef>
+          <a:effectRef idx="0">
+            <a:schemeClr val="dk1"/>
+          </a:effectRef>
+          <a:fontRef idx="minor">
+            <a:schemeClr val="dk1"/>
+          </a:fontRef>
+        </p:style>
+        <p:txBody>
+          <a:bodyPr rtlCol="0" anchor="ctr"/>
+          <a:lstStyle/>
+          <a:p>
+            <a:pPr algn="ctr"/>
+            <a:endParaRPr lang="en-US" dirty="0">
+              <a:solidFill>
+                <a:srgbClr val="00B050"/>
+              </a:solidFill>
+            </a:endParaRPr>
+          </a:p>
+        </p:txBody>
+      </p:sp>
+      <p:sp>
+        <p:nvSpPr>
+          <p:cNvPr id="30" name="TextBox 29">
+            <a:extLst>
+              <a:ext uri="{FF2B5EF4-FFF2-40B4-BE49-F238E27FC236}">
+                <a16:creationId xmlns:a16="http://schemas.microsoft.com/office/drawing/2014/main" id="{BA0D3337-9C3D-4B12-933D-3010EA6C96D1}"/>
+              </a:ext>
+            </a:extLst>
+          </p:cNvPr>
+          <p:cNvSpPr txBox="1"/>
+          <p:nvPr/>
+        </p:nvSpPr>
+        <p:spPr>
+          <a:xfrm>
+            <a:off x="587417" y="2672161"/>
+            <a:ext cx="760218" cy="338554"/>
+          </a:xfrm>
+          <a:prstGeom prst="rect">
+            <a:avLst/>
+          </a:prstGeom>
+          <a:noFill/>
+        </p:spPr>
+        <p:txBody>
+          <a:bodyPr wrap="square" rtlCol="0">
+            <a:spAutoFit/>
+          </a:bodyPr>
+          <a:lstStyle/>
+          <a:p>
+            <a:r>
+              <a:rPr lang="en-US" sz="1600" b="1" dirty="0">
+                <a:solidFill>
+                  <a:srgbClr val="FF0000"/>
+                </a:solidFill>
+              </a:rPr>
+              <a:t>&lt;app&gt;</a:t>
+            </a:r>
+          </a:p>
+        </p:txBody>
+      </p:sp>
+      <p:sp>
+        <p:nvSpPr>
+          <p:cNvPr id="33" name="Rectangle: Rounded Corners 32">
+            <a:extLst>
+              <a:ext uri="{FF2B5EF4-FFF2-40B4-BE49-F238E27FC236}">
+                <a16:creationId xmlns:a16="http://schemas.microsoft.com/office/drawing/2014/main" id="{87A0A934-5288-4DD0-A262-AE816FCDA6D6}"/>
+              </a:ext>
+            </a:extLst>
+          </p:cNvPr>
+          <p:cNvSpPr/>
+          <p:nvPr/>
+        </p:nvSpPr>
+        <p:spPr>
+          <a:xfrm>
+            <a:off x="3103057" y="2612956"/>
+            <a:ext cx="1964366" cy="853846"/>
+          </a:xfrm>
+          <a:prstGeom prst="roundRect">
+            <a:avLst/>
+          </a:prstGeom>
+          <a:noFill/>
+          <a:ln w="19050">
+            <a:solidFill>
+              <a:schemeClr val="accent6">
+                <a:lumMod val="75000"/>
+              </a:schemeClr>
+            </a:solidFill>
+            <a:prstDash val="dash"/>
+          </a:ln>
+        </p:spPr>
+        <p:style>
+          <a:lnRef idx="2">
+            <a:schemeClr val="dk1"/>
+          </a:lnRef>
+          <a:fillRef idx="1">
+            <a:schemeClr val="lt1"/>
+          </a:fillRef>
+          <a:effectRef idx="0">
+            <a:schemeClr val="dk1"/>
+          </a:effectRef>
+          <a:fontRef idx="minor">
+            <a:schemeClr val="dk1"/>
+          </a:fontRef>
+        </p:style>
+        <p:txBody>
+          <a:bodyPr rtlCol="0" anchor="ctr"/>
+          <a:lstStyle/>
+          <a:p>
+            <a:pPr algn="ctr"/>
+            <a:endParaRPr lang="en-US" dirty="0">
+              <a:solidFill>
+                <a:srgbClr val="00B050"/>
+              </a:solidFill>
+            </a:endParaRPr>
+          </a:p>
+        </p:txBody>
+      </p:sp>
+      <p:sp>
+        <p:nvSpPr>
+          <p:cNvPr id="34" name="TextBox 33">
+            <a:extLst>
+              <a:ext uri="{FF2B5EF4-FFF2-40B4-BE49-F238E27FC236}">
+                <a16:creationId xmlns:a16="http://schemas.microsoft.com/office/drawing/2014/main" id="{B7C6FE79-5BD1-4CFA-BFAF-2F4283479B16}"/>
+              </a:ext>
+            </a:extLst>
+          </p:cNvPr>
+          <p:cNvSpPr txBox="1"/>
+          <p:nvPr/>
+        </p:nvSpPr>
+        <p:spPr>
+          <a:xfrm>
+            <a:off x="3041890" y="2696543"/>
+            <a:ext cx="1964366" cy="338554"/>
+          </a:xfrm>
+          <a:prstGeom prst="rect">
+            <a:avLst/>
+          </a:prstGeom>
+          <a:noFill/>
+        </p:spPr>
+        <p:txBody>
+          <a:bodyPr wrap="square" rtlCol="0">
+            <a:spAutoFit/>
+          </a:bodyPr>
+          <a:lstStyle/>
+          <a:p>
+            <a:pPr algn="ctr"/>
+            <a:r>
+              <a:rPr lang="en-US" sz="1600" b="1" dirty="0">
+                <a:solidFill>
+                  <a:srgbClr val="FF0000"/>
+                </a:solidFill>
+              </a:rPr>
+              <a:t>&lt;my-event-card&gt;</a:t>
+            </a:r>
+          </a:p>
+        </p:txBody>
+      </p:sp>
+      <p:sp>
+        <p:nvSpPr>
+          <p:cNvPr id="36" name="Rectangle: Rounded Corners 35">
+            <a:extLst>
+              <a:ext uri="{FF2B5EF4-FFF2-40B4-BE49-F238E27FC236}">
+                <a16:creationId xmlns:a16="http://schemas.microsoft.com/office/drawing/2014/main" id="{042E4505-100E-4891-B23C-BD4D3FC30012}"/>
+              </a:ext>
+            </a:extLst>
+          </p:cNvPr>
+          <p:cNvSpPr/>
+          <p:nvPr/>
+        </p:nvSpPr>
+        <p:spPr>
+          <a:xfrm>
+            <a:off x="98483" y="4606562"/>
+            <a:ext cx="1964366" cy="853846"/>
+          </a:xfrm>
+          <a:prstGeom prst="roundRect">
+            <a:avLst/>
+          </a:prstGeom>
+          <a:noFill/>
+          <a:ln w="19050">
+            <a:solidFill>
+              <a:schemeClr val="accent6">
+                <a:lumMod val="75000"/>
+              </a:schemeClr>
+            </a:solidFill>
+            <a:prstDash val="dash"/>
+          </a:ln>
+        </p:spPr>
+        <p:style>
+          <a:lnRef idx="2">
+            <a:schemeClr val="dk1"/>
+          </a:lnRef>
+          <a:fillRef idx="1">
+            <a:schemeClr val="lt1"/>
+          </a:fillRef>
+          <a:effectRef idx="0">
+            <a:schemeClr val="dk1"/>
+          </a:effectRef>
+          <a:fontRef idx="minor">
+            <a:schemeClr val="dk1"/>
+          </a:fontRef>
+        </p:style>
+        <p:txBody>
+          <a:bodyPr rtlCol="0" anchor="ctr"/>
+          <a:lstStyle/>
+          <a:p>
+            <a:pPr algn="ctr"/>
+            <a:endParaRPr lang="en-US" dirty="0">
+              <a:solidFill>
+                <a:srgbClr val="00B050"/>
+              </a:solidFill>
+            </a:endParaRPr>
+          </a:p>
+        </p:txBody>
+      </p:sp>
+      <p:sp>
+        <p:nvSpPr>
+          <p:cNvPr id="37" name="TextBox 36">
+            <a:extLst>
+              <a:ext uri="{FF2B5EF4-FFF2-40B4-BE49-F238E27FC236}">
+                <a16:creationId xmlns:a16="http://schemas.microsoft.com/office/drawing/2014/main" id="{D14AB65D-5AEE-42A7-AB74-69A2F3CED147}"/>
+              </a:ext>
+            </a:extLst>
+          </p:cNvPr>
+          <p:cNvSpPr txBox="1"/>
+          <p:nvPr/>
+        </p:nvSpPr>
+        <p:spPr>
+          <a:xfrm>
+            <a:off x="587417" y="4690149"/>
+            <a:ext cx="983404" cy="338554"/>
+          </a:xfrm>
+          <a:prstGeom prst="rect">
+            <a:avLst/>
+          </a:prstGeom>
+          <a:noFill/>
+        </p:spPr>
+        <p:txBody>
+          <a:bodyPr wrap="square" rtlCol="0">
+            <a:spAutoFit/>
+          </a:bodyPr>
+          <a:lstStyle/>
+          <a:p>
+            <a:r>
+              <a:rPr lang="en-US" sz="1600" b="1" dirty="0">
+                <a:solidFill>
+                  <a:srgbClr val="FF0000"/>
+                </a:solidFill>
+              </a:rPr>
+              <a:t>&lt;parent&gt;</a:t>
+            </a:r>
+          </a:p>
+        </p:txBody>
+      </p:sp>
+      <p:sp>
+        <p:nvSpPr>
+          <p:cNvPr id="39" name="Rectangle: Rounded Corners 38">
+            <a:extLst>
+              <a:ext uri="{FF2B5EF4-FFF2-40B4-BE49-F238E27FC236}">
+                <a16:creationId xmlns:a16="http://schemas.microsoft.com/office/drawing/2014/main" id="{64C89FD5-37CC-4CC5-9A34-C653A9A2C3A6}"/>
+              </a:ext>
+            </a:extLst>
+          </p:cNvPr>
+          <p:cNvSpPr/>
+          <p:nvPr/>
+        </p:nvSpPr>
+        <p:spPr>
+          <a:xfrm>
+            <a:off x="3103057" y="4630944"/>
+            <a:ext cx="1964366" cy="853846"/>
+          </a:xfrm>
+          <a:prstGeom prst="roundRect">
+            <a:avLst/>
+          </a:prstGeom>
+          <a:noFill/>
+          <a:ln w="19050">
+            <a:solidFill>
+              <a:schemeClr val="accent6">
+                <a:lumMod val="75000"/>
+              </a:schemeClr>
+            </a:solidFill>
+            <a:prstDash val="dash"/>
+          </a:ln>
+        </p:spPr>
+        <p:style>
+          <a:lnRef idx="2">
+            <a:schemeClr val="dk1"/>
+          </a:lnRef>
+          <a:fillRef idx="1">
+            <a:schemeClr val="lt1"/>
+          </a:fillRef>
+          <a:effectRef idx="0">
+            <a:schemeClr val="dk1"/>
+          </a:effectRef>
+          <a:fontRef idx="minor">
+            <a:schemeClr val="dk1"/>
+          </a:fontRef>
+        </p:style>
+        <p:txBody>
+          <a:bodyPr rtlCol="0" anchor="ctr"/>
+          <a:lstStyle/>
+          <a:p>
+            <a:pPr algn="ctr"/>
+            <a:endParaRPr lang="en-US" dirty="0">
+              <a:solidFill>
+                <a:srgbClr val="00B050"/>
+              </a:solidFill>
+            </a:endParaRPr>
+          </a:p>
+        </p:txBody>
+      </p:sp>
+      <p:sp>
+        <p:nvSpPr>
+          <p:cNvPr id="40" name="TextBox 39">
+            <a:extLst>
+              <a:ext uri="{FF2B5EF4-FFF2-40B4-BE49-F238E27FC236}">
+                <a16:creationId xmlns:a16="http://schemas.microsoft.com/office/drawing/2014/main" id="{B2B2B631-B52E-4D42-B966-20EC2F2CDF78}"/>
+              </a:ext>
+            </a:extLst>
+          </p:cNvPr>
+          <p:cNvSpPr txBox="1"/>
+          <p:nvPr/>
+        </p:nvSpPr>
+        <p:spPr>
+          <a:xfrm>
+            <a:off x="3103056" y="4714531"/>
+            <a:ext cx="2004693" cy="338554"/>
+          </a:xfrm>
+          <a:prstGeom prst="rect">
+            <a:avLst/>
+          </a:prstGeom>
+          <a:noFill/>
+        </p:spPr>
+        <p:txBody>
+          <a:bodyPr wrap="square" rtlCol="0">
+            <a:spAutoFit/>
+          </a:bodyPr>
+          <a:lstStyle/>
+          <a:p>
+            <a:pPr algn="ctr"/>
+            <a:r>
+              <a:rPr lang="en-US" sz="1600" b="1" dirty="0">
+                <a:solidFill>
+                  <a:srgbClr val="FF0000"/>
+                </a:solidFill>
+              </a:rPr>
+              <a:t>&lt;my-event-form&gt;</a:t>
+            </a:r>
+          </a:p>
+        </p:txBody>
+      </p:sp>
+      <p:sp>
+        <p:nvSpPr>
+          <p:cNvPr id="42" name="TextBox 41">
+            <a:extLst>
+              <a:ext uri="{FF2B5EF4-FFF2-40B4-BE49-F238E27FC236}">
+                <a16:creationId xmlns:a16="http://schemas.microsoft.com/office/drawing/2014/main" id="{224FA539-0218-4AE8-B200-E46D3080E272}"/>
+              </a:ext>
+            </a:extLst>
+          </p:cNvPr>
+          <p:cNvSpPr txBox="1"/>
+          <p:nvPr/>
+        </p:nvSpPr>
+        <p:spPr>
+          <a:xfrm>
+            <a:off x="195712" y="2996583"/>
+            <a:ext cx="1903725" cy="338554"/>
+          </a:xfrm>
+          <a:prstGeom prst="rect">
+            <a:avLst/>
+          </a:prstGeom>
+          <a:noFill/>
+        </p:spPr>
+        <p:txBody>
+          <a:bodyPr wrap="square" rtlCol="0">
+            <a:spAutoFit/>
+          </a:bodyPr>
+          <a:lstStyle/>
+          <a:p>
+            <a:r>
+              <a:rPr lang="en-US" sz="1600" dirty="0"/>
+              <a:t>my-event-info[]</a:t>
+            </a:r>
+          </a:p>
+        </p:txBody>
+      </p:sp>
+      <p:sp>
+        <p:nvSpPr>
+          <p:cNvPr id="43" name="TextBox 42">
+            <a:extLst>
+              <a:ext uri="{FF2B5EF4-FFF2-40B4-BE49-F238E27FC236}">
+                <a16:creationId xmlns:a16="http://schemas.microsoft.com/office/drawing/2014/main" id="{AAFD11AF-EC40-4BF5-89F0-06C2A3F64A4E}"/>
+              </a:ext>
+            </a:extLst>
+          </p:cNvPr>
+          <p:cNvSpPr txBox="1"/>
+          <p:nvPr/>
+        </p:nvSpPr>
+        <p:spPr>
+          <a:xfrm>
+            <a:off x="3224865" y="2996583"/>
+            <a:ext cx="1903725" cy="338554"/>
+          </a:xfrm>
+          <a:prstGeom prst="rect">
+            <a:avLst/>
+          </a:prstGeom>
+          <a:noFill/>
+        </p:spPr>
+        <p:txBody>
+          <a:bodyPr wrap="square" rtlCol="0">
+            <a:spAutoFit/>
+          </a:bodyPr>
+          <a:lstStyle/>
+          <a:p>
+            <a:r>
+              <a:rPr lang="en-US" sz="1600" dirty="0"/>
+              <a:t>my-event-info[]</a:t>
+            </a:r>
+          </a:p>
+        </p:txBody>
+      </p:sp>
+      <p:sp>
+        <p:nvSpPr>
+          <p:cNvPr id="44" name="TextBox 43">
+            <a:extLst>
+              <a:ext uri="{FF2B5EF4-FFF2-40B4-BE49-F238E27FC236}">
+                <a16:creationId xmlns:a16="http://schemas.microsoft.com/office/drawing/2014/main" id="{692A03FA-142D-4FD9-863D-233C5CE83D91}"/>
+              </a:ext>
+            </a:extLst>
+          </p:cNvPr>
+          <p:cNvSpPr txBox="1"/>
+          <p:nvPr/>
+        </p:nvSpPr>
+        <p:spPr>
+          <a:xfrm>
+            <a:off x="128803" y="4991744"/>
+            <a:ext cx="1903725" cy="338554"/>
+          </a:xfrm>
+          <a:prstGeom prst="rect">
+            <a:avLst/>
+          </a:prstGeom>
+          <a:noFill/>
+        </p:spPr>
+        <p:txBody>
+          <a:bodyPr wrap="square" rtlCol="0">
+            <a:spAutoFit/>
+          </a:bodyPr>
+          <a:lstStyle/>
+          <a:p>
+            <a:r>
+              <a:rPr lang="en-US" sz="1600" dirty="0"/>
+              <a:t>my-event-info[]</a:t>
+            </a:r>
+          </a:p>
+        </p:txBody>
+      </p:sp>
+      <p:sp>
+        <p:nvSpPr>
+          <p:cNvPr id="45" name="TextBox 44">
+            <a:extLst>
+              <a:ext uri="{FF2B5EF4-FFF2-40B4-BE49-F238E27FC236}">
+                <a16:creationId xmlns:a16="http://schemas.microsoft.com/office/drawing/2014/main" id="{842B23ED-FF59-4F7C-B4C3-7817223A0445}"/>
+              </a:ext>
+            </a:extLst>
+          </p:cNvPr>
+          <p:cNvSpPr txBox="1"/>
+          <p:nvPr/>
+        </p:nvSpPr>
+        <p:spPr>
+          <a:xfrm>
+            <a:off x="3177952" y="5023280"/>
+            <a:ext cx="1903725" cy="338554"/>
+          </a:xfrm>
+          <a:prstGeom prst="rect">
+            <a:avLst/>
+          </a:prstGeom>
+          <a:noFill/>
+        </p:spPr>
+        <p:txBody>
+          <a:bodyPr wrap="square" rtlCol="0">
+            <a:spAutoFit/>
+          </a:bodyPr>
+          <a:lstStyle/>
+          <a:p>
+            <a:r>
+              <a:rPr lang="en-US" sz="1600" dirty="0"/>
+              <a:t>my-event-info[]</a:t>
+            </a:r>
+          </a:p>
+        </p:txBody>
+      </p:sp>
+      <p:sp>
+        <p:nvSpPr>
+          <p:cNvPr id="2" name="Arrow: Right 1">
+            <a:extLst>
+              <a:ext uri="{FF2B5EF4-FFF2-40B4-BE49-F238E27FC236}">
+                <a16:creationId xmlns:a16="http://schemas.microsoft.com/office/drawing/2014/main" id="{4345D9D4-0456-4405-B72A-37809DF4D3F9}"/>
+              </a:ext>
+            </a:extLst>
+          </p:cNvPr>
+          <p:cNvSpPr/>
+          <p:nvPr/>
+        </p:nvSpPr>
+        <p:spPr>
+          <a:xfrm>
+            <a:off x="2099437" y="2781533"/>
+            <a:ext cx="804822" cy="458363"/>
           </a:xfrm>
           <a:prstGeom prst="rightArrow">
             <a:avLst/>
           </a:prstGeom>
           <a:solidFill>
-            <a:srgbClr val="FF0000"/>
+            <a:schemeClr val="accent6"/>
           </a:solidFill>
+          <a:ln>
+            <a:solidFill>
+              <a:schemeClr val="accent6"/>
+            </a:solidFill>
+          </a:ln>
         </p:spPr>
         <p:style>
           <a:lnRef idx="2">
@@ -4074,171 +6709,113 @@
           </a:fontRef>
         </p:style>
         <p:txBody>
-          <a:bodyPr rot="0" spcFirstLastPara="0" vertOverflow="overflow" horzOverflow="overflow" vert="horz" wrap="square" lIns="69681" tIns="34840" rIns="69681" bIns="34840" numCol="1" spcCol="0" rtlCol="0" fromWordArt="0" anchor="ctr" anchorCtr="0" forceAA="0" compatLnSpc="1">
-            <a:prstTxWarp prst="textNoShape">
-              <a:avLst/>
-            </a:prstTxWarp>
-            <a:noAutofit/>
-          </a:bodyPr>
+          <a:bodyPr rtlCol="0" anchor="ctr"/>
           <a:lstStyle/>
           <a:p>
             <a:pPr algn="ctr"/>
-            <a:endParaRPr lang="en-US" sz="1372"/>
-          </a:p>
-        </p:txBody>
-      </p:sp>
-      <p:sp>
-        <p:nvSpPr>
-          <p:cNvPr id="27" name="TextBox 26"/>
+            <a:endParaRPr lang="en-US"/>
+          </a:p>
+        </p:txBody>
+      </p:sp>
+      <p:sp>
+        <p:nvSpPr>
+          <p:cNvPr id="46" name="TextBox 45">
+            <a:extLst>
+              <a:ext uri="{FF2B5EF4-FFF2-40B4-BE49-F238E27FC236}">
+                <a16:creationId xmlns:a16="http://schemas.microsoft.com/office/drawing/2014/main" id="{A0A8692C-E733-460E-A30A-D4EF0185416D}"/>
+              </a:ext>
+            </a:extLst>
+          </p:cNvPr>
           <p:cNvSpPr txBox="1"/>
           <p:nvPr/>
         </p:nvSpPr>
         <p:spPr>
           <a:xfrm>
-            <a:off x="2523616" y="5336639"/>
-            <a:ext cx="701474" cy="303481"/>
-          </a:xfrm>
-          <a:prstGeom prst="rect">
-            <a:avLst/>
-          </a:prstGeom>
-          <a:noFill/>
-        </p:spPr>
-        <p:txBody>
-          <a:bodyPr wrap="none" rtlCol="0">
+            <a:off x="2034319" y="2487076"/>
+            <a:ext cx="1129379" cy="338554"/>
+          </a:xfrm>
+          <a:prstGeom prst="rect">
+            <a:avLst/>
+          </a:prstGeom>
+          <a:noFill/>
+        </p:spPr>
+        <p:txBody>
+          <a:bodyPr wrap="square" rtlCol="0">
             <a:spAutoFit/>
           </a:bodyPr>
           <a:lstStyle/>
           <a:p>
             <a:r>
-              <a:rPr lang="en-US" sz="1372" dirty="0" err="1" smtClean="0"/>
-              <a:t>valided</a:t>
-            </a:r>
-            <a:endParaRPr lang="en-US" sz="1372" dirty="0"/>
-          </a:p>
-        </p:txBody>
-      </p:sp>
-      <p:sp>
-        <p:nvSpPr>
-          <p:cNvPr id="28" name="TextBox 27"/>
-          <p:cNvSpPr txBox="1"/>
-          <p:nvPr/>
-        </p:nvSpPr>
-        <p:spPr>
-          <a:xfrm>
-            <a:off x="2574806" y="4621286"/>
-            <a:ext cx="558166" cy="303481"/>
-          </a:xfrm>
-          <a:prstGeom prst="rect">
-            <a:avLst/>
-          </a:prstGeom>
-          <a:noFill/>
-        </p:spPr>
-        <p:txBody>
-          <a:bodyPr wrap="none" rtlCol="0">
-            <a:spAutoFit/>
-          </a:bodyPr>
-          <a:lstStyle/>
-          <a:p>
-            <a:r>
-              <a:rPr lang="en-US" sz="1372" b="1" dirty="0" smtClean="0">
+              <a:rPr lang="en-US" sz="1600" b="1" dirty="0">
                 <a:solidFill>
-                  <a:srgbClr val="FF0000"/>
+                  <a:schemeClr val="accent6">
+                    <a:lumMod val="75000"/>
+                  </a:schemeClr>
                 </a:solidFill>
               </a:rPr>
-              <a:t>EMIT</a:t>
-            </a:r>
-            <a:endParaRPr lang="en-US" sz="1372" b="1" dirty="0">
-              <a:solidFill>
-                <a:srgbClr val="FF0000"/>
-              </a:solidFill>
-            </a:endParaRPr>
-          </a:p>
-        </p:txBody>
-      </p:sp>
-      <p:cxnSp>
-        <p:nvCxnSpPr>
-          <p:cNvPr id="30" name="Straight Connector 29"/>
-          <p:cNvCxnSpPr/>
-          <p:nvPr/>
-        </p:nvCxnSpPr>
-        <p:spPr>
-          <a:xfrm>
-            <a:off x="5733143" y="0"/>
-            <a:ext cx="29028" cy="6858000"/>
-          </a:xfrm>
-          <a:prstGeom prst="line">
-            <a:avLst/>
-          </a:prstGeom>
-        </p:spPr>
-        <p:style>
-          <a:lnRef idx="1">
-            <a:schemeClr val="accent1"/>
-          </a:lnRef>
-          <a:fillRef idx="0">
-            <a:schemeClr val="accent1"/>
-          </a:fillRef>
-          <a:effectRef idx="0">
-            <a:schemeClr val="accent1"/>
-          </a:effectRef>
-          <a:fontRef idx="minor">
-            <a:schemeClr val="tx1"/>
-          </a:fontRef>
-        </p:style>
-      </p:cxnSp>
-      <p:sp>
-        <p:nvSpPr>
-          <p:cNvPr id="31" name="TextBox 30"/>
+              <a:t>PROPS</a:t>
+            </a:r>
+          </a:p>
+        </p:txBody>
+      </p:sp>
+      <p:sp>
+        <p:nvSpPr>
+          <p:cNvPr id="47" name="TextBox 46">
+            <a:extLst>
+              <a:ext uri="{FF2B5EF4-FFF2-40B4-BE49-F238E27FC236}">
+                <a16:creationId xmlns:a16="http://schemas.microsoft.com/office/drawing/2014/main" id="{CE56E51E-54C4-490B-801F-BDC8FFABA4B9}"/>
+              </a:ext>
+            </a:extLst>
+          </p:cNvPr>
           <p:cNvSpPr txBox="1"/>
           <p:nvPr/>
         </p:nvSpPr>
         <p:spPr>
           <a:xfrm>
-            <a:off x="6720447" y="481416"/>
-            <a:ext cx="639919" cy="303481"/>
-          </a:xfrm>
-          <a:prstGeom prst="rect">
-            <a:avLst/>
-          </a:prstGeom>
-          <a:noFill/>
-        </p:spPr>
-        <p:txBody>
-          <a:bodyPr wrap="none" rtlCol="0">
+            <a:off x="2060625" y="3167536"/>
+            <a:ext cx="1025265" cy="338554"/>
+          </a:xfrm>
+          <a:prstGeom prst="rect">
+            <a:avLst/>
+          </a:prstGeom>
+          <a:noFill/>
+        </p:spPr>
+        <p:txBody>
+          <a:bodyPr wrap="square" rtlCol="0">
             <a:spAutoFit/>
           </a:bodyPr>
           <a:lstStyle/>
           <a:p>
             <a:r>
-              <a:rPr lang="en-US" sz="1372" b="1" i="1" dirty="0">
-                <a:solidFill>
-                  <a:srgbClr val="FF0000"/>
-                </a:solidFill>
-              </a:rPr>
-              <a:t>&lt;app&gt;</a:t>
-            </a:r>
-          </a:p>
-        </p:txBody>
-      </p:sp>
-      <p:sp>
-        <p:nvSpPr>
-          <p:cNvPr id="32" name="Rounded Rectangle 31"/>
+              <a:rPr lang="en-US" sz="1600" dirty="0"/>
+              <a:t>my-event</a:t>
+            </a:r>
+          </a:p>
+        </p:txBody>
+      </p:sp>
+      <p:sp>
+        <p:nvSpPr>
+          <p:cNvPr id="3" name="Arrow: Left 2">
+            <a:extLst>
+              <a:ext uri="{FF2B5EF4-FFF2-40B4-BE49-F238E27FC236}">
+                <a16:creationId xmlns:a16="http://schemas.microsoft.com/office/drawing/2014/main" id="{074BAD7D-D9AB-4E80-AF23-06A919FE506A}"/>
+              </a:ext>
+            </a:extLst>
+          </p:cNvPr>
           <p:cNvSpPr/>
           <p:nvPr/>
         </p:nvSpPr>
         <p:spPr>
           <a:xfrm>
-            <a:off x="6234390" y="310835"/>
-            <a:ext cx="1650319" cy="1166483"/>
-          </a:xfrm>
-          <a:prstGeom prst="roundRect">
-            <a:avLst/>
-          </a:prstGeom>
-          <a:noFill/>
-          <a:ln>
-            <a:solidFill>
-              <a:srgbClr val="FF0000"/>
-            </a:solidFill>
-            <a:prstDash val="lgDash"/>
-          </a:ln>
+            <a:off x="2171614" y="4845585"/>
+            <a:ext cx="901122" cy="446490"/>
+          </a:xfrm>
+          <a:prstGeom prst="leftArrow">
+            <a:avLst/>
+          </a:prstGeom>
+          <a:solidFill>
+            <a:srgbClr val="FF0000"/>
+          </a:solidFill>
         </p:spPr>
         <p:style>
           <a:lnRef idx="2">
@@ -4261,81 +6838,361 @@
           <a:lstStyle/>
           <a:p>
             <a:pPr algn="ctr"/>
-            <a:endParaRPr lang="en-US" sz="1372"/>
-          </a:p>
-        </p:txBody>
-      </p:sp>
-      <p:sp>
-        <p:nvSpPr>
-          <p:cNvPr id="33" name="TextBox 32"/>
+            <a:endParaRPr lang="en-US"/>
+          </a:p>
+        </p:txBody>
+      </p:sp>
+      <p:sp>
+        <p:nvSpPr>
+          <p:cNvPr id="48" name="TextBox 47">
+            <a:extLst>
+              <a:ext uri="{FF2B5EF4-FFF2-40B4-BE49-F238E27FC236}">
+                <a16:creationId xmlns:a16="http://schemas.microsoft.com/office/drawing/2014/main" id="{CACF3EAF-F9DC-47F5-A265-9FE6E9E71913}"/>
+              </a:ext>
+            </a:extLst>
+          </p:cNvPr>
           <p:cNvSpPr txBox="1"/>
           <p:nvPr/>
         </p:nvSpPr>
         <p:spPr>
           <a:xfrm>
-            <a:off x="6596120" y="894076"/>
-            <a:ext cx="926857" cy="303481"/>
-          </a:xfrm>
-          <a:prstGeom prst="rect">
-            <a:avLst/>
-          </a:prstGeom>
-          <a:noFill/>
-        </p:spPr>
-        <p:txBody>
-          <a:bodyPr wrap="none" rtlCol="0">
+            <a:off x="2269826" y="4553061"/>
+            <a:ext cx="1129379" cy="338554"/>
+          </a:xfrm>
+          <a:prstGeom prst="rect">
+            <a:avLst/>
+          </a:prstGeom>
+          <a:noFill/>
+        </p:spPr>
+        <p:txBody>
+          <a:bodyPr wrap="square" rtlCol="0">
             <a:spAutoFit/>
           </a:bodyPr>
           <a:lstStyle/>
           <a:p>
             <a:r>
-              <a:rPr lang="en-US" sz="1372" dirty="0" smtClean="0"/>
-              <a:t>Students[]</a:t>
-            </a:r>
-            <a:endParaRPr lang="en-US" sz="1372" dirty="0"/>
-          </a:p>
-        </p:txBody>
-      </p:sp>
-      <p:sp>
-        <p:nvSpPr>
-          <p:cNvPr id="34" name="TextBox 33"/>
-          <p:cNvSpPr txBox="1"/>
-          <p:nvPr/>
-        </p:nvSpPr>
-        <p:spPr>
-          <a:xfrm>
-            <a:off x="6234390" y="1613780"/>
-            <a:ext cx="2858411" cy="303481"/>
-          </a:xfrm>
-          <a:prstGeom prst="rect">
-            <a:avLst/>
-          </a:prstGeom>
-          <a:noFill/>
-        </p:spPr>
-        <p:txBody>
-          <a:bodyPr wrap="none" rtlCol="0">
-            <a:spAutoFit/>
-          </a:bodyPr>
-          <a:lstStyle/>
-          <a:p>
-            <a:r>
-              <a:rPr lang="en-US" sz="1372" dirty="0" smtClean="0"/>
-              <a:t>// </a:t>
-            </a:r>
-            <a:r>
-              <a:rPr lang="en-US" sz="1372" dirty="0" smtClean="0">
+              <a:rPr lang="en-US" sz="1600" b="1" dirty="0">
                 <a:solidFill>
                   <a:srgbClr val="FF0000"/>
                 </a:solidFill>
               </a:rPr>
-              <a:t>app</a:t>
-            </a:r>
-            <a:r>
-              <a:rPr lang="en-US" sz="1372" dirty="0" smtClean="0"/>
-              <a:t>  provides students to anymore</a:t>
-            </a:r>
-            <a:endParaRPr lang="en-US" sz="1372" dirty="0">
+              <a:t>EMITS</a:t>
+            </a:r>
+          </a:p>
+        </p:txBody>
+      </p:sp>
+      <p:sp>
+        <p:nvSpPr>
+          <p:cNvPr id="49" name="TextBox 48">
+            <a:extLst>
+              <a:ext uri="{FF2B5EF4-FFF2-40B4-BE49-F238E27FC236}">
+                <a16:creationId xmlns:a16="http://schemas.microsoft.com/office/drawing/2014/main" id="{1E0CC792-4CA6-4322-A1EB-49BF932741AC}"/>
+              </a:ext>
+            </a:extLst>
+          </p:cNvPr>
+          <p:cNvSpPr txBox="1"/>
+          <p:nvPr/>
+        </p:nvSpPr>
+        <p:spPr>
+          <a:xfrm>
+            <a:off x="2138433" y="5184139"/>
+            <a:ext cx="1025265" cy="338554"/>
+          </a:xfrm>
+          <a:prstGeom prst="rect">
+            <a:avLst/>
+          </a:prstGeom>
+          <a:noFill/>
+        </p:spPr>
+        <p:txBody>
+          <a:bodyPr wrap="square" rtlCol="0">
+            <a:spAutoFit/>
+          </a:bodyPr>
+          <a:lstStyle/>
+          <a:p>
+            <a:r>
+              <a:rPr lang="en-US" sz="1600" dirty="0"/>
+              <a:t>validated</a:t>
+            </a:r>
+          </a:p>
+        </p:txBody>
+      </p:sp>
+      <p:sp>
+        <p:nvSpPr>
+          <p:cNvPr id="50" name="TextBox 49">
+            <a:extLst>
+              <a:ext uri="{FF2B5EF4-FFF2-40B4-BE49-F238E27FC236}">
+                <a16:creationId xmlns:a16="http://schemas.microsoft.com/office/drawing/2014/main" id="{4C0136D8-1CC7-438A-959E-0A9CCF547541}"/>
+              </a:ext>
+            </a:extLst>
+          </p:cNvPr>
+          <p:cNvSpPr txBox="1"/>
+          <p:nvPr/>
+        </p:nvSpPr>
+        <p:spPr>
+          <a:xfrm>
+            <a:off x="195712" y="5883965"/>
+            <a:ext cx="4637714" cy="369332"/>
+          </a:xfrm>
+          <a:prstGeom prst="rect">
+            <a:avLst/>
+          </a:prstGeom>
+          <a:noFill/>
+        </p:spPr>
+        <p:txBody>
+          <a:bodyPr wrap="square" rtlCol="0">
+            <a:spAutoFit/>
+          </a:bodyPr>
+          <a:lstStyle/>
+          <a:p>
+            <a:r>
+              <a:rPr lang="en-US" dirty="0"/>
+              <a:t>// </a:t>
+            </a:r>
+            <a:r>
+              <a:rPr lang="en-US" dirty="0">
+                <a:solidFill>
+                  <a:srgbClr val="FF0000"/>
+                </a:solidFill>
+              </a:rPr>
+              <a:t>form</a:t>
+            </a:r>
+            <a:r>
+              <a:rPr lang="en-US" dirty="0"/>
+              <a:t> send the event validated to </a:t>
+            </a:r>
+            <a:r>
+              <a:rPr lang="en-US" dirty="0">
+                <a:solidFill>
+                  <a:srgbClr val="FF0000"/>
+                </a:solidFill>
+              </a:rPr>
+              <a:t>parent</a:t>
+            </a:r>
+          </a:p>
+        </p:txBody>
+      </p:sp>
+      <p:sp>
+        <p:nvSpPr>
+          <p:cNvPr id="51" name="TextBox 50">
+            <a:extLst>
+              <a:ext uri="{FF2B5EF4-FFF2-40B4-BE49-F238E27FC236}">
+                <a16:creationId xmlns:a16="http://schemas.microsoft.com/office/drawing/2014/main" id="{7F828876-0E88-4442-AF2E-B255465F6AD1}"/>
+              </a:ext>
+            </a:extLst>
+          </p:cNvPr>
+          <p:cNvSpPr txBox="1"/>
+          <p:nvPr/>
+        </p:nvSpPr>
+        <p:spPr>
+          <a:xfrm>
+            <a:off x="6261660" y="766656"/>
+            <a:ext cx="1903725" cy="338554"/>
+          </a:xfrm>
+          <a:prstGeom prst="rect">
+            <a:avLst/>
+          </a:prstGeom>
+          <a:noFill/>
+        </p:spPr>
+        <p:txBody>
+          <a:bodyPr wrap="square" rtlCol="0">
+            <a:spAutoFit/>
+          </a:bodyPr>
+          <a:lstStyle/>
+          <a:p>
+            <a:r>
+              <a:rPr lang="en-US" sz="1600" dirty="0"/>
+              <a:t>my-event-info[]</a:t>
+            </a:r>
+          </a:p>
+        </p:txBody>
+      </p:sp>
+      <p:sp>
+        <p:nvSpPr>
+          <p:cNvPr id="52" name="TextBox 51">
+            <a:extLst>
+              <a:ext uri="{FF2B5EF4-FFF2-40B4-BE49-F238E27FC236}">
+                <a16:creationId xmlns:a16="http://schemas.microsoft.com/office/drawing/2014/main" id="{1B1382C8-7750-43A6-91A8-68E429923F4A}"/>
+              </a:ext>
+            </a:extLst>
+          </p:cNvPr>
+          <p:cNvSpPr txBox="1"/>
+          <p:nvPr/>
+        </p:nvSpPr>
+        <p:spPr>
+          <a:xfrm>
+            <a:off x="8156061" y="886037"/>
+            <a:ext cx="1903725" cy="338554"/>
+          </a:xfrm>
+          <a:prstGeom prst="rect">
+            <a:avLst/>
+          </a:prstGeom>
+          <a:noFill/>
+        </p:spPr>
+        <p:txBody>
+          <a:bodyPr wrap="square" rtlCol="0">
+            <a:spAutoFit/>
+          </a:bodyPr>
+          <a:lstStyle/>
+          <a:p>
+            <a:r>
+              <a:rPr lang="en-US" sz="1600" dirty="0"/>
+              <a:t>my-event-info[]</a:t>
+            </a:r>
+          </a:p>
+        </p:txBody>
+      </p:sp>
+      <p:sp>
+        <p:nvSpPr>
+          <p:cNvPr id="56" name="TextBox 55">
+            <a:extLst>
+              <a:ext uri="{FF2B5EF4-FFF2-40B4-BE49-F238E27FC236}">
+                <a16:creationId xmlns:a16="http://schemas.microsoft.com/office/drawing/2014/main" id="{044279C8-6E13-459F-9843-CCFFBF048DE4}"/>
+              </a:ext>
+            </a:extLst>
+          </p:cNvPr>
+          <p:cNvSpPr txBox="1"/>
+          <p:nvPr/>
+        </p:nvSpPr>
+        <p:spPr>
+          <a:xfrm>
+            <a:off x="8333577" y="2541918"/>
+            <a:ext cx="1903725" cy="338554"/>
+          </a:xfrm>
+          <a:prstGeom prst="rect">
+            <a:avLst/>
+          </a:prstGeom>
+          <a:noFill/>
+        </p:spPr>
+        <p:txBody>
+          <a:bodyPr wrap="square" rtlCol="0">
+            <a:spAutoFit/>
+          </a:bodyPr>
+          <a:lstStyle/>
+          <a:p>
+            <a:r>
+              <a:rPr lang="en-US" sz="1600" dirty="0"/>
+              <a:t>my-event-info[]</a:t>
+            </a:r>
+          </a:p>
+        </p:txBody>
+      </p:sp>
+      <p:sp>
+        <p:nvSpPr>
+          <p:cNvPr id="57" name="TextBox 56">
+            <a:extLst>
+              <a:ext uri="{FF2B5EF4-FFF2-40B4-BE49-F238E27FC236}">
+                <a16:creationId xmlns:a16="http://schemas.microsoft.com/office/drawing/2014/main" id="{BAB94BFB-9EF6-4FD9-97FD-73ADF006740D}"/>
+              </a:ext>
+            </a:extLst>
+          </p:cNvPr>
+          <p:cNvSpPr txBox="1"/>
+          <p:nvPr/>
+        </p:nvSpPr>
+        <p:spPr>
+          <a:xfrm>
+            <a:off x="9956231" y="2370415"/>
+            <a:ext cx="1903725" cy="338554"/>
+          </a:xfrm>
+          <a:prstGeom prst="rect">
+            <a:avLst/>
+          </a:prstGeom>
+          <a:noFill/>
+        </p:spPr>
+        <p:txBody>
+          <a:bodyPr wrap="square" rtlCol="0">
+            <a:spAutoFit/>
+          </a:bodyPr>
+          <a:lstStyle/>
+          <a:p>
+            <a:r>
+              <a:rPr lang="en-US" sz="1600" dirty="0"/>
+              <a:t>my-event-info[]</a:t>
+            </a:r>
+          </a:p>
+        </p:txBody>
+      </p:sp>
+    </p:spTree>
+    <p:extLst>
+      <p:ext uri="{BB962C8B-B14F-4D97-AF65-F5344CB8AC3E}">
+        <p14:creationId xmlns:p14="http://schemas.microsoft.com/office/powerpoint/2010/main" val="2254595159"/>
+      </p:ext>
+    </p:extLst>
+  </p:cSld>
+  <p:clrMapOvr>
+    <a:masterClrMapping/>
+  </p:clrMapOvr>
+</p:sld>
+</file>
+
+<file path=ppt/slides/slide4.xml><?xml version="1.0" encoding="utf-8"?>
+<p:sld xmlns:a="http://schemas.openxmlformats.org/drawingml/2006/main" xmlns:r="http://schemas.openxmlformats.org/officeDocument/2006/relationships" xmlns:p="http://schemas.openxmlformats.org/presentationml/2006/main">
+  <p:cSld>
+    <p:spTree>
+      <p:nvGrpSpPr>
+        <p:cNvPr id="1" name=""/>
+        <p:cNvGrpSpPr/>
+        <p:nvPr/>
+      </p:nvGrpSpPr>
+      <p:grpSpPr>
+        <a:xfrm>
+          <a:off x="0" y="0"/>
+          <a:ext cx="0" cy="0"/>
+          <a:chOff x="0" y="0"/>
+          <a:chExt cx="0" cy="0"/>
+        </a:xfrm>
+      </p:grpSpPr>
+      <p:sp>
+        <p:nvSpPr>
+          <p:cNvPr id="4" name="Rectangle: Rounded Corners 3">
+            <a:extLst>
+              <a:ext uri="{FF2B5EF4-FFF2-40B4-BE49-F238E27FC236}">
+                <a16:creationId xmlns:a16="http://schemas.microsoft.com/office/drawing/2014/main" id="{F935ACBB-D1B1-4181-ACC6-524C469439A0}"/>
+              </a:ext>
+            </a:extLst>
+          </p:cNvPr>
+          <p:cNvSpPr/>
+          <p:nvPr/>
+        </p:nvSpPr>
+        <p:spPr>
+          <a:xfrm>
+            <a:off x="6267451" y="398137"/>
+            <a:ext cx="1964366" cy="853846"/>
+          </a:xfrm>
+          <a:prstGeom prst="roundRect">
+            <a:avLst/>
+          </a:prstGeom>
+          <a:noFill/>
+          <a:ln w="19050">
+            <a:solidFill>
+              <a:schemeClr val="accent6">
+                <a:lumMod val="75000"/>
+              </a:schemeClr>
+            </a:solidFill>
+            <a:prstDash val="dash"/>
+          </a:ln>
+        </p:spPr>
+        <p:style>
+          <a:lnRef idx="2">
+            <a:schemeClr val="dk1"/>
+          </a:lnRef>
+          <a:fillRef idx="1">
+            <a:schemeClr val="lt1"/>
+          </a:fillRef>
+          <a:effectRef idx="0">
+            <a:schemeClr val="dk1"/>
+          </a:effectRef>
+          <a:fontRef idx="minor">
+            <a:schemeClr val="dk1"/>
+          </a:fontRef>
+        </p:style>
+        <p:txBody>
+          <a:bodyPr rtlCol="0" anchor="ctr"/>
+          <a:lstStyle/>
+          <a:p>
+            <a:pPr algn="ctr"/>
+            <a:endParaRPr lang="en-US" dirty="0">
               <a:solidFill>
-                <a:srgbClr val="FF0000"/>
+                <a:srgbClr val="00B050"/>
               </a:solidFill>
             </a:endParaRPr>
           </a:p>
@@ -4343,25 +7200,66 @@
       </p:sp>
       <p:sp>
         <p:nvSpPr>
-          <p:cNvPr id="35" name="Rounded Rectangle 34"/>
+          <p:cNvPr id="5" name="TextBox 4">
+            <a:extLst>
+              <a:ext uri="{FF2B5EF4-FFF2-40B4-BE49-F238E27FC236}">
+                <a16:creationId xmlns:a16="http://schemas.microsoft.com/office/drawing/2014/main" id="{C4E1D9FF-D502-4B0A-80D5-C06C9F0292E2}"/>
+              </a:ext>
+            </a:extLst>
+          </p:cNvPr>
+          <p:cNvSpPr txBox="1"/>
+          <p:nvPr/>
+        </p:nvSpPr>
+        <p:spPr>
+          <a:xfrm>
+            <a:off x="6756385" y="481724"/>
+            <a:ext cx="760218" cy="338554"/>
+          </a:xfrm>
+          <a:prstGeom prst="rect">
+            <a:avLst/>
+          </a:prstGeom>
+          <a:noFill/>
+        </p:spPr>
+        <p:txBody>
+          <a:bodyPr wrap="square" rtlCol="0">
+            <a:spAutoFit/>
+          </a:bodyPr>
+          <a:lstStyle/>
+          <a:p>
+            <a:r>
+              <a:rPr lang="en-US" sz="1600" b="1" dirty="0">
+                <a:solidFill>
+                  <a:srgbClr val="FF0000"/>
+                </a:solidFill>
+              </a:rPr>
+              <a:t>&lt;app&gt;</a:t>
+            </a:r>
+          </a:p>
+        </p:txBody>
+      </p:sp>
+      <p:sp>
+        <p:nvSpPr>
+          <p:cNvPr id="6" name="Arrow: Right 5">
+            <a:extLst>
+              <a:ext uri="{FF2B5EF4-FFF2-40B4-BE49-F238E27FC236}">
+                <a16:creationId xmlns:a16="http://schemas.microsoft.com/office/drawing/2014/main" id="{6224299E-2D28-4F89-B255-EFF93B22DAE6}"/>
+              </a:ext>
+            </a:extLst>
+          </p:cNvPr>
           <p:cNvSpPr/>
           <p:nvPr/>
         </p:nvSpPr>
         <p:spPr>
           <a:xfrm>
-            <a:off x="9792269" y="2129025"/>
-            <a:ext cx="1650319" cy="1166483"/>
-          </a:xfrm>
-          <a:prstGeom prst="roundRect">
-            <a:avLst/>
-          </a:prstGeom>
-          <a:noFill/>
-          <a:ln>
-            <a:solidFill>
-              <a:srgbClr val="FF0000"/>
-            </a:solidFill>
-            <a:prstDash val="lgDash"/>
-          </a:ln>
+            <a:off x="8239202" y="709656"/>
+            <a:ext cx="715215" cy="264105"/>
+          </a:xfrm>
+          <a:prstGeom prst="rightArrow">
+            <a:avLst/>
+          </a:prstGeom>
+          <a:solidFill>
+            <a:srgbClr val="FFFF00"/>
+          </a:solidFill>
         </p:spPr>
         <p:style>
           <a:lnRef idx="2">
@@ -4384,88 +7282,199 @@
           <a:lstStyle/>
           <a:p>
             <a:pPr algn="ctr"/>
-            <a:endParaRPr lang="en-US" sz="1372"/>
-          </a:p>
-        </p:txBody>
-      </p:sp>
-      <p:sp>
-        <p:nvSpPr>
-          <p:cNvPr id="36" name="TextBox 35"/>
+            <a:endParaRPr lang="en-US"/>
+          </a:p>
+        </p:txBody>
+      </p:sp>
+      <p:sp>
+        <p:nvSpPr>
+          <p:cNvPr id="7" name="TextBox 6">
+            <a:extLst>
+              <a:ext uri="{FF2B5EF4-FFF2-40B4-BE49-F238E27FC236}">
+                <a16:creationId xmlns:a16="http://schemas.microsoft.com/office/drawing/2014/main" id="{D53A29C6-1EFD-471E-A601-DA0390C59235}"/>
+              </a:ext>
+            </a:extLst>
+          </p:cNvPr>
           <p:cNvSpPr txBox="1"/>
           <p:nvPr/>
         </p:nvSpPr>
         <p:spPr>
           <a:xfrm>
-            <a:off x="10153999" y="2712266"/>
-            <a:ext cx="926857" cy="303481"/>
-          </a:xfrm>
-          <a:prstGeom prst="rect">
-            <a:avLst/>
-          </a:prstGeom>
-          <a:noFill/>
-        </p:spPr>
-        <p:txBody>
-          <a:bodyPr wrap="none" rtlCol="0">
+            <a:off x="8156061" y="391086"/>
+            <a:ext cx="1129379" cy="338554"/>
+          </a:xfrm>
+          <a:prstGeom prst="rect">
+            <a:avLst/>
+          </a:prstGeom>
+          <a:noFill/>
+        </p:spPr>
+        <p:txBody>
+          <a:bodyPr wrap="square" rtlCol="0">
             <a:spAutoFit/>
           </a:bodyPr>
           <a:lstStyle/>
           <a:p>
             <a:r>
-              <a:rPr lang="en-US" sz="1372" dirty="0" smtClean="0"/>
-              <a:t>Students[]</a:t>
-            </a:r>
-            <a:endParaRPr lang="en-US" sz="1372" dirty="0"/>
-          </a:p>
-        </p:txBody>
-      </p:sp>
-      <p:sp>
-        <p:nvSpPr>
-          <p:cNvPr id="40" name="TextBox 39"/>
+              <a:rPr lang="en-US" sz="1600" b="1" dirty="0">
+                <a:solidFill>
+                  <a:schemeClr val="accent4">
+                    <a:lumMod val="75000"/>
+                  </a:schemeClr>
+                </a:solidFill>
+              </a:rPr>
+              <a:t>PROVIDE</a:t>
+            </a:r>
+          </a:p>
+        </p:txBody>
+      </p:sp>
+      <p:cxnSp>
+        <p:nvCxnSpPr>
+          <p:cNvPr id="9" name="Straight Connector 8">
+            <a:extLst>
+              <a:ext uri="{FF2B5EF4-FFF2-40B4-BE49-F238E27FC236}">
+                <a16:creationId xmlns:a16="http://schemas.microsoft.com/office/drawing/2014/main" id="{E5F1067E-6432-494C-A9F6-A0356A32135E}"/>
+              </a:ext>
+            </a:extLst>
+          </p:cNvPr>
+          <p:cNvCxnSpPr/>
+          <p:nvPr/>
+        </p:nvCxnSpPr>
+        <p:spPr>
+          <a:xfrm>
+            <a:off x="5434219" y="0"/>
+            <a:ext cx="0" cy="6858000"/>
+          </a:xfrm>
+          <a:prstGeom prst="line">
+            <a:avLst/>
+          </a:prstGeom>
+        </p:spPr>
+        <p:style>
+          <a:lnRef idx="1">
+            <a:schemeClr val="accent1"/>
+          </a:lnRef>
+          <a:fillRef idx="0">
+            <a:schemeClr val="accent1"/>
+          </a:fillRef>
+          <a:effectRef idx="0">
+            <a:schemeClr val="accent1"/>
+          </a:effectRef>
+          <a:fontRef idx="minor">
+            <a:schemeClr val="tx1"/>
+          </a:fontRef>
+        </p:style>
+      </p:cxnSp>
+      <p:sp>
+        <p:nvSpPr>
+          <p:cNvPr id="11" name="Rectangle: Rounded Corners 10">
+            <a:extLst>
+              <a:ext uri="{FF2B5EF4-FFF2-40B4-BE49-F238E27FC236}">
+                <a16:creationId xmlns:a16="http://schemas.microsoft.com/office/drawing/2014/main" id="{0B356C56-401C-4550-809F-81C9647AFAD7}"/>
+              </a:ext>
+            </a:extLst>
+          </p:cNvPr>
+          <p:cNvSpPr/>
+          <p:nvPr/>
+        </p:nvSpPr>
+        <p:spPr>
+          <a:xfrm>
+            <a:off x="9787773" y="2063866"/>
+            <a:ext cx="1964366" cy="853846"/>
+          </a:xfrm>
+          <a:prstGeom prst="roundRect">
+            <a:avLst/>
+          </a:prstGeom>
+          <a:noFill/>
+          <a:ln w="19050">
+            <a:solidFill>
+              <a:schemeClr val="accent6">
+                <a:lumMod val="75000"/>
+              </a:schemeClr>
+            </a:solidFill>
+            <a:prstDash val="dash"/>
+          </a:ln>
+        </p:spPr>
+        <p:style>
+          <a:lnRef idx="2">
+            <a:schemeClr val="dk1"/>
+          </a:lnRef>
+          <a:fillRef idx="1">
+            <a:schemeClr val="lt1"/>
+          </a:fillRef>
+          <a:effectRef idx="0">
+            <a:schemeClr val="dk1"/>
+          </a:effectRef>
+          <a:fontRef idx="minor">
+            <a:schemeClr val="dk1"/>
+          </a:fontRef>
+        </p:style>
+        <p:txBody>
+          <a:bodyPr rtlCol="0" anchor="ctr"/>
+          <a:lstStyle/>
+          <a:p>
+            <a:pPr algn="ctr"/>
+            <a:endParaRPr lang="en-US" dirty="0">
+              <a:solidFill>
+                <a:srgbClr val="00B050"/>
+              </a:solidFill>
+            </a:endParaRPr>
+          </a:p>
+        </p:txBody>
+      </p:sp>
+      <p:sp>
+        <p:nvSpPr>
+          <p:cNvPr id="12" name="TextBox 11">
+            <a:extLst>
+              <a:ext uri="{FF2B5EF4-FFF2-40B4-BE49-F238E27FC236}">
+                <a16:creationId xmlns:a16="http://schemas.microsoft.com/office/drawing/2014/main" id="{E9DE379E-D876-4DBB-A7D9-848AF669CA2E}"/>
+              </a:ext>
+            </a:extLst>
+          </p:cNvPr>
           <p:cNvSpPr txBox="1"/>
           <p:nvPr/>
         </p:nvSpPr>
         <p:spPr>
           <a:xfrm>
-            <a:off x="10297467" y="2308056"/>
-            <a:ext cx="819455" cy="303481"/>
-          </a:xfrm>
-          <a:prstGeom prst="rect">
-            <a:avLst/>
-          </a:prstGeom>
-          <a:noFill/>
-        </p:spPr>
-        <p:txBody>
-          <a:bodyPr wrap="none" rtlCol="0">
+            <a:off x="9895590" y="2063866"/>
+            <a:ext cx="1774544" cy="338554"/>
+          </a:xfrm>
+          <a:prstGeom prst="rect">
+            <a:avLst/>
+          </a:prstGeom>
+          <a:noFill/>
+        </p:spPr>
+        <p:txBody>
+          <a:bodyPr wrap="square" rtlCol="0">
             <a:spAutoFit/>
           </a:bodyPr>
           <a:lstStyle/>
           <a:p>
             <a:r>
-              <a:rPr lang="en-US" sz="1372" b="1" i="1" dirty="0" smtClean="0">
+              <a:rPr lang="en-US" sz="1600" b="1" dirty="0">
                 <a:solidFill>
                   <a:srgbClr val="FF0000"/>
                 </a:solidFill>
               </a:rPr>
-              <a:t>&lt;dialog&gt;</a:t>
-            </a:r>
-            <a:endParaRPr lang="en-US" sz="1372" b="1" i="1" dirty="0">
-              <a:solidFill>
-                <a:srgbClr val="FF0000"/>
-              </a:solidFill>
-            </a:endParaRPr>
-          </a:p>
-        </p:txBody>
-      </p:sp>
-      <p:sp>
-        <p:nvSpPr>
-          <p:cNvPr id="41" name="Right Arrow 40"/>
+              <a:t>&lt;find-event-view&gt;</a:t>
+            </a:r>
+          </a:p>
+        </p:txBody>
+      </p:sp>
+      <p:sp>
+        <p:nvSpPr>
+          <p:cNvPr id="15" name="Arrow: Right 14">
+            <a:extLst>
+              <a:ext uri="{FF2B5EF4-FFF2-40B4-BE49-F238E27FC236}">
+                <a16:creationId xmlns:a16="http://schemas.microsoft.com/office/drawing/2014/main" id="{B0D302FF-C607-4915-AAA6-6CE85FD59BA9}"/>
+              </a:ext>
+            </a:extLst>
+          </p:cNvPr>
           <p:cNvSpPr/>
           <p:nvPr/>
         </p:nvSpPr>
         <p:spPr>
           <a:xfrm>
-            <a:off x="7846423" y="727951"/>
-            <a:ext cx="696809" cy="333683"/>
+            <a:off x="9063369" y="2324469"/>
+            <a:ext cx="715215" cy="264105"/>
           </a:xfrm>
           <a:prstGeom prst="rightArrow">
             <a:avLst/>
@@ -4491,99 +7500,737 @@
           </a:fontRef>
         </p:style>
         <p:txBody>
-          <a:bodyPr rot="0" spcFirstLastPara="0" vertOverflow="overflow" horzOverflow="overflow" vert="horz" wrap="square" lIns="69681" tIns="34840" rIns="69681" bIns="34840" numCol="1" spcCol="0" rtlCol="0" fromWordArt="0" anchor="ctr" anchorCtr="0" forceAA="0" compatLnSpc="1">
-            <a:prstTxWarp prst="textNoShape">
-              <a:avLst/>
-            </a:prstTxWarp>
-            <a:noAutofit/>
-          </a:bodyPr>
+          <a:bodyPr rtlCol="0" anchor="ctr"/>
           <a:lstStyle/>
           <a:p>
             <a:pPr algn="ctr"/>
-            <a:endParaRPr lang="en-US" sz="1372"/>
-          </a:p>
-        </p:txBody>
-      </p:sp>
-      <p:sp>
-        <p:nvSpPr>
-          <p:cNvPr id="42" name="TextBox 41"/>
+            <a:endParaRPr lang="en-US"/>
+          </a:p>
+        </p:txBody>
+      </p:sp>
+      <p:sp>
+        <p:nvSpPr>
+          <p:cNvPr id="16" name="TextBox 15">
+            <a:extLst>
+              <a:ext uri="{FF2B5EF4-FFF2-40B4-BE49-F238E27FC236}">
+                <a16:creationId xmlns:a16="http://schemas.microsoft.com/office/drawing/2014/main" id="{15842F55-9100-47E6-99B1-F76342230B42}"/>
+              </a:ext>
+            </a:extLst>
+          </p:cNvPr>
           <p:cNvSpPr txBox="1"/>
           <p:nvPr/>
         </p:nvSpPr>
         <p:spPr>
           <a:xfrm>
-            <a:off x="7837364" y="509852"/>
-            <a:ext cx="838756" cy="303481"/>
-          </a:xfrm>
-          <a:prstGeom prst="rect">
-            <a:avLst/>
-          </a:prstGeom>
-          <a:noFill/>
-        </p:spPr>
-        <p:txBody>
-          <a:bodyPr wrap="none" rtlCol="0">
+            <a:off x="9054180" y="2008479"/>
+            <a:ext cx="917448" cy="338554"/>
+          </a:xfrm>
+          <a:prstGeom prst="rect">
+            <a:avLst/>
+          </a:prstGeom>
+          <a:noFill/>
+        </p:spPr>
+        <p:txBody>
+          <a:bodyPr wrap="square" rtlCol="0">
             <a:spAutoFit/>
           </a:bodyPr>
           <a:lstStyle/>
           <a:p>
             <a:r>
-              <a:rPr lang="en-US" sz="1372" b="1" dirty="0">
+              <a:rPr lang="en-US" sz="1600" b="1" dirty="0">
                 <a:solidFill>
-                  <a:schemeClr val="accent4"/>
+                  <a:schemeClr val="accent4">
+                    <a:lumMod val="75000"/>
+                  </a:schemeClr>
                 </a:solidFill>
               </a:rPr>
-              <a:t>PROVIDE</a:t>
-            </a:r>
-          </a:p>
-        </p:txBody>
-      </p:sp>
-      <p:sp>
-        <p:nvSpPr>
-          <p:cNvPr id="43" name="TextBox 42"/>
+              <a:t>INJECT</a:t>
+            </a:r>
+          </a:p>
+        </p:txBody>
+      </p:sp>
+      <p:sp>
+        <p:nvSpPr>
+          <p:cNvPr id="17" name="TextBox 16">
+            <a:extLst>
+              <a:ext uri="{FF2B5EF4-FFF2-40B4-BE49-F238E27FC236}">
+                <a16:creationId xmlns:a16="http://schemas.microsoft.com/office/drawing/2014/main" id="{10238D02-109C-40B7-85AC-43EFB2661CAA}"/>
+              </a:ext>
+            </a:extLst>
+          </p:cNvPr>
           <p:cNvSpPr txBox="1"/>
           <p:nvPr/>
         </p:nvSpPr>
         <p:spPr>
           <a:xfrm>
-            <a:off x="7991050" y="1073307"/>
-            <a:ext cx="926857" cy="303481"/>
-          </a:xfrm>
-          <a:prstGeom prst="rect">
-            <a:avLst/>
-          </a:prstGeom>
-          <a:noFill/>
-        </p:spPr>
-        <p:txBody>
-          <a:bodyPr wrap="none" rtlCol="0">
+            <a:off x="6352509" y="1335570"/>
+            <a:ext cx="4383329" cy="338554"/>
+          </a:xfrm>
+          <a:prstGeom prst="rect">
+            <a:avLst/>
+          </a:prstGeom>
+          <a:noFill/>
+        </p:spPr>
+        <p:txBody>
+          <a:bodyPr wrap="square" rtlCol="0">
             <a:spAutoFit/>
           </a:bodyPr>
           <a:lstStyle/>
           <a:p>
             <a:r>
-              <a:rPr lang="en-US" sz="1372" dirty="0" smtClean="0"/>
-              <a:t>Students[]</a:t>
-            </a:r>
-            <a:endParaRPr lang="en-US" sz="1372" dirty="0"/>
-          </a:p>
-        </p:txBody>
-      </p:sp>
-      <p:sp>
-        <p:nvSpPr>
-          <p:cNvPr id="44" name="Right Arrow 43"/>
+              <a:rPr lang="en-US" sz="1600" dirty="0"/>
+              <a:t>// </a:t>
+            </a:r>
+            <a:r>
+              <a:rPr lang="en-US" sz="1600" dirty="0">
+                <a:solidFill>
+                  <a:srgbClr val="FF0000"/>
+                </a:solidFill>
+              </a:rPr>
+              <a:t>app  </a:t>
+            </a:r>
+            <a:r>
+              <a:rPr lang="en-US" sz="1600" dirty="0"/>
+              <a:t>provides my-event information to anymore</a:t>
+            </a:r>
+          </a:p>
+        </p:txBody>
+      </p:sp>
+      <p:sp>
+        <p:nvSpPr>
+          <p:cNvPr id="18" name="Rectangle: Rounded Corners 17">
+            <a:extLst>
+              <a:ext uri="{FF2B5EF4-FFF2-40B4-BE49-F238E27FC236}">
+                <a16:creationId xmlns:a16="http://schemas.microsoft.com/office/drawing/2014/main" id="{D7BA7CA2-B310-42DF-A1B1-E4F1470A1424}"/>
+              </a:ext>
+            </a:extLst>
+          </p:cNvPr>
           <p:cNvSpPr/>
           <p:nvPr/>
         </p:nvSpPr>
         <p:spPr>
           <a:xfrm>
-            <a:off x="9135788" y="2542676"/>
-            <a:ext cx="696809" cy="333683"/>
+            <a:off x="5917415" y="4111137"/>
+            <a:ext cx="2645466" cy="684786"/>
+          </a:xfrm>
+          <a:prstGeom prst="roundRect">
+            <a:avLst/>
+          </a:prstGeom>
+          <a:noFill/>
+          <a:ln w="19050">
+            <a:solidFill>
+              <a:schemeClr val="accent5">
+                <a:lumMod val="75000"/>
+              </a:schemeClr>
+            </a:solidFill>
+            <a:prstDash val="dash"/>
+          </a:ln>
+        </p:spPr>
+        <p:style>
+          <a:lnRef idx="2">
+            <a:schemeClr val="dk1"/>
+          </a:lnRef>
+          <a:fillRef idx="1">
+            <a:schemeClr val="lt1"/>
+          </a:fillRef>
+          <a:effectRef idx="0">
+            <a:schemeClr val="dk1"/>
+          </a:effectRef>
+          <a:fontRef idx="minor">
+            <a:schemeClr val="dk1"/>
+          </a:fontRef>
+        </p:style>
+        <p:txBody>
+          <a:bodyPr rtlCol="0" anchor="ctr"/>
+          <a:lstStyle/>
+          <a:p>
+            <a:pPr algn="ctr"/>
+            <a:endParaRPr lang="en-US" dirty="0">
+              <a:solidFill>
+                <a:srgbClr val="00B050"/>
+              </a:solidFill>
+            </a:endParaRPr>
+          </a:p>
+        </p:txBody>
+      </p:sp>
+      <p:sp>
+        <p:nvSpPr>
+          <p:cNvPr id="19" name="TextBox 18">
+            <a:extLst>
+              <a:ext uri="{FF2B5EF4-FFF2-40B4-BE49-F238E27FC236}">
+                <a16:creationId xmlns:a16="http://schemas.microsoft.com/office/drawing/2014/main" id="{F2E6B44E-2FCA-438C-82F7-D8FF7B4B246B}"/>
+              </a:ext>
+            </a:extLst>
+          </p:cNvPr>
+          <p:cNvSpPr txBox="1"/>
+          <p:nvPr/>
+        </p:nvSpPr>
+        <p:spPr>
+          <a:xfrm>
+            <a:off x="6622498" y="4292390"/>
+            <a:ext cx="1427751" cy="338554"/>
+          </a:xfrm>
+          <a:prstGeom prst="rect">
+            <a:avLst/>
+          </a:prstGeom>
+          <a:noFill/>
+        </p:spPr>
+        <p:txBody>
+          <a:bodyPr wrap="square" rtlCol="0">
+            <a:spAutoFit/>
+          </a:bodyPr>
+          <a:lstStyle/>
+          <a:p>
+            <a:r>
+              <a:rPr lang="en-US" sz="1600" b="1" dirty="0">
+                <a:solidFill>
+                  <a:srgbClr val="7030A0"/>
+                </a:solidFill>
+              </a:rPr>
+              <a:t>&lt;router-view&gt;</a:t>
+            </a:r>
+          </a:p>
+        </p:txBody>
+      </p:sp>
+      <p:sp>
+        <p:nvSpPr>
+          <p:cNvPr id="20" name="TextBox 19">
+            <a:extLst>
+              <a:ext uri="{FF2B5EF4-FFF2-40B4-BE49-F238E27FC236}">
+                <a16:creationId xmlns:a16="http://schemas.microsoft.com/office/drawing/2014/main" id="{B643F800-F34D-4076-8E7F-C68C8AA6F0EF}"/>
+              </a:ext>
+            </a:extLst>
+          </p:cNvPr>
+          <p:cNvSpPr txBox="1"/>
+          <p:nvPr/>
+        </p:nvSpPr>
+        <p:spPr>
+          <a:xfrm>
+            <a:off x="6035013" y="5087367"/>
+            <a:ext cx="2911350" cy="338554"/>
+          </a:xfrm>
+          <a:prstGeom prst="rect">
+            <a:avLst/>
+          </a:prstGeom>
+          <a:noFill/>
+        </p:spPr>
+        <p:txBody>
+          <a:bodyPr wrap="square" rtlCol="0">
+            <a:spAutoFit/>
+          </a:bodyPr>
+          <a:lstStyle/>
+          <a:p>
+            <a:r>
+              <a:rPr lang="en-US" sz="1600" dirty="0"/>
+              <a:t>// Vue JS built-in component</a:t>
+            </a:r>
+          </a:p>
+        </p:txBody>
+      </p:sp>
+      <p:sp>
+        <p:nvSpPr>
+          <p:cNvPr id="21" name="Rectangle: Rounded Corners 20">
+            <a:extLst>
+              <a:ext uri="{FF2B5EF4-FFF2-40B4-BE49-F238E27FC236}">
+                <a16:creationId xmlns:a16="http://schemas.microsoft.com/office/drawing/2014/main" id="{471218D4-50C0-4F67-B38C-5D5949AFC1CB}"/>
+              </a:ext>
+            </a:extLst>
+          </p:cNvPr>
+          <p:cNvSpPr/>
+          <p:nvPr/>
+        </p:nvSpPr>
+        <p:spPr>
+          <a:xfrm>
+            <a:off x="1199332" y="481724"/>
+            <a:ext cx="1964366" cy="853846"/>
+          </a:xfrm>
+          <a:prstGeom prst="roundRect">
+            <a:avLst/>
+          </a:prstGeom>
+          <a:noFill/>
+          <a:ln w="19050">
+            <a:solidFill>
+              <a:schemeClr val="accent6">
+                <a:lumMod val="75000"/>
+              </a:schemeClr>
+            </a:solidFill>
+            <a:prstDash val="dash"/>
+          </a:ln>
+        </p:spPr>
+        <p:style>
+          <a:lnRef idx="2">
+            <a:schemeClr val="dk1"/>
+          </a:lnRef>
+          <a:fillRef idx="1">
+            <a:schemeClr val="lt1"/>
+          </a:fillRef>
+          <a:effectRef idx="0">
+            <a:schemeClr val="dk1"/>
+          </a:effectRef>
+          <a:fontRef idx="minor">
+            <a:schemeClr val="dk1"/>
+          </a:fontRef>
+        </p:style>
+        <p:txBody>
+          <a:bodyPr rtlCol="0" anchor="ctr"/>
+          <a:lstStyle/>
+          <a:p>
+            <a:pPr algn="ctr"/>
+            <a:endParaRPr lang="en-US" dirty="0">
+              <a:solidFill>
+                <a:srgbClr val="00B050"/>
+              </a:solidFill>
+            </a:endParaRPr>
+          </a:p>
+        </p:txBody>
+      </p:sp>
+      <p:sp>
+        <p:nvSpPr>
+          <p:cNvPr id="22" name="TextBox 21">
+            <a:extLst>
+              <a:ext uri="{FF2B5EF4-FFF2-40B4-BE49-F238E27FC236}">
+                <a16:creationId xmlns:a16="http://schemas.microsoft.com/office/drawing/2014/main" id="{001AFAB7-3BED-4AB6-9756-303D0A55C42D}"/>
+              </a:ext>
+            </a:extLst>
+          </p:cNvPr>
+          <p:cNvSpPr txBox="1"/>
+          <p:nvPr/>
+        </p:nvSpPr>
+        <p:spPr>
+          <a:xfrm>
+            <a:off x="1688266" y="565311"/>
+            <a:ext cx="760218" cy="338554"/>
+          </a:xfrm>
+          <a:prstGeom prst="rect">
+            <a:avLst/>
+          </a:prstGeom>
+          <a:noFill/>
+        </p:spPr>
+        <p:txBody>
+          <a:bodyPr wrap="square" rtlCol="0">
+            <a:spAutoFit/>
+          </a:bodyPr>
+          <a:lstStyle/>
+          <a:p>
+            <a:r>
+              <a:rPr lang="en-US" sz="1600" b="1" dirty="0">
+                <a:solidFill>
+                  <a:srgbClr val="FF0000"/>
+                </a:solidFill>
+              </a:rPr>
+              <a:t>&lt;app&gt;</a:t>
+            </a:r>
+          </a:p>
+        </p:txBody>
+      </p:sp>
+      <p:sp>
+        <p:nvSpPr>
+          <p:cNvPr id="23" name="TextBox 22">
+            <a:extLst>
+              <a:ext uri="{FF2B5EF4-FFF2-40B4-BE49-F238E27FC236}">
+                <a16:creationId xmlns:a16="http://schemas.microsoft.com/office/drawing/2014/main" id="{C98AADE0-BBC0-48B2-BF05-58BDFFC3B0FC}"/>
+              </a:ext>
+            </a:extLst>
+          </p:cNvPr>
+          <p:cNvSpPr txBox="1"/>
+          <p:nvPr/>
+        </p:nvSpPr>
+        <p:spPr>
+          <a:xfrm>
+            <a:off x="1199332" y="834007"/>
+            <a:ext cx="1903725" cy="338554"/>
+          </a:xfrm>
+          <a:prstGeom prst="rect">
+            <a:avLst/>
+          </a:prstGeom>
+          <a:noFill/>
+        </p:spPr>
+        <p:txBody>
+          <a:bodyPr wrap="square" rtlCol="0">
+            <a:spAutoFit/>
+          </a:bodyPr>
+          <a:lstStyle/>
+          <a:p>
+            <a:r>
+              <a:rPr lang="en-US" sz="1600" dirty="0"/>
+              <a:t>my-event-info[]</a:t>
+            </a:r>
+          </a:p>
+        </p:txBody>
+      </p:sp>
+      <p:sp>
+        <p:nvSpPr>
+          <p:cNvPr id="24" name="TextBox 23">
+            <a:extLst>
+              <a:ext uri="{FF2B5EF4-FFF2-40B4-BE49-F238E27FC236}">
+                <a16:creationId xmlns:a16="http://schemas.microsoft.com/office/drawing/2014/main" id="{C44F45A5-B171-482E-ACD5-8FD936F9F55D}"/>
+              </a:ext>
+            </a:extLst>
+          </p:cNvPr>
+          <p:cNvSpPr txBox="1"/>
+          <p:nvPr/>
+        </p:nvSpPr>
+        <p:spPr>
+          <a:xfrm>
+            <a:off x="521866" y="1527709"/>
+            <a:ext cx="4606724" cy="584775"/>
+          </a:xfrm>
+          <a:prstGeom prst="rect">
+            <a:avLst/>
+          </a:prstGeom>
+          <a:noFill/>
+        </p:spPr>
+        <p:txBody>
+          <a:bodyPr wrap="square" rtlCol="0">
+            <a:spAutoFit/>
+          </a:bodyPr>
+          <a:lstStyle/>
+          <a:p>
+            <a:r>
+              <a:rPr lang="en-US" sz="1600" dirty="0"/>
+              <a:t>// A component with a list of my-event information as data</a:t>
+            </a:r>
+          </a:p>
+        </p:txBody>
+      </p:sp>
+      <p:sp>
+        <p:nvSpPr>
+          <p:cNvPr id="25" name="TextBox 24">
+            <a:extLst>
+              <a:ext uri="{FF2B5EF4-FFF2-40B4-BE49-F238E27FC236}">
+                <a16:creationId xmlns:a16="http://schemas.microsoft.com/office/drawing/2014/main" id="{BC8013E9-4EFA-46A6-8A66-13FF8B9AC62C}"/>
+              </a:ext>
+            </a:extLst>
+          </p:cNvPr>
+          <p:cNvSpPr txBox="1"/>
+          <p:nvPr/>
+        </p:nvSpPr>
+        <p:spPr>
+          <a:xfrm>
+            <a:off x="6756385" y="3039879"/>
+            <a:ext cx="5371852" cy="338554"/>
+          </a:xfrm>
+          <a:prstGeom prst="rect">
+            <a:avLst/>
+          </a:prstGeom>
+          <a:noFill/>
+        </p:spPr>
+        <p:txBody>
+          <a:bodyPr wrap="square" rtlCol="0">
+            <a:spAutoFit/>
+          </a:bodyPr>
+          <a:lstStyle/>
+          <a:p>
+            <a:r>
+              <a:rPr lang="en-US" sz="1600" dirty="0"/>
+              <a:t>// </a:t>
+            </a:r>
+            <a:r>
+              <a:rPr lang="en-US" sz="1600" dirty="0">
+                <a:solidFill>
+                  <a:srgbClr val="FF0000"/>
+                </a:solidFill>
+              </a:rPr>
+              <a:t>find-event view </a:t>
+            </a:r>
+            <a:r>
+              <a:rPr lang="en-US" sz="1600" dirty="0"/>
+              <a:t>gets my-event information from a provider</a:t>
+            </a:r>
+          </a:p>
+        </p:txBody>
+      </p:sp>
+      <p:sp>
+        <p:nvSpPr>
+          <p:cNvPr id="29" name="Rectangle: Rounded Corners 28">
+            <a:extLst>
+              <a:ext uri="{FF2B5EF4-FFF2-40B4-BE49-F238E27FC236}">
+                <a16:creationId xmlns:a16="http://schemas.microsoft.com/office/drawing/2014/main" id="{25276C31-8E86-4F25-BF01-19D0240494FE}"/>
+              </a:ext>
+            </a:extLst>
+          </p:cNvPr>
+          <p:cNvSpPr/>
+          <p:nvPr/>
+        </p:nvSpPr>
+        <p:spPr>
+          <a:xfrm>
+            <a:off x="98483" y="2588574"/>
+            <a:ext cx="1964366" cy="853846"/>
+          </a:xfrm>
+          <a:prstGeom prst="roundRect">
+            <a:avLst/>
+          </a:prstGeom>
+          <a:noFill/>
+          <a:ln w="19050">
+            <a:solidFill>
+              <a:schemeClr val="accent6">
+                <a:lumMod val="75000"/>
+              </a:schemeClr>
+            </a:solidFill>
+            <a:prstDash val="dash"/>
+          </a:ln>
+        </p:spPr>
+        <p:style>
+          <a:lnRef idx="2">
+            <a:schemeClr val="dk1"/>
+          </a:lnRef>
+          <a:fillRef idx="1">
+            <a:schemeClr val="lt1"/>
+          </a:fillRef>
+          <a:effectRef idx="0">
+            <a:schemeClr val="dk1"/>
+          </a:effectRef>
+          <a:fontRef idx="minor">
+            <a:schemeClr val="dk1"/>
+          </a:fontRef>
+        </p:style>
+        <p:txBody>
+          <a:bodyPr rtlCol="0" anchor="ctr"/>
+          <a:lstStyle/>
+          <a:p>
+            <a:pPr algn="ctr"/>
+            <a:endParaRPr lang="en-US" dirty="0">
+              <a:solidFill>
+                <a:srgbClr val="00B050"/>
+              </a:solidFill>
+            </a:endParaRPr>
+          </a:p>
+        </p:txBody>
+      </p:sp>
+      <p:sp>
+        <p:nvSpPr>
+          <p:cNvPr id="30" name="TextBox 29">
+            <a:extLst>
+              <a:ext uri="{FF2B5EF4-FFF2-40B4-BE49-F238E27FC236}">
+                <a16:creationId xmlns:a16="http://schemas.microsoft.com/office/drawing/2014/main" id="{BA0D3337-9C3D-4B12-933D-3010EA6C96D1}"/>
+              </a:ext>
+            </a:extLst>
+          </p:cNvPr>
+          <p:cNvSpPr txBox="1"/>
+          <p:nvPr/>
+        </p:nvSpPr>
+        <p:spPr>
+          <a:xfrm>
+            <a:off x="587417" y="2672161"/>
+            <a:ext cx="760218" cy="338554"/>
+          </a:xfrm>
+          <a:prstGeom prst="rect">
+            <a:avLst/>
+          </a:prstGeom>
+          <a:noFill/>
+        </p:spPr>
+        <p:txBody>
+          <a:bodyPr wrap="square" rtlCol="0">
+            <a:spAutoFit/>
+          </a:bodyPr>
+          <a:lstStyle/>
+          <a:p>
+            <a:r>
+              <a:rPr lang="en-US" sz="1600" b="1" dirty="0">
+                <a:solidFill>
+                  <a:srgbClr val="FF0000"/>
+                </a:solidFill>
+              </a:rPr>
+              <a:t>&lt;app&gt;</a:t>
+            </a:r>
+          </a:p>
+        </p:txBody>
+      </p:sp>
+      <p:sp>
+        <p:nvSpPr>
+          <p:cNvPr id="33" name="Rectangle: Rounded Corners 32">
+            <a:extLst>
+              <a:ext uri="{FF2B5EF4-FFF2-40B4-BE49-F238E27FC236}">
+                <a16:creationId xmlns:a16="http://schemas.microsoft.com/office/drawing/2014/main" id="{87A0A934-5288-4DD0-A262-AE816FCDA6D6}"/>
+              </a:ext>
+            </a:extLst>
+          </p:cNvPr>
+          <p:cNvSpPr/>
+          <p:nvPr/>
+        </p:nvSpPr>
+        <p:spPr>
+          <a:xfrm>
+            <a:off x="3103057" y="2612956"/>
+            <a:ext cx="1964366" cy="853846"/>
+          </a:xfrm>
+          <a:prstGeom prst="roundRect">
+            <a:avLst/>
+          </a:prstGeom>
+          <a:noFill/>
+          <a:ln w="19050">
+            <a:solidFill>
+              <a:schemeClr val="accent6">
+                <a:lumMod val="75000"/>
+              </a:schemeClr>
+            </a:solidFill>
+            <a:prstDash val="dash"/>
+          </a:ln>
+        </p:spPr>
+        <p:style>
+          <a:lnRef idx="2">
+            <a:schemeClr val="dk1"/>
+          </a:lnRef>
+          <a:fillRef idx="1">
+            <a:schemeClr val="lt1"/>
+          </a:fillRef>
+          <a:effectRef idx="0">
+            <a:schemeClr val="dk1"/>
+          </a:effectRef>
+          <a:fontRef idx="minor">
+            <a:schemeClr val="dk1"/>
+          </a:fontRef>
+        </p:style>
+        <p:txBody>
+          <a:bodyPr rtlCol="0" anchor="ctr"/>
+          <a:lstStyle/>
+          <a:p>
+            <a:pPr algn="ctr"/>
+            <a:endParaRPr lang="en-US" dirty="0">
+              <a:solidFill>
+                <a:srgbClr val="00B050"/>
+              </a:solidFill>
+            </a:endParaRPr>
+          </a:p>
+        </p:txBody>
+      </p:sp>
+      <p:sp>
+        <p:nvSpPr>
+          <p:cNvPr id="34" name="TextBox 33">
+            <a:extLst>
+              <a:ext uri="{FF2B5EF4-FFF2-40B4-BE49-F238E27FC236}">
+                <a16:creationId xmlns:a16="http://schemas.microsoft.com/office/drawing/2014/main" id="{B7C6FE79-5BD1-4CFA-BFAF-2F4283479B16}"/>
+              </a:ext>
+            </a:extLst>
+          </p:cNvPr>
+          <p:cNvSpPr txBox="1"/>
+          <p:nvPr/>
+        </p:nvSpPr>
+        <p:spPr>
+          <a:xfrm>
+            <a:off x="3041890" y="2696543"/>
+            <a:ext cx="1964366" cy="338554"/>
+          </a:xfrm>
+          <a:prstGeom prst="rect">
+            <a:avLst/>
+          </a:prstGeom>
+          <a:noFill/>
+        </p:spPr>
+        <p:txBody>
+          <a:bodyPr wrap="square" rtlCol="0">
+            <a:spAutoFit/>
+          </a:bodyPr>
+          <a:lstStyle/>
+          <a:p>
+            <a:pPr algn="ctr"/>
+            <a:r>
+              <a:rPr lang="en-US" sz="1600" b="1" dirty="0">
+                <a:solidFill>
+                  <a:srgbClr val="FF0000"/>
+                </a:solidFill>
+              </a:rPr>
+              <a:t>&lt;find-event-card&gt;</a:t>
+            </a:r>
+          </a:p>
+        </p:txBody>
+      </p:sp>
+      <p:sp>
+        <p:nvSpPr>
+          <p:cNvPr id="42" name="TextBox 41">
+            <a:extLst>
+              <a:ext uri="{FF2B5EF4-FFF2-40B4-BE49-F238E27FC236}">
+                <a16:creationId xmlns:a16="http://schemas.microsoft.com/office/drawing/2014/main" id="{224FA539-0218-4AE8-B200-E46D3080E272}"/>
+              </a:ext>
+            </a:extLst>
+          </p:cNvPr>
+          <p:cNvSpPr txBox="1"/>
+          <p:nvPr/>
+        </p:nvSpPr>
+        <p:spPr>
+          <a:xfrm>
+            <a:off x="195712" y="2996583"/>
+            <a:ext cx="1903725" cy="338554"/>
+          </a:xfrm>
+          <a:prstGeom prst="rect">
+            <a:avLst/>
+          </a:prstGeom>
+          <a:noFill/>
+        </p:spPr>
+        <p:txBody>
+          <a:bodyPr wrap="square" rtlCol="0">
+            <a:spAutoFit/>
+          </a:bodyPr>
+          <a:lstStyle/>
+          <a:p>
+            <a:r>
+              <a:rPr lang="en-US" sz="1600" dirty="0"/>
+              <a:t>my-event-info[]</a:t>
+            </a:r>
+          </a:p>
+        </p:txBody>
+      </p:sp>
+      <p:sp>
+        <p:nvSpPr>
+          <p:cNvPr id="43" name="TextBox 42">
+            <a:extLst>
+              <a:ext uri="{FF2B5EF4-FFF2-40B4-BE49-F238E27FC236}">
+                <a16:creationId xmlns:a16="http://schemas.microsoft.com/office/drawing/2014/main" id="{AAFD11AF-EC40-4BF5-89F0-06C2A3F64A4E}"/>
+              </a:ext>
+            </a:extLst>
+          </p:cNvPr>
+          <p:cNvSpPr txBox="1"/>
+          <p:nvPr/>
+        </p:nvSpPr>
+        <p:spPr>
+          <a:xfrm>
+            <a:off x="3224865" y="2996583"/>
+            <a:ext cx="1903725" cy="338554"/>
+          </a:xfrm>
+          <a:prstGeom prst="rect">
+            <a:avLst/>
+          </a:prstGeom>
+          <a:noFill/>
+        </p:spPr>
+        <p:txBody>
+          <a:bodyPr wrap="square" rtlCol="0">
+            <a:spAutoFit/>
+          </a:bodyPr>
+          <a:lstStyle/>
+          <a:p>
+            <a:r>
+              <a:rPr lang="en-US" sz="1600" dirty="0"/>
+              <a:t>my-event-info[]</a:t>
+            </a:r>
+          </a:p>
+        </p:txBody>
+      </p:sp>
+      <p:sp>
+        <p:nvSpPr>
+          <p:cNvPr id="2" name="Arrow: Right 1">
+            <a:extLst>
+              <a:ext uri="{FF2B5EF4-FFF2-40B4-BE49-F238E27FC236}">
+                <a16:creationId xmlns:a16="http://schemas.microsoft.com/office/drawing/2014/main" id="{4345D9D4-0456-4405-B72A-37809DF4D3F9}"/>
+              </a:ext>
+            </a:extLst>
+          </p:cNvPr>
+          <p:cNvSpPr/>
+          <p:nvPr/>
+        </p:nvSpPr>
+        <p:spPr>
+          <a:xfrm>
+            <a:off x="2099437" y="2781533"/>
+            <a:ext cx="804822" cy="458363"/>
           </a:xfrm>
           <a:prstGeom prst="rightArrow">
             <a:avLst/>
           </a:prstGeom>
           <a:solidFill>
-            <a:srgbClr val="FFFF00"/>
+            <a:schemeClr val="accent6"/>
           </a:solidFill>
+          <a:ln>
+            <a:solidFill>
+              <a:schemeClr val="accent6"/>
+            </a:solidFill>
+          </a:ln>
         </p:spPr>
         <p:style>
           <a:lnRef idx="2">
@@ -4602,52 +8249,312 @@
           </a:fontRef>
         </p:style>
         <p:txBody>
-          <a:bodyPr rot="0" spcFirstLastPara="0" vertOverflow="overflow" horzOverflow="overflow" vert="horz" wrap="square" lIns="69681" tIns="34840" rIns="69681" bIns="34840" numCol="1" spcCol="0" rtlCol="0" fromWordArt="0" anchor="ctr" anchorCtr="0" forceAA="0" compatLnSpc="1">
-            <a:prstTxWarp prst="textNoShape">
-              <a:avLst/>
-            </a:prstTxWarp>
-            <a:noAutofit/>
-          </a:bodyPr>
+          <a:bodyPr rtlCol="0" anchor="ctr"/>
           <a:lstStyle/>
           <a:p>
             <a:pPr algn="ctr"/>
-            <a:endParaRPr lang="en-US" sz="1372"/>
-          </a:p>
-        </p:txBody>
-      </p:sp>
-      <p:sp>
-        <p:nvSpPr>
-          <p:cNvPr id="45" name="TextBox 44"/>
+            <a:endParaRPr lang="en-US"/>
+          </a:p>
+        </p:txBody>
+      </p:sp>
+      <p:sp>
+        <p:nvSpPr>
+          <p:cNvPr id="46" name="TextBox 45">
+            <a:extLst>
+              <a:ext uri="{FF2B5EF4-FFF2-40B4-BE49-F238E27FC236}">
+                <a16:creationId xmlns:a16="http://schemas.microsoft.com/office/drawing/2014/main" id="{A0A8692C-E733-460E-A30A-D4EF0185416D}"/>
+              </a:ext>
+            </a:extLst>
+          </p:cNvPr>
           <p:cNvSpPr txBox="1"/>
           <p:nvPr/>
         </p:nvSpPr>
         <p:spPr>
           <a:xfrm>
-            <a:off x="9126729" y="2324577"/>
-            <a:ext cx="668645" cy="303481"/>
-          </a:xfrm>
-          <a:prstGeom prst="rect">
-            <a:avLst/>
-          </a:prstGeom>
-          <a:noFill/>
-        </p:spPr>
-        <p:txBody>
-          <a:bodyPr wrap="none" rtlCol="0">
+            <a:off x="2034319" y="2487076"/>
+            <a:ext cx="1129379" cy="338554"/>
+          </a:xfrm>
+          <a:prstGeom prst="rect">
+            <a:avLst/>
+          </a:prstGeom>
+          <a:noFill/>
+        </p:spPr>
+        <p:txBody>
+          <a:bodyPr wrap="square" rtlCol="0">
             <a:spAutoFit/>
           </a:bodyPr>
           <a:lstStyle/>
           <a:p>
             <a:r>
-              <a:rPr lang="en-US" sz="1372" b="1" dirty="0" smtClean="0">
+              <a:rPr lang="en-US" sz="1600" b="1" dirty="0">
                 <a:solidFill>
-                  <a:schemeClr val="accent4"/>
+                  <a:schemeClr val="accent6">
+                    <a:lumMod val="75000"/>
+                  </a:schemeClr>
                 </a:solidFill>
               </a:rPr>
-              <a:t>INJECT</a:t>
-            </a:r>
-            <a:endParaRPr lang="en-US" sz="1372" b="1" dirty="0">
+              <a:t>PROPS</a:t>
+            </a:r>
+          </a:p>
+        </p:txBody>
+      </p:sp>
+      <p:sp>
+        <p:nvSpPr>
+          <p:cNvPr id="47" name="TextBox 46">
+            <a:extLst>
+              <a:ext uri="{FF2B5EF4-FFF2-40B4-BE49-F238E27FC236}">
+                <a16:creationId xmlns:a16="http://schemas.microsoft.com/office/drawing/2014/main" id="{CE56E51E-54C4-490B-801F-BDC8FFABA4B9}"/>
+              </a:ext>
+            </a:extLst>
+          </p:cNvPr>
+          <p:cNvSpPr txBox="1"/>
+          <p:nvPr/>
+        </p:nvSpPr>
+        <p:spPr>
+          <a:xfrm>
+            <a:off x="2060625" y="3167536"/>
+            <a:ext cx="1025265" cy="338554"/>
+          </a:xfrm>
+          <a:prstGeom prst="rect">
+            <a:avLst/>
+          </a:prstGeom>
+          <a:noFill/>
+        </p:spPr>
+        <p:txBody>
+          <a:bodyPr wrap="square" rtlCol="0">
+            <a:spAutoFit/>
+          </a:bodyPr>
+          <a:lstStyle/>
+          <a:p>
+            <a:r>
+              <a:rPr lang="en-US" sz="1600" dirty="0"/>
+              <a:t>my-event</a:t>
+            </a:r>
+          </a:p>
+        </p:txBody>
+      </p:sp>
+      <p:sp>
+        <p:nvSpPr>
+          <p:cNvPr id="51" name="TextBox 50">
+            <a:extLst>
+              <a:ext uri="{FF2B5EF4-FFF2-40B4-BE49-F238E27FC236}">
+                <a16:creationId xmlns:a16="http://schemas.microsoft.com/office/drawing/2014/main" id="{7F828876-0E88-4442-AF2E-B255465F6AD1}"/>
+              </a:ext>
+            </a:extLst>
+          </p:cNvPr>
+          <p:cNvSpPr txBox="1"/>
+          <p:nvPr/>
+        </p:nvSpPr>
+        <p:spPr>
+          <a:xfrm>
+            <a:off x="6261660" y="766656"/>
+            <a:ext cx="1903725" cy="338554"/>
+          </a:xfrm>
+          <a:prstGeom prst="rect">
+            <a:avLst/>
+          </a:prstGeom>
+          <a:noFill/>
+        </p:spPr>
+        <p:txBody>
+          <a:bodyPr wrap="square" rtlCol="0">
+            <a:spAutoFit/>
+          </a:bodyPr>
+          <a:lstStyle/>
+          <a:p>
+            <a:r>
+              <a:rPr lang="en-US" sz="1600" dirty="0"/>
+              <a:t>my-event-info[]</a:t>
+            </a:r>
+          </a:p>
+        </p:txBody>
+      </p:sp>
+      <p:sp>
+        <p:nvSpPr>
+          <p:cNvPr id="52" name="TextBox 51">
+            <a:extLst>
+              <a:ext uri="{FF2B5EF4-FFF2-40B4-BE49-F238E27FC236}">
+                <a16:creationId xmlns:a16="http://schemas.microsoft.com/office/drawing/2014/main" id="{1B1382C8-7750-43A6-91A8-68E429923F4A}"/>
+              </a:ext>
+            </a:extLst>
+          </p:cNvPr>
+          <p:cNvSpPr txBox="1"/>
+          <p:nvPr/>
+        </p:nvSpPr>
+        <p:spPr>
+          <a:xfrm>
+            <a:off x="8156061" y="886037"/>
+            <a:ext cx="1903725" cy="338554"/>
+          </a:xfrm>
+          <a:prstGeom prst="rect">
+            <a:avLst/>
+          </a:prstGeom>
+          <a:noFill/>
+        </p:spPr>
+        <p:txBody>
+          <a:bodyPr wrap="square" rtlCol="0">
+            <a:spAutoFit/>
+          </a:bodyPr>
+          <a:lstStyle/>
+          <a:p>
+            <a:r>
+              <a:rPr lang="en-US" sz="1600" dirty="0"/>
+              <a:t>my-event-info[]</a:t>
+            </a:r>
+          </a:p>
+        </p:txBody>
+      </p:sp>
+      <p:sp>
+        <p:nvSpPr>
+          <p:cNvPr id="56" name="TextBox 55">
+            <a:extLst>
+              <a:ext uri="{FF2B5EF4-FFF2-40B4-BE49-F238E27FC236}">
+                <a16:creationId xmlns:a16="http://schemas.microsoft.com/office/drawing/2014/main" id="{044279C8-6E13-459F-9843-CCFFBF048DE4}"/>
+              </a:ext>
+            </a:extLst>
+          </p:cNvPr>
+          <p:cNvSpPr txBox="1"/>
+          <p:nvPr/>
+        </p:nvSpPr>
+        <p:spPr>
+          <a:xfrm>
+            <a:off x="8333577" y="2541918"/>
+            <a:ext cx="1903725" cy="338554"/>
+          </a:xfrm>
+          <a:prstGeom prst="rect">
+            <a:avLst/>
+          </a:prstGeom>
+          <a:noFill/>
+        </p:spPr>
+        <p:txBody>
+          <a:bodyPr wrap="square" rtlCol="0">
+            <a:spAutoFit/>
+          </a:bodyPr>
+          <a:lstStyle/>
+          <a:p>
+            <a:r>
+              <a:rPr lang="en-US" sz="1600" dirty="0"/>
+              <a:t>my-event-info[]</a:t>
+            </a:r>
+          </a:p>
+        </p:txBody>
+      </p:sp>
+      <p:sp>
+        <p:nvSpPr>
+          <p:cNvPr id="57" name="TextBox 56">
+            <a:extLst>
+              <a:ext uri="{FF2B5EF4-FFF2-40B4-BE49-F238E27FC236}">
+                <a16:creationId xmlns:a16="http://schemas.microsoft.com/office/drawing/2014/main" id="{BAB94BFB-9EF6-4FD9-97FD-73ADF006740D}"/>
+              </a:ext>
+            </a:extLst>
+          </p:cNvPr>
+          <p:cNvSpPr txBox="1"/>
+          <p:nvPr/>
+        </p:nvSpPr>
+        <p:spPr>
+          <a:xfrm>
+            <a:off x="9956231" y="2370415"/>
+            <a:ext cx="1903725" cy="338554"/>
+          </a:xfrm>
+          <a:prstGeom prst="rect">
+            <a:avLst/>
+          </a:prstGeom>
+          <a:noFill/>
+        </p:spPr>
+        <p:txBody>
+          <a:bodyPr wrap="square" rtlCol="0">
+            <a:spAutoFit/>
+          </a:bodyPr>
+          <a:lstStyle/>
+          <a:p>
+            <a:r>
+              <a:rPr lang="en-US" sz="1600" dirty="0"/>
+              <a:t>my-event-info[]</a:t>
+            </a:r>
+          </a:p>
+        </p:txBody>
+      </p:sp>
+    </p:spTree>
+    <p:extLst>
+      <p:ext uri="{BB962C8B-B14F-4D97-AF65-F5344CB8AC3E}">
+        <p14:creationId xmlns:p14="http://schemas.microsoft.com/office/powerpoint/2010/main" val="3439543303"/>
+      </p:ext>
+    </p:extLst>
+  </p:cSld>
+  <p:clrMapOvr>
+    <a:masterClrMapping/>
+  </p:clrMapOvr>
+</p:sld>
+</file>
+
+<file path=ppt/slides/slide5.xml><?xml version="1.0" encoding="utf-8"?>
+<p:sld xmlns:a="http://schemas.openxmlformats.org/drawingml/2006/main" xmlns:r="http://schemas.openxmlformats.org/officeDocument/2006/relationships" xmlns:p="http://schemas.openxmlformats.org/presentationml/2006/main">
+  <p:cSld>
+    <p:spTree>
+      <p:nvGrpSpPr>
+        <p:cNvPr id="1" name=""/>
+        <p:cNvGrpSpPr/>
+        <p:nvPr/>
+      </p:nvGrpSpPr>
+      <p:grpSpPr>
+        <a:xfrm>
+          <a:off x="0" y="0"/>
+          <a:ext cx="0" cy="0"/>
+          <a:chOff x="0" y="0"/>
+          <a:chExt cx="0" cy="0"/>
+        </a:xfrm>
+      </p:grpSpPr>
+      <p:sp>
+        <p:nvSpPr>
+          <p:cNvPr id="4" name="Rectangle: Rounded Corners 3">
+            <a:extLst>
+              <a:ext uri="{FF2B5EF4-FFF2-40B4-BE49-F238E27FC236}">
+                <a16:creationId xmlns:a16="http://schemas.microsoft.com/office/drawing/2014/main" id="{F935ACBB-D1B1-4181-ACC6-524C469439A0}"/>
+              </a:ext>
+            </a:extLst>
+          </p:cNvPr>
+          <p:cNvSpPr/>
+          <p:nvPr/>
+        </p:nvSpPr>
+        <p:spPr>
+          <a:xfrm>
+            <a:off x="6267451" y="398137"/>
+            <a:ext cx="1964366" cy="853846"/>
+          </a:xfrm>
+          <a:prstGeom prst="roundRect">
+            <a:avLst/>
+          </a:prstGeom>
+          <a:noFill/>
+          <a:ln w="19050">
+            <a:solidFill>
+              <a:schemeClr val="accent6">
+                <a:lumMod val="75000"/>
+              </a:schemeClr>
+            </a:solidFill>
+            <a:prstDash val="dash"/>
+          </a:ln>
+        </p:spPr>
+        <p:style>
+          <a:lnRef idx="2">
+            <a:schemeClr val="dk1"/>
+          </a:lnRef>
+          <a:fillRef idx="1">
+            <a:schemeClr val="lt1"/>
+          </a:fillRef>
+          <a:effectRef idx="0">
+            <a:schemeClr val="dk1"/>
+          </a:effectRef>
+          <a:fontRef idx="minor">
+            <a:schemeClr val="dk1"/>
+          </a:fontRef>
+        </p:style>
+        <p:txBody>
+          <a:bodyPr rtlCol="0" anchor="ctr"/>
+          <a:lstStyle/>
+          <a:p>
+            <a:pPr algn="ctr"/>
+            <a:endParaRPr lang="en-US" dirty="0">
               <a:solidFill>
-                <a:schemeClr val="accent4"/>
+                <a:srgbClr val="00B050"/>
               </a:solidFill>
             </a:endParaRPr>
           </a:p>
@@ -4655,134 +8562,66 @@
       </p:sp>
       <p:sp>
         <p:nvSpPr>
-          <p:cNvPr id="46" name="TextBox 45"/>
+          <p:cNvPr id="5" name="TextBox 4">
+            <a:extLst>
+              <a:ext uri="{FF2B5EF4-FFF2-40B4-BE49-F238E27FC236}">
+                <a16:creationId xmlns:a16="http://schemas.microsoft.com/office/drawing/2014/main" id="{C4E1D9FF-D502-4B0A-80D5-C06C9F0292E2}"/>
+              </a:ext>
+            </a:extLst>
+          </p:cNvPr>
           <p:cNvSpPr txBox="1"/>
           <p:nvPr/>
         </p:nvSpPr>
         <p:spPr>
           <a:xfrm>
-            <a:off x="9280415" y="2888032"/>
-            <a:ext cx="926857" cy="303481"/>
-          </a:xfrm>
-          <a:prstGeom prst="rect">
-            <a:avLst/>
-          </a:prstGeom>
-          <a:noFill/>
-        </p:spPr>
-        <p:txBody>
-          <a:bodyPr wrap="none" rtlCol="0">
+            <a:off x="6756385" y="481724"/>
+            <a:ext cx="760218" cy="338554"/>
+          </a:xfrm>
+          <a:prstGeom prst="rect">
+            <a:avLst/>
+          </a:prstGeom>
+          <a:noFill/>
+        </p:spPr>
+        <p:txBody>
+          <a:bodyPr wrap="square" rtlCol="0">
             <a:spAutoFit/>
           </a:bodyPr>
           <a:lstStyle/>
           <a:p>
             <a:r>
-              <a:rPr lang="en-US" sz="1372" dirty="0" smtClean="0"/>
-              <a:t>Students[]</a:t>
-            </a:r>
-            <a:endParaRPr lang="en-US" sz="1372" dirty="0"/>
-          </a:p>
-        </p:txBody>
-      </p:sp>
-      <p:sp>
-        <p:nvSpPr>
-          <p:cNvPr id="47" name="TextBox 46"/>
-          <p:cNvSpPr txBox="1"/>
-          <p:nvPr/>
-        </p:nvSpPr>
-        <p:spPr>
-          <a:xfrm>
-            <a:off x="8917907" y="3423528"/>
-            <a:ext cx="2987100" cy="303481"/>
-          </a:xfrm>
-          <a:prstGeom prst="rect">
-            <a:avLst/>
-          </a:prstGeom>
-          <a:noFill/>
-        </p:spPr>
-        <p:txBody>
-          <a:bodyPr wrap="none" rtlCol="0">
-            <a:spAutoFit/>
-          </a:bodyPr>
-          <a:lstStyle/>
-          <a:p>
-            <a:r>
-              <a:rPr lang="en-US" sz="1372" dirty="0" smtClean="0"/>
-              <a:t>// </a:t>
-            </a:r>
-            <a:r>
-              <a:rPr lang="en-US" sz="1372" dirty="0" smtClean="0">
+              <a:rPr lang="en-US" sz="1600" b="1" dirty="0">
                 <a:solidFill>
                   <a:srgbClr val="FF0000"/>
                 </a:solidFill>
               </a:rPr>
-              <a:t>dialog </a:t>
-            </a:r>
-            <a:r>
-              <a:rPr lang="en-US" sz="1372" dirty="0" smtClean="0"/>
-              <a:t> gets students from a provider</a:t>
-            </a:r>
-            <a:endParaRPr lang="en-US" sz="1372" dirty="0">
-              <a:solidFill>
-                <a:srgbClr val="FF0000"/>
-              </a:solidFill>
-            </a:endParaRPr>
-          </a:p>
-        </p:txBody>
-      </p:sp>
-      <p:sp>
-        <p:nvSpPr>
-          <p:cNvPr id="48" name="TextBox 47"/>
-          <p:cNvSpPr txBox="1"/>
-          <p:nvPr/>
-        </p:nvSpPr>
-        <p:spPr>
-          <a:xfrm>
-            <a:off x="6561502" y="4305380"/>
-            <a:ext cx="1215717" cy="303481"/>
-          </a:xfrm>
-          <a:prstGeom prst="rect">
-            <a:avLst/>
-          </a:prstGeom>
-          <a:noFill/>
-        </p:spPr>
-        <p:txBody>
-          <a:bodyPr wrap="none" rtlCol="0">
-            <a:spAutoFit/>
-          </a:bodyPr>
-          <a:lstStyle/>
-          <a:p>
-            <a:r>
-              <a:rPr lang="en-US" sz="1372" b="1" i="1" dirty="0">
-                <a:solidFill>
-                  <a:srgbClr val="7030A0"/>
-                </a:solidFill>
-              </a:rPr>
-              <a:t>&lt;router-view&gt;</a:t>
-            </a:r>
-          </a:p>
-        </p:txBody>
-      </p:sp>
-      <p:sp>
-        <p:nvSpPr>
-          <p:cNvPr id="49" name="Rounded Rectangle 48"/>
+              <a:t>&lt;app&gt;</a:t>
+            </a:r>
+          </a:p>
+        </p:txBody>
+      </p:sp>
+      <p:sp>
+        <p:nvSpPr>
+          <p:cNvPr id="6" name="Arrow: Right 5">
+            <a:extLst>
+              <a:ext uri="{FF2B5EF4-FFF2-40B4-BE49-F238E27FC236}">
+                <a16:creationId xmlns:a16="http://schemas.microsoft.com/office/drawing/2014/main" id="{6224299E-2D28-4F89-B255-EFF93B22DAE6}"/>
+              </a:ext>
+            </a:extLst>
+          </p:cNvPr>
           <p:cNvSpPr/>
           <p:nvPr/>
         </p:nvSpPr>
         <p:spPr>
           <a:xfrm>
-            <a:off x="6217868" y="4170157"/>
-            <a:ext cx="1866945" cy="584334"/>
-          </a:xfrm>
-          <a:prstGeom prst="roundRect">
-            <a:avLst/>
-          </a:prstGeom>
-          <a:noFill/>
-          <a:ln>
-            <a:solidFill>
-              <a:srgbClr val="7030A0"/>
-            </a:solidFill>
-            <a:prstDash val="lgDash"/>
-          </a:ln>
+            <a:off x="8239202" y="709656"/>
+            <a:ext cx="715215" cy="264105"/>
+          </a:xfrm>
+          <a:prstGeom prst="rightArrow">
+            <a:avLst/>
+          </a:prstGeom>
+          <a:solidFill>
+            <a:srgbClr val="FFFF00"/>
+          </a:solidFill>
         </p:spPr>
         <p:style>
           <a:lnRef idx="2">
@@ -4805,56 +8644,1642 @@
           <a:lstStyle/>
           <a:p>
             <a:pPr algn="ctr"/>
-            <a:endParaRPr lang="en-US" sz="1372"/>
-          </a:p>
-        </p:txBody>
-      </p:sp>
-      <p:sp>
-        <p:nvSpPr>
-          <p:cNvPr id="50" name="TextBox 49"/>
+            <a:endParaRPr lang="en-US"/>
+          </a:p>
+        </p:txBody>
+      </p:sp>
+      <p:sp>
+        <p:nvSpPr>
+          <p:cNvPr id="7" name="TextBox 6">
+            <a:extLst>
+              <a:ext uri="{FF2B5EF4-FFF2-40B4-BE49-F238E27FC236}">
+                <a16:creationId xmlns:a16="http://schemas.microsoft.com/office/drawing/2014/main" id="{D53A29C6-1EFD-471E-A601-DA0390C59235}"/>
+              </a:ext>
+            </a:extLst>
+          </p:cNvPr>
           <p:cNvSpPr txBox="1"/>
           <p:nvPr/>
         </p:nvSpPr>
         <p:spPr>
           <a:xfrm>
-            <a:off x="8256742" y="4317805"/>
-            <a:ext cx="2229136" cy="303481"/>
-          </a:xfrm>
-          <a:prstGeom prst="rect">
-            <a:avLst/>
-          </a:prstGeom>
-          <a:noFill/>
-        </p:spPr>
-        <p:txBody>
-          <a:bodyPr wrap="none" rtlCol="0">
+            <a:off x="8156061" y="391086"/>
+            <a:ext cx="1129379" cy="338554"/>
+          </a:xfrm>
+          <a:prstGeom prst="rect">
+            <a:avLst/>
+          </a:prstGeom>
+          <a:noFill/>
+        </p:spPr>
+        <p:txBody>
+          <a:bodyPr wrap="square" rtlCol="0">
             <a:spAutoFit/>
           </a:bodyPr>
           <a:lstStyle/>
           <a:p>
             <a:r>
-              <a:rPr lang="en-US" sz="1372" dirty="0" smtClean="0"/>
-              <a:t>// </a:t>
-            </a:r>
-            <a:r>
-              <a:rPr lang="en-US" sz="1372" dirty="0" err="1" smtClean="0"/>
-              <a:t>Vue</a:t>
-            </a:r>
-            <a:r>
-              <a:rPr lang="en-US" sz="1372" dirty="0" smtClean="0"/>
-              <a:t> JS built-in component</a:t>
-            </a:r>
-            <a:endParaRPr lang="en-US" sz="1372" dirty="0">
+              <a:rPr lang="en-US" sz="1600" b="1" dirty="0">
+                <a:solidFill>
+                  <a:schemeClr val="accent4">
+                    <a:lumMod val="75000"/>
+                  </a:schemeClr>
+                </a:solidFill>
+              </a:rPr>
+              <a:t>PROVIDE</a:t>
+            </a:r>
+          </a:p>
+        </p:txBody>
+      </p:sp>
+      <p:cxnSp>
+        <p:nvCxnSpPr>
+          <p:cNvPr id="9" name="Straight Connector 8">
+            <a:extLst>
+              <a:ext uri="{FF2B5EF4-FFF2-40B4-BE49-F238E27FC236}">
+                <a16:creationId xmlns:a16="http://schemas.microsoft.com/office/drawing/2014/main" id="{E5F1067E-6432-494C-A9F6-A0356A32135E}"/>
+              </a:ext>
+            </a:extLst>
+          </p:cNvPr>
+          <p:cNvCxnSpPr/>
+          <p:nvPr/>
+        </p:nvCxnSpPr>
+        <p:spPr>
+          <a:xfrm>
+            <a:off x="5434219" y="0"/>
+            <a:ext cx="0" cy="6858000"/>
+          </a:xfrm>
+          <a:prstGeom prst="line">
+            <a:avLst/>
+          </a:prstGeom>
+        </p:spPr>
+        <p:style>
+          <a:lnRef idx="1">
+            <a:schemeClr val="accent1"/>
+          </a:lnRef>
+          <a:fillRef idx="0">
+            <a:schemeClr val="accent1"/>
+          </a:fillRef>
+          <a:effectRef idx="0">
+            <a:schemeClr val="accent1"/>
+          </a:effectRef>
+          <a:fontRef idx="minor">
+            <a:schemeClr val="tx1"/>
+          </a:fontRef>
+        </p:style>
+      </p:cxnSp>
+      <p:sp>
+        <p:nvSpPr>
+          <p:cNvPr id="11" name="Rectangle: Rounded Corners 10">
+            <a:extLst>
+              <a:ext uri="{FF2B5EF4-FFF2-40B4-BE49-F238E27FC236}">
+                <a16:creationId xmlns:a16="http://schemas.microsoft.com/office/drawing/2014/main" id="{0B356C56-401C-4550-809F-81C9647AFAD7}"/>
+              </a:ext>
+            </a:extLst>
+          </p:cNvPr>
+          <p:cNvSpPr/>
+          <p:nvPr/>
+        </p:nvSpPr>
+        <p:spPr>
+          <a:xfrm>
+            <a:off x="9787773" y="2063866"/>
+            <a:ext cx="1964366" cy="853846"/>
+          </a:xfrm>
+          <a:prstGeom prst="roundRect">
+            <a:avLst/>
+          </a:prstGeom>
+          <a:noFill/>
+          <a:ln w="19050">
+            <a:solidFill>
+              <a:schemeClr val="accent6">
+                <a:lumMod val="75000"/>
+              </a:schemeClr>
+            </a:solidFill>
+            <a:prstDash val="dash"/>
+          </a:ln>
+        </p:spPr>
+        <p:style>
+          <a:lnRef idx="2">
+            <a:schemeClr val="dk1"/>
+          </a:lnRef>
+          <a:fillRef idx="1">
+            <a:schemeClr val="lt1"/>
+          </a:fillRef>
+          <a:effectRef idx="0">
+            <a:schemeClr val="dk1"/>
+          </a:effectRef>
+          <a:fontRef idx="minor">
+            <a:schemeClr val="dk1"/>
+          </a:fontRef>
+        </p:style>
+        <p:txBody>
+          <a:bodyPr rtlCol="0" anchor="ctr"/>
+          <a:lstStyle/>
+          <a:p>
+            <a:pPr algn="ctr"/>
+            <a:endParaRPr lang="en-US" dirty="0">
               <a:solidFill>
-                <a:srgbClr val="FF0000"/>
+                <a:srgbClr val="00B050"/>
               </a:solidFill>
             </a:endParaRPr>
+          </a:p>
+        </p:txBody>
+      </p:sp>
+      <p:sp>
+        <p:nvSpPr>
+          <p:cNvPr id="12" name="TextBox 11">
+            <a:extLst>
+              <a:ext uri="{FF2B5EF4-FFF2-40B4-BE49-F238E27FC236}">
+                <a16:creationId xmlns:a16="http://schemas.microsoft.com/office/drawing/2014/main" id="{E9DE379E-D876-4DBB-A7D9-848AF669CA2E}"/>
+              </a:ext>
+            </a:extLst>
+          </p:cNvPr>
+          <p:cNvSpPr txBox="1"/>
+          <p:nvPr/>
+        </p:nvSpPr>
+        <p:spPr>
+          <a:xfrm>
+            <a:off x="9895590" y="2063866"/>
+            <a:ext cx="1774544" cy="338554"/>
+          </a:xfrm>
+          <a:prstGeom prst="rect">
+            <a:avLst/>
+          </a:prstGeom>
+          <a:noFill/>
+        </p:spPr>
+        <p:txBody>
+          <a:bodyPr wrap="square" rtlCol="0">
+            <a:spAutoFit/>
+          </a:bodyPr>
+          <a:lstStyle/>
+          <a:p>
+            <a:r>
+              <a:rPr lang="en-US" sz="1600" b="1" dirty="0">
+                <a:solidFill>
+                  <a:srgbClr val="FF0000"/>
+                </a:solidFill>
+              </a:rPr>
+              <a:t>&lt;category-view&gt;</a:t>
+            </a:r>
+          </a:p>
+        </p:txBody>
+      </p:sp>
+      <p:sp>
+        <p:nvSpPr>
+          <p:cNvPr id="15" name="Arrow: Right 14">
+            <a:extLst>
+              <a:ext uri="{FF2B5EF4-FFF2-40B4-BE49-F238E27FC236}">
+                <a16:creationId xmlns:a16="http://schemas.microsoft.com/office/drawing/2014/main" id="{B0D302FF-C607-4915-AAA6-6CE85FD59BA9}"/>
+              </a:ext>
+            </a:extLst>
+          </p:cNvPr>
+          <p:cNvSpPr/>
+          <p:nvPr/>
+        </p:nvSpPr>
+        <p:spPr>
+          <a:xfrm>
+            <a:off x="9063369" y="2324469"/>
+            <a:ext cx="715215" cy="264105"/>
+          </a:xfrm>
+          <a:prstGeom prst="rightArrow">
+            <a:avLst/>
+          </a:prstGeom>
+          <a:solidFill>
+            <a:srgbClr val="FFFF00"/>
+          </a:solidFill>
+        </p:spPr>
+        <p:style>
+          <a:lnRef idx="2">
+            <a:schemeClr val="accent1">
+              <a:shade val="50000"/>
+            </a:schemeClr>
+          </a:lnRef>
+          <a:fillRef idx="1">
+            <a:schemeClr val="accent1"/>
+          </a:fillRef>
+          <a:effectRef idx="0">
+            <a:schemeClr val="accent1"/>
+          </a:effectRef>
+          <a:fontRef idx="minor">
+            <a:schemeClr val="lt1"/>
+          </a:fontRef>
+        </p:style>
+        <p:txBody>
+          <a:bodyPr rtlCol="0" anchor="ctr"/>
+          <a:lstStyle/>
+          <a:p>
+            <a:pPr algn="ctr"/>
+            <a:endParaRPr lang="en-US"/>
+          </a:p>
+        </p:txBody>
+      </p:sp>
+      <p:sp>
+        <p:nvSpPr>
+          <p:cNvPr id="16" name="TextBox 15">
+            <a:extLst>
+              <a:ext uri="{FF2B5EF4-FFF2-40B4-BE49-F238E27FC236}">
+                <a16:creationId xmlns:a16="http://schemas.microsoft.com/office/drawing/2014/main" id="{15842F55-9100-47E6-99B1-F76342230B42}"/>
+              </a:ext>
+            </a:extLst>
+          </p:cNvPr>
+          <p:cNvSpPr txBox="1"/>
+          <p:nvPr/>
+        </p:nvSpPr>
+        <p:spPr>
+          <a:xfrm>
+            <a:off x="9054180" y="2008479"/>
+            <a:ext cx="917448" cy="338554"/>
+          </a:xfrm>
+          <a:prstGeom prst="rect">
+            <a:avLst/>
+          </a:prstGeom>
+          <a:noFill/>
+        </p:spPr>
+        <p:txBody>
+          <a:bodyPr wrap="square" rtlCol="0">
+            <a:spAutoFit/>
+          </a:bodyPr>
+          <a:lstStyle/>
+          <a:p>
+            <a:r>
+              <a:rPr lang="en-US" sz="1600" b="1" dirty="0">
+                <a:solidFill>
+                  <a:schemeClr val="accent4">
+                    <a:lumMod val="75000"/>
+                  </a:schemeClr>
+                </a:solidFill>
+              </a:rPr>
+              <a:t>INJECT</a:t>
+            </a:r>
+          </a:p>
+        </p:txBody>
+      </p:sp>
+      <p:sp>
+        <p:nvSpPr>
+          <p:cNvPr id="17" name="TextBox 16">
+            <a:extLst>
+              <a:ext uri="{FF2B5EF4-FFF2-40B4-BE49-F238E27FC236}">
+                <a16:creationId xmlns:a16="http://schemas.microsoft.com/office/drawing/2014/main" id="{10238D02-109C-40B7-85AC-43EFB2661CAA}"/>
+              </a:ext>
+            </a:extLst>
+          </p:cNvPr>
+          <p:cNvSpPr txBox="1"/>
+          <p:nvPr/>
+        </p:nvSpPr>
+        <p:spPr>
+          <a:xfrm>
+            <a:off x="6352509" y="1335570"/>
+            <a:ext cx="4383329" cy="338554"/>
+          </a:xfrm>
+          <a:prstGeom prst="rect">
+            <a:avLst/>
+          </a:prstGeom>
+          <a:noFill/>
+        </p:spPr>
+        <p:txBody>
+          <a:bodyPr wrap="square" rtlCol="0">
+            <a:spAutoFit/>
+          </a:bodyPr>
+          <a:lstStyle/>
+          <a:p>
+            <a:r>
+              <a:rPr lang="en-US" sz="1600" dirty="0"/>
+              <a:t>// </a:t>
+            </a:r>
+            <a:r>
+              <a:rPr lang="en-US" sz="1600" dirty="0">
+                <a:solidFill>
+                  <a:srgbClr val="FF0000"/>
+                </a:solidFill>
+              </a:rPr>
+              <a:t>app  </a:t>
+            </a:r>
+            <a:r>
+              <a:rPr lang="en-US" sz="1600" dirty="0"/>
+              <a:t>provides category information to anymore</a:t>
+            </a:r>
+          </a:p>
+        </p:txBody>
+      </p:sp>
+      <p:sp>
+        <p:nvSpPr>
+          <p:cNvPr id="18" name="Rectangle: Rounded Corners 17">
+            <a:extLst>
+              <a:ext uri="{FF2B5EF4-FFF2-40B4-BE49-F238E27FC236}">
+                <a16:creationId xmlns:a16="http://schemas.microsoft.com/office/drawing/2014/main" id="{D7BA7CA2-B310-42DF-A1B1-E4F1470A1424}"/>
+              </a:ext>
+            </a:extLst>
+          </p:cNvPr>
+          <p:cNvSpPr/>
+          <p:nvPr/>
+        </p:nvSpPr>
+        <p:spPr>
+          <a:xfrm>
+            <a:off x="5917415" y="4111137"/>
+            <a:ext cx="2645466" cy="684786"/>
+          </a:xfrm>
+          <a:prstGeom prst="roundRect">
+            <a:avLst/>
+          </a:prstGeom>
+          <a:noFill/>
+          <a:ln w="19050">
+            <a:solidFill>
+              <a:schemeClr val="accent5">
+                <a:lumMod val="75000"/>
+              </a:schemeClr>
+            </a:solidFill>
+            <a:prstDash val="dash"/>
+          </a:ln>
+        </p:spPr>
+        <p:style>
+          <a:lnRef idx="2">
+            <a:schemeClr val="dk1"/>
+          </a:lnRef>
+          <a:fillRef idx="1">
+            <a:schemeClr val="lt1"/>
+          </a:fillRef>
+          <a:effectRef idx="0">
+            <a:schemeClr val="dk1"/>
+          </a:effectRef>
+          <a:fontRef idx="minor">
+            <a:schemeClr val="dk1"/>
+          </a:fontRef>
+        </p:style>
+        <p:txBody>
+          <a:bodyPr rtlCol="0" anchor="ctr"/>
+          <a:lstStyle/>
+          <a:p>
+            <a:pPr algn="ctr"/>
+            <a:endParaRPr lang="en-US" dirty="0">
+              <a:solidFill>
+                <a:srgbClr val="00B050"/>
+              </a:solidFill>
+            </a:endParaRPr>
+          </a:p>
+        </p:txBody>
+      </p:sp>
+      <p:sp>
+        <p:nvSpPr>
+          <p:cNvPr id="19" name="TextBox 18">
+            <a:extLst>
+              <a:ext uri="{FF2B5EF4-FFF2-40B4-BE49-F238E27FC236}">
+                <a16:creationId xmlns:a16="http://schemas.microsoft.com/office/drawing/2014/main" id="{F2E6B44E-2FCA-438C-82F7-D8FF7B4B246B}"/>
+              </a:ext>
+            </a:extLst>
+          </p:cNvPr>
+          <p:cNvSpPr txBox="1"/>
+          <p:nvPr/>
+        </p:nvSpPr>
+        <p:spPr>
+          <a:xfrm>
+            <a:off x="6622498" y="4292390"/>
+            <a:ext cx="1427751" cy="338554"/>
+          </a:xfrm>
+          <a:prstGeom prst="rect">
+            <a:avLst/>
+          </a:prstGeom>
+          <a:noFill/>
+        </p:spPr>
+        <p:txBody>
+          <a:bodyPr wrap="square" rtlCol="0">
+            <a:spAutoFit/>
+          </a:bodyPr>
+          <a:lstStyle/>
+          <a:p>
+            <a:r>
+              <a:rPr lang="en-US" sz="1600" b="1" dirty="0">
+                <a:solidFill>
+                  <a:srgbClr val="7030A0"/>
+                </a:solidFill>
+              </a:rPr>
+              <a:t>&lt;router-view&gt;</a:t>
+            </a:r>
+          </a:p>
+        </p:txBody>
+      </p:sp>
+      <p:sp>
+        <p:nvSpPr>
+          <p:cNvPr id="20" name="TextBox 19">
+            <a:extLst>
+              <a:ext uri="{FF2B5EF4-FFF2-40B4-BE49-F238E27FC236}">
+                <a16:creationId xmlns:a16="http://schemas.microsoft.com/office/drawing/2014/main" id="{B643F800-F34D-4076-8E7F-C68C8AA6F0EF}"/>
+              </a:ext>
+            </a:extLst>
+          </p:cNvPr>
+          <p:cNvSpPr txBox="1"/>
+          <p:nvPr/>
+        </p:nvSpPr>
+        <p:spPr>
+          <a:xfrm>
+            <a:off x="6035013" y="5087367"/>
+            <a:ext cx="2911350" cy="338554"/>
+          </a:xfrm>
+          <a:prstGeom prst="rect">
+            <a:avLst/>
+          </a:prstGeom>
+          <a:noFill/>
+        </p:spPr>
+        <p:txBody>
+          <a:bodyPr wrap="square" rtlCol="0">
+            <a:spAutoFit/>
+          </a:bodyPr>
+          <a:lstStyle/>
+          <a:p>
+            <a:r>
+              <a:rPr lang="en-US" sz="1600" dirty="0"/>
+              <a:t>// Vue JS built-in component</a:t>
+            </a:r>
+          </a:p>
+        </p:txBody>
+      </p:sp>
+      <p:sp>
+        <p:nvSpPr>
+          <p:cNvPr id="21" name="Rectangle: Rounded Corners 20">
+            <a:extLst>
+              <a:ext uri="{FF2B5EF4-FFF2-40B4-BE49-F238E27FC236}">
+                <a16:creationId xmlns:a16="http://schemas.microsoft.com/office/drawing/2014/main" id="{471218D4-50C0-4F67-B38C-5D5949AFC1CB}"/>
+              </a:ext>
+            </a:extLst>
+          </p:cNvPr>
+          <p:cNvSpPr/>
+          <p:nvPr/>
+        </p:nvSpPr>
+        <p:spPr>
+          <a:xfrm>
+            <a:off x="1199332" y="481724"/>
+            <a:ext cx="1964366" cy="853846"/>
+          </a:xfrm>
+          <a:prstGeom prst="roundRect">
+            <a:avLst/>
+          </a:prstGeom>
+          <a:noFill/>
+          <a:ln w="19050">
+            <a:solidFill>
+              <a:schemeClr val="accent6">
+                <a:lumMod val="75000"/>
+              </a:schemeClr>
+            </a:solidFill>
+            <a:prstDash val="dash"/>
+          </a:ln>
+        </p:spPr>
+        <p:style>
+          <a:lnRef idx="2">
+            <a:schemeClr val="dk1"/>
+          </a:lnRef>
+          <a:fillRef idx="1">
+            <a:schemeClr val="lt1"/>
+          </a:fillRef>
+          <a:effectRef idx="0">
+            <a:schemeClr val="dk1"/>
+          </a:effectRef>
+          <a:fontRef idx="minor">
+            <a:schemeClr val="dk1"/>
+          </a:fontRef>
+        </p:style>
+        <p:txBody>
+          <a:bodyPr rtlCol="0" anchor="ctr"/>
+          <a:lstStyle/>
+          <a:p>
+            <a:pPr algn="ctr"/>
+            <a:endParaRPr lang="en-US" dirty="0">
+              <a:solidFill>
+                <a:srgbClr val="00B050"/>
+              </a:solidFill>
+            </a:endParaRPr>
+          </a:p>
+        </p:txBody>
+      </p:sp>
+      <p:sp>
+        <p:nvSpPr>
+          <p:cNvPr id="22" name="TextBox 21">
+            <a:extLst>
+              <a:ext uri="{FF2B5EF4-FFF2-40B4-BE49-F238E27FC236}">
+                <a16:creationId xmlns:a16="http://schemas.microsoft.com/office/drawing/2014/main" id="{001AFAB7-3BED-4AB6-9756-303D0A55C42D}"/>
+              </a:ext>
+            </a:extLst>
+          </p:cNvPr>
+          <p:cNvSpPr txBox="1"/>
+          <p:nvPr/>
+        </p:nvSpPr>
+        <p:spPr>
+          <a:xfrm>
+            <a:off x="1688266" y="565311"/>
+            <a:ext cx="760218" cy="338554"/>
+          </a:xfrm>
+          <a:prstGeom prst="rect">
+            <a:avLst/>
+          </a:prstGeom>
+          <a:noFill/>
+        </p:spPr>
+        <p:txBody>
+          <a:bodyPr wrap="square" rtlCol="0">
+            <a:spAutoFit/>
+          </a:bodyPr>
+          <a:lstStyle/>
+          <a:p>
+            <a:r>
+              <a:rPr lang="en-US" sz="1600" b="1" dirty="0">
+                <a:solidFill>
+                  <a:srgbClr val="FF0000"/>
+                </a:solidFill>
+              </a:rPr>
+              <a:t>&lt;app&gt;</a:t>
+            </a:r>
+          </a:p>
+        </p:txBody>
+      </p:sp>
+      <p:sp>
+        <p:nvSpPr>
+          <p:cNvPr id="23" name="TextBox 22">
+            <a:extLst>
+              <a:ext uri="{FF2B5EF4-FFF2-40B4-BE49-F238E27FC236}">
+                <a16:creationId xmlns:a16="http://schemas.microsoft.com/office/drawing/2014/main" id="{C98AADE0-BBC0-48B2-BF05-58BDFFC3B0FC}"/>
+              </a:ext>
+            </a:extLst>
+          </p:cNvPr>
+          <p:cNvSpPr txBox="1"/>
+          <p:nvPr/>
+        </p:nvSpPr>
+        <p:spPr>
+          <a:xfrm>
+            <a:off x="1199332" y="834007"/>
+            <a:ext cx="1903725" cy="338554"/>
+          </a:xfrm>
+          <a:prstGeom prst="rect">
+            <a:avLst/>
+          </a:prstGeom>
+          <a:noFill/>
+        </p:spPr>
+        <p:txBody>
+          <a:bodyPr wrap="square" rtlCol="0">
+            <a:spAutoFit/>
+          </a:bodyPr>
+          <a:lstStyle/>
+          <a:p>
+            <a:r>
+              <a:rPr lang="en-US" sz="1600" dirty="0"/>
+              <a:t>category-info[]</a:t>
+            </a:r>
+          </a:p>
+        </p:txBody>
+      </p:sp>
+      <p:sp>
+        <p:nvSpPr>
+          <p:cNvPr id="24" name="TextBox 23">
+            <a:extLst>
+              <a:ext uri="{FF2B5EF4-FFF2-40B4-BE49-F238E27FC236}">
+                <a16:creationId xmlns:a16="http://schemas.microsoft.com/office/drawing/2014/main" id="{C44F45A5-B171-482E-ACD5-8FD936F9F55D}"/>
+              </a:ext>
+            </a:extLst>
+          </p:cNvPr>
+          <p:cNvSpPr txBox="1"/>
+          <p:nvPr/>
+        </p:nvSpPr>
+        <p:spPr>
+          <a:xfrm>
+            <a:off x="521866" y="1527709"/>
+            <a:ext cx="4606724" cy="584775"/>
+          </a:xfrm>
+          <a:prstGeom prst="rect">
+            <a:avLst/>
+          </a:prstGeom>
+          <a:noFill/>
+        </p:spPr>
+        <p:txBody>
+          <a:bodyPr wrap="square" rtlCol="0">
+            <a:spAutoFit/>
+          </a:bodyPr>
+          <a:lstStyle/>
+          <a:p>
+            <a:r>
+              <a:rPr lang="en-US" sz="1600" dirty="0"/>
+              <a:t>// A component with a list of category information as data</a:t>
+            </a:r>
+          </a:p>
+        </p:txBody>
+      </p:sp>
+      <p:sp>
+        <p:nvSpPr>
+          <p:cNvPr id="25" name="TextBox 24">
+            <a:extLst>
+              <a:ext uri="{FF2B5EF4-FFF2-40B4-BE49-F238E27FC236}">
+                <a16:creationId xmlns:a16="http://schemas.microsoft.com/office/drawing/2014/main" id="{BC8013E9-4EFA-46A6-8A66-13FF8B9AC62C}"/>
+              </a:ext>
+            </a:extLst>
+          </p:cNvPr>
+          <p:cNvSpPr txBox="1"/>
+          <p:nvPr/>
+        </p:nvSpPr>
+        <p:spPr>
+          <a:xfrm>
+            <a:off x="6756385" y="3039879"/>
+            <a:ext cx="5371852" cy="338554"/>
+          </a:xfrm>
+          <a:prstGeom prst="rect">
+            <a:avLst/>
+          </a:prstGeom>
+          <a:noFill/>
+        </p:spPr>
+        <p:txBody>
+          <a:bodyPr wrap="square" rtlCol="0">
+            <a:spAutoFit/>
+          </a:bodyPr>
+          <a:lstStyle/>
+          <a:p>
+            <a:r>
+              <a:rPr lang="en-US" sz="1600" dirty="0"/>
+              <a:t>//</a:t>
+            </a:r>
+            <a:r>
+              <a:rPr lang="en-US" sz="1600" dirty="0">
+                <a:solidFill>
+                  <a:srgbClr val="FF0000"/>
+                </a:solidFill>
+              </a:rPr>
+              <a:t>category-view </a:t>
+            </a:r>
+            <a:r>
+              <a:rPr lang="en-US" sz="1600" dirty="0"/>
+              <a:t>gets my-event information from a provider</a:t>
+            </a:r>
+          </a:p>
+        </p:txBody>
+      </p:sp>
+      <p:sp>
+        <p:nvSpPr>
+          <p:cNvPr id="29" name="Rectangle: Rounded Corners 28">
+            <a:extLst>
+              <a:ext uri="{FF2B5EF4-FFF2-40B4-BE49-F238E27FC236}">
+                <a16:creationId xmlns:a16="http://schemas.microsoft.com/office/drawing/2014/main" id="{25276C31-8E86-4F25-BF01-19D0240494FE}"/>
+              </a:ext>
+            </a:extLst>
+          </p:cNvPr>
+          <p:cNvSpPr/>
+          <p:nvPr/>
+        </p:nvSpPr>
+        <p:spPr>
+          <a:xfrm>
+            <a:off x="98483" y="2588574"/>
+            <a:ext cx="1964366" cy="853846"/>
+          </a:xfrm>
+          <a:prstGeom prst="roundRect">
+            <a:avLst/>
+          </a:prstGeom>
+          <a:noFill/>
+          <a:ln w="19050">
+            <a:solidFill>
+              <a:schemeClr val="accent6">
+                <a:lumMod val="75000"/>
+              </a:schemeClr>
+            </a:solidFill>
+            <a:prstDash val="dash"/>
+          </a:ln>
+        </p:spPr>
+        <p:style>
+          <a:lnRef idx="2">
+            <a:schemeClr val="dk1"/>
+          </a:lnRef>
+          <a:fillRef idx="1">
+            <a:schemeClr val="lt1"/>
+          </a:fillRef>
+          <a:effectRef idx="0">
+            <a:schemeClr val="dk1"/>
+          </a:effectRef>
+          <a:fontRef idx="minor">
+            <a:schemeClr val="dk1"/>
+          </a:fontRef>
+        </p:style>
+        <p:txBody>
+          <a:bodyPr rtlCol="0" anchor="ctr"/>
+          <a:lstStyle/>
+          <a:p>
+            <a:pPr algn="ctr"/>
+            <a:endParaRPr lang="en-US" dirty="0">
+              <a:solidFill>
+                <a:srgbClr val="00B050"/>
+              </a:solidFill>
+            </a:endParaRPr>
+          </a:p>
+        </p:txBody>
+      </p:sp>
+      <p:sp>
+        <p:nvSpPr>
+          <p:cNvPr id="30" name="TextBox 29">
+            <a:extLst>
+              <a:ext uri="{FF2B5EF4-FFF2-40B4-BE49-F238E27FC236}">
+                <a16:creationId xmlns:a16="http://schemas.microsoft.com/office/drawing/2014/main" id="{BA0D3337-9C3D-4B12-933D-3010EA6C96D1}"/>
+              </a:ext>
+            </a:extLst>
+          </p:cNvPr>
+          <p:cNvSpPr txBox="1"/>
+          <p:nvPr/>
+        </p:nvSpPr>
+        <p:spPr>
+          <a:xfrm>
+            <a:off x="587417" y="2672161"/>
+            <a:ext cx="760218" cy="338554"/>
+          </a:xfrm>
+          <a:prstGeom prst="rect">
+            <a:avLst/>
+          </a:prstGeom>
+          <a:noFill/>
+        </p:spPr>
+        <p:txBody>
+          <a:bodyPr wrap="square" rtlCol="0">
+            <a:spAutoFit/>
+          </a:bodyPr>
+          <a:lstStyle/>
+          <a:p>
+            <a:r>
+              <a:rPr lang="en-US" sz="1600" b="1" dirty="0">
+                <a:solidFill>
+                  <a:srgbClr val="FF0000"/>
+                </a:solidFill>
+              </a:rPr>
+              <a:t>&lt;app&gt;</a:t>
+            </a:r>
+          </a:p>
+        </p:txBody>
+      </p:sp>
+      <p:sp>
+        <p:nvSpPr>
+          <p:cNvPr id="33" name="Rectangle: Rounded Corners 32">
+            <a:extLst>
+              <a:ext uri="{FF2B5EF4-FFF2-40B4-BE49-F238E27FC236}">
+                <a16:creationId xmlns:a16="http://schemas.microsoft.com/office/drawing/2014/main" id="{87A0A934-5288-4DD0-A262-AE816FCDA6D6}"/>
+              </a:ext>
+            </a:extLst>
+          </p:cNvPr>
+          <p:cNvSpPr/>
+          <p:nvPr/>
+        </p:nvSpPr>
+        <p:spPr>
+          <a:xfrm>
+            <a:off x="3103057" y="2612956"/>
+            <a:ext cx="1964366" cy="853846"/>
+          </a:xfrm>
+          <a:prstGeom prst="roundRect">
+            <a:avLst/>
+          </a:prstGeom>
+          <a:noFill/>
+          <a:ln w="19050">
+            <a:solidFill>
+              <a:schemeClr val="accent6">
+                <a:lumMod val="75000"/>
+              </a:schemeClr>
+            </a:solidFill>
+            <a:prstDash val="dash"/>
+          </a:ln>
+        </p:spPr>
+        <p:style>
+          <a:lnRef idx="2">
+            <a:schemeClr val="dk1"/>
+          </a:lnRef>
+          <a:fillRef idx="1">
+            <a:schemeClr val="lt1"/>
+          </a:fillRef>
+          <a:effectRef idx="0">
+            <a:schemeClr val="dk1"/>
+          </a:effectRef>
+          <a:fontRef idx="minor">
+            <a:schemeClr val="dk1"/>
+          </a:fontRef>
+        </p:style>
+        <p:txBody>
+          <a:bodyPr rtlCol="0" anchor="ctr"/>
+          <a:lstStyle/>
+          <a:p>
+            <a:pPr algn="ctr"/>
+            <a:endParaRPr lang="en-US" dirty="0">
+              <a:solidFill>
+                <a:srgbClr val="00B050"/>
+              </a:solidFill>
+            </a:endParaRPr>
+          </a:p>
+        </p:txBody>
+      </p:sp>
+      <p:sp>
+        <p:nvSpPr>
+          <p:cNvPr id="34" name="TextBox 33">
+            <a:extLst>
+              <a:ext uri="{FF2B5EF4-FFF2-40B4-BE49-F238E27FC236}">
+                <a16:creationId xmlns:a16="http://schemas.microsoft.com/office/drawing/2014/main" id="{B7C6FE79-5BD1-4CFA-BFAF-2F4283479B16}"/>
+              </a:ext>
+            </a:extLst>
+          </p:cNvPr>
+          <p:cNvSpPr txBox="1"/>
+          <p:nvPr/>
+        </p:nvSpPr>
+        <p:spPr>
+          <a:xfrm>
+            <a:off x="3041890" y="2696543"/>
+            <a:ext cx="1964366" cy="338554"/>
+          </a:xfrm>
+          <a:prstGeom prst="rect">
+            <a:avLst/>
+          </a:prstGeom>
+          <a:noFill/>
+        </p:spPr>
+        <p:txBody>
+          <a:bodyPr wrap="square" rtlCol="0">
+            <a:spAutoFit/>
+          </a:bodyPr>
+          <a:lstStyle/>
+          <a:p>
+            <a:pPr algn="ctr"/>
+            <a:r>
+              <a:rPr lang="en-US" sz="1600" b="1" dirty="0">
+                <a:solidFill>
+                  <a:srgbClr val="FF0000"/>
+                </a:solidFill>
+              </a:rPr>
+              <a:t>&lt;category-card&gt;</a:t>
+            </a:r>
+          </a:p>
+        </p:txBody>
+      </p:sp>
+      <p:sp>
+        <p:nvSpPr>
+          <p:cNvPr id="36" name="Rectangle: Rounded Corners 35">
+            <a:extLst>
+              <a:ext uri="{FF2B5EF4-FFF2-40B4-BE49-F238E27FC236}">
+                <a16:creationId xmlns:a16="http://schemas.microsoft.com/office/drawing/2014/main" id="{042E4505-100E-4891-B23C-BD4D3FC30012}"/>
+              </a:ext>
+            </a:extLst>
+          </p:cNvPr>
+          <p:cNvSpPr/>
+          <p:nvPr/>
+        </p:nvSpPr>
+        <p:spPr>
+          <a:xfrm>
+            <a:off x="98483" y="4606562"/>
+            <a:ext cx="1964366" cy="853846"/>
+          </a:xfrm>
+          <a:prstGeom prst="roundRect">
+            <a:avLst/>
+          </a:prstGeom>
+          <a:noFill/>
+          <a:ln w="19050">
+            <a:solidFill>
+              <a:schemeClr val="accent6">
+                <a:lumMod val="75000"/>
+              </a:schemeClr>
+            </a:solidFill>
+            <a:prstDash val="dash"/>
+          </a:ln>
+        </p:spPr>
+        <p:style>
+          <a:lnRef idx="2">
+            <a:schemeClr val="dk1"/>
+          </a:lnRef>
+          <a:fillRef idx="1">
+            <a:schemeClr val="lt1"/>
+          </a:fillRef>
+          <a:effectRef idx="0">
+            <a:schemeClr val="dk1"/>
+          </a:effectRef>
+          <a:fontRef idx="minor">
+            <a:schemeClr val="dk1"/>
+          </a:fontRef>
+        </p:style>
+        <p:txBody>
+          <a:bodyPr rtlCol="0" anchor="ctr"/>
+          <a:lstStyle/>
+          <a:p>
+            <a:pPr algn="ctr"/>
+            <a:endParaRPr lang="en-US" dirty="0">
+              <a:solidFill>
+                <a:srgbClr val="00B050"/>
+              </a:solidFill>
+            </a:endParaRPr>
+          </a:p>
+        </p:txBody>
+      </p:sp>
+      <p:sp>
+        <p:nvSpPr>
+          <p:cNvPr id="37" name="TextBox 36">
+            <a:extLst>
+              <a:ext uri="{FF2B5EF4-FFF2-40B4-BE49-F238E27FC236}">
+                <a16:creationId xmlns:a16="http://schemas.microsoft.com/office/drawing/2014/main" id="{D14AB65D-5AEE-42A7-AB74-69A2F3CED147}"/>
+              </a:ext>
+            </a:extLst>
+          </p:cNvPr>
+          <p:cNvSpPr txBox="1"/>
+          <p:nvPr/>
+        </p:nvSpPr>
+        <p:spPr>
+          <a:xfrm>
+            <a:off x="587417" y="4690149"/>
+            <a:ext cx="983404" cy="338554"/>
+          </a:xfrm>
+          <a:prstGeom prst="rect">
+            <a:avLst/>
+          </a:prstGeom>
+          <a:noFill/>
+        </p:spPr>
+        <p:txBody>
+          <a:bodyPr wrap="square" rtlCol="0">
+            <a:spAutoFit/>
+          </a:bodyPr>
+          <a:lstStyle/>
+          <a:p>
+            <a:r>
+              <a:rPr lang="en-US" sz="1600" b="1" dirty="0">
+                <a:solidFill>
+                  <a:srgbClr val="FF0000"/>
+                </a:solidFill>
+              </a:rPr>
+              <a:t>&lt;parent&gt;</a:t>
+            </a:r>
+          </a:p>
+        </p:txBody>
+      </p:sp>
+      <p:sp>
+        <p:nvSpPr>
+          <p:cNvPr id="39" name="Rectangle: Rounded Corners 38">
+            <a:extLst>
+              <a:ext uri="{FF2B5EF4-FFF2-40B4-BE49-F238E27FC236}">
+                <a16:creationId xmlns:a16="http://schemas.microsoft.com/office/drawing/2014/main" id="{64C89FD5-37CC-4CC5-9A34-C653A9A2C3A6}"/>
+              </a:ext>
+            </a:extLst>
+          </p:cNvPr>
+          <p:cNvSpPr/>
+          <p:nvPr/>
+        </p:nvSpPr>
+        <p:spPr>
+          <a:xfrm>
+            <a:off x="3103057" y="4630944"/>
+            <a:ext cx="1964366" cy="853846"/>
+          </a:xfrm>
+          <a:prstGeom prst="roundRect">
+            <a:avLst/>
+          </a:prstGeom>
+          <a:noFill/>
+          <a:ln w="19050">
+            <a:solidFill>
+              <a:schemeClr val="accent6">
+                <a:lumMod val="75000"/>
+              </a:schemeClr>
+            </a:solidFill>
+            <a:prstDash val="dash"/>
+          </a:ln>
+        </p:spPr>
+        <p:style>
+          <a:lnRef idx="2">
+            <a:schemeClr val="dk1"/>
+          </a:lnRef>
+          <a:fillRef idx="1">
+            <a:schemeClr val="lt1"/>
+          </a:fillRef>
+          <a:effectRef idx="0">
+            <a:schemeClr val="dk1"/>
+          </a:effectRef>
+          <a:fontRef idx="minor">
+            <a:schemeClr val="dk1"/>
+          </a:fontRef>
+        </p:style>
+        <p:txBody>
+          <a:bodyPr rtlCol="0" anchor="ctr"/>
+          <a:lstStyle/>
+          <a:p>
+            <a:pPr algn="ctr"/>
+            <a:endParaRPr lang="en-US" dirty="0">
+              <a:solidFill>
+                <a:srgbClr val="00B050"/>
+              </a:solidFill>
+            </a:endParaRPr>
+          </a:p>
+        </p:txBody>
+      </p:sp>
+      <p:sp>
+        <p:nvSpPr>
+          <p:cNvPr id="40" name="TextBox 39">
+            <a:extLst>
+              <a:ext uri="{FF2B5EF4-FFF2-40B4-BE49-F238E27FC236}">
+                <a16:creationId xmlns:a16="http://schemas.microsoft.com/office/drawing/2014/main" id="{B2B2B631-B52E-4D42-B966-20EC2F2CDF78}"/>
+              </a:ext>
+            </a:extLst>
+          </p:cNvPr>
+          <p:cNvSpPr txBox="1"/>
+          <p:nvPr/>
+        </p:nvSpPr>
+        <p:spPr>
+          <a:xfrm>
+            <a:off x="3103056" y="4714531"/>
+            <a:ext cx="2004693" cy="338554"/>
+          </a:xfrm>
+          <a:prstGeom prst="rect">
+            <a:avLst/>
+          </a:prstGeom>
+          <a:noFill/>
+        </p:spPr>
+        <p:txBody>
+          <a:bodyPr wrap="square" rtlCol="0">
+            <a:spAutoFit/>
+          </a:bodyPr>
+          <a:lstStyle/>
+          <a:p>
+            <a:pPr algn="ctr"/>
+            <a:r>
+              <a:rPr lang="en-US" sz="1600" b="1" dirty="0">
+                <a:solidFill>
+                  <a:srgbClr val="FF0000"/>
+                </a:solidFill>
+              </a:rPr>
+              <a:t>&lt;category-form&gt;</a:t>
+            </a:r>
+          </a:p>
+        </p:txBody>
+      </p:sp>
+      <p:sp>
+        <p:nvSpPr>
+          <p:cNvPr id="42" name="TextBox 41">
+            <a:extLst>
+              <a:ext uri="{FF2B5EF4-FFF2-40B4-BE49-F238E27FC236}">
+                <a16:creationId xmlns:a16="http://schemas.microsoft.com/office/drawing/2014/main" id="{224FA539-0218-4AE8-B200-E46D3080E272}"/>
+              </a:ext>
+            </a:extLst>
+          </p:cNvPr>
+          <p:cNvSpPr txBox="1"/>
+          <p:nvPr/>
+        </p:nvSpPr>
+        <p:spPr>
+          <a:xfrm>
+            <a:off x="195712" y="2996583"/>
+            <a:ext cx="1903725" cy="338554"/>
+          </a:xfrm>
+          <a:prstGeom prst="rect">
+            <a:avLst/>
+          </a:prstGeom>
+          <a:noFill/>
+        </p:spPr>
+        <p:txBody>
+          <a:bodyPr wrap="square" rtlCol="0">
+            <a:spAutoFit/>
+          </a:bodyPr>
+          <a:lstStyle/>
+          <a:p>
+            <a:r>
+              <a:rPr lang="en-US" sz="1600" dirty="0"/>
+              <a:t>category-info[]</a:t>
+            </a:r>
+          </a:p>
+        </p:txBody>
+      </p:sp>
+      <p:sp>
+        <p:nvSpPr>
+          <p:cNvPr id="43" name="TextBox 42">
+            <a:extLst>
+              <a:ext uri="{FF2B5EF4-FFF2-40B4-BE49-F238E27FC236}">
+                <a16:creationId xmlns:a16="http://schemas.microsoft.com/office/drawing/2014/main" id="{AAFD11AF-EC40-4BF5-89F0-06C2A3F64A4E}"/>
+              </a:ext>
+            </a:extLst>
+          </p:cNvPr>
+          <p:cNvSpPr txBox="1"/>
+          <p:nvPr/>
+        </p:nvSpPr>
+        <p:spPr>
+          <a:xfrm>
+            <a:off x="3224865" y="2996583"/>
+            <a:ext cx="1903725" cy="338554"/>
+          </a:xfrm>
+          <a:prstGeom prst="rect">
+            <a:avLst/>
+          </a:prstGeom>
+          <a:noFill/>
+        </p:spPr>
+        <p:txBody>
+          <a:bodyPr wrap="square" rtlCol="0">
+            <a:spAutoFit/>
+          </a:bodyPr>
+          <a:lstStyle/>
+          <a:p>
+            <a:r>
+              <a:rPr lang="en-US" sz="1600" dirty="0"/>
+              <a:t>category-info[]</a:t>
+            </a:r>
+          </a:p>
+        </p:txBody>
+      </p:sp>
+      <p:sp>
+        <p:nvSpPr>
+          <p:cNvPr id="44" name="TextBox 43">
+            <a:extLst>
+              <a:ext uri="{FF2B5EF4-FFF2-40B4-BE49-F238E27FC236}">
+                <a16:creationId xmlns:a16="http://schemas.microsoft.com/office/drawing/2014/main" id="{692A03FA-142D-4FD9-863D-233C5CE83D91}"/>
+              </a:ext>
+            </a:extLst>
+          </p:cNvPr>
+          <p:cNvSpPr txBox="1"/>
+          <p:nvPr/>
+        </p:nvSpPr>
+        <p:spPr>
+          <a:xfrm>
+            <a:off x="128803" y="4991744"/>
+            <a:ext cx="1903725" cy="338554"/>
+          </a:xfrm>
+          <a:prstGeom prst="rect">
+            <a:avLst/>
+          </a:prstGeom>
+          <a:noFill/>
+        </p:spPr>
+        <p:txBody>
+          <a:bodyPr wrap="square" rtlCol="0">
+            <a:spAutoFit/>
+          </a:bodyPr>
+          <a:lstStyle/>
+          <a:p>
+            <a:r>
+              <a:rPr lang="en-US" sz="1600" dirty="0"/>
+              <a:t>category-info[]</a:t>
+            </a:r>
+          </a:p>
+        </p:txBody>
+      </p:sp>
+      <p:sp>
+        <p:nvSpPr>
+          <p:cNvPr id="45" name="TextBox 44">
+            <a:extLst>
+              <a:ext uri="{FF2B5EF4-FFF2-40B4-BE49-F238E27FC236}">
+                <a16:creationId xmlns:a16="http://schemas.microsoft.com/office/drawing/2014/main" id="{842B23ED-FF59-4F7C-B4C3-7817223A0445}"/>
+              </a:ext>
+            </a:extLst>
+          </p:cNvPr>
+          <p:cNvSpPr txBox="1"/>
+          <p:nvPr/>
+        </p:nvSpPr>
+        <p:spPr>
+          <a:xfrm>
+            <a:off x="3177952" y="5023280"/>
+            <a:ext cx="1903725" cy="338554"/>
+          </a:xfrm>
+          <a:prstGeom prst="rect">
+            <a:avLst/>
+          </a:prstGeom>
+          <a:noFill/>
+        </p:spPr>
+        <p:txBody>
+          <a:bodyPr wrap="square" rtlCol="0">
+            <a:spAutoFit/>
+          </a:bodyPr>
+          <a:lstStyle/>
+          <a:p>
+            <a:r>
+              <a:rPr lang="en-US" sz="1600" dirty="0"/>
+              <a:t>category-info[]</a:t>
+            </a:r>
+          </a:p>
+        </p:txBody>
+      </p:sp>
+      <p:sp>
+        <p:nvSpPr>
+          <p:cNvPr id="2" name="Arrow: Right 1">
+            <a:extLst>
+              <a:ext uri="{FF2B5EF4-FFF2-40B4-BE49-F238E27FC236}">
+                <a16:creationId xmlns:a16="http://schemas.microsoft.com/office/drawing/2014/main" id="{4345D9D4-0456-4405-B72A-37809DF4D3F9}"/>
+              </a:ext>
+            </a:extLst>
+          </p:cNvPr>
+          <p:cNvSpPr/>
+          <p:nvPr/>
+        </p:nvSpPr>
+        <p:spPr>
+          <a:xfrm>
+            <a:off x="2099437" y="2781533"/>
+            <a:ext cx="804822" cy="458363"/>
+          </a:xfrm>
+          <a:prstGeom prst="rightArrow">
+            <a:avLst/>
+          </a:prstGeom>
+          <a:solidFill>
+            <a:schemeClr val="accent6"/>
+          </a:solidFill>
+          <a:ln>
+            <a:solidFill>
+              <a:schemeClr val="accent6"/>
+            </a:solidFill>
+          </a:ln>
+        </p:spPr>
+        <p:style>
+          <a:lnRef idx="2">
+            <a:schemeClr val="accent1">
+              <a:shade val="50000"/>
+            </a:schemeClr>
+          </a:lnRef>
+          <a:fillRef idx="1">
+            <a:schemeClr val="accent1"/>
+          </a:fillRef>
+          <a:effectRef idx="0">
+            <a:schemeClr val="accent1"/>
+          </a:effectRef>
+          <a:fontRef idx="minor">
+            <a:schemeClr val="lt1"/>
+          </a:fontRef>
+        </p:style>
+        <p:txBody>
+          <a:bodyPr rtlCol="0" anchor="ctr"/>
+          <a:lstStyle/>
+          <a:p>
+            <a:pPr algn="ctr"/>
+            <a:endParaRPr lang="en-US"/>
+          </a:p>
+        </p:txBody>
+      </p:sp>
+      <p:sp>
+        <p:nvSpPr>
+          <p:cNvPr id="46" name="TextBox 45">
+            <a:extLst>
+              <a:ext uri="{FF2B5EF4-FFF2-40B4-BE49-F238E27FC236}">
+                <a16:creationId xmlns:a16="http://schemas.microsoft.com/office/drawing/2014/main" id="{A0A8692C-E733-460E-A30A-D4EF0185416D}"/>
+              </a:ext>
+            </a:extLst>
+          </p:cNvPr>
+          <p:cNvSpPr txBox="1"/>
+          <p:nvPr/>
+        </p:nvSpPr>
+        <p:spPr>
+          <a:xfrm>
+            <a:off x="2034319" y="2487076"/>
+            <a:ext cx="1129379" cy="338554"/>
+          </a:xfrm>
+          <a:prstGeom prst="rect">
+            <a:avLst/>
+          </a:prstGeom>
+          <a:noFill/>
+        </p:spPr>
+        <p:txBody>
+          <a:bodyPr wrap="square" rtlCol="0">
+            <a:spAutoFit/>
+          </a:bodyPr>
+          <a:lstStyle/>
+          <a:p>
+            <a:r>
+              <a:rPr lang="en-US" sz="1600" b="1" dirty="0">
+                <a:solidFill>
+                  <a:schemeClr val="accent6">
+                    <a:lumMod val="75000"/>
+                  </a:schemeClr>
+                </a:solidFill>
+              </a:rPr>
+              <a:t>PROPS</a:t>
+            </a:r>
+          </a:p>
+        </p:txBody>
+      </p:sp>
+      <p:sp>
+        <p:nvSpPr>
+          <p:cNvPr id="47" name="TextBox 46">
+            <a:extLst>
+              <a:ext uri="{FF2B5EF4-FFF2-40B4-BE49-F238E27FC236}">
+                <a16:creationId xmlns:a16="http://schemas.microsoft.com/office/drawing/2014/main" id="{CE56E51E-54C4-490B-801F-BDC8FFABA4B9}"/>
+              </a:ext>
+            </a:extLst>
+          </p:cNvPr>
+          <p:cNvSpPr txBox="1"/>
+          <p:nvPr/>
+        </p:nvSpPr>
+        <p:spPr>
+          <a:xfrm>
+            <a:off x="2060625" y="3167536"/>
+            <a:ext cx="1025265" cy="338554"/>
+          </a:xfrm>
+          <a:prstGeom prst="rect">
+            <a:avLst/>
+          </a:prstGeom>
+          <a:noFill/>
+        </p:spPr>
+        <p:txBody>
+          <a:bodyPr wrap="square" rtlCol="0">
+            <a:spAutoFit/>
+          </a:bodyPr>
+          <a:lstStyle/>
+          <a:p>
+            <a:r>
+              <a:rPr lang="en-US" sz="1600" dirty="0"/>
+              <a:t>my-event</a:t>
+            </a:r>
+          </a:p>
+        </p:txBody>
+      </p:sp>
+      <p:sp>
+        <p:nvSpPr>
+          <p:cNvPr id="3" name="Arrow: Left 2">
+            <a:extLst>
+              <a:ext uri="{FF2B5EF4-FFF2-40B4-BE49-F238E27FC236}">
+                <a16:creationId xmlns:a16="http://schemas.microsoft.com/office/drawing/2014/main" id="{074BAD7D-D9AB-4E80-AF23-06A919FE506A}"/>
+              </a:ext>
+            </a:extLst>
+          </p:cNvPr>
+          <p:cNvSpPr/>
+          <p:nvPr/>
+        </p:nvSpPr>
+        <p:spPr>
+          <a:xfrm>
+            <a:off x="2171614" y="4845585"/>
+            <a:ext cx="901122" cy="446490"/>
+          </a:xfrm>
+          <a:prstGeom prst="leftArrow">
+            <a:avLst/>
+          </a:prstGeom>
+          <a:solidFill>
+            <a:srgbClr val="FF0000"/>
+          </a:solidFill>
+        </p:spPr>
+        <p:style>
+          <a:lnRef idx="2">
+            <a:schemeClr val="accent1">
+              <a:shade val="50000"/>
+            </a:schemeClr>
+          </a:lnRef>
+          <a:fillRef idx="1">
+            <a:schemeClr val="accent1"/>
+          </a:fillRef>
+          <a:effectRef idx="0">
+            <a:schemeClr val="accent1"/>
+          </a:effectRef>
+          <a:fontRef idx="minor">
+            <a:schemeClr val="lt1"/>
+          </a:fontRef>
+        </p:style>
+        <p:txBody>
+          <a:bodyPr rtlCol="0" anchor="ctr"/>
+          <a:lstStyle/>
+          <a:p>
+            <a:pPr algn="ctr"/>
+            <a:endParaRPr lang="en-US"/>
+          </a:p>
+        </p:txBody>
+      </p:sp>
+      <p:sp>
+        <p:nvSpPr>
+          <p:cNvPr id="48" name="TextBox 47">
+            <a:extLst>
+              <a:ext uri="{FF2B5EF4-FFF2-40B4-BE49-F238E27FC236}">
+                <a16:creationId xmlns:a16="http://schemas.microsoft.com/office/drawing/2014/main" id="{CACF3EAF-F9DC-47F5-A265-9FE6E9E71913}"/>
+              </a:ext>
+            </a:extLst>
+          </p:cNvPr>
+          <p:cNvSpPr txBox="1"/>
+          <p:nvPr/>
+        </p:nvSpPr>
+        <p:spPr>
+          <a:xfrm>
+            <a:off x="2269826" y="4553061"/>
+            <a:ext cx="1129379" cy="338554"/>
+          </a:xfrm>
+          <a:prstGeom prst="rect">
+            <a:avLst/>
+          </a:prstGeom>
+          <a:noFill/>
+        </p:spPr>
+        <p:txBody>
+          <a:bodyPr wrap="square" rtlCol="0">
+            <a:spAutoFit/>
+          </a:bodyPr>
+          <a:lstStyle/>
+          <a:p>
+            <a:r>
+              <a:rPr lang="en-US" sz="1600" b="1" dirty="0">
+                <a:solidFill>
+                  <a:srgbClr val="FF0000"/>
+                </a:solidFill>
+              </a:rPr>
+              <a:t>EMITS</a:t>
+            </a:r>
+          </a:p>
+        </p:txBody>
+      </p:sp>
+      <p:sp>
+        <p:nvSpPr>
+          <p:cNvPr id="49" name="TextBox 48">
+            <a:extLst>
+              <a:ext uri="{FF2B5EF4-FFF2-40B4-BE49-F238E27FC236}">
+                <a16:creationId xmlns:a16="http://schemas.microsoft.com/office/drawing/2014/main" id="{1E0CC792-4CA6-4322-A1EB-49BF932741AC}"/>
+              </a:ext>
+            </a:extLst>
+          </p:cNvPr>
+          <p:cNvSpPr txBox="1"/>
+          <p:nvPr/>
+        </p:nvSpPr>
+        <p:spPr>
+          <a:xfrm>
+            <a:off x="2138433" y="5184139"/>
+            <a:ext cx="1025265" cy="338554"/>
+          </a:xfrm>
+          <a:prstGeom prst="rect">
+            <a:avLst/>
+          </a:prstGeom>
+          <a:noFill/>
+        </p:spPr>
+        <p:txBody>
+          <a:bodyPr wrap="square" rtlCol="0">
+            <a:spAutoFit/>
+          </a:bodyPr>
+          <a:lstStyle/>
+          <a:p>
+            <a:r>
+              <a:rPr lang="en-US" sz="1600" dirty="0"/>
+              <a:t>validated</a:t>
+            </a:r>
+          </a:p>
+        </p:txBody>
+      </p:sp>
+      <p:sp>
+        <p:nvSpPr>
+          <p:cNvPr id="50" name="TextBox 49">
+            <a:extLst>
+              <a:ext uri="{FF2B5EF4-FFF2-40B4-BE49-F238E27FC236}">
+                <a16:creationId xmlns:a16="http://schemas.microsoft.com/office/drawing/2014/main" id="{4C0136D8-1CC7-438A-959E-0A9CCF547541}"/>
+              </a:ext>
+            </a:extLst>
+          </p:cNvPr>
+          <p:cNvSpPr txBox="1"/>
+          <p:nvPr/>
+        </p:nvSpPr>
+        <p:spPr>
+          <a:xfrm>
+            <a:off x="195712" y="5883965"/>
+            <a:ext cx="4637714" cy="369332"/>
+          </a:xfrm>
+          <a:prstGeom prst="rect">
+            <a:avLst/>
+          </a:prstGeom>
+          <a:noFill/>
+        </p:spPr>
+        <p:txBody>
+          <a:bodyPr wrap="square" rtlCol="0">
+            <a:spAutoFit/>
+          </a:bodyPr>
+          <a:lstStyle/>
+          <a:p>
+            <a:r>
+              <a:rPr lang="en-US" dirty="0"/>
+              <a:t>// </a:t>
+            </a:r>
+            <a:r>
+              <a:rPr lang="en-US" dirty="0">
+                <a:solidFill>
+                  <a:srgbClr val="FF0000"/>
+                </a:solidFill>
+              </a:rPr>
+              <a:t>form</a:t>
+            </a:r>
+            <a:r>
+              <a:rPr lang="en-US" dirty="0"/>
+              <a:t> send the event validated to </a:t>
+            </a:r>
+            <a:r>
+              <a:rPr lang="en-US" dirty="0">
+                <a:solidFill>
+                  <a:srgbClr val="FF0000"/>
+                </a:solidFill>
+              </a:rPr>
+              <a:t>parent</a:t>
+            </a:r>
+          </a:p>
+        </p:txBody>
+      </p:sp>
+      <p:sp>
+        <p:nvSpPr>
+          <p:cNvPr id="51" name="TextBox 50">
+            <a:extLst>
+              <a:ext uri="{FF2B5EF4-FFF2-40B4-BE49-F238E27FC236}">
+                <a16:creationId xmlns:a16="http://schemas.microsoft.com/office/drawing/2014/main" id="{7F828876-0E88-4442-AF2E-B255465F6AD1}"/>
+              </a:ext>
+            </a:extLst>
+          </p:cNvPr>
+          <p:cNvSpPr txBox="1"/>
+          <p:nvPr/>
+        </p:nvSpPr>
+        <p:spPr>
+          <a:xfrm>
+            <a:off x="6261660" y="766656"/>
+            <a:ext cx="1903725" cy="338554"/>
+          </a:xfrm>
+          <a:prstGeom prst="rect">
+            <a:avLst/>
+          </a:prstGeom>
+          <a:noFill/>
+        </p:spPr>
+        <p:txBody>
+          <a:bodyPr wrap="square" rtlCol="0">
+            <a:spAutoFit/>
+          </a:bodyPr>
+          <a:lstStyle/>
+          <a:p>
+            <a:r>
+              <a:rPr lang="en-US" sz="1600" dirty="0"/>
+              <a:t>category-info[]</a:t>
+            </a:r>
+          </a:p>
+        </p:txBody>
+      </p:sp>
+      <p:sp>
+        <p:nvSpPr>
+          <p:cNvPr id="52" name="TextBox 51">
+            <a:extLst>
+              <a:ext uri="{FF2B5EF4-FFF2-40B4-BE49-F238E27FC236}">
+                <a16:creationId xmlns:a16="http://schemas.microsoft.com/office/drawing/2014/main" id="{1B1382C8-7750-43A6-91A8-68E429923F4A}"/>
+              </a:ext>
+            </a:extLst>
+          </p:cNvPr>
+          <p:cNvSpPr txBox="1"/>
+          <p:nvPr/>
+        </p:nvSpPr>
+        <p:spPr>
+          <a:xfrm>
+            <a:off x="8156061" y="886037"/>
+            <a:ext cx="1903725" cy="338554"/>
+          </a:xfrm>
+          <a:prstGeom prst="rect">
+            <a:avLst/>
+          </a:prstGeom>
+          <a:noFill/>
+        </p:spPr>
+        <p:txBody>
+          <a:bodyPr wrap="square" rtlCol="0">
+            <a:spAutoFit/>
+          </a:bodyPr>
+          <a:lstStyle/>
+          <a:p>
+            <a:r>
+              <a:rPr lang="en-US" sz="1600" dirty="0"/>
+              <a:t>category-info[]</a:t>
+            </a:r>
+          </a:p>
+        </p:txBody>
+      </p:sp>
+      <p:sp>
+        <p:nvSpPr>
+          <p:cNvPr id="56" name="TextBox 55">
+            <a:extLst>
+              <a:ext uri="{FF2B5EF4-FFF2-40B4-BE49-F238E27FC236}">
+                <a16:creationId xmlns:a16="http://schemas.microsoft.com/office/drawing/2014/main" id="{044279C8-6E13-459F-9843-CCFFBF048DE4}"/>
+              </a:ext>
+            </a:extLst>
+          </p:cNvPr>
+          <p:cNvSpPr txBox="1"/>
+          <p:nvPr/>
+        </p:nvSpPr>
+        <p:spPr>
+          <a:xfrm>
+            <a:off x="8333577" y="2541918"/>
+            <a:ext cx="1903725" cy="338554"/>
+          </a:xfrm>
+          <a:prstGeom prst="rect">
+            <a:avLst/>
+          </a:prstGeom>
+          <a:noFill/>
+        </p:spPr>
+        <p:txBody>
+          <a:bodyPr wrap="square" rtlCol="0">
+            <a:spAutoFit/>
+          </a:bodyPr>
+          <a:lstStyle/>
+          <a:p>
+            <a:r>
+              <a:rPr lang="en-US" sz="1600" dirty="0"/>
+              <a:t>category-info[]</a:t>
+            </a:r>
+          </a:p>
+        </p:txBody>
+      </p:sp>
+      <p:sp>
+        <p:nvSpPr>
+          <p:cNvPr id="57" name="TextBox 56">
+            <a:extLst>
+              <a:ext uri="{FF2B5EF4-FFF2-40B4-BE49-F238E27FC236}">
+                <a16:creationId xmlns:a16="http://schemas.microsoft.com/office/drawing/2014/main" id="{BAB94BFB-9EF6-4FD9-97FD-73ADF006740D}"/>
+              </a:ext>
+            </a:extLst>
+          </p:cNvPr>
+          <p:cNvSpPr txBox="1"/>
+          <p:nvPr/>
+        </p:nvSpPr>
+        <p:spPr>
+          <a:xfrm>
+            <a:off x="9956231" y="2370415"/>
+            <a:ext cx="1903725" cy="338554"/>
+          </a:xfrm>
+          <a:prstGeom prst="rect">
+            <a:avLst/>
+          </a:prstGeom>
+          <a:noFill/>
+        </p:spPr>
+        <p:txBody>
+          <a:bodyPr wrap="square" rtlCol="0">
+            <a:spAutoFit/>
+          </a:bodyPr>
+          <a:lstStyle/>
+          <a:p>
+            <a:r>
+              <a:rPr lang="en-US" sz="1600" dirty="0"/>
+              <a:t>category-info[]</a:t>
+            </a:r>
           </a:p>
         </p:txBody>
       </p:sp>
     </p:spTree>
     <p:extLst>
       <p:ext uri="{BB962C8B-B14F-4D97-AF65-F5344CB8AC3E}">
-        <p14:creationId xmlns:p14="http://schemas.microsoft.com/office/powerpoint/2010/main" val="3109588190"/>
+        <p14:creationId xmlns:p14="http://schemas.microsoft.com/office/powerpoint/2010/main" val="848823040"/>
       </p:ext>
     </p:extLst>
   </p:cSld>

--- a/docs/COMPONENT-DIAGRAM.pptx
+++ b/docs/COMPONENT-DIAGRAM.pptx
@@ -6,10 +6,12 @@
   </p:sldMasterIdLst>
   <p:sldIdLst>
     <p:sldId id="256" r:id="rId2"/>
-    <p:sldId id="261" r:id="rId3"/>
-    <p:sldId id="262" r:id="rId4"/>
-    <p:sldId id="263" r:id="rId5"/>
-    <p:sldId id="264" r:id="rId6"/>
+    <p:sldId id="259" r:id="rId3"/>
+    <p:sldId id="260" r:id="rId4"/>
+    <p:sldId id="261" r:id="rId5"/>
+    <p:sldId id="262" r:id="rId6"/>
+    <p:sldId id="263" r:id="rId7"/>
+    <p:sldId id="264" r:id="rId8"/>
   </p:sldIdLst>
   <p:sldSz cx="12192000" cy="6858000"/>
   <p:notesSz cx="6858000" cy="9144000"/>
@@ -245,7 +247,7 @@
           <a:p>
             <a:fld id="{28BE630F-C39C-4DB9-8258-0B48CA067079}" type="datetimeFigureOut">
               <a:rPr lang="en-US" smtClean="0"/>
-              <a:t>11/28/2021</a:t>
+              <a:t>12/1/2021</a:t>
             </a:fld>
             <a:endParaRPr lang="en-US"/>
           </a:p>
@@ -413,7 +415,7 @@
           <a:p>
             <a:fld id="{28BE630F-C39C-4DB9-8258-0B48CA067079}" type="datetimeFigureOut">
               <a:rPr lang="en-US" smtClean="0"/>
-              <a:t>11/28/2021</a:t>
+              <a:t>12/1/2021</a:t>
             </a:fld>
             <a:endParaRPr lang="en-US"/>
           </a:p>
@@ -591,7 +593,7 @@
           <a:p>
             <a:fld id="{28BE630F-C39C-4DB9-8258-0B48CA067079}" type="datetimeFigureOut">
               <a:rPr lang="en-US" smtClean="0"/>
-              <a:t>11/28/2021</a:t>
+              <a:t>12/1/2021</a:t>
             </a:fld>
             <a:endParaRPr lang="en-US"/>
           </a:p>
@@ -759,7 +761,7 @@
           <a:p>
             <a:fld id="{28BE630F-C39C-4DB9-8258-0B48CA067079}" type="datetimeFigureOut">
               <a:rPr lang="en-US" smtClean="0"/>
-              <a:t>11/28/2021</a:t>
+              <a:t>12/1/2021</a:t>
             </a:fld>
             <a:endParaRPr lang="en-US"/>
           </a:p>
@@ -1004,7 +1006,7 @@
           <a:p>
             <a:fld id="{28BE630F-C39C-4DB9-8258-0B48CA067079}" type="datetimeFigureOut">
               <a:rPr lang="en-US" smtClean="0"/>
-              <a:t>11/28/2021</a:t>
+              <a:t>12/1/2021</a:t>
             </a:fld>
             <a:endParaRPr lang="en-US"/>
           </a:p>
@@ -1233,7 +1235,7 @@
           <a:p>
             <a:fld id="{28BE630F-C39C-4DB9-8258-0B48CA067079}" type="datetimeFigureOut">
               <a:rPr lang="en-US" smtClean="0"/>
-              <a:t>11/28/2021</a:t>
+              <a:t>12/1/2021</a:t>
             </a:fld>
             <a:endParaRPr lang="en-US"/>
           </a:p>
@@ -1597,7 +1599,7 @@
           <a:p>
             <a:fld id="{28BE630F-C39C-4DB9-8258-0B48CA067079}" type="datetimeFigureOut">
               <a:rPr lang="en-US" smtClean="0"/>
-              <a:t>11/28/2021</a:t>
+              <a:t>12/1/2021</a:t>
             </a:fld>
             <a:endParaRPr lang="en-US"/>
           </a:p>
@@ -1714,7 +1716,7 @@
           <a:p>
             <a:fld id="{28BE630F-C39C-4DB9-8258-0B48CA067079}" type="datetimeFigureOut">
               <a:rPr lang="en-US" smtClean="0"/>
-              <a:t>11/28/2021</a:t>
+              <a:t>12/1/2021</a:t>
             </a:fld>
             <a:endParaRPr lang="en-US"/>
           </a:p>
@@ -1809,7 +1811,7 @@
           <a:p>
             <a:fld id="{28BE630F-C39C-4DB9-8258-0B48CA067079}" type="datetimeFigureOut">
               <a:rPr lang="en-US" smtClean="0"/>
-              <a:t>11/28/2021</a:t>
+              <a:t>12/1/2021</a:t>
             </a:fld>
             <a:endParaRPr lang="en-US"/>
           </a:p>
@@ -2084,7 +2086,7 @@
           <a:p>
             <a:fld id="{28BE630F-C39C-4DB9-8258-0B48CA067079}" type="datetimeFigureOut">
               <a:rPr lang="en-US" smtClean="0"/>
-              <a:t>11/28/2021</a:t>
+              <a:t>12/1/2021</a:t>
             </a:fld>
             <a:endParaRPr lang="en-US"/>
           </a:p>
@@ -2336,7 +2338,7 @@
           <a:p>
             <a:fld id="{28BE630F-C39C-4DB9-8258-0B48CA067079}" type="datetimeFigureOut">
               <a:rPr lang="en-US" smtClean="0"/>
-              <a:t>11/28/2021</a:t>
+              <a:t>12/1/2021</a:t>
             </a:fld>
             <a:endParaRPr lang="en-US"/>
           </a:p>
@@ -2547,7 +2549,7 @@
           <a:p>
             <a:fld id="{28BE630F-C39C-4DB9-8258-0B48CA067079}" type="datetimeFigureOut">
               <a:rPr lang="en-US" smtClean="0"/>
-              <a:t>11/28/2021</a:t>
+              <a:t>12/1/2021</a:t>
             </a:fld>
             <a:endParaRPr lang="en-US"/>
           </a:p>
@@ -3241,7 +3243,7 @@
                   <a:srgbClr val="00B050"/>
                 </a:solidFill>
               </a:rPr>
-              <a:t>Update Component Diagram Menu</a:t>
+              <a:t>Update Component Diagram login/signup </a:t>
             </a:r>
           </a:p>
         </p:txBody>
@@ -3260,7 +3262,7 @@
         </p:nvSpPr>
         <p:spPr>
           <a:xfrm>
-            <a:off x="1089993" y="1001460"/>
+            <a:off x="1089993" y="1306258"/>
             <a:ext cx="1731626" cy="1049466"/>
           </a:xfrm>
           <a:prstGeom prst="roundRect">
@@ -3317,8 +3319,8 @@
         </p:nvSpPr>
         <p:spPr>
           <a:xfrm>
-            <a:off x="1603512" y="4087622"/>
-            <a:ext cx="1991139" cy="764916"/>
+            <a:off x="2650434" y="4485187"/>
+            <a:ext cx="1991139" cy="1049466"/>
           </a:xfrm>
           <a:prstGeom prst="roundRect">
             <a:avLst/>
@@ -3379,7 +3381,7 @@
         </p:nvSpPr>
         <p:spPr>
           <a:xfrm>
-            <a:off x="2650434" y="2429271"/>
+            <a:off x="2650434" y="2416018"/>
             <a:ext cx="6453809" cy="1049466"/>
           </a:xfrm>
           <a:prstGeom prst="roundRect">
@@ -3436,8 +3438,8 @@
         </p:nvSpPr>
         <p:spPr>
           <a:xfrm>
-            <a:off x="1603512" y="4175430"/>
-            <a:ext cx="1868557" cy="338554"/>
+            <a:off x="2967194" y="4572995"/>
+            <a:ext cx="1551797" cy="338554"/>
           </a:xfrm>
           <a:prstGeom prst="rect">
             <a:avLst/>
@@ -3456,7 +3458,7 @@
                   <a:srgbClr val="FF0000"/>
                 </a:solidFill>
               </a:rPr>
-              <a:t>&lt;my-event-view&gt;</a:t>
+              <a:t>&lt;signup-view&gt;</a:t>
             </a:r>
           </a:p>
         </p:txBody>
@@ -3475,7 +3477,7 @@
         </p:nvSpPr>
         <p:spPr>
           <a:xfrm>
-            <a:off x="1618669" y="1187639"/>
+            <a:off x="1618669" y="1492437"/>
             <a:ext cx="959552" cy="338554"/>
           </a:xfrm>
           <a:prstGeom prst="rect">
@@ -3514,7 +3516,7 @@
         </p:nvSpPr>
         <p:spPr>
           <a:xfrm>
-            <a:off x="4995240" y="2784727"/>
+            <a:off x="4995240" y="2771474"/>
             <a:ext cx="1551334" cy="338554"/>
           </a:xfrm>
           <a:prstGeom prst="rect">
@@ -3553,8 +3555,8 @@
         </p:nvSpPr>
         <p:spPr>
           <a:xfrm>
-            <a:off x="8042052" y="4034617"/>
-            <a:ext cx="1991139" cy="732666"/>
+            <a:off x="7326435" y="4485187"/>
+            <a:ext cx="1991139" cy="1049466"/>
           </a:xfrm>
           <a:prstGeom prst="roundRect">
             <a:avLst/>
@@ -3615,7 +3617,7 @@
         </p:nvSpPr>
         <p:spPr>
           <a:xfrm>
-            <a:off x="8358812" y="4122425"/>
+            <a:off x="7643195" y="4572995"/>
             <a:ext cx="1674379" cy="338554"/>
           </a:xfrm>
           <a:prstGeom prst="rect">
@@ -3635,7 +3637,23 @@
                   <a:srgbClr val="FF0000"/>
                 </a:solidFill>
               </a:rPr>
-              <a:t>&lt;category-view&gt;</a:t>
+              <a:t>&lt;</a:t>
+            </a:r>
+            <a:r>
+              <a:rPr lang="en-US" sz="1600" b="1" dirty="0" err="1">
+                <a:solidFill>
+                  <a:srgbClr val="FF0000"/>
+                </a:solidFill>
+              </a:rPr>
+              <a:t>signin</a:t>
+            </a:r>
+            <a:r>
+              <a:rPr lang="en-US" sz="1600" b="1" dirty="0">
+                <a:solidFill>
+                  <a:srgbClr val="FF0000"/>
+                </a:solidFill>
+              </a:rPr>
+              <a:t>-view&gt;</a:t>
             </a:r>
           </a:p>
         </p:txBody>
@@ -3654,7 +3672,7 @@
         </p:nvSpPr>
         <p:spPr>
           <a:xfrm>
-            <a:off x="4641573" y="1001460"/>
+            <a:off x="4641573" y="1306258"/>
             <a:ext cx="1991139" cy="676910"/>
           </a:xfrm>
           <a:prstGeom prst="roundRect">
@@ -3716,7 +3734,7 @@
         </p:nvSpPr>
         <p:spPr>
           <a:xfrm>
-            <a:off x="4793891" y="1034098"/>
+            <a:off x="4793891" y="1338896"/>
             <a:ext cx="1756075" cy="338554"/>
           </a:xfrm>
           <a:prstGeom prst="rect">
@@ -3730,14 +3748,13 @@
           </a:bodyPr>
           <a:lstStyle/>
           <a:p>
-            <a:pPr algn="ctr"/>
             <a:r>
               <a:rPr lang="en-US" sz="1600" b="1" dirty="0">
                 <a:solidFill>
                   <a:srgbClr val="FF0000"/>
                 </a:solidFill>
               </a:rPr>
-              <a:t>&lt;Navigation&gt;</a:t>
+              <a:t>&lt;sign-Up/sign-In&gt;</a:t>
             </a:r>
           </a:p>
         </p:txBody>
@@ -3759,8 +3776,8 @@
         </p:nvCxnSpPr>
         <p:spPr>
           <a:xfrm>
-            <a:off x="5637143" y="1678370"/>
-            <a:ext cx="0" cy="750901"/>
+            <a:off x="5637143" y="1983168"/>
+            <a:ext cx="0" cy="432850"/>
           </a:xfrm>
           <a:prstGeom prst="straightConnector1">
             <a:avLst/>
@@ -3800,8 +3817,8 @@
         </p:nvCxnSpPr>
         <p:spPr>
           <a:xfrm>
-            <a:off x="2671320" y="3429000"/>
-            <a:ext cx="0" cy="662278"/>
+            <a:off x="3646003" y="3465484"/>
+            <a:ext cx="0" cy="1049466"/>
           </a:xfrm>
           <a:prstGeom prst="straightConnector1">
             <a:avLst/>
@@ -3841,8 +3858,8 @@
         </p:nvCxnSpPr>
         <p:spPr>
           <a:xfrm>
-            <a:off x="9090628" y="3429000"/>
-            <a:ext cx="0" cy="559904"/>
+            <a:off x="8322002" y="3452232"/>
+            <a:ext cx="0" cy="1049466"/>
           </a:xfrm>
           <a:prstGeom prst="straightConnector1">
             <a:avLst/>
@@ -3880,8 +3897,8 @@
         </p:nvSpPr>
         <p:spPr>
           <a:xfrm>
-            <a:off x="2623929" y="3490580"/>
-            <a:ext cx="1344815" cy="338554"/>
+            <a:off x="3743092" y="4008275"/>
+            <a:ext cx="995568" cy="338554"/>
           </a:xfrm>
           <a:prstGeom prst="rect">
             <a:avLst/>
@@ -3896,7 +3913,7 @@
           <a:p>
             <a:r>
               <a:rPr lang="en-US" sz="1600" dirty="0"/>
-              <a:t>/my-event</a:t>
+              <a:t>/register</a:t>
             </a:r>
           </a:p>
         </p:txBody>
@@ -3915,7 +3932,7 @@
         </p:nvSpPr>
         <p:spPr>
           <a:xfrm>
-            <a:off x="9022896" y="3429000"/>
+            <a:off x="8375010" y="4008275"/>
             <a:ext cx="995568" cy="338554"/>
           </a:xfrm>
           <a:prstGeom prst="rect">
@@ -3931,7 +3948,7 @@
           <a:p>
             <a:r>
               <a:rPr lang="en-US" sz="1600" dirty="0"/>
-              <a:t>/category</a:t>
+              <a:t>/login</a:t>
             </a:r>
           </a:p>
         </p:txBody>
@@ -3950,7 +3967,7 @@
         </p:nvSpPr>
         <p:spPr>
           <a:xfrm>
-            <a:off x="2623929" y="1340215"/>
+            <a:off x="2623929" y="1645013"/>
             <a:ext cx="630475" cy="324613"/>
           </a:xfrm>
           <a:prstGeom prst="rightArrow">
@@ -3999,7 +4016,7 @@
         </p:nvSpPr>
         <p:spPr>
           <a:xfrm>
-            <a:off x="2527428" y="1043066"/>
+            <a:off x="2527428" y="1347864"/>
             <a:ext cx="995568" cy="338554"/>
           </a:xfrm>
           <a:prstGeom prst="rect">
@@ -4040,30 +4057,25 @@
         </p:nvSpPr>
         <p:spPr>
           <a:xfrm>
-            <a:off x="2527428" y="1623423"/>
-            <a:ext cx="2114144" cy="584775"/>
-          </a:xfrm>
-          <a:prstGeom prst="rect">
-            <a:avLst/>
-          </a:prstGeom>
-          <a:noFill/>
-        </p:spPr>
-        <p:txBody>
-          <a:bodyPr wrap="square" rtlCol="0">
-            <a:spAutoFit/>
-          </a:bodyPr>
-          <a:lstStyle/>
-          <a:p>
-            <a:r>
-              <a:rPr lang="en-US" sz="1600" dirty="0"/>
-              <a:t>my-event-info</a:t>
-            </a:r>
-          </a:p>
-          <a:p>
-            <a:r>
-              <a:rPr lang="en-US" sz="1600" dirty="0"/>
-              <a:t>category-info</a:t>
-            </a:r>
+            <a:off x="2527428" y="1928221"/>
+            <a:ext cx="903791" cy="338554"/>
+          </a:xfrm>
+          <a:prstGeom prst="rect">
+            <a:avLst/>
+          </a:prstGeom>
+          <a:noFill/>
+        </p:spPr>
+        <p:txBody>
+          <a:bodyPr wrap="square" rtlCol="0">
+            <a:spAutoFit/>
+          </a:bodyPr>
+          <a:lstStyle/>
+          <a:p>
+            <a:r>
+              <a:rPr lang="en-US" sz="1600" dirty="0" err="1"/>
+              <a:t>userIfo</a:t>
+            </a:r>
+            <a:endParaRPr lang="en-US" sz="1600" dirty="0"/>
           </a:p>
         </p:txBody>
       </p:sp>
@@ -4081,7 +4093,7 @@
         </p:nvSpPr>
         <p:spPr>
           <a:xfrm>
-            <a:off x="7450043" y="4238015"/>
+            <a:off x="6919954" y="4847613"/>
             <a:ext cx="630475" cy="324613"/>
           </a:xfrm>
           <a:prstGeom prst="rightArrow">
@@ -4130,7 +4142,7 @@
         </p:nvSpPr>
         <p:spPr>
           <a:xfrm>
-            <a:off x="7416932" y="3989899"/>
+            <a:off x="6794079" y="4572995"/>
             <a:ext cx="802733" cy="338554"/>
           </a:xfrm>
           <a:prstGeom prst="rect">
@@ -4171,1147 +4183,32 @@
         </p:nvSpPr>
         <p:spPr>
           <a:xfrm>
-            <a:off x="7057269" y="4498523"/>
-            <a:ext cx="1301543" cy="338554"/>
-          </a:xfrm>
-          <a:prstGeom prst="rect">
-            <a:avLst/>
-          </a:prstGeom>
-          <a:noFill/>
-        </p:spPr>
-        <p:txBody>
-          <a:bodyPr wrap="square" rtlCol="0">
-            <a:spAutoFit/>
-          </a:bodyPr>
-          <a:lstStyle/>
-          <a:p>
-            <a:r>
-              <a:rPr lang="en-US" sz="1600" dirty="0"/>
-              <a:t>category-info</a:t>
-            </a:r>
-          </a:p>
-        </p:txBody>
-      </p:sp>
-      <p:cxnSp>
-        <p:nvCxnSpPr>
-          <p:cNvPr id="26" name="Straight Arrow Connector 25">
-            <a:extLst>
-              <a:ext uri="{FF2B5EF4-FFF2-40B4-BE49-F238E27FC236}">
-                <a16:creationId xmlns:a16="http://schemas.microsoft.com/office/drawing/2014/main" id="{FB84FA29-FF96-4EE1-AF8F-222208D5DDF5}"/>
-              </a:ext>
-            </a:extLst>
-          </p:cNvPr>
-          <p:cNvCxnSpPr>
-            <a:cxnSpLocks/>
-          </p:cNvCxnSpPr>
-          <p:nvPr/>
-        </p:nvCxnSpPr>
-        <p:spPr>
-          <a:xfrm>
-            <a:off x="5829298" y="3490580"/>
-            <a:ext cx="0" cy="498324"/>
-          </a:xfrm>
-          <a:prstGeom prst="straightConnector1">
-            <a:avLst/>
-          </a:prstGeom>
-          <a:ln w="12700">
-            <a:tailEnd type="triangle"/>
-          </a:ln>
-        </p:spPr>
-        <p:style>
-          <a:lnRef idx="1">
-            <a:schemeClr val="accent1"/>
-          </a:lnRef>
-          <a:fillRef idx="0">
-            <a:schemeClr val="accent1"/>
-          </a:fillRef>
-          <a:effectRef idx="0">
-            <a:schemeClr val="accent1"/>
-          </a:effectRef>
-          <a:fontRef idx="minor">
-            <a:schemeClr val="tx1"/>
-          </a:fontRef>
-        </p:style>
-      </p:cxnSp>
-      <p:sp>
-        <p:nvSpPr>
-          <p:cNvPr id="27" name="TextBox 26">
-            <a:extLst>
-              <a:ext uri="{FF2B5EF4-FFF2-40B4-BE49-F238E27FC236}">
-                <a16:creationId xmlns:a16="http://schemas.microsoft.com/office/drawing/2014/main" id="{57B0DC2B-D23A-4361-B38E-14631AE6EB1D}"/>
-              </a:ext>
-            </a:extLst>
-          </p:cNvPr>
-          <p:cNvSpPr txBox="1"/>
-          <p:nvPr/>
-        </p:nvSpPr>
-        <p:spPr>
-          <a:xfrm>
-            <a:off x="5833582" y="3478737"/>
-            <a:ext cx="1344815" cy="338554"/>
-          </a:xfrm>
-          <a:prstGeom prst="rect">
-            <a:avLst/>
-          </a:prstGeom>
-          <a:noFill/>
-        </p:spPr>
-        <p:txBody>
-          <a:bodyPr wrap="square" rtlCol="0">
-            <a:spAutoFit/>
-          </a:bodyPr>
-          <a:lstStyle/>
-          <a:p>
-            <a:r>
-              <a:rPr lang="en-US" sz="1600" dirty="0"/>
-              <a:t>/find-event</a:t>
-            </a:r>
-          </a:p>
-        </p:txBody>
-      </p:sp>
-      <p:sp>
-        <p:nvSpPr>
-          <p:cNvPr id="28" name="Rectangle: Rounded Corners 27">
-            <a:extLst>
-              <a:ext uri="{FF2B5EF4-FFF2-40B4-BE49-F238E27FC236}">
-                <a16:creationId xmlns:a16="http://schemas.microsoft.com/office/drawing/2014/main" id="{65B54263-18CB-435D-8E80-4BFF073ADA8A}"/>
-              </a:ext>
-            </a:extLst>
-          </p:cNvPr>
-          <p:cNvSpPr/>
-          <p:nvPr/>
-        </p:nvSpPr>
-        <p:spPr>
-          <a:xfrm>
-            <a:off x="5008511" y="4003470"/>
-            <a:ext cx="1991139" cy="833607"/>
-          </a:xfrm>
-          <a:prstGeom prst="roundRect">
-            <a:avLst/>
-          </a:prstGeom>
-          <a:noFill/>
-          <a:ln w="19050">
-            <a:solidFill>
-              <a:schemeClr val="accent6">
-                <a:lumMod val="75000"/>
-              </a:schemeClr>
-            </a:solidFill>
-            <a:prstDash val="dash"/>
-          </a:ln>
-        </p:spPr>
-        <p:style>
-          <a:lnRef idx="2">
-            <a:schemeClr val="dk1"/>
-          </a:lnRef>
-          <a:fillRef idx="1">
-            <a:schemeClr val="lt1"/>
-          </a:fillRef>
-          <a:effectRef idx="0">
-            <a:schemeClr val="dk1"/>
-          </a:effectRef>
-          <a:fontRef idx="minor">
-            <a:schemeClr val="dk1"/>
-          </a:fontRef>
-        </p:style>
-        <p:txBody>
-          <a:bodyPr rtlCol="0" anchor="ctr"/>
-          <a:lstStyle/>
-          <a:p>
-            <a:pPr algn="ctr"/>
-            <a:endParaRPr lang="en-US" dirty="0">
-              <a:ln>
-                <a:solidFill>
-                  <a:srgbClr val="FF0000"/>
-                </a:solidFill>
-              </a:ln>
-              <a:solidFill>
-                <a:srgbClr val="00B050"/>
-              </a:solidFill>
-            </a:endParaRPr>
-          </a:p>
-        </p:txBody>
-      </p:sp>
-      <p:sp>
-        <p:nvSpPr>
-          <p:cNvPr id="29" name="TextBox 28">
-            <a:extLst>
-              <a:ext uri="{FF2B5EF4-FFF2-40B4-BE49-F238E27FC236}">
-                <a16:creationId xmlns:a16="http://schemas.microsoft.com/office/drawing/2014/main" id="{F1646F8B-73F6-498E-A82B-B6356B5812B9}"/>
-              </a:ext>
-            </a:extLst>
-          </p:cNvPr>
-          <p:cNvSpPr txBox="1"/>
-          <p:nvPr/>
-        </p:nvSpPr>
-        <p:spPr>
-          <a:xfrm>
-            <a:off x="5059703" y="4091278"/>
-            <a:ext cx="1817366" cy="338554"/>
-          </a:xfrm>
-          <a:prstGeom prst="rect">
-            <a:avLst/>
-          </a:prstGeom>
-          <a:noFill/>
-        </p:spPr>
-        <p:txBody>
-          <a:bodyPr wrap="square" rtlCol="0">
-            <a:spAutoFit/>
-          </a:bodyPr>
-          <a:lstStyle/>
-          <a:p>
-            <a:r>
-              <a:rPr lang="en-US" sz="1600" b="1" dirty="0">
-                <a:solidFill>
-                  <a:srgbClr val="FF0000"/>
-                </a:solidFill>
-              </a:rPr>
-              <a:t>&lt;find-event-view&gt;</a:t>
-            </a:r>
-          </a:p>
-        </p:txBody>
-      </p:sp>
-      <p:sp>
-        <p:nvSpPr>
-          <p:cNvPr id="32" name="Arrow: Right 31">
-            <a:extLst>
-              <a:ext uri="{FF2B5EF4-FFF2-40B4-BE49-F238E27FC236}">
-                <a16:creationId xmlns:a16="http://schemas.microsoft.com/office/drawing/2014/main" id="{9D5FEAD1-EB9B-434D-B245-B28B90BA3AE9}"/>
-              </a:ext>
-            </a:extLst>
-          </p:cNvPr>
-          <p:cNvSpPr/>
-          <p:nvPr/>
-        </p:nvSpPr>
-        <p:spPr>
-          <a:xfrm>
-            <a:off x="749670" y="4382756"/>
-            <a:ext cx="630475" cy="324613"/>
-          </a:xfrm>
-          <a:prstGeom prst="rightArrow">
-            <a:avLst/>
-          </a:prstGeom>
-          <a:solidFill>
-            <a:srgbClr val="FFFF00"/>
-          </a:solidFill>
-        </p:spPr>
-        <p:style>
-          <a:lnRef idx="2">
-            <a:schemeClr val="accent1">
-              <a:shade val="50000"/>
-            </a:schemeClr>
-          </a:lnRef>
-          <a:fillRef idx="1">
-            <a:schemeClr val="accent1"/>
-          </a:fillRef>
-          <a:effectRef idx="0">
-            <a:schemeClr val="accent1"/>
-          </a:effectRef>
-          <a:fontRef idx="minor">
-            <a:schemeClr val="lt1"/>
-          </a:fontRef>
-        </p:style>
-        <p:txBody>
-          <a:bodyPr rtlCol="0" anchor="ctr"/>
-          <a:lstStyle/>
-          <a:p>
-            <a:pPr algn="ctr"/>
-            <a:endParaRPr lang="en-US"/>
-          </a:p>
-        </p:txBody>
-      </p:sp>
-      <p:sp>
-        <p:nvSpPr>
-          <p:cNvPr id="33" name="TextBox 32">
-            <a:extLst>
-              <a:ext uri="{FF2B5EF4-FFF2-40B4-BE49-F238E27FC236}">
-                <a16:creationId xmlns:a16="http://schemas.microsoft.com/office/drawing/2014/main" id="{C8C888E8-1657-448E-8120-94A9AB1D5C77}"/>
-              </a:ext>
-            </a:extLst>
-          </p:cNvPr>
-          <p:cNvSpPr txBox="1"/>
-          <p:nvPr/>
-        </p:nvSpPr>
-        <p:spPr>
-          <a:xfrm>
-            <a:off x="716559" y="4134640"/>
-            <a:ext cx="802733" cy="338554"/>
-          </a:xfrm>
-          <a:prstGeom prst="rect">
-            <a:avLst/>
-          </a:prstGeom>
-          <a:noFill/>
-        </p:spPr>
-        <p:txBody>
-          <a:bodyPr wrap="square" rtlCol="0">
-            <a:spAutoFit/>
-          </a:bodyPr>
-          <a:lstStyle/>
-          <a:p>
-            <a:r>
-              <a:rPr lang="en-US" sz="1600" b="1" dirty="0">
-                <a:solidFill>
-                  <a:schemeClr val="accent4">
-                    <a:lumMod val="75000"/>
-                  </a:schemeClr>
-                </a:solidFill>
-              </a:rPr>
-              <a:t>INJECT</a:t>
-            </a:r>
-          </a:p>
-        </p:txBody>
-      </p:sp>
-      <p:sp>
-        <p:nvSpPr>
-          <p:cNvPr id="34" name="TextBox 33">
-            <a:extLst>
-              <a:ext uri="{FF2B5EF4-FFF2-40B4-BE49-F238E27FC236}">
-                <a16:creationId xmlns:a16="http://schemas.microsoft.com/office/drawing/2014/main" id="{A41BE46A-106D-4160-B4A1-807E94F0E178}"/>
-              </a:ext>
-            </a:extLst>
-          </p:cNvPr>
-          <p:cNvSpPr txBox="1"/>
-          <p:nvPr/>
-        </p:nvSpPr>
-        <p:spPr>
-          <a:xfrm>
-            <a:off x="189652" y="4643264"/>
-            <a:ext cx="1412833" cy="338554"/>
-          </a:xfrm>
-          <a:prstGeom prst="rect">
-            <a:avLst/>
-          </a:prstGeom>
-          <a:noFill/>
-        </p:spPr>
-        <p:txBody>
-          <a:bodyPr wrap="square" rtlCol="0">
-            <a:spAutoFit/>
-          </a:bodyPr>
-          <a:lstStyle/>
-          <a:p>
-            <a:r>
-              <a:rPr lang="en-US" sz="1600" dirty="0"/>
-              <a:t>my-event-info</a:t>
-            </a:r>
-          </a:p>
-        </p:txBody>
-      </p:sp>
-      <p:sp>
-        <p:nvSpPr>
-          <p:cNvPr id="35" name="TextBox 34">
-            <a:extLst>
-              <a:ext uri="{FF2B5EF4-FFF2-40B4-BE49-F238E27FC236}">
-                <a16:creationId xmlns:a16="http://schemas.microsoft.com/office/drawing/2014/main" id="{65227526-713C-42C9-9A6D-A3F0FB1F3380}"/>
-              </a:ext>
-            </a:extLst>
-          </p:cNvPr>
-          <p:cNvSpPr txBox="1"/>
-          <p:nvPr/>
-        </p:nvSpPr>
-        <p:spPr>
-          <a:xfrm>
-            <a:off x="3753401" y="4513984"/>
-            <a:ext cx="1412833" cy="338554"/>
-          </a:xfrm>
-          <a:prstGeom prst="rect">
-            <a:avLst/>
-          </a:prstGeom>
-          <a:noFill/>
-        </p:spPr>
-        <p:txBody>
-          <a:bodyPr wrap="square" rtlCol="0">
-            <a:spAutoFit/>
-          </a:bodyPr>
-          <a:lstStyle/>
-          <a:p>
-            <a:r>
-              <a:rPr lang="en-US" sz="1600" dirty="0"/>
-              <a:t>my-event-info</a:t>
-            </a:r>
-          </a:p>
-        </p:txBody>
-      </p:sp>
-      <p:sp>
-        <p:nvSpPr>
-          <p:cNvPr id="36" name="Arrow: Right 35">
-            <a:extLst>
-              <a:ext uri="{FF2B5EF4-FFF2-40B4-BE49-F238E27FC236}">
-                <a16:creationId xmlns:a16="http://schemas.microsoft.com/office/drawing/2014/main" id="{C00585FD-A34E-4276-AD00-808E991F8C40}"/>
-              </a:ext>
-            </a:extLst>
-          </p:cNvPr>
-          <p:cNvSpPr/>
-          <p:nvPr/>
-        </p:nvSpPr>
-        <p:spPr>
-          <a:xfrm>
-            <a:off x="4181270" y="4251586"/>
-            <a:ext cx="630475" cy="324613"/>
-          </a:xfrm>
-          <a:prstGeom prst="rightArrow">
-            <a:avLst/>
-          </a:prstGeom>
-          <a:solidFill>
-            <a:srgbClr val="FFFF00"/>
-          </a:solidFill>
-        </p:spPr>
-        <p:style>
-          <a:lnRef idx="2">
-            <a:schemeClr val="accent1">
-              <a:shade val="50000"/>
-            </a:schemeClr>
-          </a:lnRef>
-          <a:fillRef idx="1">
-            <a:schemeClr val="accent1"/>
-          </a:fillRef>
-          <a:effectRef idx="0">
-            <a:schemeClr val="accent1"/>
-          </a:effectRef>
-          <a:fontRef idx="minor">
-            <a:schemeClr val="lt1"/>
-          </a:fontRef>
-        </p:style>
-        <p:txBody>
-          <a:bodyPr rtlCol="0" anchor="ctr"/>
-          <a:lstStyle/>
-          <a:p>
-            <a:pPr algn="ctr"/>
-            <a:endParaRPr lang="en-US"/>
-          </a:p>
-        </p:txBody>
-      </p:sp>
-      <p:sp>
-        <p:nvSpPr>
-          <p:cNvPr id="37" name="TextBox 36">
-            <a:extLst>
-              <a:ext uri="{FF2B5EF4-FFF2-40B4-BE49-F238E27FC236}">
-                <a16:creationId xmlns:a16="http://schemas.microsoft.com/office/drawing/2014/main" id="{E54EB37A-7B1B-4B3E-97B7-97CFC8715533}"/>
-              </a:ext>
-            </a:extLst>
-          </p:cNvPr>
-          <p:cNvSpPr txBox="1"/>
-          <p:nvPr/>
-        </p:nvSpPr>
-        <p:spPr>
-          <a:xfrm>
-            <a:off x="4148159" y="4003470"/>
-            <a:ext cx="802733" cy="338554"/>
-          </a:xfrm>
-          <a:prstGeom prst="rect">
-            <a:avLst/>
-          </a:prstGeom>
-          <a:noFill/>
-        </p:spPr>
-        <p:txBody>
-          <a:bodyPr wrap="square" rtlCol="0">
-            <a:spAutoFit/>
-          </a:bodyPr>
-          <a:lstStyle/>
-          <a:p>
-            <a:r>
-              <a:rPr lang="en-US" sz="1600" b="1" dirty="0">
-                <a:solidFill>
-                  <a:schemeClr val="accent4">
-                    <a:lumMod val="75000"/>
-                  </a:schemeClr>
-                </a:solidFill>
-              </a:rPr>
-              <a:t>INJECT</a:t>
-            </a:r>
-          </a:p>
-        </p:txBody>
-      </p:sp>
-      <p:sp>
-        <p:nvSpPr>
-          <p:cNvPr id="39" name="TextBox 38">
-            <a:extLst>
-              <a:ext uri="{FF2B5EF4-FFF2-40B4-BE49-F238E27FC236}">
-                <a16:creationId xmlns:a16="http://schemas.microsoft.com/office/drawing/2014/main" id="{51F53F84-8A41-4D3E-B433-6C24CC812143}"/>
-              </a:ext>
-            </a:extLst>
-          </p:cNvPr>
-          <p:cNvSpPr txBox="1"/>
-          <p:nvPr/>
-        </p:nvSpPr>
-        <p:spPr>
-          <a:xfrm>
-            <a:off x="5607069" y="1678370"/>
-            <a:ext cx="1412833" cy="338554"/>
-          </a:xfrm>
-          <a:prstGeom prst="rect">
-            <a:avLst/>
-          </a:prstGeom>
-          <a:noFill/>
-        </p:spPr>
-        <p:txBody>
-          <a:bodyPr wrap="square" rtlCol="0">
-            <a:spAutoFit/>
-          </a:bodyPr>
-          <a:lstStyle/>
-          <a:p>
-            <a:r>
-              <a:rPr lang="en-US" sz="1600" dirty="0"/>
-              <a:t>Change path</a:t>
-            </a:r>
-          </a:p>
-        </p:txBody>
-      </p:sp>
-      <p:sp>
-        <p:nvSpPr>
-          <p:cNvPr id="41" name="Rectangle: Rounded Corners 40">
-            <a:extLst>
-              <a:ext uri="{FF2B5EF4-FFF2-40B4-BE49-F238E27FC236}">
-                <a16:creationId xmlns:a16="http://schemas.microsoft.com/office/drawing/2014/main" id="{5405FE61-F9F4-41CE-80AE-0AE48558D059}"/>
-              </a:ext>
-            </a:extLst>
-          </p:cNvPr>
-          <p:cNvSpPr/>
-          <p:nvPr/>
-        </p:nvSpPr>
-        <p:spPr>
-          <a:xfrm>
-            <a:off x="1603512" y="5557849"/>
-            <a:ext cx="1991139" cy="764916"/>
-          </a:xfrm>
-          <a:prstGeom prst="roundRect">
-            <a:avLst/>
-          </a:prstGeom>
-          <a:noFill/>
-          <a:ln w="19050">
-            <a:solidFill>
-              <a:schemeClr val="accent6">
-                <a:lumMod val="75000"/>
-              </a:schemeClr>
-            </a:solidFill>
-            <a:prstDash val="dash"/>
-          </a:ln>
-        </p:spPr>
-        <p:style>
-          <a:lnRef idx="2">
-            <a:schemeClr val="dk1"/>
-          </a:lnRef>
-          <a:fillRef idx="1">
-            <a:schemeClr val="lt1"/>
-          </a:fillRef>
-          <a:effectRef idx="0">
-            <a:schemeClr val="dk1"/>
-          </a:effectRef>
-          <a:fontRef idx="minor">
-            <a:schemeClr val="dk1"/>
-          </a:fontRef>
-        </p:style>
-        <p:txBody>
-          <a:bodyPr rtlCol="0" anchor="ctr"/>
-          <a:lstStyle/>
-          <a:p>
-            <a:pPr algn="ctr"/>
-            <a:endParaRPr lang="en-US" dirty="0">
-              <a:ln>
-                <a:solidFill>
-                  <a:srgbClr val="FF0000"/>
-                </a:solidFill>
-              </a:ln>
-              <a:solidFill>
-                <a:srgbClr val="00B050"/>
-              </a:solidFill>
-            </a:endParaRPr>
-          </a:p>
-        </p:txBody>
-      </p:sp>
-      <p:sp>
-        <p:nvSpPr>
-          <p:cNvPr id="42" name="TextBox 41">
-            <a:extLst>
-              <a:ext uri="{FF2B5EF4-FFF2-40B4-BE49-F238E27FC236}">
-                <a16:creationId xmlns:a16="http://schemas.microsoft.com/office/drawing/2014/main" id="{6CF152C4-9500-4747-AA56-F853D3E5528F}"/>
-              </a:ext>
-            </a:extLst>
-          </p:cNvPr>
-          <p:cNvSpPr txBox="1"/>
-          <p:nvPr/>
-        </p:nvSpPr>
-        <p:spPr>
-          <a:xfrm>
-            <a:off x="1603512" y="5645657"/>
-            <a:ext cx="1868557" cy="338554"/>
-          </a:xfrm>
-          <a:prstGeom prst="rect">
-            <a:avLst/>
-          </a:prstGeom>
-          <a:noFill/>
-        </p:spPr>
-        <p:txBody>
-          <a:bodyPr wrap="square" rtlCol="0">
-            <a:spAutoFit/>
-          </a:bodyPr>
-          <a:lstStyle/>
-          <a:p>
-            <a:r>
-              <a:rPr lang="en-US" sz="1600" b="1" dirty="0">
-                <a:solidFill>
-                  <a:srgbClr val="FF0000"/>
-                </a:solidFill>
-              </a:rPr>
-              <a:t>&lt;my-event-card&gt;</a:t>
-            </a:r>
-          </a:p>
-        </p:txBody>
-      </p:sp>
-      <p:sp>
-        <p:nvSpPr>
-          <p:cNvPr id="43" name="Rectangle: Rounded Corners 42">
-            <a:extLst>
-              <a:ext uri="{FF2B5EF4-FFF2-40B4-BE49-F238E27FC236}">
-                <a16:creationId xmlns:a16="http://schemas.microsoft.com/office/drawing/2014/main" id="{9E127CB0-3B05-4677-B389-B76C609C43D8}"/>
-              </a:ext>
-            </a:extLst>
-          </p:cNvPr>
-          <p:cNvSpPr/>
-          <p:nvPr/>
-        </p:nvSpPr>
-        <p:spPr>
-          <a:xfrm>
-            <a:off x="4970135" y="5531360"/>
-            <a:ext cx="1991139" cy="764916"/>
-          </a:xfrm>
-          <a:prstGeom prst="roundRect">
-            <a:avLst/>
-          </a:prstGeom>
-          <a:noFill/>
-          <a:ln w="19050">
-            <a:solidFill>
-              <a:schemeClr val="accent6">
-                <a:lumMod val="75000"/>
-              </a:schemeClr>
-            </a:solidFill>
-            <a:prstDash val="dash"/>
-          </a:ln>
-        </p:spPr>
-        <p:style>
-          <a:lnRef idx="2">
-            <a:schemeClr val="dk1"/>
-          </a:lnRef>
-          <a:fillRef idx="1">
-            <a:schemeClr val="lt1"/>
-          </a:fillRef>
-          <a:effectRef idx="0">
-            <a:schemeClr val="dk1"/>
-          </a:effectRef>
-          <a:fontRef idx="minor">
-            <a:schemeClr val="dk1"/>
-          </a:fontRef>
-        </p:style>
-        <p:txBody>
-          <a:bodyPr rtlCol="0" anchor="ctr"/>
-          <a:lstStyle/>
-          <a:p>
-            <a:pPr algn="ctr"/>
-            <a:endParaRPr lang="en-US" dirty="0">
-              <a:ln>
-                <a:solidFill>
-                  <a:srgbClr val="FF0000"/>
-                </a:solidFill>
-              </a:ln>
-              <a:solidFill>
-                <a:srgbClr val="00B050"/>
-              </a:solidFill>
-            </a:endParaRPr>
-          </a:p>
-        </p:txBody>
-      </p:sp>
-      <p:sp>
-        <p:nvSpPr>
-          <p:cNvPr id="44" name="TextBox 43">
-            <a:extLst>
-              <a:ext uri="{FF2B5EF4-FFF2-40B4-BE49-F238E27FC236}">
-                <a16:creationId xmlns:a16="http://schemas.microsoft.com/office/drawing/2014/main" id="{8949838B-26B9-4B27-8D63-3ED59EBA683B}"/>
-              </a:ext>
-            </a:extLst>
-          </p:cNvPr>
-          <p:cNvSpPr txBox="1"/>
-          <p:nvPr/>
-        </p:nvSpPr>
-        <p:spPr>
-          <a:xfrm>
-            <a:off x="4970135" y="5619168"/>
-            <a:ext cx="1868557" cy="338554"/>
-          </a:xfrm>
-          <a:prstGeom prst="rect">
-            <a:avLst/>
-          </a:prstGeom>
-          <a:noFill/>
-        </p:spPr>
-        <p:txBody>
-          <a:bodyPr wrap="square" rtlCol="0">
-            <a:spAutoFit/>
-          </a:bodyPr>
-          <a:lstStyle/>
-          <a:p>
-            <a:r>
-              <a:rPr lang="en-US" sz="1600" b="1" dirty="0">
-                <a:solidFill>
-                  <a:srgbClr val="FF0000"/>
-                </a:solidFill>
-              </a:rPr>
-              <a:t>&lt;find-event-card&gt;</a:t>
-            </a:r>
-          </a:p>
-        </p:txBody>
-      </p:sp>
-      <p:sp>
-        <p:nvSpPr>
-          <p:cNvPr id="45" name="Rectangle: Rounded Corners 44">
-            <a:extLst>
-              <a:ext uri="{FF2B5EF4-FFF2-40B4-BE49-F238E27FC236}">
-                <a16:creationId xmlns:a16="http://schemas.microsoft.com/office/drawing/2014/main" id="{CB464FEA-DDEE-4C33-86CB-BB000426AC41}"/>
-              </a:ext>
-            </a:extLst>
-          </p:cNvPr>
-          <p:cNvSpPr/>
-          <p:nvPr/>
-        </p:nvSpPr>
-        <p:spPr>
-          <a:xfrm>
-            <a:off x="8055304" y="5494606"/>
-            <a:ext cx="1991139" cy="764916"/>
-          </a:xfrm>
-          <a:prstGeom prst="roundRect">
-            <a:avLst/>
-          </a:prstGeom>
-          <a:noFill/>
-          <a:ln w="19050">
-            <a:solidFill>
-              <a:schemeClr val="accent6">
-                <a:lumMod val="75000"/>
-              </a:schemeClr>
-            </a:solidFill>
-            <a:prstDash val="dash"/>
-          </a:ln>
-        </p:spPr>
-        <p:style>
-          <a:lnRef idx="2">
-            <a:schemeClr val="dk1"/>
-          </a:lnRef>
-          <a:fillRef idx="1">
-            <a:schemeClr val="lt1"/>
-          </a:fillRef>
-          <a:effectRef idx="0">
-            <a:schemeClr val="dk1"/>
-          </a:effectRef>
-          <a:fontRef idx="minor">
-            <a:schemeClr val="dk1"/>
-          </a:fontRef>
-        </p:style>
-        <p:txBody>
-          <a:bodyPr rtlCol="0" anchor="ctr"/>
-          <a:lstStyle/>
-          <a:p>
-            <a:pPr algn="ctr"/>
-            <a:endParaRPr lang="en-US" dirty="0">
-              <a:ln>
-                <a:solidFill>
-                  <a:srgbClr val="FF0000"/>
-                </a:solidFill>
-              </a:ln>
-              <a:solidFill>
-                <a:srgbClr val="00B050"/>
-              </a:solidFill>
-            </a:endParaRPr>
-          </a:p>
-        </p:txBody>
-      </p:sp>
-      <p:sp>
-        <p:nvSpPr>
-          <p:cNvPr id="46" name="TextBox 45">
-            <a:extLst>
-              <a:ext uri="{FF2B5EF4-FFF2-40B4-BE49-F238E27FC236}">
-                <a16:creationId xmlns:a16="http://schemas.microsoft.com/office/drawing/2014/main" id="{25918E8E-D16F-440E-BCB3-8CE1846D7482}"/>
-              </a:ext>
-            </a:extLst>
-          </p:cNvPr>
-          <p:cNvSpPr txBox="1"/>
-          <p:nvPr/>
-        </p:nvSpPr>
-        <p:spPr>
-          <a:xfrm>
-            <a:off x="8055304" y="5582414"/>
-            <a:ext cx="1868557" cy="338554"/>
-          </a:xfrm>
-          <a:prstGeom prst="rect">
-            <a:avLst/>
-          </a:prstGeom>
-          <a:noFill/>
-        </p:spPr>
-        <p:txBody>
-          <a:bodyPr wrap="square" rtlCol="0">
-            <a:spAutoFit/>
-          </a:bodyPr>
-          <a:lstStyle/>
-          <a:p>
-            <a:r>
-              <a:rPr lang="en-US" sz="1600" b="1" dirty="0">
-                <a:solidFill>
-                  <a:srgbClr val="FF0000"/>
-                </a:solidFill>
-              </a:rPr>
-              <a:t>&lt;category-card&gt;</a:t>
-            </a:r>
-          </a:p>
-        </p:txBody>
-      </p:sp>
-      <p:cxnSp>
-        <p:nvCxnSpPr>
-          <p:cNvPr id="47" name="Straight Arrow Connector 46">
-            <a:extLst>
-              <a:ext uri="{FF2B5EF4-FFF2-40B4-BE49-F238E27FC236}">
-                <a16:creationId xmlns:a16="http://schemas.microsoft.com/office/drawing/2014/main" id="{8E8E6CA9-5F59-4D43-BC56-4F2D66DF8405}"/>
-              </a:ext>
-            </a:extLst>
-          </p:cNvPr>
-          <p:cNvCxnSpPr>
-            <a:cxnSpLocks/>
-          </p:cNvCxnSpPr>
-          <p:nvPr/>
-        </p:nvCxnSpPr>
-        <p:spPr>
-          <a:xfrm>
-            <a:off x="2521809" y="4832328"/>
-            <a:ext cx="0" cy="662278"/>
-          </a:xfrm>
-          <a:prstGeom prst="straightConnector1">
-            <a:avLst/>
-          </a:prstGeom>
-          <a:ln w="12700">
-            <a:tailEnd type="triangle"/>
-          </a:ln>
-        </p:spPr>
-        <p:style>
-          <a:lnRef idx="1">
-            <a:schemeClr val="accent1"/>
-          </a:lnRef>
-          <a:fillRef idx="0">
-            <a:schemeClr val="accent1"/>
-          </a:fillRef>
-          <a:effectRef idx="0">
-            <a:schemeClr val="accent1"/>
-          </a:effectRef>
-          <a:fontRef idx="minor">
-            <a:schemeClr val="tx1"/>
-          </a:fontRef>
-        </p:style>
-      </p:cxnSp>
-      <p:cxnSp>
-        <p:nvCxnSpPr>
-          <p:cNvPr id="48" name="Straight Arrow Connector 47">
-            <a:extLst>
-              <a:ext uri="{FF2B5EF4-FFF2-40B4-BE49-F238E27FC236}">
-                <a16:creationId xmlns:a16="http://schemas.microsoft.com/office/drawing/2014/main" id="{52244796-3946-4FE9-9782-6E13CCB1526B}"/>
-              </a:ext>
-            </a:extLst>
-          </p:cNvPr>
-          <p:cNvCxnSpPr>
-            <a:cxnSpLocks/>
-          </p:cNvCxnSpPr>
-          <p:nvPr/>
-        </p:nvCxnSpPr>
-        <p:spPr>
-          <a:xfrm>
-            <a:off x="6086644" y="4852538"/>
-            <a:ext cx="0" cy="662278"/>
-          </a:xfrm>
-          <a:prstGeom prst="straightConnector1">
-            <a:avLst/>
-          </a:prstGeom>
-          <a:ln w="12700">
-            <a:tailEnd type="triangle"/>
-          </a:ln>
-        </p:spPr>
-        <p:style>
-          <a:lnRef idx="1">
-            <a:schemeClr val="accent1"/>
-          </a:lnRef>
-          <a:fillRef idx="0">
-            <a:schemeClr val="accent1"/>
-          </a:fillRef>
-          <a:effectRef idx="0">
-            <a:schemeClr val="accent1"/>
-          </a:effectRef>
-          <a:fontRef idx="minor">
-            <a:schemeClr val="tx1"/>
-          </a:fontRef>
-        </p:style>
-      </p:cxnSp>
-      <p:cxnSp>
-        <p:nvCxnSpPr>
-          <p:cNvPr id="49" name="Straight Arrow Connector 48">
-            <a:extLst>
-              <a:ext uri="{FF2B5EF4-FFF2-40B4-BE49-F238E27FC236}">
-                <a16:creationId xmlns:a16="http://schemas.microsoft.com/office/drawing/2014/main" id="{C7F378FA-4EC0-4AFE-A7DB-787C4D6D90D2}"/>
-              </a:ext>
-            </a:extLst>
-          </p:cNvPr>
-          <p:cNvCxnSpPr>
-            <a:cxnSpLocks/>
-          </p:cNvCxnSpPr>
-          <p:nvPr/>
-        </p:nvCxnSpPr>
-        <p:spPr>
-          <a:xfrm>
-            <a:off x="9161148" y="4832328"/>
-            <a:ext cx="0" cy="662278"/>
-          </a:xfrm>
-          <a:prstGeom prst="straightConnector1">
-            <a:avLst/>
-          </a:prstGeom>
-          <a:ln w="12700">
-            <a:tailEnd type="triangle"/>
-          </a:ln>
-        </p:spPr>
-        <p:style>
-          <a:lnRef idx="1">
-            <a:schemeClr val="accent1"/>
-          </a:lnRef>
-          <a:fillRef idx="0">
-            <a:schemeClr val="accent1"/>
-          </a:fillRef>
-          <a:effectRef idx="0">
-            <a:schemeClr val="accent1"/>
-          </a:effectRef>
-          <a:fontRef idx="minor">
-            <a:schemeClr val="tx1"/>
-          </a:fontRef>
-        </p:style>
-      </p:cxnSp>
-      <p:sp>
-        <p:nvSpPr>
-          <p:cNvPr id="50" name="TextBox 49">
-            <a:extLst>
-              <a:ext uri="{FF2B5EF4-FFF2-40B4-BE49-F238E27FC236}">
-                <a16:creationId xmlns:a16="http://schemas.microsoft.com/office/drawing/2014/main" id="{3C32E8F7-2FB3-421C-9D2D-D3674C1FCCA5}"/>
-              </a:ext>
-            </a:extLst>
-          </p:cNvPr>
-          <p:cNvSpPr txBox="1"/>
-          <p:nvPr/>
-        </p:nvSpPr>
-        <p:spPr>
-          <a:xfrm>
-            <a:off x="1660238" y="5111026"/>
-            <a:ext cx="802733" cy="338554"/>
-          </a:xfrm>
-          <a:prstGeom prst="rect">
-            <a:avLst/>
-          </a:prstGeom>
-          <a:noFill/>
-        </p:spPr>
-        <p:txBody>
-          <a:bodyPr wrap="square" rtlCol="0">
-            <a:spAutoFit/>
-          </a:bodyPr>
-          <a:lstStyle/>
-          <a:p>
-            <a:r>
-              <a:rPr lang="en-US" sz="1600" b="1" dirty="0">
-                <a:solidFill>
-                  <a:schemeClr val="accent6">
-                    <a:lumMod val="75000"/>
-                  </a:schemeClr>
-                </a:solidFill>
-              </a:rPr>
-              <a:t>PROPS</a:t>
-            </a:r>
-          </a:p>
-        </p:txBody>
-      </p:sp>
-      <p:sp>
-        <p:nvSpPr>
-          <p:cNvPr id="51" name="TextBox 50">
-            <a:extLst>
-              <a:ext uri="{FF2B5EF4-FFF2-40B4-BE49-F238E27FC236}">
-                <a16:creationId xmlns:a16="http://schemas.microsoft.com/office/drawing/2014/main" id="{75B3A40B-A802-4729-AE12-9BAC9C9F15B9}"/>
-              </a:ext>
-            </a:extLst>
-          </p:cNvPr>
-          <p:cNvSpPr txBox="1"/>
-          <p:nvPr/>
-        </p:nvSpPr>
-        <p:spPr>
-          <a:xfrm>
-            <a:off x="2578221" y="5095637"/>
-            <a:ext cx="1582188" cy="369332"/>
-          </a:xfrm>
-          <a:prstGeom prst="rect">
-            <a:avLst/>
-          </a:prstGeom>
-          <a:noFill/>
-        </p:spPr>
-        <p:txBody>
-          <a:bodyPr wrap="square" rtlCol="0">
-            <a:spAutoFit/>
-          </a:bodyPr>
-          <a:lstStyle/>
-          <a:p>
-            <a:r>
-              <a:rPr lang="en-US" sz="1800" dirty="0"/>
-              <a:t>my-event-info</a:t>
-            </a:r>
-          </a:p>
-        </p:txBody>
-      </p:sp>
-      <p:sp>
-        <p:nvSpPr>
-          <p:cNvPr id="52" name="TextBox 51">
-            <a:extLst>
-              <a:ext uri="{FF2B5EF4-FFF2-40B4-BE49-F238E27FC236}">
-                <a16:creationId xmlns:a16="http://schemas.microsoft.com/office/drawing/2014/main" id="{8731E349-472A-4EEC-B51E-A6C06870D772}"/>
-              </a:ext>
-            </a:extLst>
-          </p:cNvPr>
-          <p:cNvSpPr txBox="1"/>
-          <p:nvPr/>
-        </p:nvSpPr>
-        <p:spPr>
-          <a:xfrm>
-            <a:off x="5302624" y="5072173"/>
-            <a:ext cx="802733" cy="338554"/>
-          </a:xfrm>
-          <a:prstGeom prst="rect">
-            <a:avLst/>
-          </a:prstGeom>
-          <a:noFill/>
-        </p:spPr>
-        <p:txBody>
-          <a:bodyPr wrap="square" rtlCol="0">
-            <a:spAutoFit/>
-          </a:bodyPr>
-          <a:lstStyle/>
-          <a:p>
-            <a:r>
-              <a:rPr lang="en-US" sz="1600" b="1" dirty="0">
-                <a:solidFill>
-                  <a:schemeClr val="accent6">
-                    <a:lumMod val="75000"/>
-                  </a:schemeClr>
-                </a:solidFill>
-              </a:rPr>
-              <a:t>PROPS</a:t>
-            </a:r>
-          </a:p>
-        </p:txBody>
-      </p:sp>
-      <p:sp>
-        <p:nvSpPr>
-          <p:cNvPr id="53" name="TextBox 52">
-            <a:extLst>
-              <a:ext uri="{FF2B5EF4-FFF2-40B4-BE49-F238E27FC236}">
-                <a16:creationId xmlns:a16="http://schemas.microsoft.com/office/drawing/2014/main" id="{951750F7-6AEB-4C7A-90FD-DAD94E51CD54}"/>
-              </a:ext>
-            </a:extLst>
-          </p:cNvPr>
-          <p:cNvSpPr txBox="1"/>
-          <p:nvPr/>
-        </p:nvSpPr>
-        <p:spPr>
-          <a:xfrm>
-            <a:off x="6060420" y="5056784"/>
-            <a:ext cx="1582188" cy="369332"/>
-          </a:xfrm>
-          <a:prstGeom prst="rect">
-            <a:avLst/>
-          </a:prstGeom>
-          <a:noFill/>
-        </p:spPr>
-        <p:txBody>
-          <a:bodyPr wrap="square" rtlCol="0">
-            <a:spAutoFit/>
-          </a:bodyPr>
-          <a:lstStyle/>
-          <a:p>
-            <a:r>
-              <a:rPr lang="en-US" sz="1800" dirty="0"/>
-              <a:t>my-event-info</a:t>
-            </a:r>
-          </a:p>
-        </p:txBody>
-      </p:sp>
-      <p:sp>
-        <p:nvSpPr>
-          <p:cNvPr id="58" name="TextBox 57">
-            <a:extLst>
-              <a:ext uri="{FF2B5EF4-FFF2-40B4-BE49-F238E27FC236}">
-                <a16:creationId xmlns:a16="http://schemas.microsoft.com/office/drawing/2014/main" id="{AB648C89-02F1-495E-9603-4CEBF3F9E1D8}"/>
-              </a:ext>
-            </a:extLst>
-          </p:cNvPr>
-          <p:cNvSpPr txBox="1"/>
-          <p:nvPr/>
-        </p:nvSpPr>
-        <p:spPr>
-          <a:xfrm>
-            <a:off x="8403352" y="5056695"/>
-            <a:ext cx="802733" cy="338554"/>
-          </a:xfrm>
-          <a:prstGeom prst="rect">
-            <a:avLst/>
-          </a:prstGeom>
-          <a:noFill/>
-        </p:spPr>
-        <p:txBody>
-          <a:bodyPr wrap="square" rtlCol="0">
-            <a:spAutoFit/>
-          </a:bodyPr>
-          <a:lstStyle/>
-          <a:p>
-            <a:r>
-              <a:rPr lang="en-US" sz="1600" b="1" dirty="0">
-                <a:solidFill>
-                  <a:schemeClr val="accent6">
-                    <a:lumMod val="75000"/>
-                  </a:schemeClr>
-                </a:solidFill>
-              </a:rPr>
-              <a:t>PROPS</a:t>
-            </a:r>
-          </a:p>
-        </p:txBody>
-      </p:sp>
-      <p:sp>
-        <p:nvSpPr>
-          <p:cNvPr id="59" name="TextBox 58">
-            <a:extLst>
-              <a:ext uri="{FF2B5EF4-FFF2-40B4-BE49-F238E27FC236}">
-                <a16:creationId xmlns:a16="http://schemas.microsoft.com/office/drawing/2014/main" id="{7E116CA8-B8E2-407E-B37F-4CEFF51D4CDC}"/>
-              </a:ext>
-            </a:extLst>
-          </p:cNvPr>
-          <p:cNvSpPr txBox="1"/>
-          <p:nvPr/>
-        </p:nvSpPr>
-        <p:spPr>
-          <a:xfrm>
-            <a:off x="9161148" y="5041306"/>
-            <a:ext cx="1582188" cy="369332"/>
-          </a:xfrm>
-          <a:prstGeom prst="rect">
-            <a:avLst/>
-          </a:prstGeom>
-          <a:noFill/>
-        </p:spPr>
-        <p:txBody>
-          <a:bodyPr wrap="square" rtlCol="0">
-            <a:spAutoFit/>
-          </a:bodyPr>
-          <a:lstStyle/>
-          <a:p>
-            <a:r>
-              <a:rPr lang="en-US" sz="1800" dirty="0"/>
-              <a:t>category-info</a:t>
-            </a:r>
+            <a:off x="6880101" y="5108121"/>
+            <a:ext cx="892668" cy="338554"/>
+          </a:xfrm>
+          <a:prstGeom prst="rect">
+            <a:avLst/>
+          </a:prstGeom>
+          <a:noFill/>
+        </p:spPr>
+        <p:txBody>
+          <a:bodyPr wrap="square" rtlCol="0">
+            <a:spAutoFit/>
+          </a:bodyPr>
+          <a:lstStyle/>
+          <a:p>
+            <a:r>
+              <a:rPr lang="en-US" sz="1600" dirty="0" err="1"/>
+              <a:t>userIfo</a:t>
+            </a:r>
+            <a:endParaRPr lang="en-US" sz="1600" dirty="0"/>
           </a:p>
         </p:txBody>
       </p:sp>
     </p:spTree>
     <p:extLst>
       <p:ext uri="{BB962C8B-B14F-4D97-AF65-F5344CB8AC3E}">
-        <p14:creationId xmlns:p14="http://schemas.microsoft.com/office/powerpoint/2010/main" val="3554060989"/>
+        <p14:creationId xmlns:p14="http://schemas.microsoft.com/office/powerpoint/2010/main" val="2813974213"/>
       </p:ext>
     </p:extLst>
   </p:cSld>
@@ -5524,6 +4421,42 @@
           </a:p>
         </p:txBody>
       </p:sp>
+      <p:sp>
+        <p:nvSpPr>
+          <p:cNvPr id="8" name="TextBox 7">
+            <a:extLst>
+              <a:ext uri="{FF2B5EF4-FFF2-40B4-BE49-F238E27FC236}">
+                <a16:creationId xmlns:a16="http://schemas.microsoft.com/office/drawing/2014/main" id="{501962D6-56E3-4446-A15C-816A113AFAB3}"/>
+              </a:ext>
+            </a:extLst>
+          </p:cNvPr>
+          <p:cNvSpPr txBox="1"/>
+          <p:nvPr/>
+        </p:nvSpPr>
+        <p:spPr>
+          <a:xfrm>
+            <a:off x="8172770" y="890514"/>
+            <a:ext cx="1025266" cy="338554"/>
+          </a:xfrm>
+          <a:prstGeom prst="rect">
+            <a:avLst/>
+          </a:prstGeom>
+          <a:noFill/>
+        </p:spPr>
+        <p:txBody>
+          <a:bodyPr wrap="square" rtlCol="0">
+            <a:spAutoFit/>
+          </a:bodyPr>
+          <a:lstStyle/>
+          <a:p>
+            <a:r>
+              <a:rPr lang="en-US" sz="1600" dirty="0" err="1"/>
+              <a:t>userInfo</a:t>
+            </a:r>
+            <a:endParaRPr lang="en-US" sz="1600" dirty="0"/>
+          </a:p>
+        </p:txBody>
+      </p:sp>
       <p:cxnSp>
         <p:nvCxnSpPr>
           <p:cNvPr id="9" name="Straight Connector 8">
@@ -5562,6 +4495,45 @@
       </p:cxnSp>
       <p:sp>
         <p:nvSpPr>
+          <p:cNvPr id="10" name="TextBox 9">
+            <a:extLst>
+              <a:ext uri="{FF2B5EF4-FFF2-40B4-BE49-F238E27FC236}">
+                <a16:creationId xmlns:a16="http://schemas.microsoft.com/office/drawing/2014/main" id="{1FD9AC3D-0A3B-43FF-AA27-C1EF417F960A}"/>
+              </a:ext>
+            </a:extLst>
+          </p:cNvPr>
+          <p:cNvSpPr txBox="1"/>
+          <p:nvPr/>
+        </p:nvSpPr>
+        <p:spPr>
+          <a:xfrm>
+            <a:off x="6632444" y="734588"/>
+            <a:ext cx="1025265" cy="338554"/>
+          </a:xfrm>
+          <a:prstGeom prst="rect">
+            <a:avLst/>
+          </a:prstGeom>
+          <a:noFill/>
+        </p:spPr>
+        <p:txBody>
+          <a:bodyPr wrap="square" rtlCol="0">
+            <a:spAutoFit/>
+          </a:bodyPr>
+          <a:lstStyle/>
+          <a:p>
+            <a:r>
+              <a:rPr lang="en-US" sz="1600" dirty="0" err="1"/>
+              <a:t>userInfo</a:t>
+            </a:r>
+            <a:r>
+              <a:rPr lang="en-US" sz="1600" dirty="0"/>
+              <a:t>{}</a:t>
+            </a:r>
+          </a:p>
+        </p:txBody>
+      </p:sp>
+      <p:sp>
+        <p:nvSpPr>
           <p:cNvPr id="11" name="Rectangle: Rounded Corners 10">
             <a:extLst>
               <a:ext uri="{FF2B5EF4-FFF2-40B4-BE49-F238E27FC236}">
@@ -5631,8 +4603,8 @@
         </p:nvSpPr>
         <p:spPr>
           <a:xfrm>
-            <a:off x="9895590" y="2063866"/>
-            <a:ext cx="1774544" cy="338554"/>
+            <a:off x="10324388" y="2063866"/>
+            <a:ext cx="1025265" cy="338554"/>
           </a:xfrm>
           <a:prstGeom prst="rect">
             <a:avLst/>
@@ -5651,7 +4623,85 @@
                   <a:srgbClr val="FF0000"/>
                 </a:solidFill>
               </a:rPr>
-              <a:t>&lt;my-event-view&gt;</a:t>
+              <a:t>&lt;login&gt;</a:t>
+            </a:r>
+          </a:p>
+        </p:txBody>
+      </p:sp>
+      <p:sp>
+        <p:nvSpPr>
+          <p:cNvPr id="13" name="TextBox 12">
+            <a:extLst>
+              <a:ext uri="{FF2B5EF4-FFF2-40B4-BE49-F238E27FC236}">
+                <a16:creationId xmlns:a16="http://schemas.microsoft.com/office/drawing/2014/main" id="{756E6B75-A66D-4365-B8F4-8B6AD9537DBF}"/>
+              </a:ext>
+            </a:extLst>
+          </p:cNvPr>
+          <p:cNvSpPr txBox="1"/>
+          <p:nvPr/>
+        </p:nvSpPr>
+        <p:spPr>
+          <a:xfrm>
+            <a:off x="10324388" y="2419297"/>
+            <a:ext cx="1025265" cy="338554"/>
+          </a:xfrm>
+          <a:prstGeom prst="rect">
+            <a:avLst/>
+          </a:prstGeom>
+          <a:noFill/>
+        </p:spPr>
+        <p:txBody>
+          <a:bodyPr wrap="square" rtlCol="0">
+            <a:spAutoFit/>
+          </a:bodyPr>
+          <a:lstStyle/>
+          <a:p>
+            <a:r>
+              <a:rPr lang="en-US" sz="1600" dirty="0" err="1"/>
+              <a:t>userInfo</a:t>
+            </a:r>
+            <a:r>
+              <a:rPr lang="en-US" sz="1600" dirty="0"/>
+              <a:t>{}</a:t>
+            </a:r>
+          </a:p>
+        </p:txBody>
+      </p:sp>
+      <p:sp>
+        <p:nvSpPr>
+          <p:cNvPr id="14" name="TextBox 13">
+            <a:extLst>
+              <a:ext uri="{FF2B5EF4-FFF2-40B4-BE49-F238E27FC236}">
+                <a16:creationId xmlns:a16="http://schemas.microsoft.com/office/drawing/2014/main" id="{DF67D2F5-AD27-44C4-A747-5A26CCED5343}"/>
+              </a:ext>
+            </a:extLst>
+          </p:cNvPr>
+          <p:cNvSpPr txBox="1"/>
+          <p:nvPr/>
+        </p:nvSpPr>
+        <p:spPr>
+          <a:xfrm>
+            <a:off x="8946363" y="2538220"/>
+            <a:ext cx="1025265" cy="338554"/>
+          </a:xfrm>
+          <a:prstGeom prst="rect">
+            <a:avLst/>
+          </a:prstGeom>
+          <a:noFill/>
+        </p:spPr>
+        <p:txBody>
+          <a:bodyPr wrap="square" rtlCol="0">
+            <a:spAutoFit/>
+          </a:bodyPr>
+          <a:lstStyle/>
+          <a:p>
+            <a:r>
+              <a:rPr lang="en-US" sz="1600" dirty="0" err="1"/>
+              <a:t>userInfo</a:t>
+            </a:r>
+            <a:r>
+              <a:rPr lang="en-US" sz="1600" dirty="0"/>
+              <a:t>{}</a:t>
             </a:r>
           </a:p>
         </p:txBody>
@@ -5788,7 +4838,7 @@
             </a:r>
             <a:r>
               <a:rPr lang="en-US" sz="1600" dirty="0"/>
-              <a:t>provides my-event information to anymore</a:t>
+              <a:t>provides user information to anymore</a:t>
             </a:r>
           </a:p>
         </p:txBody>
@@ -5807,7 +4857,7 @@
         </p:nvSpPr>
         <p:spPr>
           <a:xfrm>
-            <a:off x="5917415" y="4111137"/>
+            <a:off x="8603004" y="5152130"/>
             <a:ext cx="2645466" cy="684786"/>
           </a:xfrm>
           <a:prstGeom prst="roundRect">
@@ -5864,7 +4914,7 @@
         </p:nvSpPr>
         <p:spPr>
           <a:xfrm>
-            <a:off x="6622498" y="4292390"/>
+            <a:off x="9308087" y="5333383"/>
             <a:ext cx="1427751" cy="338554"/>
           </a:xfrm>
           <a:prstGeom prst="rect">
@@ -5903,7 +4953,7 @@
         </p:nvSpPr>
         <p:spPr>
           <a:xfrm>
-            <a:off x="6035013" y="5087367"/>
+            <a:off x="8720602" y="6128360"/>
             <a:ext cx="2911350" cy="338554"/>
           </a:xfrm>
           <a:prstGeom prst="rect">
@@ -6034,23 +5084,27 @@
         </p:nvSpPr>
         <p:spPr>
           <a:xfrm>
-            <a:off x="1199332" y="834007"/>
-            <a:ext cx="1903725" cy="338554"/>
-          </a:xfrm>
-          <a:prstGeom prst="rect">
-            <a:avLst/>
-          </a:prstGeom>
-          <a:noFill/>
-        </p:spPr>
-        <p:txBody>
-          <a:bodyPr wrap="square" rtlCol="0">
-            <a:spAutoFit/>
-          </a:bodyPr>
-          <a:lstStyle/>
-          <a:p>
+            <a:off x="1688266" y="834007"/>
+            <a:ext cx="1025265" cy="338554"/>
+          </a:xfrm>
+          <a:prstGeom prst="rect">
+            <a:avLst/>
+          </a:prstGeom>
+          <a:noFill/>
+        </p:spPr>
+        <p:txBody>
+          <a:bodyPr wrap="square" rtlCol="0">
+            <a:spAutoFit/>
+          </a:bodyPr>
+          <a:lstStyle/>
+          <a:p>
+            <a:r>
+              <a:rPr lang="en-US" sz="1600" dirty="0" err="1"/>
+              <a:t>userInfo</a:t>
+            </a:r>
             <a:r>
               <a:rPr lang="en-US" sz="1600" dirty="0"/>
-              <a:t>my-event-info[]</a:t>
+              <a:t>{}</a:t>
             </a:r>
           </a:p>
         </p:txBody>
@@ -6085,7 +5139,7 @@
           <a:p>
             <a:r>
               <a:rPr lang="en-US" sz="1600" dirty="0"/>
-              <a:t>// A component with a list of my-event information as data</a:t>
+              <a:t>// A component with a list of user information sing-up as data</a:t>
             </a:r>
           </a:p>
         </p:txBody>
@@ -6104,8 +5158,8 @@
         </p:nvSpPr>
         <p:spPr>
           <a:xfrm>
-            <a:off x="6756385" y="3039879"/>
-            <a:ext cx="5371852" cy="338554"/>
+            <a:off x="8156061" y="3039879"/>
+            <a:ext cx="3972176" cy="338554"/>
           </a:xfrm>
           <a:prstGeom prst="rect">
             <a:avLst/>
@@ -6128,21 +5182,21 @@
                   <a:srgbClr val="FF0000"/>
                 </a:solidFill>
               </a:rPr>
-              <a:t>my-event view </a:t>
+              <a:t>login </a:t>
             </a:r>
             <a:r>
               <a:rPr lang="en-US" sz="1600" dirty="0"/>
-              <a:t>gets my-event information from a provider</a:t>
-            </a:r>
-          </a:p>
-        </p:txBody>
-      </p:sp>
-      <p:sp>
-        <p:nvSpPr>
-          <p:cNvPr id="29" name="Rectangle: Rounded Corners 28">
-            <a:extLst>
-              <a:ext uri="{FF2B5EF4-FFF2-40B4-BE49-F238E27FC236}">
-                <a16:creationId xmlns:a16="http://schemas.microsoft.com/office/drawing/2014/main" id="{25276C31-8E86-4F25-BF01-19D0240494FE}"/>
+              <a:t>gets user information from a provider</a:t>
+            </a:r>
+          </a:p>
+        </p:txBody>
+      </p:sp>
+      <p:sp>
+        <p:nvSpPr>
+          <p:cNvPr id="26" name="Rectangle: Rounded Corners 25">
+            <a:extLst>
+              <a:ext uri="{FF2B5EF4-FFF2-40B4-BE49-F238E27FC236}">
+                <a16:creationId xmlns:a16="http://schemas.microsoft.com/office/drawing/2014/main" id="{94DEF1A5-D4D3-4C67-B644-B330ABBBCBA8}"/>
               </a:ext>
             </a:extLst>
           </p:cNvPr>
@@ -6151,7 +5205,7 @@
         </p:nvSpPr>
         <p:spPr>
           <a:xfrm>
-            <a:off x="98483" y="2588574"/>
+            <a:off x="6396101" y="3648844"/>
             <a:ext cx="1964366" cy="853846"/>
           </a:xfrm>
           <a:prstGeom prst="roundRect">
@@ -6196,20 +5250,20 @@
       </p:sp>
       <p:sp>
         <p:nvSpPr>
-          <p:cNvPr id="30" name="TextBox 29">
-            <a:extLst>
-              <a:ext uri="{FF2B5EF4-FFF2-40B4-BE49-F238E27FC236}">
-                <a16:creationId xmlns:a16="http://schemas.microsoft.com/office/drawing/2014/main" id="{BA0D3337-9C3D-4B12-933D-3010EA6C96D1}"/>
-              </a:ext>
-            </a:extLst>
-          </p:cNvPr>
-          <p:cNvSpPr txBox="1"/>
-          <p:nvPr/>
-        </p:nvSpPr>
-        <p:spPr>
-          <a:xfrm>
-            <a:off x="587417" y="2672161"/>
-            <a:ext cx="760218" cy="338554"/>
+          <p:cNvPr id="27" name="TextBox 26">
+            <a:extLst>
+              <a:ext uri="{FF2B5EF4-FFF2-40B4-BE49-F238E27FC236}">
+                <a16:creationId xmlns:a16="http://schemas.microsoft.com/office/drawing/2014/main" id="{50E20C3C-11FD-41CC-8B69-2D163CEC0D9A}"/>
+              </a:ext>
+            </a:extLst>
+          </p:cNvPr>
+          <p:cNvSpPr txBox="1"/>
+          <p:nvPr/>
+        </p:nvSpPr>
+        <p:spPr>
+          <a:xfrm>
+            <a:off x="6932716" y="3648844"/>
+            <a:ext cx="1025265" cy="338554"/>
           </a:xfrm>
           <a:prstGeom prst="rect">
             <a:avLst/>
@@ -6228,885 +5282,101 @@
                   <a:srgbClr val="FF0000"/>
                 </a:solidFill>
               </a:rPr>
-              <a:t>&lt;app&gt;</a:t>
-            </a:r>
-          </a:p>
-        </p:txBody>
-      </p:sp>
-      <p:sp>
-        <p:nvSpPr>
-          <p:cNvPr id="33" name="Rectangle: Rounded Corners 32">
-            <a:extLst>
-              <a:ext uri="{FF2B5EF4-FFF2-40B4-BE49-F238E27FC236}">
-                <a16:creationId xmlns:a16="http://schemas.microsoft.com/office/drawing/2014/main" id="{87A0A934-5288-4DD0-A262-AE816FCDA6D6}"/>
-              </a:ext>
-            </a:extLst>
-          </p:cNvPr>
-          <p:cNvSpPr/>
-          <p:nvPr/>
-        </p:nvSpPr>
-        <p:spPr>
-          <a:xfrm>
-            <a:off x="3103057" y="2612956"/>
-            <a:ext cx="1964366" cy="853846"/>
-          </a:xfrm>
-          <a:prstGeom prst="roundRect">
-            <a:avLst/>
-          </a:prstGeom>
-          <a:noFill/>
-          <a:ln w="19050">
-            <a:solidFill>
-              <a:schemeClr val="accent6">
-                <a:lumMod val="75000"/>
-              </a:schemeClr>
-            </a:solidFill>
-            <a:prstDash val="dash"/>
-          </a:ln>
-        </p:spPr>
-        <p:style>
-          <a:lnRef idx="2">
-            <a:schemeClr val="dk1"/>
-          </a:lnRef>
-          <a:fillRef idx="1">
-            <a:schemeClr val="lt1"/>
-          </a:fillRef>
-          <a:effectRef idx="0">
-            <a:schemeClr val="dk1"/>
-          </a:effectRef>
-          <a:fontRef idx="minor">
-            <a:schemeClr val="dk1"/>
-          </a:fontRef>
-        </p:style>
-        <p:txBody>
-          <a:bodyPr rtlCol="0" anchor="ctr"/>
-          <a:lstStyle/>
-          <a:p>
-            <a:pPr algn="ctr"/>
-            <a:endParaRPr lang="en-US" dirty="0">
-              <a:solidFill>
-                <a:srgbClr val="00B050"/>
-              </a:solidFill>
-            </a:endParaRPr>
-          </a:p>
-        </p:txBody>
-      </p:sp>
-      <p:sp>
-        <p:nvSpPr>
-          <p:cNvPr id="34" name="TextBox 33">
-            <a:extLst>
-              <a:ext uri="{FF2B5EF4-FFF2-40B4-BE49-F238E27FC236}">
-                <a16:creationId xmlns:a16="http://schemas.microsoft.com/office/drawing/2014/main" id="{B7C6FE79-5BD1-4CFA-BFAF-2F4283479B16}"/>
-              </a:ext>
-            </a:extLst>
-          </p:cNvPr>
-          <p:cNvSpPr txBox="1"/>
-          <p:nvPr/>
-        </p:nvSpPr>
-        <p:spPr>
-          <a:xfrm>
-            <a:off x="3041890" y="2696543"/>
-            <a:ext cx="1964366" cy="338554"/>
-          </a:xfrm>
-          <a:prstGeom prst="rect">
-            <a:avLst/>
-          </a:prstGeom>
-          <a:noFill/>
-        </p:spPr>
-        <p:txBody>
-          <a:bodyPr wrap="square" rtlCol="0">
-            <a:spAutoFit/>
-          </a:bodyPr>
-          <a:lstStyle/>
-          <a:p>
-            <a:pPr algn="ctr"/>
+              <a:t>&lt;signup&gt;</a:t>
+            </a:r>
+          </a:p>
+        </p:txBody>
+      </p:sp>
+      <p:sp>
+        <p:nvSpPr>
+          <p:cNvPr id="28" name="TextBox 27">
+            <a:extLst>
+              <a:ext uri="{FF2B5EF4-FFF2-40B4-BE49-F238E27FC236}">
+                <a16:creationId xmlns:a16="http://schemas.microsoft.com/office/drawing/2014/main" id="{B474F790-B5CC-4275-A6DC-EF78B0B3E604}"/>
+              </a:ext>
+            </a:extLst>
+          </p:cNvPr>
+          <p:cNvSpPr txBox="1"/>
+          <p:nvPr/>
+        </p:nvSpPr>
+        <p:spPr>
+          <a:xfrm>
+            <a:off x="6932716" y="4004275"/>
+            <a:ext cx="1025265" cy="338554"/>
+          </a:xfrm>
+          <a:prstGeom prst="rect">
+            <a:avLst/>
+          </a:prstGeom>
+          <a:noFill/>
+        </p:spPr>
+        <p:txBody>
+          <a:bodyPr wrap="square" rtlCol="0">
+            <a:spAutoFit/>
+          </a:bodyPr>
+          <a:lstStyle/>
+          <a:p>
+            <a:r>
+              <a:rPr lang="en-US" sz="1600" dirty="0" err="1"/>
+              <a:t>userInfo</a:t>
+            </a:r>
+            <a:r>
+              <a:rPr lang="en-US" sz="1600" dirty="0"/>
+              <a:t>{}</a:t>
+            </a:r>
+          </a:p>
+        </p:txBody>
+      </p:sp>
+      <p:sp>
+        <p:nvSpPr>
+          <p:cNvPr id="32" name="TextBox 31">
+            <a:extLst>
+              <a:ext uri="{FF2B5EF4-FFF2-40B4-BE49-F238E27FC236}">
+                <a16:creationId xmlns:a16="http://schemas.microsoft.com/office/drawing/2014/main" id="{4F75D77B-00EE-41F2-A95D-631C4213D817}"/>
+              </a:ext>
+            </a:extLst>
+          </p:cNvPr>
+          <p:cNvSpPr txBox="1"/>
+          <p:nvPr/>
+        </p:nvSpPr>
+        <p:spPr>
+          <a:xfrm>
+            <a:off x="5480714" y="4573934"/>
+            <a:ext cx="4087356" cy="338554"/>
+          </a:xfrm>
+          <a:prstGeom prst="rect">
+            <a:avLst/>
+          </a:prstGeom>
+          <a:noFill/>
+        </p:spPr>
+        <p:txBody>
+          <a:bodyPr wrap="square" rtlCol="0">
+            <a:spAutoFit/>
+          </a:bodyPr>
+          <a:lstStyle/>
+          <a:p>
+            <a:r>
+              <a:rPr lang="en-US" sz="1600" dirty="0"/>
+              <a:t>// </a:t>
+            </a:r>
+            <a:r>
+              <a:rPr lang="en-US" sz="1600" dirty="0">
+                <a:solidFill>
+                  <a:srgbClr val="FF0000"/>
+                </a:solidFill>
+              </a:rPr>
+              <a:t>lo</a:t>
+            </a:r>
             <a:r>
               <a:rPr lang="en-US" sz="1600" b="1" dirty="0">
                 <a:solidFill>
                   <a:srgbClr val="FF0000"/>
                 </a:solidFill>
               </a:rPr>
-              <a:t>&lt;my-event-card&gt;</a:t>
-            </a:r>
-          </a:p>
-        </p:txBody>
-      </p:sp>
-      <p:sp>
-        <p:nvSpPr>
-          <p:cNvPr id="36" name="Rectangle: Rounded Corners 35">
-            <a:extLst>
-              <a:ext uri="{FF2B5EF4-FFF2-40B4-BE49-F238E27FC236}">
-                <a16:creationId xmlns:a16="http://schemas.microsoft.com/office/drawing/2014/main" id="{042E4505-100E-4891-B23C-BD4D3FC30012}"/>
-              </a:ext>
-            </a:extLst>
-          </p:cNvPr>
-          <p:cNvSpPr/>
-          <p:nvPr/>
-        </p:nvSpPr>
-        <p:spPr>
-          <a:xfrm>
-            <a:off x="98483" y="4606562"/>
-            <a:ext cx="1964366" cy="853846"/>
-          </a:xfrm>
-          <a:prstGeom prst="roundRect">
-            <a:avLst/>
-          </a:prstGeom>
-          <a:noFill/>
-          <a:ln w="19050">
-            <a:solidFill>
-              <a:schemeClr val="accent6">
-                <a:lumMod val="75000"/>
-              </a:schemeClr>
-            </a:solidFill>
-            <a:prstDash val="dash"/>
-          </a:ln>
-        </p:spPr>
-        <p:style>
-          <a:lnRef idx="2">
-            <a:schemeClr val="dk1"/>
-          </a:lnRef>
-          <a:fillRef idx="1">
-            <a:schemeClr val="lt1"/>
-          </a:fillRef>
-          <a:effectRef idx="0">
-            <a:schemeClr val="dk1"/>
-          </a:effectRef>
-          <a:fontRef idx="minor">
-            <a:schemeClr val="dk1"/>
-          </a:fontRef>
-        </p:style>
-        <p:txBody>
-          <a:bodyPr rtlCol="0" anchor="ctr"/>
-          <a:lstStyle/>
-          <a:p>
-            <a:pPr algn="ctr"/>
-            <a:endParaRPr lang="en-US" dirty="0">
-              <a:solidFill>
-                <a:srgbClr val="00B050"/>
-              </a:solidFill>
-            </a:endParaRPr>
-          </a:p>
-        </p:txBody>
-      </p:sp>
-      <p:sp>
-        <p:nvSpPr>
-          <p:cNvPr id="37" name="TextBox 36">
-            <a:extLst>
-              <a:ext uri="{FF2B5EF4-FFF2-40B4-BE49-F238E27FC236}">
-                <a16:creationId xmlns:a16="http://schemas.microsoft.com/office/drawing/2014/main" id="{D14AB65D-5AEE-42A7-AB74-69A2F3CED147}"/>
-              </a:ext>
-            </a:extLst>
-          </p:cNvPr>
-          <p:cNvSpPr txBox="1"/>
-          <p:nvPr/>
-        </p:nvSpPr>
-        <p:spPr>
-          <a:xfrm>
-            <a:off x="587417" y="4690149"/>
-            <a:ext cx="983404" cy="338554"/>
-          </a:xfrm>
-          <a:prstGeom prst="rect">
-            <a:avLst/>
-          </a:prstGeom>
-          <a:noFill/>
-        </p:spPr>
-        <p:txBody>
-          <a:bodyPr wrap="square" rtlCol="0">
-            <a:spAutoFit/>
-          </a:bodyPr>
-          <a:lstStyle/>
-          <a:p>
-            <a:r>
-              <a:rPr lang="en-US" sz="1600" b="1" dirty="0">
-                <a:solidFill>
-                  <a:srgbClr val="FF0000"/>
-                </a:solidFill>
-              </a:rPr>
-              <a:t>&lt;parent&gt;</a:t>
-            </a:r>
-          </a:p>
-        </p:txBody>
-      </p:sp>
-      <p:sp>
-        <p:nvSpPr>
-          <p:cNvPr id="39" name="Rectangle: Rounded Corners 38">
-            <a:extLst>
-              <a:ext uri="{FF2B5EF4-FFF2-40B4-BE49-F238E27FC236}">
-                <a16:creationId xmlns:a16="http://schemas.microsoft.com/office/drawing/2014/main" id="{64C89FD5-37CC-4CC5-9A34-C653A9A2C3A6}"/>
-              </a:ext>
-            </a:extLst>
-          </p:cNvPr>
-          <p:cNvSpPr/>
-          <p:nvPr/>
-        </p:nvSpPr>
-        <p:spPr>
-          <a:xfrm>
-            <a:off x="3103057" y="4630944"/>
-            <a:ext cx="1964366" cy="853846"/>
-          </a:xfrm>
-          <a:prstGeom prst="roundRect">
-            <a:avLst/>
-          </a:prstGeom>
-          <a:noFill/>
-          <a:ln w="19050">
-            <a:solidFill>
-              <a:schemeClr val="accent6">
-                <a:lumMod val="75000"/>
-              </a:schemeClr>
-            </a:solidFill>
-            <a:prstDash val="dash"/>
-          </a:ln>
-        </p:spPr>
-        <p:style>
-          <a:lnRef idx="2">
-            <a:schemeClr val="dk1"/>
-          </a:lnRef>
-          <a:fillRef idx="1">
-            <a:schemeClr val="lt1"/>
-          </a:fillRef>
-          <a:effectRef idx="0">
-            <a:schemeClr val="dk1"/>
-          </a:effectRef>
-          <a:fontRef idx="minor">
-            <a:schemeClr val="dk1"/>
-          </a:fontRef>
-        </p:style>
-        <p:txBody>
-          <a:bodyPr rtlCol="0" anchor="ctr"/>
-          <a:lstStyle/>
-          <a:p>
-            <a:pPr algn="ctr"/>
-            <a:endParaRPr lang="en-US" dirty="0">
-              <a:solidFill>
-                <a:srgbClr val="00B050"/>
-              </a:solidFill>
-            </a:endParaRPr>
-          </a:p>
-        </p:txBody>
-      </p:sp>
-      <p:sp>
-        <p:nvSpPr>
-          <p:cNvPr id="40" name="TextBox 39">
-            <a:extLst>
-              <a:ext uri="{FF2B5EF4-FFF2-40B4-BE49-F238E27FC236}">
-                <a16:creationId xmlns:a16="http://schemas.microsoft.com/office/drawing/2014/main" id="{B2B2B631-B52E-4D42-B966-20EC2F2CDF78}"/>
-              </a:ext>
-            </a:extLst>
-          </p:cNvPr>
-          <p:cNvSpPr txBox="1"/>
-          <p:nvPr/>
-        </p:nvSpPr>
-        <p:spPr>
-          <a:xfrm>
-            <a:off x="3103056" y="4714531"/>
-            <a:ext cx="2004693" cy="338554"/>
-          </a:xfrm>
-          <a:prstGeom prst="rect">
-            <a:avLst/>
-          </a:prstGeom>
-          <a:noFill/>
-        </p:spPr>
-        <p:txBody>
-          <a:bodyPr wrap="square" rtlCol="0">
-            <a:spAutoFit/>
-          </a:bodyPr>
-          <a:lstStyle/>
-          <a:p>
-            <a:pPr algn="ctr"/>
-            <a:r>
-              <a:rPr lang="en-US" sz="1600" b="1" dirty="0">
-                <a:solidFill>
-                  <a:srgbClr val="FF0000"/>
-                </a:solidFill>
-              </a:rPr>
-              <a:t>&lt;my-event-form&gt;</a:t>
-            </a:r>
-          </a:p>
-        </p:txBody>
-      </p:sp>
-      <p:sp>
-        <p:nvSpPr>
-          <p:cNvPr id="42" name="TextBox 41">
-            <a:extLst>
-              <a:ext uri="{FF2B5EF4-FFF2-40B4-BE49-F238E27FC236}">
-                <a16:creationId xmlns:a16="http://schemas.microsoft.com/office/drawing/2014/main" id="{224FA539-0218-4AE8-B200-E46D3080E272}"/>
-              </a:ext>
-            </a:extLst>
-          </p:cNvPr>
-          <p:cNvSpPr txBox="1"/>
-          <p:nvPr/>
-        </p:nvSpPr>
-        <p:spPr>
-          <a:xfrm>
-            <a:off x="195712" y="2996583"/>
-            <a:ext cx="1903725" cy="338554"/>
-          </a:xfrm>
-          <a:prstGeom prst="rect">
-            <a:avLst/>
-          </a:prstGeom>
-          <a:noFill/>
-        </p:spPr>
-        <p:txBody>
-          <a:bodyPr wrap="square" rtlCol="0">
-            <a:spAutoFit/>
-          </a:bodyPr>
-          <a:lstStyle/>
-          <a:p>
+              <a:t> signup </a:t>
+            </a:r>
             <a:r>
               <a:rPr lang="en-US" sz="1600" dirty="0"/>
-              <a:t>my-event-info[]</a:t>
-            </a:r>
-          </a:p>
-        </p:txBody>
-      </p:sp>
-      <p:sp>
-        <p:nvSpPr>
-          <p:cNvPr id="43" name="TextBox 42">
-            <a:extLst>
-              <a:ext uri="{FF2B5EF4-FFF2-40B4-BE49-F238E27FC236}">
-                <a16:creationId xmlns:a16="http://schemas.microsoft.com/office/drawing/2014/main" id="{AAFD11AF-EC40-4BF5-89F0-06C2A3F64A4E}"/>
-              </a:ext>
-            </a:extLst>
-          </p:cNvPr>
-          <p:cNvSpPr txBox="1"/>
-          <p:nvPr/>
-        </p:nvSpPr>
-        <p:spPr>
-          <a:xfrm>
-            <a:off x="3224865" y="2996583"/>
-            <a:ext cx="1903725" cy="338554"/>
-          </a:xfrm>
-          <a:prstGeom prst="rect">
-            <a:avLst/>
-          </a:prstGeom>
-          <a:noFill/>
-        </p:spPr>
-        <p:txBody>
-          <a:bodyPr wrap="square" rtlCol="0">
-            <a:spAutoFit/>
-          </a:bodyPr>
-          <a:lstStyle/>
-          <a:p>
-            <a:r>
-              <a:rPr lang="en-US" sz="1600" dirty="0"/>
-              <a:t>my-event-info[]</a:t>
-            </a:r>
-          </a:p>
-        </p:txBody>
-      </p:sp>
-      <p:sp>
-        <p:nvSpPr>
-          <p:cNvPr id="44" name="TextBox 43">
-            <a:extLst>
-              <a:ext uri="{FF2B5EF4-FFF2-40B4-BE49-F238E27FC236}">
-                <a16:creationId xmlns:a16="http://schemas.microsoft.com/office/drawing/2014/main" id="{692A03FA-142D-4FD9-863D-233C5CE83D91}"/>
-              </a:ext>
-            </a:extLst>
-          </p:cNvPr>
-          <p:cNvSpPr txBox="1"/>
-          <p:nvPr/>
-        </p:nvSpPr>
-        <p:spPr>
-          <a:xfrm>
-            <a:off x="128803" y="4991744"/>
-            <a:ext cx="1903725" cy="338554"/>
-          </a:xfrm>
-          <a:prstGeom prst="rect">
-            <a:avLst/>
-          </a:prstGeom>
-          <a:noFill/>
-        </p:spPr>
-        <p:txBody>
-          <a:bodyPr wrap="square" rtlCol="0">
-            <a:spAutoFit/>
-          </a:bodyPr>
-          <a:lstStyle/>
-          <a:p>
-            <a:r>
-              <a:rPr lang="en-US" sz="1600" dirty="0"/>
-              <a:t>my-event-info[]</a:t>
-            </a:r>
-          </a:p>
-        </p:txBody>
-      </p:sp>
-      <p:sp>
-        <p:nvSpPr>
-          <p:cNvPr id="45" name="TextBox 44">
-            <a:extLst>
-              <a:ext uri="{FF2B5EF4-FFF2-40B4-BE49-F238E27FC236}">
-                <a16:creationId xmlns:a16="http://schemas.microsoft.com/office/drawing/2014/main" id="{842B23ED-FF59-4F7C-B4C3-7817223A0445}"/>
-              </a:ext>
-            </a:extLst>
-          </p:cNvPr>
-          <p:cNvSpPr txBox="1"/>
-          <p:nvPr/>
-        </p:nvSpPr>
-        <p:spPr>
-          <a:xfrm>
-            <a:off x="3177952" y="5023280"/>
-            <a:ext cx="1903725" cy="338554"/>
-          </a:xfrm>
-          <a:prstGeom prst="rect">
-            <a:avLst/>
-          </a:prstGeom>
-          <a:noFill/>
-        </p:spPr>
-        <p:txBody>
-          <a:bodyPr wrap="square" rtlCol="0">
-            <a:spAutoFit/>
-          </a:bodyPr>
-          <a:lstStyle/>
-          <a:p>
-            <a:r>
-              <a:rPr lang="en-US" sz="1600" dirty="0"/>
-              <a:t>my-event-info[]</a:t>
-            </a:r>
-          </a:p>
-        </p:txBody>
-      </p:sp>
-      <p:sp>
-        <p:nvSpPr>
-          <p:cNvPr id="2" name="Arrow: Right 1">
-            <a:extLst>
-              <a:ext uri="{FF2B5EF4-FFF2-40B4-BE49-F238E27FC236}">
-                <a16:creationId xmlns:a16="http://schemas.microsoft.com/office/drawing/2014/main" id="{4345D9D4-0456-4405-B72A-37809DF4D3F9}"/>
-              </a:ext>
-            </a:extLst>
-          </p:cNvPr>
-          <p:cNvSpPr/>
-          <p:nvPr/>
-        </p:nvSpPr>
-        <p:spPr>
-          <a:xfrm>
-            <a:off x="2099437" y="2781533"/>
-            <a:ext cx="804822" cy="458363"/>
-          </a:xfrm>
-          <a:prstGeom prst="rightArrow">
-            <a:avLst/>
-          </a:prstGeom>
-          <a:solidFill>
-            <a:schemeClr val="accent6"/>
-          </a:solidFill>
-          <a:ln>
-            <a:solidFill>
-              <a:schemeClr val="accent6"/>
-            </a:solidFill>
-          </a:ln>
-        </p:spPr>
-        <p:style>
-          <a:lnRef idx="2">
-            <a:schemeClr val="accent1">
-              <a:shade val="50000"/>
-            </a:schemeClr>
-          </a:lnRef>
-          <a:fillRef idx="1">
-            <a:schemeClr val="accent1"/>
-          </a:fillRef>
-          <a:effectRef idx="0">
-            <a:schemeClr val="accent1"/>
-          </a:effectRef>
-          <a:fontRef idx="minor">
-            <a:schemeClr val="lt1"/>
-          </a:fontRef>
-        </p:style>
-        <p:txBody>
-          <a:bodyPr rtlCol="0" anchor="ctr"/>
-          <a:lstStyle/>
-          <a:p>
-            <a:pPr algn="ctr"/>
-            <a:endParaRPr lang="en-US"/>
-          </a:p>
-        </p:txBody>
-      </p:sp>
-      <p:sp>
-        <p:nvSpPr>
-          <p:cNvPr id="46" name="TextBox 45">
-            <a:extLst>
-              <a:ext uri="{FF2B5EF4-FFF2-40B4-BE49-F238E27FC236}">
-                <a16:creationId xmlns:a16="http://schemas.microsoft.com/office/drawing/2014/main" id="{A0A8692C-E733-460E-A30A-D4EF0185416D}"/>
-              </a:ext>
-            </a:extLst>
-          </p:cNvPr>
-          <p:cNvSpPr txBox="1"/>
-          <p:nvPr/>
-        </p:nvSpPr>
-        <p:spPr>
-          <a:xfrm>
-            <a:off x="2034319" y="2487076"/>
-            <a:ext cx="1129379" cy="338554"/>
-          </a:xfrm>
-          <a:prstGeom prst="rect">
-            <a:avLst/>
-          </a:prstGeom>
-          <a:noFill/>
-        </p:spPr>
-        <p:txBody>
-          <a:bodyPr wrap="square" rtlCol="0">
-            <a:spAutoFit/>
-          </a:bodyPr>
-          <a:lstStyle/>
-          <a:p>
-            <a:r>
-              <a:rPr lang="en-US" sz="1600" b="1" dirty="0">
-                <a:solidFill>
-                  <a:schemeClr val="accent6">
-                    <a:lumMod val="75000"/>
-                  </a:schemeClr>
-                </a:solidFill>
-              </a:rPr>
-              <a:t>PROPS</a:t>
-            </a:r>
-          </a:p>
-        </p:txBody>
-      </p:sp>
-      <p:sp>
-        <p:nvSpPr>
-          <p:cNvPr id="47" name="TextBox 46">
-            <a:extLst>
-              <a:ext uri="{FF2B5EF4-FFF2-40B4-BE49-F238E27FC236}">
-                <a16:creationId xmlns:a16="http://schemas.microsoft.com/office/drawing/2014/main" id="{CE56E51E-54C4-490B-801F-BDC8FFABA4B9}"/>
-              </a:ext>
-            </a:extLst>
-          </p:cNvPr>
-          <p:cNvSpPr txBox="1"/>
-          <p:nvPr/>
-        </p:nvSpPr>
-        <p:spPr>
-          <a:xfrm>
-            <a:off x="2060625" y="3167536"/>
-            <a:ext cx="1025265" cy="338554"/>
-          </a:xfrm>
-          <a:prstGeom prst="rect">
-            <a:avLst/>
-          </a:prstGeom>
-          <a:noFill/>
-        </p:spPr>
-        <p:txBody>
-          <a:bodyPr wrap="square" rtlCol="0">
-            <a:spAutoFit/>
-          </a:bodyPr>
-          <a:lstStyle/>
-          <a:p>
-            <a:r>
-              <a:rPr lang="en-US" sz="1600" dirty="0"/>
-              <a:t>my-event</a:t>
-            </a:r>
-          </a:p>
-        </p:txBody>
-      </p:sp>
-      <p:sp>
-        <p:nvSpPr>
-          <p:cNvPr id="3" name="Arrow: Left 2">
-            <a:extLst>
-              <a:ext uri="{FF2B5EF4-FFF2-40B4-BE49-F238E27FC236}">
-                <a16:creationId xmlns:a16="http://schemas.microsoft.com/office/drawing/2014/main" id="{074BAD7D-D9AB-4E80-AF23-06A919FE506A}"/>
-              </a:ext>
-            </a:extLst>
-          </p:cNvPr>
-          <p:cNvSpPr/>
-          <p:nvPr/>
-        </p:nvSpPr>
-        <p:spPr>
-          <a:xfrm>
-            <a:off x="2171614" y="4845585"/>
-            <a:ext cx="901122" cy="446490"/>
-          </a:xfrm>
-          <a:prstGeom prst="leftArrow">
-            <a:avLst/>
-          </a:prstGeom>
-          <a:solidFill>
-            <a:srgbClr val="FF0000"/>
-          </a:solidFill>
-        </p:spPr>
-        <p:style>
-          <a:lnRef idx="2">
-            <a:schemeClr val="accent1">
-              <a:shade val="50000"/>
-            </a:schemeClr>
-          </a:lnRef>
-          <a:fillRef idx="1">
-            <a:schemeClr val="accent1"/>
-          </a:fillRef>
-          <a:effectRef idx="0">
-            <a:schemeClr val="accent1"/>
-          </a:effectRef>
-          <a:fontRef idx="minor">
-            <a:schemeClr val="lt1"/>
-          </a:fontRef>
-        </p:style>
-        <p:txBody>
-          <a:bodyPr rtlCol="0" anchor="ctr"/>
-          <a:lstStyle/>
-          <a:p>
-            <a:pPr algn="ctr"/>
-            <a:endParaRPr lang="en-US"/>
-          </a:p>
-        </p:txBody>
-      </p:sp>
-      <p:sp>
-        <p:nvSpPr>
-          <p:cNvPr id="48" name="TextBox 47">
-            <a:extLst>
-              <a:ext uri="{FF2B5EF4-FFF2-40B4-BE49-F238E27FC236}">
-                <a16:creationId xmlns:a16="http://schemas.microsoft.com/office/drawing/2014/main" id="{CACF3EAF-F9DC-47F5-A265-9FE6E9E71913}"/>
-              </a:ext>
-            </a:extLst>
-          </p:cNvPr>
-          <p:cNvSpPr txBox="1"/>
-          <p:nvPr/>
-        </p:nvSpPr>
-        <p:spPr>
-          <a:xfrm>
-            <a:off x="2269826" y="4553061"/>
-            <a:ext cx="1129379" cy="338554"/>
-          </a:xfrm>
-          <a:prstGeom prst="rect">
-            <a:avLst/>
-          </a:prstGeom>
-          <a:noFill/>
-        </p:spPr>
-        <p:txBody>
-          <a:bodyPr wrap="square" rtlCol="0">
-            <a:spAutoFit/>
-          </a:bodyPr>
-          <a:lstStyle/>
-          <a:p>
-            <a:r>
-              <a:rPr lang="en-US" sz="1600" b="1" dirty="0">
-                <a:solidFill>
-                  <a:srgbClr val="FF0000"/>
-                </a:solidFill>
-              </a:rPr>
-              <a:t>EMITS</a:t>
-            </a:r>
-          </a:p>
-        </p:txBody>
-      </p:sp>
-      <p:sp>
-        <p:nvSpPr>
-          <p:cNvPr id="49" name="TextBox 48">
-            <a:extLst>
-              <a:ext uri="{FF2B5EF4-FFF2-40B4-BE49-F238E27FC236}">
-                <a16:creationId xmlns:a16="http://schemas.microsoft.com/office/drawing/2014/main" id="{1E0CC792-4CA6-4322-A1EB-49BF932741AC}"/>
-              </a:ext>
-            </a:extLst>
-          </p:cNvPr>
-          <p:cNvSpPr txBox="1"/>
-          <p:nvPr/>
-        </p:nvSpPr>
-        <p:spPr>
-          <a:xfrm>
-            <a:off x="2138433" y="5184139"/>
-            <a:ext cx="1025265" cy="338554"/>
-          </a:xfrm>
-          <a:prstGeom prst="rect">
-            <a:avLst/>
-          </a:prstGeom>
-          <a:noFill/>
-        </p:spPr>
-        <p:txBody>
-          <a:bodyPr wrap="square" rtlCol="0">
-            <a:spAutoFit/>
-          </a:bodyPr>
-          <a:lstStyle/>
-          <a:p>
-            <a:r>
-              <a:rPr lang="en-US" sz="1600" dirty="0"/>
-              <a:t>validated</a:t>
-            </a:r>
-          </a:p>
-        </p:txBody>
-      </p:sp>
-      <p:sp>
-        <p:nvSpPr>
-          <p:cNvPr id="50" name="TextBox 49">
-            <a:extLst>
-              <a:ext uri="{FF2B5EF4-FFF2-40B4-BE49-F238E27FC236}">
-                <a16:creationId xmlns:a16="http://schemas.microsoft.com/office/drawing/2014/main" id="{4C0136D8-1CC7-438A-959E-0A9CCF547541}"/>
-              </a:ext>
-            </a:extLst>
-          </p:cNvPr>
-          <p:cNvSpPr txBox="1"/>
-          <p:nvPr/>
-        </p:nvSpPr>
-        <p:spPr>
-          <a:xfrm>
-            <a:off x="195712" y="5883965"/>
-            <a:ext cx="4637714" cy="369332"/>
-          </a:xfrm>
-          <a:prstGeom prst="rect">
-            <a:avLst/>
-          </a:prstGeom>
-          <a:noFill/>
-        </p:spPr>
-        <p:txBody>
-          <a:bodyPr wrap="square" rtlCol="0">
-            <a:spAutoFit/>
-          </a:bodyPr>
-          <a:lstStyle/>
-          <a:p>
-            <a:r>
-              <a:rPr lang="en-US" dirty="0"/>
-              <a:t>// </a:t>
-            </a:r>
-            <a:r>
-              <a:rPr lang="en-US" dirty="0">
-                <a:solidFill>
-                  <a:srgbClr val="FF0000"/>
-                </a:solidFill>
-              </a:rPr>
-              <a:t>form</a:t>
-            </a:r>
-            <a:r>
-              <a:rPr lang="en-US" dirty="0"/>
-              <a:t> send the event validated to </a:t>
-            </a:r>
-            <a:r>
-              <a:rPr lang="en-US" dirty="0">
-                <a:solidFill>
-                  <a:srgbClr val="FF0000"/>
-                </a:solidFill>
-              </a:rPr>
-              <a:t>parent</a:t>
-            </a:r>
-          </a:p>
-        </p:txBody>
-      </p:sp>
-      <p:sp>
-        <p:nvSpPr>
-          <p:cNvPr id="51" name="TextBox 50">
-            <a:extLst>
-              <a:ext uri="{FF2B5EF4-FFF2-40B4-BE49-F238E27FC236}">
-                <a16:creationId xmlns:a16="http://schemas.microsoft.com/office/drawing/2014/main" id="{7F828876-0E88-4442-AF2E-B255465F6AD1}"/>
-              </a:ext>
-            </a:extLst>
-          </p:cNvPr>
-          <p:cNvSpPr txBox="1"/>
-          <p:nvPr/>
-        </p:nvSpPr>
-        <p:spPr>
-          <a:xfrm>
-            <a:off x="6261660" y="766656"/>
-            <a:ext cx="1903725" cy="338554"/>
-          </a:xfrm>
-          <a:prstGeom prst="rect">
-            <a:avLst/>
-          </a:prstGeom>
-          <a:noFill/>
-        </p:spPr>
-        <p:txBody>
-          <a:bodyPr wrap="square" rtlCol="0">
-            <a:spAutoFit/>
-          </a:bodyPr>
-          <a:lstStyle/>
-          <a:p>
-            <a:r>
-              <a:rPr lang="en-US" sz="1600" dirty="0"/>
-              <a:t>my-event-info[]</a:t>
-            </a:r>
-          </a:p>
-        </p:txBody>
-      </p:sp>
-      <p:sp>
-        <p:nvSpPr>
-          <p:cNvPr id="52" name="TextBox 51">
-            <a:extLst>
-              <a:ext uri="{FF2B5EF4-FFF2-40B4-BE49-F238E27FC236}">
-                <a16:creationId xmlns:a16="http://schemas.microsoft.com/office/drawing/2014/main" id="{1B1382C8-7750-43A6-91A8-68E429923F4A}"/>
-              </a:ext>
-            </a:extLst>
-          </p:cNvPr>
-          <p:cNvSpPr txBox="1"/>
-          <p:nvPr/>
-        </p:nvSpPr>
-        <p:spPr>
-          <a:xfrm>
-            <a:off x="8156061" y="886037"/>
-            <a:ext cx="1903725" cy="338554"/>
-          </a:xfrm>
-          <a:prstGeom prst="rect">
-            <a:avLst/>
-          </a:prstGeom>
-          <a:noFill/>
-        </p:spPr>
-        <p:txBody>
-          <a:bodyPr wrap="square" rtlCol="0">
-            <a:spAutoFit/>
-          </a:bodyPr>
-          <a:lstStyle/>
-          <a:p>
-            <a:r>
-              <a:rPr lang="en-US" sz="1600" dirty="0"/>
-              <a:t>my-event-info[]</a:t>
-            </a:r>
-          </a:p>
-        </p:txBody>
-      </p:sp>
-      <p:sp>
-        <p:nvSpPr>
-          <p:cNvPr id="56" name="TextBox 55">
-            <a:extLst>
-              <a:ext uri="{FF2B5EF4-FFF2-40B4-BE49-F238E27FC236}">
-                <a16:creationId xmlns:a16="http://schemas.microsoft.com/office/drawing/2014/main" id="{044279C8-6E13-459F-9843-CCFFBF048DE4}"/>
-              </a:ext>
-            </a:extLst>
-          </p:cNvPr>
-          <p:cNvSpPr txBox="1"/>
-          <p:nvPr/>
-        </p:nvSpPr>
-        <p:spPr>
-          <a:xfrm>
-            <a:off x="8333577" y="2541918"/>
-            <a:ext cx="1903725" cy="338554"/>
-          </a:xfrm>
-          <a:prstGeom prst="rect">
-            <a:avLst/>
-          </a:prstGeom>
-          <a:noFill/>
-        </p:spPr>
-        <p:txBody>
-          <a:bodyPr wrap="square" rtlCol="0">
-            <a:spAutoFit/>
-          </a:bodyPr>
-          <a:lstStyle/>
-          <a:p>
-            <a:r>
-              <a:rPr lang="en-US" sz="1600" dirty="0"/>
-              <a:t>my-event-info[]</a:t>
-            </a:r>
-          </a:p>
-        </p:txBody>
-      </p:sp>
-      <p:sp>
-        <p:nvSpPr>
-          <p:cNvPr id="57" name="TextBox 56">
-            <a:extLst>
-              <a:ext uri="{FF2B5EF4-FFF2-40B4-BE49-F238E27FC236}">
-                <a16:creationId xmlns:a16="http://schemas.microsoft.com/office/drawing/2014/main" id="{BAB94BFB-9EF6-4FD9-97FD-73ADF006740D}"/>
-              </a:ext>
-            </a:extLst>
-          </p:cNvPr>
-          <p:cNvSpPr txBox="1"/>
-          <p:nvPr/>
-        </p:nvSpPr>
-        <p:spPr>
-          <a:xfrm>
-            <a:off x="9956231" y="2370415"/>
-            <a:ext cx="1903725" cy="338554"/>
-          </a:xfrm>
-          <a:prstGeom prst="rect">
-            <a:avLst/>
-          </a:prstGeom>
-          <a:noFill/>
-        </p:spPr>
-        <p:txBody>
-          <a:bodyPr wrap="square" rtlCol="0">
-            <a:spAutoFit/>
-          </a:bodyPr>
-          <a:lstStyle/>
-          <a:p>
-            <a:r>
-              <a:rPr lang="en-US" sz="1600" dirty="0"/>
-              <a:t>my-event-info[]</a:t>
+              <a:t>transfer user information to app</a:t>
             </a:r>
           </a:p>
         </p:txBody>
@@ -7114,7 +5384,7 @@
     </p:spTree>
     <p:extLst>
       <p:ext uri="{BB962C8B-B14F-4D97-AF65-F5344CB8AC3E}">
-        <p14:creationId xmlns:p14="http://schemas.microsoft.com/office/powerpoint/2010/main" val="2254595159"/>
+        <p14:creationId xmlns:p14="http://schemas.microsoft.com/office/powerpoint/2010/main" val="742505614"/>
       </p:ext>
     </p:extLst>
   </p:cSld>
@@ -7143,10 +5413,49 @@
       </p:grpSpPr>
       <p:sp>
         <p:nvSpPr>
-          <p:cNvPr id="4" name="Rectangle: Rounded Corners 3">
-            <a:extLst>
-              <a:ext uri="{FF2B5EF4-FFF2-40B4-BE49-F238E27FC236}">
-                <a16:creationId xmlns:a16="http://schemas.microsoft.com/office/drawing/2014/main" id="{F935ACBB-D1B1-4181-ACC6-524C469439A0}"/>
+          <p:cNvPr id="4" name="TextBox 3">
+            <a:extLst>
+              <a:ext uri="{FF2B5EF4-FFF2-40B4-BE49-F238E27FC236}">
+                <a16:creationId xmlns:a16="http://schemas.microsoft.com/office/drawing/2014/main" id="{59670088-AA69-4C6B-B219-F0337C4F14C7}"/>
+              </a:ext>
+            </a:extLst>
+          </p:cNvPr>
+          <p:cNvSpPr txBox="1"/>
+          <p:nvPr/>
+        </p:nvSpPr>
+        <p:spPr>
+          <a:xfrm>
+            <a:off x="3302591" y="203994"/>
+            <a:ext cx="4608957" cy="400110"/>
+          </a:xfrm>
+          <a:prstGeom prst="rect">
+            <a:avLst/>
+          </a:prstGeom>
+          <a:noFill/>
+        </p:spPr>
+        <p:txBody>
+          <a:bodyPr wrap="square" rtlCol="0">
+            <a:spAutoFit/>
+          </a:bodyPr>
+          <a:lstStyle/>
+          <a:p>
+            <a:r>
+              <a:rPr lang="en-US" sz="2000" b="1" dirty="0">
+                <a:solidFill>
+                  <a:srgbClr val="00B050"/>
+                </a:solidFill>
+              </a:rPr>
+              <a:t>Update Component Diagram Menu</a:t>
+            </a:r>
+          </a:p>
+        </p:txBody>
+      </p:sp>
+      <p:sp>
+        <p:nvSpPr>
+          <p:cNvPr id="5" name="Rectangle: Rounded Corners 4">
+            <a:extLst>
+              <a:ext uri="{FF2B5EF4-FFF2-40B4-BE49-F238E27FC236}">
+                <a16:creationId xmlns:a16="http://schemas.microsoft.com/office/drawing/2014/main" id="{25FB43B2-06C6-4D03-A646-45C04D7E9684}"/>
               </a:ext>
             </a:extLst>
           </p:cNvPr>
@@ -7155,8 +5464,8 @@
         </p:nvSpPr>
         <p:spPr>
           <a:xfrm>
-            <a:off x="6267451" y="398137"/>
-            <a:ext cx="1964366" cy="853846"/>
+            <a:off x="1089993" y="1001460"/>
+            <a:ext cx="1731626" cy="1049466"/>
           </a:xfrm>
           <a:prstGeom prst="roundRect">
             <a:avLst/>
@@ -7200,20 +5509,178 @@
       </p:sp>
       <p:sp>
         <p:nvSpPr>
-          <p:cNvPr id="5" name="TextBox 4">
-            <a:extLst>
-              <a:ext uri="{FF2B5EF4-FFF2-40B4-BE49-F238E27FC236}">
-                <a16:creationId xmlns:a16="http://schemas.microsoft.com/office/drawing/2014/main" id="{C4E1D9FF-D502-4B0A-80D5-C06C9F0292E2}"/>
-              </a:ext>
-            </a:extLst>
-          </p:cNvPr>
-          <p:cNvSpPr txBox="1"/>
-          <p:nvPr/>
-        </p:nvSpPr>
-        <p:spPr>
-          <a:xfrm>
-            <a:off x="6756385" y="481724"/>
-            <a:ext cx="760218" cy="338554"/>
+          <p:cNvPr id="6" name="Rectangle: Rounded Corners 5">
+            <a:extLst>
+              <a:ext uri="{FF2B5EF4-FFF2-40B4-BE49-F238E27FC236}">
+                <a16:creationId xmlns:a16="http://schemas.microsoft.com/office/drawing/2014/main" id="{2704A3B4-1254-4082-A0EF-C1BB890068C2}"/>
+              </a:ext>
+            </a:extLst>
+          </p:cNvPr>
+          <p:cNvSpPr/>
+          <p:nvPr/>
+        </p:nvSpPr>
+        <p:spPr>
+          <a:xfrm>
+            <a:off x="1603512" y="4087622"/>
+            <a:ext cx="1991139" cy="764916"/>
+          </a:xfrm>
+          <a:prstGeom prst="roundRect">
+            <a:avLst/>
+          </a:prstGeom>
+          <a:noFill/>
+          <a:ln w="19050">
+            <a:solidFill>
+              <a:schemeClr val="accent6">
+                <a:lumMod val="75000"/>
+              </a:schemeClr>
+            </a:solidFill>
+            <a:prstDash val="dash"/>
+          </a:ln>
+        </p:spPr>
+        <p:style>
+          <a:lnRef idx="2">
+            <a:schemeClr val="dk1"/>
+          </a:lnRef>
+          <a:fillRef idx="1">
+            <a:schemeClr val="lt1"/>
+          </a:fillRef>
+          <a:effectRef idx="0">
+            <a:schemeClr val="dk1"/>
+          </a:effectRef>
+          <a:fontRef idx="minor">
+            <a:schemeClr val="dk1"/>
+          </a:fontRef>
+        </p:style>
+        <p:txBody>
+          <a:bodyPr rtlCol="0" anchor="ctr"/>
+          <a:lstStyle/>
+          <a:p>
+            <a:pPr algn="ctr"/>
+            <a:endParaRPr lang="en-US" dirty="0">
+              <a:ln>
+                <a:solidFill>
+                  <a:srgbClr val="FF0000"/>
+                </a:solidFill>
+              </a:ln>
+              <a:solidFill>
+                <a:srgbClr val="00B050"/>
+              </a:solidFill>
+            </a:endParaRPr>
+          </a:p>
+        </p:txBody>
+      </p:sp>
+      <p:sp>
+        <p:nvSpPr>
+          <p:cNvPr id="7" name="Rectangle: Rounded Corners 6">
+            <a:extLst>
+              <a:ext uri="{FF2B5EF4-FFF2-40B4-BE49-F238E27FC236}">
+                <a16:creationId xmlns:a16="http://schemas.microsoft.com/office/drawing/2014/main" id="{6E8B3691-AF77-4F36-B6DC-9DD73318640E}"/>
+              </a:ext>
+            </a:extLst>
+          </p:cNvPr>
+          <p:cNvSpPr/>
+          <p:nvPr/>
+        </p:nvSpPr>
+        <p:spPr>
+          <a:xfrm>
+            <a:off x="2650434" y="2429271"/>
+            <a:ext cx="6453809" cy="1049466"/>
+          </a:xfrm>
+          <a:prstGeom prst="roundRect">
+            <a:avLst/>
+          </a:prstGeom>
+          <a:noFill/>
+          <a:ln w="19050">
+            <a:solidFill>
+              <a:schemeClr val="accent5">
+                <a:lumMod val="75000"/>
+              </a:schemeClr>
+            </a:solidFill>
+            <a:prstDash val="dash"/>
+          </a:ln>
+        </p:spPr>
+        <p:style>
+          <a:lnRef idx="2">
+            <a:schemeClr val="dk1"/>
+          </a:lnRef>
+          <a:fillRef idx="1">
+            <a:schemeClr val="lt1"/>
+          </a:fillRef>
+          <a:effectRef idx="0">
+            <a:schemeClr val="dk1"/>
+          </a:effectRef>
+          <a:fontRef idx="minor">
+            <a:schemeClr val="dk1"/>
+          </a:fontRef>
+        </p:style>
+        <p:txBody>
+          <a:bodyPr rtlCol="0" anchor="ctr"/>
+          <a:lstStyle/>
+          <a:p>
+            <a:pPr algn="ctr"/>
+            <a:endParaRPr lang="en-US" dirty="0">
+              <a:solidFill>
+                <a:srgbClr val="00B050"/>
+              </a:solidFill>
+            </a:endParaRPr>
+          </a:p>
+        </p:txBody>
+      </p:sp>
+      <p:sp>
+        <p:nvSpPr>
+          <p:cNvPr id="8" name="TextBox 7">
+            <a:extLst>
+              <a:ext uri="{FF2B5EF4-FFF2-40B4-BE49-F238E27FC236}">
+                <a16:creationId xmlns:a16="http://schemas.microsoft.com/office/drawing/2014/main" id="{1FD1872A-CF1D-4BAD-82A2-A94DB4A30A78}"/>
+              </a:ext>
+            </a:extLst>
+          </p:cNvPr>
+          <p:cNvSpPr txBox="1"/>
+          <p:nvPr/>
+        </p:nvSpPr>
+        <p:spPr>
+          <a:xfrm>
+            <a:off x="1603512" y="4175430"/>
+            <a:ext cx="1868557" cy="338554"/>
+          </a:xfrm>
+          <a:prstGeom prst="rect">
+            <a:avLst/>
+          </a:prstGeom>
+          <a:noFill/>
+        </p:spPr>
+        <p:txBody>
+          <a:bodyPr wrap="square" rtlCol="0">
+            <a:spAutoFit/>
+          </a:bodyPr>
+          <a:lstStyle/>
+          <a:p>
+            <a:r>
+              <a:rPr lang="en-US" sz="1600" b="1" dirty="0">
+                <a:solidFill>
+                  <a:srgbClr val="FF0000"/>
+                </a:solidFill>
+              </a:rPr>
+              <a:t>&lt;my-event-view&gt;</a:t>
+            </a:r>
+          </a:p>
+        </p:txBody>
+      </p:sp>
+      <p:sp>
+        <p:nvSpPr>
+          <p:cNvPr id="9" name="TextBox 8">
+            <a:extLst>
+              <a:ext uri="{FF2B5EF4-FFF2-40B4-BE49-F238E27FC236}">
+                <a16:creationId xmlns:a16="http://schemas.microsoft.com/office/drawing/2014/main" id="{AC920754-A489-40EB-A0F1-4E418DAC7667}"/>
+              </a:ext>
+            </a:extLst>
+          </p:cNvPr>
+          <p:cNvSpPr txBox="1"/>
+          <p:nvPr/>
+        </p:nvSpPr>
+        <p:spPr>
+          <a:xfrm>
+            <a:off x="1618669" y="1187639"/>
+            <a:ext cx="959552" cy="338554"/>
           </a:xfrm>
           <a:prstGeom prst="rect">
             <a:avLst/>
@@ -7239,10 +5706,49 @@
       </p:sp>
       <p:sp>
         <p:nvSpPr>
-          <p:cNvPr id="6" name="Arrow: Right 5">
-            <a:extLst>
-              <a:ext uri="{FF2B5EF4-FFF2-40B4-BE49-F238E27FC236}">
-                <a16:creationId xmlns:a16="http://schemas.microsoft.com/office/drawing/2014/main" id="{6224299E-2D28-4F89-B255-EFF93B22DAE6}"/>
+          <p:cNvPr id="10" name="TextBox 9">
+            <a:extLst>
+              <a:ext uri="{FF2B5EF4-FFF2-40B4-BE49-F238E27FC236}">
+                <a16:creationId xmlns:a16="http://schemas.microsoft.com/office/drawing/2014/main" id="{4CA9B6E5-3BD0-4498-8C3A-AAAF28F0CA44}"/>
+              </a:ext>
+            </a:extLst>
+          </p:cNvPr>
+          <p:cNvSpPr txBox="1"/>
+          <p:nvPr/>
+        </p:nvSpPr>
+        <p:spPr>
+          <a:xfrm>
+            <a:off x="4995240" y="2784727"/>
+            <a:ext cx="1551334" cy="338554"/>
+          </a:xfrm>
+          <a:prstGeom prst="rect">
+            <a:avLst/>
+          </a:prstGeom>
+          <a:noFill/>
+        </p:spPr>
+        <p:txBody>
+          <a:bodyPr wrap="square" rtlCol="0">
+            <a:spAutoFit/>
+          </a:bodyPr>
+          <a:lstStyle/>
+          <a:p>
+            <a:r>
+              <a:rPr lang="en-US" sz="1600" b="1" dirty="0">
+                <a:solidFill>
+                  <a:srgbClr val="7030A0"/>
+                </a:solidFill>
+              </a:rPr>
+              <a:t>&lt;router-view&gt;</a:t>
+            </a:r>
+          </a:p>
+        </p:txBody>
+      </p:sp>
+      <p:sp>
+        <p:nvSpPr>
+          <p:cNvPr id="11" name="Rectangle: Rounded Corners 10">
+            <a:extLst>
+              <a:ext uri="{FF2B5EF4-FFF2-40B4-BE49-F238E27FC236}">
+                <a16:creationId xmlns:a16="http://schemas.microsoft.com/office/drawing/2014/main" id="{73A6E935-8787-4709-9BE8-0F38B7127CA6}"/>
               </a:ext>
             </a:extLst>
           </p:cNvPr>
@@ -7251,8 +5757,405 @@
         </p:nvSpPr>
         <p:spPr>
           <a:xfrm>
-            <a:off x="8239202" y="709656"/>
-            <a:ext cx="715215" cy="264105"/>
+            <a:off x="8042052" y="4034617"/>
+            <a:ext cx="1991139" cy="732666"/>
+          </a:xfrm>
+          <a:prstGeom prst="roundRect">
+            <a:avLst/>
+          </a:prstGeom>
+          <a:noFill/>
+          <a:ln w="19050">
+            <a:solidFill>
+              <a:schemeClr val="accent6">
+                <a:lumMod val="75000"/>
+              </a:schemeClr>
+            </a:solidFill>
+            <a:prstDash val="dash"/>
+          </a:ln>
+        </p:spPr>
+        <p:style>
+          <a:lnRef idx="2">
+            <a:schemeClr val="dk1"/>
+          </a:lnRef>
+          <a:fillRef idx="1">
+            <a:schemeClr val="lt1"/>
+          </a:fillRef>
+          <a:effectRef idx="0">
+            <a:schemeClr val="dk1"/>
+          </a:effectRef>
+          <a:fontRef idx="minor">
+            <a:schemeClr val="dk1"/>
+          </a:fontRef>
+        </p:style>
+        <p:txBody>
+          <a:bodyPr rtlCol="0" anchor="ctr"/>
+          <a:lstStyle/>
+          <a:p>
+            <a:pPr algn="ctr"/>
+            <a:endParaRPr lang="en-US" dirty="0">
+              <a:ln>
+                <a:solidFill>
+                  <a:srgbClr val="FF0000"/>
+                </a:solidFill>
+              </a:ln>
+              <a:solidFill>
+                <a:srgbClr val="00B050"/>
+              </a:solidFill>
+            </a:endParaRPr>
+          </a:p>
+        </p:txBody>
+      </p:sp>
+      <p:sp>
+        <p:nvSpPr>
+          <p:cNvPr id="12" name="TextBox 11">
+            <a:extLst>
+              <a:ext uri="{FF2B5EF4-FFF2-40B4-BE49-F238E27FC236}">
+                <a16:creationId xmlns:a16="http://schemas.microsoft.com/office/drawing/2014/main" id="{7E6A3BB9-EB29-4161-9D8B-10530CA1C392}"/>
+              </a:ext>
+            </a:extLst>
+          </p:cNvPr>
+          <p:cNvSpPr txBox="1"/>
+          <p:nvPr/>
+        </p:nvSpPr>
+        <p:spPr>
+          <a:xfrm>
+            <a:off x="8358812" y="4122425"/>
+            <a:ext cx="1674379" cy="338554"/>
+          </a:xfrm>
+          <a:prstGeom prst="rect">
+            <a:avLst/>
+          </a:prstGeom>
+          <a:noFill/>
+        </p:spPr>
+        <p:txBody>
+          <a:bodyPr wrap="square" rtlCol="0">
+            <a:spAutoFit/>
+          </a:bodyPr>
+          <a:lstStyle/>
+          <a:p>
+            <a:r>
+              <a:rPr lang="en-US" sz="1600" b="1" dirty="0">
+                <a:solidFill>
+                  <a:srgbClr val="FF0000"/>
+                </a:solidFill>
+              </a:rPr>
+              <a:t>&lt;category-view&gt;</a:t>
+            </a:r>
+          </a:p>
+        </p:txBody>
+      </p:sp>
+      <p:sp>
+        <p:nvSpPr>
+          <p:cNvPr id="13" name="Rectangle: Rounded Corners 12">
+            <a:extLst>
+              <a:ext uri="{FF2B5EF4-FFF2-40B4-BE49-F238E27FC236}">
+                <a16:creationId xmlns:a16="http://schemas.microsoft.com/office/drawing/2014/main" id="{DA1C804E-A4A6-4252-940C-1F0013669D0D}"/>
+              </a:ext>
+            </a:extLst>
+          </p:cNvPr>
+          <p:cNvSpPr/>
+          <p:nvPr/>
+        </p:nvSpPr>
+        <p:spPr>
+          <a:xfrm>
+            <a:off x="4641573" y="1001460"/>
+            <a:ext cx="1991139" cy="676910"/>
+          </a:xfrm>
+          <a:prstGeom prst="roundRect">
+            <a:avLst/>
+          </a:prstGeom>
+          <a:noFill/>
+          <a:ln w="19050">
+            <a:solidFill>
+              <a:schemeClr val="accent6">
+                <a:lumMod val="75000"/>
+              </a:schemeClr>
+            </a:solidFill>
+            <a:prstDash val="dash"/>
+          </a:ln>
+        </p:spPr>
+        <p:style>
+          <a:lnRef idx="2">
+            <a:schemeClr val="dk1"/>
+          </a:lnRef>
+          <a:fillRef idx="1">
+            <a:schemeClr val="lt1"/>
+          </a:fillRef>
+          <a:effectRef idx="0">
+            <a:schemeClr val="dk1"/>
+          </a:effectRef>
+          <a:fontRef idx="minor">
+            <a:schemeClr val="dk1"/>
+          </a:fontRef>
+        </p:style>
+        <p:txBody>
+          <a:bodyPr rtlCol="0" anchor="ctr"/>
+          <a:lstStyle/>
+          <a:p>
+            <a:pPr algn="ctr"/>
+            <a:endParaRPr lang="en-US" dirty="0">
+              <a:ln>
+                <a:solidFill>
+                  <a:srgbClr val="FF0000"/>
+                </a:solidFill>
+              </a:ln>
+              <a:solidFill>
+                <a:srgbClr val="00B050"/>
+              </a:solidFill>
+            </a:endParaRPr>
+          </a:p>
+        </p:txBody>
+      </p:sp>
+      <p:sp>
+        <p:nvSpPr>
+          <p:cNvPr id="14" name="TextBox 13">
+            <a:extLst>
+              <a:ext uri="{FF2B5EF4-FFF2-40B4-BE49-F238E27FC236}">
+                <a16:creationId xmlns:a16="http://schemas.microsoft.com/office/drawing/2014/main" id="{919498AC-EEC8-426B-BEAF-2E2CAF35874F}"/>
+              </a:ext>
+            </a:extLst>
+          </p:cNvPr>
+          <p:cNvSpPr txBox="1"/>
+          <p:nvPr/>
+        </p:nvSpPr>
+        <p:spPr>
+          <a:xfrm>
+            <a:off x="4793891" y="1034098"/>
+            <a:ext cx="1756075" cy="338554"/>
+          </a:xfrm>
+          <a:prstGeom prst="rect">
+            <a:avLst/>
+          </a:prstGeom>
+          <a:noFill/>
+        </p:spPr>
+        <p:txBody>
+          <a:bodyPr wrap="square" rtlCol="0">
+            <a:spAutoFit/>
+          </a:bodyPr>
+          <a:lstStyle/>
+          <a:p>
+            <a:pPr algn="ctr"/>
+            <a:r>
+              <a:rPr lang="en-US" sz="1600" b="1" dirty="0">
+                <a:solidFill>
+                  <a:srgbClr val="FF0000"/>
+                </a:solidFill>
+              </a:rPr>
+              <a:t>&lt;Navigation&gt;</a:t>
+            </a:r>
+          </a:p>
+        </p:txBody>
+      </p:sp>
+      <p:cxnSp>
+        <p:nvCxnSpPr>
+          <p:cNvPr id="15" name="Straight Arrow Connector 14">
+            <a:extLst>
+              <a:ext uri="{FF2B5EF4-FFF2-40B4-BE49-F238E27FC236}">
+                <a16:creationId xmlns:a16="http://schemas.microsoft.com/office/drawing/2014/main" id="{5731BB0F-B2A6-4F8B-ABE8-BCBF5C00F043}"/>
+              </a:ext>
+            </a:extLst>
+          </p:cNvPr>
+          <p:cNvCxnSpPr>
+            <a:cxnSpLocks/>
+            <a:stCxn id="13" idx="2"/>
+          </p:cNvCxnSpPr>
+          <p:nvPr/>
+        </p:nvCxnSpPr>
+        <p:spPr>
+          <a:xfrm>
+            <a:off x="5637143" y="1678370"/>
+            <a:ext cx="0" cy="750901"/>
+          </a:xfrm>
+          <a:prstGeom prst="straightConnector1">
+            <a:avLst/>
+          </a:prstGeom>
+          <a:ln w="12700">
+            <a:tailEnd type="triangle"/>
+          </a:ln>
+        </p:spPr>
+        <p:style>
+          <a:lnRef idx="1">
+            <a:schemeClr val="accent1"/>
+          </a:lnRef>
+          <a:fillRef idx="0">
+            <a:schemeClr val="accent1"/>
+          </a:fillRef>
+          <a:effectRef idx="0">
+            <a:schemeClr val="accent1"/>
+          </a:effectRef>
+          <a:fontRef idx="minor">
+            <a:schemeClr val="tx1"/>
+          </a:fontRef>
+        </p:style>
+      </p:cxnSp>
+      <p:cxnSp>
+        <p:nvCxnSpPr>
+          <p:cNvPr id="16" name="Straight Arrow Connector 15">
+            <a:extLst>
+              <a:ext uri="{FF2B5EF4-FFF2-40B4-BE49-F238E27FC236}">
+                <a16:creationId xmlns:a16="http://schemas.microsoft.com/office/drawing/2014/main" id="{45BBDB04-7501-489B-9836-692BBFC8358E}"/>
+              </a:ext>
+            </a:extLst>
+          </p:cNvPr>
+          <p:cNvCxnSpPr>
+            <a:cxnSpLocks/>
+          </p:cNvCxnSpPr>
+          <p:nvPr/>
+        </p:nvCxnSpPr>
+        <p:spPr>
+          <a:xfrm>
+            <a:off x="2671320" y="3429000"/>
+            <a:ext cx="0" cy="662278"/>
+          </a:xfrm>
+          <a:prstGeom prst="straightConnector1">
+            <a:avLst/>
+          </a:prstGeom>
+          <a:ln w="12700">
+            <a:tailEnd type="triangle"/>
+          </a:ln>
+        </p:spPr>
+        <p:style>
+          <a:lnRef idx="1">
+            <a:schemeClr val="accent1"/>
+          </a:lnRef>
+          <a:fillRef idx="0">
+            <a:schemeClr val="accent1"/>
+          </a:fillRef>
+          <a:effectRef idx="0">
+            <a:schemeClr val="accent1"/>
+          </a:effectRef>
+          <a:fontRef idx="minor">
+            <a:schemeClr val="tx1"/>
+          </a:fontRef>
+        </p:style>
+      </p:cxnSp>
+      <p:cxnSp>
+        <p:nvCxnSpPr>
+          <p:cNvPr id="17" name="Straight Arrow Connector 16">
+            <a:extLst>
+              <a:ext uri="{FF2B5EF4-FFF2-40B4-BE49-F238E27FC236}">
+                <a16:creationId xmlns:a16="http://schemas.microsoft.com/office/drawing/2014/main" id="{98D491A5-244C-41C0-958B-019FF4757264}"/>
+              </a:ext>
+            </a:extLst>
+          </p:cNvPr>
+          <p:cNvCxnSpPr>
+            <a:cxnSpLocks/>
+          </p:cNvCxnSpPr>
+          <p:nvPr/>
+        </p:nvCxnSpPr>
+        <p:spPr>
+          <a:xfrm>
+            <a:off x="9090628" y="3429000"/>
+            <a:ext cx="0" cy="559904"/>
+          </a:xfrm>
+          <a:prstGeom prst="straightConnector1">
+            <a:avLst/>
+          </a:prstGeom>
+          <a:ln w="12700">
+            <a:tailEnd type="triangle"/>
+          </a:ln>
+        </p:spPr>
+        <p:style>
+          <a:lnRef idx="1">
+            <a:schemeClr val="accent1"/>
+          </a:lnRef>
+          <a:fillRef idx="0">
+            <a:schemeClr val="accent1"/>
+          </a:fillRef>
+          <a:effectRef idx="0">
+            <a:schemeClr val="accent1"/>
+          </a:effectRef>
+          <a:fontRef idx="minor">
+            <a:schemeClr val="tx1"/>
+          </a:fontRef>
+        </p:style>
+      </p:cxnSp>
+      <p:sp>
+        <p:nvSpPr>
+          <p:cNvPr id="18" name="TextBox 17">
+            <a:extLst>
+              <a:ext uri="{FF2B5EF4-FFF2-40B4-BE49-F238E27FC236}">
+                <a16:creationId xmlns:a16="http://schemas.microsoft.com/office/drawing/2014/main" id="{8AE4DBC0-EB10-4379-A415-1A7821FA6315}"/>
+              </a:ext>
+            </a:extLst>
+          </p:cNvPr>
+          <p:cNvSpPr txBox="1"/>
+          <p:nvPr/>
+        </p:nvSpPr>
+        <p:spPr>
+          <a:xfrm>
+            <a:off x="2623929" y="3490580"/>
+            <a:ext cx="1344815" cy="338554"/>
+          </a:xfrm>
+          <a:prstGeom prst="rect">
+            <a:avLst/>
+          </a:prstGeom>
+          <a:noFill/>
+        </p:spPr>
+        <p:txBody>
+          <a:bodyPr wrap="square" rtlCol="0">
+            <a:spAutoFit/>
+          </a:bodyPr>
+          <a:lstStyle/>
+          <a:p>
+            <a:r>
+              <a:rPr lang="en-US" sz="1600" dirty="0"/>
+              <a:t>/my-event</a:t>
+            </a:r>
+          </a:p>
+        </p:txBody>
+      </p:sp>
+      <p:sp>
+        <p:nvSpPr>
+          <p:cNvPr id="19" name="TextBox 18">
+            <a:extLst>
+              <a:ext uri="{FF2B5EF4-FFF2-40B4-BE49-F238E27FC236}">
+                <a16:creationId xmlns:a16="http://schemas.microsoft.com/office/drawing/2014/main" id="{041FE835-F0B2-4C60-BB19-50B0C88E6EBA}"/>
+              </a:ext>
+            </a:extLst>
+          </p:cNvPr>
+          <p:cNvSpPr txBox="1"/>
+          <p:nvPr/>
+        </p:nvSpPr>
+        <p:spPr>
+          <a:xfrm>
+            <a:off x="9022896" y="3429000"/>
+            <a:ext cx="995568" cy="338554"/>
+          </a:xfrm>
+          <a:prstGeom prst="rect">
+            <a:avLst/>
+          </a:prstGeom>
+          <a:noFill/>
+        </p:spPr>
+        <p:txBody>
+          <a:bodyPr wrap="square" rtlCol="0">
+            <a:spAutoFit/>
+          </a:bodyPr>
+          <a:lstStyle/>
+          <a:p>
+            <a:r>
+              <a:rPr lang="en-US" sz="1600" dirty="0"/>
+              <a:t>/category</a:t>
+            </a:r>
+          </a:p>
+        </p:txBody>
+      </p:sp>
+      <p:sp>
+        <p:nvSpPr>
+          <p:cNvPr id="20" name="Arrow: Right 19">
+            <a:extLst>
+              <a:ext uri="{FF2B5EF4-FFF2-40B4-BE49-F238E27FC236}">
+                <a16:creationId xmlns:a16="http://schemas.microsoft.com/office/drawing/2014/main" id="{084908DC-9E1D-4996-86F6-60DBC81E2F33}"/>
+              </a:ext>
+            </a:extLst>
+          </p:cNvPr>
+          <p:cNvSpPr/>
+          <p:nvPr/>
+        </p:nvSpPr>
+        <p:spPr>
+          <a:xfrm>
+            <a:off x="2623929" y="1340215"/>
+            <a:ext cx="630475" cy="324613"/>
           </a:xfrm>
           <a:prstGeom prst="rightArrow">
             <a:avLst/>
@@ -7288,20 +6191,20 @@
       </p:sp>
       <p:sp>
         <p:nvSpPr>
-          <p:cNvPr id="7" name="TextBox 6">
-            <a:extLst>
-              <a:ext uri="{FF2B5EF4-FFF2-40B4-BE49-F238E27FC236}">
-                <a16:creationId xmlns:a16="http://schemas.microsoft.com/office/drawing/2014/main" id="{D53A29C6-1EFD-471E-A601-DA0390C59235}"/>
-              </a:ext>
-            </a:extLst>
-          </p:cNvPr>
-          <p:cNvSpPr txBox="1"/>
-          <p:nvPr/>
-        </p:nvSpPr>
-        <p:spPr>
-          <a:xfrm>
-            <a:off x="8156061" y="391086"/>
-            <a:ext cx="1129379" cy="338554"/>
+          <p:cNvPr id="21" name="TextBox 20">
+            <a:extLst>
+              <a:ext uri="{FF2B5EF4-FFF2-40B4-BE49-F238E27FC236}">
+                <a16:creationId xmlns:a16="http://schemas.microsoft.com/office/drawing/2014/main" id="{DF32F0D7-CC34-4F76-AD73-904DC24568D6}"/>
+              </a:ext>
+            </a:extLst>
+          </p:cNvPr>
+          <p:cNvSpPr txBox="1"/>
+          <p:nvPr/>
+        </p:nvSpPr>
+        <p:spPr>
+          <a:xfrm>
+            <a:off x="2527428" y="1043066"/>
+            <a:ext cx="995568" cy="338554"/>
           </a:xfrm>
           <a:prstGeom prst="rect">
             <a:avLst/>
@@ -7327,48 +6230,53 @@
           </a:p>
         </p:txBody>
       </p:sp>
-      <p:cxnSp>
-        <p:nvCxnSpPr>
-          <p:cNvPr id="9" name="Straight Connector 8">
-            <a:extLst>
-              <a:ext uri="{FF2B5EF4-FFF2-40B4-BE49-F238E27FC236}">
-                <a16:creationId xmlns:a16="http://schemas.microsoft.com/office/drawing/2014/main" id="{E5F1067E-6432-494C-A9F6-A0356A32135E}"/>
-              </a:ext>
-            </a:extLst>
-          </p:cNvPr>
-          <p:cNvCxnSpPr/>
-          <p:nvPr/>
-        </p:nvCxnSpPr>
-        <p:spPr>
-          <a:xfrm>
-            <a:off x="5434219" y="0"/>
-            <a:ext cx="0" cy="6858000"/>
-          </a:xfrm>
-          <a:prstGeom prst="line">
-            <a:avLst/>
-          </a:prstGeom>
-        </p:spPr>
-        <p:style>
-          <a:lnRef idx="1">
-            <a:schemeClr val="accent1"/>
-          </a:lnRef>
-          <a:fillRef idx="0">
-            <a:schemeClr val="accent1"/>
-          </a:fillRef>
-          <a:effectRef idx="0">
-            <a:schemeClr val="accent1"/>
-          </a:effectRef>
-          <a:fontRef idx="minor">
-            <a:schemeClr val="tx1"/>
-          </a:fontRef>
-        </p:style>
-      </p:cxnSp>
-      <p:sp>
-        <p:nvSpPr>
-          <p:cNvPr id="11" name="Rectangle: Rounded Corners 10">
-            <a:extLst>
-              <a:ext uri="{FF2B5EF4-FFF2-40B4-BE49-F238E27FC236}">
-                <a16:creationId xmlns:a16="http://schemas.microsoft.com/office/drawing/2014/main" id="{0B356C56-401C-4550-809F-81C9647AFAD7}"/>
+      <p:sp>
+        <p:nvSpPr>
+          <p:cNvPr id="22" name="TextBox 21">
+            <a:extLst>
+              <a:ext uri="{FF2B5EF4-FFF2-40B4-BE49-F238E27FC236}">
+                <a16:creationId xmlns:a16="http://schemas.microsoft.com/office/drawing/2014/main" id="{767B954E-22BD-4FB6-988D-40F7F7E8DC53}"/>
+              </a:ext>
+            </a:extLst>
+          </p:cNvPr>
+          <p:cNvSpPr txBox="1"/>
+          <p:nvPr/>
+        </p:nvSpPr>
+        <p:spPr>
+          <a:xfrm>
+            <a:off x="2527428" y="1623423"/>
+            <a:ext cx="2114144" cy="584775"/>
+          </a:xfrm>
+          <a:prstGeom prst="rect">
+            <a:avLst/>
+          </a:prstGeom>
+          <a:noFill/>
+        </p:spPr>
+        <p:txBody>
+          <a:bodyPr wrap="square" rtlCol="0">
+            <a:spAutoFit/>
+          </a:bodyPr>
+          <a:lstStyle/>
+          <a:p>
+            <a:r>
+              <a:rPr lang="en-US" sz="1600" dirty="0"/>
+              <a:t>my-event-info</a:t>
+            </a:r>
+          </a:p>
+          <a:p>
+            <a:r>
+              <a:rPr lang="en-US" sz="1600" dirty="0"/>
+              <a:t>category-info</a:t>
+            </a:r>
+          </a:p>
+        </p:txBody>
+      </p:sp>
+      <p:sp>
+        <p:nvSpPr>
+          <p:cNvPr id="23" name="Arrow: Right 22">
+            <a:extLst>
+              <a:ext uri="{FF2B5EF4-FFF2-40B4-BE49-F238E27FC236}">
+                <a16:creationId xmlns:a16="http://schemas.microsoft.com/office/drawing/2014/main" id="{2AE59A2F-14A7-44D5-BD45-78EF5D320B05}"/>
               </a:ext>
             </a:extLst>
           </p:cNvPr>
@@ -7377,104 +6285,8 @@
         </p:nvSpPr>
         <p:spPr>
           <a:xfrm>
-            <a:off x="9787773" y="2063866"/>
-            <a:ext cx="1964366" cy="853846"/>
-          </a:xfrm>
-          <a:prstGeom prst="roundRect">
-            <a:avLst/>
-          </a:prstGeom>
-          <a:noFill/>
-          <a:ln w="19050">
-            <a:solidFill>
-              <a:schemeClr val="accent6">
-                <a:lumMod val="75000"/>
-              </a:schemeClr>
-            </a:solidFill>
-            <a:prstDash val="dash"/>
-          </a:ln>
-        </p:spPr>
-        <p:style>
-          <a:lnRef idx="2">
-            <a:schemeClr val="dk1"/>
-          </a:lnRef>
-          <a:fillRef idx="1">
-            <a:schemeClr val="lt1"/>
-          </a:fillRef>
-          <a:effectRef idx="0">
-            <a:schemeClr val="dk1"/>
-          </a:effectRef>
-          <a:fontRef idx="minor">
-            <a:schemeClr val="dk1"/>
-          </a:fontRef>
-        </p:style>
-        <p:txBody>
-          <a:bodyPr rtlCol="0" anchor="ctr"/>
-          <a:lstStyle/>
-          <a:p>
-            <a:pPr algn="ctr"/>
-            <a:endParaRPr lang="en-US" dirty="0">
-              <a:solidFill>
-                <a:srgbClr val="00B050"/>
-              </a:solidFill>
-            </a:endParaRPr>
-          </a:p>
-        </p:txBody>
-      </p:sp>
-      <p:sp>
-        <p:nvSpPr>
-          <p:cNvPr id="12" name="TextBox 11">
-            <a:extLst>
-              <a:ext uri="{FF2B5EF4-FFF2-40B4-BE49-F238E27FC236}">
-                <a16:creationId xmlns:a16="http://schemas.microsoft.com/office/drawing/2014/main" id="{E9DE379E-D876-4DBB-A7D9-848AF669CA2E}"/>
-              </a:ext>
-            </a:extLst>
-          </p:cNvPr>
-          <p:cNvSpPr txBox="1"/>
-          <p:nvPr/>
-        </p:nvSpPr>
-        <p:spPr>
-          <a:xfrm>
-            <a:off x="9895590" y="2063866"/>
-            <a:ext cx="1774544" cy="338554"/>
-          </a:xfrm>
-          <a:prstGeom prst="rect">
-            <a:avLst/>
-          </a:prstGeom>
-          <a:noFill/>
-        </p:spPr>
-        <p:txBody>
-          <a:bodyPr wrap="square" rtlCol="0">
-            <a:spAutoFit/>
-          </a:bodyPr>
-          <a:lstStyle/>
-          <a:p>
-            <a:r>
-              <a:rPr lang="en-US" sz="1600" b="1" dirty="0">
-                <a:solidFill>
-                  <a:srgbClr val="FF0000"/>
-                </a:solidFill>
-              </a:rPr>
-              <a:t>&lt;find-event-view&gt;</a:t>
-            </a:r>
-          </a:p>
-        </p:txBody>
-      </p:sp>
-      <p:sp>
-        <p:nvSpPr>
-          <p:cNvPr id="15" name="Arrow: Right 14">
-            <a:extLst>
-              <a:ext uri="{FF2B5EF4-FFF2-40B4-BE49-F238E27FC236}">
-                <a16:creationId xmlns:a16="http://schemas.microsoft.com/office/drawing/2014/main" id="{B0D302FF-C607-4915-AAA6-6CE85FD59BA9}"/>
-              </a:ext>
-            </a:extLst>
-          </p:cNvPr>
-          <p:cNvSpPr/>
-          <p:nvPr/>
-        </p:nvSpPr>
-        <p:spPr>
-          <a:xfrm>
-            <a:off x="9063369" y="2324469"/>
-            <a:ext cx="715215" cy="264105"/>
+            <a:off x="7450043" y="4238015"/>
+            <a:ext cx="630475" cy="324613"/>
           </a:xfrm>
           <a:prstGeom prst="rightArrow">
             <a:avLst/>
@@ -7510,20 +6322,20 @@
       </p:sp>
       <p:sp>
         <p:nvSpPr>
-          <p:cNvPr id="16" name="TextBox 15">
-            <a:extLst>
-              <a:ext uri="{FF2B5EF4-FFF2-40B4-BE49-F238E27FC236}">
-                <a16:creationId xmlns:a16="http://schemas.microsoft.com/office/drawing/2014/main" id="{15842F55-9100-47E6-99B1-F76342230B42}"/>
-              </a:ext>
-            </a:extLst>
-          </p:cNvPr>
-          <p:cNvSpPr txBox="1"/>
-          <p:nvPr/>
-        </p:nvSpPr>
-        <p:spPr>
-          <a:xfrm>
-            <a:off x="9054180" y="2008479"/>
-            <a:ext cx="917448" cy="338554"/>
+          <p:cNvPr id="24" name="TextBox 23">
+            <a:extLst>
+              <a:ext uri="{FF2B5EF4-FFF2-40B4-BE49-F238E27FC236}">
+                <a16:creationId xmlns:a16="http://schemas.microsoft.com/office/drawing/2014/main" id="{287AC68C-F274-440B-A716-5CE9FC125A1F}"/>
+              </a:ext>
+            </a:extLst>
+          </p:cNvPr>
+          <p:cNvSpPr txBox="1"/>
+          <p:nvPr/>
+        </p:nvSpPr>
+        <p:spPr>
+          <a:xfrm>
+            <a:off x="7416932" y="3989899"/>
+            <a:ext cx="802733" cy="338554"/>
           </a:xfrm>
           <a:prstGeom prst="rect">
             <a:avLst/>
@@ -7551,20 +6363,20 @@
       </p:sp>
       <p:sp>
         <p:nvSpPr>
-          <p:cNvPr id="17" name="TextBox 16">
-            <a:extLst>
-              <a:ext uri="{FF2B5EF4-FFF2-40B4-BE49-F238E27FC236}">
-                <a16:creationId xmlns:a16="http://schemas.microsoft.com/office/drawing/2014/main" id="{10238D02-109C-40B7-85AC-43EFB2661CAA}"/>
-              </a:ext>
-            </a:extLst>
-          </p:cNvPr>
-          <p:cNvSpPr txBox="1"/>
-          <p:nvPr/>
-        </p:nvSpPr>
-        <p:spPr>
-          <a:xfrm>
-            <a:off x="6352509" y="1335570"/>
-            <a:ext cx="4383329" cy="338554"/>
+          <p:cNvPr id="25" name="TextBox 24">
+            <a:extLst>
+              <a:ext uri="{FF2B5EF4-FFF2-40B4-BE49-F238E27FC236}">
+                <a16:creationId xmlns:a16="http://schemas.microsoft.com/office/drawing/2014/main" id="{AF0534E2-4944-4924-AC1D-BEBB45CA3F1F}"/>
+              </a:ext>
+            </a:extLst>
+          </p:cNvPr>
+          <p:cNvSpPr txBox="1"/>
+          <p:nvPr/>
+        </p:nvSpPr>
+        <p:spPr>
+          <a:xfrm>
+            <a:off x="7057269" y="4498523"/>
+            <a:ext cx="1301543" cy="338554"/>
           </a:xfrm>
           <a:prstGeom prst="rect">
             <a:avLst/>
@@ -7579,29 +6391,93 @@
           <a:p>
             <a:r>
               <a:rPr lang="en-US" sz="1600" dirty="0"/>
-              <a:t>// </a:t>
-            </a:r>
-            <a:r>
-              <a:rPr lang="en-US" sz="1600" dirty="0">
-                <a:solidFill>
-                  <a:srgbClr val="FF0000"/>
-                </a:solidFill>
-              </a:rPr>
-              <a:t>app  </a:t>
-            </a:r>
+              <a:t>category-info</a:t>
+            </a:r>
+          </a:p>
+        </p:txBody>
+      </p:sp>
+      <p:cxnSp>
+        <p:nvCxnSpPr>
+          <p:cNvPr id="26" name="Straight Arrow Connector 25">
+            <a:extLst>
+              <a:ext uri="{FF2B5EF4-FFF2-40B4-BE49-F238E27FC236}">
+                <a16:creationId xmlns:a16="http://schemas.microsoft.com/office/drawing/2014/main" id="{FB84FA29-FF96-4EE1-AF8F-222208D5DDF5}"/>
+              </a:ext>
+            </a:extLst>
+          </p:cNvPr>
+          <p:cNvCxnSpPr>
+            <a:cxnSpLocks/>
+          </p:cNvCxnSpPr>
+          <p:nvPr/>
+        </p:nvCxnSpPr>
+        <p:spPr>
+          <a:xfrm>
+            <a:off x="5829298" y="3490580"/>
+            <a:ext cx="0" cy="498324"/>
+          </a:xfrm>
+          <a:prstGeom prst="straightConnector1">
+            <a:avLst/>
+          </a:prstGeom>
+          <a:ln w="12700">
+            <a:tailEnd type="triangle"/>
+          </a:ln>
+        </p:spPr>
+        <p:style>
+          <a:lnRef idx="1">
+            <a:schemeClr val="accent1"/>
+          </a:lnRef>
+          <a:fillRef idx="0">
+            <a:schemeClr val="accent1"/>
+          </a:fillRef>
+          <a:effectRef idx="0">
+            <a:schemeClr val="accent1"/>
+          </a:effectRef>
+          <a:fontRef idx="minor">
+            <a:schemeClr val="tx1"/>
+          </a:fontRef>
+        </p:style>
+      </p:cxnSp>
+      <p:sp>
+        <p:nvSpPr>
+          <p:cNvPr id="27" name="TextBox 26">
+            <a:extLst>
+              <a:ext uri="{FF2B5EF4-FFF2-40B4-BE49-F238E27FC236}">
+                <a16:creationId xmlns:a16="http://schemas.microsoft.com/office/drawing/2014/main" id="{57B0DC2B-D23A-4361-B38E-14631AE6EB1D}"/>
+              </a:ext>
+            </a:extLst>
+          </p:cNvPr>
+          <p:cNvSpPr txBox="1"/>
+          <p:nvPr/>
+        </p:nvSpPr>
+        <p:spPr>
+          <a:xfrm>
+            <a:off x="5833582" y="3478737"/>
+            <a:ext cx="1344815" cy="338554"/>
+          </a:xfrm>
+          <a:prstGeom prst="rect">
+            <a:avLst/>
+          </a:prstGeom>
+          <a:noFill/>
+        </p:spPr>
+        <p:txBody>
+          <a:bodyPr wrap="square" rtlCol="0">
+            <a:spAutoFit/>
+          </a:bodyPr>
+          <a:lstStyle/>
+          <a:p>
             <a:r>
               <a:rPr lang="en-US" sz="1600" dirty="0"/>
-              <a:t>provides my-event information to anymore</a:t>
-            </a:r>
-          </a:p>
-        </p:txBody>
-      </p:sp>
-      <p:sp>
-        <p:nvSpPr>
-          <p:cNvPr id="18" name="Rectangle: Rounded Corners 17">
-            <a:extLst>
-              <a:ext uri="{FF2B5EF4-FFF2-40B4-BE49-F238E27FC236}">
-                <a16:creationId xmlns:a16="http://schemas.microsoft.com/office/drawing/2014/main" id="{D7BA7CA2-B310-42DF-A1B1-E4F1470A1424}"/>
+              <a:t>/find-event</a:t>
+            </a:r>
+          </a:p>
+        </p:txBody>
+      </p:sp>
+      <p:sp>
+        <p:nvSpPr>
+          <p:cNvPr id="28" name="Rectangle: Rounded Corners 27">
+            <a:extLst>
+              <a:ext uri="{FF2B5EF4-FFF2-40B4-BE49-F238E27FC236}">
+                <a16:creationId xmlns:a16="http://schemas.microsoft.com/office/drawing/2014/main" id="{65B54263-18CB-435D-8E80-4BFF073ADA8A}"/>
               </a:ext>
             </a:extLst>
           </p:cNvPr>
@@ -7610,8 +6486,8 @@
         </p:nvSpPr>
         <p:spPr>
           <a:xfrm>
-            <a:off x="5917415" y="4111137"/>
-            <a:ext cx="2645466" cy="684786"/>
+            <a:off x="5008511" y="4003470"/>
+            <a:ext cx="1991139" cy="833607"/>
           </a:xfrm>
           <a:prstGeom prst="roundRect">
             <a:avLst/>
@@ -7619,7 +6495,7 @@
           <a:noFill/>
           <a:ln w="19050">
             <a:solidFill>
-              <a:schemeClr val="accent5">
+              <a:schemeClr val="accent6">
                 <a:lumMod val="75000"/>
               </a:schemeClr>
             </a:solidFill>
@@ -7646,6 +6522,11 @@
           <a:p>
             <a:pPr algn="ctr"/>
             <a:endParaRPr lang="en-US" dirty="0">
+              <a:ln>
+                <a:solidFill>
+                  <a:srgbClr val="FF0000"/>
+                </a:solidFill>
+              </a:ln>
               <a:solidFill>
                 <a:srgbClr val="00B050"/>
               </a:solidFill>
@@ -7655,151 +6536,20 @@
       </p:sp>
       <p:sp>
         <p:nvSpPr>
-          <p:cNvPr id="19" name="TextBox 18">
-            <a:extLst>
-              <a:ext uri="{FF2B5EF4-FFF2-40B4-BE49-F238E27FC236}">
-                <a16:creationId xmlns:a16="http://schemas.microsoft.com/office/drawing/2014/main" id="{F2E6B44E-2FCA-438C-82F7-D8FF7B4B246B}"/>
-              </a:ext>
-            </a:extLst>
-          </p:cNvPr>
-          <p:cNvSpPr txBox="1"/>
-          <p:nvPr/>
-        </p:nvSpPr>
-        <p:spPr>
-          <a:xfrm>
-            <a:off x="6622498" y="4292390"/>
-            <a:ext cx="1427751" cy="338554"/>
-          </a:xfrm>
-          <a:prstGeom prst="rect">
-            <a:avLst/>
-          </a:prstGeom>
-          <a:noFill/>
-        </p:spPr>
-        <p:txBody>
-          <a:bodyPr wrap="square" rtlCol="0">
-            <a:spAutoFit/>
-          </a:bodyPr>
-          <a:lstStyle/>
-          <a:p>
-            <a:r>
-              <a:rPr lang="en-US" sz="1600" b="1" dirty="0">
-                <a:solidFill>
-                  <a:srgbClr val="7030A0"/>
-                </a:solidFill>
-              </a:rPr>
-              <a:t>&lt;router-view&gt;</a:t>
-            </a:r>
-          </a:p>
-        </p:txBody>
-      </p:sp>
-      <p:sp>
-        <p:nvSpPr>
-          <p:cNvPr id="20" name="TextBox 19">
-            <a:extLst>
-              <a:ext uri="{FF2B5EF4-FFF2-40B4-BE49-F238E27FC236}">
-                <a16:creationId xmlns:a16="http://schemas.microsoft.com/office/drawing/2014/main" id="{B643F800-F34D-4076-8E7F-C68C8AA6F0EF}"/>
-              </a:ext>
-            </a:extLst>
-          </p:cNvPr>
-          <p:cNvSpPr txBox="1"/>
-          <p:nvPr/>
-        </p:nvSpPr>
-        <p:spPr>
-          <a:xfrm>
-            <a:off x="6035013" y="5087367"/>
-            <a:ext cx="2911350" cy="338554"/>
-          </a:xfrm>
-          <a:prstGeom prst="rect">
-            <a:avLst/>
-          </a:prstGeom>
-          <a:noFill/>
-        </p:spPr>
-        <p:txBody>
-          <a:bodyPr wrap="square" rtlCol="0">
-            <a:spAutoFit/>
-          </a:bodyPr>
-          <a:lstStyle/>
-          <a:p>
-            <a:r>
-              <a:rPr lang="en-US" sz="1600" dirty="0"/>
-              <a:t>// Vue JS built-in component</a:t>
-            </a:r>
-          </a:p>
-        </p:txBody>
-      </p:sp>
-      <p:sp>
-        <p:nvSpPr>
-          <p:cNvPr id="21" name="Rectangle: Rounded Corners 20">
-            <a:extLst>
-              <a:ext uri="{FF2B5EF4-FFF2-40B4-BE49-F238E27FC236}">
-                <a16:creationId xmlns:a16="http://schemas.microsoft.com/office/drawing/2014/main" id="{471218D4-50C0-4F67-B38C-5D5949AFC1CB}"/>
-              </a:ext>
-            </a:extLst>
-          </p:cNvPr>
-          <p:cNvSpPr/>
-          <p:nvPr/>
-        </p:nvSpPr>
-        <p:spPr>
-          <a:xfrm>
-            <a:off x="1199332" y="481724"/>
-            <a:ext cx="1964366" cy="853846"/>
-          </a:xfrm>
-          <a:prstGeom prst="roundRect">
-            <a:avLst/>
-          </a:prstGeom>
-          <a:noFill/>
-          <a:ln w="19050">
-            <a:solidFill>
-              <a:schemeClr val="accent6">
-                <a:lumMod val="75000"/>
-              </a:schemeClr>
-            </a:solidFill>
-            <a:prstDash val="dash"/>
-          </a:ln>
-        </p:spPr>
-        <p:style>
-          <a:lnRef idx="2">
-            <a:schemeClr val="dk1"/>
-          </a:lnRef>
-          <a:fillRef idx="1">
-            <a:schemeClr val="lt1"/>
-          </a:fillRef>
-          <a:effectRef idx="0">
-            <a:schemeClr val="dk1"/>
-          </a:effectRef>
-          <a:fontRef idx="minor">
-            <a:schemeClr val="dk1"/>
-          </a:fontRef>
-        </p:style>
-        <p:txBody>
-          <a:bodyPr rtlCol="0" anchor="ctr"/>
-          <a:lstStyle/>
-          <a:p>
-            <a:pPr algn="ctr"/>
-            <a:endParaRPr lang="en-US" dirty="0">
-              <a:solidFill>
-                <a:srgbClr val="00B050"/>
-              </a:solidFill>
-            </a:endParaRPr>
-          </a:p>
-        </p:txBody>
-      </p:sp>
-      <p:sp>
-        <p:nvSpPr>
-          <p:cNvPr id="22" name="TextBox 21">
-            <a:extLst>
-              <a:ext uri="{FF2B5EF4-FFF2-40B4-BE49-F238E27FC236}">
-                <a16:creationId xmlns:a16="http://schemas.microsoft.com/office/drawing/2014/main" id="{001AFAB7-3BED-4AB6-9756-303D0A55C42D}"/>
-              </a:ext>
-            </a:extLst>
-          </p:cNvPr>
-          <p:cNvSpPr txBox="1"/>
-          <p:nvPr/>
-        </p:nvSpPr>
-        <p:spPr>
-          <a:xfrm>
-            <a:off x="1688266" y="565311"/>
-            <a:ext cx="760218" cy="338554"/>
+          <p:cNvPr id="29" name="TextBox 28">
+            <a:extLst>
+              <a:ext uri="{FF2B5EF4-FFF2-40B4-BE49-F238E27FC236}">
+                <a16:creationId xmlns:a16="http://schemas.microsoft.com/office/drawing/2014/main" id="{F1646F8B-73F6-498E-A82B-B6356B5812B9}"/>
+              </a:ext>
+            </a:extLst>
+          </p:cNvPr>
+          <p:cNvSpPr txBox="1"/>
+          <p:nvPr/>
+        </p:nvSpPr>
+        <p:spPr>
+          <a:xfrm>
+            <a:off x="5059703" y="4091278"/>
+            <a:ext cx="1817366" cy="338554"/>
           </a:xfrm>
           <a:prstGeom prst="rect">
             <a:avLst/>
@@ -7818,134 +6568,17 @@
                   <a:srgbClr val="FF0000"/>
                 </a:solidFill>
               </a:rPr>
-              <a:t>&lt;app&gt;</a:t>
-            </a:r>
-          </a:p>
-        </p:txBody>
-      </p:sp>
-      <p:sp>
-        <p:nvSpPr>
-          <p:cNvPr id="23" name="TextBox 22">
-            <a:extLst>
-              <a:ext uri="{FF2B5EF4-FFF2-40B4-BE49-F238E27FC236}">
-                <a16:creationId xmlns:a16="http://schemas.microsoft.com/office/drawing/2014/main" id="{C98AADE0-BBC0-48B2-BF05-58BDFFC3B0FC}"/>
-              </a:ext>
-            </a:extLst>
-          </p:cNvPr>
-          <p:cNvSpPr txBox="1"/>
-          <p:nvPr/>
-        </p:nvSpPr>
-        <p:spPr>
-          <a:xfrm>
-            <a:off x="1199332" y="834007"/>
-            <a:ext cx="1903725" cy="338554"/>
-          </a:xfrm>
-          <a:prstGeom prst="rect">
-            <a:avLst/>
-          </a:prstGeom>
-          <a:noFill/>
-        </p:spPr>
-        <p:txBody>
-          <a:bodyPr wrap="square" rtlCol="0">
-            <a:spAutoFit/>
-          </a:bodyPr>
-          <a:lstStyle/>
-          <a:p>
-            <a:r>
-              <a:rPr lang="en-US" sz="1600" dirty="0"/>
-              <a:t>my-event-info[]</a:t>
-            </a:r>
-          </a:p>
-        </p:txBody>
-      </p:sp>
-      <p:sp>
-        <p:nvSpPr>
-          <p:cNvPr id="24" name="TextBox 23">
-            <a:extLst>
-              <a:ext uri="{FF2B5EF4-FFF2-40B4-BE49-F238E27FC236}">
-                <a16:creationId xmlns:a16="http://schemas.microsoft.com/office/drawing/2014/main" id="{C44F45A5-B171-482E-ACD5-8FD936F9F55D}"/>
-              </a:ext>
-            </a:extLst>
-          </p:cNvPr>
-          <p:cNvSpPr txBox="1"/>
-          <p:nvPr/>
-        </p:nvSpPr>
-        <p:spPr>
-          <a:xfrm>
-            <a:off x="521866" y="1527709"/>
-            <a:ext cx="4606724" cy="584775"/>
-          </a:xfrm>
-          <a:prstGeom prst="rect">
-            <a:avLst/>
-          </a:prstGeom>
-          <a:noFill/>
-        </p:spPr>
-        <p:txBody>
-          <a:bodyPr wrap="square" rtlCol="0">
-            <a:spAutoFit/>
-          </a:bodyPr>
-          <a:lstStyle/>
-          <a:p>
-            <a:r>
-              <a:rPr lang="en-US" sz="1600" dirty="0"/>
-              <a:t>// A component with a list of my-event information as data</a:t>
-            </a:r>
-          </a:p>
-        </p:txBody>
-      </p:sp>
-      <p:sp>
-        <p:nvSpPr>
-          <p:cNvPr id="25" name="TextBox 24">
-            <a:extLst>
-              <a:ext uri="{FF2B5EF4-FFF2-40B4-BE49-F238E27FC236}">
-                <a16:creationId xmlns:a16="http://schemas.microsoft.com/office/drawing/2014/main" id="{BC8013E9-4EFA-46A6-8A66-13FF8B9AC62C}"/>
-              </a:ext>
-            </a:extLst>
-          </p:cNvPr>
-          <p:cNvSpPr txBox="1"/>
-          <p:nvPr/>
-        </p:nvSpPr>
-        <p:spPr>
-          <a:xfrm>
-            <a:off x="6756385" y="3039879"/>
-            <a:ext cx="5371852" cy="338554"/>
-          </a:xfrm>
-          <a:prstGeom prst="rect">
-            <a:avLst/>
-          </a:prstGeom>
-          <a:noFill/>
-        </p:spPr>
-        <p:txBody>
-          <a:bodyPr wrap="square" rtlCol="0">
-            <a:spAutoFit/>
-          </a:bodyPr>
-          <a:lstStyle/>
-          <a:p>
-            <a:r>
-              <a:rPr lang="en-US" sz="1600" dirty="0"/>
-              <a:t>// </a:t>
-            </a:r>
-            <a:r>
-              <a:rPr lang="en-US" sz="1600" dirty="0">
-                <a:solidFill>
-                  <a:srgbClr val="FF0000"/>
-                </a:solidFill>
-              </a:rPr>
-              <a:t>find-event view </a:t>
-            </a:r>
-            <a:r>
-              <a:rPr lang="en-US" sz="1600" dirty="0"/>
-              <a:t>gets my-event information from a provider</a:t>
-            </a:r>
-          </a:p>
-        </p:txBody>
-      </p:sp>
-      <p:sp>
-        <p:nvSpPr>
-          <p:cNvPr id="29" name="Rectangle: Rounded Corners 28">
-            <a:extLst>
-              <a:ext uri="{FF2B5EF4-FFF2-40B4-BE49-F238E27FC236}">
-                <a16:creationId xmlns:a16="http://schemas.microsoft.com/office/drawing/2014/main" id="{25276C31-8E86-4F25-BF01-19D0240494FE}"/>
+              <a:t>&lt;find-event-view&gt;</a:t>
+            </a:r>
+          </a:p>
+        </p:txBody>
+      </p:sp>
+      <p:sp>
+        <p:nvSpPr>
+          <p:cNvPr id="32" name="Arrow: Right 31">
+            <a:extLst>
+              <a:ext uri="{FF2B5EF4-FFF2-40B4-BE49-F238E27FC236}">
+                <a16:creationId xmlns:a16="http://schemas.microsoft.com/office/drawing/2014/main" id="{9D5FEAD1-EB9B-434D-B245-B28B90BA3AE9}"/>
               </a:ext>
             </a:extLst>
           </p:cNvPr>
@@ -7954,283 +6587,15 @@
         </p:nvSpPr>
         <p:spPr>
           <a:xfrm>
-            <a:off x="98483" y="2588574"/>
-            <a:ext cx="1964366" cy="853846"/>
-          </a:xfrm>
-          <a:prstGeom prst="roundRect">
-            <a:avLst/>
-          </a:prstGeom>
-          <a:noFill/>
-          <a:ln w="19050">
-            <a:solidFill>
-              <a:schemeClr val="accent6">
-                <a:lumMod val="75000"/>
-              </a:schemeClr>
-            </a:solidFill>
-            <a:prstDash val="dash"/>
-          </a:ln>
-        </p:spPr>
-        <p:style>
-          <a:lnRef idx="2">
-            <a:schemeClr val="dk1"/>
-          </a:lnRef>
-          <a:fillRef idx="1">
-            <a:schemeClr val="lt1"/>
-          </a:fillRef>
-          <a:effectRef idx="0">
-            <a:schemeClr val="dk1"/>
-          </a:effectRef>
-          <a:fontRef idx="minor">
-            <a:schemeClr val="dk1"/>
-          </a:fontRef>
-        </p:style>
-        <p:txBody>
-          <a:bodyPr rtlCol="0" anchor="ctr"/>
-          <a:lstStyle/>
-          <a:p>
-            <a:pPr algn="ctr"/>
-            <a:endParaRPr lang="en-US" dirty="0">
-              <a:solidFill>
-                <a:srgbClr val="00B050"/>
-              </a:solidFill>
-            </a:endParaRPr>
-          </a:p>
-        </p:txBody>
-      </p:sp>
-      <p:sp>
-        <p:nvSpPr>
-          <p:cNvPr id="30" name="TextBox 29">
-            <a:extLst>
-              <a:ext uri="{FF2B5EF4-FFF2-40B4-BE49-F238E27FC236}">
-                <a16:creationId xmlns:a16="http://schemas.microsoft.com/office/drawing/2014/main" id="{BA0D3337-9C3D-4B12-933D-3010EA6C96D1}"/>
-              </a:ext>
-            </a:extLst>
-          </p:cNvPr>
-          <p:cNvSpPr txBox="1"/>
-          <p:nvPr/>
-        </p:nvSpPr>
-        <p:spPr>
-          <a:xfrm>
-            <a:off x="587417" y="2672161"/>
-            <a:ext cx="760218" cy="338554"/>
-          </a:xfrm>
-          <a:prstGeom prst="rect">
-            <a:avLst/>
-          </a:prstGeom>
-          <a:noFill/>
-        </p:spPr>
-        <p:txBody>
-          <a:bodyPr wrap="square" rtlCol="0">
-            <a:spAutoFit/>
-          </a:bodyPr>
-          <a:lstStyle/>
-          <a:p>
-            <a:r>
-              <a:rPr lang="en-US" sz="1600" b="1" dirty="0">
-                <a:solidFill>
-                  <a:srgbClr val="FF0000"/>
-                </a:solidFill>
-              </a:rPr>
-              <a:t>&lt;app&gt;</a:t>
-            </a:r>
-          </a:p>
-        </p:txBody>
-      </p:sp>
-      <p:sp>
-        <p:nvSpPr>
-          <p:cNvPr id="33" name="Rectangle: Rounded Corners 32">
-            <a:extLst>
-              <a:ext uri="{FF2B5EF4-FFF2-40B4-BE49-F238E27FC236}">
-                <a16:creationId xmlns:a16="http://schemas.microsoft.com/office/drawing/2014/main" id="{87A0A934-5288-4DD0-A262-AE816FCDA6D6}"/>
-              </a:ext>
-            </a:extLst>
-          </p:cNvPr>
-          <p:cNvSpPr/>
-          <p:nvPr/>
-        </p:nvSpPr>
-        <p:spPr>
-          <a:xfrm>
-            <a:off x="3103057" y="2612956"/>
-            <a:ext cx="1964366" cy="853846"/>
-          </a:xfrm>
-          <a:prstGeom prst="roundRect">
-            <a:avLst/>
-          </a:prstGeom>
-          <a:noFill/>
-          <a:ln w="19050">
-            <a:solidFill>
-              <a:schemeClr val="accent6">
-                <a:lumMod val="75000"/>
-              </a:schemeClr>
-            </a:solidFill>
-            <a:prstDash val="dash"/>
-          </a:ln>
-        </p:spPr>
-        <p:style>
-          <a:lnRef idx="2">
-            <a:schemeClr val="dk1"/>
-          </a:lnRef>
-          <a:fillRef idx="1">
-            <a:schemeClr val="lt1"/>
-          </a:fillRef>
-          <a:effectRef idx="0">
-            <a:schemeClr val="dk1"/>
-          </a:effectRef>
-          <a:fontRef idx="minor">
-            <a:schemeClr val="dk1"/>
-          </a:fontRef>
-        </p:style>
-        <p:txBody>
-          <a:bodyPr rtlCol="0" anchor="ctr"/>
-          <a:lstStyle/>
-          <a:p>
-            <a:pPr algn="ctr"/>
-            <a:endParaRPr lang="en-US" dirty="0">
-              <a:solidFill>
-                <a:srgbClr val="00B050"/>
-              </a:solidFill>
-            </a:endParaRPr>
-          </a:p>
-        </p:txBody>
-      </p:sp>
-      <p:sp>
-        <p:nvSpPr>
-          <p:cNvPr id="34" name="TextBox 33">
-            <a:extLst>
-              <a:ext uri="{FF2B5EF4-FFF2-40B4-BE49-F238E27FC236}">
-                <a16:creationId xmlns:a16="http://schemas.microsoft.com/office/drawing/2014/main" id="{B7C6FE79-5BD1-4CFA-BFAF-2F4283479B16}"/>
-              </a:ext>
-            </a:extLst>
-          </p:cNvPr>
-          <p:cNvSpPr txBox="1"/>
-          <p:nvPr/>
-        </p:nvSpPr>
-        <p:spPr>
-          <a:xfrm>
-            <a:off x="3041890" y="2696543"/>
-            <a:ext cx="1964366" cy="338554"/>
-          </a:xfrm>
-          <a:prstGeom prst="rect">
-            <a:avLst/>
-          </a:prstGeom>
-          <a:noFill/>
-        </p:spPr>
-        <p:txBody>
-          <a:bodyPr wrap="square" rtlCol="0">
-            <a:spAutoFit/>
-          </a:bodyPr>
-          <a:lstStyle/>
-          <a:p>
-            <a:pPr algn="ctr"/>
-            <a:r>
-              <a:rPr lang="en-US" sz="1600" b="1" dirty="0">
-                <a:solidFill>
-                  <a:srgbClr val="FF0000"/>
-                </a:solidFill>
-              </a:rPr>
-              <a:t>&lt;find-event-card&gt;</a:t>
-            </a:r>
-          </a:p>
-        </p:txBody>
-      </p:sp>
-      <p:sp>
-        <p:nvSpPr>
-          <p:cNvPr id="42" name="TextBox 41">
-            <a:extLst>
-              <a:ext uri="{FF2B5EF4-FFF2-40B4-BE49-F238E27FC236}">
-                <a16:creationId xmlns:a16="http://schemas.microsoft.com/office/drawing/2014/main" id="{224FA539-0218-4AE8-B200-E46D3080E272}"/>
-              </a:ext>
-            </a:extLst>
-          </p:cNvPr>
-          <p:cNvSpPr txBox="1"/>
-          <p:nvPr/>
-        </p:nvSpPr>
-        <p:spPr>
-          <a:xfrm>
-            <a:off x="195712" y="2996583"/>
-            <a:ext cx="1903725" cy="338554"/>
-          </a:xfrm>
-          <a:prstGeom prst="rect">
-            <a:avLst/>
-          </a:prstGeom>
-          <a:noFill/>
-        </p:spPr>
-        <p:txBody>
-          <a:bodyPr wrap="square" rtlCol="0">
-            <a:spAutoFit/>
-          </a:bodyPr>
-          <a:lstStyle/>
-          <a:p>
-            <a:r>
-              <a:rPr lang="en-US" sz="1600" dirty="0"/>
-              <a:t>my-event-info[]</a:t>
-            </a:r>
-          </a:p>
-        </p:txBody>
-      </p:sp>
-      <p:sp>
-        <p:nvSpPr>
-          <p:cNvPr id="43" name="TextBox 42">
-            <a:extLst>
-              <a:ext uri="{FF2B5EF4-FFF2-40B4-BE49-F238E27FC236}">
-                <a16:creationId xmlns:a16="http://schemas.microsoft.com/office/drawing/2014/main" id="{AAFD11AF-EC40-4BF5-89F0-06C2A3F64A4E}"/>
-              </a:ext>
-            </a:extLst>
-          </p:cNvPr>
-          <p:cNvSpPr txBox="1"/>
-          <p:nvPr/>
-        </p:nvSpPr>
-        <p:spPr>
-          <a:xfrm>
-            <a:off x="3224865" y="2996583"/>
-            <a:ext cx="1903725" cy="338554"/>
-          </a:xfrm>
-          <a:prstGeom prst="rect">
-            <a:avLst/>
-          </a:prstGeom>
-          <a:noFill/>
-        </p:spPr>
-        <p:txBody>
-          <a:bodyPr wrap="square" rtlCol="0">
-            <a:spAutoFit/>
-          </a:bodyPr>
-          <a:lstStyle/>
-          <a:p>
-            <a:r>
-              <a:rPr lang="en-US" sz="1600" dirty="0"/>
-              <a:t>my-event-info[]</a:t>
-            </a:r>
-          </a:p>
-        </p:txBody>
-      </p:sp>
-      <p:sp>
-        <p:nvSpPr>
-          <p:cNvPr id="2" name="Arrow: Right 1">
-            <a:extLst>
-              <a:ext uri="{FF2B5EF4-FFF2-40B4-BE49-F238E27FC236}">
-                <a16:creationId xmlns:a16="http://schemas.microsoft.com/office/drawing/2014/main" id="{4345D9D4-0456-4405-B72A-37809DF4D3F9}"/>
-              </a:ext>
-            </a:extLst>
-          </p:cNvPr>
-          <p:cNvSpPr/>
-          <p:nvPr/>
-        </p:nvSpPr>
-        <p:spPr>
-          <a:xfrm>
-            <a:off x="2099437" y="2781533"/>
-            <a:ext cx="804822" cy="458363"/>
+            <a:off x="749670" y="4382756"/>
+            <a:ext cx="630475" cy="324613"/>
           </a:xfrm>
           <a:prstGeom prst="rightArrow">
             <a:avLst/>
           </a:prstGeom>
           <a:solidFill>
-            <a:schemeClr val="accent6"/>
+            <a:srgbClr val="FFFF00"/>
           </a:solidFill>
-          <a:ln>
-            <a:solidFill>
-              <a:schemeClr val="accent6"/>
-            </a:solidFill>
-          </a:ln>
         </p:spPr>
         <p:style>
           <a:lnRef idx="2">
@@ -8259,20 +6624,682 @@
       </p:sp>
       <p:sp>
         <p:nvSpPr>
+          <p:cNvPr id="33" name="TextBox 32">
+            <a:extLst>
+              <a:ext uri="{FF2B5EF4-FFF2-40B4-BE49-F238E27FC236}">
+                <a16:creationId xmlns:a16="http://schemas.microsoft.com/office/drawing/2014/main" id="{C8C888E8-1657-448E-8120-94A9AB1D5C77}"/>
+              </a:ext>
+            </a:extLst>
+          </p:cNvPr>
+          <p:cNvSpPr txBox="1"/>
+          <p:nvPr/>
+        </p:nvSpPr>
+        <p:spPr>
+          <a:xfrm>
+            <a:off x="716559" y="4134640"/>
+            <a:ext cx="802733" cy="338554"/>
+          </a:xfrm>
+          <a:prstGeom prst="rect">
+            <a:avLst/>
+          </a:prstGeom>
+          <a:noFill/>
+        </p:spPr>
+        <p:txBody>
+          <a:bodyPr wrap="square" rtlCol="0">
+            <a:spAutoFit/>
+          </a:bodyPr>
+          <a:lstStyle/>
+          <a:p>
+            <a:r>
+              <a:rPr lang="en-US" sz="1600" b="1" dirty="0">
+                <a:solidFill>
+                  <a:schemeClr val="accent4">
+                    <a:lumMod val="75000"/>
+                  </a:schemeClr>
+                </a:solidFill>
+              </a:rPr>
+              <a:t>INJECT</a:t>
+            </a:r>
+          </a:p>
+        </p:txBody>
+      </p:sp>
+      <p:sp>
+        <p:nvSpPr>
+          <p:cNvPr id="34" name="TextBox 33">
+            <a:extLst>
+              <a:ext uri="{FF2B5EF4-FFF2-40B4-BE49-F238E27FC236}">
+                <a16:creationId xmlns:a16="http://schemas.microsoft.com/office/drawing/2014/main" id="{A41BE46A-106D-4160-B4A1-807E94F0E178}"/>
+              </a:ext>
+            </a:extLst>
+          </p:cNvPr>
+          <p:cNvSpPr txBox="1"/>
+          <p:nvPr/>
+        </p:nvSpPr>
+        <p:spPr>
+          <a:xfrm>
+            <a:off x="189652" y="4643264"/>
+            <a:ext cx="1412833" cy="338554"/>
+          </a:xfrm>
+          <a:prstGeom prst="rect">
+            <a:avLst/>
+          </a:prstGeom>
+          <a:noFill/>
+        </p:spPr>
+        <p:txBody>
+          <a:bodyPr wrap="square" rtlCol="0">
+            <a:spAutoFit/>
+          </a:bodyPr>
+          <a:lstStyle/>
+          <a:p>
+            <a:r>
+              <a:rPr lang="en-US" sz="1600" dirty="0"/>
+              <a:t>my-event-info</a:t>
+            </a:r>
+          </a:p>
+        </p:txBody>
+      </p:sp>
+      <p:sp>
+        <p:nvSpPr>
+          <p:cNvPr id="35" name="TextBox 34">
+            <a:extLst>
+              <a:ext uri="{FF2B5EF4-FFF2-40B4-BE49-F238E27FC236}">
+                <a16:creationId xmlns:a16="http://schemas.microsoft.com/office/drawing/2014/main" id="{65227526-713C-42C9-9A6D-A3F0FB1F3380}"/>
+              </a:ext>
+            </a:extLst>
+          </p:cNvPr>
+          <p:cNvSpPr txBox="1"/>
+          <p:nvPr/>
+        </p:nvSpPr>
+        <p:spPr>
+          <a:xfrm>
+            <a:off x="3753401" y="4513984"/>
+            <a:ext cx="1412833" cy="338554"/>
+          </a:xfrm>
+          <a:prstGeom prst="rect">
+            <a:avLst/>
+          </a:prstGeom>
+          <a:noFill/>
+        </p:spPr>
+        <p:txBody>
+          <a:bodyPr wrap="square" rtlCol="0">
+            <a:spAutoFit/>
+          </a:bodyPr>
+          <a:lstStyle/>
+          <a:p>
+            <a:r>
+              <a:rPr lang="en-US" sz="1600" dirty="0"/>
+              <a:t>my-event-info</a:t>
+            </a:r>
+          </a:p>
+        </p:txBody>
+      </p:sp>
+      <p:sp>
+        <p:nvSpPr>
+          <p:cNvPr id="36" name="Arrow: Right 35">
+            <a:extLst>
+              <a:ext uri="{FF2B5EF4-FFF2-40B4-BE49-F238E27FC236}">
+                <a16:creationId xmlns:a16="http://schemas.microsoft.com/office/drawing/2014/main" id="{C00585FD-A34E-4276-AD00-808E991F8C40}"/>
+              </a:ext>
+            </a:extLst>
+          </p:cNvPr>
+          <p:cNvSpPr/>
+          <p:nvPr/>
+        </p:nvSpPr>
+        <p:spPr>
+          <a:xfrm>
+            <a:off x="4181270" y="4251586"/>
+            <a:ext cx="630475" cy="324613"/>
+          </a:xfrm>
+          <a:prstGeom prst="rightArrow">
+            <a:avLst/>
+          </a:prstGeom>
+          <a:solidFill>
+            <a:srgbClr val="FFFF00"/>
+          </a:solidFill>
+        </p:spPr>
+        <p:style>
+          <a:lnRef idx="2">
+            <a:schemeClr val="accent1">
+              <a:shade val="50000"/>
+            </a:schemeClr>
+          </a:lnRef>
+          <a:fillRef idx="1">
+            <a:schemeClr val="accent1"/>
+          </a:fillRef>
+          <a:effectRef idx="0">
+            <a:schemeClr val="accent1"/>
+          </a:effectRef>
+          <a:fontRef idx="minor">
+            <a:schemeClr val="lt1"/>
+          </a:fontRef>
+        </p:style>
+        <p:txBody>
+          <a:bodyPr rtlCol="0" anchor="ctr"/>
+          <a:lstStyle/>
+          <a:p>
+            <a:pPr algn="ctr"/>
+            <a:endParaRPr lang="en-US"/>
+          </a:p>
+        </p:txBody>
+      </p:sp>
+      <p:sp>
+        <p:nvSpPr>
+          <p:cNvPr id="37" name="TextBox 36">
+            <a:extLst>
+              <a:ext uri="{FF2B5EF4-FFF2-40B4-BE49-F238E27FC236}">
+                <a16:creationId xmlns:a16="http://schemas.microsoft.com/office/drawing/2014/main" id="{E54EB37A-7B1B-4B3E-97B7-97CFC8715533}"/>
+              </a:ext>
+            </a:extLst>
+          </p:cNvPr>
+          <p:cNvSpPr txBox="1"/>
+          <p:nvPr/>
+        </p:nvSpPr>
+        <p:spPr>
+          <a:xfrm>
+            <a:off x="4148159" y="4003470"/>
+            <a:ext cx="802733" cy="338554"/>
+          </a:xfrm>
+          <a:prstGeom prst="rect">
+            <a:avLst/>
+          </a:prstGeom>
+          <a:noFill/>
+        </p:spPr>
+        <p:txBody>
+          <a:bodyPr wrap="square" rtlCol="0">
+            <a:spAutoFit/>
+          </a:bodyPr>
+          <a:lstStyle/>
+          <a:p>
+            <a:r>
+              <a:rPr lang="en-US" sz="1600" b="1" dirty="0">
+                <a:solidFill>
+                  <a:schemeClr val="accent4">
+                    <a:lumMod val="75000"/>
+                  </a:schemeClr>
+                </a:solidFill>
+              </a:rPr>
+              <a:t>INJECT</a:t>
+            </a:r>
+          </a:p>
+        </p:txBody>
+      </p:sp>
+      <p:sp>
+        <p:nvSpPr>
+          <p:cNvPr id="39" name="TextBox 38">
+            <a:extLst>
+              <a:ext uri="{FF2B5EF4-FFF2-40B4-BE49-F238E27FC236}">
+                <a16:creationId xmlns:a16="http://schemas.microsoft.com/office/drawing/2014/main" id="{51F53F84-8A41-4D3E-B433-6C24CC812143}"/>
+              </a:ext>
+            </a:extLst>
+          </p:cNvPr>
+          <p:cNvSpPr txBox="1"/>
+          <p:nvPr/>
+        </p:nvSpPr>
+        <p:spPr>
+          <a:xfrm>
+            <a:off x="5607069" y="1678370"/>
+            <a:ext cx="1412833" cy="338554"/>
+          </a:xfrm>
+          <a:prstGeom prst="rect">
+            <a:avLst/>
+          </a:prstGeom>
+          <a:noFill/>
+        </p:spPr>
+        <p:txBody>
+          <a:bodyPr wrap="square" rtlCol="0">
+            <a:spAutoFit/>
+          </a:bodyPr>
+          <a:lstStyle/>
+          <a:p>
+            <a:r>
+              <a:rPr lang="en-US" sz="1600" dirty="0"/>
+              <a:t>Change path</a:t>
+            </a:r>
+          </a:p>
+        </p:txBody>
+      </p:sp>
+      <p:sp>
+        <p:nvSpPr>
+          <p:cNvPr id="41" name="Rectangle: Rounded Corners 40">
+            <a:extLst>
+              <a:ext uri="{FF2B5EF4-FFF2-40B4-BE49-F238E27FC236}">
+                <a16:creationId xmlns:a16="http://schemas.microsoft.com/office/drawing/2014/main" id="{5405FE61-F9F4-41CE-80AE-0AE48558D059}"/>
+              </a:ext>
+            </a:extLst>
+          </p:cNvPr>
+          <p:cNvSpPr/>
+          <p:nvPr/>
+        </p:nvSpPr>
+        <p:spPr>
+          <a:xfrm>
+            <a:off x="1603512" y="5557849"/>
+            <a:ext cx="1991139" cy="764916"/>
+          </a:xfrm>
+          <a:prstGeom prst="roundRect">
+            <a:avLst/>
+          </a:prstGeom>
+          <a:noFill/>
+          <a:ln w="19050">
+            <a:solidFill>
+              <a:schemeClr val="accent6">
+                <a:lumMod val="75000"/>
+              </a:schemeClr>
+            </a:solidFill>
+            <a:prstDash val="dash"/>
+          </a:ln>
+        </p:spPr>
+        <p:style>
+          <a:lnRef idx="2">
+            <a:schemeClr val="dk1"/>
+          </a:lnRef>
+          <a:fillRef idx="1">
+            <a:schemeClr val="lt1"/>
+          </a:fillRef>
+          <a:effectRef idx="0">
+            <a:schemeClr val="dk1"/>
+          </a:effectRef>
+          <a:fontRef idx="minor">
+            <a:schemeClr val="dk1"/>
+          </a:fontRef>
+        </p:style>
+        <p:txBody>
+          <a:bodyPr rtlCol="0" anchor="ctr"/>
+          <a:lstStyle/>
+          <a:p>
+            <a:pPr algn="ctr"/>
+            <a:endParaRPr lang="en-US" dirty="0">
+              <a:ln>
+                <a:solidFill>
+                  <a:srgbClr val="FF0000"/>
+                </a:solidFill>
+              </a:ln>
+              <a:solidFill>
+                <a:srgbClr val="00B050"/>
+              </a:solidFill>
+            </a:endParaRPr>
+          </a:p>
+        </p:txBody>
+      </p:sp>
+      <p:sp>
+        <p:nvSpPr>
+          <p:cNvPr id="42" name="TextBox 41">
+            <a:extLst>
+              <a:ext uri="{FF2B5EF4-FFF2-40B4-BE49-F238E27FC236}">
+                <a16:creationId xmlns:a16="http://schemas.microsoft.com/office/drawing/2014/main" id="{6CF152C4-9500-4747-AA56-F853D3E5528F}"/>
+              </a:ext>
+            </a:extLst>
+          </p:cNvPr>
+          <p:cNvSpPr txBox="1"/>
+          <p:nvPr/>
+        </p:nvSpPr>
+        <p:spPr>
+          <a:xfrm>
+            <a:off x="1603512" y="5645657"/>
+            <a:ext cx="1868557" cy="338554"/>
+          </a:xfrm>
+          <a:prstGeom prst="rect">
+            <a:avLst/>
+          </a:prstGeom>
+          <a:noFill/>
+        </p:spPr>
+        <p:txBody>
+          <a:bodyPr wrap="square" rtlCol="0">
+            <a:spAutoFit/>
+          </a:bodyPr>
+          <a:lstStyle/>
+          <a:p>
+            <a:r>
+              <a:rPr lang="en-US" sz="1600" b="1" dirty="0">
+                <a:solidFill>
+                  <a:srgbClr val="FF0000"/>
+                </a:solidFill>
+              </a:rPr>
+              <a:t>&lt;my-event-card&gt;</a:t>
+            </a:r>
+          </a:p>
+        </p:txBody>
+      </p:sp>
+      <p:sp>
+        <p:nvSpPr>
+          <p:cNvPr id="43" name="Rectangle: Rounded Corners 42">
+            <a:extLst>
+              <a:ext uri="{FF2B5EF4-FFF2-40B4-BE49-F238E27FC236}">
+                <a16:creationId xmlns:a16="http://schemas.microsoft.com/office/drawing/2014/main" id="{9E127CB0-3B05-4677-B389-B76C609C43D8}"/>
+              </a:ext>
+            </a:extLst>
+          </p:cNvPr>
+          <p:cNvSpPr/>
+          <p:nvPr/>
+        </p:nvSpPr>
+        <p:spPr>
+          <a:xfrm>
+            <a:off x="4970135" y="5531360"/>
+            <a:ext cx="1991139" cy="764916"/>
+          </a:xfrm>
+          <a:prstGeom prst="roundRect">
+            <a:avLst/>
+          </a:prstGeom>
+          <a:noFill/>
+          <a:ln w="19050">
+            <a:solidFill>
+              <a:schemeClr val="accent6">
+                <a:lumMod val="75000"/>
+              </a:schemeClr>
+            </a:solidFill>
+            <a:prstDash val="dash"/>
+          </a:ln>
+        </p:spPr>
+        <p:style>
+          <a:lnRef idx="2">
+            <a:schemeClr val="dk1"/>
+          </a:lnRef>
+          <a:fillRef idx="1">
+            <a:schemeClr val="lt1"/>
+          </a:fillRef>
+          <a:effectRef idx="0">
+            <a:schemeClr val="dk1"/>
+          </a:effectRef>
+          <a:fontRef idx="minor">
+            <a:schemeClr val="dk1"/>
+          </a:fontRef>
+        </p:style>
+        <p:txBody>
+          <a:bodyPr rtlCol="0" anchor="ctr"/>
+          <a:lstStyle/>
+          <a:p>
+            <a:pPr algn="ctr"/>
+            <a:endParaRPr lang="en-US" dirty="0">
+              <a:ln>
+                <a:solidFill>
+                  <a:srgbClr val="FF0000"/>
+                </a:solidFill>
+              </a:ln>
+              <a:solidFill>
+                <a:srgbClr val="00B050"/>
+              </a:solidFill>
+            </a:endParaRPr>
+          </a:p>
+        </p:txBody>
+      </p:sp>
+      <p:sp>
+        <p:nvSpPr>
+          <p:cNvPr id="44" name="TextBox 43">
+            <a:extLst>
+              <a:ext uri="{FF2B5EF4-FFF2-40B4-BE49-F238E27FC236}">
+                <a16:creationId xmlns:a16="http://schemas.microsoft.com/office/drawing/2014/main" id="{8949838B-26B9-4B27-8D63-3ED59EBA683B}"/>
+              </a:ext>
+            </a:extLst>
+          </p:cNvPr>
+          <p:cNvSpPr txBox="1"/>
+          <p:nvPr/>
+        </p:nvSpPr>
+        <p:spPr>
+          <a:xfrm>
+            <a:off x="4970135" y="5619168"/>
+            <a:ext cx="1868557" cy="338554"/>
+          </a:xfrm>
+          <a:prstGeom prst="rect">
+            <a:avLst/>
+          </a:prstGeom>
+          <a:noFill/>
+        </p:spPr>
+        <p:txBody>
+          <a:bodyPr wrap="square" rtlCol="0">
+            <a:spAutoFit/>
+          </a:bodyPr>
+          <a:lstStyle/>
+          <a:p>
+            <a:r>
+              <a:rPr lang="en-US" sz="1600" b="1" dirty="0">
+                <a:solidFill>
+                  <a:srgbClr val="FF0000"/>
+                </a:solidFill>
+              </a:rPr>
+              <a:t>&lt;find-event-card&gt;</a:t>
+            </a:r>
+          </a:p>
+        </p:txBody>
+      </p:sp>
+      <p:sp>
+        <p:nvSpPr>
+          <p:cNvPr id="45" name="Rectangle: Rounded Corners 44">
+            <a:extLst>
+              <a:ext uri="{FF2B5EF4-FFF2-40B4-BE49-F238E27FC236}">
+                <a16:creationId xmlns:a16="http://schemas.microsoft.com/office/drawing/2014/main" id="{CB464FEA-DDEE-4C33-86CB-BB000426AC41}"/>
+              </a:ext>
+            </a:extLst>
+          </p:cNvPr>
+          <p:cNvSpPr/>
+          <p:nvPr/>
+        </p:nvSpPr>
+        <p:spPr>
+          <a:xfrm>
+            <a:off x="8055304" y="5494606"/>
+            <a:ext cx="1991139" cy="764916"/>
+          </a:xfrm>
+          <a:prstGeom prst="roundRect">
+            <a:avLst/>
+          </a:prstGeom>
+          <a:noFill/>
+          <a:ln w="19050">
+            <a:solidFill>
+              <a:schemeClr val="accent6">
+                <a:lumMod val="75000"/>
+              </a:schemeClr>
+            </a:solidFill>
+            <a:prstDash val="dash"/>
+          </a:ln>
+        </p:spPr>
+        <p:style>
+          <a:lnRef idx="2">
+            <a:schemeClr val="dk1"/>
+          </a:lnRef>
+          <a:fillRef idx="1">
+            <a:schemeClr val="lt1"/>
+          </a:fillRef>
+          <a:effectRef idx="0">
+            <a:schemeClr val="dk1"/>
+          </a:effectRef>
+          <a:fontRef idx="minor">
+            <a:schemeClr val="dk1"/>
+          </a:fontRef>
+        </p:style>
+        <p:txBody>
+          <a:bodyPr rtlCol="0" anchor="ctr"/>
+          <a:lstStyle/>
+          <a:p>
+            <a:pPr algn="ctr"/>
+            <a:endParaRPr lang="en-US" dirty="0">
+              <a:ln>
+                <a:solidFill>
+                  <a:srgbClr val="FF0000"/>
+                </a:solidFill>
+              </a:ln>
+              <a:solidFill>
+                <a:srgbClr val="00B050"/>
+              </a:solidFill>
+            </a:endParaRPr>
+          </a:p>
+        </p:txBody>
+      </p:sp>
+      <p:sp>
+        <p:nvSpPr>
           <p:cNvPr id="46" name="TextBox 45">
             <a:extLst>
               <a:ext uri="{FF2B5EF4-FFF2-40B4-BE49-F238E27FC236}">
-                <a16:creationId xmlns:a16="http://schemas.microsoft.com/office/drawing/2014/main" id="{A0A8692C-E733-460E-A30A-D4EF0185416D}"/>
-              </a:ext>
-            </a:extLst>
-          </p:cNvPr>
-          <p:cNvSpPr txBox="1"/>
-          <p:nvPr/>
-        </p:nvSpPr>
-        <p:spPr>
-          <a:xfrm>
-            <a:off x="2034319" y="2487076"/>
-            <a:ext cx="1129379" cy="338554"/>
+                <a16:creationId xmlns:a16="http://schemas.microsoft.com/office/drawing/2014/main" id="{25918E8E-D16F-440E-BCB3-8CE1846D7482}"/>
+              </a:ext>
+            </a:extLst>
+          </p:cNvPr>
+          <p:cNvSpPr txBox="1"/>
+          <p:nvPr/>
+        </p:nvSpPr>
+        <p:spPr>
+          <a:xfrm>
+            <a:off x="8055304" y="5582414"/>
+            <a:ext cx="1868557" cy="338554"/>
+          </a:xfrm>
+          <a:prstGeom prst="rect">
+            <a:avLst/>
+          </a:prstGeom>
+          <a:noFill/>
+        </p:spPr>
+        <p:txBody>
+          <a:bodyPr wrap="square" rtlCol="0">
+            <a:spAutoFit/>
+          </a:bodyPr>
+          <a:lstStyle/>
+          <a:p>
+            <a:r>
+              <a:rPr lang="en-US" sz="1600" b="1" dirty="0">
+                <a:solidFill>
+                  <a:srgbClr val="FF0000"/>
+                </a:solidFill>
+              </a:rPr>
+              <a:t>&lt;category-card&gt;</a:t>
+            </a:r>
+          </a:p>
+        </p:txBody>
+      </p:sp>
+      <p:cxnSp>
+        <p:nvCxnSpPr>
+          <p:cNvPr id="47" name="Straight Arrow Connector 46">
+            <a:extLst>
+              <a:ext uri="{FF2B5EF4-FFF2-40B4-BE49-F238E27FC236}">
+                <a16:creationId xmlns:a16="http://schemas.microsoft.com/office/drawing/2014/main" id="{8E8E6CA9-5F59-4D43-BC56-4F2D66DF8405}"/>
+              </a:ext>
+            </a:extLst>
+          </p:cNvPr>
+          <p:cNvCxnSpPr>
+            <a:cxnSpLocks/>
+          </p:cNvCxnSpPr>
+          <p:nvPr/>
+        </p:nvCxnSpPr>
+        <p:spPr>
+          <a:xfrm>
+            <a:off x="2521809" y="4832328"/>
+            <a:ext cx="0" cy="662278"/>
+          </a:xfrm>
+          <a:prstGeom prst="straightConnector1">
+            <a:avLst/>
+          </a:prstGeom>
+          <a:ln w="12700">
+            <a:tailEnd type="triangle"/>
+          </a:ln>
+        </p:spPr>
+        <p:style>
+          <a:lnRef idx="1">
+            <a:schemeClr val="accent1"/>
+          </a:lnRef>
+          <a:fillRef idx="0">
+            <a:schemeClr val="accent1"/>
+          </a:fillRef>
+          <a:effectRef idx="0">
+            <a:schemeClr val="accent1"/>
+          </a:effectRef>
+          <a:fontRef idx="minor">
+            <a:schemeClr val="tx1"/>
+          </a:fontRef>
+        </p:style>
+      </p:cxnSp>
+      <p:cxnSp>
+        <p:nvCxnSpPr>
+          <p:cNvPr id="48" name="Straight Arrow Connector 47">
+            <a:extLst>
+              <a:ext uri="{FF2B5EF4-FFF2-40B4-BE49-F238E27FC236}">
+                <a16:creationId xmlns:a16="http://schemas.microsoft.com/office/drawing/2014/main" id="{52244796-3946-4FE9-9782-6E13CCB1526B}"/>
+              </a:ext>
+            </a:extLst>
+          </p:cNvPr>
+          <p:cNvCxnSpPr>
+            <a:cxnSpLocks/>
+          </p:cNvCxnSpPr>
+          <p:nvPr/>
+        </p:nvCxnSpPr>
+        <p:spPr>
+          <a:xfrm>
+            <a:off x="6086644" y="4852538"/>
+            <a:ext cx="0" cy="662278"/>
+          </a:xfrm>
+          <a:prstGeom prst="straightConnector1">
+            <a:avLst/>
+          </a:prstGeom>
+          <a:ln w="12700">
+            <a:tailEnd type="triangle"/>
+          </a:ln>
+        </p:spPr>
+        <p:style>
+          <a:lnRef idx="1">
+            <a:schemeClr val="accent1"/>
+          </a:lnRef>
+          <a:fillRef idx="0">
+            <a:schemeClr val="accent1"/>
+          </a:fillRef>
+          <a:effectRef idx="0">
+            <a:schemeClr val="accent1"/>
+          </a:effectRef>
+          <a:fontRef idx="minor">
+            <a:schemeClr val="tx1"/>
+          </a:fontRef>
+        </p:style>
+      </p:cxnSp>
+      <p:cxnSp>
+        <p:nvCxnSpPr>
+          <p:cNvPr id="49" name="Straight Arrow Connector 48">
+            <a:extLst>
+              <a:ext uri="{FF2B5EF4-FFF2-40B4-BE49-F238E27FC236}">
+                <a16:creationId xmlns:a16="http://schemas.microsoft.com/office/drawing/2014/main" id="{C7F378FA-4EC0-4AFE-A7DB-787C4D6D90D2}"/>
+              </a:ext>
+            </a:extLst>
+          </p:cNvPr>
+          <p:cNvCxnSpPr>
+            <a:cxnSpLocks/>
+          </p:cNvCxnSpPr>
+          <p:nvPr/>
+        </p:nvCxnSpPr>
+        <p:spPr>
+          <a:xfrm>
+            <a:off x="9161148" y="4832328"/>
+            <a:ext cx="0" cy="662278"/>
+          </a:xfrm>
+          <a:prstGeom prst="straightConnector1">
+            <a:avLst/>
+          </a:prstGeom>
+          <a:ln w="12700">
+            <a:tailEnd type="triangle"/>
+          </a:ln>
+        </p:spPr>
+        <p:style>
+          <a:lnRef idx="1">
+            <a:schemeClr val="accent1"/>
+          </a:lnRef>
+          <a:fillRef idx="0">
+            <a:schemeClr val="accent1"/>
+          </a:fillRef>
+          <a:effectRef idx="0">
+            <a:schemeClr val="accent1"/>
+          </a:effectRef>
+          <a:fontRef idx="minor">
+            <a:schemeClr val="tx1"/>
+          </a:fontRef>
+        </p:style>
+      </p:cxnSp>
+      <p:sp>
+        <p:nvSpPr>
+          <p:cNvPr id="50" name="TextBox 49">
+            <a:extLst>
+              <a:ext uri="{FF2B5EF4-FFF2-40B4-BE49-F238E27FC236}">
+                <a16:creationId xmlns:a16="http://schemas.microsoft.com/office/drawing/2014/main" id="{3C32E8F7-2FB3-421C-9D2D-D3674C1FCCA5}"/>
+              </a:ext>
+            </a:extLst>
+          </p:cNvPr>
+          <p:cNvSpPr txBox="1"/>
+          <p:nvPr/>
+        </p:nvSpPr>
+        <p:spPr>
+          <a:xfrm>
+            <a:off x="1660238" y="5111026"/>
+            <a:ext cx="802733" cy="338554"/>
           </a:xfrm>
           <a:prstGeom prst="rect">
             <a:avLst/>
@@ -8300,70 +7327,35 @@
       </p:sp>
       <p:sp>
         <p:nvSpPr>
-          <p:cNvPr id="47" name="TextBox 46">
-            <a:extLst>
-              <a:ext uri="{FF2B5EF4-FFF2-40B4-BE49-F238E27FC236}">
-                <a16:creationId xmlns:a16="http://schemas.microsoft.com/office/drawing/2014/main" id="{CE56E51E-54C4-490B-801F-BDC8FFABA4B9}"/>
-              </a:ext>
-            </a:extLst>
-          </p:cNvPr>
-          <p:cNvSpPr txBox="1"/>
-          <p:nvPr/>
-        </p:nvSpPr>
-        <p:spPr>
-          <a:xfrm>
-            <a:off x="2060625" y="3167536"/>
-            <a:ext cx="1025265" cy="338554"/>
-          </a:xfrm>
-          <a:prstGeom prst="rect">
-            <a:avLst/>
-          </a:prstGeom>
-          <a:noFill/>
-        </p:spPr>
-        <p:txBody>
-          <a:bodyPr wrap="square" rtlCol="0">
-            <a:spAutoFit/>
-          </a:bodyPr>
-          <a:lstStyle/>
-          <a:p>
-            <a:r>
-              <a:rPr lang="en-US" sz="1600" dirty="0"/>
-              <a:t>my-event</a:t>
-            </a:r>
-          </a:p>
-        </p:txBody>
-      </p:sp>
-      <p:sp>
-        <p:nvSpPr>
           <p:cNvPr id="51" name="TextBox 50">
             <a:extLst>
               <a:ext uri="{FF2B5EF4-FFF2-40B4-BE49-F238E27FC236}">
-                <a16:creationId xmlns:a16="http://schemas.microsoft.com/office/drawing/2014/main" id="{7F828876-0E88-4442-AF2E-B255465F6AD1}"/>
-              </a:ext>
-            </a:extLst>
-          </p:cNvPr>
-          <p:cNvSpPr txBox="1"/>
-          <p:nvPr/>
-        </p:nvSpPr>
-        <p:spPr>
-          <a:xfrm>
-            <a:off x="6261660" y="766656"/>
-            <a:ext cx="1903725" cy="338554"/>
-          </a:xfrm>
-          <a:prstGeom prst="rect">
-            <a:avLst/>
-          </a:prstGeom>
-          <a:noFill/>
-        </p:spPr>
-        <p:txBody>
-          <a:bodyPr wrap="square" rtlCol="0">
-            <a:spAutoFit/>
-          </a:bodyPr>
-          <a:lstStyle/>
-          <a:p>
-            <a:r>
-              <a:rPr lang="en-US" sz="1600" dirty="0"/>
-              <a:t>my-event-info[]</a:t>
+                <a16:creationId xmlns:a16="http://schemas.microsoft.com/office/drawing/2014/main" id="{75B3A40B-A802-4729-AE12-9BAC9C9F15B9}"/>
+              </a:ext>
+            </a:extLst>
+          </p:cNvPr>
+          <p:cNvSpPr txBox="1"/>
+          <p:nvPr/>
+        </p:nvSpPr>
+        <p:spPr>
+          <a:xfrm>
+            <a:off x="2578221" y="5095637"/>
+            <a:ext cx="1582188" cy="369332"/>
+          </a:xfrm>
+          <a:prstGeom prst="rect">
+            <a:avLst/>
+          </a:prstGeom>
+          <a:noFill/>
+        </p:spPr>
+        <p:txBody>
+          <a:bodyPr wrap="square" rtlCol="0">
+            <a:spAutoFit/>
+          </a:bodyPr>
+          <a:lstStyle/>
+          <a:p>
+            <a:r>
+              <a:rPr lang="en-US" sz="1800" dirty="0"/>
+              <a:t>my-event-info</a:t>
             </a:r>
           </a:p>
         </p:txBody>
@@ -8373,102 +7365,149 @@
           <p:cNvPr id="52" name="TextBox 51">
             <a:extLst>
               <a:ext uri="{FF2B5EF4-FFF2-40B4-BE49-F238E27FC236}">
-                <a16:creationId xmlns:a16="http://schemas.microsoft.com/office/drawing/2014/main" id="{1B1382C8-7750-43A6-91A8-68E429923F4A}"/>
-              </a:ext>
-            </a:extLst>
-          </p:cNvPr>
-          <p:cNvSpPr txBox="1"/>
-          <p:nvPr/>
-        </p:nvSpPr>
-        <p:spPr>
-          <a:xfrm>
-            <a:off x="8156061" y="886037"/>
-            <a:ext cx="1903725" cy="338554"/>
-          </a:xfrm>
-          <a:prstGeom prst="rect">
-            <a:avLst/>
-          </a:prstGeom>
-          <a:noFill/>
-        </p:spPr>
-        <p:txBody>
-          <a:bodyPr wrap="square" rtlCol="0">
-            <a:spAutoFit/>
-          </a:bodyPr>
-          <a:lstStyle/>
-          <a:p>
-            <a:r>
-              <a:rPr lang="en-US" sz="1600" dirty="0"/>
-              <a:t>my-event-info[]</a:t>
-            </a:r>
-          </a:p>
-        </p:txBody>
-      </p:sp>
-      <p:sp>
-        <p:nvSpPr>
-          <p:cNvPr id="56" name="TextBox 55">
-            <a:extLst>
-              <a:ext uri="{FF2B5EF4-FFF2-40B4-BE49-F238E27FC236}">
-                <a16:creationId xmlns:a16="http://schemas.microsoft.com/office/drawing/2014/main" id="{044279C8-6E13-459F-9843-CCFFBF048DE4}"/>
-              </a:ext>
-            </a:extLst>
-          </p:cNvPr>
-          <p:cNvSpPr txBox="1"/>
-          <p:nvPr/>
-        </p:nvSpPr>
-        <p:spPr>
-          <a:xfrm>
-            <a:off x="8333577" y="2541918"/>
-            <a:ext cx="1903725" cy="338554"/>
-          </a:xfrm>
-          <a:prstGeom prst="rect">
-            <a:avLst/>
-          </a:prstGeom>
-          <a:noFill/>
-        </p:spPr>
-        <p:txBody>
-          <a:bodyPr wrap="square" rtlCol="0">
-            <a:spAutoFit/>
-          </a:bodyPr>
-          <a:lstStyle/>
-          <a:p>
-            <a:r>
-              <a:rPr lang="en-US" sz="1600" dirty="0"/>
-              <a:t>my-event-info[]</a:t>
-            </a:r>
-          </a:p>
-        </p:txBody>
-      </p:sp>
-      <p:sp>
-        <p:nvSpPr>
-          <p:cNvPr id="57" name="TextBox 56">
-            <a:extLst>
-              <a:ext uri="{FF2B5EF4-FFF2-40B4-BE49-F238E27FC236}">
-                <a16:creationId xmlns:a16="http://schemas.microsoft.com/office/drawing/2014/main" id="{BAB94BFB-9EF6-4FD9-97FD-73ADF006740D}"/>
-              </a:ext>
-            </a:extLst>
-          </p:cNvPr>
-          <p:cNvSpPr txBox="1"/>
-          <p:nvPr/>
-        </p:nvSpPr>
-        <p:spPr>
-          <a:xfrm>
-            <a:off x="9956231" y="2370415"/>
-            <a:ext cx="1903725" cy="338554"/>
-          </a:xfrm>
-          <a:prstGeom prst="rect">
-            <a:avLst/>
-          </a:prstGeom>
-          <a:noFill/>
-        </p:spPr>
-        <p:txBody>
-          <a:bodyPr wrap="square" rtlCol="0">
-            <a:spAutoFit/>
-          </a:bodyPr>
-          <a:lstStyle/>
-          <a:p>
-            <a:r>
-              <a:rPr lang="en-US" sz="1600" dirty="0"/>
-              <a:t>my-event-info[]</a:t>
+                <a16:creationId xmlns:a16="http://schemas.microsoft.com/office/drawing/2014/main" id="{8731E349-472A-4EEC-B51E-A6C06870D772}"/>
+              </a:ext>
+            </a:extLst>
+          </p:cNvPr>
+          <p:cNvSpPr txBox="1"/>
+          <p:nvPr/>
+        </p:nvSpPr>
+        <p:spPr>
+          <a:xfrm>
+            <a:off x="5302624" y="5072173"/>
+            <a:ext cx="802733" cy="338554"/>
+          </a:xfrm>
+          <a:prstGeom prst="rect">
+            <a:avLst/>
+          </a:prstGeom>
+          <a:noFill/>
+        </p:spPr>
+        <p:txBody>
+          <a:bodyPr wrap="square" rtlCol="0">
+            <a:spAutoFit/>
+          </a:bodyPr>
+          <a:lstStyle/>
+          <a:p>
+            <a:r>
+              <a:rPr lang="en-US" sz="1600" b="1" dirty="0">
+                <a:solidFill>
+                  <a:schemeClr val="accent6">
+                    <a:lumMod val="75000"/>
+                  </a:schemeClr>
+                </a:solidFill>
+              </a:rPr>
+              <a:t>PROPS</a:t>
+            </a:r>
+          </a:p>
+        </p:txBody>
+      </p:sp>
+      <p:sp>
+        <p:nvSpPr>
+          <p:cNvPr id="53" name="TextBox 52">
+            <a:extLst>
+              <a:ext uri="{FF2B5EF4-FFF2-40B4-BE49-F238E27FC236}">
+                <a16:creationId xmlns:a16="http://schemas.microsoft.com/office/drawing/2014/main" id="{951750F7-6AEB-4C7A-90FD-DAD94E51CD54}"/>
+              </a:ext>
+            </a:extLst>
+          </p:cNvPr>
+          <p:cNvSpPr txBox="1"/>
+          <p:nvPr/>
+        </p:nvSpPr>
+        <p:spPr>
+          <a:xfrm>
+            <a:off x="6060420" y="5056784"/>
+            <a:ext cx="1582188" cy="369332"/>
+          </a:xfrm>
+          <a:prstGeom prst="rect">
+            <a:avLst/>
+          </a:prstGeom>
+          <a:noFill/>
+        </p:spPr>
+        <p:txBody>
+          <a:bodyPr wrap="square" rtlCol="0">
+            <a:spAutoFit/>
+          </a:bodyPr>
+          <a:lstStyle/>
+          <a:p>
+            <a:r>
+              <a:rPr lang="en-US" sz="1800" dirty="0"/>
+              <a:t>my-event-info</a:t>
+            </a:r>
+          </a:p>
+        </p:txBody>
+      </p:sp>
+      <p:sp>
+        <p:nvSpPr>
+          <p:cNvPr id="58" name="TextBox 57">
+            <a:extLst>
+              <a:ext uri="{FF2B5EF4-FFF2-40B4-BE49-F238E27FC236}">
+                <a16:creationId xmlns:a16="http://schemas.microsoft.com/office/drawing/2014/main" id="{AB648C89-02F1-495E-9603-4CEBF3F9E1D8}"/>
+              </a:ext>
+            </a:extLst>
+          </p:cNvPr>
+          <p:cNvSpPr txBox="1"/>
+          <p:nvPr/>
+        </p:nvSpPr>
+        <p:spPr>
+          <a:xfrm>
+            <a:off x="8403352" y="5056695"/>
+            <a:ext cx="802733" cy="338554"/>
+          </a:xfrm>
+          <a:prstGeom prst="rect">
+            <a:avLst/>
+          </a:prstGeom>
+          <a:noFill/>
+        </p:spPr>
+        <p:txBody>
+          <a:bodyPr wrap="square" rtlCol="0">
+            <a:spAutoFit/>
+          </a:bodyPr>
+          <a:lstStyle/>
+          <a:p>
+            <a:r>
+              <a:rPr lang="en-US" sz="1600" b="1" dirty="0">
+                <a:solidFill>
+                  <a:schemeClr val="accent6">
+                    <a:lumMod val="75000"/>
+                  </a:schemeClr>
+                </a:solidFill>
+              </a:rPr>
+              <a:t>PROPS</a:t>
+            </a:r>
+          </a:p>
+        </p:txBody>
+      </p:sp>
+      <p:sp>
+        <p:nvSpPr>
+          <p:cNvPr id="59" name="TextBox 58">
+            <a:extLst>
+              <a:ext uri="{FF2B5EF4-FFF2-40B4-BE49-F238E27FC236}">
+                <a16:creationId xmlns:a16="http://schemas.microsoft.com/office/drawing/2014/main" id="{7E116CA8-B8E2-407E-B37F-4CEFF51D4CDC}"/>
+              </a:ext>
+            </a:extLst>
+          </p:cNvPr>
+          <p:cNvSpPr txBox="1"/>
+          <p:nvPr/>
+        </p:nvSpPr>
+        <p:spPr>
+          <a:xfrm>
+            <a:off x="9161148" y="5041306"/>
+            <a:ext cx="1582188" cy="369332"/>
+          </a:xfrm>
+          <a:prstGeom prst="rect">
+            <a:avLst/>
+          </a:prstGeom>
+          <a:noFill/>
+        </p:spPr>
+        <p:txBody>
+          <a:bodyPr wrap="square" rtlCol="0">
+            <a:spAutoFit/>
+          </a:bodyPr>
+          <a:lstStyle/>
+          <a:p>
+            <a:r>
+              <a:rPr lang="en-US" sz="1800" dirty="0"/>
+              <a:t>category-info</a:t>
             </a:r>
           </a:p>
         </p:txBody>
@@ -8476,7 +7515,7 @@
     </p:spTree>
     <p:extLst>
       <p:ext uri="{BB962C8B-B14F-4D97-AF65-F5344CB8AC3E}">
-        <p14:creationId xmlns:p14="http://schemas.microsoft.com/office/powerpoint/2010/main" val="3439543303"/>
+        <p14:creationId xmlns:p14="http://schemas.microsoft.com/office/powerpoint/2010/main" val="3554060989"/>
       </p:ext>
     </p:extLst>
   </p:cSld>
@@ -8517,7 +7556,7 @@
         </p:nvSpPr>
         <p:spPr>
           <a:xfrm>
-            <a:off x="6267451" y="398137"/>
+            <a:off x="6267451" y="888463"/>
             <a:ext cx="1964366" cy="853846"/>
           </a:xfrm>
           <a:prstGeom prst="roundRect">
@@ -8574,7 +7613,7 @@
         </p:nvSpPr>
         <p:spPr>
           <a:xfrm>
-            <a:off x="6756385" y="481724"/>
+            <a:off x="6756385" y="972050"/>
             <a:ext cx="760218" cy="338554"/>
           </a:xfrm>
           <a:prstGeom prst="rect">
@@ -8613,7 +7652,7 @@
         </p:nvSpPr>
         <p:spPr>
           <a:xfrm>
-            <a:off x="8239202" y="709656"/>
+            <a:off x="8239202" y="1199982"/>
             <a:ext cx="715215" cy="264105"/>
           </a:xfrm>
           <a:prstGeom prst="rightArrow">
@@ -8662,7 +7701,7 @@
         </p:nvSpPr>
         <p:spPr>
           <a:xfrm>
-            <a:off x="8156061" y="391086"/>
+            <a:off x="8156061" y="881412"/>
             <a:ext cx="1129379" cy="338554"/>
           </a:xfrm>
           <a:prstGeom prst="rect">
@@ -8739,7 +7778,7 @@
         </p:nvSpPr>
         <p:spPr>
           <a:xfrm>
-            <a:off x="9787773" y="2063866"/>
+            <a:off x="9787773" y="2554192"/>
             <a:ext cx="1964366" cy="853846"/>
           </a:xfrm>
           <a:prstGeom prst="roundRect">
@@ -8796,7 +7835,7 @@
         </p:nvSpPr>
         <p:spPr>
           <a:xfrm>
-            <a:off x="9895590" y="2063866"/>
+            <a:off x="9895590" y="2554192"/>
             <a:ext cx="1774544" cy="338554"/>
           </a:xfrm>
           <a:prstGeom prst="rect">
@@ -8816,7 +7855,7 @@
                   <a:srgbClr val="FF0000"/>
                 </a:solidFill>
               </a:rPr>
-              <a:t>&lt;category-view&gt;</a:t>
+              <a:t>&lt;my-event-view&gt;</a:t>
             </a:r>
           </a:p>
         </p:txBody>
@@ -8835,7 +7874,7 @@
         </p:nvSpPr>
         <p:spPr>
           <a:xfrm>
-            <a:off x="9063369" y="2324469"/>
+            <a:off x="9063369" y="2814795"/>
             <a:ext cx="715215" cy="264105"/>
           </a:xfrm>
           <a:prstGeom prst="rightArrow">
@@ -8884,7 +7923,7 @@
         </p:nvSpPr>
         <p:spPr>
           <a:xfrm>
-            <a:off x="9054180" y="2008479"/>
+            <a:off x="9054180" y="2498805"/>
             <a:ext cx="917448" cy="338554"/>
           </a:xfrm>
           <a:prstGeom prst="rect">
@@ -8925,7 +7964,7 @@
         </p:nvSpPr>
         <p:spPr>
           <a:xfrm>
-            <a:off x="6352509" y="1335570"/>
+            <a:off x="6352509" y="1825896"/>
             <a:ext cx="4383329" cy="338554"/>
           </a:xfrm>
           <a:prstGeom prst="rect">
@@ -8953,7 +7992,7 @@
             </a:r>
             <a:r>
               <a:rPr lang="en-US" sz="1600" dirty="0"/>
-              <a:t>provides category information to anymore</a:t>
+              <a:t>provides my-event information to anymore</a:t>
             </a:r>
           </a:p>
         </p:txBody>
@@ -8972,7 +8011,7 @@
         </p:nvSpPr>
         <p:spPr>
           <a:xfrm>
-            <a:off x="5917415" y="4111137"/>
+            <a:off x="5917415" y="4601463"/>
             <a:ext cx="2645466" cy="684786"/>
           </a:xfrm>
           <a:prstGeom prst="roundRect">
@@ -9029,7 +8068,7 @@
         </p:nvSpPr>
         <p:spPr>
           <a:xfrm>
-            <a:off x="6622498" y="4292390"/>
+            <a:off x="6622498" y="4782716"/>
             <a:ext cx="1427751" cy="338554"/>
           </a:xfrm>
           <a:prstGeom prst="rect">
@@ -9068,7 +8107,7 @@
         </p:nvSpPr>
         <p:spPr>
           <a:xfrm>
-            <a:off x="6035013" y="5087367"/>
+            <a:off x="6035013" y="5577693"/>
             <a:ext cx="2911350" cy="338554"/>
           </a:xfrm>
           <a:prstGeom prst="rect">
@@ -9103,7 +8142,7 @@
         </p:nvSpPr>
         <p:spPr>
           <a:xfrm>
-            <a:off x="1199332" y="481724"/>
+            <a:off x="1199332" y="972050"/>
             <a:ext cx="1964366" cy="853846"/>
           </a:xfrm>
           <a:prstGeom prst="roundRect">
@@ -9160,7 +8199,7 @@
         </p:nvSpPr>
         <p:spPr>
           <a:xfrm>
-            <a:off x="1688266" y="565311"/>
+            <a:off x="1688266" y="1055637"/>
             <a:ext cx="760218" cy="338554"/>
           </a:xfrm>
           <a:prstGeom prst="rect">
@@ -9199,7 +8238,7 @@
         </p:nvSpPr>
         <p:spPr>
           <a:xfrm>
-            <a:off x="1199332" y="834007"/>
+            <a:off x="1199332" y="1324333"/>
             <a:ext cx="1903725" cy="338554"/>
           </a:xfrm>
           <a:prstGeom prst="rect">
@@ -9215,7 +8254,7 @@
           <a:p>
             <a:r>
               <a:rPr lang="en-US" sz="1600" dirty="0"/>
-              <a:t>category-info[]</a:t>
+              <a:t>my-event-info[]</a:t>
             </a:r>
           </a:p>
         </p:txBody>
@@ -9234,7 +8273,7 @@
         </p:nvSpPr>
         <p:spPr>
           <a:xfrm>
-            <a:off x="521866" y="1527709"/>
+            <a:off x="521866" y="2018035"/>
             <a:ext cx="4606724" cy="584775"/>
           </a:xfrm>
           <a:prstGeom prst="rect">
@@ -9250,7 +8289,7 @@
           <a:p>
             <a:r>
               <a:rPr lang="en-US" sz="1600" dirty="0"/>
-              <a:t>// A component with a list of category information as data</a:t>
+              <a:t>// A component with a list of my-event information as data</a:t>
             </a:r>
           </a:p>
         </p:txBody>
@@ -9269,7 +8308,7 @@
         </p:nvSpPr>
         <p:spPr>
           <a:xfrm>
-            <a:off x="6756385" y="3039879"/>
+            <a:off x="6756385" y="3530205"/>
             <a:ext cx="5371852" cy="338554"/>
           </a:xfrm>
           <a:prstGeom prst="rect">
@@ -9285,7 +8324,7 @@
           <a:p>
             <a:r>
               <a:rPr lang="en-US" sz="1600" dirty="0"/>
-              <a:t>//</a:t>
+              <a:t>// </a:t>
             </a:r>
             <a:r>
               <a:rPr lang="en-US" sz="1600" dirty="0">
@@ -9293,7 +8332,7 @@
                   <a:srgbClr val="FF0000"/>
                 </a:solidFill>
               </a:rPr>
-              <a:t>category-view </a:t>
+              <a:t>my-event view </a:t>
             </a:r>
             <a:r>
               <a:rPr lang="en-US" sz="1600" dirty="0"/>
@@ -9373,7 +8412,7 @@
         </p:nvSpPr>
         <p:spPr>
           <a:xfrm>
-            <a:off x="587417" y="2672161"/>
+            <a:off x="587417" y="3162487"/>
             <a:ext cx="760218" cy="338554"/>
           </a:xfrm>
           <a:prstGeom prst="rect">
@@ -9412,7 +8451,7 @@
         </p:nvSpPr>
         <p:spPr>
           <a:xfrm>
-            <a:off x="3103057" y="2612956"/>
+            <a:off x="3103057" y="3103282"/>
             <a:ext cx="1964366" cy="853846"/>
           </a:xfrm>
           <a:prstGeom prst="roundRect">
@@ -9469,7 +8508,7 @@
         </p:nvSpPr>
         <p:spPr>
           <a:xfrm>
-            <a:off x="3041890" y="2696543"/>
+            <a:off x="3041890" y="3186869"/>
             <a:ext cx="1964366" cy="338554"/>
           </a:xfrm>
           <a:prstGeom prst="rect">
@@ -9490,7 +8529,7 @@
                   <a:srgbClr val="FF0000"/>
                 </a:solidFill>
               </a:rPr>
-              <a:t>&lt;category-card&gt;</a:t>
+              <a:t>&lt;my-event-card&gt;</a:t>
             </a:r>
           </a:p>
         </p:txBody>
@@ -9566,7 +8605,7 @@
         </p:nvSpPr>
         <p:spPr>
           <a:xfrm>
-            <a:off x="587417" y="4690149"/>
+            <a:off x="587417" y="5180475"/>
             <a:ext cx="983404" cy="338554"/>
           </a:xfrm>
           <a:prstGeom prst="rect">
@@ -9605,7 +8644,7 @@
         </p:nvSpPr>
         <p:spPr>
           <a:xfrm>
-            <a:off x="3103057" y="4630944"/>
+            <a:off x="3103057" y="5121270"/>
             <a:ext cx="1964366" cy="853846"/>
           </a:xfrm>
           <a:prstGeom prst="roundRect">
@@ -9662,7 +8701,7 @@
         </p:nvSpPr>
         <p:spPr>
           <a:xfrm>
-            <a:off x="3103056" y="4714531"/>
+            <a:off x="3103056" y="5204857"/>
             <a:ext cx="2004693" cy="338554"/>
           </a:xfrm>
           <a:prstGeom prst="rect">
@@ -9683,7 +8722,7 @@
                   <a:srgbClr val="FF0000"/>
                 </a:solidFill>
               </a:rPr>
-              <a:t>&lt;category-form&gt;</a:t>
+              <a:t>&lt;my-event-form&gt;</a:t>
             </a:r>
           </a:p>
         </p:txBody>
@@ -9702,7 +8741,7 @@
         </p:nvSpPr>
         <p:spPr>
           <a:xfrm>
-            <a:off x="195712" y="2996583"/>
+            <a:off x="195712" y="3486909"/>
             <a:ext cx="1903725" cy="338554"/>
           </a:xfrm>
           <a:prstGeom prst="rect">
@@ -9718,7 +8757,7 @@
           <a:p>
             <a:r>
               <a:rPr lang="en-US" sz="1600" dirty="0"/>
-              <a:t>category-info[]</a:t>
+              <a:t>my-event-info[]</a:t>
             </a:r>
           </a:p>
         </p:txBody>
@@ -9737,7 +8776,7 @@
         </p:nvSpPr>
         <p:spPr>
           <a:xfrm>
-            <a:off x="3224865" y="2996583"/>
+            <a:off x="3224865" y="3486909"/>
             <a:ext cx="1903725" cy="338554"/>
           </a:xfrm>
           <a:prstGeom prst="rect">
@@ -9753,7 +8792,7 @@
           <a:p>
             <a:r>
               <a:rPr lang="en-US" sz="1600" dirty="0"/>
-              <a:t>category-info[]</a:t>
+              <a:t>my-event-info[]</a:t>
             </a:r>
           </a:p>
         </p:txBody>
@@ -9772,7 +8811,7 @@
         </p:nvSpPr>
         <p:spPr>
           <a:xfrm>
-            <a:off x="128803" y="4991744"/>
+            <a:off x="128803" y="5482070"/>
             <a:ext cx="1903725" cy="338554"/>
           </a:xfrm>
           <a:prstGeom prst="rect">
@@ -9788,7 +8827,7 @@
           <a:p>
             <a:r>
               <a:rPr lang="en-US" sz="1600" dirty="0"/>
-              <a:t>category-info[]</a:t>
+              <a:t>my-event-info[]</a:t>
             </a:r>
           </a:p>
         </p:txBody>
@@ -9807,7 +8846,7 @@
         </p:nvSpPr>
         <p:spPr>
           <a:xfrm>
-            <a:off x="3177952" y="5023280"/>
+            <a:off x="3177952" y="5513606"/>
             <a:ext cx="1903725" cy="338554"/>
           </a:xfrm>
           <a:prstGeom prst="rect">
@@ -9823,7 +8862,7 @@
           <a:p>
             <a:r>
               <a:rPr lang="en-US" sz="1600" dirty="0"/>
-              <a:t>category-info[]</a:t>
+              <a:t>my-event-info[]</a:t>
             </a:r>
           </a:p>
         </p:txBody>
@@ -9842,7 +8881,7 @@
         </p:nvSpPr>
         <p:spPr>
           <a:xfrm>
-            <a:off x="2099437" y="2781533"/>
+            <a:off x="2099437" y="3271859"/>
             <a:ext cx="804822" cy="458363"/>
           </a:xfrm>
           <a:prstGeom prst="rightArrow">
@@ -9896,7 +8935,7 @@
         </p:nvSpPr>
         <p:spPr>
           <a:xfrm>
-            <a:off x="2034319" y="2487076"/>
+            <a:off x="2034319" y="2977402"/>
             <a:ext cx="1129379" cy="338554"/>
           </a:xfrm>
           <a:prstGeom prst="rect">
@@ -9937,7 +8976,7 @@
         </p:nvSpPr>
         <p:spPr>
           <a:xfrm>
-            <a:off x="2060625" y="3167536"/>
+            <a:off x="2060625" y="3657862"/>
             <a:ext cx="1025265" cy="338554"/>
           </a:xfrm>
           <a:prstGeom prst="rect">
@@ -9972,7 +9011,7 @@
         </p:nvSpPr>
         <p:spPr>
           <a:xfrm>
-            <a:off x="2171614" y="4845585"/>
+            <a:off x="2171614" y="5335911"/>
             <a:ext cx="901122" cy="446490"/>
           </a:xfrm>
           <a:prstGeom prst="leftArrow">
@@ -10021,7 +9060,7 @@
         </p:nvSpPr>
         <p:spPr>
           <a:xfrm>
-            <a:off x="2269826" y="4553061"/>
+            <a:off x="2269826" y="5043387"/>
             <a:ext cx="1129379" cy="338554"/>
           </a:xfrm>
           <a:prstGeom prst="rect">
@@ -10060,7 +9099,7 @@
         </p:nvSpPr>
         <p:spPr>
           <a:xfrm>
-            <a:off x="2138433" y="5184139"/>
+            <a:off x="2138433" y="5674465"/>
             <a:ext cx="1025265" cy="338554"/>
           </a:xfrm>
           <a:prstGeom prst="rect">
@@ -10095,7 +9134,7 @@
         </p:nvSpPr>
         <p:spPr>
           <a:xfrm>
-            <a:off x="195712" y="5883965"/>
+            <a:off x="195712" y="6374291"/>
             <a:ext cx="4637714" cy="369332"/>
           </a:xfrm>
           <a:prstGeom prst="rect">
@@ -10150,7 +9189,2293 @@
         </p:nvSpPr>
         <p:spPr>
           <a:xfrm>
-            <a:off x="6261660" y="766656"/>
+            <a:off x="6261660" y="1256982"/>
+            <a:ext cx="1903725" cy="338554"/>
+          </a:xfrm>
+          <a:prstGeom prst="rect">
+            <a:avLst/>
+          </a:prstGeom>
+          <a:noFill/>
+        </p:spPr>
+        <p:txBody>
+          <a:bodyPr wrap="square" rtlCol="0">
+            <a:spAutoFit/>
+          </a:bodyPr>
+          <a:lstStyle/>
+          <a:p>
+            <a:r>
+              <a:rPr lang="en-US" sz="1600" dirty="0"/>
+              <a:t>my-event-info[]</a:t>
+            </a:r>
+          </a:p>
+        </p:txBody>
+      </p:sp>
+      <p:sp>
+        <p:nvSpPr>
+          <p:cNvPr id="52" name="TextBox 51">
+            <a:extLst>
+              <a:ext uri="{FF2B5EF4-FFF2-40B4-BE49-F238E27FC236}">
+                <a16:creationId xmlns:a16="http://schemas.microsoft.com/office/drawing/2014/main" id="{1B1382C8-7750-43A6-91A8-68E429923F4A}"/>
+              </a:ext>
+            </a:extLst>
+          </p:cNvPr>
+          <p:cNvSpPr txBox="1"/>
+          <p:nvPr/>
+        </p:nvSpPr>
+        <p:spPr>
+          <a:xfrm>
+            <a:off x="8156061" y="1376363"/>
+            <a:ext cx="1903725" cy="338554"/>
+          </a:xfrm>
+          <a:prstGeom prst="rect">
+            <a:avLst/>
+          </a:prstGeom>
+          <a:noFill/>
+        </p:spPr>
+        <p:txBody>
+          <a:bodyPr wrap="square" rtlCol="0">
+            <a:spAutoFit/>
+          </a:bodyPr>
+          <a:lstStyle/>
+          <a:p>
+            <a:r>
+              <a:rPr lang="en-US" sz="1600" dirty="0"/>
+              <a:t>my-event-info[]</a:t>
+            </a:r>
+          </a:p>
+        </p:txBody>
+      </p:sp>
+      <p:sp>
+        <p:nvSpPr>
+          <p:cNvPr id="56" name="TextBox 55">
+            <a:extLst>
+              <a:ext uri="{FF2B5EF4-FFF2-40B4-BE49-F238E27FC236}">
+                <a16:creationId xmlns:a16="http://schemas.microsoft.com/office/drawing/2014/main" id="{044279C8-6E13-459F-9843-CCFFBF048DE4}"/>
+              </a:ext>
+            </a:extLst>
+          </p:cNvPr>
+          <p:cNvSpPr txBox="1"/>
+          <p:nvPr/>
+        </p:nvSpPr>
+        <p:spPr>
+          <a:xfrm>
+            <a:off x="8333577" y="3032244"/>
+            <a:ext cx="1903725" cy="338554"/>
+          </a:xfrm>
+          <a:prstGeom prst="rect">
+            <a:avLst/>
+          </a:prstGeom>
+          <a:noFill/>
+        </p:spPr>
+        <p:txBody>
+          <a:bodyPr wrap="square" rtlCol="0">
+            <a:spAutoFit/>
+          </a:bodyPr>
+          <a:lstStyle/>
+          <a:p>
+            <a:r>
+              <a:rPr lang="en-US" sz="1600" dirty="0"/>
+              <a:t>my-event-info[]</a:t>
+            </a:r>
+          </a:p>
+        </p:txBody>
+      </p:sp>
+      <p:sp>
+        <p:nvSpPr>
+          <p:cNvPr id="57" name="TextBox 56">
+            <a:extLst>
+              <a:ext uri="{FF2B5EF4-FFF2-40B4-BE49-F238E27FC236}">
+                <a16:creationId xmlns:a16="http://schemas.microsoft.com/office/drawing/2014/main" id="{BAB94BFB-9EF6-4FD9-97FD-73ADF006740D}"/>
+              </a:ext>
+            </a:extLst>
+          </p:cNvPr>
+          <p:cNvSpPr txBox="1"/>
+          <p:nvPr/>
+        </p:nvSpPr>
+        <p:spPr>
+          <a:xfrm>
+            <a:off x="9956231" y="2860741"/>
+            <a:ext cx="1903725" cy="338554"/>
+          </a:xfrm>
+          <a:prstGeom prst="rect">
+            <a:avLst/>
+          </a:prstGeom>
+          <a:noFill/>
+        </p:spPr>
+        <p:txBody>
+          <a:bodyPr wrap="square" rtlCol="0">
+            <a:spAutoFit/>
+          </a:bodyPr>
+          <a:lstStyle/>
+          <a:p>
+            <a:r>
+              <a:rPr lang="en-US" sz="1600" dirty="0"/>
+              <a:t>my-event-info[]</a:t>
+            </a:r>
+          </a:p>
+        </p:txBody>
+      </p:sp>
+      <p:sp>
+        <p:nvSpPr>
+          <p:cNvPr id="53" name="TextBox 52">
+            <a:extLst>
+              <a:ext uri="{FF2B5EF4-FFF2-40B4-BE49-F238E27FC236}">
+                <a16:creationId xmlns:a16="http://schemas.microsoft.com/office/drawing/2014/main" id="{8096FABF-AD24-4869-ADCA-4BA7F89C5DC7}"/>
+              </a:ext>
+            </a:extLst>
+          </p:cNvPr>
+          <p:cNvSpPr txBox="1"/>
+          <p:nvPr/>
+        </p:nvSpPr>
+        <p:spPr>
+          <a:xfrm>
+            <a:off x="0" y="132522"/>
+            <a:ext cx="5434218" cy="646331"/>
+          </a:xfrm>
+          <a:prstGeom prst="rect">
+            <a:avLst/>
+          </a:prstGeom>
+          <a:noFill/>
+        </p:spPr>
+        <p:txBody>
+          <a:bodyPr wrap="square" rtlCol="0">
+            <a:spAutoFit/>
+          </a:bodyPr>
+          <a:lstStyle/>
+          <a:p>
+            <a:pPr algn="ctr"/>
+            <a:r>
+              <a:rPr lang="en-US" sz="3600" dirty="0"/>
+              <a:t>My Event</a:t>
+            </a:r>
+          </a:p>
+        </p:txBody>
+      </p:sp>
+    </p:spTree>
+    <p:extLst>
+      <p:ext uri="{BB962C8B-B14F-4D97-AF65-F5344CB8AC3E}">
+        <p14:creationId xmlns:p14="http://schemas.microsoft.com/office/powerpoint/2010/main" val="2254595159"/>
+      </p:ext>
+    </p:extLst>
+  </p:cSld>
+  <p:clrMapOvr>
+    <a:masterClrMapping/>
+  </p:clrMapOvr>
+</p:sld>
+</file>
+
+<file path=ppt/slides/slide6.xml><?xml version="1.0" encoding="utf-8"?>
+<p:sld xmlns:a="http://schemas.openxmlformats.org/drawingml/2006/main" xmlns:r="http://schemas.openxmlformats.org/officeDocument/2006/relationships" xmlns:p="http://schemas.openxmlformats.org/presentationml/2006/main">
+  <p:cSld>
+    <p:spTree>
+      <p:nvGrpSpPr>
+        <p:cNvPr id="1" name=""/>
+        <p:cNvGrpSpPr/>
+        <p:nvPr/>
+      </p:nvGrpSpPr>
+      <p:grpSpPr>
+        <a:xfrm>
+          <a:off x="0" y="0"/>
+          <a:ext cx="0" cy="0"/>
+          <a:chOff x="0" y="0"/>
+          <a:chExt cx="0" cy="0"/>
+        </a:xfrm>
+      </p:grpSpPr>
+      <p:sp>
+        <p:nvSpPr>
+          <p:cNvPr id="4" name="Rectangle: Rounded Corners 3">
+            <a:extLst>
+              <a:ext uri="{FF2B5EF4-FFF2-40B4-BE49-F238E27FC236}">
+                <a16:creationId xmlns:a16="http://schemas.microsoft.com/office/drawing/2014/main" id="{F935ACBB-D1B1-4181-ACC6-524C469439A0}"/>
+              </a:ext>
+            </a:extLst>
+          </p:cNvPr>
+          <p:cNvSpPr/>
+          <p:nvPr/>
+        </p:nvSpPr>
+        <p:spPr>
+          <a:xfrm>
+            <a:off x="6267451" y="1683598"/>
+            <a:ext cx="1964366" cy="853846"/>
+          </a:xfrm>
+          <a:prstGeom prst="roundRect">
+            <a:avLst/>
+          </a:prstGeom>
+          <a:noFill/>
+          <a:ln w="19050">
+            <a:solidFill>
+              <a:schemeClr val="accent6">
+                <a:lumMod val="75000"/>
+              </a:schemeClr>
+            </a:solidFill>
+            <a:prstDash val="dash"/>
+          </a:ln>
+        </p:spPr>
+        <p:style>
+          <a:lnRef idx="2">
+            <a:schemeClr val="dk1"/>
+          </a:lnRef>
+          <a:fillRef idx="1">
+            <a:schemeClr val="lt1"/>
+          </a:fillRef>
+          <a:effectRef idx="0">
+            <a:schemeClr val="dk1"/>
+          </a:effectRef>
+          <a:fontRef idx="minor">
+            <a:schemeClr val="dk1"/>
+          </a:fontRef>
+        </p:style>
+        <p:txBody>
+          <a:bodyPr rtlCol="0" anchor="ctr"/>
+          <a:lstStyle/>
+          <a:p>
+            <a:pPr algn="ctr"/>
+            <a:endParaRPr lang="en-US" dirty="0">
+              <a:solidFill>
+                <a:srgbClr val="00B050"/>
+              </a:solidFill>
+            </a:endParaRPr>
+          </a:p>
+        </p:txBody>
+      </p:sp>
+      <p:sp>
+        <p:nvSpPr>
+          <p:cNvPr id="5" name="TextBox 4">
+            <a:extLst>
+              <a:ext uri="{FF2B5EF4-FFF2-40B4-BE49-F238E27FC236}">
+                <a16:creationId xmlns:a16="http://schemas.microsoft.com/office/drawing/2014/main" id="{C4E1D9FF-D502-4B0A-80D5-C06C9F0292E2}"/>
+              </a:ext>
+            </a:extLst>
+          </p:cNvPr>
+          <p:cNvSpPr txBox="1"/>
+          <p:nvPr/>
+        </p:nvSpPr>
+        <p:spPr>
+          <a:xfrm>
+            <a:off x="6756385" y="1767185"/>
+            <a:ext cx="760218" cy="338554"/>
+          </a:xfrm>
+          <a:prstGeom prst="rect">
+            <a:avLst/>
+          </a:prstGeom>
+          <a:noFill/>
+        </p:spPr>
+        <p:txBody>
+          <a:bodyPr wrap="square" rtlCol="0">
+            <a:spAutoFit/>
+          </a:bodyPr>
+          <a:lstStyle/>
+          <a:p>
+            <a:r>
+              <a:rPr lang="en-US" sz="1600" b="1" dirty="0">
+                <a:solidFill>
+                  <a:srgbClr val="FF0000"/>
+                </a:solidFill>
+              </a:rPr>
+              <a:t>&lt;app&gt;</a:t>
+            </a:r>
+          </a:p>
+        </p:txBody>
+      </p:sp>
+      <p:sp>
+        <p:nvSpPr>
+          <p:cNvPr id="6" name="Arrow: Right 5">
+            <a:extLst>
+              <a:ext uri="{FF2B5EF4-FFF2-40B4-BE49-F238E27FC236}">
+                <a16:creationId xmlns:a16="http://schemas.microsoft.com/office/drawing/2014/main" id="{6224299E-2D28-4F89-B255-EFF93B22DAE6}"/>
+              </a:ext>
+            </a:extLst>
+          </p:cNvPr>
+          <p:cNvSpPr/>
+          <p:nvPr/>
+        </p:nvSpPr>
+        <p:spPr>
+          <a:xfrm>
+            <a:off x="8239202" y="1995117"/>
+            <a:ext cx="715215" cy="264105"/>
+          </a:xfrm>
+          <a:prstGeom prst="rightArrow">
+            <a:avLst/>
+          </a:prstGeom>
+          <a:solidFill>
+            <a:srgbClr val="FFFF00"/>
+          </a:solidFill>
+        </p:spPr>
+        <p:style>
+          <a:lnRef idx="2">
+            <a:schemeClr val="accent1">
+              <a:shade val="50000"/>
+            </a:schemeClr>
+          </a:lnRef>
+          <a:fillRef idx="1">
+            <a:schemeClr val="accent1"/>
+          </a:fillRef>
+          <a:effectRef idx="0">
+            <a:schemeClr val="accent1"/>
+          </a:effectRef>
+          <a:fontRef idx="minor">
+            <a:schemeClr val="lt1"/>
+          </a:fontRef>
+        </p:style>
+        <p:txBody>
+          <a:bodyPr rtlCol="0" anchor="ctr"/>
+          <a:lstStyle/>
+          <a:p>
+            <a:pPr algn="ctr"/>
+            <a:endParaRPr lang="en-US"/>
+          </a:p>
+        </p:txBody>
+      </p:sp>
+      <p:sp>
+        <p:nvSpPr>
+          <p:cNvPr id="7" name="TextBox 6">
+            <a:extLst>
+              <a:ext uri="{FF2B5EF4-FFF2-40B4-BE49-F238E27FC236}">
+                <a16:creationId xmlns:a16="http://schemas.microsoft.com/office/drawing/2014/main" id="{D53A29C6-1EFD-471E-A601-DA0390C59235}"/>
+              </a:ext>
+            </a:extLst>
+          </p:cNvPr>
+          <p:cNvSpPr txBox="1"/>
+          <p:nvPr/>
+        </p:nvSpPr>
+        <p:spPr>
+          <a:xfrm>
+            <a:off x="8156061" y="1676547"/>
+            <a:ext cx="1129379" cy="338554"/>
+          </a:xfrm>
+          <a:prstGeom prst="rect">
+            <a:avLst/>
+          </a:prstGeom>
+          <a:noFill/>
+        </p:spPr>
+        <p:txBody>
+          <a:bodyPr wrap="square" rtlCol="0">
+            <a:spAutoFit/>
+          </a:bodyPr>
+          <a:lstStyle/>
+          <a:p>
+            <a:r>
+              <a:rPr lang="en-US" sz="1600" b="1" dirty="0">
+                <a:solidFill>
+                  <a:schemeClr val="accent4">
+                    <a:lumMod val="75000"/>
+                  </a:schemeClr>
+                </a:solidFill>
+              </a:rPr>
+              <a:t>PROVIDE</a:t>
+            </a:r>
+          </a:p>
+        </p:txBody>
+      </p:sp>
+      <p:cxnSp>
+        <p:nvCxnSpPr>
+          <p:cNvPr id="9" name="Straight Connector 8">
+            <a:extLst>
+              <a:ext uri="{FF2B5EF4-FFF2-40B4-BE49-F238E27FC236}">
+                <a16:creationId xmlns:a16="http://schemas.microsoft.com/office/drawing/2014/main" id="{E5F1067E-6432-494C-A9F6-A0356A32135E}"/>
+              </a:ext>
+            </a:extLst>
+          </p:cNvPr>
+          <p:cNvCxnSpPr/>
+          <p:nvPr/>
+        </p:nvCxnSpPr>
+        <p:spPr>
+          <a:xfrm>
+            <a:off x="5434219" y="0"/>
+            <a:ext cx="0" cy="6858000"/>
+          </a:xfrm>
+          <a:prstGeom prst="line">
+            <a:avLst/>
+          </a:prstGeom>
+        </p:spPr>
+        <p:style>
+          <a:lnRef idx="1">
+            <a:schemeClr val="accent1"/>
+          </a:lnRef>
+          <a:fillRef idx="0">
+            <a:schemeClr val="accent1"/>
+          </a:fillRef>
+          <a:effectRef idx="0">
+            <a:schemeClr val="accent1"/>
+          </a:effectRef>
+          <a:fontRef idx="minor">
+            <a:schemeClr val="tx1"/>
+          </a:fontRef>
+        </p:style>
+      </p:cxnSp>
+      <p:sp>
+        <p:nvSpPr>
+          <p:cNvPr id="11" name="Rectangle: Rounded Corners 10">
+            <a:extLst>
+              <a:ext uri="{FF2B5EF4-FFF2-40B4-BE49-F238E27FC236}">
+                <a16:creationId xmlns:a16="http://schemas.microsoft.com/office/drawing/2014/main" id="{0B356C56-401C-4550-809F-81C9647AFAD7}"/>
+              </a:ext>
+            </a:extLst>
+          </p:cNvPr>
+          <p:cNvSpPr/>
+          <p:nvPr/>
+        </p:nvSpPr>
+        <p:spPr>
+          <a:xfrm>
+            <a:off x="9787773" y="3349327"/>
+            <a:ext cx="1964366" cy="853846"/>
+          </a:xfrm>
+          <a:prstGeom prst="roundRect">
+            <a:avLst/>
+          </a:prstGeom>
+          <a:noFill/>
+          <a:ln w="19050">
+            <a:solidFill>
+              <a:schemeClr val="accent6">
+                <a:lumMod val="75000"/>
+              </a:schemeClr>
+            </a:solidFill>
+            <a:prstDash val="dash"/>
+          </a:ln>
+        </p:spPr>
+        <p:style>
+          <a:lnRef idx="2">
+            <a:schemeClr val="dk1"/>
+          </a:lnRef>
+          <a:fillRef idx="1">
+            <a:schemeClr val="lt1"/>
+          </a:fillRef>
+          <a:effectRef idx="0">
+            <a:schemeClr val="dk1"/>
+          </a:effectRef>
+          <a:fontRef idx="minor">
+            <a:schemeClr val="dk1"/>
+          </a:fontRef>
+        </p:style>
+        <p:txBody>
+          <a:bodyPr rtlCol="0" anchor="ctr"/>
+          <a:lstStyle/>
+          <a:p>
+            <a:pPr algn="ctr"/>
+            <a:endParaRPr lang="en-US" dirty="0">
+              <a:solidFill>
+                <a:srgbClr val="00B050"/>
+              </a:solidFill>
+            </a:endParaRPr>
+          </a:p>
+        </p:txBody>
+      </p:sp>
+      <p:sp>
+        <p:nvSpPr>
+          <p:cNvPr id="12" name="TextBox 11">
+            <a:extLst>
+              <a:ext uri="{FF2B5EF4-FFF2-40B4-BE49-F238E27FC236}">
+                <a16:creationId xmlns:a16="http://schemas.microsoft.com/office/drawing/2014/main" id="{E9DE379E-D876-4DBB-A7D9-848AF669CA2E}"/>
+              </a:ext>
+            </a:extLst>
+          </p:cNvPr>
+          <p:cNvSpPr txBox="1"/>
+          <p:nvPr/>
+        </p:nvSpPr>
+        <p:spPr>
+          <a:xfrm>
+            <a:off x="9895590" y="3349327"/>
+            <a:ext cx="1774544" cy="338554"/>
+          </a:xfrm>
+          <a:prstGeom prst="rect">
+            <a:avLst/>
+          </a:prstGeom>
+          <a:noFill/>
+        </p:spPr>
+        <p:txBody>
+          <a:bodyPr wrap="square" rtlCol="0">
+            <a:spAutoFit/>
+          </a:bodyPr>
+          <a:lstStyle/>
+          <a:p>
+            <a:r>
+              <a:rPr lang="en-US" sz="1600" b="1" dirty="0">
+                <a:solidFill>
+                  <a:srgbClr val="FF0000"/>
+                </a:solidFill>
+              </a:rPr>
+              <a:t>&lt;find-event-view&gt;</a:t>
+            </a:r>
+          </a:p>
+        </p:txBody>
+      </p:sp>
+      <p:sp>
+        <p:nvSpPr>
+          <p:cNvPr id="15" name="Arrow: Right 14">
+            <a:extLst>
+              <a:ext uri="{FF2B5EF4-FFF2-40B4-BE49-F238E27FC236}">
+                <a16:creationId xmlns:a16="http://schemas.microsoft.com/office/drawing/2014/main" id="{B0D302FF-C607-4915-AAA6-6CE85FD59BA9}"/>
+              </a:ext>
+            </a:extLst>
+          </p:cNvPr>
+          <p:cNvSpPr/>
+          <p:nvPr/>
+        </p:nvSpPr>
+        <p:spPr>
+          <a:xfrm>
+            <a:off x="9063369" y="3609930"/>
+            <a:ext cx="715215" cy="264105"/>
+          </a:xfrm>
+          <a:prstGeom prst="rightArrow">
+            <a:avLst/>
+          </a:prstGeom>
+          <a:solidFill>
+            <a:srgbClr val="FFFF00"/>
+          </a:solidFill>
+        </p:spPr>
+        <p:style>
+          <a:lnRef idx="2">
+            <a:schemeClr val="accent1">
+              <a:shade val="50000"/>
+            </a:schemeClr>
+          </a:lnRef>
+          <a:fillRef idx="1">
+            <a:schemeClr val="accent1"/>
+          </a:fillRef>
+          <a:effectRef idx="0">
+            <a:schemeClr val="accent1"/>
+          </a:effectRef>
+          <a:fontRef idx="minor">
+            <a:schemeClr val="lt1"/>
+          </a:fontRef>
+        </p:style>
+        <p:txBody>
+          <a:bodyPr rtlCol="0" anchor="ctr"/>
+          <a:lstStyle/>
+          <a:p>
+            <a:pPr algn="ctr"/>
+            <a:endParaRPr lang="en-US"/>
+          </a:p>
+        </p:txBody>
+      </p:sp>
+      <p:sp>
+        <p:nvSpPr>
+          <p:cNvPr id="16" name="TextBox 15">
+            <a:extLst>
+              <a:ext uri="{FF2B5EF4-FFF2-40B4-BE49-F238E27FC236}">
+                <a16:creationId xmlns:a16="http://schemas.microsoft.com/office/drawing/2014/main" id="{15842F55-9100-47E6-99B1-F76342230B42}"/>
+              </a:ext>
+            </a:extLst>
+          </p:cNvPr>
+          <p:cNvSpPr txBox="1"/>
+          <p:nvPr/>
+        </p:nvSpPr>
+        <p:spPr>
+          <a:xfrm>
+            <a:off x="9054180" y="3293940"/>
+            <a:ext cx="917448" cy="338554"/>
+          </a:xfrm>
+          <a:prstGeom prst="rect">
+            <a:avLst/>
+          </a:prstGeom>
+          <a:noFill/>
+        </p:spPr>
+        <p:txBody>
+          <a:bodyPr wrap="square" rtlCol="0">
+            <a:spAutoFit/>
+          </a:bodyPr>
+          <a:lstStyle/>
+          <a:p>
+            <a:r>
+              <a:rPr lang="en-US" sz="1600" b="1" dirty="0">
+                <a:solidFill>
+                  <a:schemeClr val="accent4">
+                    <a:lumMod val="75000"/>
+                  </a:schemeClr>
+                </a:solidFill>
+              </a:rPr>
+              <a:t>INJECT</a:t>
+            </a:r>
+          </a:p>
+        </p:txBody>
+      </p:sp>
+      <p:sp>
+        <p:nvSpPr>
+          <p:cNvPr id="17" name="TextBox 16">
+            <a:extLst>
+              <a:ext uri="{FF2B5EF4-FFF2-40B4-BE49-F238E27FC236}">
+                <a16:creationId xmlns:a16="http://schemas.microsoft.com/office/drawing/2014/main" id="{10238D02-109C-40B7-85AC-43EFB2661CAA}"/>
+              </a:ext>
+            </a:extLst>
+          </p:cNvPr>
+          <p:cNvSpPr txBox="1"/>
+          <p:nvPr/>
+        </p:nvSpPr>
+        <p:spPr>
+          <a:xfrm>
+            <a:off x="6352509" y="2621031"/>
+            <a:ext cx="4383329" cy="338554"/>
+          </a:xfrm>
+          <a:prstGeom prst="rect">
+            <a:avLst/>
+          </a:prstGeom>
+          <a:noFill/>
+        </p:spPr>
+        <p:txBody>
+          <a:bodyPr wrap="square" rtlCol="0">
+            <a:spAutoFit/>
+          </a:bodyPr>
+          <a:lstStyle/>
+          <a:p>
+            <a:r>
+              <a:rPr lang="en-US" sz="1600" dirty="0"/>
+              <a:t>// </a:t>
+            </a:r>
+            <a:r>
+              <a:rPr lang="en-US" sz="1600" dirty="0">
+                <a:solidFill>
+                  <a:srgbClr val="FF0000"/>
+                </a:solidFill>
+              </a:rPr>
+              <a:t>app  </a:t>
+            </a:r>
+            <a:r>
+              <a:rPr lang="en-US" sz="1600" dirty="0"/>
+              <a:t>provides my-event information to anymore</a:t>
+            </a:r>
+          </a:p>
+        </p:txBody>
+      </p:sp>
+      <p:sp>
+        <p:nvSpPr>
+          <p:cNvPr id="18" name="Rectangle: Rounded Corners 17">
+            <a:extLst>
+              <a:ext uri="{FF2B5EF4-FFF2-40B4-BE49-F238E27FC236}">
+                <a16:creationId xmlns:a16="http://schemas.microsoft.com/office/drawing/2014/main" id="{D7BA7CA2-B310-42DF-A1B1-E4F1470A1424}"/>
+              </a:ext>
+            </a:extLst>
+          </p:cNvPr>
+          <p:cNvSpPr/>
+          <p:nvPr/>
+        </p:nvSpPr>
+        <p:spPr>
+          <a:xfrm>
+            <a:off x="5917415" y="5396598"/>
+            <a:ext cx="2645466" cy="684786"/>
+          </a:xfrm>
+          <a:prstGeom prst="roundRect">
+            <a:avLst/>
+          </a:prstGeom>
+          <a:noFill/>
+          <a:ln w="19050">
+            <a:solidFill>
+              <a:schemeClr val="accent5">
+                <a:lumMod val="75000"/>
+              </a:schemeClr>
+            </a:solidFill>
+            <a:prstDash val="dash"/>
+          </a:ln>
+        </p:spPr>
+        <p:style>
+          <a:lnRef idx="2">
+            <a:schemeClr val="dk1"/>
+          </a:lnRef>
+          <a:fillRef idx="1">
+            <a:schemeClr val="lt1"/>
+          </a:fillRef>
+          <a:effectRef idx="0">
+            <a:schemeClr val="dk1"/>
+          </a:effectRef>
+          <a:fontRef idx="minor">
+            <a:schemeClr val="dk1"/>
+          </a:fontRef>
+        </p:style>
+        <p:txBody>
+          <a:bodyPr rtlCol="0" anchor="ctr"/>
+          <a:lstStyle/>
+          <a:p>
+            <a:pPr algn="ctr"/>
+            <a:endParaRPr lang="en-US" dirty="0">
+              <a:solidFill>
+                <a:srgbClr val="00B050"/>
+              </a:solidFill>
+            </a:endParaRPr>
+          </a:p>
+        </p:txBody>
+      </p:sp>
+      <p:sp>
+        <p:nvSpPr>
+          <p:cNvPr id="19" name="TextBox 18">
+            <a:extLst>
+              <a:ext uri="{FF2B5EF4-FFF2-40B4-BE49-F238E27FC236}">
+                <a16:creationId xmlns:a16="http://schemas.microsoft.com/office/drawing/2014/main" id="{F2E6B44E-2FCA-438C-82F7-D8FF7B4B246B}"/>
+              </a:ext>
+            </a:extLst>
+          </p:cNvPr>
+          <p:cNvSpPr txBox="1"/>
+          <p:nvPr/>
+        </p:nvSpPr>
+        <p:spPr>
+          <a:xfrm>
+            <a:off x="6622498" y="5577851"/>
+            <a:ext cx="1427751" cy="338554"/>
+          </a:xfrm>
+          <a:prstGeom prst="rect">
+            <a:avLst/>
+          </a:prstGeom>
+          <a:noFill/>
+        </p:spPr>
+        <p:txBody>
+          <a:bodyPr wrap="square" rtlCol="0">
+            <a:spAutoFit/>
+          </a:bodyPr>
+          <a:lstStyle/>
+          <a:p>
+            <a:r>
+              <a:rPr lang="en-US" sz="1600" b="1" dirty="0">
+                <a:solidFill>
+                  <a:srgbClr val="7030A0"/>
+                </a:solidFill>
+              </a:rPr>
+              <a:t>&lt;router-view&gt;</a:t>
+            </a:r>
+          </a:p>
+        </p:txBody>
+      </p:sp>
+      <p:sp>
+        <p:nvSpPr>
+          <p:cNvPr id="20" name="TextBox 19">
+            <a:extLst>
+              <a:ext uri="{FF2B5EF4-FFF2-40B4-BE49-F238E27FC236}">
+                <a16:creationId xmlns:a16="http://schemas.microsoft.com/office/drawing/2014/main" id="{B643F800-F34D-4076-8E7F-C68C8AA6F0EF}"/>
+              </a:ext>
+            </a:extLst>
+          </p:cNvPr>
+          <p:cNvSpPr txBox="1"/>
+          <p:nvPr/>
+        </p:nvSpPr>
+        <p:spPr>
+          <a:xfrm>
+            <a:off x="6035013" y="6372828"/>
+            <a:ext cx="2911350" cy="338554"/>
+          </a:xfrm>
+          <a:prstGeom prst="rect">
+            <a:avLst/>
+          </a:prstGeom>
+          <a:noFill/>
+        </p:spPr>
+        <p:txBody>
+          <a:bodyPr wrap="square" rtlCol="0">
+            <a:spAutoFit/>
+          </a:bodyPr>
+          <a:lstStyle/>
+          <a:p>
+            <a:r>
+              <a:rPr lang="en-US" sz="1600" dirty="0"/>
+              <a:t>// Vue JS built-in component</a:t>
+            </a:r>
+          </a:p>
+        </p:txBody>
+      </p:sp>
+      <p:sp>
+        <p:nvSpPr>
+          <p:cNvPr id="21" name="Rectangle: Rounded Corners 20">
+            <a:extLst>
+              <a:ext uri="{FF2B5EF4-FFF2-40B4-BE49-F238E27FC236}">
+                <a16:creationId xmlns:a16="http://schemas.microsoft.com/office/drawing/2014/main" id="{471218D4-50C0-4F67-B38C-5D5949AFC1CB}"/>
+              </a:ext>
+            </a:extLst>
+          </p:cNvPr>
+          <p:cNvSpPr/>
+          <p:nvPr/>
+        </p:nvSpPr>
+        <p:spPr>
+          <a:xfrm>
+            <a:off x="1199332" y="1767185"/>
+            <a:ext cx="1964366" cy="853846"/>
+          </a:xfrm>
+          <a:prstGeom prst="roundRect">
+            <a:avLst/>
+          </a:prstGeom>
+          <a:noFill/>
+          <a:ln w="19050">
+            <a:solidFill>
+              <a:schemeClr val="accent6">
+                <a:lumMod val="75000"/>
+              </a:schemeClr>
+            </a:solidFill>
+            <a:prstDash val="dash"/>
+          </a:ln>
+        </p:spPr>
+        <p:style>
+          <a:lnRef idx="2">
+            <a:schemeClr val="dk1"/>
+          </a:lnRef>
+          <a:fillRef idx="1">
+            <a:schemeClr val="lt1"/>
+          </a:fillRef>
+          <a:effectRef idx="0">
+            <a:schemeClr val="dk1"/>
+          </a:effectRef>
+          <a:fontRef idx="minor">
+            <a:schemeClr val="dk1"/>
+          </a:fontRef>
+        </p:style>
+        <p:txBody>
+          <a:bodyPr rtlCol="0" anchor="ctr"/>
+          <a:lstStyle/>
+          <a:p>
+            <a:pPr algn="ctr"/>
+            <a:endParaRPr lang="en-US" dirty="0">
+              <a:solidFill>
+                <a:srgbClr val="00B050"/>
+              </a:solidFill>
+            </a:endParaRPr>
+          </a:p>
+        </p:txBody>
+      </p:sp>
+      <p:sp>
+        <p:nvSpPr>
+          <p:cNvPr id="22" name="TextBox 21">
+            <a:extLst>
+              <a:ext uri="{FF2B5EF4-FFF2-40B4-BE49-F238E27FC236}">
+                <a16:creationId xmlns:a16="http://schemas.microsoft.com/office/drawing/2014/main" id="{001AFAB7-3BED-4AB6-9756-303D0A55C42D}"/>
+              </a:ext>
+            </a:extLst>
+          </p:cNvPr>
+          <p:cNvSpPr txBox="1"/>
+          <p:nvPr/>
+        </p:nvSpPr>
+        <p:spPr>
+          <a:xfrm>
+            <a:off x="1688266" y="1850772"/>
+            <a:ext cx="760218" cy="338554"/>
+          </a:xfrm>
+          <a:prstGeom prst="rect">
+            <a:avLst/>
+          </a:prstGeom>
+          <a:noFill/>
+        </p:spPr>
+        <p:txBody>
+          <a:bodyPr wrap="square" rtlCol="0">
+            <a:spAutoFit/>
+          </a:bodyPr>
+          <a:lstStyle/>
+          <a:p>
+            <a:r>
+              <a:rPr lang="en-US" sz="1600" b="1" dirty="0">
+                <a:solidFill>
+                  <a:srgbClr val="FF0000"/>
+                </a:solidFill>
+              </a:rPr>
+              <a:t>&lt;app&gt;</a:t>
+            </a:r>
+          </a:p>
+        </p:txBody>
+      </p:sp>
+      <p:sp>
+        <p:nvSpPr>
+          <p:cNvPr id="23" name="TextBox 22">
+            <a:extLst>
+              <a:ext uri="{FF2B5EF4-FFF2-40B4-BE49-F238E27FC236}">
+                <a16:creationId xmlns:a16="http://schemas.microsoft.com/office/drawing/2014/main" id="{C98AADE0-BBC0-48B2-BF05-58BDFFC3B0FC}"/>
+              </a:ext>
+            </a:extLst>
+          </p:cNvPr>
+          <p:cNvSpPr txBox="1"/>
+          <p:nvPr/>
+        </p:nvSpPr>
+        <p:spPr>
+          <a:xfrm>
+            <a:off x="1199332" y="2119468"/>
+            <a:ext cx="1903725" cy="338554"/>
+          </a:xfrm>
+          <a:prstGeom prst="rect">
+            <a:avLst/>
+          </a:prstGeom>
+          <a:noFill/>
+        </p:spPr>
+        <p:txBody>
+          <a:bodyPr wrap="square" rtlCol="0">
+            <a:spAutoFit/>
+          </a:bodyPr>
+          <a:lstStyle/>
+          <a:p>
+            <a:r>
+              <a:rPr lang="en-US" sz="1600" dirty="0"/>
+              <a:t>my-event-info[]</a:t>
+            </a:r>
+          </a:p>
+        </p:txBody>
+      </p:sp>
+      <p:sp>
+        <p:nvSpPr>
+          <p:cNvPr id="24" name="TextBox 23">
+            <a:extLst>
+              <a:ext uri="{FF2B5EF4-FFF2-40B4-BE49-F238E27FC236}">
+                <a16:creationId xmlns:a16="http://schemas.microsoft.com/office/drawing/2014/main" id="{C44F45A5-B171-482E-ACD5-8FD936F9F55D}"/>
+              </a:ext>
+            </a:extLst>
+          </p:cNvPr>
+          <p:cNvSpPr txBox="1"/>
+          <p:nvPr/>
+        </p:nvSpPr>
+        <p:spPr>
+          <a:xfrm>
+            <a:off x="521866" y="2813170"/>
+            <a:ext cx="4606724" cy="584775"/>
+          </a:xfrm>
+          <a:prstGeom prst="rect">
+            <a:avLst/>
+          </a:prstGeom>
+          <a:noFill/>
+        </p:spPr>
+        <p:txBody>
+          <a:bodyPr wrap="square" rtlCol="0">
+            <a:spAutoFit/>
+          </a:bodyPr>
+          <a:lstStyle/>
+          <a:p>
+            <a:r>
+              <a:rPr lang="en-US" sz="1600" dirty="0"/>
+              <a:t>// A component with a list of my-event information as data</a:t>
+            </a:r>
+          </a:p>
+        </p:txBody>
+      </p:sp>
+      <p:sp>
+        <p:nvSpPr>
+          <p:cNvPr id="25" name="TextBox 24">
+            <a:extLst>
+              <a:ext uri="{FF2B5EF4-FFF2-40B4-BE49-F238E27FC236}">
+                <a16:creationId xmlns:a16="http://schemas.microsoft.com/office/drawing/2014/main" id="{BC8013E9-4EFA-46A6-8A66-13FF8B9AC62C}"/>
+              </a:ext>
+            </a:extLst>
+          </p:cNvPr>
+          <p:cNvSpPr txBox="1"/>
+          <p:nvPr/>
+        </p:nvSpPr>
+        <p:spPr>
+          <a:xfrm>
+            <a:off x="6756385" y="4325340"/>
+            <a:ext cx="5371852" cy="338554"/>
+          </a:xfrm>
+          <a:prstGeom prst="rect">
+            <a:avLst/>
+          </a:prstGeom>
+          <a:noFill/>
+        </p:spPr>
+        <p:txBody>
+          <a:bodyPr wrap="square" rtlCol="0">
+            <a:spAutoFit/>
+          </a:bodyPr>
+          <a:lstStyle/>
+          <a:p>
+            <a:r>
+              <a:rPr lang="en-US" sz="1600" dirty="0"/>
+              <a:t>// </a:t>
+            </a:r>
+            <a:r>
+              <a:rPr lang="en-US" sz="1600" dirty="0">
+                <a:solidFill>
+                  <a:srgbClr val="FF0000"/>
+                </a:solidFill>
+              </a:rPr>
+              <a:t>find-event view </a:t>
+            </a:r>
+            <a:r>
+              <a:rPr lang="en-US" sz="1600" dirty="0"/>
+              <a:t>gets my-event information from a provider</a:t>
+            </a:r>
+          </a:p>
+        </p:txBody>
+      </p:sp>
+      <p:sp>
+        <p:nvSpPr>
+          <p:cNvPr id="29" name="Rectangle: Rounded Corners 28">
+            <a:extLst>
+              <a:ext uri="{FF2B5EF4-FFF2-40B4-BE49-F238E27FC236}">
+                <a16:creationId xmlns:a16="http://schemas.microsoft.com/office/drawing/2014/main" id="{25276C31-8E86-4F25-BF01-19D0240494FE}"/>
+              </a:ext>
+            </a:extLst>
+          </p:cNvPr>
+          <p:cNvSpPr/>
+          <p:nvPr/>
+        </p:nvSpPr>
+        <p:spPr>
+          <a:xfrm>
+            <a:off x="98483" y="2588574"/>
+            <a:ext cx="1964366" cy="853846"/>
+          </a:xfrm>
+          <a:prstGeom prst="roundRect">
+            <a:avLst/>
+          </a:prstGeom>
+          <a:noFill/>
+          <a:ln w="19050">
+            <a:solidFill>
+              <a:schemeClr val="accent6">
+                <a:lumMod val="75000"/>
+              </a:schemeClr>
+            </a:solidFill>
+            <a:prstDash val="dash"/>
+          </a:ln>
+        </p:spPr>
+        <p:style>
+          <a:lnRef idx="2">
+            <a:schemeClr val="dk1"/>
+          </a:lnRef>
+          <a:fillRef idx="1">
+            <a:schemeClr val="lt1"/>
+          </a:fillRef>
+          <a:effectRef idx="0">
+            <a:schemeClr val="dk1"/>
+          </a:effectRef>
+          <a:fontRef idx="minor">
+            <a:schemeClr val="dk1"/>
+          </a:fontRef>
+        </p:style>
+        <p:txBody>
+          <a:bodyPr rtlCol="0" anchor="ctr"/>
+          <a:lstStyle/>
+          <a:p>
+            <a:pPr algn="ctr"/>
+            <a:endParaRPr lang="en-US" dirty="0">
+              <a:solidFill>
+                <a:srgbClr val="00B050"/>
+              </a:solidFill>
+            </a:endParaRPr>
+          </a:p>
+        </p:txBody>
+      </p:sp>
+      <p:sp>
+        <p:nvSpPr>
+          <p:cNvPr id="30" name="TextBox 29">
+            <a:extLst>
+              <a:ext uri="{FF2B5EF4-FFF2-40B4-BE49-F238E27FC236}">
+                <a16:creationId xmlns:a16="http://schemas.microsoft.com/office/drawing/2014/main" id="{BA0D3337-9C3D-4B12-933D-3010EA6C96D1}"/>
+              </a:ext>
+            </a:extLst>
+          </p:cNvPr>
+          <p:cNvSpPr txBox="1"/>
+          <p:nvPr/>
+        </p:nvSpPr>
+        <p:spPr>
+          <a:xfrm>
+            <a:off x="587417" y="3957622"/>
+            <a:ext cx="760218" cy="338554"/>
+          </a:xfrm>
+          <a:prstGeom prst="rect">
+            <a:avLst/>
+          </a:prstGeom>
+          <a:noFill/>
+        </p:spPr>
+        <p:txBody>
+          <a:bodyPr wrap="square" rtlCol="0">
+            <a:spAutoFit/>
+          </a:bodyPr>
+          <a:lstStyle/>
+          <a:p>
+            <a:r>
+              <a:rPr lang="en-US" sz="1600" b="1" dirty="0">
+                <a:solidFill>
+                  <a:srgbClr val="FF0000"/>
+                </a:solidFill>
+              </a:rPr>
+              <a:t>&lt;app&gt;</a:t>
+            </a:r>
+          </a:p>
+        </p:txBody>
+      </p:sp>
+      <p:sp>
+        <p:nvSpPr>
+          <p:cNvPr id="33" name="Rectangle: Rounded Corners 32">
+            <a:extLst>
+              <a:ext uri="{FF2B5EF4-FFF2-40B4-BE49-F238E27FC236}">
+                <a16:creationId xmlns:a16="http://schemas.microsoft.com/office/drawing/2014/main" id="{87A0A934-5288-4DD0-A262-AE816FCDA6D6}"/>
+              </a:ext>
+            </a:extLst>
+          </p:cNvPr>
+          <p:cNvSpPr/>
+          <p:nvPr/>
+        </p:nvSpPr>
+        <p:spPr>
+          <a:xfrm>
+            <a:off x="3103057" y="3898417"/>
+            <a:ext cx="1964366" cy="853846"/>
+          </a:xfrm>
+          <a:prstGeom prst="roundRect">
+            <a:avLst/>
+          </a:prstGeom>
+          <a:noFill/>
+          <a:ln w="19050">
+            <a:solidFill>
+              <a:schemeClr val="accent6">
+                <a:lumMod val="75000"/>
+              </a:schemeClr>
+            </a:solidFill>
+            <a:prstDash val="dash"/>
+          </a:ln>
+        </p:spPr>
+        <p:style>
+          <a:lnRef idx="2">
+            <a:schemeClr val="dk1"/>
+          </a:lnRef>
+          <a:fillRef idx="1">
+            <a:schemeClr val="lt1"/>
+          </a:fillRef>
+          <a:effectRef idx="0">
+            <a:schemeClr val="dk1"/>
+          </a:effectRef>
+          <a:fontRef idx="minor">
+            <a:schemeClr val="dk1"/>
+          </a:fontRef>
+        </p:style>
+        <p:txBody>
+          <a:bodyPr rtlCol="0" anchor="ctr"/>
+          <a:lstStyle/>
+          <a:p>
+            <a:pPr algn="ctr"/>
+            <a:endParaRPr lang="en-US" dirty="0">
+              <a:solidFill>
+                <a:srgbClr val="00B050"/>
+              </a:solidFill>
+            </a:endParaRPr>
+          </a:p>
+        </p:txBody>
+      </p:sp>
+      <p:sp>
+        <p:nvSpPr>
+          <p:cNvPr id="34" name="TextBox 33">
+            <a:extLst>
+              <a:ext uri="{FF2B5EF4-FFF2-40B4-BE49-F238E27FC236}">
+                <a16:creationId xmlns:a16="http://schemas.microsoft.com/office/drawing/2014/main" id="{B7C6FE79-5BD1-4CFA-BFAF-2F4283479B16}"/>
+              </a:ext>
+            </a:extLst>
+          </p:cNvPr>
+          <p:cNvSpPr txBox="1"/>
+          <p:nvPr/>
+        </p:nvSpPr>
+        <p:spPr>
+          <a:xfrm>
+            <a:off x="3041890" y="3982004"/>
+            <a:ext cx="1964366" cy="338554"/>
+          </a:xfrm>
+          <a:prstGeom prst="rect">
+            <a:avLst/>
+          </a:prstGeom>
+          <a:noFill/>
+        </p:spPr>
+        <p:txBody>
+          <a:bodyPr wrap="square" rtlCol="0">
+            <a:spAutoFit/>
+          </a:bodyPr>
+          <a:lstStyle/>
+          <a:p>
+            <a:pPr algn="ctr"/>
+            <a:r>
+              <a:rPr lang="en-US" sz="1600" b="1" dirty="0">
+                <a:solidFill>
+                  <a:srgbClr val="FF0000"/>
+                </a:solidFill>
+              </a:rPr>
+              <a:t>&lt;find-event-card&gt;</a:t>
+            </a:r>
+          </a:p>
+        </p:txBody>
+      </p:sp>
+      <p:sp>
+        <p:nvSpPr>
+          <p:cNvPr id="42" name="TextBox 41">
+            <a:extLst>
+              <a:ext uri="{FF2B5EF4-FFF2-40B4-BE49-F238E27FC236}">
+                <a16:creationId xmlns:a16="http://schemas.microsoft.com/office/drawing/2014/main" id="{224FA539-0218-4AE8-B200-E46D3080E272}"/>
+              </a:ext>
+            </a:extLst>
+          </p:cNvPr>
+          <p:cNvSpPr txBox="1"/>
+          <p:nvPr/>
+        </p:nvSpPr>
+        <p:spPr>
+          <a:xfrm>
+            <a:off x="195712" y="2996583"/>
+            <a:ext cx="1903725" cy="338554"/>
+          </a:xfrm>
+          <a:prstGeom prst="rect">
+            <a:avLst/>
+          </a:prstGeom>
+          <a:noFill/>
+        </p:spPr>
+        <p:txBody>
+          <a:bodyPr wrap="square" rtlCol="0">
+            <a:spAutoFit/>
+          </a:bodyPr>
+          <a:lstStyle/>
+          <a:p>
+            <a:r>
+              <a:rPr lang="en-US" sz="1600" dirty="0"/>
+              <a:t>my-event-info[]</a:t>
+            </a:r>
+          </a:p>
+        </p:txBody>
+      </p:sp>
+      <p:sp>
+        <p:nvSpPr>
+          <p:cNvPr id="43" name="TextBox 42">
+            <a:extLst>
+              <a:ext uri="{FF2B5EF4-FFF2-40B4-BE49-F238E27FC236}">
+                <a16:creationId xmlns:a16="http://schemas.microsoft.com/office/drawing/2014/main" id="{AAFD11AF-EC40-4BF5-89F0-06C2A3F64A4E}"/>
+              </a:ext>
+            </a:extLst>
+          </p:cNvPr>
+          <p:cNvSpPr txBox="1"/>
+          <p:nvPr/>
+        </p:nvSpPr>
+        <p:spPr>
+          <a:xfrm>
+            <a:off x="3224865" y="4282044"/>
+            <a:ext cx="1903725" cy="338554"/>
+          </a:xfrm>
+          <a:prstGeom prst="rect">
+            <a:avLst/>
+          </a:prstGeom>
+          <a:noFill/>
+        </p:spPr>
+        <p:txBody>
+          <a:bodyPr wrap="square" rtlCol="0">
+            <a:spAutoFit/>
+          </a:bodyPr>
+          <a:lstStyle/>
+          <a:p>
+            <a:r>
+              <a:rPr lang="en-US" sz="1600" dirty="0"/>
+              <a:t>my-event-info[]</a:t>
+            </a:r>
+          </a:p>
+        </p:txBody>
+      </p:sp>
+      <p:sp>
+        <p:nvSpPr>
+          <p:cNvPr id="2" name="Arrow: Right 1">
+            <a:extLst>
+              <a:ext uri="{FF2B5EF4-FFF2-40B4-BE49-F238E27FC236}">
+                <a16:creationId xmlns:a16="http://schemas.microsoft.com/office/drawing/2014/main" id="{4345D9D4-0456-4405-B72A-37809DF4D3F9}"/>
+              </a:ext>
+            </a:extLst>
+          </p:cNvPr>
+          <p:cNvSpPr/>
+          <p:nvPr/>
+        </p:nvSpPr>
+        <p:spPr>
+          <a:xfrm>
+            <a:off x="2099437" y="4066994"/>
+            <a:ext cx="804822" cy="458363"/>
+          </a:xfrm>
+          <a:prstGeom prst="rightArrow">
+            <a:avLst/>
+          </a:prstGeom>
+          <a:solidFill>
+            <a:schemeClr val="accent6"/>
+          </a:solidFill>
+          <a:ln>
+            <a:solidFill>
+              <a:schemeClr val="accent6"/>
+            </a:solidFill>
+          </a:ln>
+        </p:spPr>
+        <p:style>
+          <a:lnRef idx="2">
+            <a:schemeClr val="accent1">
+              <a:shade val="50000"/>
+            </a:schemeClr>
+          </a:lnRef>
+          <a:fillRef idx="1">
+            <a:schemeClr val="accent1"/>
+          </a:fillRef>
+          <a:effectRef idx="0">
+            <a:schemeClr val="accent1"/>
+          </a:effectRef>
+          <a:fontRef idx="minor">
+            <a:schemeClr val="lt1"/>
+          </a:fontRef>
+        </p:style>
+        <p:txBody>
+          <a:bodyPr rtlCol="0" anchor="ctr"/>
+          <a:lstStyle/>
+          <a:p>
+            <a:pPr algn="ctr"/>
+            <a:endParaRPr lang="en-US"/>
+          </a:p>
+        </p:txBody>
+      </p:sp>
+      <p:sp>
+        <p:nvSpPr>
+          <p:cNvPr id="46" name="TextBox 45">
+            <a:extLst>
+              <a:ext uri="{FF2B5EF4-FFF2-40B4-BE49-F238E27FC236}">
+                <a16:creationId xmlns:a16="http://schemas.microsoft.com/office/drawing/2014/main" id="{A0A8692C-E733-460E-A30A-D4EF0185416D}"/>
+              </a:ext>
+            </a:extLst>
+          </p:cNvPr>
+          <p:cNvSpPr txBox="1"/>
+          <p:nvPr/>
+        </p:nvSpPr>
+        <p:spPr>
+          <a:xfrm>
+            <a:off x="2034319" y="3772537"/>
+            <a:ext cx="1129379" cy="338554"/>
+          </a:xfrm>
+          <a:prstGeom prst="rect">
+            <a:avLst/>
+          </a:prstGeom>
+          <a:noFill/>
+        </p:spPr>
+        <p:txBody>
+          <a:bodyPr wrap="square" rtlCol="0">
+            <a:spAutoFit/>
+          </a:bodyPr>
+          <a:lstStyle/>
+          <a:p>
+            <a:r>
+              <a:rPr lang="en-US" sz="1600" b="1" dirty="0">
+                <a:solidFill>
+                  <a:schemeClr val="accent6">
+                    <a:lumMod val="75000"/>
+                  </a:schemeClr>
+                </a:solidFill>
+              </a:rPr>
+              <a:t>PROPS</a:t>
+            </a:r>
+          </a:p>
+        </p:txBody>
+      </p:sp>
+      <p:sp>
+        <p:nvSpPr>
+          <p:cNvPr id="47" name="TextBox 46">
+            <a:extLst>
+              <a:ext uri="{FF2B5EF4-FFF2-40B4-BE49-F238E27FC236}">
+                <a16:creationId xmlns:a16="http://schemas.microsoft.com/office/drawing/2014/main" id="{CE56E51E-54C4-490B-801F-BDC8FFABA4B9}"/>
+              </a:ext>
+            </a:extLst>
+          </p:cNvPr>
+          <p:cNvSpPr txBox="1"/>
+          <p:nvPr/>
+        </p:nvSpPr>
+        <p:spPr>
+          <a:xfrm>
+            <a:off x="2060625" y="4452997"/>
+            <a:ext cx="1025265" cy="338554"/>
+          </a:xfrm>
+          <a:prstGeom prst="rect">
+            <a:avLst/>
+          </a:prstGeom>
+          <a:noFill/>
+        </p:spPr>
+        <p:txBody>
+          <a:bodyPr wrap="square" rtlCol="0">
+            <a:spAutoFit/>
+          </a:bodyPr>
+          <a:lstStyle/>
+          <a:p>
+            <a:r>
+              <a:rPr lang="en-US" sz="1600" dirty="0"/>
+              <a:t>my-event</a:t>
+            </a:r>
+          </a:p>
+        </p:txBody>
+      </p:sp>
+      <p:sp>
+        <p:nvSpPr>
+          <p:cNvPr id="51" name="TextBox 50">
+            <a:extLst>
+              <a:ext uri="{FF2B5EF4-FFF2-40B4-BE49-F238E27FC236}">
+                <a16:creationId xmlns:a16="http://schemas.microsoft.com/office/drawing/2014/main" id="{7F828876-0E88-4442-AF2E-B255465F6AD1}"/>
+              </a:ext>
+            </a:extLst>
+          </p:cNvPr>
+          <p:cNvSpPr txBox="1"/>
+          <p:nvPr/>
+        </p:nvSpPr>
+        <p:spPr>
+          <a:xfrm>
+            <a:off x="6261660" y="2052117"/>
+            <a:ext cx="1903725" cy="338554"/>
+          </a:xfrm>
+          <a:prstGeom prst="rect">
+            <a:avLst/>
+          </a:prstGeom>
+          <a:noFill/>
+        </p:spPr>
+        <p:txBody>
+          <a:bodyPr wrap="square" rtlCol="0">
+            <a:spAutoFit/>
+          </a:bodyPr>
+          <a:lstStyle/>
+          <a:p>
+            <a:r>
+              <a:rPr lang="en-US" sz="1600" dirty="0"/>
+              <a:t>my-event-info[]</a:t>
+            </a:r>
+          </a:p>
+        </p:txBody>
+      </p:sp>
+      <p:sp>
+        <p:nvSpPr>
+          <p:cNvPr id="52" name="TextBox 51">
+            <a:extLst>
+              <a:ext uri="{FF2B5EF4-FFF2-40B4-BE49-F238E27FC236}">
+                <a16:creationId xmlns:a16="http://schemas.microsoft.com/office/drawing/2014/main" id="{1B1382C8-7750-43A6-91A8-68E429923F4A}"/>
+              </a:ext>
+            </a:extLst>
+          </p:cNvPr>
+          <p:cNvSpPr txBox="1"/>
+          <p:nvPr/>
+        </p:nvSpPr>
+        <p:spPr>
+          <a:xfrm>
+            <a:off x="8156061" y="2171498"/>
+            <a:ext cx="1903725" cy="338554"/>
+          </a:xfrm>
+          <a:prstGeom prst="rect">
+            <a:avLst/>
+          </a:prstGeom>
+          <a:noFill/>
+        </p:spPr>
+        <p:txBody>
+          <a:bodyPr wrap="square" rtlCol="0">
+            <a:spAutoFit/>
+          </a:bodyPr>
+          <a:lstStyle/>
+          <a:p>
+            <a:r>
+              <a:rPr lang="en-US" sz="1600" dirty="0"/>
+              <a:t>my-event-info[]</a:t>
+            </a:r>
+          </a:p>
+        </p:txBody>
+      </p:sp>
+      <p:sp>
+        <p:nvSpPr>
+          <p:cNvPr id="56" name="TextBox 55">
+            <a:extLst>
+              <a:ext uri="{FF2B5EF4-FFF2-40B4-BE49-F238E27FC236}">
+                <a16:creationId xmlns:a16="http://schemas.microsoft.com/office/drawing/2014/main" id="{044279C8-6E13-459F-9843-CCFFBF048DE4}"/>
+              </a:ext>
+            </a:extLst>
+          </p:cNvPr>
+          <p:cNvSpPr txBox="1"/>
+          <p:nvPr/>
+        </p:nvSpPr>
+        <p:spPr>
+          <a:xfrm>
+            <a:off x="8333577" y="3827379"/>
+            <a:ext cx="1903725" cy="338554"/>
+          </a:xfrm>
+          <a:prstGeom prst="rect">
+            <a:avLst/>
+          </a:prstGeom>
+          <a:noFill/>
+        </p:spPr>
+        <p:txBody>
+          <a:bodyPr wrap="square" rtlCol="0">
+            <a:spAutoFit/>
+          </a:bodyPr>
+          <a:lstStyle/>
+          <a:p>
+            <a:r>
+              <a:rPr lang="en-US" sz="1600" dirty="0"/>
+              <a:t>my-event-info[]</a:t>
+            </a:r>
+          </a:p>
+        </p:txBody>
+      </p:sp>
+      <p:sp>
+        <p:nvSpPr>
+          <p:cNvPr id="57" name="TextBox 56">
+            <a:extLst>
+              <a:ext uri="{FF2B5EF4-FFF2-40B4-BE49-F238E27FC236}">
+                <a16:creationId xmlns:a16="http://schemas.microsoft.com/office/drawing/2014/main" id="{BAB94BFB-9EF6-4FD9-97FD-73ADF006740D}"/>
+              </a:ext>
+            </a:extLst>
+          </p:cNvPr>
+          <p:cNvSpPr txBox="1"/>
+          <p:nvPr/>
+        </p:nvSpPr>
+        <p:spPr>
+          <a:xfrm>
+            <a:off x="9956231" y="3655876"/>
+            <a:ext cx="1903725" cy="338554"/>
+          </a:xfrm>
+          <a:prstGeom prst="rect">
+            <a:avLst/>
+          </a:prstGeom>
+          <a:noFill/>
+        </p:spPr>
+        <p:txBody>
+          <a:bodyPr wrap="square" rtlCol="0">
+            <a:spAutoFit/>
+          </a:bodyPr>
+          <a:lstStyle/>
+          <a:p>
+            <a:r>
+              <a:rPr lang="en-US" sz="1600" dirty="0"/>
+              <a:t>my-event-info[]</a:t>
+            </a:r>
+          </a:p>
+        </p:txBody>
+      </p:sp>
+      <p:sp>
+        <p:nvSpPr>
+          <p:cNvPr id="35" name="TextBox 34">
+            <a:extLst>
+              <a:ext uri="{FF2B5EF4-FFF2-40B4-BE49-F238E27FC236}">
+                <a16:creationId xmlns:a16="http://schemas.microsoft.com/office/drawing/2014/main" id="{BC8340DC-5644-4407-A26A-0B655E3AEAAA}"/>
+              </a:ext>
+            </a:extLst>
+          </p:cNvPr>
+          <p:cNvSpPr txBox="1"/>
+          <p:nvPr/>
+        </p:nvSpPr>
+        <p:spPr>
+          <a:xfrm>
+            <a:off x="0" y="132522"/>
+            <a:ext cx="5434218" cy="646331"/>
+          </a:xfrm>
+          <a:prstGeom prst="rect">
+            <a:avLst/>
+          </a:prstGeom>
+          <a:noFill/>
+        </p:spPr>
+        <p:txBody>
+          <a:bodyPr wrap="square" rtlCol="0">
+            <a:spAutoFit/>
+          </a:bodyPr>
+          <a:lstStyle/>
+          <a:p>
+            <a:pPr algn="ctr"/>
+            <a:r>
+              <a:rPr lang="en-US" sz="3600" dirty="0"/>
+              <a:t>Find Event</a:t>
+            </a:r>
+          </a:p>
+        </p:txBody>
+      </p:sp>
+    </p:spTree>
+    <p:extLst>
+      <p:ext uri="{BB962C8B-B14F-4D97-AF65-F5344CB8AC3E}">
+        <p14:creationId xmlns:p14="http://schemas.microsoft.com/office/powerpoint/2010/main" val="3439543303"/>
+      </p:ext>
+    </p:extLst>
+  </p:cSld>
+  <p:clrMapOvr>
+    <a:masterClrMapping/>
+  </p:clrMapOvr>
+</p:sld>
+</file>
+
+<file path=ppt/slides/slide7.xml><?xml version="1.0" encoding="utf-8"?>
+<p:sld xmlns:a="http://schemas.openxmlformats.org/drawingml/2006/main" xmlns:r="http://schemas.openxmlformats.org/officeDocument/2006/relationships" xmlns:p="http://schemas.openxmlformats.org/presentationml/2006/main">
+  <p:cSld>
+    <p:spTree>
+      <p:nvGrpSpPr>
+        <p:cNvPr id="1" name=""/>
+        <p:cNvGrpSpPr/>
+        <p:nvPr/>
+      </p:nvGrpSpPr>
+      <p:grpSpPr>
+        <a:xfrm>
+          <a:off x="0" y="0"/>
+          <a:ext cx="0" cy="0"/>
+          <a:chOff x="0" y="0"/>
+          <a:chExt cx="0" cy="0"/>
+        </a:xfrm>
+      </p:grpSpPr>
+      <p:sp>
+        <p:nvSpPr>
+          <p:cNvPr id="4" name="Rectangle: Rounded Corners 3">
+            <a:extLst>
+              <a:ext uri="{FF2B5EF4-FFF2-40B4-BE49-F238E27FC236}">
+                <a16:creationId xmlns:a16="http://schemas.microsoft.com/office/drawing/2014/main" id="{F935ACBB-D1B1-4181-ACC6-524C469439A0}"/>
+              </a:ext>
+            </a:extLst>
+          </p:cNvPr>
+          <p:cNvSpPr/>
+          <p:nvPr/>
+        </p:nvSpPr>
+        <p:spPr>
+          <a:xfrm>
+            <a:off x="6267451" y="848711"/>
+            <a:ext cx="1964366" cy="853846"/>
+          </a:xfrm>
+          <a:prstGeom prst="roundRect">
+            <a:avLst/>
+          </a:prstGeom>
+          <a:noFill/>
+          <a:ln w="19050">
+            <a:solidFill>
+              <a:schemeClr val="accent6">
+                <a:lumMod val="75000"/>
+              </a:schemeClr>
+            </a:solidFill>
+            <a:prstDash val="dash"/>
+          </a:ln>
+        </p:spPr>
+        <p:style>
+          <a:lnRef idx="2">
+            <a:schemeClr val="dk1"/>
+          </a:lnRef>
+          <a:fillRef idx="1">
+            <a:schemeClr val="lt1"/>
+          </a:fillRef>
+          <a:effectRef idx="0">
+            <a:schemeClr val="dk1"/>
+          </a:effectRef>
+          <a:fontRef idx="minor">
+            <a:schemeClr val="dk1"/>
+          </a:fontRef>
+        </p:style>
+        <p:txBody>
+          <a:bodyPr rtlCol="0" anchor="ctr"/>
+          <a:lstStyle/>
+          <a:p>
+            <a:pPr algn="ctr"/>
+            <a:endParaRPr lang="en-US" dirty="0">
+              <a:solidFill>
+                <a:srgbClr val="00B050"/>
+              </a:solidFill>
+            </a:endParaRPr>
+          </a:p>
+        </p:txBody>
+      </p:sp>
+      <p:sp>
+        <p:nvSpPr>
+          <p:cNvPr id="5" name="TextBox 4">
+            <a:extLst>
+              <a:ext uri="{FF2B5EF4-FFF2-40B4-BE49-F238E27FC236}">
+                <a16:creationId xmlns:a16="http://schemas.microsoft.com/office/drawing/2014/main" id="{C4E1D9FF-D502-4B0A-80D5-C06C9F0292E2}"/>
+              </a:ext>
+            </a:extLst>
+          </p:cNvPr>
+          <p:cNvSpPr txBox="1"/>
+          <p:nvPr/>
+        </p:nvSpPr>
+        <p:spPr>
+          <a:xfrm>
+            <a:off x="6756385" y="932298"/>
+            <a:ext cx="760218" cy="338554"/>
+          </a:xfrm>
+          <a:prstGeom prst="rect">
+            <a:avLst/>
+          </a:prstGeom>
+          <a:noFill/>
+        </p:spPr>
+        <p:txBody>
+          <a:bodyPr wrap="square" rtlCol="0">
+            <a:spAutoFit/>
+          </a:bodyPr>
+          <a:lstStyle/>
+          <a:p>
+            <a:r>
+              <a:rPr lang="en-US" sz="1600" b="1" dirty="0">
+                <a:solidFill>
+                  <a:srgbClr val="FF0000"/>
+                </a:solidFill>
+              </a:rPr>
+              <a:t>&lt;app&gt;</a:t>
+            </a:r>
+          </a:p>
+        </p:txBody>
+      </p:sp>
+      <p:sp>
+        <p:nvSpPr>
+          <p:cNvPr id="6" name="Arrow: Right 5">
+            <a:extLst>
+              <a:ext uri="{FF2B5EF4-FFF2-40B4-BE49-F238E27FC236}">
+                <a16:creationId xmlns:a16="http://schemas.microsoft.com/office/drawing/2014/main" id="{6224299E-2D28-4F89-B255-EFF93B22DAE6}"/>
+              </a:ext>
+            </a:extLst>
+          </p:cNvPr>
+          <p:cNvSpPr/>
+          <p:nvPr/>
+        </p:nvSpPr>
+        <p:spPr>
+          <a:xfrm>
+            <a:off x="8239202" y="1160230"/>
+            <a:ext cx="715215" cy="264105"/>
+          </a:xfrm>
+          <a:prstGeom prst="rightArrow">
+            <a:avLst/>
+          </a:prstGeom>
+          <a:solidFill>
+            <a:srgbClr val="FFFF00"/>
+          </a:solidFill>
+        </p:spPr>
+        <p:style>
+          <a:lnRef idx="2">
+            <a:schemeClr val="accent1">
+              <a:shade val="50000"/>
+            </a:schemeClr>
+          </a:lnRef>
+          <a:fillRef idx="1">
+            <a:schemeClr val="accent1"/>
+          </a:fillRef>
+          <a:effectRef idx="0">
+            <a:schemeClr val="accent1"/>
+          </a:effectRef>
+          <a:fontRef idx="minor">
+            <a:schemeClr val="lt1"/>
+          </a:fontRef>
+        </p:style>
+        <p:txBody>
+          <a:bodyPr rtlCol="0" anchor="ctr"/>
+          <a:lstStyle/>
+          <a:p>
+            <a:pPr algn="ctr"/>
+            <a:endParaRPr lang="en-US"/>
+          </a:p>
+        </p:txBody>
+      </p:sp>
+      <p:sp>
+        <p:nvSpPr>
+          <p:cNvPr id="7" name="TextBox 6">
+            <a:extLst>
+              <a:ext uri="{FF2B5EF4-FFF2-40B4-BE49-F238E27FC236}">
+                <a16:creationId xmlns:a16="http://schemas.microsoft.com/office/drawing/2014/main" id="{D53A29C6-1EFD-471E-A601-DA0390C59235}"/>
+              </a:ext>
+            </a:extLst>
+          </p:cNvPr>
+          <p:cNvSpPr txBox="1"/>
+          <p:nvPr/>
+        </p:nvSpPr>
+        <p:spPr>
+          <a:xfrm>
+            <a:off x="8156061" y="841660"/>
+            <a:ext cx="1129379" cy="338554"/>
+          </a:xfrm>
+          <a:prstGeom prst="rect">
+            <a:avLst/>
+          </a:prstGeom>
+          <a:noFill/>
+        </p:spPr>
+        <p:txBody>
+          <a:bodyPr wrap="square" rtlCol="0">
+            <a:spAutoFit/>
+          </a:bodyPr>
+          <a:lstStyle/>
+          <a:p>
+            <a:r>
+              <a:rPr lang="en-US" sz="1600" b="1" dirty="0">
+                <a:solidFill>
+                  <a:schemeClr val="accent4">
+                    <a:lumMod val="75000"/>
+                  </a:schemeClr>
+                </a:solidFill>
+              </a:rPr>
+              <a:t>PROVIDE</a:t>
+            </a:r>
+          </a:p>
+        </p:txBody>
+      </p:sp>
+      <p:cxnSp>
+        <p:nvCxnSpPr>
+          <p:cNvPr id="9" name="Straight Connector 8">
+            <a:extLst>
+              <a:ext uri="{FF2B5EF4-FFF2-40B4-BE49-F238E27FC236}">
+                <a16:creationId xmlns:a16="http://schemas.microsoft.com/office/drawing/2014/main" id="{E5F1067E-6432-494C-A9F6-A0356A32135E}"/>
+              </a:ext>
+            </a:extLst>
+          </p:cNvPr>
+          <p:cNvCxnSpPr/>
+          <p:nvPr/>
+        </p:nvCxnSpPr>
+        <p:spPr>
+          <a:xfrm>
+            <a:off x="5434219" y="0"/>
+            <a:ext cx="0" cy="6858000"/>
+          </a:xfrm>
+          <a:prstGeom prst="line">
+            <a:avLst/>
+          </a:prstGeom>
+        </p:spPr>
+        <p:style>
+          <a:lnRef idx="1">
+            <a:schemeClr val="accent1"/>
+          </a:lnRef>
+          <a:fillRef idx="0">
+            <a:schemeClr val="accent1"/>
+          </a:fillRef>
+          <a:effectRef idx="0">
+            <a:schemeClr val="accent1"/>
+          </a:effectRef>
+          <a:fontRef idx="minor">
+            <a:schemeClr val="tx1"/>
+          </a:fontRef>
+        </p:style>
+      </p:cxnSp>
+      <p:sp>
+        <p:nvSpPr>
+          <p:cNvPr id="11" name="Rectangle: Rounded Corners 10">
+            <a:extLst>
+              <a:ext uri="{FF2B5EF4-FFF2-40B4-BE49-F238E27FC236}">
+                <a16:creationId xmlns:a16="http://schemas.microsoft.com/office/drawing/2014/main" id="{0B356C56-401C-4550-809F-81C9647AFAD7}"/>
+              </a:ext>
+            </a:extLst>
+          </p:cNvPr>
+          <p:cNvSpPr/>
+          <p:nvPr/>
+        </p:nvSpPr>
+        <p:spPr>
+          <a:xfrm>
+            <a:off x="9787773" y="2514440"/>
+            <a:ext cx="1964366" cy="853846"/>
+          </a:xfrm>
+          <a:prstGeom prst="roundRect">
+            <a:avLst/>
+          </a:prstGeom>
+          <a:noFill/>
+          <a:ln w="19050">
+            <a:solidFill>
+              <a:schemeClr val="accent6">
+                <a:lumMod val="75000"/>
+              </a:schemeClr>
+            </a:solidFill>
+            <a:prstDash val="dash"/>
+          </a:ln>
+        </p:spPr>
+        <p:style>
+          <a:lnRef idx="2">
+            <a:schemeClr val="dk1"/>
+          </a:lnRef>
+          <a:fillRef idx="1">
+            <a:schemeClr val="lt1"/>
+          </a:fillRef>
+          <a:effectRef idx="0">
+            <a:schemeClr val="dk1"/>
+          </a:effectRef>
+          <a:fontRef idx="minor">
+            <a:schemeClr val="dk1"/>
+          </a:fontRef>
+        </p:style>
+        <p:txBody>
+          <a:bodyPr rtlCol="0" anchor="ctr"/>
+          <a:lstStyle/>
+          <a:p>
+            <a:pPr algn="ctr"/>
+            <a:endParaRPr lang="en-US" dirty="0">
+              <a:solidFill>
+                <a:srgbClr val="00B050"/>
+              </a:solidFill>
+            </a:endParaRPr>
+          </a:p>
+        </p:txBody>
+      </p:sp>
+      <p:sp>
+        <p:nvSpPr>
+          <p:cNvPr id="12" name="TextBox 11">
+            <a:extLst>
+              <a:ext uri="{FF2B5EF4-FFF2-40B4-BE49-F238E27FC236}">
+                <a16:creationId xmlns:a16="http://schemas.microsoft.com/office/drawing/2014/main" id="{E9DE379E-D876-4DBB-A7D9-848AF669CA2E}"/>
+              </a:ext>
+            </a:extLst>
+          </p:cNvPr>
+          <p:cNvSpPr txBox="1"/>
+          <p:nvPr/>
+        </p:nvSpPr>
+        <p:spPr>
+          <a:xfrm>
+            <a:off x="9895590" y="2514440"/>
+            <a:ext cx="1774544" cy="338554"/>
+          </a:xfrm>
+          <a:prstGeom prst="rect">
+            <a:avLst/>
+          </a:prstGeom>
+          <a:noFill/>
+        </p:spPr>
+        <p:txBody>
+          <a:bodyPr wrap="square" rtlCol="0">
+            <a:spAutoFit/>
+          </a:bodyPr>
+          <a:lstStyle/>
+          <a:p>
+            <a:r>
+              <a:rPr lang="en-US" sz="1600" b="1" dirty="0">
+                <a:solidFill>
+                  <a:srgbClr val="FF0000"/>
+                </a:solidFill>
+              </a:rPr>
+              <a:t>&lt;category-view&gt;</a:t>
+            </a:r>
+          </a:p>
+        </p:txBody>
+      </p:sp>
+      <p:sp>
+        <p:nvSpPr>
+          <p:cNvPr id="15" name="Arrow: Right 14">
+            <a:extLst>
+              <a:ext uri="{FF2B5EF4-FFF2-40B4-BE49-F238E27FC236}">
+                <a16:creationId xmlns:a16="http://schemas.microsoft.com/office/drawing/2014/main" id="{B0D302FF-C607-4915-AAA6-6CE85FD59BA9}"/>
+              </a:ext>
+            </a:extLst>
+          </p:cNvPr>
+          <p:cNvSpPr/>
+          <p:nvPr/>
+        </p:nvSpPr>
+        <p:spPr>
+          <a:xfrm>
+            <a:off x="9063369" y="2775043"/>
+            <a:ext cx="715215" cy="264105"/>
+          </a:xfrm>
+          <a:prstGeom prst="rightArrow">
+            <a:avLst/>
+          </a:prstGeom>
+          <a:solidFill>
+            <a:srgbClr val="FFFF00"/>
+          </a:solidFill>
+        </p:spPr>
+        <p:style>
+          <a:lnRef idx="2">
+            <a:schemeClr val="accent1">
+              <a:shade val="50000"/>
+            </a:schemeClr>
+          </a:lnRef>
+          <a:fillRef idx="1">
+            <a:schemeClr val="accent1"/>
+          </a:fillRef>
+          <a:effectRef idx="0">
+            <a:schemeClr val="accent1"/>
+          </a:effectRef>
+          <a:fontRef idx="minor">
+            <a:schemeClr val="lt1"/>
+          </a:fontRef>
+        </p:style>
+        <p:txBody>
+          <a:bodyPr rtlCol="0" anchor="ctr"/>
+          <a:lstStyle/>
+          <a:p>
+            <a:pPr algn="ctr"/>
+            <a:endParaRPr lang="en-US"/>
+          </a:p>
+        </p:txBody>
+      </p:sp>
+      <p:sp>
+        <p:nvSpPr>
+          <p:cNvPr id="16" name="TextBox 15">
+            <a:extLst>
+              <a:ext uri="{FF2B5EF4-FFF2-40B4-BE49-F238E27FC236}">
+                <a16:creationId xmlns:a16="http://schemas.microsoft.com/office/drawing/2014/main" id="{15842F55-9100-47E6-99B1-F76342230B42}"/>
+              </a:ext>
+            </a:extLst>
+          </p:cNvPr>
+          <p:cNvSpPr txBox="1"/>
+          <p:nvPr/>
+        </p:nvSpPr>
+        <p:spPr>
+          <a:xfrm>
+            <a:off x="9054180" y="2459053"/>
+            <a:ext cx="917448" cy="338554"/>
+          </a:xfrm>
+          <a:prstGeom prst="rect">
+            <a:avLst/>
+          </a:prstGeom>
+          <a:noFill/>
+        </p:spPr>
+        <p:txBody>
+          <a:bodyPr wrap="square" rtlCol="0">
+            <a:spAutoFit/>
+          </a:bodyPr>
+          <a:lstStyle/>
+          <a:p>
+            <a:r>
+              <a:rPr lang="en-US" sz="1600" b="1" dirty="0">
+                <a:solidFill>
+                  <a:schemeClr val="accent4">
+                    <a:lumMod val="75000"/>
+                  </a:schemeClr>
+                </a:solidFill>
+              </a:rPr>
+              <a:t>INJECT</a:t>
+            </a:r>
+          </a:p>
+        </p:txBody>
+      </p:sp>
+      <p:sp>
+        <p:nvSpPr>
+          <p:cNvPr id="17" name="TextBox 16">
+            <a:extLst>
+              <a:ext uri="{FF2B5EF4-FFF2-40B4-BE49-F238E27FC236}">
+                <a16:creationId xmlns:a16="http://schemas.microsoft.com/office/drawing/2014/main" id="{10238D02-109C-40B7-85AC-43EFB2661CAA}"/>
+              </a:ext>
+            </a:extLst>
+          </p:cNvPr>
+          <p:cNvSpPr txBox="1"/>
+          <p:nvPr/>
+        </p:nvSpPr>
+        <p:spPr>
+          <a:xfrm>
+            <a:off x="6352509" y="1786144"/>
+            <a:ext cx="4383329" cy="338554"/>
+          </a:xfrm>
+          <a:prstGeom prst="rect">
+            <a:avLst/>
+          </a:prstGeom>
+          <a:noFill/>
+        </p:spPr>
+        <p:txBody>
+          <a:bodyPr wrap="square" rtlCol="0">
+            <a:spAutoFit/>
+          </a:bodyPr>
+          <a:lstStyle/>
+          <a:p>
+            <a:r>
+              <a:rPr lang="en-US" sz="1600" dirty="0"/>
+              <a:t>// </a:t>
+            </a:r>
+            <a:r>
+              <a:rPr lang="en-US" sz="1600" dirty="0">
+                <a:solidFill>
+                  <a:srgbClr val="FF0000"/>
+                </a:solidFill>
+              </a:rPr>
+              <a:t>app  </a:t>
+            </a:r>
+            <a:r>
+              <a:rPr lang="en-US" sz="1600" dirty="0"/>
+              <a:t>provides category information to anymore</a:t>
+            </a:r>
+          </a:p>
+        </p:txBody>
+      </p:sp>
+      <p:sp>
+        <p:nvSpPr>
+          <p:cNvPr id="18" name="Rectangle: Rounded Corners 17">
+            <a:extLst>
+              <a:ext uri="{FF2B5EF4-FFF2-40B4-BE49-F238E27FC236}">
+                <a16:creationId xmlns:a16="http://schemas.microsoft.com/office/drawing/2014/main" id="{D7BA7CA2-B310-42DF-A1B1-E4F1470A1424}"/>
+              </a:ext>
+            </a:extLst>
+          </p:cNvPr>
+          <p:cNvSpPr/>
+          <p:nvPr/>
+        </p:nvSpPr>
+        <p:spPr>
+          <a:xfrm>
+            <a:off x="5917415" y="4561711"/>
+            <a:ext cx="2645466" cy="684786"/>
+          </a:xfrm>
+          <a:prstGeom prst="roundRect">
+            <a:avLst/>
+          </a:prstGeom>
+          <a:noFill/>
+          <a:ln w="19050">
+            <a:solidFill>
+              <a:schemeClr val="accent5">
+                <a:lumMod val="75000"/>
+              </a:schemeClr>
+            </a:solidFill>
+            <a:prstDash val="dash"/>
+          </a:ln>
+        </p:spPr>
+        <p:style>
+          <a:lnRef idx="2">
+            <a:schemeClr val="dk1"/>
+          </a:lnRef>
+          <a:fillRef idx="1">
+            <a:schemeClr val="lt1"/>
+          </a:fillRef>
+          <a:effectRef idx="0">
+            <a:schemeClr val="dk1"/>
+          </a:effectRef>
+          <a:fontRef idx="minor">
+            <a:schemeClr val="dk1"/>
+          </a:fontRef>
+        </p:style>
+        <p:txBody>
+          <a:bodyPr rtlCol="0" anchor="ctr"/>
+          <a:lstStyle/>
+          <a:p>
+            <a:pPr algn="ctr"/>
+            <a:endParaRPr lang="en-US" dirty="0">
+              <a:solidFill>
+                <a:srgbClr val="00B050"/>
+              </a:solidFill>
+            </a:endParaRPr>
+          </a:p>
+        </p:txBody>
+      </p:sp>
+      <p:sp>
+        <p:nvSpPr>
+          <p:cNvPr id="19" name="TextBox 18">
+            <a:extLst>
+              <a:ext uri="{FF2B5EF4-FFF2-40B4-BE49-F238E27FC236}">
+                <a16:creationId xmlns:a16="http://schemas.microsoft.com/office/drawing/2014/main" id="{F2E6B44E-2FCA-438C-82F7-D8FF7B4B246B}"/>
+              </a:ext>
+            </a:extLst>
+          </p:cNvPr>
+          <p:cNvSpPr txBox="1"/>
+          <p:nvPr/>
+        </p:nvSpPr>
+        <p:spPr>
+          <a:xfrm>
+            <a:off x="6622498" y="4742964"/>
+            <a:ext cx="1427751" cy="338554"/>
+          </a:xfrm>
+          <a:prstGeom prst="rect">
+            <a:avLst/>
+          </a:prstGeom>
+          <a:noFill/>
+        </p:spPr>
+        <p:txBody>
+          <a:bodyPr wrap="square" rtlCol="0">
+            <a:spAutoFit/>
+          </a:bodyPr>
+          <a:lstStyle/>
+          <a:p>
+            <a:r>
+              <a:rPr lang="en-US" sz="1600" b="1" dirty="0">
+                <a:solidFill>
+                  <a:srgbClr val="7030A0"/>
+                </a:solidFill>
+              </a:rPr>
+              <a:t>&lt;router-view&gt;</a:t>
+            </a:r>
+          </a:p>
+        </p:txBody>
+      </p:sp>
+      <p:sp>
+        <p:nvSpPr>
+          <p:cNvPr id="20" name="TextBox 19">
+            <a:extLst>
+              <a:ext uri="{FF2B5EF4-FFF2-40B4-BE49-F238E27FC236}">
+                <a16:creationId xmlns:a16="http://schemas.microsoft.com/office/drawing/2014/main" id="{B643F800-F34D-4076-8E7F-C68C8AA6F0EF}"/>
+              </a:ext>
+            </a:extLst>
+          </p:cNvPr>
+          <p:cNvSpPr txBox="1"/>
+          <p:nvPr/>
+        </p:nvSpPr>
+        <p:spPr>
+          <a:xfrm>
+            <a:off x="6035013" y="5537941"/>
+            <a:ext cx="2911350" cy="338554"/>
+          </a:xfrm>
+          <a:prstGeom prst="rect">
+            <a:avLst/>
+          </a:prstGeom>
+          <a:noFill/>
+        </p:spPr>
+        <p:txBody>
+          <a:bodyPr wrap="square" rtlCol="0">
+            <a:spAutoFit/>
+          </a:bodyPr>
+          <a:lstStyle/>
+          <a:p>
+            <a:r>
+              <a:rPr lang="en-US" sz="1600" dirty="0"/>
+              <a:t>// Vue JS built-in component</a:t>
+            </a:r>
+          </a:p>
+        </p:txBody>
+      </p:sp>
+      <p:sp>
+        <p:nvSpPr>
+          <p:cNvPr id="21" name="Rectangle: Rounded Corners 20">
+            <a:extLst>
+              <a:ext uri="{FF2B5EF4-FFF2-40B4-BE49-F238E27FC236}">
+                <a16:creationId xmlns:a16="http://schemas.microsoft.com/office/drawing/2014/main" id="{471218D4-50C0-4F67-B38C-5D5949AFC1CB}"/>
+              </a:ext>
+            </a:extLst>
+          </p:cNvPr>
+          <p:cNvSpPr/>
+          <p:nvPr/>
+        </p:nvSpPr>
+        <p:spPr>
+          <a:xfrm>
+            <a:off x="1199332" y="932298"/>
+            <a:ext cx="1964366" cy="853846"/>
+          </a:xfrm>
+          <a:prstGeom prst="roundRect">
+            <a:avLst/>
+          </a:prstGeom>
+          <a:noFill/>
+          <a:ln w="19050">
+            <a:solidFill>
+              <a:schemeClr val="accent6">
+                <a:lumMod val="75000"/>
+              </a:schemeClr>
+            </a:solidFill>
+            <a:prstDash val="dash"/>
+          </a:ln>
+        </p:spPr>
+        <p:style>
+          <a:lnRef idx="2">
+            <a:schemeClr val="dk1"/>
+          </a:lnRef>
+          <a:fillRef idx="1">
+            <a:schemeClr val="lt1"/>
+          </a:fillRef>
+          <a:effectRef idx="0">
+            <a:schemeClr val="dk1"/>
+          </a:effectRef>
+          <a:fontRef idx="minor">
+            <a:schemeClr val="dk1"/>
+          </a:fontRef>
+        </p:style>
+        <p:txBody>
+          <a:bodyPr rtlCol="0" anchor="ctr"/>
+          <a:lstStyle/>
+          <a:p>
+            <a:pPr algn="ctr"/>
+            <a:endParaRPr lang="en-US" dirty="0">
+              <a:solidFill>
+                <a:srgbClr val="00B050"/>
+              </a:solidFill>
+            </a:endParaRPr>
+          </a:p>
+        </p:txBody>
+      </p:sp>
+      <p:sp>
+        <p:nvSpPr>
+          <p:cNvPr id="22" name="TextBox 21">
+            <a:extLst>
+              <a:ext uri="{FF2B5EF4-FFF2-40B4-BE49-F238E27FC236}">
+                <a16:creationId xmlns:a16="http://schemas.microsoft.com/office/drawing/2014/main" id="{001AFAB7-3BED-4AB6-9756-303D0A55C42D}"/>
+              </a:ext>
+            </a:extLst>
+          </p:cNvPr>
+          <p:cNvSpPr txBox="1"/>
+          <p:nvPr/>
+        </p:nvSpPr>
+        <p:spPr>
+          <a:xfrm>
+            <a:off x="1688266" y="1015885"/>
+            <a:ext cx="760218" cy="338554"/>
+          </a:xfrm>
+          <a:prstGeom prst="rect">
+            <a:avLst/>
+          </a:prstGeom>
+          <a:noFill/>
+        </p:spPr>
+        <p:txBody>
+          <a:bodyPr wrap="square" rtlCol="0">
+            <a:spAutoFit/>
+          </a:bodyPr>
+          <a:lstStyle/>
+          <a:p>
+            <a:r>
+              <a:rPr lang="en-US" sz="1600" b="1" dirty="0">
+                <a:solidFill>
+                  <a:srgbClr val="FF0000"/>
+                </a:solidFill>
+              </a:rPr>
+              <a:t>&lt;app&gt;</a:t>
+            </a:r>
+          </a:p>
+        </p:txBody>
+      </p:sp>
+      <p:sp>
+        <p:nvSpPr>
+          <p:cNvPr id="23" name="TextBox 22">
+            <a:extLst>
+              <a:ext uri="{FF2B5EF4-FFF2-40B4-BE49-F238E27FC236}">
+                <a16:creationId xmlns:a16="http://schemas.microsoft.com/office/drawing/2014/main" id="{C98AADE0-BBC0-48B2-BF05-58BDFFC3B0FC}"/>
+              </a:ext>
+            </a:extLst>
+          </p:cNvPr>
+          <p:cNvSpPr txBox="1"/>
+          <p:nvPr/>
+        </p:nvSpPr>
+        <p:spPr>
+          <a:xfrm>
+            <a:off x="1199332" y="1284581"/>
             <a:ext cx="1903725" cy="338554"/>
           </a:xfrm>
           <a:prstGeom prst="rect">
@@ -10173,19 +11498,487 @@
       </p:sp>
       <p:sp>
         <p:nvSpPr>
-          <p:cNvPr id="52" name="TextBox 51">
-            <a:extLst>
-              <a:ext uri="{FF2B5EF4-FFF2-40B4-BE49-F238E27FC236}">
-                <a16:creationId xmlns:a16="http://schemas.microsoft.com/office/drawing/2014/main" id="{1B1382C8-7750-43A6-91A8-68E429923F4A}"/>
-              </a:ext>
-            </a:extLst>
-          </p:cNvPr>
-          <p:cNvSpPr txBox="1"/>
-          <p:nvPr/>
-        </p:nvSpPr>
-        <p:spPr>
-          <a:xfrm>
-            <a:off x="8156061" y="886037"/>
+          <p:cNvPr id="24" name="TextBox 23">
+            <a:extLst>
+              <a:ext uri="{FF2B5EF4-FFF2-40B4-BE49-F238E27FC236}">
+                <a16:creationId xmlns:a16="http://schemas.microsoft.com/office/drawing/2014/main" id="{C44F45A5-B171-482E-ACD5-8FD936F9F55D}"/>
+              </a:ext>
+            </a:extLst>
+          </p:cNvPr>
+          <p:cNvSpPr txBox="1"/>
+          <p:nvPr/>
+        </p:nvSpPr>
+        <p:spPr>
+          <a:xfrm>
+            <a:off x="521866" y="1978283"/>
+            <a:ext cx="4606724" cy="584775"/>
+          </a:xfrm>
+          <a:prstGeom prst="rect">
+            <a:avLst/>
+          </a:prstGeom>
+          <a:noFill/>
+        </p:spPr>
+        <p:txBody>
+          <a:bodyPr wrap="square" rtlCol="0">
+            <a:spAutoFit/>
+          </a:bodyPr>
+          <a:lstStyle/>
+          <a:p>
+            <a:r>
+              <a:rPr lang="en-US" sz="1600" dirty="0"/>
+              <a:t>// A component with a list of category information as data</a:t>
+            </a:r>
+          </a:p>
+        </p:txBody>
+      </p:sp>
+      <p:sp>
+        <p:nvSpPr>
+          <p:cNvPr id="25" name="TextBox 24">
+            <a:extLst>
+              <a:ext uri="{FF2B5EF4-FFF2-40B4-BE49-F238E27FC236}">
+                <a16:creationId xmlns:a16="http://schemas.microsoft.com/office/drawing/2014/main" id="{BC8013E9-4EFA-46A6-8A66-13FF8B9AC62C}"/>
+              </a:ext>
+            </a:extLst>
+          </p:cNvPr>
+          <p:cNvSpPr txBox="1"/>
+          <p:nvPr/>
+        </p:nvSpPr>
+        <p:spPr>
+          <a:xfrm>
+            <a:off x="6756385" y="3490453"/>
+            <a:ext cx="5371852" cy="338554"/>
+          </a:xfrm>
+          <a:prstGeom prst="rect">
+            <a:avLst/>
+          </a:prstGeom>
+          <a:noFill/>
+        </p:spPr>
+        <p:txBody>
+          <a:bodyPr wrap="square" rtlCol="0">
+            <a:spAutoFit/>
+          </a:bodyPr>
+          <a:lstStyle/>
+          <a:p>
+            <a:r>
+              <a:rPr lang="en-US" sz="1600" dirty="0"/>
+              <a:t>//</a:t>
+            </a:r>
+            <a:r>
+              <a:rPr lang="en-US" sz="1600" dirty="0">
+                <a:solidFill>
+                  <a:srgbClr val="FF0000"/>
+                </a:solidFill>
+              </a:rPr>
+              <a:t>category-view </a:t>
+            </a:r>
+            <a:r>
+              <a:rPr lang="en-US" sz="1600" dirty="0"/>
+              <a:t>gets my-event information from a provider</a:t>
+            </a:r>
+          </a:p>
+        </p:txBody>
+      </p:sp>
+      <p:sp>
+        <p:nvSpPr>
+          <p:cNvPr id="29" name="Rectangle: Rounded Corners 28">
+            <a:extLst>
+              <a:ext uri="{FF2B5EF4-FFF2-40B4-BE49-F238E27FC236}">
+                <a16:creationId xmlns:a16="http://schemas.microsoft.com/office/drawing/2014/main" id="{25276C31-8E86-4F25-BF01-19D0240494FE}"/>
+              </a:ext>
+            </a:extLst>
+          </p:cNvPr>
+          <p:cNvSpPr/>
+          <p:nvPr/>
+        </p:nvSpPr>
+        <p:spPr>
+          <a:xfrm>
+            <a:off x="98483" y="3039148"/>
+            <a:ext cx="1964366" cy="853846"/>
+          </a:xfrm>
+          <a:prstGeom prst="roundRect">
+            <a:avLst/>
+          </a:prstGeom>
+          <a:noFill/>
+          <a:ln w="19050">
+            <a:solidFill>
+              <a:schemeClr val="accent6">
+                <a:lumMod val="75000"/>
+              </a:schemeClr>
+            </a:solidFill>
+            <a:prstDash val="dash"/>
+          </a:ln>
+        </p:spPr>
+        <p:style>
+          <a:lnRef idx="2">
+            <a:schemeClr val="dk1"/>
+          </a:lnRef>
+          <a:fillRef idx="1">
+            <a:schemeClr val="lt1"/>
+          </a:fillRef>
+          <a:effectRef idx="0">
+            <a:schemeClr val="dk1"/>
+          </a:effectRef>
+          <a:fontRef idx="minor">
+            <a:schemeClr val="dk1"/>
+          </a:fontRef>
+        </p:style>
+        <p:txBody>
+          <a:bodyPr rtlCol="0" anchor="ctr"/>
+          <a:lstStyle/>
+          <a:p>
+            <a:pPr algn="ctr"/>
+            <a:endParaRPr lang="en-US" dirty="0">
+              <a:solidFill>
+                <a:srgbClr val="00B050"/>
+              </a:solidFill>
+            </a:endParaRPr>
+          </a:p>
+        </p:txBody>
+      </p:sp>
+      <p:sp>
+        <p:nvSpPr>
+          <p:cNvPr id="30" name="TextBox 29">
+            <a:extLst>
+              <a:ext uri="{FF2B5EF4-FFF2-40B4-BE49-F238E27FC236}">
+                <a16:creationId xmlns:a16="http://schemas.microsoft.com/office/drawing/2014/main" id="{BA0D3337-9C3D-4B12-933D-3010EA6C96D1}"/>
+              </a:ext>
+            </a:extLst>
+          </p:cNvPr>
+          <p:cNvSpPr txBox="1"/>
+          <p:nvPr/>
+        </p:nvSpPr>
+        <p:spPr>
+          <a:xfrm>
+            <a:off x="587417" y="3122735"/>
+            <a:ext cx="760218" cy="338554"/>
+          </a:xfrm>
+          <a:prstGeom prst="rect">
+            <a:avLst/>
+          </a:prstGeom>
+          <a:noFill/>
+        </p:spPr>
+        <p:txBody>
+          <a:bodyPr wrap="square" rtlCol="0">
+            <a:spAutoFit/>
+          </a:bodyPr>
+          <a:lstStyle/>
+          <a:p>
+            <a:r>
+              <a:rPr lang="en-US" sz="1600" b="1" dirty="0">
+                <a:solidFill>
+                  <a:srgbClr val="FF0000"/>
+                </a:solidFill>
+              </a:rPr>
+              <a:t>&lt;app&gt;</a:t>
+            </a:r>
+          </a:p>
+        </p:txBody>
+      </p:sp>
+      <p:sp>
+        <p:nvSpPr>
+          <p:cNvPr id="33" name="Rectangle: Rounded Corners 32">
+            <a:extLst>
+              <a:ext uri="{FF2B5EF4-FFF2-40B4-BE49-F238E27FC236}">
+                <a16:creationId xmlns:a16="http://schemas.microsoft.com/office/drawing/2014/main" id="{87A0A934-5288-4DD0-A262-AE816FCDA6D6}"/>
+              </a:ext>
+            </a:extLst>
+          </p:cNvPr>
+          <p:cNvSpPr/>
+          <p:nvPr/>
+        </p:nvSpPr>
+        <p:spPr>
+          <a:xfrm>
+            <a:off x="3103057" y="3063530"/>
+            <a:ext cx="1964366" cy="853846"/>
+          </a:xfrm>
+          <a:prstGeom prst="roundRect">
+            <a:avLst/>
+          </a:prstGeom>
+          <a:noFill/>
+          <a:ln w="19050">
+            <a:solidFill>
+              <a:schemeClr val="accent6">
+                <a:lumMod val="75000"/>
+              </a:schemeClr>
+            </a:solidFill>
+            <a:prstDash val="dash"/>
+          </a:ln>
+        </p:spPr>
+        <p:style>
+          <a:lnRef idx="2">
+            <a:schemeClr val="dk1"/>
+          </a:lnRef>
+          <a:fillRef idx="1">
+            <a:schemeClr val="lt1"/>
+          </a:fillRef>
+          <a:effectRef idx="0">
+            <a:schemeClr val="dk1"/>
+          </a:effectRef>
+          <a:fontRef idx="minor">
+            <a:schemeClr val="dk1"/>
+          </a:fontRef>
+        </p:style>
+        <p:txBody>
+          <a:bodyPr rtlCol="0" anchor="ctr"/>
+          <a:lstStyle/>
+          <a:p>
+            <a:pPr algn="ctr"/>
+            <a:endParaRPr lang="en-US" dirty="0">
+              <a:solidFill>
+                <a:srgbClr val="00B050"/>
+              </a:solidFill>
+            </a:endParaRPr>
+          </a:p>
+        </p:txBody>
+      </p:sp>
+      <p:sp>
+        <p:nvSpPr>
+          <p:cNvPr id="34" name="TextBox 33">
+            <a:extLst>
+              <a:ext uri="{FF2B5EF4-FFF2-40B4-BE49-F238E27FC236}">
+                <a16:creationId xmlns:a16="http://schemas.microsoft.com/office/drawing/2014/main" id="{B7C6FE79-5BD1-4CFA-BFAF-2F4283479B16}"/>
+              </a:ext>
+            </a:extLst>
+          </p:cNvPr>
+          <p:cNvSpPr txBox="1"/>
+          <p:nvPr/>
+        </p:nvSpPr>
+        <p:spPr>
+          <a:xfrm>
+            <a:off x="3041890" y="3147117"/>
+            <a:ext cx="1964366" cy="338554"/>
+          </a:xfrm>
+          <a:prstGeom prst="rect">
+            <a:avLst/>
+          </a:prstGeom>
+          <a:noFill/>
+        </p:spPr>
+        <p:txBody>
+          <a:bodyPr wrap="square" rtlCol="0">
+            <a:spAutoFit/>
+          </a:bodyPr>
+          <a:lstStyle/>
+          <a:p>
+            <a:pPr algn="ctr"/>
+            <a:r>
+              <a:rPr lang="en-US" sz="1600" b="1" dirty="0">
+                <a:solidFill>
+                  <a:srgbClr val="FF0000"/>
+                </a:solidFill>
+              </a:rPr>
+              <a:t>&lt;category-card&gt;</a:t>
+            </a:r>
+          </a:p>
+        </p:txBody>
+      </p:sp>
+      <p:sp>
+        <p:nvSpPr>
+          <p:cNvPr id="36" name="Rectangle: Rounded Corners 35">
+            <a:extLst>
+              <a:ext uri="{FF2B5EF4-FFF2-40B4-BE49-F238E27FC236}">
+                <a16:creationId xmlns:a16="http://schemas.microsoft.com/office/drawing/2014/main" id="{042E4505-100E-4891-B23C-BD4D3FC30012}"/>
+              </a:ext>
+            </a:extLst>
+          </p:cNvPr>
+          <p:cNvSpPr/>
+          <p:nvPr/>
+        </p:nvSpPr>
+        <p:spPr>
+          <a:xfrm>
+            <a:off x="98483" y="5057136"/>
+            <a:ext cx="1964366" cy="853846"/>
+          </a:xfrm>
+          <a:prstGeom prst="roundRect">
+            <a:avLst/>
+          </a:prstGeom>
+          <a:noFill/>
+          <a:ln w="19050">
+            <a:solidFill>
+              <a:schemeClr val="accent6">
+                <a:lumMod val="75000"/>
+              </a:schemeClr>
+            </a:solidFill>
+            <a:prstDash val="dash"/>
+          </a:ln>
+        </p:spPr>
+        <p:style>
+          <a:lnRef idx="2">
+            <a:schemeClr val="dk1"/>
+          </a:lnRef>
+          <a:fillRef idx="1">
+            <a:schemeClr val="lt1"/>
+          </a:fillRef>
+          <a:effectRef idx="0">
+            <a:schemeClr val="dk1"/>
+          </a:effectRef>
+          <a:fontRef idx="minor">
+            <a:schemeClr val="dk1"/>
+          </a:fontRef>
+        </p:style>
+        <p:txBody>
+          <a:bodyPr rtlCol="0" anchor="ctr"/>
+          <a:lstStyle/>
+          <a:p>
+            <a:pPr algn="ctr"/>
+            <a:endParaRPr lang="en-US" dirty="0">
+              <a:solidFill>
+                <a:srgbClr val="00B050"/>
+              </a:solidFill>
+            </a:endParaRPr>
+          </a:p>
+        </p:txBody>
+      </p:sp>
+      <p:sp>
+        <p:nvSpPr>
+          <p:cNvPr id="37" name="TextBox 36">
+            <a:extLst>
+              <a:ext uri="{FF2B5EF4-FFF2-40B4-BE49-F238E27FC236}">
+                <a16:creationId xmlns:a16="http://schemas.microsoft.com/office/drawing/2014/main" id="{D14AB65D-5AEE-42A7-AB74-69A2F3CED147}"/>
+              </a:ext>
+            </a:extLst>
+          </p:cNvPr>
+          <p:cNvSpPr txBox="1"/>
+          <p:nvPr/>
+        </p:nvSpPr>
+        <p:spPr>
+          <a:xfrm>
+            <a:off x="587417" y="5140723"/>
+            <a:ext cx="983404" cy="338554"/>
+          </a:xfrm>
+          <a:prstGeom prst="rect">
+            <a:avLst/>
+          </a:prstGeom>
+          <a:noFill/>
+        </p:spPr>
+        <p:txBody>
+          <a:bodyPr wrap="square" rtlCol="0">
+            <a:spAutoFit/>
+          </a:bodyPr>
+          <a:lstStyle/>
+          <a:p>
+            <a:r>
+              <a:rPr lang="en-US" sz="1600" b="1" dirty="0">
+                <a:solidFill>
+                  <a:srgbClr val="FF0000"/>
+                </a:solidFill>
+              </a:rPr>
+              <a:t>&lt;parent&gt;</a:t>
+            </a:r>
+          </a:p>
+        </p:txBody>
+      </p:sp>
+      <p:sp>
+        <p:nvSpPr>
+          <p:cNvPr id="39" name="Rectangle: Rounded Corners 38">
+            <a:extLst>
+              <a:ext uri="{FF2B5EF4-FFF2-40B4-BE49-F238E27FC236}">
+                <a16:creationId xmlns:a16="http://schemas.microsoft.com/office/drawing/2014/main" id="{64C89FD5-37CC-4CC5-9A34-C653A9A2C3A6}"/>
+              </a:ext>
+            </a:extLst>
+          </p:cNvPr>
+          <p:cNvSpPr/>
+          <p:nvPr/>
+        </p:nvSpPr>
+        <p:spPr>
+          <a:xfrm>
+            <a:off x="3103057" y="5081518"/>
+            <a:ext cx="1964366" cy="853846"/>
+          </a:xfrm>
+          <a:prstGeom prst="roundRect">
+            <a:avLst/>
+          </a:prstGeom>
+          <a:noFill/>
+          <a:ln w="19050">
+            <a:solidFill>
+              <a:schemeClr val="accent6">
+                <a:lumMod val="75000"/>
+              </a:schemeClr>
+            </a:solidFill>
+            <a:prstDash val="dash"/>
+          </a:ln>
+        </p:spPr>
+        <p:style>
+          <a:lnRef idx="2">
+            <a:schemeClr val="dk1"/>
+          </a:lnRef>
+          <a:fillRef idx="1">
+            <a:schemeClr val="lt1"/>
+          </a:fillRef>
+          <a:effectRef idx="0">
+            <a:schemeClr val="dk1"/>
+          </a:effectRef>
+          <a:fontRef idx="minor">
+            <a:schemeClr val="dk1"/>
+          </a:fontRef>
+        </p:style>
+        <p:txBody>
+          <a:bodyPr rtlCol="0" anchor="ctr"/>
+          <a:lstStyle/>
+          <a:p>
+            <a:pPr algn="ctr"/>
+            <a:endParaRPr lang="en-US" dirty="0">
+              <a:solidFill>
+                <a:srgbClr val="00B050"/>
+              </a:solidFill>
+            </a:endParaRPr>
+          </a:p>
+        </p:txBody>
+      </p:sp>
+      <p:sp>
+        <p:nvSpPr>
+          <p:cNvPr id="40" name="TextBox 39">
+            <a:extLst>
+              <a:ext uri="{FF2B5EF4-FFF2-40B4-BE49-F238E27FC236}">
+                <a16:creationId xmlns:a16="http://schemas.microsoft.com/office/drawing/2014/main" id="{B2B2B631-B52E-4D42-B966-20EC2F2CDF78}"/>
+              </a:ext>
+            </a:extLst>
+          </p:cNvPr>
+          <p:cNvSpPr txBox="1"/>
+          <p:nvPr/>
+        </p:nvSpPr>
+        <p:spPr>
+          <a:xfrm>
+            <a:off x="3103056" y="5165105"/>
+            <a:ext cx="2004693" cy="338554"/>
+          </a:xfrm>
+          <a:prstGeom prst="rect">
+            <a:avLst/>
+          </a:prstGeom>
+          <a:noFill/>
+        </p:spPr>
+        <p:txBody>
+          <a:bodyPr wrap="square" rtlCol="0">
+            <a:spAutoFit/>
+          </a:bodyPr>
+          <a:lstStyle/>
+          <a:p>
+            <a:pPr algn="ctr"/>
+            <a:r>
+              <a:rPr lang="en-US" sz="1600" b="1" dirty="0">
+                <a:solidFill>
+                  <a:srgbClr val="FF0000"/>
+                </a:solidFill>
+              </a:rPr>
+              <a:t>&lt;category-form&gt;</a:t>
+            </a:r>
+          </a:p>
+        </p:txBody>
+      </p:sp>
+      <p:sp>
+        <p:nvSpPr>
+          <p:cNvPr id="42" name="TextBox 41">
+            <a:extLst>
+              <a:ext uri="{FF2B5EF4-FFF2-40B4-BE49-F238E27FC236}">
+                <a16:creationId xmlns:a16="http://schemas.microsoft.com/office/drawing/2014/main" id="{224FA539-0218-4AE8-B200-E46D3080E272}"/>
+              </a:ext>
+            </a:extLst>
+          </p:cNvPr>
+          <p:cNvSpPr txBox="1"/>
+          <p:nvPr/>
+        </p:nvSpPr>
+        <p:spPr>
+          <a:xfrm>
+            <a:off x="195712" y="3447157"/>
             <a:ext cx="1903725" cy="338554"/>
           </a:xfrm>
           <a:prstGeom prst="rect">
@@ -10208,19 +12001,19 @@
       </p:sp>
       <p:sp>
         <p:nvSpPr>
-          <p:cNvPr id="56" name="TextBox 55">
-            <a:extLst>
-              <a:ext uri="{FF2B5EF4-FFF2-40B4-BE49-F238E27FC236}">
-                <a16:creationId xmlns:a16="http://schemas.microsoft.com/office/drawing/2014/main" id="{044279C8-6E13-459F-9843-CCFFBF048DE4}"/>
-              </a:ext>
-            </a:extLst>
-          </p:cNvPr>
-          <p:cNvSpPr txBox="1"/>
-          <p:nvPr/>
-        </p:nvSpPr>
-        <p:spPr>
-          <a:xfrm>
-            <a:off x="8333577" y="2541918"/>
+          <p:cNvPr id="43" name="TextBox 42">
+            <a:extLst>
+              <a:ext uri="{FF2B5EF4-FFF2-40B4-BE49-F238E27FC236}">
+                <a16:creationId xmlns:a16="http://schemas.microsoft.com/office/drawing/2014/main" id="{AAFD11AF-EC40-4BF5-89F0-06C2A3F64A4E}"/>
+              </a:ext>
+            </a:extLst>
+          </p:cNvPr>
+          <p:cNvSpPr txBox="1"/>
+          <p:nvPr/>
+        </p:nvSpPr>
+        <p:spPr>
+          <a:xfrm>
+            <a:off x="3224865" y="3447157"/>
             <a:ext cx="1903725" cy="338554"/>
           </a:xfrm>
           <a:prstGeom prst="rect">
@@ -10243,19 +12036,19 @@
       </p:sp>
       <p:sp>
         <p:nvSpPr>
-          <p:cNvPr id="57" name="TextBox 56">
-            <a:extLst>
-              <a:ext uri="{FF2B5EF4-FFF2-40B4-BE49-F238E27FC236}">
-                <a16:creationId xmlns:a16="http://schemas.microsoft.com/office/drawing/2014/main" id="{BAB94BFB-9EF6-4FD9-97FD-73ADF006740D}"/>
-              </a:ext>
-            </a:extLst>
-          </p:cNvPr>
-          <p:cNvSpPr txBox="1"/>
-          <p:nvPr/>
-        </p:nvSpPr>
-        <p:spPr>
-          <a:xfrm>
-            <a:off x="9956231" y="2370415"/>
+          <p:cNvPr id="44" name="TextBox 43">
+            <a:extLst>
+              <a:ext uri="{FF2B5EF4-FFF2-40B4-BE49-F238E27FC236}">
+                <a16:creationId xmlns:a16="http://schemas.microsoft.com/office/drawing/2014/main" id="{692A03FA-142D-4FD9-863D-233C5CE83D91}"/>
+              </a:ext>
+            </a:extLst>
+          </p:cNvPr>
+          <p:cNvSpPr txBox="1"/>
+          <p:nvPr/>
+        </p:nvSpPr>
+        <p:spPr>
+          <a:xfrm>
+            <a:off x="128803" y="5442318"/>
             <a:ext cx="1903725" cy="338554"/>
           </a:xfrm>
           <a:prstGeom prst="rect">
@@ -10272,6 +12065,525 @@
             <a:r>
               <a:rPr lang="en-US" sz="1600" dirty="0"/>
               <a:t>category-info[]</a:t>
+            </a:r>
+          </a:p>
+        </p:txBody>
+      </p:sp>
+      <p:sp>
+        <p:nvSpPr>
+          <p:cNvPr id="45" name="TextBox 44">
+            <a:extLst>
+              <a:ext uri="{FF2B5EF4-FFF2-40B4-BE49-F238E27FC236}">
+                <a16:creationId xmlns:a16="http://schemas.microsoft.com/office/drawing/2014/main" id="{842B23ED-FF59-4F7C-B4C3-7817223A0445}"/>
+              </a:ext>
+            </a:extLst>
+          </p:cNvPr>
+          <p:cNvSpPr txBox="1"/>
+          <p:nvPr/>
+        </p:nvSpPr>
+        <p:spPr>
+          <a:xfrm>
+            <a:off x="3177952" y="5473854"/>
+            <a:ext cx="1903725" cy="338554"/>
+          </a:xfrm>
+          <a:prstGeom prst="rect">
+            <a:avLst/>
+          </a:prstGeom>
+          <a:noFill/>
+        </p:spPr>
+        <p:txBody>
+          <a:bodyPr wrap="square" rtlCol="0">
+            <a:spAutoFit/>
+          </a:bodyPr>
+          <a:lstStyle/>
+          <a:p>
+            <a:r>
+              <a:rPr lang="en-US" sz="1600" dirty="0"/>
+              <a:t>category-info[]</a:t>
+            </a:r>
+          </a:p>
+        </p:txBody>
+      </p:sp>
+      <p:sp>
+        <p:nvSpPr>
+          <p:cNvPr id="2" name="Arrow: Right 1">
+            <a:extLst>
+              <a:ext uri="{FF2B5EF4-FFF2-40B4-BE49-F238E27FC236}">
+                <a16:creationId xmlns:a16="http://schemas.microsoft.com/office/drawing/2014/main" id="{4345D9D4-0456-4405-B72A-37809DF4D3F9}"/>
+              </a:ext>
+            </a:extLst>
+          </p:cNvPr>
+          <p:cNvSpPr/>
+          <p:nvPr/>
+        </p:nvSpPr>
+        <p:spPr>
+          <a:xfrm>
+            <a:off x="2099437" y="3232107"/>
+            <a:ext cx="804822" cy="458363"/>
+          </a:xfrm>
+          <a:prstGeom prst="rightArrow">
+            <a:avLst/>
+          </a:prstGeom>
+          <a:solidFill>
+            <a:schemeClr val="accent6"/>
+          </a:solidFill>
+          <a:ln>
+            <a:solidFill>
+              <a:schemeClr val="accent6"/>
+            </a:solidFill>
+          </a:ln>
+        </p:spPr>
+        <p:style>
+          <a:lnRef idx="2">
+            <a:schemeClr val="accent1">
+              <a:shade val="50000"/>
+            </a:schemeClr>
+          </a:lnRef>
+          <a:fillRef idx="1">
+            <a:schemeClr val="accent1"/>
+          </a:fillRef>
+          <a:effectRef idx="0">
+            <a:schemeClr val="accent1"/>
+          </a:effectRef>
+          <a:fontRef idx="minor">
+            <a:schemeClr val="lt1"/>
+          </a:fontRef>
+        </p:style>
+        <p:txBody>
+          <a:bodyPr rtlCol="0" anchor="ctr"/>
+          <a:lstStyle/>
+          <a:p>
+            <a:pPr algn="ctr"/>
+            <a:endParaRPr lang="en-US"/>
+          </a:p>
+        </p:txBody>
+      </p:sp>
+      <p:sp>
+        <p:nvSpPr>
+          <p:cNvPr id="46" name="TextBox 45">
+            <a:extLst>
+              <a:ext uri="{FF2B5EF4-FFF2-40B4-BE49-F238E27FC236}">
+                <a16:creationId xmlns:a16="http://schemas.microsoft.com/office/drawing/2014/main" id="{A0A8692C-E733-460E-A30A-D4EF0185416D}"/>
+              </a:ext>
+            </a:extLst>
+          </p:cNvPr>
+          <p:cNvSpPr txBox="1"/>
+          <p:nvPr/>
+        </p:nvSpPr>
+        <p:spPr>
+          <a:xfrm>
+            <a:off x="2034319" y="2937650"/>
+            <a:ext cx="1129379" cy="338554"/>
+          </a:xfrm>
+          <a:prstGeom prst="rect">
+            <a:avLst/>
+          </a:prstGeom>
+          <a:noFill/>
+        </p:spPr>
+        <p:txBody>
+          <a:bodyPr wrap="square" rtlCol="0">
+            <a:spAutoFit/>
+          </a:bodyPr>
+          <a:lstStyle/>
+          <a:p>
+            <a:r>
+              <a:rPr lang="en-US" sz="1600" b="1" dirty="0">
+                <a:solidFill>
+                  <a:schemeClr val="accent6">
+                    <a:lumMod val="75000"/>
+                  </a:schemeClr>
+                </a:solidFill>
+              </a:rPr>
+              <a:t>PROPS</a:t>
+            </a:r>
+          </a:p>
+        </p:txBody>
+      </p:sp>
+      <p:sp>
+        <p:nvSpPr>
+          <p:cNvPr id="47" name="TextBox 46">
+            <a:extLst>
+              <a:ext uri="{FF2B5EF4-FFF2-40B4-BE49-F238E27FC236}">
+                <a16:creationId xmlns:a16="http://schemas.microsoft.com/office/drawing/2014/main" id="{CE56E51E-54C4-490B-801F-BDC8FFABA4B9}"/>
+              </a:ext>
+            </a:extLst>
+          </p:cNvPr>
+          <p:cNvSpPr txBox="1"/>
+          <p:nvPr/>
+        </p:nvSpPr>
+        <p:spPr>
+          <a:xfrm>
+            <a:off x="2060625" y="3618110"/>
+            <a:ext cx="1025265" cy="338554"/>
+          </a:xfrm>
+          <a:prstGeom prst="rect">
+            <a:avLst/>
+          </a:prstGeom>
+          <a:noFill/>
+        </p:spPr>
+        <p:txBody>
+          <a:bodyPr wrap="square" rtlCol="0">
+            <a:spAutoFit/>
+          </a:bodyPr>
+          <a:lstStyle/>
+          <a:p>
+            <a:r>
+              <a:rPr lang="en-US" sz="1600" dirty="0"/>
+              <a:t>my-event</a:t>
+            </a:r>
+          </a:p>
+        </p:txBody>
+      </p:sp>
+      <p:sp>
+        <p:nvSpPr>
+          <p:cNvPr id="3" name="Arrow: Left 2">
+            <a:extLst>
+              <a:ext uri="{FF2B5EF4-FFF2-40B4-BE49-F238E27FC236}">
+                <a16:creationId xmlns:a16="http://schemas.microsoft.com/office/drawing/2014/main" id="{074BAD7D-D9AB-4E80-AF23-06A919FE506A}"/>
+              </a:ext>
+            </a:extLst>
+          </p:cNvPr>
+          <p:cNvSpPr/>
+          <p:nvPr/>
+        </p:nvSpPr>
+        <p:spPr>
+          <a:xfrm>
+            <a:off x="2171614" y="5296159"/>
+            <a:ext cx="901122" cy="446490"/>
+          </a:xfrm>
+          <a:prstGeom prst="leftArrow">
+            <a:avLst/>
+          </a:prstGeom>
+          <a:solidFill>
+            <a:srgbClr val="FF0000"/>
+          </a:solidFill>
+        </p:spPr>
+        <p:style>
+          <a:lnRef idx="2">
+            <a:schemeClr val="accent1">
+              <a:shade val="50000"/>
+            </a:schemeClr>
+          </a:lnRef>
+          <a:fillRef idx="1">
+            <a:schemeClr val="accent1"/>
+          </a:fillRef>
+          <a:effectRef idx="0">
+            <a:schemeClr val="accent1"/>
+          </a:effectRef>
+          <a:fontRef idx="minor">
+            <a:schemeClr val="lt1"/>
+          </a:fontRef>
+        </p:style>
+        <p:txBody>
+          <a:bodyPr rtlCol="0" anchor="ctr"/>
+          <a:lstStyle/>
+          <a:p>
+            <a:pPr algn="ctr"/>
+            <a:endParaRPr lang="en-US"/>
+          </a:p>
+        </p:txBody>
+      </p:sp>
+      <p:sp>
+        <p:nvSpPr>
+          <p:cNvPr id="48" name="TextBox 47">
+            <a:extLst>
+              <a:ext uri="{FF2B5EF4-FFF2-40B4-BE49-F238E27FC236}">
+                <a16:creationId xmlns:a16="http://schemas.microsoft.com/office/drawing/2014/main" id="{CACF3EAF-F9DC-47F5-A265-9FE6E9E71913}"/>
+              </a:ext>
+            </a:extLst>
+          </p:cNvPr>
+          <p:cNvSpPr txBox="1"/>
+          <p:nvPr/>
+        </p:nvSpPr>
+        <p:spPr>
+          <a:xfrm>
+            <a:off x="2269826" y="5003635"/>
+            <a:ext cx="1129379" cy="338554"/>
+          </a:xfrm>
+          <a:prstGeom prst="rect">
+            <a:avLst/>
+          </a:prstGeom>
+          <a:noFill/>
+        </p:spPr>
+        <p:txBody>
+          <a:bodyPr wrap="square" rtlCol="0">
+            <a:spAutoFit/>
+          </a:bodyPr>
+          <a:lstStyle/>
+          <a:p>
+            <a:r>
+              <a:rPr lang="en-US" sz="1600" b="1" dirty="0">
+                <a:solidFill>
+                  <a:srgbClr val="FF0000"/>
+                </a:solidFill>
+              </a:rPr>
+              <a:t>EMITS</a:t>
+            </a:r>
+          </a:p>
+        </p:txBody>
+      </p:sp>
+      <p:sp>
+        <p:nvSpPr>
+          <p:cNvPr id="49" name="TextBox 48">
+            <a:extLst>
+              <a:ext uri="{FF2B5EF4-FFF2-40B4-BE49-F238E27FC236}">
+                <a16:creationId xmlns:a16="http://schemas.microsoft.com/office/drawing/2014/main" id="{1E0CC792-4CA6-4322-A1EB-49BF932741AC}"/>
+              </a:ext>
+            </a:extLst>
+          </p:cNvPr>
+          <p:cNvSpPr txBox="1"/>
+          <p:nvPr/>
+        </p:nvSpPr>
+        <p:spPr>
+          <a:xfrm>
+            <a:off x="2138433" y="5634713"/>
+            <a:ext cx="1025265" cy="338554"/>
+          </a:xfrm>
+          <a:prstGeom prst="rect">
+            <a:avLst/>
+          </a:prstGeom>
+          <a:noFill/>
+        </p:spPr>
+        <p:txBody>
+          <a:bodyPr wrap="square" rtlCol="0">
+            <a:spAutoFit/>
+          </a:bodyPr>
+          <a:lstStyle/>
+          <a:p>
+            <a:r>
+              <a:rPr lang="en-US" sz="1600" dirty="0"/>
+              <a:t>validated</a:t>
+            </a:r>
+          </a:p>
+        </p:txBody>
+      </p:sp>
+      <p:sp>
+        <p:nvSpPr>
+          <p:cNvPr id="50" name="TextBox 49">
+            <a:extLst>
+              <a:ext uri="{FF2B5EF4-FFF2-40B4-BE49-F238E27FC236}">
+                <a16:creationId xmlns:a16="http://schemas.microsoft.com/office/drawing/2014/main" id="{4C0136D8-1CC7-438A-959E-0A9CCF547541}"/>
+              </a:ext>
+            </a:extLst>
+          </p:cNvPr>
+          <p:cNvSpPr txBox="1"/>
+          <p:nvPr/>
+        </p:nvSpPr>
+        <p:spPr>
+          <a:xfrm>
+            <a:off x="195712" y="6334539"/>
+            <a:ext cx="4637714" cy="369332"/>
+          </a:xfrm>
+          <a:prstGeom prst="rect">
+            <a:avLst/>
+          </a:prstGeom>
+          <a:noFill/>
+        </p:spPr>
+        <p:txBody>
+          <a:bodyPr wrap="square" rtlCol="0">
+            <a:spAutoFit/>
+          </a:bodyPr>
+          <a:lstStyle/>
+          <a:p>
+            <a:r>
+              <a:rPr lang="en-US" dirty="0"/>
+              <a:t>// </a:t>
+            </a:r>
+            <a:r>
+              <a:rPr lang="en-US" dirty="0">
+                <a:solidFill>
+                  <a:srgbClr val="FF0000"/>
+                </a:solidFill>
+              </a:rPr>
+              <a:t>form</a:t>
+            </a:r>
+            <a:r>
+              <a:rPr lang="en-US" dirty="0"/>
+              <a:t> send the event validated to </a:t>
+            </a:r>
+            <a:r>
+              <a:rPr lang="en-US" dirty="0">
+                <a:solidFill>
+                  <a:srgbClr val="FF0000"/>
+                </a:solidFill>
+              </a:rPr>
+              <a:t>parent</a:t>
+            </a:r>
+          </a:p>
+        </p:txBody>
+      </p:sp>
+      <p:sp>
+        <p:nvSpPr>
+          <p:cNvPr id="51" name="TextBox 50">
+            <a:extLst>
+              <a:ext uri="{FF2B5EF4-FFF2-40B4-BE49-F238E27FC236}">
+                <a16:creationId xmlns:a16="http://schemas.microsoft.com/office/drawing/2014/main" id="{7F828876-0E88-4442-AF2E-B255465F6AD1}"/>
+              </a:ext>
+            </a:extLst>
+          </p:cNvPr>
+          <p:cNvSpPr txBox="1"/>
+          <p:nvPr/>
+        </p:nvSpPr>
+        <p:spPr>
+          <a:xfrm>
+            <a:off x="6261660" y="1217230"/>
+            <a:ext cx="1903725" cy="338554"/>
+          </a:xfrm>
+          <a:prstGeom prst="rect">
+            <a:avLst/>
+          </a:prstGeom>
+          <a:noFill/>
+        </p:spPr>
+        <p:txBody>
+          <a:bodyPr wrap="square" rtlCol="0">
+            <a:spAutoFit/>
+          </a:bodyPr>
+          <a:lstStyle/>
+          <a:p>
+            <a:r>
+              <a:rPr lang="en-US" sz="1600" dirty="0"/>
+              <a:t>category-info[]</a:t>
+            </a:r>
+          </a:p>
+        </p:txBody>
+      </p:sp>
+      <p:sp>
+        <p:nvSpPr>
+          <p:cNvPr id="52" name="TextBox 51">
+            <a:extLst>
+              <a:ext uri="{FF2B5EF4-FFF2-40B4-BE49-F238E27FC236}">
+                <a16:creationId xmlns:a16="http://schemas.microsoft.com/office/drawing/2014/main" id="{1B1382C8-7750-43A6-91A8-68E429923F4A}"/>
+              </a:ext>
+            </a:extLst>
+          </p:cNvPr>
+          <p:cNvSpPr txBox="1"/>
+          <p:nvPr/>
+        </p:nvSpPr>
+        <p:spPr>
+          <a:xfrm>
+            <a:off x="8156061" y="1336611"/>
+            <a:ext cx="1903725" cy="338554"/>
+          </a:xfrm>
+          <a:prstGeom prst="rect">
+            <a:avLst/>
+          </a:prstGeom>
+          <a:noFill/>
+        </p:spPr>
+        <p:txBody>
+          <a:bodyPr wrap="square" rtlCol="0">
+            <a:spAutoFit/>
+          </a:bodyPr>
+          <a:lstStyle/>
+          <a:p>
+            <a:r>
+              <a:rPr lang="en-US" sz="1600" dirty="0"/>
+              <a:t>category-info[]</a:t>
+            </a:r>
+          </a:p>
+        </p:txBody>
+      </p:sp>
+      <p:sp>
+        <p:nvSpPr>
+          <p:cNvPr id="56" name="TextBox 55">
+            <a:extLst>
+              <a:ext uri="{FF2B5EF4-FFF2-40B4-BE49-F238E27FC236}">
+                <a16:creationId xmlns:a16="http://schemas.microsoft.com/office/drawing/2014/main" id="{044279C8-6E13-459F-9843-CCFFBF048DE4}"/>
+              </a:ext>
+            </a:extLst>
+          </p:cNvPr>
+          <p:cNvSpPr txBox="1"/>
+          <p:nvPr/>
+        </p:nvSpPr>
+        <p:spPr>
+          <a:xfrm>
+            <a:off x="8333577" y="2992492"/>
+            <a:ext cx="1903725" cy="338554"/>
+          </a:xfrm>
+          <a:prstGeom prst="rect">
+            <a:avLst/>
+          </a:prstGeom>
+          <a:noFill/>
+        </p:spPr>
+        <p:txBody>
+          <a:bodyPr wrap="square" rtlCol="0">
+            <a:spAutoFit/>
+          </a:bodyPr>
+          <a:lstStyle/>
+          <a:p>
+            <a:r>
+              <a:rPr lang="en-US" sz="1600" dirty="0"/>
+              <a:t>category-info[]</a:t>
+            </a:r>
+          </a:p>
+        </p:txBody>
+      </p:sp>
+      <p:sp>
+        <p:nvSpPr>
+          <p:cNvPr id="57" name="TextBox 56">
+            <a:extLst>
+              <a:ext uri="{FF2B5EF4-FFF2-40B4-BE49-F238E27FC236}">
+                <a16:creationId xmlns:a16="http://schemas.microsoft.com/office/drawing/2014/main" id="{BAB94BFB-9EF6-4FD9-97FD-73ADF006740D}"/>
+              </a:ext>
+            </a:extLst>
+          </p:cNvPr>
+          <p:cNvSpPr txBox="1"/>
+          <p:nvPr/>
+        </p:nvSpPr>
+        <p:spPr>
+          <a:xfrm>
+            <a:off x="9956231" y="2820989"/>
+            <a:ext cx="1903725" cy="338554"/>
+          </a:xfrm>
+          <a:prstGeom prst="rect">
+            <a:avLst/>
+          </a:prstGeom>
+          <a:noFill/>
+        </p:spPr>
+        <p:txBody>
+          <a:bodyPr wrap="square" rtlCol="0">
+            <a:spAutoFit/>
+          </a:bodyPr>
+          <a:lstStyle/>
+          <a:p>
+            <a:r>
+              <a:rPr lang="en-US" sz="1600" dirty="0"/>
+              <a:t>category-info[]</a:t>
+            </a:r>
+          </a:p>
+        </p:txBody>
+      </p:sp>
+      <p:sp>
+        <p:nvSpPr>
+          <p:cNvPr id="8" name="TextBox 7">
+            <a:extLst>
+              <a:ext uri="{FF2B5EF4-FFF2-40B4-BE49-F238E27FC236}">
+                <a16:creationId xmlns:a16="http://schemas.microsoft.com/office/drawing/2014/main" id="{BFE25B50-143F-43A6-BA8F-19E9D730742C}"/>
+              </a:ext>
+            </a:extLst>
+          </p:cNvPr>
+          <p:cNvSpPr txBox="1"/>
+          <p:nvPr/>
+        </p:nvSpPr>
+        <p:spPr>
+          <a:xfrm>
+            <a:off x="0" y="132522"/>
+            <a:ext cx="5434218" cy="646331"/>
+          </a:xfrm>
+          <a:prstGeom prst="rect">
+            <a:avLst/>
+          </a:prstGeom>
+          <a:noFill/>
+        </p:spPr>
+        <p:txBody>
+          <a:bodyPr wrap="square" rtlCol="0">
+            <a:spAutoFit/>
+          </a:bodyPr>
+          <a:lstStyle/>
+          <a:p>
+            <a:pPr algn="ctr"/>
+            <a:r>
+              <a:rPr lang="en-US" sz="3600" dirty="0"/>
+              <a:t>Category Event</a:t>
             </a:r>
           </a:p>
         </p:txBody>
